--- a/courses/apcsp/lect9.pptx
+++ b/courses/apcsp/lect9.pptx
@@ -10,18 +10,22 @@
     <p:sldId id="257" r:id="rId4"/>
     <p:sldId id="324" r:id="rId5"/>
     <p:sldId id="333" r:id="rId6"/>
-    <p:sldId id="332" r:id="rId7"/>
-    <p:sldId id="321" r:id="rId8"/>
-    <p:sldId id="331" r:id="rId9"/>
-    <p:sldId id="334" r:id="rId10"/>
-    <p:sldId id="320" r:id="rId11"/>
-    <p:sldId id="325" r:id="rId12"/>
-    <p:sldId id="327" r:id="rId13"/>
-    <p:sldId id="322" r:id="rId14"/>
-    <p:sldId id="329" r:id="rId15"/>
-    <p:sldId id="330" r:id="rId16"/>
-    <p:sldId id="328" r:id="rId17"/>
-    <p:sldId id="284" r:id="rId18"/>
+    <p:sldId id="335" r:id="rId7"/>
+    <p:sldId id="332" r:id="rId8"/>
+    <p:sldId id="336" r:id="rId9"/>
+    <p:sldId id="321" r:id="rId10"/>
+    <p:sldId id="331" r:id="rId11"/>
+    <p:sldId id="334" r:id="rId12"/>
+    <p:sldId id="320" r:id="rId13"/>
+    <p:sldId id="325" r:id="rId14"/>
+    <p:sldId id="327" r:id="rId15"/>
+    <p:sldId id="322" r:id="rId16"/>
+    <p:sldId id="329" r:id="rId17"/>
+    <p:sldId id="330" r:id="rId18"/>
+    <p:sldId id="328" r:id="rId19"/>
+    <p:sldId id="337" r:id="rId20"/>
+    <p:sldId id="338" r:id="rId21"/>
+    <p:sldId id="284" r:id="rId22"/>
   </p:sldIdLst>
   <p:sldSz cx="9144000" cy="5715000" type="screen16x10"/>
   <p:notesSz cx="6858000" cy="9144000"/>
@@ -131,7 +135,7 @@
 <file path=ppt/revisionInfo.xml><?xml version="1.0" encoding="utf-8"?>
 <p1510:revInfo xmlns:a="http://schemas.openxmlformats.org/drawingml/2006/main" xmlns:r="http://schemas.openxmlformats.org/officeDocument/2006/relationships" xmlns:p1510="http://schemas.microsoft.com/office/powerpoint/2015/10/main">
   <p1510:revLst>
-    <p1510:client id="{59CB9C7B-CBC7-E549-B176-97F9C29CB310}" v="38" dt="2019-11-05T14:01:30.221"/>
+    <p1510:client id="{59CB9C7B-CBC7-E549-B176-97F9C29CB310}" v="792" dt="2019-11-07T01:53:50.331"/>
   </p1510:revLst>
 </p1510:revInfo>
 </file>
@@ -140,18 +144,11 @@
 <pc:chgInfo xmlns:a="http://schemas.openxmlformats.org/drawingml/2006/main" xmlns:r="http://schemas.openxmlformats.org/officeDocument/2006/relationships" xmlns:ac="http://schemas.microsoft.com/office/drawing/2013/main/command" xmlns:pc="http://schemas.microsoft.com/office/powerpoint/2013/main/command">
   <pc:docChgLst>
     <pc:chgData name="Long B Nguyen" userId="f59fb8f3-a021-417a-8bc1-65c8d471c621" providerId="ADAL" clId="{59CB9C7B-CBC7-E549-B176-97F9C29CB310}"/>
-    <pc:docChg chg="custSel addSld delSld modSld">
-      <pc:chgData name="Long B Nguyen" userId="f59fb8f3-a021-417a-8bc1-65c8d471c621" providerId="ADAL" clId="{59CB9C7B-CBC7-E549-B176-97F9C29CB310}" dt="2019-11-05T14:01:50.220" v="1440" actId="20577"/>
+    <pc:docChg chg="undo custSel addSld delSld modSld">
+      <pc:chgData name="Long B Nguyen" userId="f59fb8f3-a021-417a-8bc1-65c8d471c621" providerId="ADAL" clId="{59CB9C7B-CBC7-E549-B176-97F9C29CB310}" dt="2019-11-07T01:53:50.331" v="2706" actId="255"/>
       <pc:docMkLst>
         <pc:docMk/>
       </pc:docMkLst>
-      <pc:sldChg chg="del">
-        <pc:chgData name="Long B Nguyen" userId="f59fb8f3-a021-417a-8bc1-65c8d471c621" providerId="ADAL" clId="{59CB9C7B-CBC7-E549-B176-97F9C29CB310}" dt="2019-11-04T19:36:45.325" v="0" actId="2696"/>
-        <pc:sldMkLst>
-          <pc:docMk/>
-          <pc:sldMk cId="2224045576" sldId="305"/>
-        </pc:sldMkLst>
-      </pc:sldChg>
       <pc:sldChg chg="addSp delSp modSp">
         <pc:chgData name="Long B Nguyen" userId="f59fb8f3-a021-417a-8bc1-65c8d471c621" providerId="ADAL" clId="{59CB9C7B-CBC7-E549-B176-97F9C29CB310}" dt="2019-11-05T13:54:02.337" v="1287"/>
         <pc:sldMkLst>
@@ -246,14 +243,52 @@
           </ac:cxnSpMkLst>
         </pc:cxnChg>
       </pc:sldChg>
+      <pc:sldChg chg="modSp">
+        <pc:chgData name="Long B Nguyen" userId="f59fb8f3-a021-417a-8bc1-65c8d471c621" providerId="ADAL" clId="{59CB9C7B-CBC7-E549-B176-97F9C29CB310}" dt="2019-11-07T01:46:31.709" v="2444" actId="20577"/>
+        <pc:sldMkLst>
+          <pc:docMk/>
+          <pc:sldMk cId="3699191075" sldId="329"/>
+        </pc:sldMkLst>
+        <pc:spChg chg="mod">
+          <ac:chgData name="Long B Nguyen" userId="f59fb8f3-a021-417a-8bc1-65c8d471c621" providerId="ADAL" clId="{59CB9C7B-CBC7-E549-B176-97F9C29CB310}" dt="2019-11-07T01:46:31.709" v="2444" actId="20577"/>
+          <ac:spMkLst>
+            <pc:docMk/>
+            <pc:sldMk cId="3699191075" sldId="329"/>
+            <ac:spMk id="9" creationId="{E3B2E017-30B2-884B-A113-B419A2ED51AD}"/>
+          </ac:spMkLst>
+        </pc:spChg>
+      </pc:sldChg>
+      <pc:sldChg chg="modSp">
+        <pc:chgData name="Long B Nguyen" userId="f59fb8f3-a021-417a-8bc1-65c8d471c621" providerId="ADAL" clId="{59CB9C7B-CBC7-E549-B176-97F9C29CB310}" dt="2019-11-07T01:46:53.363" v="2455" actId="20577"/>
+        <pc:sldMkLst>
+          <pc:docMk/>
+          <pc:sldMk cId="3972787296" sldId="330"/>
+        </pc:sldMkLst>
+        <pc:spChg chg="mod">
+          <ac:chgData name="Long B Nguyen" userId="f59fb8f3-a021-417a-8bc1-65c8d471c621" providerId="ADAL" clId="{59CB9C7B-CBC7-E549-B176-97F9C29CB310}" dt="2019-11-06T17:42:51.526" v="2012" actId="20577"/>
+          <ac:spMkLst>
+            <pc:docMk/>
+            <pc:sldMk cId="3972787296" sldId="330"/>
+            <ac:spMk id="2" creationId="{AA3A228F-61D0-D949-A5E7-F83756230BF8}"/>
+          </ac:spMkLst>
+        </pc:spChg>
+        <pc:spChg chg="mod">
+          <ac:chgData name="Long B Nguyen" userId="f59fb8f3-a021-417a-8bc1-65c8d471c621" providerId="ADAL" clId="{59CB9C7B-CBC7-E549-B176-97F9C29CB310}" dt="2019-11-07T01:46:53.363" v="2455" actId="20577"/>
+          <ac:spMkLst>
+            <pc:docMk/>
+            <pc:sldMk cId="3972787296" sldId="330"/>
+            <ac:spMk id="9" creationId="{E3B2E017-30B2-884B-A113-B419A2ED51AD}"/>
+          </ac:spMkLst>
+        </pc:spChg>
+      </pc:sldChg>
       <pc:sldChg chg="addSp modSp">
-        <pc:chgData name="Long B Nguyen" userId="f59fb8f3-a021-417a-8bc1-65c8d471c621" providerId="ADAL" clId="{59CB9C7B-CBC7-E549-B176-97F9C29CB310}" dt="2019-11-05T13:54:52.950" v="1375" actId="1076"/>
+        <pc:chgData name="Long B Nguyen" userId="f59fb8f3-a021-417a-8bc1-65c8d471c621" providerId="ADAL" clId="{59CB9C7B-CBC7-E549-B176-97F9C29CB310}" dt="2019-11-06T17:31:40.387" v="1466" actId="20577"/>
         <pc:sldMkLst>
           <pc:docMk/>
           <pc:sldMk cId="1403592009" sldId="331"/>
         </pc:sldMkLst>
         <pc:spChg chg="add mod">
-          <ac:chgData name="Long B Nguyen" userId="f59fb8f3-a021-417a-8bc1-65c8d471c621" providerId="ADAL" clId="{59CB9C7B-CBC7-E549-B176-97F9C29CB310}" dt="2019-11-05T13:54:52.950" v="1375" actId="1076"/>
+          <ac:chgData name="Long B Nguyen" userId="f59fb8f3-a021-417a-8bc1-65c8d471c621" providerId="ADAL" clId="{59CB9C7B-CBC7-E549-B176-97F9C29CB310}" dt="2019-11-06T17:31:40.387" v="1466" actId="20577"/>
           <ac:spMkLst>
             <pc:docMk/>
             <pc:sldMk cId="1403592009" sldId="331"/>
@@ -278,13 +313,21 @@
         </pc:cxnChg>
       </pc:sldChg>
       <pc:sldChg chg="addSp modSp add">
-        <pc:chgData name="Long B Nguyen" userId="f59fb8f3-a021-417a-8bc1-65c8d471c621" providerId="ADAL" clId="{59CB9C7B-CBC7-E549-B176-97F9C29CB310}" dt="2019-11-05T13:52:02.363" v="1180" actId="207"/>
+        <pc:chgData name="Long B Nguyen" userId="f59fb8f3-a021-417a-8bc1-65c8d471c621" providerId="ADAL" clId="{59CB9C7B-CBC7-E549-B176-97F9C29CB310}" dt="2019-11-06T17:41:30.466" v="1976" actId="20577"/>
         <pc:sldMkLst>
           <pc:docMk/>
           <pc:sldMk cId="1776526477" sldId="332"/>
         </pc:sldMkLst>
+        <pc:spChg chg="mod">
+          <ac:chgData name="Long B Nguyen" userId="f59fb8f3-a021-417a-8bc1-65c8d471c621" providerId="ADAL" clId="{59CB9C7B-CBC7-E549-B176-97F9C29CB310}" dt="2019-11-06T17:40:28.615" v="1921" actId="1076"/>
+          <ac:spMkLst>
+            <pc:docMk/>
+            <pc:sldMk cId="1776526477" sldId="332"/>
+            <ac:spMk id="2" creationId="{AA3A228F-61D0-D949-A5E7-F83756230BF8}"/>
+          </ac:spMkLst>
+        </pc:spChg>
         <pc:spChg chg="add mod">
-          <ac:chgData name="Long B Nguyen" userId="f59fb8f3-a021-417a-8bc1-65c8d471c621" providerId="ADAL" clId="{59CB9C7B-CBC7-E549-B176-97F9C29CB310}" dt="2019-11-05T13:51:44.375" v="1177" actId="1076"/>
+          <ac:chgData name="Long B Nguyen" userId="f59fb8f3-a021-417a-8bc1-65c8d471c621" providerId="ADAL" clId="{59CB9C7B-CBC7-E549-B176-97F9C29CB310}" dt="2019-11-06T17:41:30.466" v="1976" actId="20577"/>
           <ac:spMkLst>
             <pc:docMk/>
             <pc:sldMk cId="1776526477" sldId="332"/>
@@ -292,7 +335,7 @@
           </ac:spMkLst>
         </pc:spChg>
         <pc:spChg chg="mod">
-          <ac:chgData name="Long B Nguyen" userId="f59fb8f3-a021-417a-8bc1-65c8d471c621" providerId="ADAL" clId="{59CB9C7B-CBC7-E549-B176-97F9C29CB310}" dt="2019-11-05T13:52:02.363" v="1180" actId="207"/>
+          <ac:chgData name="Long B Nguyen" userId="f59fb8f3-a021-417a-8bc1-65c8d471c621" providerId="ADAL" clId="{59CB9C7B-CBC7-E549-B176-97F9C29CB310}" dt="2019-11-06T17:41:05.504" v="1934" actId="20577"/>
           <ac:spMkLst>
             <pc:docMk/>
             <pc:sldMk cId="1776526477" sldId="332"/>
@@ -300,7 +343,7 @@
           </ac:spMkLst>
         </pc:spChg>
         <pc:cxnChg chg="add mod">
-          <ac:chgData name="Long B Nguyen" userId="f59fb8f3-a021-417a-8bc1-65c8d471c621" providerId="ADAL" clId="{59CB9C7B-CBC7-E549-B176-97F9C29CB310}" dt="2019-11-05T13:51:54.639" v="1178" actId="14100"/>
+          <ac:chgData name="Long B Nguyen" userId="f59fb8f3-a021-417a-8bc1-65c8d471c621" providerId="ADAL" clId="{59CB9C7B-CBC7-E549-B176-97F9C29CB310}" dt="2019-11-06T17:41:10.033" v="1935" actId="14100"/>
           <ac:cxnSpMkLst>
             <pc:docMk/>
             <pc:sldMk cId="1776526477" sldId="332"/>
@@ -308,8 +351,8 @@
           </ac:cxnSpMkLst>
         </pc:cxnChg>
       </pc:sldChg>
-      <pc:sldChg chg="addSp delSp modSp add">
-        <pc:chgData name="Long B Nguyen" userId="f59fb8f3-a021-417a-8bc1-65c8d471c621" providerId="ADAL" clId="{59CB9C7B-CBC7-E549-B176-97F9C29CB310}" dt="2019-11-05T13:51:17.165" v="1173" actId="1076"/>
+      <pc:sldChg chg="addSp delSp modSp add modAnim">
+        <pc:chgData name="Long B Nguyen" userId="f59fb8f3-a021-417a-8bc1-65c8d471c621" providerId="ADAL" clId="{59CB9C7B-CBC7-E549-B176-97F9C29CB310}" dt="2019-11-06T17:36:04.142" v="1779"/>
         <pc:sldMkLst>
           <pc:docMk/>
           <pc:sldMk cId="3768911574" sldId="333"/>
@@ -339,7 +382,7 @@
           </ac:spMkLst>
         </pc:spChg>
         <pc:spChg chg="mod">
-          <ac:chgData name="Long B Nguyen" userId="f59fb8f3-a021-417a-8bc1-65c8d471c621" providerId="ADAL" clId="{59CB9C7B-CBC7-E549-B176-97F9C29CB310}" dt="2019-11-05T13:45:47.487" v="827" actId="1076"/>
+          <ac:chgData name="Long B Nguyen" userId="f59fb8f3-a021-417a-8bc1-65c8d471c621" providerId="ADAL" clId="{59CB9C7B-CBC7-E549-B176-97F9C29CB310}" dt="2019-11-06T17:29:30.172" v="1441" actId="1076"/>
           <ac:spMkLst>
             <pc:docMk/>
             <pc:sldMk cId="3768911574" sldId="333"/>
@@ -347,7 +390,15 @@
           </ac:spMkLst>
         </pc:spChg>
         <pc:spChg chg="add mod">
-          <ac:chgData name="Long B Nguyen" userId="f59fb8f3-a021-417a-8bc1-65c8d471c621" providerId="ADAL" clId="{59CB9C7B-CBC7-E549-B176-97F9C29CB310}" dt="2019-11-05T13:51:17.165" v="1173" actId="1076"/>
+          <ac:chgData name="Long B Nguyen" userId="f59fb8f3-a021-417a-8bc1-65c8d471c621" providerId="ADAL" clId="{59CB9C7B-CBC7-E549-B176-97F9C29CB310}" dt="2019-11-06T17:35:54.866" v="1778" actId="1076"/>
+          <ac:spMkLst>
+            <pc:docMk/>
+            <pc:sldMk cId="3768911574" sldId="333"/>
+            <ac:spMk id="16" creationId="{5A9C07C4-A578-9340-813C-79D04F7B9BE1}"/>
+          </ac:spMkLst>
+        </pc:spChg>
+        <pc:spChg chg="add mod">
+          <ac:chgData name="Long B Nguyen" userId="f59fb8f3-a021-417a-8bc1-65c8d471c621" providerId="ADAL" clId="{59CB9C7B-CBC7-E549-B176-97F9C29CB310}" dt="2019-11-06T17:33:45.673" v="1650" actId="1076"/>
           <ac:spMkLst>
             <pc:docMk/>
             <pc:sldMk cId="3768911574" sldId="333"/>
@@ -368,6 +419,14 @@
             <pc:docMk/>
             <pc:sldMk cId="3768911574" sldId="333"/>
             <ac:cxnSpMk id="10" creationId="{72A59FBC-12F0-5C49-8BA8-983F96E9EE0E}"/>
+          </ac:cxnSpMkLst>
+        </pc:cxnChg>
+        <pc:cxnChg chg="add mod">
+          <ac:chgData name="Long B Nguyen" userId="f59fb8f3-a021-417a-8bc1-65c8d471c621" providerId="ADAL" clId="{59CB9C7B-CBC7-E549-B176-97F9C29CB310}" dt="2019-11-06T17:33:56.959" v="1653" actId="14100"/>
+          <ac:cxnSpMkLst>
+            <pc:docMk/>
+            <pc:sldMk cId="3768911574" sldId="333"/>
+            <ac:cxnSpMk id="10" creationId="{78689255-3173-164C-A63E-73DEF65651F2}"/>
           </ac:cxnSpMkLst>
         </pc:cxnChg>
         <pc:cxnChg chg="add mod">
@@ -403,17 +462,173 @@
           </ac:cxnSpMkLst>
         </pc:cxnChg>
       </pc:sldChg>
-      <pc:sldChg chg="modSp add">
-        <pc:chgData name="Long B Nguyen" userId="f59fb8f3-a021-417a-8bc1-65c8d471c621" providerId="ADAL" clId="{59CB9C7B-CBC7-E549-B176-97F9C29CB310}" dt="2019-11-05T14:01:50.220" v="1440" actId="20577"/>
+      <pc:sldChg chg="addSp delSp modSp add">
+        <pc:chgData name="Long B Nguyen" userId="f59fb8f3-a021-417a-8bc1-65c8d471c621" providerId="ADAL" clId="{59CB9C7B-CBC7-E549-B176-97F9C29CB310}" dt="2019-11-06T17:31:26.918" v="1461" actId="478"/>
         <pc:sldMkLst>
           <pc:docMk/>
           <pc:sldMk cId="1520390356" sldId="334"/>
         </pc:sldMkLst>
-        <pc:spChg chg="mod">
-          <ac:chgData name="Long B Nguyen" userId="f59fb8f3-a021-417a-8bc1-65c8d471c621" providerId="ADAL" clId="{59CB9C7B-CBC7-E549-B176-97F9C29CB310}" dt="2019-11-05T14:01:50.220" v="1440" actId="20577"/>
+        <pc:spChg chg="del">
+          <ac:chgData name="Long B Nguyen" userId="f59fb8f3-a021-417a-8bc1-65c8d471c621" providerId="ADAL" clId="{59CB9C7B-CBC7-E549-B176-97F9C29CB310}" dt="2019-11-06T17:31:26.918" v="1461" actId="478"/>
           <ac:spMkLst>
             <pc:docMk/>
             <pc:sldMk cId="1520390356" sldId="334"/>
+            <ac:spMk id="4" creationId="{557F7968-AE4D-9746-81FE-F79B57BD6EFE}"/>
+          </ac:spMkLst>
+        </pc:spChg>
+        <pc:spChg chg="mod">
+          <ac:chgData name="Long B Nguyen" userId="f59fb8f3-a021-417a-8bc1-65c8d471c621" providerId="ADAL" clId="{59CB9C7B-CBC7-E549-B176-97F9C29CB310}" dt="2019-11-06T17:30:45.615" v="1454" actId="20577"/>
+          <ac:spMkLst>
+            <pc:docMk/>
+            <pc:sldMk cId="1520390356" sldId="334"/>
+            <ac:spMk id="9" creationId="{E3B2E017-30B2-884B-A113-B419A2ED51AD}"/>
+          </ac:spMkLst>
+        </pc:spChg>
+        <pc:cxnChg chg="mod">
+          <ac:chgData name="Long B Nguyen" userId="f59fb8f3-a021-417a-8bc1-65c8d471c621" providerId="ADAL" clId="{59CB9C7B-CBC7-E549-B176-97F9C29CB310}" dt="2019-11-06T17:30:58.532" v="1457" actId="14100"/>
+          <ac:cxnSpMkLst>
+            <pc:docMk/>
+            <pc:sldMk cId="1520390356" sldId="334"/>
+            <ac:cxnSpMk id="5" creationId="{3734FE02-600C-2A44-BC16-F394E2FB5293}"/>
+          </ac:cxnSpMkLst>
+        </pc:cxnChg>
+        <pc:cxnChg chg="add mod">
+          <ac:chgData name="Long B Nguyen" userId="f59fb8f3-a021-417a-8bc1-65c8d471c621" providerId="ADAL" clId="{59CB9C7B-CBC7-E549-B176-97F9C29CB310}" dt="2019-11-06T17:31:06.805" v="1460" actId="14100"/>
+          <ac:cxnSpMkLst>
+            <pc:docMk/>
+            <pc:sldMk cId="1520390356" sldId="334"/>
+            <ac:cxnSpMk id="8" creationId="{EADE529A-64EB-0A40-B575-D437D32FAB41}"/>
+          </ac:cxnSpMkLst>
+        </pc:cxnChg>
+      </pc:sldChg>
+      <pc:sldChg chg="delSp modSp add">
+        <pc:chgData name="Long B Nguyen" userId="f59fb8f3-a021-417a-8bc1-65c8d471c621" providerId="ADAL" clId="{59CB9C7B-CBC7-E549-B176-97F9C29CB310}" dt="2019-11-06T17:37:55.112" v="1866" actId="1036"/>
+        <pc:sldMkLst>
+          <pc:docMk/>
+          <pc:sldMk cId="1370301937" sldId="335"/>
+        </pc:sldMkLst>
+        <pc:spChg chg="del">
+          <ac:chgData name="Long B Nguyen" userId="f59fb8f3-a021-417a-8bc1-65c8d471c621" providerId="ADAL" clId="{59CB9C7B-CBC7-E549-B176-97F9C29CB310}" dt="2019-11-06T17:36:49.176" v="1782" actId="478"/>
+          <ac:spMkLst>
+            <pc:docMk/>
+            <pc:sldMk cId="1370301937" sldId="335"/>
+            <ac:spMk id="14" creationId="{5EDF072F-75BE-8741-9067-D2D254F08E47}"/>
+          </ac:spMkLst>
+        </pc:spChg>
+        <pc:spChg chg="mod">
+          <ac:chgData name="Long B Nguyen" userId="f59fb8f3-a021-417a-8bc1-65c8d471c621" providerId="ADAL" clId="{59CB9C7B-CBC7-E549-B176-97F9C29CB310}" dt="2019-11-06T17:37:55.112" v="1866" actId="1036"/>
+          <ac:spMkLst>
+            <pc:docMk/>
+            <pc:sldMk cId="1370301937" sldId="335"/>
+            <ac:spMk id="20" creationId="{F9A61694-4FC5-7F46-9DC1-78F5E8AD77B0}"/>
+          </ac:spMkLst>
+        </pc:spChg>
+        <pc:cxnChg chg="del">
+          <ac:chgData name="Long B Nguyen" userId="f59fb8f3-a021-417a-8bc1-65c8d471c621" providerId="ADAL" clId="{59CB9C7B-CBC7-E549-B176-97F9C29CB310}" dt="2019-11-06T17:36:49.176" v="1782" actId="478"/>
+          <ac:cxnSpMkLst>
+            <pc:docMk/>
+            <pc:sldMk cId="1370301937" sldId="335"/>
+            <ac:cxnSpMk id="12" creationId="{CC48B4CD-941B-0741-BFA8-B9998C524923}"/>
+          </ac:cxnSpMkLst>
+        </pc:cxnChg>
+        <pc:cxnChg chg="del">
+          <ac:chgData name="Long B Nguyen" userId="f59fb8f3-a021-417a-8bc1-65c8d471c621" providerId="ADAL" clId="{59CB9C7B-CBC7-E549-B176-97F9C29CB310}" dt="2019-11-06T17:36:49.176" v="1782" actId="478"/>
+          <ac:cxnSpMkLst>
+            <pc:docMk/>
+            <pc:sldMk cId="1370301937" sldId="335"/>
+            <ac:cxnSpMk id="13" creationId="{031D278B-4055-D447-8A45-9C9C2EE370C7}"/>
+          </ac:cxnSpMkLst>
+        </pc:cxnChg>
+        <pc:cxnChg chg="del">
+          <ac:chgData name="Long B Nguyen" userId="f59fb8f3-a021-417a-8bc1-65c8d471c621" providerId="ADAL" clId="{59CB9C7B-CBC7-E549-B176-97F9C29CB310}" dt="2019-11-06T17:36:41.962" v="1781" actId="478"/>
+          <ac:cxnSpMkLst>
+            <pc:docMk/>
+            <pc:sldMk cId="1370301937" sldId="335"/>
+            <ac:cxnSpMk id="15" creationId="{F7544DEB-4070-1144-B42C-B2D00FB2B589}"/>
+          </ac:cxnSpMkLst>
+        </pc:cxnChg>
+        <pc:cxnChg chg="del">
+          <ac:chgData name="Long B Nguyen" userId="f59fb8f3-a021-417a-8bc1-65c8d471c621" providerId="ADAL" clId="{59CB9C7B-CBC7-E549-B176-97F9C29CB310}" dt="2019-11-06T17:36:40.542" v="1780" actId="478"/>
+          <ac:cxnSpMkLst>
+            <pc:docMk/>
+            <pc:sldMk cId="1370301937" sldId="335"/>
+            <ac:cxnSpMk id="18" creationId="{0455C446-0CB9-7542-A5E5-DF0CA973519D}"/>
+          </ac:cxnSpMkLst>
+        </pc:cxnChg>
+      </pc:sldChg>
+      <pc:sldChg chg="addSp delSp modSp add">
+        <pc:chgData name="Long B Nguyen" userId="f59fb8f3-a021-417a-8bc1-65c8d471c621" providerId="ADAL" clId="{59CB9C7B-CBC7-E549-B176-97F9C29CB310}" dt="2019-11-06T17:41:57.400" v="1984" actId="255"/>
+        <pc:sldMkLst>
+          <pc:docMk/>
+          <pc:sldMk cId="649473723" sldId="336"/>
+        </pc:sldMkLst>
+        <pc:spChg chg="del">
+          <ac:chgData name="Long B Nguyen" userId="f59fb8f3-a021-417a-8bc1-65c8d471c621" providerId="ADAL" clId="{59CB9C7B-CBC7-E549-B176-97F9C29CB310}" dt="2019-11-06T17:41:40.395" v="1977" actId="478"/>
+          <ac:spMkLst>
+            <pc:docMk/>
+            <pc:sldMk cId="649473723" sldId="336"/>
+            <ac:spMk id="4" creationId="{BE66D76A-BB4F-8A4D-AB4B-A968E4D75F6C}"/>
+          </ac:spMkLst>
+        </pc:spChg>
+        <pc:spChg chg="add mod">
+          <ac:chgData name="Long B Nguyen" userId="f59fb8f3-a021-417a-8bc1-65c8d471c621" providerId="ADAL" clId="{59CB9C7B-CBC7-E549-B176-97F9C29CB310}" dt="2019-11-06T17:41:57.400" v="1984" actId="255"/>
+          <ac:spMkLst>
+            <pc:docMk/>
+            <pc:sldMk cId="649473723" sldId="336"/>
+            <ac:spMk id="7" creationId="{A9401C64-AC9A-004F-A248-696EF36A106F}"/>
+          </ac:spMkLst>
+        </pc:spChg>
+        <pc:spChg chg="mod">
+          <ac:chgData name="Long B Nguyen" userId="f59fb8f3-a021-417a-8bc1-65c8d471c621" providerId="ADAL" clId="{59CB9C7B-CBC7-E549-B176-97F9C29CB310}" dt="2019-11-06T17:40:57.398" v="1930" actId="20577"/>
+          <ac:spMkLst>
+            <pc:docMk/>
+            <pc:sldMk cId="649473723" sldId="336"/>
+            <ac:spMk id="9" creationId="{E3B2E017-30B2-884B-A113-B419A2ED51AD}"/>
+          </ac:spMkLst>
+        </pc:spChg>
+        <pc:cxnChg chg="mod">
+          <ac:chgData name="Long B Nguyen" userId="f59fb8f3-a021-417a-8bc1-65c8d471c621" providerId="ADAL" clId="{59CB9C7B-CBC7-E549-B176-97F9C29CB310}" dt="2019-11-06T17:40:49.393" v="1926" actId="14100"/>
+          <ac:cxnSpMkLst>
+            <pc:docMk/>
+            <pc:sldMk cId="649473723" sldId="336"/>
+            <ac:cxnSpMk id="5" creationId="{2ACA8F3D-2AEE-0146-8A7F-D08353AD1C3A}"/>
+          </ac:cxnSpMkLst>
+        </pc:cxnChg>
+      </pc:sldChg>
+      <pc:sldChg chg="modSp add modAnim">
+        <pc:chgData name="Long B Nguyen" userId="f59fb8f3-a021-417a-8bc1-65c8d471c621" providerId="ADAL" clId="{59CB9C7B-CBC7-E549-B176-97F9C29CB310}" dt="2019-11-07T00:49:21.006" v="2412" actId="20577"/>
+        <pc:sldMkLst>
+          <pc:docMk/>
+          <pc:sldMk cId="2850981198" sldId="337"/>
+        </pc:sldMkLst>
+        <pc:spChg chg="mod">
+          <ac:chgData name="Long B Nguyen" userId="f59fb8f3-a021-417a-8bc1-65c8d471c621" providerId="ADAL" clId="{59CB9C7B-CBC7-E549-B176-97F9C29CB310}" dt="2019-11-07T00:34:58.171" v="2056" actId="20577"/>
+          <ac:spMkLst>
+            <pc:docMk/>
+            <pc:sldMk cId="2850981198" sldId="337"/>
+            <ac:spMk id="2" creationId="{AA3A228F-61D0-D949-A5E7-F83756230BF8}"/>
+          </ac:spMkLst>
+        </pc:spChg>
+        <pc:spChg chg="mod">
+          <ac:chgData name="Long B Nguyen" userId="f59fb8f3-a021-417a-8bc1-65c8d471c621" providerId="ADAL" clId="{59CB9C7B-CBC7-E549-B176-97F9C29CB310}" dt="2019-11-07T00:49:21.006" v="2412" actId="20577"/>
+          <ac:spMkLst>
+            <pc:docMk/>
+            <pc:sldMk cId="2850981198" sldId="337"/>
+            <ac:spMk id="9" creationId="{E3B2E017-30B2-884B-A113-B419A2ED51AD}"/>
+          </ac:spMkLst>
+        </pc:spChg>
+      </pc:sldChg>
+      <pc:sldChg chg="modSp add modAnim">
+        <pc:chgData name="Long B Nguyen" userId="f59fb8f3-a021-417a-8bc1-65c8d471c621" providerId="ADAL" clId="{59CB9C7B-CBC7-E549-B176-97F9C29CB310}" dt="2019-11-07T01:53:50.331" v="2706" actId="255"/>
+        <pc:sldMkLst>
+          <pc:docMk/>
+          <pc:sldMk cId="2162220401" sldId="338"/>
+        </pc:sldMkLst>
+        <pc:spChg chg="mod">
+          <ac:chgData name="Long B Nguyen" userId="f59fb8f3-a021-417a-8bc1-65c8d471c621" providerId="ADAL" clId="{59CB9C7B-CBC7-E549-B176-97F9C29CB310}" dt="2019-11-07T01:53:50.331" v="2706" actId="255"/>
+          <ac:spMkLst>
+            <pc:docMk/>
+            <pc:sldMk cId="2162220401" sldId="338"/>
             <ac:spMk id="9" creationId="{E3B2E017-30B2-884B-A113-B419A2ED51AD}"/>
           </ac:spMkLst>
         </pc:spChg>
@@ -569,7 +784,7 @@
           <a:p>
             <a:fld id="{4AAD347D-5ACD-4C99-B74B-A9C85AD731AF}" type="datetimeFigureOut">
               <a:rPr lang="en-US" smtClean="0"/>
-              <a:t>11/5/19</a:t>
+              <a:t>11/6/19</a:t>
             </a:fld>
             <a:endParaRPr lang="en-US" dirty="0"/>
           </a:p>
@@ -739,7 +954,7 @@
           <a:p>
             <a:fld id="{4509A250-FF31-4206-8172-F9D3106AACB1}" type="datetimeFigureOut">
               <a:rPr lang="en-US" smtClean="0"/>
-              <a:t>11/5/19</a:t>
+              <a:t>11/6/19</a:t>
             </a:fld>
             <a:endParaRPr lang="en-US" dirty="0"/>
           </a:p>
@@ -919,7 +1134,7 @@
           <a:p>
             <a:fld id="{4509A250-FF31-4206-8172-F9D3106AACB1}" type="datetimeFigureOut">
               <a:rPr lang="en-US" smtClean="0"/>
-              <a:t>11/5/19</a:t>
+              <a:t>11/6/19</a:t>
             </a:fld>
             <a:endParaRPr lang="en-US" dirty="0"/>
           </a:p>
@@ -1089,7 +1304,7 @@
           <a:p>
             <a:fld id="{4509A250-FF31-4206-8172-F9D3106AACB1}" type="datetimeFigureOut">
               <a:rPr lang="en-US" smtClean="0"/>
-              <a:t>11/5/19</a:t>
+              <a:t>11/6/19</a:t>
             </a:fld>
             <a:endParaRPr lang="en-US" dirty="0"/>
           </a:p>
@@ -1335,7 +1550,7 @@
           <a:p>
             <a:fld id="{9796027F-7875-4030-9381-8BD8C4F21935}" type="datetimeFigureOut">
               <a:rPr lang="en-US" smtClean="0"/>
-              <a:t>11/5/19</a:t>
+              <a:t>11/6/19</a:t>
             </a:fld>
             <a:endParaRPr lang="en-US" dirty="0"/>
           </a:p>
@@ -1567,7 +1782,7 @@
           <a:p>
             <a:fld id="{9796027F-7875-4030-9381-8BD8C4F21935}" type="datetimeFigureOut">
               <a:rPr lang="en-US" smtClean="0"/>
-              <a:t>11/5/19</a:t>
+              <a:t>11/6/19</a:t>
             </a:fld>
             <a:endParaRPr lang="en-US" dirty="0"/>
           </a:p>
@@ -1934,7 +2149,7 @@
           <a:p>
             <a:fld id="{9796027F-7875-4030-9381-8BD8C4F21935}" type="datetimeFigureOut">
               <a:rPr lang="en-US" smtClean="0"/>
-              <a:t>11/5/19</a:t>
+              <a:t>11/6/19</a:t>
             </a:fld>
             <a:endParaRPr lang="en-US" dirty="0"/>
           </a:p>
@@ -2052,7 +2267,7 @@
           <a:p>
             <a:fld id="{4509A250-FF31-4206-8172-F9D3106AACB1}" type="datetimeFigureOut">
               <a:rPr lang="en-US" smtClean="0"/>
-              <a:t>11/5/19</a:t>
+              <a:t>11/6/19</a:t>
             </a:fld>
             <a:endParaRPr lang="en-US" dirty="0"/>
           </a:p>
@@ -2147,7 +2362,7 @@
           <a:p>
             <a:fld id="{4509A250-FF31-4206-8172-F9D3106AACB1}" type="datetimeFigureOut">
               <a:rPr lang="en-US" smtClean="0"/>
-              <a:t>11/5/19</a:t>
+              <a:t>11/6/19</a:t>
             </a:fld>
             <a:endParaRPr lang="en-US" dirty="0"/>
           </a:p>
@@ -2424,7 +2639,7 @@
           <a:p>
             <a:fld id="{4509A250-FF31-4206-8172-F9D3106AACB1}" type="datetimeFigureOut">
               <a:rPr lang="en-US" smtClean="0"/>
-              <a:t>11/5/19</a:t>
+              <a:t>11/6/19</a:t>
             </a:fld>
             <a:endParaRPr lang="en-US" dirty="0"/>
           </a:p>
@@ -2681,7 +2896,7 @@
           <a:p>
             <a:fld id="{4509A250-FF31-4206-8172-F9D3106AACB1}" type="datetimeFigureOut">
               <a:rPr lang="en-US" smtClean="0"/>
-              <a:t>11/5/19</a:t>
+              <a:t>11/6/19</a:t>
             </a:fld>
             <a:endParaRPr lang="en-US" dirty="0"/>
           </a:p>
@@ -2894,7 +3109,7 @@
           <a:p>
             <a:fld id="{4AAD347D-5ACD-4C99-B74B-A9C85AD731AF}" type="datetimeFigureOut">
               <a:rPr lang="en-US" smtClean="0"/>
-              <a:t>11/5/19</a:t>
+              <a:t>11/6/19</a:t>
             </a:fld>
             <a:endParaRPr lang="en-US" dirty="0"/>
           </a:p>
@@ -3606,7 +3821,7 @@
           <p:cNvPr id="2" name="Title 1">
             <a:extLst>
               <a:ext uri="{FF2B5EF4-FFF2-40B4-BE49-F238E27FC236}">
-                <a16:creationId xmlns:a16="http://schemas.microsoft.com/office/drawing/2014/main" id="{EA8D4812-1329-D34B-BE17-6F2028DA3570}"/>
+                <a16:creationId xmlns:a16="http://schemas.microsoft.com/office/drawing/2014/main" id="{AA3A228F-61D0-D949-A5E7-F83756230BF8}"/>
               </a:ext>
             </a:extLst>
           </p:cNvPr>
@@ -3619,26 +3834,754 @@
         </p:nvSpPr>
         <p:spPr>
           <a:xfrm>
-            <a:off x="497764" y="2007476"/>
-            <a:ext cx="7886700" cy="880187"/>
+            <a:off x="483848" y="467027"/>
+            <a:ext cx="7053542" cy="683886"/>
           </a:xfrm>
         </p:spPr>
         <p:txBody>
           <a:bodyPr/>
           <a:lstStyle/>
           <a:p>
-            <a:pPr algn="ctr"/>
             <a:r>
               <a:rPr lang="en-US" dirty="0"/>
-              <a:t>Inheritance</a:t>
+              <a:t>game3.py</a:t>
             </a:r>
           </a:p>
         </p:txBody>
       </p:sp>
+      <p:sp>
+        <p:nvSpPr>
+          <p:cNvPr id="9" name="Content Placeholder 8">
+            <a:extLst>
+              <a:ext uri="{FF2B5EF4-FFF2-40B4-BE49-F238E27FC236}">
+                <a16:creationId xmlns:a16="http://schemas.microsoft.com/office/drawing/2014/main" id="{E3B2E017-30B2-884B-A113-B419A2ED51AD}"/>
+              </a:ext>
+            </a:extLst>
+          </p:cNvPr>
+          <p:cNvSpPr>
+            <a:spLocks noGrp="1"/>
+          </p:cNvSpPr>
+          <p:nvPr>
+            <p:ph idx="1"/>
+          </p:nvPr>
+        </p:nvSpPr>
+        <p:spPr>
+          <a:xfrm>
+            <a:off x="483848" y="998483"/>
+            <a:ext cx="8051725" cy="4641741"/>
+          </a:xfrm>
+        </p:spPr>
+        <p:txBody>
+          <a:bodyPr>
+            <a:noAutofit/>
+          </a:bodyPr>
+          <a:lstStyle/>
+          <a:p>
+            <a:pPr marL="0" indent="0">
+              <a:buNone/>
+            </a:pPr>
+            <a:r>
+              <a:rPr lang="en-US" sz="1600" b="1" dirty="0">
+                <a:solidFill>
+                  <a:srgbClr val="000000"/>
+                </a:solidFill>
+                <a:latin typeface="Inconsolata Medium" panose="020B0609030003000000" pitchFamily="49" charset="77"/>
+              </a:rPr>
+              <a:t>import random</a:t>
+            </a:r>
+          </a:p>
+          <a:p>
+            <a:pPr marL="0" indent="0">
+              <a:buNone/>
+            </a:pPr>
+            <a:r>
+              <a:rPr lang="en-US" sz="1600" b="1" dirty="0">
+                <a:solidFill>
+                  <a:srgbClr val="000000"/>
+                </a:solidFill>
+                <a:latin typeface="Inconsolata Medium" panose="020B0609030003000000" pitchFamily="49" charset="77"/>
+              </a:rPr>
+              <a:t>class</a:t>
+            </a:r>
+            <a:r>
+              <a:rPr lang="en-US" sz="1600" b="1" dirty="0">
+                <a:latin typeface="Inconsolata Medium" panose="020B0609030003000000" pitchFamily="49" charset="77"/>
+              </a:rPr>
+              <a:t> </a:t>
+            </a:r>
+            <a:r>
+              <a:rPr lang="en-US" sz="1600" b="1" dirty="0">
+                <a:solidFill>
+                  <a:srgbClr val="0E84B5"/>
+                </a:solidFill>
+                <a:latin typeface="Inconsolata Medium" panose="020B0609030003000000" pitchFamily="49" charset="77"/>
+              </a:rPr>
+              <a:t>Character</a:t>
+            </a:r>
+            <a:r>
+              <a:rPr lang="en-US" sz="1600" b="1" dirty="0">
+                <a:latin typeface="Inconsolata Medium" panose="020B0609030003000000" pitchFamily="49" charset="77"/>
+              </a:rPr>
+              <a:t>: </a:t>
+            </a:r>
+          </a:p>
+          <a:p>
+            <a:pPr marL="0" indent="0">
+              <a:buNone/>
+            </a:pPr>
+            <a:r>
+              <a:rPr lang="en-US" sz="1600" b="1" dirty="0">
+                <a:solidFill>
+                  <a:srgbClr val="000000"/>
+                </a:solidFill>
+                <a:latin typeface="Inconsolata Medium" panose="020B0609030003000000" pitchFamily="49" charset="77"/>
+              </a:rPr>
+              <a:t>	def</a:t>
+            </a:r>
+            <a:r>
+              <a:rPr lang="en-US" sz="1600" b="1" dirty="0">
+                <a:latin typeface="Inconsolata Medium" panose="020B0609030003000000" pitchFamily="49" charset="77"/>
+              </a:rPr>
+              <a:t> </a:t>
+            </a:r>
+            <a:r>
+              <a:rPr lang="en-US" sz="1600" b="1" dirty="0">
+                <a:solidFill>
+                  <a:srgbClr val="06287E"/>
+                </a:solidFill>
+                <a:latin typeface="Inconsolata Medium" panose="020B0609030003000000" pitchFamily="49" charset="77"/>
+              </a:rPr>
+              <a:t>__</a:t>
+            </a:r>
+            <a:r>
+              <a:rPr lang="en-US" sz="1600" b="1" dirty="0" err="1">
+                <a:solidFill>
+                  <a:srgbClr val="06287E"/>
+                </a:solidFill>
+                <a:latin typeface="Inconsolata Medium" panose="020B0609030003000000" pitchFamily="49" charset="77"/>
+              </a:rPr>
+              <a:t>init</a:t>
+            </a:r>
+            <a:r>
+              <a:rPr lang="en-US" sz="1600" b="1" dirty="0">
+                <a:solidFill>
+                  <a:srgbClr val="06287E"/>
+                </a:solidFill>
+                <a:latin typeface="Inconsolata Medium" panose="020B0609030003000000" pitchFamily="49" charset="77"/>
+              </a:rPr>
+              <a:t>__</a:t>
+            </a:r>
+            <a:r>
+              <a:rPr lang="en-US" sz="1600" b="1" dirty="0">
+                <a:latin typeface="Inconsolata Medium" panose="020B0609030003000000" pitchFamily="49" charset="77"/>
+              </a:rPr>
+              <a:t>(</a:t>
+            </a:r>
+            <a:r>
+              <a:rPr lang="en-US" sz="1600" b="1" dirty="0">
+                <a:solidFill>
+                  <a:srgbClr val="004BD7"/>
+                </a:solidFill>
+                <a:latin typeface="Inconsolata Medium" panose="020B0609030003000000" pitchFamily="49" charset="77"/>
+              </a:rPr>
+              <a:t>self, </a:t>
+            </a:r>
+            <a:r>
+              <a:rPr lang="en-US" sz="1600" b="1" dirty="0" err="1">
+                <a:solidFill>
+                  <a:srgbClr val="004BD7"/>
+                </a:solidFill>
+                <a:latin typeface="Inconsolata Medium" panose="020B0609030003000000" pitchFamily="49" charset="77"/>
+              </a:rPr>
+              <a:t>i_name</a:t>
+            </a:r>
+            <a:r>
+              <a:rPr lang="en-US" sz="1600" b="1" dirty="0">
+                <a:solidFill>
+                  <a:srgbClr val="004BD7"/>
+                </a:solidFill>
+                <a:latin typeface="Inconsolata Medium" panose="020B0609030003000000" pitchFamily="49" charset="77"/>
+              </a:rPr>
+              <a:t>, </a:t>
+            </a:r>
+            <a:r>
+              <a:rPr lang="en-US" sz="1600" b="1" dirty="0" err="1">
+                <a:solidFill>
+                  <a:srgbClr val="004BD7"/>
+                </a:solidFill>
+                <a:latin typeface="Inconsolata Medium" panose="020B0609030003000000" pitchFamily="49" charset="77"/>
+              </a:rPr>
+              <a:t>i_x</a:t>
+            </a:r>
+            <a:r>
+              <a:rPr lang="en-US" sz="1600" b="1" dirty="0">
+                <a:solidFill>
+                  <a:srgbClr val="004BD7"/>
+                </a:solidFill>
+                <a:latin typeface="Inconsolata Medium" panose="020B0609030003000000" pitchFamily="49" charset="77"/>
+              </a:rPr>
+              <a:t>, </a:t>
+            </a:r>
+            <a:r>
+              <a:rPr lang="en-US" sz="1600" b="1" dirty="0" err="1">
+                <a:solidFill>
+                  <a:srgbClr val="004BD7"/>
+                </a:solidFill>
+                <a:latin typeface="Inconsolata Medium" panose="020B0609030003000000" pitchFamily="49" charset="77"/>
+              </a:rPr>
+              <a:t>i_speed</a:t>
+            </a:r>
+            <a:r>
+              <a:rPr lang="en-US" sz="1600" b="1" dirty="0">
+                <a:latin typeface="Inconsolata Medium" panose="020B0609030003000000" pitchFamily="49" charset="77"/>
+              </a:rPr>
+              <a:t>): 		</a:t>
+            </a:r>
+          </a:p>
+          <a:p>
+            <a:pPr marL="0" indent="0">
+              <a:buNone/>
+            </a:pPr>
+            <a:r>
+              <a:rPr lang="en-US" sz="1600" b="1" dirty="0">
+                <a:solidFill>
+                  <a:srgbClr val="004BD7"/>
+                </a:solidFill>
+                <a:latin typeface="Inconsolata Medium" panose="020B0609030003000000" pitchFamily="49" charset="77"/>
+              </a:rPr>
+              <a:t>		</a:t>
+            </a:r>
+            <a:r>
+              <a:rPr lang="en-US" sz="1600" b="1" dirty="0" err="1">
+                <a:solidFill>
+                  <a:srgbClr val="004BD7"/>
+                </a:solidFill>
+                <a:latin typeface="Inconsolata Medium" panose="020B0609030003000000" pitchFamily="49" charset="77"/>
+              </a:rPr>
+              <a:t>self.name</a:t>
+            </a:r>
+            <a:r>
+              <a:rPr lang="en-US" sz="1600" b="1" dirty="0">
+                <a:latin typeface="Inconsolata Medium" panose="020B0609030003000000" pitchFamily="49" charset="77"/>
+              </a:rPr>
+              <a:t> </a:t>
+            </a:r>
+            <a:r>
+              <a:rPr lang="en-US" sz="1600" b="1" dirty="0">
+                <a:solidFill>
+                  <a:srgbClr val="666666"/>
+                </a:solidFill>
+                <a:latin typeface="Inconsolata Medium" panose="020B0609030003000000" pitchFamily="49" charset="77"/>
+              </a:rPr>
+              <a:t>=</a:t>
+            </a:r>
+            <a:r>
+              <a:rPr lang="en-US" sz="1600" b="1" dirty="0">
+                <a:latin typeface="Inconsolata Medium" panose="020B0609030003000000" pitchFamily="49" charset="77"/>
+              </a:rPr>
+              <a:t> </a:t>
+            </a:r>
+            <a:r>
+              <a:rPr lang="en-US" sz="1600" b="1" dirty="0" err="1">
+                <a:latin typeface="Inconsolata Medium" panose="020B0609030003000000" pitchFamily="49" charset="77"/>
+              </a:rPr>
+              <a:t>i_name</a:t>
+            </a:r>
+            <a:endParaRPr lang="en-US" sz="1600" b="1" dirty="0">
+              <a:latin typeface="Inconsolata Medium" panose="020B0609030003000000" pitchFamily="49" charset="77"/>
+            </a:endParaRPr>
+          </a:p>
+          <a:p>
+            <a:pPr marL="0" indent="0">
+              <a:buNone/>
+            </a:pPr>
+            <a:r>
+              <a:rPr lang="en-US" sz="1600" b="1" dirty="0">
+                <a:solidFill>
+                  <a:srgbClr val="4070A0"/>
+                </a:solidFill>
+                <a:latin typeface="Inconsolata Medium" panose="020B0609030003000000" pitchFamily="49" charset="77"/>
+              </a:rPr>
+              <a:t>		</a:t>
+            </a:r>
+            <a:r>
+              <a:rPr lang="en-US" sz="1600" b="1" dirty="0" err="1">
+                <a:solidFill>
+                  <a:srgbClr val="004BD7"/>
+                </a:solidFill>
+                <a:latin typeface="Inconsolata Medium" panose="020B0609030003000000" pitchFamily="49" charset="77"/>
+              </a:rPr>
+              <a:t>self.x</a:t>
+            </a:r>
+            <a:r>
+              <a:rPr lang="en-US" sz="1600" b="1" dirty="0">
+                <a:latin typeface="Inconsolata Medium" panose="020B0609030003000000" pitchFamily="49" charset="77"/>
+              </a:rPr>
+              <a:t> </a:t>
+            </a:r>
+            <a:r>
+              <a:rPr lang="en-US" sz="1600" b="1" dirty="0">
+                <a:solidFill>
+                  <a:srgbClr val="666666"/>
+                </a:solidFill>
+                <a:latin typeface="Inconsolata Medium" panose="020B0609030003000000" pitchFamily="49" charset="77"/>
+              </a:rPr>
+              <a:t>=</a:t>
+            </a:r>
+            <a:r>
+              <a:rPr lang="en-US" sz="1600" b="1" dirty="0">
+                <a:latin typeface="Inconsolata Medium" panose="020B0609030003000000" pitchFamily="49" charset="77"/>
+              </a:rPr>
+              <a:t> </a:t>
+            </a:r>
+            <a:r>
+              <a:rPr lang="en-US" sz="1600" b="1" dirty="0" err="1">
+                <a:latin typeface="Inconsolata Medium" panose="020B0609030003000000" pitchFamily="49" charset="77"/>
+              </a:rPr>
+              <a:t>i_x</a:t>
+            </a:r>
+            <a:endParaRPr lang="en-US" sz="1600" b="1" dirty="0">
+              <a:latin typeface="Inconsolata Medium" panose="020B0609030003000000" pitchFamily="49" charset="77"/>
+            </a:endParaRPr>
+          </a:p>
+          <a:p>
+            <a:pPr marL="0" indent="0">
+              <a:buNone/>
+            </a:pPr>
+            <a:r>
+              <a:rPr lang="en-US" sz="1600" b="1" dirty="0">
+                <a:solidFill>
+                  <a:srgbClr val="4070A0"/>
+                </a:solidFill>
+                <a:latin typeface="Inconsolata Medium" panose="020B0609030003000000" pitchFamily="49" charset="77"/>
+              </a:rPr>
+              <a:t>		</a:t>
+            </a:r>
+            <a:r>
+              <a:rPr lang="en-US" sz="1600" b="1" dirty="0" err="1">
+                <a:solidFill>
+                  <a:srgbClr val="004BD7"/>
+                </a:solidFill>
+                <a:latin typeface="Inconsolata Medium" panose="020B0609030003000000" pitchFamily="49" charset="77"/>
+              </a:rPr>
+              <a:t>self.speed</a:t>
+            </a:r>
+            <a:r>
+              <a:rPr lang="en-US" sz="1600" b="1" dirty="0">
+                <a:latin typeface="Inconsolata Medium" panose="020B0609030003000000" pitchFamily="49" charset="77"/>
+              </a:rPr>
+              <a:t> </a:t>
+            </a:r>
+            <a:r>
+              <a:rPr lang="en-US" sz="1600" b="1" dirty="0">
+                <a:solidFill>
+                  <a:srgbClr val="666666"/>
+                </a:solidFill>
+                <a:latin typeface="Inconsolata Medium" panose="020B0609030003000000" pitchFamily="49" charset="77"/>
+              </a:rPr>
+              <a:t>=</a:t>
+            </a:r>
+            <a:r>
+              <a:rPr lang="en-US" sz="1600" b="1" dirty="0">
+                <a:latin typeface="Inconsolata Medium" panose="020B0609030003000000" pitchFamily="49" charset="77"/>
+              </a:rPr>
+              <a:t> </a:t>
+            </a:r>
+            <a:r>
+              <a:rPr lang="en-US" sz="1600" b="1" dirty="0" err="1">
+                <a:latin typeface="Inconsolata Medium" panose="020B0609030003000000" pitchFamily="49" charset="77"/>
+              </a:rPr>
+              <a:t>i_speed</a:t>
+            </a:r>
+            <a:endParaRPr lang="en-US" sz="1600" b="1" dirty="0">
+              <a:latin typeface="Inconsolata Medium" panose="020B0609030003000000" pitchFamily="49" charset="77"/>
+            </a:endParaRPr>
+          </a:p>
+          <a:p>
+            <a:pPr marL="0" indent="0">
+              <a:buNone/>
+            </a:pPr>
+            <a:r>
+              <a:rPr lang="en-US" sz="1600" b="1" dirty="0">
+                <a:solidFill>
+                  <a:srgbClr val="000000"/>
+                </a:solidFill>
+                <a:latin typeface="Inconsolata Medium" panose="020B0609030003000000" pitchFamily="49" charset="77"/>
+              </a:rPr>
+              <a:t>	def</a:t>
+            </a:r>
+            <a:r>
+              <a:rPr lang="en-US" sz="1600" b="1" dirty="0">
+                <a:latin typeface="Inconsolata Medium" panose="020B0609030003000000" pitchFamily="49" charset="77"/>
+              </a:rPr>
+              <a:t> </a:t>
+            </a:r>
+            <a:r>
+              <a:rPr lang="en-US" sz="1600" b="1" dirty="0">
+                <a:solidFill>
+                  <a:srgbClr val="06287E"/>
+                </a:solidFill>
+                <a:latin typeface="Inconsolata Medium" panose="020B0609030003000000" pitchFamily="49" charset="77"/>
+              </a:rPr>
+              <a:t>move</a:t>
+            </a:r>
+            <a:r>
+              <a:rPr lang="en-US" sz="1600" b="1" dirty="0">
+                <a:latin typeface="Inconsolata Medium" panose="020B0609030003000000" pitchFamily="49" charset="77"/>
+              </a:rPr>
+              <a:t>(</a:t>
+            </a:r>
+            <a:r>
+              <a:rPr lang="en-US" sz="1600" b="1" dirty="0">
+                <a:solidFill>
+                  <a:srgbClr val="004BD7"/>
+                </a:solidFill>
+                <a:latin typeface="Inconsolata Medium" panose="020B0609030003000000" pitchFamily="49" charset="77"/>
+              </a:rPr>
+              <a:t>self</a:t>
+            </a:r>
+            <a:r>
+              <a:rPr lang="en-US" sz="1600" b="1" dirty="0">
+                <a:latin typeface="Inconsolata Medium" panose="020B0609030003000000" pitchFamily="49" charset="77"/>
+              </a:rPr>
+              <a:t>):</a:t>
+            </a:r>
+          </a:p>
+          <a:p>
+            <a:pPr marL="0" indent="0">
+              <a:buNone/>
+            </a:pPr>
+            <a:r>
+              <a:rPr lang="en-US" sz="1600" b="1" dirty="0">
+                <a:latin typeface="Inconsolata Medium" panose="020B0609030003000000" pitchFamily="49" charset="77"/>
+              </a:rPr>
+              <a:t>		</a:t>
+            </a:r>
+            <a:r>
+              <a:rPr lang="en-US" sz="1600" b="1" dirty="0" err="1">
+                <a:solidFill>
+                  <a:srgbClr val="004BD7"/>
+                </a:solidFill>
+                <a:latin typeface="Inconsolata Medium" panose="020B0609030003000000" pitchFamily="49" charset="77"/>
+              </a:rPr>
+              <a:t>self.x</a:t>
+            </a:r>
+            <a:r>
+              <a:rPr lang="en-US" sz="1600" b="1" dirty="0">
+                <a:latin typeface="Inconsolata Medium" panose="020B0609030003000000" pitchFamily="49" charset="77"/>
+              </a:rPr>
+              <a:t> </a:t>
+            </a:r>
+            <a:r>
+              <a:rPr lang="en-US" sz="1600" b="1" dirty="0">
+                <a:solidFill>
+                  <a:srgbClr val="666666"/>
+                </a:solidFill>
+                <a:latin typeface="Inconsolata Medium" panose="020B0609030003000000" pitchFamily="49" charset="77"/>
+              </a:rPr>
+              <a:t>+=</a:t>
+            </a:r>
+            <a:r>
+              <a:rPr lang="en-US" sz="1600" b="1" dirty="0">
+                <a:latin typeface="Inconsolata Medium" panose="020B0609030003000000" pitchFamily="49" charset="77"/>
+              </a:rPr>
+              <a:t> </a:t>
+            </a:r>
+            <a:r>
+              <a:rPr lang="en-US" sz="1600" b="1" dirty="0" err="1">
+                <a:latin typeface="Inconsolata Medium" panose="020B0609030003000000" pitchFamily="49" charset="77"/>
+              </a:rPr>
+              <a:t>self.speed</a:t>
+            </a:r>
+            <a:endParaRPr lang="en-US" sz="1600" b="1" dirty="0">
+              <a:solidFill>
+                <a:srgbClr val="000000"/>
+              </a:solidFill>
+              <a:latin typeface="Inconsolata Medium" panose="020B0609030003000000" pitchFamily="49" charset="77"/>
+            </a:endParaRPr>
+          </a:p>
+          <a:p>
+            <a:pPr marL="0" indent="0">
+              <a:buNone/>
+            </a:pPr>
+            <a:r>
+              <a:rPr lang="en-US" sz="1600" b="1" dirty="0">
+                <a:solidFill>
+                  <a:srgbClr val="000000"/>
+                </a:solidFill>
+                <a:latin typeface="Inconsolata Medium" panose="020B0609030003000000" pitchFamily="49" charset="77"/>
+              </a:rPr>
+              <a:t>def</a:t>
+            </a:r>
+            <a:r>
+              <a:rPr lang="en-US" sz="1600" b="1" dirty="0">
+                <a:latin typeface="Inconsolata Medium" panose="020B0609030003000000" pitchFamily="49" charset="77"/>
+              </a:rPr>
+              <a:t> </a:t>
+            </a:r>
+            <a:r>
+              <a:rPr lang="en-US" sz="1600" b="1" dirty="0">
+                <a:solidFill>
+                  <a:srgbClr val="06287E"/>
+                </a:solidFill>
+                <a:latin typeface="Inconsolata Medium" panose="020B0609030003000000" pitchFamily="49" charset="77"/>
+              </a:rPr>
+              <a:t>main</a:t>
+            </a:r>
+            <a:r>
+              <a:rPr lang="en-US" sz="1600" b="1" dirty="0">
+                <a:latin typeface="Inconsolata Medium" panose="020B0609030003000000" pitchFamily="49" charset="77"/>
+              </a:rPr>
+              <a:t>():</a:t>
+            </a:r>
+          </a:p>
+          <a:p>
+            <a:pPr marL="0" indent="0">
+              <a:buNone/>
+            </a:pPr>
+            <a:r>
+              <a:rPr lang="en-US" sz="1600" b="1" dirty="0">
+                <a:latin typeface="Inconsolata Medium" panose="020B0609030003000000" pitchFamily="49" charset="77"/>
+              </a:rPr>
+              <a:t>	</a:t>
+            </a:r>
+            <a:r>
+              <a:rPr lang="en-US" sz="1600" b="1" dirty="0">
+                <a:solidFill>
+                  <a:srgbClr val="004BD7"/>
+                </a:solidFill>
+                <a:latin typeface="Inconsolata Medium" panose="020B0609030003000000" pitchFamily="49" charset="77"/>
+              </a:rPr>
+              <a:t>enemies</a:t>
+            </a:r>
+            <a:r>
+              <a:rPr lang="en-US" sz="1600" b="1" dirty="0">
+                <a:latin typeface="Inconsolata Medium" panose="020B0609030003000000" pitchFamily="49" charset="77"/>
+              </a:rPr>
+              <a:t> = []</a:t>
+            </a:r>
+          </a:p>
+          <a:p>
+            <a:pPr marL="0" indent="0">
+              <a:buNone/>
+            </a:pPr>
+            <a:r>
+              <a:rPr lang="en-US" sz="1600" b="1" dirty="0">
+                <a:latin typeface="Inconsolata Medium" panose="020B0609030003000000" pitchFamily="49" charset="77"/>
+              </a:rPr>
+              <a:t>	for i in range(10):</a:t>
+            </a:r>
+          </a:p>
+          <a:p>
+            <a:pPr marL="0" indent="0">
+              <a:buNone/>
+            </a:pPr>
+            <a:r>
+              <a:rPr lang="en-US" sz="1600" b="1" dirty="0">
+                <a:latin typeface="Inconsolata Medium" panose="020B0609030003000000" pitchFamily="49" charset="77"/>
+              </a:rPr>
+              <a:t>		</a:t>
+            </a:r>
+            <a:r>
+              <a:rPr lang="en-US" sz="1600" b="1" dirty="0">
+                <a:solidFill>
+                  <a:srgbClr val="004BD7"/>
+                </a:solidFill>
+                <a:latin typeface="Inconsolata Medium" panose="020B0609030003000000" pitchFamily="49" charset="77"/>
+              </a:rPr>
+              <a:t>x</a:t>
+            </a:r>
+            <a:r>
+              <a:rPr lang="en-US" sz="1600" b="1" dirty="0">
+                <a:latin typeface="Inconsolata Medium" panose="020B0609030003000000" pitchFamily="49" charset="77"/>
+              </a:rPr>
+              <a:t> = </a:t>
+            </a:r>
+            <a:r>
+              <a:rPr lang="en-US" sz="1600" b="1" dirty="0" err="1">
+                <a:latin typeface="Inconsolata Medium" panose="020B0609030003000000" pitchFamily="49" charset="77"/>
+              </a:rPr>
+              <a:t>random.randrange</a:t>
+            </a:r>
+            <a:r>
+              <a:rPr lang="en-US" sz="1600" b="1" dirty="0">
+                <a:latin typeface="Inconsolata Medium" panose="020B0609030003000000" pitchFamily="49" charset="77"/>
+              </a:rPr>
+              <a:t>(0, 800)</a:t>
+            </a:r>
+          </a:p>
+          <a:p>
+            <a:pPr marL="0" indent="0">
+              <a:buNone/>
+            </a:pPr>
+            <a:r>
+              <a:rPr lang="en-US" sz="1600" b="1" dirty="0">
+                <a:latin typeface="Inconsolata Medium" panose="020B0609030003000000" pitchFamily="49" charset="77"/>
+              </a:rPr>
+              <a:t>		</a:t>
+            </a:r>
+            <a:r>
+              <a:rPr lang="en-US" sz="1600" b="1" dirty="0" err="1">
+                <a:latin typeface="Inconsolata Medium" panose="020B0609030003000000" pitchFamily="49" charset="77"/>
+              </a:rPr>
+              <a:t>enemies.append</a:t>
+            </a:r>
+            <a:r>
+              <a:rPr lang="en-US" sz="1600" b="1" dirty="0">
+                <a:latin typeface="Inconsolata Medium" panose="020B0609030003000000" pitchFamily="49" charset="77"/>
+              </a:rPr>
+              <a:t>(Character(“</a:t>
+            </a:r>
+            <a:r>
+              <a:rPr lang="en-US" sz="1600" b="1" dirty="0" err="1">
+                <a:latin typeface="Inconsolata Medium" panose="020B0609030003000000" pitchFamily="49" charset="77"/>
+              </a:rPr>
+              <a:t>Goomba</a:t>
+            </a:r>
+            <a:r>
+              <a:rPr lang="en-US" sz="1600" b="1" dirty="0">
+                <a:latin typeface="Inconsolata Medium" panose="020B0609030003000000" pitchFamily="49" charset="77"/>
+              </a:rPr>
+              <a:t>”, x, 5))</a:t>
+            </a:r>
+          </a:p>
+          <a:p>
+            <a:pPr marL="0" indent="0">
+              <a:buNone/>
+            </a:pPr>
+            <a:r>
+              <a:rPr lang="en-US" sz="1600" b="1" dirty="0">
+                <a:latin typeface="Inconsolata Medium" panose="020B0609030003000000" pitchFamily="49" charset="77"/>
+              </a:rPr>
+              <a:t>main()		</a:t>
+            </a:r>
+          </a:p>
+        </p:txBody>
+      </p:sp>
+      <p:sp>
+        <p:nvSpPr>
+          <p:cNvPr id="4" name="TextBox 3">
+            <a:extLst>
+              <a:ext uri="{FF2B5EF4-FFF2-40B4-BE49-F238E27FC236}">
+                <a16:creationId xmlns:a16="http://schemas.microsoft.com/office/drawing/2014/main" id="{557F7968-AE4D-9746-81FE-F79B57BD6EFE}"/>
+              </a:ext>
+            </a:extLst>
+          </p:cNvPr>
+          <p:cNvSpPr txBox="1"/>
+          <p:nvPr/>
+        </p:nvSpPr>
+        <p:spPr>
+          <a:xfrm>
+            <a:off x="4950520" y="2580689"/>
+            <a:ext cx="3617850" cy="1477328"/>
+          </a:xfrm>
+          <a:prstGeom prst="rect">
+            <a:avLst/>
+          </a:prstGeom>
+          <a:noFill/>
+        </p:spPr>
+        <p:txBody>
+          <a:bodyPr wrap="none" rtlCol="0">
+            <a:spAutoFit/>
+          </a:bodyPr>
+          <a:lstStyle/>
+          <a:p>
+            <a:r>
+              <a:rPr lang="en-US" sz="1800" dirty="0">
+                <a:solidFill>
+                  <a:srgbClr val="FF0000"/>
+                </a:solidFill>
+              </a:rPr>
+              <a:t>The utility of writing a class is </a:t>
+            </a:r>
+          </a:p>
+          <a:p>
+            <a:r>
+              <a:rPr lang="en-US" sz="1800" dirty="0">
+                <a:solidFill>
+                  <a:srgbClr val="FF0000"/>
+                </a:solidFill>
+              </a:rPr>
+              <a:t>that we can create many objects</a:t>
+            </a:r>
+          </a:p>
+          <a:p>
+            <a:r>
+              <a:rPr lang="en-US" sz="1800" dirty="0">
+                <a:solidFill>
+                  <a:srgbClr val="FF0000"/>
+                </a:solidFill>
+              </a:rPr>
+              <a:t>or instances of that class. </a:t>
+            </a:r>
+          </a:p>
+          <a:p>
+            <a:r>
+              <a:rPr lang="en-US" sz="1800" dirty="0">
+                <a:solidFill>
+                  <a:srgbClr val="FF0000"/>
+                </a:solidFill>
+              </a:rPr>
+              <a:t>This code for this example create 10</a:t>
+            </a:r>
+          </a:p>
+          <a:p>
+            <a:r>
+              <a:rPr lang="en-US" sz="1800" dirty="0">
+                <a:solidFill>
+                  <a:srgbClr val="FF0000"/>
+                </a:solidFill>
+              </a:rPr>
+              <a:t>randomized Character objects.</a:t>
+            </a:r>
+          </a:p>
+        </p:txBody>
+      </p:sp>
+      <p:cxnSp>
+        <p:nvCxnSpPr>
+          <p:cNvPr id="5" name="Straight Arrow Connector 4">
+            <a:extLst>
+              <a:ext uri="{FF2B5EF4-FFF2-40B4-BE49-F238E27FC236}">
+                <a16:creationId xmlns:a16="http://schemas.microsoft.com/office/drawing/2014/main" id="{3734FE02-600C-2A44-BC16-F394E2FB5293}"/>
+              </a:ext>
+            </a:extLst>
+          </p:cNvPr>
+          <p:cNvCxnSpPr>
+            <a:cxnSpLocks/>
+          </p:cNvCxnSpPr>
+          <p:nvPr/>
+        </p:nvCxnSpPr>
+        <p:spPr>
+          <a:xfrm flipH="1">
+            <a:off x="5127476" y="4161041"/>
+            <a:ext cx="660532" cy="555476"/>
+          </a:xfrm>
+          <a:prstGeom prst="straightConnector1">
+            <a:avLst/>
+          </a:prstGeom>
+          <a:ln w="25400">
+            <a:tailEnd type="triangle"/>
+          </a:ln>
+        </p:spPr>
+        <p:style>
+          <a:lnRef idx="1">
+            <a:schemeClr val="dk1"/>
+          </a:lnRef>
+          <a:fillRef idx="0">
+            <a:schemeClr val="dk1"/>
+          </a:fillRef>
+          <a:effectRef idx="0">
+            <a:schemeClr val="dk1"/>
+          </a:effectRef>
+          <a:fontRef idx="minor">
+            <a:schemeClr val="tx1"/>
+          </a:fontRef>
+        </p:style>
+      </p:cxnSp>
     </p:spTree>
     <p:extLst>
       <p:ext uri="{BB962C8B-B14F-4D97-AF65-F5344CB8AC3E}">
-        <p14:creationId xmlns:p14="http://schemas.microsoft.com/office/powerpoint/2010/main" val="140649567"/>
+        <p14:creationId xmlns:p14="http://schemas.microsoft.com/office/powerpoint/2010/main" val="1403592009"/>
       </p:ext>
     </p:extLst>
   </p:cSld>
@@ -3693,6 +4636,698 @@
           <a:p>
             <a:r>
               <a:rPr lang="en-US" dirty="0"/>
+              <a:t>game3.py</a:t>
+            </a:r>
+          </a:p>
+        </p:txBody>
+      </p:sp>
+      <p:sp>
+        <p:nvSpPr>
+          <p:cNvPr id="9" name="Content Placeholder 8">
+            <a:extLst>
+              <a:ext uri="{FF2B5EF4-FFF2-40B4-BE49-F238E27FC236}">
+                <a16:creationId xmlns:a16="http://schemas.microsoft.com/office/drawing/2014/main" id="{E3B2E017-30B2-884B-A113-B419A2ED51AD}"/>
+              </a:ext>
+            </a:extLst>
+          </p:cNvPr>
+          <p:cNvSpPr>
+            <a:spLocks noGrp="1"/>
+          </p:cNvSpPr>
+          <p:nvPr>
+            <p:ph idx="1"/>
+          </p:nvPr>
+        </p:nvSpPr>
+        <p:spPr>
+          <a:xfrm>
+            <a:off x="483848" y="998483"/>
+            <a:ext cx="8051725" cy="4641741"/>
+          </a:xfrm>
+        </p:spPr>
+        <p:txBody>
+          <a:bodyPr>
+            <a:noAutofit/>
+          </a:bodyPr>
+          <a:lstStyle/>
+          <a:p>
+            <a:pPr marL="0" indent="0">
+              <a:buNone/>
+            </a:pPr>
+            <a:r>
+              <a:rPr lang="en-US" sz="1600" b="1" dirty="0">
+                <a:solidFill>
+                  <a:srgbClr val="000000"/>
+                </a:solidFill>
+                <a:latin typeface="Inconsolata Medium" panose="020B0609030003000000" pitchFamily="49" charset="77"/>
+              </a:rPr>
+              <a:t>import random</a:t>
+            </a:r>
+          </a:p>
+          <a:p>
+            <a:pPr marL="0" indent="0">
+              <a:buNone/>
+            </a:pPr>
+            <a:r>
+              <a:rPr lang="en-US" sz="1600" b="1" dirty="0">
+                <a:solidFill>
+                  <a:srgbClr val="000000"/>
+                </a:solidFill>
+                <a:latin typeface="Inconsolata Medium" panose="020B0609030003000000" pitchFamily="49" charset="77"/>
+              </a:rPr>
+              <a:t>class</a:t>
+            </a:r>
+            <a:r>
+              <a:rPr lang="en-US" sz="1600" b="1" dirty="0">
+                <a:latin typeface="Inconsolata Medium" panose="020B0609030003000000" pitchFamily="49" charset="77"/>
+              </a:rPr>
+              <a:t> </a:t>
+            </a:r>
+            <a:r>
+              <a:rPr lang="en-US" sz="1600" b="1" dirty="0">
+                <a:solidFill>
+                  <a:srgbClr val="0E84B5"/>
+                </a:solidFill>
+                <a:latin typeface="Inconsolata Medium" panose="020B0609030003000000" pitchFamily="49" charset="77"/>
+              </a:rPr>
+              <a:t>Character</a:t>
+            </a:r>
+            <a:r>
+              <a:rPr lang="en-US" sz="1600" b="1" dirty="0">
+                <a:latin typeface="Inconsolata Medium" panose="020B0609030003000000" pitchFamily="49" charset="77"/>
+              </a:rPr>
+              <a:t>: </a:t>
+            </a:r>
+          </a:p>
+          <a:p>
+            <a:pPr marL="0" indent="0">
+              <a:buNone/>
+            </a:pPr>
+            <a:r>
+              <a:rPr lang="en-US" sz="1600" b="1" dirty="0">
+                <a:solidFill>
+                  <a:srgbClr val="000000"/>
+                </a:solidFill>
+                <a:latin typeface="Inconsolata Medium" panose="020B0609030003000000" pitchFamily="49" charset="77"/>
+              </a:rPr>
+              <a:t>	def</a:t>
+            </a:r>
+            <a:r>
+              <a:rPr lang="en-US" sz="1600" b="1" dirty="0">
+                <a:latin typeface="Inconsolata Medium" panose="020B0609030003000000" pitchFamily="49" charset="77"/>
+              </a:rPr>
+              <a:t> </a:t>
+            </a:r>
+            <a:r>
+              <a:rPr lang="en-US" sz="1600" b="1" dirty="0">
+                <a:solidFill>
+                  <a:srgbClr val="06287E"/>
+                </a:solidFill>
+                <a:latin typeface="Inconsolata Medium" panose="020B0609030003000000" pitchFamily="49" charset="77"/>
+              </a:rPr>
+              <a:t>__</a:t>
+            </a:r>
+            <a:r>
+              <a:rPr lang="en-US" sz="1600" b="1" dirty="0" err="1">
+                <a:solidFill>
+                  <a:srgbClr val="06287E"/>
+                </a:solidFill>
+                <a:latin typeface="Inconsolata Medium" panose="020B0609030003000000" pitchFamily="49" charset="77"/>
+              </a:rPr>
+              <a:t>init</a:t>
+            </a:r>
+            <a:r>
+              <a:rPr lang="en-US" sz="1600" b="1" dirty="0">
+                <a:solidFill>
+                  <a:srgbClr val="06287E"/>
+                </a:solidFill>
+                <a:latin typeface="Inconsolata Medium" panose="020B0609030003000000" pitchFamily="49" charset="77"/>
+              </a:rPr>
+              <a:t>__</a:t>
+            </a:r>
+            <a:r>
+              <a:rPr lang="en-US" sz="1600" b="1" dirty="0">
+                <a:latin typeface="Inconsolata Medium" panose="020B0609030003000000" pitchFamily="49" charset="77"/>
+              </a:rPr>
+              <a:t>(</a:t>
+            </a:r>
+            <a:r>
+              <a:rPr lang="en-US" sz="1600" b="1" dirty="0">
+                <a:solidFill>
+                  <a:srgbClr val="004BD7"/>
+                </a:solidFill>
+                <a:latin typeface="Inconsolata Medium" panose="020B0609030003000000" pitchFamily="49" charset="77"/>
+              </a:rPr>
+              <a:t>self, </a:t>
+            </a:r>
+            <a:r>
+              <a:rPr lang="en-US" sz="1600" b="1" dirty="0" err="1">
+                <a:solidFill>
+                  <a:srgbClr val="004BD7"/>
+                </a:solidFill>
+                <a:latin typeface="Inconsolata Medium" panose="020B0609030003000000" pitchFamily="49" charset="77"/>
+              </a:rPr>
+              <a:t>i_name</a:t>
+            </a:r>
+            <a:r>
+              <a:rPr lang="en-US" sz="1600" b="1" dirty="0">
+                <a:solidFill>
+                  <a:srgbClr val="004BD7"/>
+                </a:solidFill>
+                <a:latin typeface="Inconsolata Medium" panose="020B0609030003000000" pitchFamily="49" charset="77"/>
+              </a:rPr>
+              <a:t>, </a:t>
+            </a:r>
+            <a:r>
+              <a:rPr lang="en-US" sz="1600" b="1" dirty="0" err="1">
+                <a:solidFill>
+                  <a:srgbClr val="004BD7"/>
+                </a:solidFill>
+                <a:latin typeface="Inconsolata Medium" panose="020B0609030003000000" pitchFamily="49" charset="77"/>
+              </a:rPr>
+              <a:t>i_x</a:t>
+            </a:r>
+            <a:r>
+              <a:rPr lang="en-US" sz="1600" b="1" dirty="0">
+                <a:solidFill>
+                  <a:srgbClr val="004BD7"/>
+                </a:solidFill>
+                <a:latin typeface="Inconsolata Medium" panose="020B0609030003000000" pitchFamily="49" charset="77"/>
+              </a:rPr>
+              <a:t>, </a:t>
+            </a:r>
+            <a:r>
+              <a:rPr lang="en-US" sz="1600" b="1" dirty="0" err="1">
+                <a:solidFill>
+                  <a:srgbClr val="004BD7"/>
+                </a:solidFill>
+                <a:latin typeface="Inconsolata Medium" panose="020B0609030003000000" pitchFamily="49" charset="77"/>
+              </a:rPr>
+              <a:t>i_speed</a:t>
+            </a:r>
+            <a:r>
+              <a:rPr lang="en-US" sz="1600" b="1" dirty="0">
+                <a:latin typeface="Inconsolata Medium" panose="020B0609030003000000" pitchFamily="49" charset="77"/>
+              </a:rPr>
+              <a:t>): </a:t>
+            </a:r>
+            <a:r>
+              <a:rPr lang="en-US" sz="1600" b="1" dirty="0">
+                <a:solidFill>
+                  <a:srgbClr val="004BD7"/>
+                </a:solidFill>
+                <a:latin typeface="Inconsolata Medium" panose="020B0609030003000000" pitchFamily="49" charset="77"/>
+              </a:rPr>
+              <a:t>…</a:t>
+            </a:r>
+            <a:r>
+              <a:rPr lang="en-US" sz="1600" b="1" dirty="0">
+                <a:solidFill>
+                  <a:srgbClr val="000000"/>
+                </a:solidFill>
+                <a:latin typeface="Inconsolata Medium" panose="020B0609030003000000" pitchFamily="49" charset="77"/>
+              </a:rPr>
+              <a:t>	</a:t>
+            </a:r>
+          </a:p>
+          <a:p>
+            <a:pPr marL="0" indent="0">
+              <a:buNone/>
+            </a:pPr>
+            <a:r>
+              <a:rPr lang="en-US" sz="1600" b="1" dirty="0">
+                <a:solidFill>
+                  <a:srgbClr val="000000"/>
+                </a:solidFill>
+                <a:latin typeface="Inconsolata Medium" panose="020B0609030003000000" pitchFamily="49" charset="77"/>
+              </a:rPr>
+              <a:t>	def</a:t>
+            </a:r>
+            <a:r>
+              <a:rPr lang="en-US" sz="1600" b="1" dirty="0">
+                <a:latin typeface="Inconsolata Medium" panose="020B0609030003000000" pitchFamily="49" charset="77"/>
+              </a:rPr>
+              <a:t> </a:t>
+            </a:r>
+            <a:r>
+              <a:rPr lang="en-US" sz="1600" b="1" dirty="0">
+                <a:solidFill>
+                  <a:srgbClr val="06287E"/>
+                </a:solidFill>
+                <a:latin typeface="Inconsolata Medium" panose="020B0609030003000000" pitchFamily="49" charset="77"/>
+              </a:rPr>
+              <a:t>move</a:t>
+            </a:r>
+            <a:r>
+              <a:rPr lang="en-US" sz="1600" b="1" dirty="0">
+                <a:latin typeface="Inconsolata Medium" panose="020B0609030003000000" pitchFamily="49" charset="77"/>
+              </a:rPr>
+              <a:t>(</a:t>
+            </a:r>
+            <a:r>
+              <a:rPr lang="en-US" sz="1600" b="1" dirty="0">
+                <a:solidFill>
+                  <a:srgbClr val="004BD7"/>
+                </a:solidFill>
+                <a:latin typeface="Inconsolata Medium" panose="020B0609030003000000" pitchFamily="49" charset="77"/>
+              </a:rPr>
+              <a:t>self</a:t>
+            </a:r>
+            <a:r>
+              <a:rPr lang="en-US" sz="1600" b="1" dirty="0">
+                <a:latin typeface="Inconsolata Medium" panose="020B0609030003000000" pitchFamily="49" charset="77"/>
+              </a:rPr>
+              <a:t>): …</a:t>
+            </a:r>
+          </a:p>
+          <a:p>
+            <a:pPr marL="0" indent="0">
+              <a:buNone/>
+            </a:pPr>
+            <a:r>
+              <a:rPr lang="en-US" sz="1600" b="1" dirty="0">
+                <a:solidFill>
+                  <a:srgbClr val="000000"/>
+                </a:solidFill>
+                <a:latin typeface="Inconsolata Medium" panose="020B0609030003000000" pitchFamily="49" charset="77"/>
+              </a:rPr>
+              <a:t>	def</a:t>
+            </a:r>
+            <a:r>
+              <a:rPr lang="en-US" sz="1600" b="1" dirty="0">
+                <a:latin typeface="Inconsolata Medium" panose="020B0609030003000000" pitchFamily="49" charset="77"/>
+              </a:rPr>
+              <a:t> </a:t>
+            </a:r>
+            <a:r>
+              <a:rPr lang="en-US" sz="1600" b="1" dirty="0">
+                <a:solidFill>
+                  <a:srgbClr val="06287E"/>
+                </a:solidFill>
+                <a:latin typeface="Inconsolata Medium" panose="020B0609030003000000" pitchFamily="49" charset="77"/>
+              </a:rPr>
+              <a:t>shoot</a:t>
+            </a:r>
+            <a:r>
+              <a:rPr lang="en-US" sz="1600" b="1" dirty="0">
+                <a:latin typeface="Inconsolata Medium" panose="020B0609030003000000" pitchFamily="49" charset="77"/>
+              </a:rPr>
+              <a:t>(</a:t>
+            </a:r>
+            <a:r>
+              <a:rPr lang="en-US" sz="1600" b="1" dirty="0">
+                <a:solidFill>
+                  <a:srgbClr val="004BD7"/>
+                </a:solidFill>
+                <a:latin typeface="Inconsolata Medium" panose="020B0609030003000000" pitchFamily="49" charset="77"/>
+              </a:rPr>
+              <a:t>self, target</a:t>
+            </a:r>
+            <a:r>
+              <a:rPr lang="en-US" sz="1600" b="1" dirty="0">
+                <a:latin typeface="Inconsolata Medium" panose="020B0609030003000000" pitchFamily="49" charset="77"/>
+              </a:rPr>
+              <a:t>): …</a:t>
+            </a:r>
+          </a:p>
+          <a:p>
+            <a:pPr marL="0" indent="0">
+              <a:buNone/>
+            </a:pPr>
+            <a:endParaRPr lang="en-US" sz="1600" b="1" dirty="0">
+              <a:latin typeface="Inconsolata Medium" panose="020B0609030003000000" pitchFamily="49" charset="77"/>
+            </a:endParaRPr>
+          </a:p>
+          <a:p>
+            <a:pPr marL="0" indent="0">
+              <a:buNone/>
+            </a:pPr>
+            <a:r>
+              <a:rPr lang="en-US" sz="1600" b="1" dirty="0">
+                <a:solidFill>
+                  <a:srgbClr val="000000"/>
+                </a:solidFill>
+                <a:latin typeface="Inconsolata Medium" panose="020B0609030003000000" pitchFamily="49" charset="77"/>
+              </a:rPr>
+              <a:t>def</a:t>
+            </a:r>
+            <a:r>
+              <a:rPr lang="en-US" sz="1600" b="1" dirty="0">
+                <a:latin typeface="Inconsolata Medium" panose="020B0609030003000000" pitchFamily="49" charset="77"/>
+              </a:rPr>
+              <a:t> </a:t>
+            </a:r>
+            <a:r>
+              <a:rPr lang="en-US" sz="1600" b="1" dirty="0">
+                <a:solidFill>
+                  <a:srgbClr val="06287E"/>
+                </a:solidFill>
+                <a:latin typeface="Inconsolata Medium" panose="020B0609030003000000" pitchFamily="49" charset="77"/>
+              </a:rPr>
+              <a:t>main</a:t>
+            </a:r>
+            <a:r>
+              <a:rPr lang="en-US" sz="1600" b="1" dirty="0">
+                <a:latin typeface="Inconsolata Medium" panose="020B0609030003000000" pitchFamily="49" charset="77"/>
+              </a:rPr>
+              <a:t>():</a:t>
+            </a:r>
+          </a:p>
+          <a:p>
+            <a:pPr marL="0" indent="0">
+              <a:buNone/>
+            </a:pPr>
+            <a:r>
+              <a:rPr lang="en-US" sz="1600" b="1" dirty="0">
+                <a:latin typeface="Inconsolata Medium" panose="020B0609030003000000" pitchFamily="49" charset="77"/>
+              </a:rPr>
+              <a:t>	</a:t>
+            </a:r>
+            <a:r>
+              <a:rPr lang="en-US" sz="1600" b="1" dirty="0">
+                <a:solidFill>
+                  <a:srgbClr val="004BD7"/>
+                </a:solidFill>
+                <a:latin typeface="Inconsolata Medium" panose="020B0609030003000000" pitchFamily="49" charset="77"/>
+              </a:rPr>
+              <a:t>p</a:t>
+            </a:r>
+            <a:r>
+              <a:rPr lang="en-US" sz="1600" b="1" dirty="0">
+                <a:latin typeface="Inconsolata Medium" panose="020B0609030003000000" pitchFamily="49" charset="77"/>
+              </a:rPr>
+              <a:t> </a:t>
+            </a:r>
+            <a:r>
+              <a:rPr lang="en-US" sz="1600" b="1" dirty="0">
+                <a:solidFill>
+                  <a:srgbClr val="666666"/>
+                </a:solidFill>
+                <a:latin typeface="Inconsolata Medium" panose="020B0609030003000000" pitchFamily="49" charset="77"/>
+              </a:rPr>
+              <a:t>=</a:t>
+            </a:r>
+            <a:r>
+              <a:rPr lang="en-US" sz="1600" b="1" dirty="0">
+                <a:latin typeface="Inconsolata Medium" panose="020B0609030003000000" pitchFamily="49" charset="77"/>
+              </a:rPr>
+              <a:t> Character(“Mario”, 10, 4)</a:t>
+            </a:r>
+          </a:p>
+          <a:p>
+            <a:pPr marL="0" indent="0">
+              <a:buNone/>
+            </a:pPr>
+            <a:r>
+              <a:rPr lang="en-US" sz="1600" b="1" dirty="0">
+                <a:latin typeface="Inconsolata Medium" panose="020B0609030003000000" pitchFamily="49" charset="77"/>
+              </a:rPr>
+              <a:t>	</a:t>
+            </a:r>
+            <a:r>
+              <a:rPr lang="en-US" sz="1600" b="1" dirty="0">
+                <a:solidFill>
+                  <a:srgbClr val="004BD7"/>
+                </a:solidFill>
+                <a:latin typeface="Inconsolata Medium" panose="020B0609030003000000" pitchFamily="49" charset="77"/>
+              </a:rPr>
+              <a:t>e</a:t>
+            </a:r>
+            <a:r>
+              <a:rPr lang="en-US" sz="1600" b="1" dirty="0">
+                <a:latin typeface="Inconsolata Medium" panose="020B0609030003000000" pitchFamily="49" charset="77"/>
+              </a:rPr>
+              <a:t> </a:t>
+            </a:r>
+            <a:r>
+              <a:rPr lang="en-US" sz="1600" b="1" dirty="0">
+                <a:solidFill>
+                  <a:srgbClr val="666666"/>
+                </a:solidFill>
+                <a:latin typeface="Inconsolata Medium" panose="020B0609030003000000" pitchFamily="49" charset="77"/>
+              </a:rPr>
+              <a:t>=</a:t>
+            </a:r>
+            <a:r>
+              <a:rPr lang="en-US" sz="1600" b="1" dirty="0">
+                <a:latin typeface="Inconsolata Medium" panose="020B0609030003000000" pitchFamily="49" charset="77"/>
+              </a:rPr>
+              <a:t> Character(“Bowser”, 20, -3)</a:t>
+            </a:r>
+          </a:p>
+          <a:p>
+            <a:pPr marL="0" indent="0">
+              <a:buNone/>
+            </a:pPr>
+            <a:r>
+              <a:rPr lang="en-US" sz="1600" b="1" dirty="0">
+                <a:latin typeface="Inconsolata Medium" panose="020B0609030003000000" pitchFamily="49" charset="77"/>
+              </a:rPr>
+              <a:t>	</a:t>
+            </a:r>
+            <a:r>
+              <a:rPr lang="en-US" sz="1600" b="1" dirty="0" err="1">
+                <a:solidFill>
+                  <a:srgbClr val="004BD7"/>
+                </a:solidFill>
+                <a:latin typeface="Inconsolata Medium" panose="020B0609030003000000" pitchFamily="49" charset="77"/>
+              </a:rPr>
+              <a:t>e.shoot</a:t>
+            </a:r>
+            <a:r>
+              <a:rPr lang="en-US" sz="1600" b="1" dirty="0">
+                <a:solidFill>
+                  <a:srgbClr val="004BD7"/>
+                </a:solidFill>
+                <a:latin typeface="Inconsolata Medium" panose="020B0609030003000000" pitchFamily="49" charset="77"/>
+              </a:rPr>
+              <a:t>(p) </a:t>
+            </a:r>
+            <a:r>
+              <a:rPr lang="en-US" sz="1400" b="1" dirty="0">
+                <a:solidFill>
+                  <a:srgbClr val="4070A0"/>
+                </a:solidFill>
+                <a:latin typeface="Inconsolata Medium" panose="020B0609030003000000" pitchFamily="49" charset="77"/>
+              </a:rPr>
+              <a:t># p1.x = 14</a:t>
+            </a:r>
+          </a:p>
+          <a:p>
+            <a:pPr marL="0" indent="0">
+              <a:buNone/>
+            </a:pPr>
+            <a:r>
+              <a:rPr lang="en-US" sz="1600" b="1" dirty="0">
+                <a:latin typeface="Inconsolata Medium" panose="020B0609030003000000" pitchFamily="49" charset="77"/>
+              </a:rPr>
+              <a:t>main()		</a:t>
+            </a:r>
+          </a:p>
+        </p:txBody>
+      </p:sp>
+      <p:cxnSp>
+        <p:nvCxnSpPr>
+          <p:cNvPr id="5" name="Straight Arrow Connector 4">
+            <a:extLst>
+              <a:ext uri="{FF2B5EF4-FFF2-40B4-BE49-F238E27FC236}">
+                <a16:creationId xmlns:a16="http://schemas.microsoft.com/office/drawing/2014/main" id="{3734FE02-600C-2A44-BC16-F394E2FB5293}"/>
+              </a:ext>
+            </a:extLst>
+          </p:cNvPr>
+          <p:cNvCxnSpPr>
+            <a:cxnSpLocks/>
+          </p:cNvCxnSpPr>
+          <p:nvPr/>
+        </p:nvCxnSpPr>
+        <p:spPr>
+          <a:xfrm flipV="1">
+            <a:off x="1341690" y="2580689"/>
+            <a:ext cx="1076770" cy="1333285"/>
+          </a:xfrm>
+          <a:prstGeom prst="straightConnector1">
+            <a:avLst/>
+          </a:prstGeom>
+          <a:ln w="25400">
+            <a:tailEnd type="triangle"/>
+          </a:ln>
+        </p:spPr>
+        <p:style>
+          <a:lnRef idx="1">
+            <a:schemeClr val="dk1"/>
+          </a:lnRef>
+          <a:fillRef idx="0">
+            <a:schemeClr val="dk1"/>
+          </a:fillRef>
+          <a:effectRef idx="0">
+            <a:schemeClr val="dk1"/>
+          </a:effectRef>
+          <a:fontRef idx="minor">
+            <a:schemeClr val="tx1"/>
+          </a:fontRef>
+        </p:style>
+      </p:cxnSp>
+      <p:cxnSp>
+        <p:nvCxnSpPr>
+          <p:cNvPr id="8" name="Straight Arrow Connector 7">
+            <a:extLst>
+              <a:ext uri="{FF2B5EF4-FFF2-40B4-BE49-F238E27FC236}">
+                <a16:creationId xmlns:a16="http://schemas.microsoft.com/office/drawing/2014/main" id="{EADE529A-64EB-0A40-B575-D437D32FAB41}"/>
+              </a:ext>
+            </a:extLst>
+          </p:cNvPr>
+          <p:cNvCxnSpPr>
+            <a:cxnSpLocks/>
+          </p:cNvCxnSpPr>
+          <p:nvPr/>
+        </p:nvCxnSpPr>
+        <p:spPr>
+          <a:xfrm flipV="1">
+            <a:off x="2178799" y="2563528"/>
+            <a:ext cx="820396" cy="1350446"/>
+          </a:xfrm>
+          <a:prstGeom prst="straightConnector1">
+            <a:avLst/>
+          </a:prstGeom>
+          <a:ln w="25400">
+            <a:tailEnd type="triangle"/>
+          </a:ln>
+        </p:spPr>
+        <p:style>
+          <a:lnRef idx="1">
+            <a:schemeClr val="dk1"/>
+          </a:lnRef>
+          <a:fillRef idx="0">
+            <a:schemeClr val="dk1"/>
+          </a:fillRef>
+          <a:effectRef idx="0">
+            <a:schemeClr val="dk1"/>
+          </a:effectRef>
+          <a:fontRef idx="minor">
+            <a:schemeClr val="tx1"/>
+          </a:fontRef>
+        </p:style>
+      </p:cxnSp>
+    </p:spTree>
+    <p:extLst>
+      <p:ext uri="{BB962C8B-B14F-4D97-AF65-F5344CB8AC3E}">
+        <p14:creationId xmlns:p14="http://schemas.microsoft.com/office/powerpoint/2010/main" val="1520390356"/>
+      </p:ext>
+    </p:extLst>
+  </p:cSld>
+  <p:clrMapOvr>
+    <a:masterClrMapping/>
+  </p:clrMapOvr>
+</p:sld>
+</file>
+
+<file path=ppt/slides/slide12.xml><?xml version="1.0" encoding="utf-8"?>
+<p:sld xmlns:a="http://schemas.openxmlformats.org/drawingml/2006/main" xmlns:r="http://schemas.openxmlformats.org/officeDocument/2006/relationships" xmlns:p="http://schemas.openxmlformats.org/presentationml/2006/main">
+  <p:cSld>
+    <p:spTree>
+      <p:nvGrpSpPr>
+        <p:cNvPr id="1" name=""/>
+        <p:cNvGrpSpPr/>
+        <p:nvPr/>
+      </p:nvGrpSpPr>
+      <p:grpSpPr>
+        <a:xfrm>
+          <a:off x="0" y="0"/>
+          <a:ext cx="0" cy="0"/>
+          <a:chOff x="0" y="0"/>
+          <a:chExt cx="0" cy="0"/>
+        </a:xfrm>
+      </p:grpSpPr>
+      <p:sp>
+        <p:nvSpPr>
+          <p:cNvPr id="2" name="Title 1">
+            <a:extLst>
+              <a:ext uri="{FF2B5EF4-FFF2-40B4-BE49-F238E27FC236}">
+                <a16:creationId xmlns:a16="http://schemas.microsoft.com/office/drawing/2014/main" id="{EA8D4812-1329-D34B-BE17-6F2028DA3570}"/>
+              </a:ext>
+            </a:extLst>
+          </p:cNvPr>
+          <p:cNvSpPr>
+            <a:spLocks noGrp="1"/>
+          </p:cNvSpPr>
+          <p:nvPr>
+            <p:ph type="title"/>
+          </p:nvPr>
+        </p:nvSpPr>
+        <p:spPr>
+          <a:xfrm>
+            <a:off x="497764" y="2007476"/>
+            <a:ext cx="7886700" cy="880187"/>
+          </a:xfrm>
+        </p:spPr>
+        <p:txBody>
+          <a:bodyPr/>
+          <a:lstStyle/>
+          <a:p>
+            <a:pPr algn="ctr"/>
+            <a:r>
+              <a:rPr lang="en-US" dirty="0"/>
+              <a:t>Inheritance</a:t>
+            </a:r>
+          </a:p>
+        </p:txBody>
+      </p:sp>
+    </p:spTree>
+    <p:extLst>
+      <p:ext uri="{BB962C8B-B14F-4D97-AF65-F5344CB8AC3E}">
+        <p14:creationId xmlns:p14="http://schemas.microsoft.com/office/powerpoint/2010/main" val="140649567"/>
+      </p:ext>
+    </p:extLst>
+  </p:cSld>
+  <p:clrMapOvr>
+    <a:masterClrMapping/>
+  </p:clrMapOvr>
+</p:sld>
+</file>
+
+<file path=ppt/slides/slide13.xml><?xml version="1.0" encoding="utf-8"?>
+<p:sld xmlns:a="http://schemas.openxmlformats.org/drawingml/2006/main" xmlns:r="http://schemas.openxmlformats.org/officeDocument/2006/relationships" xmlns:p="http://schemas.openxmlformats.org/presentationml/2006/main">
+  <p:cSld>
+    <p:spTree>
+      <p:nvGrpSpPr>
+        <p:cNvPr id="1" name=""/>
+        <p:cNvGrpSpPr/>
+        <p:nvPr/>
+      </p:nvGrpSpPr>
+      <p:grpSpPr>
+        <a:xfrm>
+          <a:off x="0" y="0"/>
+          <a:ext cx="0" cy="0"/>
+          <a:chOff x="0" y="0"/>
+          <a:chExt cx="0" cy="0"/>
+        </a:xfrm>
+      </p:grpSpPr>
+      <p:sp>
+        <p:nvSpPr>
+          <p:cNvPr id="2" name="Title 1">
+            <a:extLst>
+              <a:ext uri="{FF2B5EF4-FFF2-40B4-BE49-F238E27FC236}">
+                <a16:creationId xmlns:a16="http://schemas.microsoft.com/office/drawing/2014/main" id="{AA3A228F-61D0-D949-A5E7-F83756230BF8}"/>
+              </a:ext>
+            </a:extLst>
+          </p:cNvPr>
+          <p:cNvSpPr>
+            <a:spLocks noGrp="1"/>
+          </p:cNvSpPr>
+          <p:nvPr>
+            <p:ph type="title"/>
+          </p:nvPr>
+        </p:nvSpPr>
+        <p:spPr>
+          <a:xfrm>
+            <a:off x="483848" y="467027"/>
+            <a:ext cx="7053542" cy="683886"/>
+          </a:xfrm>
+        </p:spPr>
+        <p:txBody>
+          <a:bodyPr/>
+          <a:lstStyle/>
+          <a:p>
+            <a:r>
+              <a:rPr lang="en-US" dirty="0"/>
               <a:t>Inheritance</a:t>
             </a:r>
           </a:p>
@@ -3794,7 +5429,7 @@
 </p:sld>
 </file>
 
-<file path=ppt/slides/slide12.xml><?xml version="1.0" encoding="utf-8"?>
+<file path=ppt/slides/slide14.xml><?xml version="1.0" encoding="utf-8"?>
 <p:sld xmlns:a="http://schemas.openxmlformats.org/drawingml/2006/main" xmlns:r="http://schemas.openxmlformats.org/officeDocument/2006/relationships" xmlns:p="http://schemas.openxmlformats.org/presentationml/2006/main">
   <p:cSld>
     <p:spTree>
@@ -4519,1062 +6154,6 @@
 </p:sld>
 </file>
 
-<file path=ppt/slides/slide13.xml><?xml version="1.0" encoding="utf-8"?>
-<p:sld xmlns:a="http://schemas.openxmlformats.org/drawingml/2006/main" xmlns:r="http://schemas.openxmlformats.org/officeDocument/2006/relationships" xmlns:p="http://schemas.openxmlformats.org/presentationml/2006/main">
-  <p:cSld>
-    <p:spTree>
-      <p:nvGrpSpPr>
-        <p:cNvPr id="1" name=""/>
-        <p:cNvGrpSpPr/>
-        <p:nvPr/>
-      </p:nvGrpSpPr>
-      <p:grpSpPr>
-        <a:xfrm>
-          <a:off x="0" y="0"/>
-          <a:ext cx="0" cy="0"/>
-          <a:chOff x="0" y="0"/>
-          <a:chExt cx="0" cy="0"/>
-        </a:xfrm>
-      </p:grpSpPr>
-      <p:sp>
-        <p:nvSpPr>
-          <p:cNvPr id="2" name="Title 1">
-            <a:extLst>
-              <a:ext uri="{FF2B5EF4-FFF2-40B4-BE49-F238E27FC236}">
-                <a16:creationId xmlns:a16="http://schemas.microsoft.com/office/drawing/2014/main" id="{AA3A228F-61D0-D949-A5E7-F83756230BF8}"/>
-              </a:ext>
-            </a:extLst>
-          </p:cNvPr>
-          <p:cNvSpPr>
-            <a:spLocks noGrp="1"/>
-          </p:cNvSpPr>
-          <p:nvPr>
-            <p:ph type="title"/>
-          </p:nvPr>
-        </p:nvSpPr>
-        <p:spPr>
-          <a:xfrm>
-            <a:off x="483848" y="467027"/>
-            <a:ext cx="7053542" cy="683886"/>
-          </a:xfrm>
-        </p:spPr>
-        <p:txBody>
-          <a:bodyPr/>
-          <a:lstStyle/>
-          <a:p>
-            <a:r>
-              <a:rPr lang="en-US" dirty="0" err="1"/>
-              <a:t>game.py</a:t>
-            </a:r>
-            <a:endParaRPr lang="en-US" dirty="0"/>
-          </a:p>
-        </p:txBody>
-      </p:sp>
-      <p:sp>
-        <p:nvSpPr>
-          <p:cNvPr id="9" name="Content Placeholder 8">
-            <a:extLst>
-              <a:ext uri="{FF2B5EF4-FFF2-40B4-BE49-F238E27FC236}">
-                <a16:creationId xmlns:a16="http://schemas.microsoft.com/office/drawing/2014/main" id="{E3B2E017-30B2-884B-A113-B419A2ED51AD}"/>
-              </a:ext>
-            </a:extLst>
-          </p:cNvPr>
-          <p:cNvSpPr>
-            <a:spLocks noGrp="1"/>
-          </p:cNvSpPr>
-          <p:nvPr>
-            <p:ph idx="1"/>
-          </p:nvPr>
-        </p:nvSpPr>
-        <p:spPr>
-          <a:xfrm>
-            <a:off x="483848" y="998483"/>
-            <a:ext cx="8051725" cy="4404149"/>
-          </a:xfrm>
-        </p:spPr>
-        <p:txBody>
-          <a:bodyPr>
-            <a:noAutofit/>
-          </a:bodyPr>
-          <a:lstStyle/>
-          <a:p>
-            <a:pPr marL="0" indent="0">
-              <a:buNone/>
-            </a:pPr>
-            <a:r>
-              <a:rPr lang="en-US" sz="1900" b="1" dirty="0">
-                <a:solidFill>
-                  <a:srgbClr val="000000"/>
-                </a:solidFill>
-                <a:latin typeface="Inconsolata Medium" panose="020B0609030003000000" pitchFamily="49" charset="77"/>
-              </a:rPr>
-              <a:t>class</a:t>
-            </a:r>
-            <a:r>
-              <a:rPr lang="en-US" sz="1900" b="1" dirty="0">
-                <a:latin typeface="Inconsolata Medium" panose="020B0609030003000000" pitchFamily="49" charset="77"/>
-              </a:rPr>
-              <a:t> </a:t>
-            </a:r>
-            <a:r>
-              <a:rPr lang="en-US" sz="1900" b="1" dirty="0">
-                <a:solidFill>
-                  <a:srgbClr val="0E84B5"/>
-                </a:solidFill>
-                <a:latin typeface="Inconsolata Medium" panose="020B0609030003000000" pitchFamily="49" charset="77"/>
-              </a:rPr>
-              <a:t>Character</a:t>
-            </a:r>
-            <a:r>
-              <a:rPr lang="en-US" sz="1900" b="1" dirty="0">
-                <a:latin typeface="Inconsolata Medium" panose="020B0609030003000000" pitchFamily="49" charset="77"/>
-              </a:rPr>
-              <a:t>: </a:t>
-            </a:r>
-          </a:p>
-          <a:p>
-            <a:pPr marL="0" indent="0">
-              <a:buNone/>
-            </a:pPr>
-            <a:r>
-              <a:rPr lang="en-US" sz="1900" b="1" dirty="0">
-                <a:solidFill>
-                  <a:srgbClr val="000000"/>
-                </a:solidFill>
-                <a:latin typeface="Inconsolata Medium" panose="020B0609030003000000" pitchFamily="49" charset="77"/>
-              </a:rPr>
-              <a:t>	def</a:t>
-            </a:r>
-            <a:r>
-              <a:rPr lang="en-US" sz="1900" b="1" dirty="0">
-                <a:latin typeface="Inconsolata Medium" panose="020B0609030003000000" pitchFamily="49" charset="77"/>
-              </a:rPr>
-              <a:t> </a:t>
-            </a:r>
-            <a:r>
-              <a:rPr lang="en-US" sz="1900" b="1" dirty="0">
-                <a:solidFill>
-                  <a:srgbClr val="06287E"/>
-                </a:solidFill>
-                <a:latin typeface="Inconsolata Medium" panose="020B0609030003000000" pitchFamily="49" charset="77"/>
-              </a:rPr>
-              <a:t>__</a:t>
-            </a:r>
-            <a:r>
-              <a:rPr lang="en-US" sz="1900" b="1" dirty="0" err="1">
-                <a:solidFill>
-                  <a:srgbClr val="06287E"/>
-                </a:solidFill>
-                <a:latin typeface="Inconsolata Medium" panose="020B0609030003000000" pitchFamily="49" charset="77"/>
-              </a:rPr>
-              <a:t>init</a:t>
-            </a:r>
-            <a:r>
-              <a:rPr lang="en-US" sz="1900" b="1" dirty="0">
-                <a:solidFill>
-                  <a:srgbClr val="06287E"/>
-                </a:solidFill>
-                <a:latin typeface="Inconsolata Medium" panose="020B0609030003000000" pitchFamily="49" charset="77"/>
-              </a:rPr>
-              <a:t>__</a:t>
-            </a:r>
-            <a:r>
-              <a:rPr lang="en-US" sz="1900" b="1" dirty="0">
-                <a:latin typeface="Inconsolata Medium" panose="020B0609030003000000" pitchFamily="49" charset="77"/>
-              </a:rPr>
-              <a:t>(</a:t>
-            </a:r>
-            <a:r>
-              <a:rPr lang="en-US" sz="1900" b="1" dirty="0">
-                <a:solidFill>
-                  <a:srgbClr val="004BD7"/>
-                </a:solidFill>
-                <a:latin typeface="Inconsolata Medium" panose="020B0609030003000000" pitchFamily="49" charset="77"/>
-              </a:rPr>
-              <a:t>self, name, x, speed</a:t>
-            </a:r>
-            <a:r>
-              <a:rPr lang="en-US" sz="1900" b="1" dirty="0">
-                <a:latin typeface="Inconsolata Medium" panose="020B0609030003000000" pitchFamily="49" charset="77"/>
-              </a:rPr>
-              <a:t>): 		</a:t>
-            </a:r>
-          </a:p>
-          <a:p>
-            <a:pPr marL="0" indent="0">
-              <a:buNone/>
-            </a:pPr>
-            <a:r>
-              <a:rPr lang="en-US" sz="1900" b="1" dirty="0">
-                <a:solidFill>
-                  <a:srgbClr val="004BD7"/>
-                </a:solidFill>
-                <a:latin typeface="Inconsolata Medium" panose="020B0609030003000000" pitchFamily="49" charset="77"/>
-              </a:rPr>
-              <a:t>		</a:t>
-            </a:r>
-            <a:r>
-              <a:rPr lang="en-US" sz="1900" b="1" dirty="0" err="1">
-                <a:solidFill>
-                  <a:srgbClr val="004BD7"/>
-                </a:solidFill>
-                <a:latin typeface="Inconsolata Medium" panose="020B0609030003000000" pitchFamily="49" charset="77"/>
-              </a:rPr>
-              <a:t>self.name</a:t>
-            </a:r>
-            <a:r>
-              <a:rPr lang="en-US" sz="1900" b="1" dirty="0">
-                <a:latin typeface="Inconsolata Medium" panose="020B0609030003000000" pitchFamily="49" charset="77"/>
-              </a:rPr>
-              <a:t> </a:t>
-            </a:r>
-            <a:r>
-              <a:rPr lang="en-US" sz="1900" b="1" dirty="0">
-                <a:solidFill>
-                  <a:srgbClr val="666666"/>
-                </a:solidFill>
-                <a:latin typeface="Inconsolata Medium" panose="020B0609030003000000" pitchFamily="49" charset="77"/>
-              </a:rPr>
-              <a:t>=</a:t>
-            </a:r>
-            <a:r>
-              <a:rPr lang="en-US" sz="1900" b="1" dirty="0">
-                <a:latin typeface="Inconsolata Medium" panose="020B0609030003000000" pitchFamily="49" charset="77"/>
-              </a:rPr>
-              <a:t> name</a:t>
-            </a:r>
-          </a:p>
-          <a:p>
-            <a:pPr marL="0" indent="0">
-              <a:buNone/>
-            </a:pPr>
-            <a:r>
-              <a:rPr lang="en-US" sz="1900" b="1" dirty="0">
-                <a:solidFill>
-                  <a:srgbClr val="4070A0"/>
-                </a:solidFill>
-                <a:latin typeface="Inconsolata Medium" panose="020B0609030003000000" pitchFamily="49" charset="77"/>
-              </a:rPr>
-              <a:t>		</a:t>
-            </a:r>
-            <a:r>
-              <a:rPr lang="en-US" sz="1900" b="1" dirty="0" err="1">
-                <a:solidFill>
-                  <a:srgbClr val="004BD7"/>
-                </a:solidFill>
-                <a:latin typeface="Inconsolata Medium" panose="020B0609030003000000" pitchFamily="49" charset="77"/>
-              </a:rPr>
-              <a:t>self.x</a:t>
-            </a:r>
-            <a:r>
-              <a:rPr lang="en-US" sz="1900" b="1" dirty="0">
-                <a:latin typeface="Inconsolata Medium" panose="020B0609030003000000" pitchFamily="49" charset="77"/>
-              </a:rPr>
-              <a:t> </a:t>
-            </a:r>
-            <a:r>
-              <a:rPr lang="en-US" sz="1900" b="1" dirty="0">
-                <a:solidFill>
-                  <a:srgbClr val="666666"/>
-                </a:solidFill>
-                <a:latin typeface="Inconsolata Medium" panose="020B0609030003000000" pitchFamily="49" charset="77"/>
-              </a:rPr>
-              <a:t>=</a:t>
-            </a:r>
-            <a:r>
-              <a:rPr lang="en-US" sz="1900" b="1" dirty="0">
-                <a:latin typeface="Inconsolata Medium" panose="020B0609030003000000" pitchFamily="49" charset="77"/>
-              </a:rPr>
-              <a:t> x</a:t>
-            </a:r>
-          </a:p>
-          <a:p>
-            <a:pPr marL="0" indent="0">
-              <a:buNone/>
-            </a:pPr>
-            <a:r>
-              <a:rPr lang="en-US" sz="1900" b="1" dirty="0">
-                <a:solidFill>
-                  <a:srgbClr val="4070A0"/>
-                </a:solidFill>
-                <a:latin typeface="Inconsolata Medium" panose="020B0609030003000000" pitchFamily="49" charset="77"/>
-              </a:rPr>
-              <a:t>		</a:t>
-            </a:r>
-            <a:r>
-              <a:rPr lang="en-US" sz="1900" b="1" dirty="0" err="1">
-                <a:solidFill>
-                  <a:srgbClr val="004BD7"/>
-                </a:solidFill>
-                <a:latin typeface="Inconsolata Medium" panose="020B0609030003000000" pitchFamily="49" charset="77"/>
-              </a:rPr>
-              <a:t>self.speed</a:t>
-            </a:r>
-            <a:r>
-              <a:rPr lang="en-US" sz="1900" b="1" dirty="0">
-                <a:latin typeface="Inconsolata Medium" panose="020B0609030003000000" pitchFamily="49" charset="77"/>
-              </a:rPr>
-              <a:t> </a:t>
-            </a:r>
-            <a:r>
-              <a:rPr lang="en-US" sz="1900" b="1" dirty="0">
-                <a:solidFill>
-                  <a:srgbClr val="666666"/>
-                </a:solidFill>
-                <a:latin typeface="Inconsolata Medium" panose="020B0609030003000000" pitchFamily="49" charset="77"/>
-              </a:rPr>
-              <a:t>=</a:t>
-            </a:r>
-            <a:r>
-              <a:rPr lang="en-US" sz="1900" b="1" dirty="0">
-                <a:latin typeface="Inconsolata Medium" panose="020B0609030003000000" pitchFamily="49" charset="77"/>
-              </a:rPr>
-              <a:t> speed</a:t>
-            </a:r>
-          </a:p>
-          <a:p>
-            <a:pPr marL="0" indent="0">
-              <a:buNone/>
-            </a:pPr>
-            <a:r>
-              <a:rPr lang="en-US" sz="1900" b="1" dirty="0">
-                <a:solidFill>
-                  <a:srgbClr val="000000"/>
-                </a:solidFill>
-                <a:latin typeface="Inconsolata Medium" panose="020B0609030003000000" pitchFamily="49" charset="77"/>
-              </a:rPr>
-              <a:t>	def</a:t>
-            </a:r>
-            <a:r>
-              <a:rPr lang="en-US" sz="1900" b="1" dirty="0">
-                <a:latin typeface="Inconsolata Medium" panose="020B0609030003000000" pitchFamily="49" charset="77"/>
-              </a:rPr>
-              <a:t> </a:t>
-            </a:r>
-            <a:r>
-              <a:rPr lang="en-US" sz="1900" b="1" dirty="0">
-                <a:solidFill>
-                  <a:srgbClr val="06287E"/>
-                </a:solidFill>
-                <a:latin typeface="Inconsolata Medium" panose="020B0609030003000000" pitchFamily="49" charset="77"/>
-              </a:rPr>
-              <a:t>move</a:t>
-            </a:r>
-            <a:r>
-              <a:rPr lang="en-US" sz="1900" b="1" dirty="0">
-                <a:latin typeface="Inconsolata Medium" panose="020B0609030003000000" pitchFamily="49" charset="77"/>
-              </a:rPr>
-              <a:t>(</a:t>
-            </a:r>
-            <a:r>
-              <a:rPr lang="en-US" sz="1900" b="1" dirty="0">
-                <a:solidFill>
-                  <a:srgbClr val="004BD7"/>
-                </a:solidFill>
-                <a:latin typeface="Inconsolata Medium" panose="020B0609030003000000" pitchFamily="49" charset="77"/>
-              </a:rPr>
-              <a:t>self</a:t>
-            </a:r>
-            <a:r>
-              <a:rPr lang="en-US" sz="1900" b="1" dirty="0">
-                <a:latin typeface="Inconsolata Medium" panose="020B0609030003000000" pitchFamily="49" charset="77"/>
-              </a:rPr>
-              <a:t>):</a:t>
-            </a:r>
-          </a:p>
-          <a:p>
-            <a:pPr marL="0" indent="0">
-              <a:buNone/>
-            </a:pPr>
-            <a:r>
-              <a:rPr lang="en-US" sz="1900" b="1" dirty="0">
-                <a:latin typeface="Inconsolata Medium" panose="020B0609030003000000" pitchFamily="49" charset="77"/>
-              </a:rPr>
-              <a:t>		</a:t>
-            </a:r>
-            <a:r>
-              <a:rPr lang="en-US" sz="1900" b="1" dirty="0" err="1">
-                <a:solidFill>
-                  <a:srgbClr val="004BD7"/>
-                </a:solidFill>
-                <a:latin typeface="Inconsolata Medium" panose="020B0609030003000000" pitchFamily="49" charset="77"/>
-              </a:rPr>
-              <a:t>self.x</a:t>
-            </a:r>
-            <a:r>
-              <a:rPr lang="en-US" sz="1900" b="1" dirty="0">
-                <a:latin typeface="Inconsolata Medium" panose="020B0609030003000000" pitchFamily="49" charset="77"/>
-              </a:rPr>
-              <a:t> </a:t>
-            </a:r>
-            <a:r>
-              <a:rPr lang="en-US" sz="1900" b="1" dirty="0">
-                <a:solidFill>
-                  <a:srgbClr val="666666"/>
-                </a:solidFill>
-                <a:latin typeface="Inconsolata Medium" panose="020B0609030003000000" pitchFamily="49" charset="77"/>
-              </a:rPr>
-              <a:t>+=</a:t>
-            </a:r>
-            <a:r>
-              <a:rPr lang="en-US" sz="1900" b="1" dirty="0">
-                <a:latin typeface="Inconsolata Medium" panose="020B0609030003000000" pitchFamily="49" charset="77"/>
-              </a:rPr>
-              <a:t> </a:t>
-            </a:r>
-            <a:r>
-              <a:rPr lang="en-US" sz="1900" b="1" dirty="0" err="1">
-                <a:latin typeface="Inconsolata Medium" panose="020B0609030003000000" pitchFamily="49" charset="77"/>
-              </a:rPr>
-              <a:t>self.speed</a:t>
-            </a:r>
-            <a:endParaRPr lang="en-US" sz="1900" b="1" dirty="0">
-              <a:latin typeface="Inconsolata Medium" panose="020B0609030003000000" pitchFamily="49" charset="77"/>
-            </a:endParaRPr>
-          </a:p>
-          <a:p>
-            <a:pPr marL="0" indent="0">
-              <a:buNone/>
-            </a:pPr>
-            <a:endParaRPr lang="en-US" sz="1900" b="1" dirty="0">
-              <a:solidFill>
-                <a:srgbClr val="000000"/>
-              </a:solidFill>
-              <a:latin typeface="Inconsolata Medium" panose="020B0609030003000000" pitchFamily="49" charset="77"/>
-            </a:endParaRPr>
-          </a:p>
-          <a:p>
-            <a:pPr marL="0" indent="0">
-              <a:buNone/>
-            </a:pPr>
-            <a:r>
-              <a:rPr lang="en-US" sz="1900" b="1" dirty="0">
-                <a:solidFill>
-                  <a:srgbClr val="000000"/>
-                </a:solidFill>
-                <a:latin typeface="Inconsolata Medium" panose="020B0609030003000000" pitchFamily="49" charset="77"/>
-              </a:rPr>
-              <a:t>class</a:t>
-            </a:r>
-            <a:r>
-              <a:rPr lang="en-US" sz="1900" b="1" dirty="0">
-                <a:latin typeface="Inconsolata Medium" panose="020B0609030003000000" pitchFamily="49" charset="77"/>
-              </a:rPr>
-              <a:t> </a:t>
-            </a:r>
-            <a:r>
-              <a:rPr lang="en-US" sz="1900" b="1" dirty="0">
-                <a:solidFill>
-                  <a:srgbClr val="0E84B5"/>
-                </a:solidFill>
-                <a:latin typeface="Inconsolata Medium" panose="020B0609030003000000" pitchFamily="49" charset="77"/>
-              </a:rPr>
-              <a:t>Player(Character)</a:t>
-            </a:r>
-            <a:r>
-              <a:rPr lang="en-US" sz="1900" b="1" dirty="0">
-                <a:latin typeface="Inconsolata Medium" panose="020B0609030003000000" pitchFamily="49" charset="77"/>
-              </a:rPr>
-              <a:t>: </a:t>
-            </a:r>
-          </a:p>
-          <a:p>
-            <a:pPr marL="0" indent="0">
-              <a:buNone/>
-            </a:pPr>
-            <a:r>
-              <a:rPr lang="en-US" sz="1900" b="1" dirty="0">
-                <a:solidFill>
-                  <a:srgbClr val="000000"/>
-                </a:solidFill>
-                <a:latin typeface="Inconsolata Medium" panose="020B0609030003000000" pitchFamily="49" charset="77"/>
-              </a:rPr>
-              <a:t>	def</a:t>
-            </a:r>
-            <a:r>
-              <a:rPr lang="en-US" sz="1900" b="1" dirty="0">
-                <a:latin typeface="Inconsolata Medium" panose="020B0609030003000000" pitchFamily="49" charset="77"/>
-              </a:rPr>
-              <a:t> </a:t>
-            </a:r>
-            <a:r>
-              <a:rPr lang="en-US" sz="1900" b="1" dirty="0">
-                <a:solidFill>
-                  <a:srgbClr val="06287E"/>
-                </a:solidFill>
-                <a:latin typeface="Inconsolata Medium" panose="020B0609030003000000" pitchFamily="49" charset="77"/>
-              </a:rPr>
-              <a:t>__</a:t>
-            </a:r>
-            <a:r>
-              <a:rPr lang="en-US" sz="1900" b="1" dirty="0" err="1">
-                <a:solidFill>
-                  <a:srgbClr val="06287E"/>
-                </a:solidFill>
-                <a:latin typeface="Inconsolata Medium" panose="020B0609030003000000" pitchFamily="49" charset="77"/>
-              </a:rPr>
-              <a:t>init</a:t>
-            </a:r>
-            <a:r>
-              <a:rPr lang="en-US" sz="1900" b="1" dirty="0">
-                <a:solidFill>
-                  <a:srgbClr val="06287E"/>
-                </a:solidFill>
-                <a:latin typeface="Inconsolata Medium" panose="020B0609030003000000" pitchFamily="49" charset="77"/>
-              </a:rPr>
-              <a:t>__</a:t>
-            </a:r>
-            <a:r>
-              <a:rPr lang="en-US" sz="1900" b="1" dirty="0">
-                <a:latin typeface="Inconsolata Medium" panose="020B0609030003000000" pitchFamily="49" charset="77"/>
-              </a:rPr>
-              <a:t>(</a:t>
-            </a:r>
-            <a:r>
-              <a:rPr lang="en-US" sz="1900" b="1" dirty="0">
-                <a:solidFill>
-                  <a:srgbClr val="004BD7"/>
-                </a:solidFill>
-                <a:latin typeface="Inconsolata Medium" panose="020B0609030003000000" pitchFamily="49" charset="77"/>
-              </a:rPr>
-              <a:t>self, name, x, speed, lives</a:t>
-            </a:r>
-            <a:r>
-              <a:rPr lang="en-US" sz="1900" b="1" dirty="0">
-                <a:latin typeface="Inconsolata Medium" panose="020B0609030003000000" pitchFamily="49" charset="77"/>
-              </a:rPr>
-              <a:t>): 	</a:t>
-            </a:r>
-          </a:p>
-          <a:p>
-            <a:pPr marL="0" indent="0">
-              <a:buNone/>
-            </a:pPr>
-            <a:r>
-              <a:rPr lang="en-US" sz="1900" b="1" dirty="0">
-                <a:latin typeface="Inconsolata Medium" panose="020B0609030003000000" pitchFamily="49" charset="77"/>
-              </a:rPr>
-              <a:t>		</a:t>
-            </a:r>
-            <a:r>
-              <a:rPr lang="en-US" sz="1900" b="1" dirty="0">
-                <a:solidFill>
-                  <a:srgbClr val="004BD7"/>
-                </a:solidFill>
-                <a:latin typeface="Inconsolata Medium" panose="020B0609030003000000" pitchFamily="49" charset="77"/>
-              </a:rPr>
-              <a:t>super().__</a:t>
-            </a:r>
-            <a:r>
-              <a:rPr lang="en-US" sz="1900" b="1" dirty="0" err="1">
-                <a:solidFill>
-                  <a:srgbClr val="004BD7"/>
-                </a:solidFill>
-                <a:latin typeface="Inconsolata Medium" panose="020B0609030003000000" pitchFamily="49" charset="77"/>
-              </a:rPr>
-              <a:t>init</a:t>
-            </a:r>
-            <a:r>
-              <a:rPr lang="en-US" sz="1900" b="1" dirty="0">
-                <a:solidFill>
-                  <a:srgbClr val="004BD7"/>
-                </a:solidFill>
-                <a:latin typeface="Inconsolata Medium" panose="020B0609030003000000" pitchFamily="49" charset="77"/>
-              </a:rPr>
-              <a:t>__(name, x, speed)</a:t>
-            </a:r>
-            <a:r>
-              <a:rPr lang="en-US" sz="1900" b="1" dirty="0">
-                <a:latin typeface="Inconsolata Medium" panose="020B0609030003000000" pitchFamily="49" charset="77"/>
-              </a:rPr>
-              <a:t> </a:t>
-            </a:r>
-          </a:p>
-          <a:p>
-            <a:pPr marL="0" indent="0">
-              <a:buNone/>
-            </a:pPr>
-            <a:r>
-              <a:rPr lang="en-US" sz="1900" b="1" dirty="0">
-                <a:solidFill>
-                  <a:srgbClr val="004BD7"/>
-                </a:solidFill>
-                <a:latin typeface="Inconsolata Medium" panose="020B0609030003000000" pitchFamily="49" charset="77"/>
-              </a:rPr>
-              <a:t>		</a:t>
-            </a:r>
-            <a:r>
-              <a:rPr lang="en-US" sz="1900" b="1" dirty="0" err="1">
-                <a:solidFill>
-                  <a:srgbClr val="004BD7"/>
-                </a:solidFill>
-                <a:latin typeface="Inconsolata Medium" panose="020B0609030003000000" pitchFamily="49" charset="77"/>
-              </a:rPr>
-              <a:t>self.lives</a:t>
-            </a:r>
-            <a:r>
-              <a:rPr lang="en-US" sz="1900" b="1" dirty="0">
-                <a:solidFill>
-                  <a:srgbClr val="004BD7"/>
-                </a:solidFill>
-                <a:latin typeface="Inconsolata Medium" panose="020B0609030003000000" pitchFamily="49" charset="77"/>
-              </a:rPr>
-              <a:t> = </a:t>
-            </a:r>
-            <a:r>
-              <a:rPr lang="en-US" sz="1900" b="1" dirty="0">
-                <a:latin typeface="Inconsolata Medium" panose="020B0609030003000000" pitchFamily="49" charset="77"/>
-              </a:rPr>
-              <a:t>lives</a:t>
-            </a:r>
-            <a:endParaRPr lang="en-US" sz="1900" b="1" dirty="0">
-              <a:solidFill>
-                <a:srgbClr val="000000"/>
-              </a:solidFill>
-              <a:latin typeface="Inconsolata Medium" panose="020B0609030003000000" pitchFamily="49" charset="77"/>
-            </a:endParaRPr>
-          </a:p>
-          <a:p>
-            <a:pPr marL="0" indent="0">
-              <a:buNone/>
-            </a:pPr>
-            <a:endParaRPr lang="en-US" sz="1900" b="1" dirty="0">
-              <a:latin typeface="Inconsolata Medium" panose="020B0609030003000000" pitchFamily="49" charset="77"/>
-            </a:endParaRPr>
-          </a:p>
-        </p:txBody>
-      </p:sp>
-    </p:spTree>
-    <p:extLst>
-      <p:ext uri="{BB962C8B-B14F-4D97-AF65-F5344CB8AC3E}">
-        <p14:creationId xmlns:p14="http://schemas.microsoft.com/office/powerpoint/2010/main" val="4152429118"/>
-      </p:ext>
-    </p:extLst>
-  </p:cSld>
-  <p:clrMapOvr>
-    <a:masterClrMapping/>
-  </p:clrMapOvr>
-</p:sld>
-</file>
-
-<file path=ppt/slides/slide14.xml><?xml version="1.0" encoding="utf-8"?>
-<p:sld xmlns:a="http://schemas.openxmlformats.org/drawingml/2006/main" xmlns:r="http://schemas.openxmlformats.org/officeDocument/2006/relationships" xmlns:p="http://schemas.openxmlformats.org/presentationml/2006/main">
-  <p:cSld>
-    <p:spTree>
-      <p:nvGrpSpPr>
-        <p:cNvPr id="1" name=""/>
-        <p:cNvGrpSpPr/>
-        <p:nvPr/>
-      </p:nvGrpSpPr>
-      <p:grpSpPr>
-        <a:xfrm>
-          <a:off x="0" y="0"/>
-          <a:ext cx="0" cy="0"/>
-          <a:chOff x="0" y="0"/>
-          <a:chExt cx="0" cy="0"/>
-        </a:xfrm>
-      </p:grpSpPr>
-      <p:sp>
-        <p:nvSpPr>
-          <p:cNvPr id="2" name="Title 1">
-            <a:extLst>
-              <a:ext uri="{FF2B5EF4-FFF2-40B4-BE49-F238E27FC236}">
-                <a16:creationId xmlns:a16="http://schemas.microsoft.com/office/drawing/2014/main" id="{AA3A228F-61D0-D949-A5E7-F83756230BF8}"/>
-              </a:ext>
-            </a:extLst>
-          </p:cNvPr>
-          <p:cNvSpPr>
-            <a:spLocks noGrp="1"/>
-          </p:cNvSpPr>
-          <p:nvPr>
-            <p:ph type="title"/>
-          </p:nvPr>
-        </p:nvSpPr>
-        <p:spPr>
-          <a:xfrm>
-            <a:off x="483848" y="467027"/>
-            <a:ext cx="7053542" cy="683886"/>
-          </a:xfrm>
-        </p:spPr>
-        <p:txBody>
-          <a:bodyPr/>
-          <a:lstStyle/>
-          <a:p>
-            <a:r>
-              <a:rPr lang="en-US" dirty="0" err="1"/>
-              <a:t>game.py</a:t>
-            </a:r>
-            <a:endParaRPr lang="en-US" dirty="0"/>
-          </a:p>
-        </p:txBody>
-      </p:sp>
-      <p:sp>
-        <p:nvSpPr>
-          <p:cNvPr id="9" name="Content Placeholder 8">
-            <a:extLst>
-              <a:ext uri="{FF2B5EF4-FFF2-40B4-BE49-F238E27FC236}">
-                <a16:creationId xmlns:a16="http://schemas.microsoft.com/office/drawing/2014/main" id="{E3B2E017-30B2-884B-A113-B419A2ED51AD}"/>
-              </a:ext>
-            </a:extLst>
-          </p:cNvPr>
-          <p:cNvSpPr>
-            <a:spLocks noGrp="1"/>
-          </p:cNvSpPr>
-          <p:nvPr>
-            <p:ph idx="1"/>
-          </p:nvPr>
-        </p:nvSpPr>
-        <p:spPr>
-          <a:xfrm>
-            <a:off x="483848" y="998483"/>
-            <a:ext cx="8051725" cy="4404149"/>
-          </a:xfrm>
-        </p:spPr>
-        <p:txBody>
-          <a:bodyPr>
-            <a:noAutofit/>
-          </a:bodyPr>
-          <a:lstStyle/>
-          <a:p>
-            <a:pPr marL="0" indent="0">
-              <a:buNone/>
-            </a:pPr>
-            <a:r>
-              <a:rPr lang="en-US" sz="1900" b="1" dirty="0">
-                <a:solidFill>
-                  <a:srgbClr val="000000"/>
-                </a:solidFill>
-                <a:latin typeface="Inconsolata Medium" panose="020B0609030003000000" pitchFamily="49" charset="77"/>
-              </a:rPr>
-              <a:t>class</a:t>
-            </a:r>
-            <a:r>
-              <a:rPr lang="en-US" sz="1900" b="1" dirty="0">
-                <a:latin typeface="Inconsolata Medium" panose="020B0609030003000000" pitchFamily="49" charset="77"/>
-              </a:rPr>
-              <a:t> </a:t>
-            </a:r>
-            <a:r>
-              <a:rPr lang="en-US" sz="1900" b="1" dirty="0">
-                <a:solidFill>
-                  <a:srgbClr val="0E84B5"/>
-                </a:solidFill>
-                <a:latin typeface="Inconsolata Medium" panose="020B0609030003000000" pitchFamily="49" charset="77"/>
-              </a:rPr>
-              <a:t>Enemy(Character)</a:t>
-            </a:r>
-            <a:r>
-              <a:rPr lang="en-US" sz="1900" b="1" dirty="0">
-                <a:latin typeface="Inconsolata Medium" panose="020B0609030003000000" pitchFamily="49" charset="77"/>
-              </a:rPr>
-              <a:t>: </a:t>
-            </a:r>
-          </a:p>
-          <a:p>
-            <a:pPr marL="0" indent="0">
-              <a:buNone/>
-            </a:pPr>
-            <a:r>
-              <a:rPr lang="en-US" sz="1900" b="1" dirty="0">
-                <a:solidFill>
-                  <a:srgbClr val="000000"/>
-                </a:solidFill>
-                <a:latin typeface="Inconsolata Medium" panose="020B0609030003000000" pitchFamily="49" charset="77"/>
-              </a:rPr>
-              <a:t>	def</a:t>
-            </a:r>
-            <a:r>
-              <a:rPr lang="en-US" sz="1900" b="1" dirty="0">
-                <a:latin typeface="Inconsolata Medium" panose="020B0609030003000000" pitchFamily="49" charset="77"/>
-              </a:rPr>
-              <a:t> </a:t>
-            </a:r>
-            <a:r>
-              <a:rPr lang="en-US" sz="1900" b="1" dirty="0">
-                <a:solidFill>
-                  <a:srgbClr val="06287E"/>
-                </a:solidFill>
-                <a:latin typeface="Inconsolata Medium" panose="020B0609030003000000" pitchFamily="49" charset="77"/>
-              </a:rPr>
-              <a:t>__</a:t>
-            </a:r>
-            <a:r>
-              <a:rPr lang="en-US" sz="1900" b="1" dirty="0" err="1">
-                <a:solidFill>
-                  <a:srgbClr val="06287E"/>
-                </a:solidFill>
-                <a:latin typeface="Inconsolata Medium" panose="020B0609030003000000" pitchFamily="49" charset="77"/>
-              </a:rPr>
-              <a:t>init</a:t>
-            </a:r>
-            <a:r>
-              <a:rPr lang="en-US" sz="1900" b="1" dirty="0">
-                <a:solidFill>
-                  <a:srgbClr val="06287E"/>
-                </a:solidFill>
-                <a:latin typeface="Inconsolata Medium" panose="020B0609030003000000" pitchFamily="49" charset="77"/>
-              </a:rPr>
-              <a:t>__</a:t>
-            </a:r>
-            <a:r>
-              <a:rPr lang="en-US" sz="1900" b="1" dirty="0">
-                <a:latin typeface="Inconsolata Medium" panose="020B0609030003000000" pitchFamily="49" charset="77"/>
-              </a:rPr>
-              <a:t>(</a:t>
-            </a:r>
-            <a:r>
-              <a:rPr lang="en-US" sz="1900" b="1" dirty="0">
-                <a:solidFill>
-                  <a:srgbClr val="004BD7"/>
-                </a:solidFill>
-                <a:latin typeface="Inconsolata Medium" panose="020B0609030003000000" pitchFamily="49" charset="77"/>
-              </a:rPr>
-              <a:t>self, name, x, speed</a:t>
-            </a:r>
-            <a:r>
-              <a:rPr lang="en-US" sz="1900" b="1" dirty="0">
-                <a:latin typeface="Inconsolata Medium" panose="020B0609030003000000" pitchFamily="49" charset="77"/>
-              </a:rPr>
-              <a:t>): 	</a:t>
-            </a:r>
-          </a:p>
-          <a:p>
-            <a:pPr marL="0" indent="0">
-              <a:buNone/>
-            </a:pPr>
-            <a:r>
-              <a:rPr lang="en-US" sz="1900" b="1" dirty="0">
-                <a:latin typeface="Inconsolata Medium" panose="020B0609030003000000" pitchFamily="49" charset="77"/>
-              </a:rPr>
-              <a:t>		</a:t>
-            </a:r>
-            <a:r>
-              <a:rPr lang="en-US" sz="1900" b="1" dirty="0">
-                <a:solidFill>
-                  <a:srgbClr val="004BD7"/>
-                </a:solidFill>
-                <a:latin typeface="Inconsolata Medium" panose="020B0609030003000000" pitchFamily="49" charset="77"/>
-              </a:rPr>
-              <a:t>super().__</a:t>
-            </a:r>
-            <a:r>
-              <a:rPr lang="en-US" sz="1900" b="1" dirty="0" err="1">
-                <a:solidFill>
-                  <a:srgbClr val="004BD7"/>
-                </a:solidFill>
-                <a:latin typeface="Inconsolata Medium" panose="020B0609030003000000" pitchFamily="49" charset="77"/>
-              </a:rPr>
-              <a:t>init</a:t>
-            </a:r>
-            <a:r>
-              <a:rPr lang="en-US" sz="1900" b="1" dirty="0">
-                <a:solidFill>
-                  <a:srgbClr val="004BD7"/>
-                </a:solidFill>
-                <a:latin typeface="Inconsolata Medium" panose="020B0609030003000000" pitchFamily="49" charset="77"/>
-              </a:rPr>
-              <a:t>__(name, x, speed)</a:t>
-            </a:r>
-            <a:r>
-              <a:rPr lang="en-US" sz="1900" b="1" dirty="0">
-                <a:latin typeface="Inconsolata Medium" panose="020B0609030003000000" pitchFamily="49" charset="77"/>
-              </a:rPr>
-              <a:t> </a:t>
-            </a:r>
-          </a:p>
-          <a:p>
-            <a:pPr marL="0" indent="0">
-              <a:buNone/>
-            </a:pPr>
-            <a:r>
-              <a:rPr lang="en-US" sz="1900" b="1" dirty="0">
-                <a:solidFill>
-                  <a:srgbClr val="000000"/>
-                </a:solidFill>
-                <a:latin typeface="Inconsolata Medium" panose="020B0609030003000000" pitchFamily="49" charset="77"/>
-              </a:rPr>
-              <a:t>	</a:t>
-            </a:r>
-          </a:p>
-          <a:p>
-            <a:pPr marL="0" indent="0">
-              <a:buNone/>
-            </a:pPr>
-            <a:r>
-              <a:rPr lang="en-US" sz="1900" b="1" dirty="0">
-                <a:solidFill>
-                  <a:srgbClr val="000000"/>
-                </a:solidFill>
-                <a:latin typeface="Inconsolata Medium" panose="020B0609030003000000" pitchFamily="49" charset="77"/>
-              </a:rPr>
-              <a:t>	def</a:t>
-            </a:r>
-            <a:r>
-              <a:rPr lang="en-US" sz="1900" b="1" dirty="0">
-                <a:latin typeface="Inconsolata Medium" panose="020B0609030003000000" pitchFamily="49" charset="77"/>
-              </a:rPr>
-              <a:t> </a:t>
-            </a:r>
-            <a:r>
-              <a:rPr lang="en-US" sz="1900" b="1" dirty="0">
-                <a:solidFill>
-                  <a:srgbClr val="06287E"/>
-                </a:solidFill>
-                <a:latin typeface="Inconsolata Medium" panose="020B0609030003000000" pitchFamily="49" charset="77"/>
-              </a:rPr>
-              <a:t>move</a:t>
-            </a:r>
-            <a:r>
-              <a:rPr lang="en-US" sz="1900" b="1" dirty="0">
-                <a:latin typeface="Inconsolata Medium" panose="020B0609030003000000" pitchFamily="49" charset="77"/>
-              </a:rPr>
-              <a:t>(</a:t>
-            </a:r>
-            <a:r>
-              <a:rPr lang="en-US" sz="1900" b="1" dirty="0">
-                <a:solidFill>
-                  <a:srgbClr val="004BD7"/>
-                </a:solidFill>
-                <a:latin typeface="Inconsolata Medium" panose="020B0609030003000000" pitchFamily="49" charset="77"/>
-              </a:rPr>
-              <a:t>self</a:t>
-            </a:r>
-            <a:r>
-              <a:rPr lang="en-US" sz="1900" b="1" dirty="0">
-                <a:latin typeface="Inconsolata Medium" panose="020B0609030003000000" pitchFamily="49" charset="77"/>
-              </a:rPr>
-              <a:t>):</a:t>
-            </a:r>
-          </a:p>
-          <a:p>
-            <a:pPr marL="0" indent="0">
-              <a:buNone/>
-            </a:pPr>
-            <a:r>
-              <a:rPr lang="en-US" sz="1900" b="1" dirty="0">
-                <a:solidFill>
-                  <a:srgbClr val="4070A0"/>
-                </a:solidFill>
-                <a:latin typeface="Inconsolata Medium" panose="020B0609030003000000" pitchFamily="49" charset="77"/>
-              </a:rPr>
-              <a:t>		# implementation not shown</a:t>
-            </a:r>
-          </a:p>
-          <a:p>
-            <a:pPr marL="0" indent="0">
-              <a:buNone/>
-            </a:pPr>
-            <a:r>
-              <a:rPr lang="en-US" sz="1900" b="1" dirty="0">
-                <a:solidFill>
-                  <a:srgbClr val="4070A0"/>
-                </a:solidFill>
-                <a:latin typeface="Inconsolata Medium" panose="020B0609030003000000" pitchFamily="49" charset="77"/>
-              </a:rPr>
-              <a:t>		# override move() from Character</a:t>
-            </a:r>
-          </a:p>
-          <a:p>
-            <a:pPr marL="0" indent="0">
-              <a:buNone/>
-            </a:pPr>
-            <a:endParaRPr lang="en-US" sz="1900" b="1" dirty="0">
-              <a:latin typeface="Inconsolata Medium" panose="020B0609030003000000" pitchFamily="49" charset="77"/>
-            </a:endParaRPr>
-          </a:p>
-          <a:p>
-            <a:pPr marL="0" indent="0">
-              <a:buNone/>
-            </a:pPr>
-            <a:r>
-              <a:rPr lang="en-US" sz="1900" b="1" dirty="0">
-                <a:solidFill>
-                  <a:srgbClr val="000000"/>
-                </a:solidFill>
-                <a:latin typeface="Inconsolata Medium" panose="020B0609030003000000" pitchFamily="49" charset="77"/>
-              </a:rPr>
-              <a:t>	def</a:t>
-            </a:r>
-            <a:r>
-              <a:rPr lang="en-US" sz="1900" b="1" dirty="0">
-                <a:latin typeface="Inconsolata Medium" panose="020B0609030003000000" pitchFamily="49" charset="77"/>
-              </a:rPr>
-              <a:t> </a:t>
-            </a:r>
-            <a:r>
-              <a:rPr lang="en-US" sz="1900" b="1" dirty="0" err="1">
-                <a:solidFill>
-                  <a:srgbClr val="06287E"/>
-                </a:solidFill>
-                <a:latin typeface="Inconsolata Medium" panose="020B0609030003000000" pitchFamily="49" charset="77"/>
-              </a:rPr>
-              <a:t>shoot_player</a:t>
-            </a:r>
-            <a:r>
-              <a:rPr lang="en-US" sz="1900" b="1" dirty="0">
-                <a:latin typeface="Inconsolata Medium" panose="020B0609030003000000" pitchFamily="49" charset="77"/>
-              </a:rPr>
-              <a:t>(</a:t>
-            </a:r>
-            <a:r>
-              <a:rPr lang="en-US" sz="1900" b="1" dirty="0">
-                <a:solidFill>
-                  <a:srgbClr val="004BD7"/>
-                </a:solidFill>
-                <a:latin typeface="Inconsolata Medium" panose="020B0609030003000000" pitchFamily="49" charset="77"/>
-              </a:rPr>
-              <a:t>self, player</a:t>
-            </a:r>
-            <a:r>
-              <a:rPr lang="en-US" sz="1900" b="1" dirty="0">
-                <a:latin typeface="Inconsolata Medium" panose="020B0609030003000000" pitchFamily="49" charset="77"/>
-              </a:rPr>
-              <a:t>):</a:t>
-            </a:r>
-          </a:p>
-          <a:p>
-            <a:pPr marL="0" indent="0">
-              <a:buNone/>
-            </a:pPr>
-            <a:r>
-              <a:rPr lang="en-US" sz="1900" b="1" dirty="0">
-                <a:solidFill>
-                  <a:srgbClr val="4070A0"/>
-                </a:solidFill>
-                <a:latin typeface="Inconsolata Medium" panose="020B0609030003000000" pitchFamily="49" charset="77"/>
-              </a:rPr>
-              <a:t>		# implementation not shown</a:t>
-            </a:r>
-            <a:endParaRPr lang="en-US" sz="1900" b="1" dirty="0">
-              <a:solidFill>
-                <a:srgbClr val="000000"/>
-              </a:solidFill>
-              <a:latin typeface="Inconsolata Medium" panose="020B0609030003000000" pitchFamily="49" charset="77"/>
-            </a:endParaRPr>
-          </a:p>
-          <a:p>
-            <a:pPr marL="0" indent="0">
-              <a:buNone/>
-            </a:pPr>
-            <a:endParaRPr lang="en-US" sz="1900" b="1" dirty="0">
-              <a:latin typeface="Inconsolata Medium" panose="020B0609030003000000" pitchFamily="49" charset="77"/>
-            </a:endParaRPr>
-          </a:p>
-        </p:txBody>
-      </p:sp>
-    </p:spTree>
-    <p:extLst>
-      <p:ext uri="{BB962C8B-B14F-4D97-AF65-F5344CB8AC3E}">
-        <p14:creationId xmlns:p14="http://schemas.microsoft.com/office/powerpoint/2010/main" val="3699191075"/>
-      </p:ext>
-    </p:extLst>
-  </p:cSld>
-  <p:clrMapOvr>
-    <a:masterClrMapping/>
-  </p:clrMapOvr>
-</p:sld>
-</file>
-
 <file path=ppt/slides/slide15.xml><?xml version="1.0" encoding="utf-8"?>
 <p:sld xmlns:a="http://schemas.openxmlformats.org/drawingml/2006/main" xmlns:r="http://schemas.openxmlformats.org/officeDocument/2006/relationships" xmlns:p="http://schemas.openxmlformats.org/presentationml/2006/main">
   <p:cSld>
@@ -5657,6 +6236,341 @@
             <a:pPr marL="0" indent="0">
               <a:buNone/>
             </a:pPr>
+            <a:r>
+              <a:rPr lang="en-US" sz="1900" b="1" dirty="0">
+                <a:solidFill>
+                  <a:srgbClr val="000000"/>
+                </a:solidFill>
+                <a:latin typeface="Inconsolata Medium" panose="020B0609030003000000" pitchFamily="49" charset="77"/>
+              </a:rPr>
+              <a:t>class</a:t>
+            </a:r>
+            <a:r>
+              <a:rPr lang="en-US" sz="1900" b="1" dirty="0">
+                <a:latin typeface="Inconsolata Medium" panose="020B0609030003000000" pitchFamily="49" charset="77"/>
+              </a:rPr>
+              <a:t> </a:t>
+            </a:r>
+            <a:r>
+              <a:rPr lang="en-US" sz="1900" b="1" dirty="0">
+                <a:solidFill>
+                  <a:srgbClr val="0E84B5"/>
+                </a:solidFill>
+                <a:latin typeface="Inconsolata Medium" panose="020B0609030003000000" pitchFamily="49" charset="77"/>
+              </a:rPr>
+              <a:t>Character</a:t>
+            </a:r>
+            <a:r>
+              <a:rPr lang="en-US" sz="1900" b="1" dirty="0">
+                <a:latin typeface="Inconsolata Medium" panose="020B0609030003000000" pitchFamily="49" charset="77"/>
+              </a:rPr>
+              <a:t>: </a:t>
+            </a:r>
+          </a:p>
+          <a:p>
+            <a:pPr marL="0" indent="0">
+              <a:buNone/>
+            </a:pPr>
+            <a:r>
+              <a:rPr lang="en-US" sz="1900" b="1" dirty="0">
+                <a:solidFill>
+                  <a:srgbClr val="000000"/>
+                </a:solidFill>
+                <a:latin typeface="Inconsolata Medium" panose="020B0609030003000000" pitchFamily="49" charset="77"/>
+              </a:rPr>
+              <a:t>	def</a:t>
+            </a:r>
+            <a:r>
+              <a:rPr lang="en-US" sz="1900" b="1" dirty="0">
+                <a:latin typeface="Inconsolata Medium" panose="020B0609030003000000" pitchFamily="49" charset="77"/>
+              </a:rPr>
+              <a:t> </a:t>
+            </a:r>
+            <a:r>
+              <a:rPr lang="en-US" sz="1900" b="1" dirty="0">
+                <a:solidFill>
+                  <a:srgbClr val="06287E"/>
+                </a:solidFill>
+                <a:latin typeface="Inconsolata Medium" panose="020B0609030003000000" pitchFamily="49" charset="77"/>
+              </a:rPr>
+              <a:t>__</a:t>
+            </a:r>
+            <a:r>
+              <a:rPr lang="en-US" sz="1900" b="1" dirty="0" err="1">
+                <a:solidFill>
+                  <a:srgbClr val="06287E"/>
+                </a:solidFill>
+                <a:latin typeface="Inconsolata Medium" panose="020B0609030003000000" pitchFamily="49" charset="77"/>
+              </a:rPr>
+              <a:t>init</a:t>
+            </a:r>
+            <a:r>
+              <a:rPr lang="en-US" sz="1900" b="1" dirty="0">
+                <a:solidFill>
+                  <a:srgbClr val="06287E"/>
+                </a:solidFill>
+                <a:latin typeface="Inconsolata Medium" panose="020B0609030003000000" pitchFamily="49" charset="77"/>
+              </a:rPr>
+              <a:t>__</a:t>
+            </a:r>
+            <a:r>
+              <a:rPr lang="en-US" sz="1900" b="1" dirty="0">
+                <a:latin typeface="Inconsolata Medium" panose="020B0609030003000000" pitchFamily="49" charset="77"/>
+              </a:rPr>
+              <a:t>(</a:t>
+            </a:r>
+            <a:r>
+              <a:rPr lang="en-US" sz="1900" b="1" dirty="0">
+                <a:solidFill>
+                  <a:srgbClr val="004BD7"/>
+                </a:solidFill>
+                <a:latin typeface="Inconsolata Medium" panose="020B0609030003000000" pitchFamily="49" charset="77"/>
+              </a:rPr>
+              <a:t>self, name, x, speed</a:t>
+            </a:r>
+            <a:r>
+              <a:rPr lang="en-US" sz="1900" b="1" dirty="0">
+                <a:latin typeface="Inconsolata Medium" panose="020B0609030003000000" pitchFamily="49" charset="77"/>
+              </a:rPr>
+              <a:t>): 		</a:t>
+            </a:r>
+          </a:p>
+          <a:p>
+            <a:pPr marL="0" indent="0">
+              <a:buNone/>
+            </a:pPr>
+            <a:r>
+              <a:rPr lang="en-US" sz="1900" b="1" dirty="0">
+                <a:solidFill>
+                  <a:srgbClr val="004BD7"/>
+                </a:solidFill>
+                <a:latin typeface="Inconsolata Medium" panose="020B0609030003000000" pitchFamily="49" charset="77"/>
+              </a:rPr>
+              <a:t>		</a:t>
+            </a:r>
+            <a:r>
+              <a:rPr lang="en-US" sz="1900" b="1" dirty="0" err="1">
+                <a:solidFill>
+                  <a:srgbClr val="004BD7"/>
+                </a:solidFill>
+                <a:latin typeface="Inconsolata Medium" panose="020B0609030003000000" pitchFamily="49" charset="77"/>
+              </a:rPr>
+              <a:t>self.name</a:t>
+            </a:r>
+            <a:r>
+              <a:rPr lang="en-US" sz="1900" b="1" dirty="0">
+                <a:latin typeface="Inconsolata Medium" panose="020B0609030003000000" pitchFamily="49" charset="77"/>
+              </a:rPr>
+              <a:t> </a:t>
+            </a:r>
+            <a:r>
+              <a:rPr lang="en-US" sz="1900" b="1" dirty="0">
+                <a:solidFill>
+                  <a:srgbClr val="666666"/>
+                </a:solidFill>
+                <a:latin typeface="Inconsolata Medium" panose="020B0609030003000000" pitchFamily="49" charset="77"/>
+              </a:rPr>
+              <a:t>=</a:t>
+            </a:r>
+            <a:r>
+              <a:rPr lang="en-US" sz="1900" b="1" dirty="0">
+                <a:latin typeface="Inconsolata Medium" panose="020B0609030003000000" pitchFamily="49" charset="77"/>
+              </a:rPr>
+              <a:t> name</a:t>
+            </a:r>
+          </a:p>
+          <a:p>
+            <a:pPr marL="0" indent="0">
+              <a:buNone/>
+            </a:pPr>
+            <a:r>
+              <a:rPr lang="en-US" sz="1900" b="1" dirty="0">
+                <a:solidFill>
+                  <a:srgbClr val="4070A0"/>
+                </a:solidFill>
+                <a:latin typeface="Inconsolata Medium" panose="020B0609030003000000" pitchFamily="49" charset="77"/>
+              </a:rPr>
+              <a:t>		</a:t>
+            </a:r>
+            <a:r>
+              <a:rPr lang="en-US" sz="1900" b="1" dirty="0" err="1">
+                <a:solidFill>
+                  <a:srgbClr val="004BD7"/>
+                </a:solidFill>
+                <a:latin typeface="Inconsolata Medium" panose="020B0609030003000000" pitchFamily="49" charset="77"/>
+              </a:rPr>
+              <a:t>self.x</a:t>
+            </a:r>
+            <a:r>
+              <a:rPr lang="en-US" sz="1900" b="1" dirty="0">
+                <a:latin typeface="Inconsolata Medium" panose="020B0609030003000000" pitchFamily="49" charset="77"/>
+              </a:rPr>
+              <a:t> </a:t>
+            </a:r>
+            <a:r>
+              <a:rPr lang="en-US" sz="1900" b="1" dirty="0">
+                <a:solidFill>
+                  <a:srgbClr val="666666"/>
+                </a:solidFill>
+                <a:latin typeface="Inconsolata Medium" panose="020B0609030003000000" pitchFamily="49" charset="77"/>
+              </a:rPr>
+              <a:t>=</a:t>
+            </a:r>
+            <a:r>
+              <a:rPr lang="en-US" sz="1900" b="1" dirty="0">
+                <a:latin typeface="Inconsolata Medium" panose="020B0609030003000000" pitchFamily="49" charset="77"/>
+              </a:rPr>
+              <a:t> x</a:t>
+            </a:r>
+          </a:p>
+          <a:p>
+            <a:pPr marL="0" indent="0">
+              <a:buNone/>
+            </a:pPr>
+            <a:r>
+              <a:rPr lang="en-US" sz="1900" b="1" dirty="0">
+                <a:solidFill>
+                  <a:srgbClr val="4070A0"/>
+                </a:solidFill>
+                <a:latin typeface="Inconsolata Medium" panose="020B0609030003000000" pitchFamily="49" charset="77"/>
+              </a:rPr>
+              <a:t>		</a:t>
+            </a:r>
+            <a:r>
+              <a:rPr lang="en-US" sz="1900" b="1" dirty="0" err="1">
+                <a:solidFill>
+                  <a:srgbClr val="004BD7"/>
+                </a:solidFill>
+                <a:latin typeface="Inconsolata Medium" panose="020B0609030003000000" pitchFamily="49" charset="77"/>
+              </a:rPr>
+              <a:t>self.speed</a:t>
+            </a:r>
+            <a:r>
+              <a:rPr lang="en-US" sz="1900" b="1" dirty="0">
+                <a:latin typeface="Inconsolata Medium" panose="020B0609030003000000" pitchFamily="49" charset="77"/>
+              </a:rPr>
+              <a:t> </a:t>
+            </a:r>
+            <a:r>
+              <a:rPr lang="en-US" sz="1900" b="1" dirty="0">
+                <a:solidFill>
+                  <a:srgbClr val="666666"/>
+                </a:solidFill>
+                <a:latin typeface="Inconsolata Medium" panose="020B0609030003000000" pitchFamily="49" charset="77"/>
+              </a:rPr>
+              <a:t>=</a:t>
+            </a:r>
+            <a:r>
+              <a:rPr lang="en-US" sz="1900" b="1" dirty="0">
+                <a:latin typeface="Inconsolata Medium" panose="020B0609030003000000" pitchFamily="49" charset="77"/>
+              </a:rPr>
+              <a:t> speed</a:t>
+            </a:r>
+          </a:p>
+          <a:p>
+            <a:pPr marL="0" indent="0">
+              <a:buNone/>
+            </a:pPr>
+            <a:r>
+              <a:rPr lang="en-US" sz="1900" b="1" dirty="0">
+                <a:solidFill>
+                  <a:srgbClr val="000000"/>
+                </a:solidFill>
+                <a:latin typeface="Inconsolata Medium" panose="020B0609030003000000" pitchFamily="49" charset="77"/>
+              </a:rPr>
+              <a:t>	def</a:t>
+            </a:r>
+            <a:r>
+              <a:rPr lang="en-US" sz="1900" b="1" dirty="0">
+                <a:latin typeface="Inconsolata Medium" panose="020B0609030003000000" pitchFamily="49" charset="77"/>
+              </a:rPr>
+              <a:t> </a:t>
+            </a:r>
+            <a:r>
+              <a:rPr lang="en-US" sz="1900" b="1" dirty="0">
+                <a:solidFill>
+                  <a:srgbClr val="06287E"/>
+                </a:solidFill>
+                <a:latin typeface="Inconsolata Medium" panose="020B0609030003000000" pitchFamily="49" charset="77"/>
+              </a:rPr>
+              <a:t>move</a:t>
+            </a:r>
+            <a:r>
+              <a:rPr lang="en-US" sz="1900" b="1" dirty="0">
+                <a:latin typeface="Inconsolata Medium" panose="020B0609030003000000" pitchFamily="49" charset="77"/>
+              </a:rPr>
+              <a:t>(</a:t>
+            </a:r>
+            <a:r>
+              <a:rPr lang="en-US" sz="1900" b="1" dirty="0">
+                <a:solidFill>
+                  <a:srgbClr val="004BD7"/>
+                </a:solidFill>
+                <a:latin typeface="Inconsolata Medium" panose="020B0609030003000000" pitchFamily="49" charset="77"/>
+              </a:rPr>
+              <a:t>self</a:t>
+            </a:r>
+            <a:r>
+              <a:rPr lang="en-US" sz="1900" b="1" dirty="0">
+                <a:latin typeface="Inconsolata Medium" panose="020B0609030003000000" pitchFamily="49" charset="77"/>
+              </a:rPr>
+              <a:t>):</a:t>
+            </a:r>
+          </a:p>
+          <a:p>
+            <a:pPr marL="0" indent="0">
+              <a:buNone/>
+            </a:pPr>
+            <a:r>
+              <a:rPr lang="en-US" sz="1900" b="1" dirty="0">
+                <a:latin typeface="Inconsolata Medium" panose="020B0609030003000000" pitchFamily="49" charset="77"/>
+              </a:rPr>
+              <a:t>		</a:t>
+            </a:r>
+            <a:r>
+              <a:rPr lang="en-US" sz="1900" b="1" dirty="0" err="1">
+                <a:solidFill>
+                  <a:srgbClr val="004BD7"/>
+                </a:solidFill>
+                <a:latin typeface="Inconsolata Medium" panose="020B0609030003000000" pitchFamily="49" charset="77"/>
+              </a:rPr>
+              <a:t>self.x</a:t>
+            </a:r>
+            <a:r>
+              <a:rPr lang="en-US" sz="1900" b="1" dirty="0">
+                <a:latin typeface="Inconsolata Medium" panose="020B0609030003000000" pitchFamily="49" charset="77"/>
+              </a:rPr>
+              <a:t> </a:t>
+            </a:r>
+            <a:r>
+              <a:rPr lang="en-US" sz="1900" b="1" dirty="0">
+                <a:solidFill>
+                  <a:srgbClr val="666666"/>
+                </a:solidFill>
+                <a:latin typeface="Inconsolata Medium" panose="020B0609030003000000" pitchFamily="49" charset="77"/>
+              </a:rPr>
+              <a:t>+=</a:t>
+            </a:r>
+            <a:r>
+              <a:rPr lang="en-US" sz="1900" b="1" dirty="0">
+                <a:latin typeface="Inconsolata Medium" panose="020B0609030003000000" pitchFamily="49" charset="77"/>
+              </a:rPr>
+              <a:t> </a:t>
+            </a:r>
+            <a:r>
+              <a:rPr lang="en-US" sz="1900" b="1" dirty="0" err="1">
+                <a:latin typeface="Inconsolata Medium" panose="020B0609030003000000" pitchFamily="49" charset="77"/>
+              </a:rPr>
+              <a:t>self.speed</a:t>
+            </a:r>
+            <a:endParaRPr lang="en-US" sz="1900" b="1" dirty="0">
+              <a:latin typeface="Inconsolata Medium" panose="020B0609030003000000" pitchFamily="49" charset="77"/>
+            </a:endParaRPr>
+          </a:p>
+          <a:p>
+            <a:pPr marL="0" indent="0">
+              <a:buNone/>
+            </a:pPr>
             <a:endParaRPr lang="en-US" sz="1900" b="1" dirty="0">
               <a:solidFill>
                 <a:srgbClr val="000000"/>
@@ -5675,6 +6589,749 @@
                 </a:solidFill>
                 <a:latin typeface="Inconsolata Medium" panose="020B0609030003000000" pitchFamily="49" charset="77"/>
               </a:rPr>
+              <a:t>class</a:t>
+            </a:r>
+            <a:r>
+              <a:rPr lang="en-US" sz="1900" b="1" dirty="0">
+                <a:latin typeface="Inconsolata Medium" panose="020B0609030003000000" pitchFamily="49" charset="77"/>
+              </a:rPr>
+              <a:t> </a:t>
+            </a:r>
+            <a:r>
+              <a:rPr lang="en-US" sz="1900" b="1" dirty="0">
+                <a:solidFill>
+                  <a:srgbClr val="0E84B5"/>
+                </a:solidFill>
+                <a:latin typeface="Inconsolata Medium" panose="020B0609030003000000" pitchFamily="49" charset="77"/>
+              </a:rPr>
+              <a:t>Player(Character)</a:t>
+            </a:r>
+            <a:r>
+              <a:rPr lang="en-US" sz="1900" b="1" dirty="0">
+                <a:latin typeface="Inconsolata Medium" panose="020B0609030003000000" pitchFamily="49" charset="77"/>
+              </a:rPr>
+              <a:t>: </a:t>
+            </a:r>
+          </a:p>
+          <a:p>
+            <a:pPr marL="0" indent="0">
+              <a:buNone/>
+            </a:pPr>
+            <a:r>
+              <a:rPr lang="en-US" sz="1900" b="1" dirty="0">
+                <a:solidFill>
+                  <a:srgbClr val="000000"/>
+                </a:solidFill>
+                <a:latin typeface="Inconsolata Medium" panose="020B0609030003000000" pitchFamily="49" charset="77"/>
+              </a:rPr>
+              <a:t>	def</a:t>
+            </a:r>
+            <a:r>
+              <a:rPr lang="en-US" sz="1900" b="1" dirty="0">
+                <a:latin typeface="Inconsolata Medium" panose="020B0609030003000000" pitchFamily="49" charset="77"/>
+              </a:rPr>
+              <a:t> </a:t>
+            </a:r>
+            <a:r>
+              <a:rPr lang="en-US" sz="1900" b="1" dirty="0">
+                <a:solidFill>
+                  <a:srgbClr val="06287E"/>
+                </a:solidFill>
+                <a:latin typeface="Inconsolata Medium" panose="020B0609030003000000" pitchFamily="49" charset="77"/>
+              </a:rPr>
+              <a:t>__</a:t>
+            </a:r>
+            <a:r>
+              <a:rPr lang="en-US" sz="1900" b="1" dirty="0" err="1">
+                <a:solidFill>
+                  <a:srgbClr val="06287E"/>
+                </a:solidFill>
+                <a:latin typeface="Inconsolata Medium" panose="020B0609030003000000" pitchFamily="49" charset="77"/>
+              </a:rPr>
+              <a:t>init</a:t>
+            </a:r>
+            <a:r>
+              <a:rPr lang="en-US" sz="1900" b="1" dirty="0">
+                <a:solidFill>
+                  <a:srgbClr val="06287E"/>
+                </a:solidFill>
+                <a:latin typeface="Inconsolata Medium" panose="020B0609030003000000" pitchFamily="49" charset="77"/>
+              </a:rPr>
+              <a:t>__</a:t>
+            </a:r>
+            <a:r>
+              <a:rPr lang="en-US" sz="1900" b="1" dirty="0">
+                <a:latin typeface="Inconsolata Medium" panose="020B0609030003000000" pitchFamily="49" charset="77"/>
+              </a:rPr>
+              <a:t>(</a:t>
+            </a:r>
+            <a:r>
+              <a:rPr lang="en-US" sz="1900" b="1" dirty="0">
+                <a:solidFill>
+                  <a:srgbClr val="004BD7"/>
+                </a:solidFill>
+                <a:latin typeface="Inconsolata Medium" panose="020B0609030003000000" pitchFamily="49" charset="77"/>
+              </a:rPr>
+              <a:t>self, name, x, speed, lives</a:t>
+            </a:r>
+            <a:r>
+              <a:rPr lang="en-US" sz="1900" b="1" dirty="0">
+                <a:latin typeface="Inconsolata Medium" panose="020B0609030003000000" pitchFamily="49" charset="77"/>
+              </a:rPr>
+              <a:t>): 	</a:t>
+            </a:r>
+          </a:p>
+          <a:p>
+            <a:pPr marL="0" indent="0">
+              <a:buNone/>
+            </a:pPr>
+            <a:r>
+              <a:rPr lang="en-US" sz="1900" b="1" dirty="0">
+                <a:latin typeface="Inconsolata Medium" panose="020B0609030003000000" pitchFamily="49" charset="77"/>
+              </a:rPr>
+              <a:t>		</a:t>
+            </a:r>
+            <a:r>
+              <a:rPr lang="en-US" sz="1900" b="1" dirty="0">
+                <a:solidFill>
+                  <a:srgbClr val="004BD7"/>
+                </a:solidFill>
+                <a:latin typeface="Inconsolata Medium" panose="020B0609030003000000" pitchFamily="49" charset="77"/>
+              </a:rPr>
+              <a:t>super().__</a:t>
+            </a:r>
+            <a:r>
+              <a:rPr lang="en-US" sz="1900" b="1" dirty="0" err="1">
+                <a:solidFill>
+                  <a:srgbClr val="004BD7"/>
+                </a:solidFill>
+                <a:latin typeface="Inconsolata Medium" panose="020B0609030003000000" pitchFamily="49" charset="77"/>
+              </a:rPr>
+              <a:t>init</a:t>
+            </a:r>
+            <a:r>
+              <a:rPr lang="en-US" sz="1900" b="1" dirty="0">
+                <a:solidFill>
+                  <a:srgbClr val="004BD7"/>
+                </a:solidFill>
+                <a:latin typeface="Inconsolata Medium" panose="020B0609030003000000" pitchFamily="49" charset="77"/>
+              </a:rPr>
+              <a:t>__(name, x, speed)</a:t>
+            </a:r>
+            <a:r>
+              <a:rPr lang="en-US" sz="1900" b="1" dirty="0">
+                <a:latin typeface="Inconsolata Medium" panose="020B0609030003000000" pitchFamily="49" charset="77"/>
+              </a:rPr>
+              <a:t> </a:t>
+            </a:r>
+          </a:p>
+          <a:p>
+            <a:pPr marL="0" indent="0">
+              <a:buNone/>
+            </a:pPr>
+            <a:r>
+              <a:rPr lang="en-US" sz="1900" b="1" dirty="0">
+                <a:solidFill>
+                  <a:srgbClr val="004BD7"/>
+                </a:solidFill>
+                <a:latin typeface="Inconsolata Medium" panose="020B0609030003000000" pitchFamily="49" charset="77"/>
+              </a:rPr>
+              <a:t>		</a:t>
+            </a:r>
+            <a:r>
+              <a:rPr lang="en-US" sz="1900" b="1" dirty="0" err="1">
+                <a:solidFill>
+                  <a:srgbClr val="004BD7"/>
+                </a:solidFill>
+                <a:latin typeface="Inconsolata Medium" panose="020B0609030003000000" pitchFamily="49" charset="77"/>
+              </a:rPr>
+              <a:t>self.lives</a:t>
+            </a:r>
+            <a:r>
+              <a:rPr lang="en-US" sz="1900" b="1" dirty="0">
+                <a:solidFill>
+                  <a:srgbClr val="004BD7"/>
+                </a:solidFill>
+                <a:latin typeface="Inconsolata Medium" panose="020B0609030003000000" pitchFamily="49" charset="77"/>
+              </a:rPr>
+              <a:t> = </a:t>
+            </a:r>
+            <a:r>
+              <a:rPr lang="en-US" sz="1900" b="1" dirty="0">
+                <a:latin typeface="Inconsolata Medium" panose="020B0609030003000000" pitchFamily="49" charset="77"/>
+              </a:rPr>
+              <a:t>lives</a:t>
+            </a:r>
+            <a:endParaRPr lang="en-US" sz="1900" b="1" dirty="0">
+              <a:solidFill>
+                <a:srgbClr val="000000"/>
+              </a:solidFill>
+              <a:latin typeface="Inconsolata Medium" panose="020B0609030003000000" pitchFamily="49" charset="77"/>
+            </a:endParaRPr>
+          </a:p>
+          <a:p>
+            <a:pPr marL="0" indent="0">
+              <a:buNone/>
+            </a:pPr>
+            <a:endParaRPr lang="en-US" sz="1900" b="1" dirty="0">
+              <a:latin typeface="Inconsolata Medium" panose="020B0609030003000000" pitchFamily="49" charset="77"/>
+            </a:endParaRPr>
+          </a:p>
+        </p:txBody>
+      </p:sp>
+    </p:spTree>
+    <p:extLst>
+      <p:ext uri="{BB962C8B-B14F-4D97-AF65-F5344CB8AC3E}">
+        <p14:creationId xmlns:p14="http://schemas.microsoft.com/office/powerpoint/2010/main" val="4152429118"/>
+      </p:ext>
+    </p:extLst>
+  </p:cSld>
+  <p:clrMapOvr>
+    <a:masterClrMapping/>
+  </p:clrMapOvr>
+</p:sld>
+</file>
+
+<file path=ppt/slides/slide16.xml><?xml version="1.0" encoding="utf-8"?>
+<p:sld xmlns:a="http://schemas.openxmlformats.org/drawingml/2006/main" xmlns:r="http://schemas.openxmlformats.org/officeDocument/2006/relationships" xmlns:p="http://schemas.openxmlformats.org/presentationml/2006/main">
+  <p:cSld>
+    <p:spTree>
+      <p:nvGrpSpPr>
+        <p:cNvPr id="1" name=""/>
+        <p:cNvGrpSpPr/>
+        <p:nvPr/>
+      </p:nvGrpSpPr>
+      <p:grpSpPr>
+        <a:xfrm>
+          <a:off x="0" y="0"/>
+          <a:ext cx="0" cy="0"/>
+          <a:chOff x="0" y="0"/>
+          <a:chExt cx="0" cy="0"/>
+        </a:xfrm>
+      </p:grpSpPr>
+      <p:sp>
+        <p:nvSpPr>
+          <p:cNvPr id="2" name="Title 1">
+            <a:extLst>
+              <a:ext uri="{FF2B5EF4-FFF2-40B4-BE49-F238E27FC236}">
+                <a16:creationId xmlns:a16="http://schemas.microsoft.com/office/drawing/2014/main" id="{AA3A228F-61D0-D949-A5E7-F83756230BF8}"/>
+              </a:ext>
+            </a:extLst>
+          </p:cNvPr>
+          <p:cNvSpPr>
+            <a:spLocks noGrp="1"/>
+          </p:cNvSpPr>
+          <p:nvPr>
+            <p:ph type="title"/>
+          </p:nvPr>
+        </p:nvSpPr>
+        <p:spPr>
+          <a:xfrm>
+            <a:off x="483848" y="467027"/>
+            <a:ext cx="7053542" cy="683886"/>
+          </a:xfrm>
+        </p:spPr>
+        <p:txBody>
+          <a:bodyPr/>
+          <a:lstStyle/>
+          <a:p>
+            <a:r>
+              <a:rPr lang="en-US" dirty="0" err="1"/>
+              <a:t>game.py</a:t>
+            </a:r>
+            <a:endParaRPr lang="en-US" dirty="0"/>
+          </a:p>
+        </p:txBody>
+      </p:sp>
+      <p:sp>
+        <p:nvSpPr>
+          <p:cNvPr id="9" name="Content Placeholder 8">
+            <a:extLst>
+              <a:ext uri="{FF2B5EF4-FFF2-40B4-BE49-F238E27FC236}">
+                <a16:creationId xmlns:a16="http://schemas.microsoft.com/office/drawing/2014/main" id="{E3B2E017-30B2-884B-A113-B419A2ED51AD}"/>
+              </a:ext>
+            </a:extLst>
+          </p:cNvPr>
+          <p:cNvSpPr>
+            <a:spLocks noGrp="1"/>
+          </p:cNvSpPr>
+          <p:nvPr>
+            <p:ph idx="1"/>
+          </p:nvPr>
+        </p:nvSpPr>
+        <p:spPr>
+          <a:xfrm>
+            <a:off x="483848" y="998483"/>
+            <a:ext cx="8051725" cy="4404149"/>
+          </a:xfrm>
+        </p:spPr>
+        <p:txBody>
+          <a:bodyPr>
+            <a:noAutofit/>
+          </a:bodyPr>
+          <a:lstStyle/>
+          <a:p>
+            <a:pPr marL="0" indent="0">
+              <a:buNone/>
+            </a:pPr>
+            <a:r>
+              <a:rPr lang="en-US" sz="1900" b="1" dirty="0">
+                <a:solidFill>
+                  <a:srgbClr val="000000"/>
+                </a:solidFill>
+                <a:latin typeface="Inconsolata Medium" panose="020B0609030003000000" pitchFamily="49" charset="77"/>
+              </a:rPr>
+              <a:t>class</a:t>
+            </a:r>
+            <a:r>
+              <a:rPr lang="en-US" sz="1900" b="1" dirty="0">
+                <a:latin typeface="Inconsolata Medium" panose="020B0609030003000000" pitchFamily="49" charset="77"/>
+              </a:rPr>
+              <a:t> </a:t>
+            </a:r>
+            <a:r>
+              <a:rPr lang="en-US" sz="1900" b="1" dirty="0">
+                <a:solidFill>
+                  <a:srgbClr val="0E84B5"/>
+                </a:solidFill>
+                <a:latin typeface="Inconsolata Medium" panose="020B0609030003000000" pitchFamily="49" charset="77"/>
+              </a:rPr>
+              <a:t>Enemy(Character)</a:t>
+            </a:r>
+            <a:r>
+              <a:rPr lang="en-US" sz="1900" b="1" dirty="0">
+                <a:latin typeface="Inconsolata Medium" panose="020B0609030003000000" pitchFamily="49" charset="77"/>
+              </a:rPr>
+              <a:t>: </a:t>
+            </a:r>
+          </a:p>
+          <a:p>
+            <a:pPr marL="0" indent="0">
+              <a:buNone/>
+            </a:pPr>
+            <a:r>
+              <a:rPr lang="en-US" sz="1900" b="1" dirty="0">
+                <a:solidFill>
+                  <a:srgbClr val="000000"/>
+                </a:solidFill>
+                <a:latin typeface="Inconsolata Medium" panose="020B0609030003000000" pitchFamily="49" charset="77"/>
+              </a:rPr>
+              <a:t>	def</a:t>
+            </a:r>
+            <a:r>
+              <a:rPr lang="en-US" sz="1900" b="1" dirty="0">
+                <a:latin typeface="Inconsolata Medium" panose="020B0609030003000000" pitchFamily="49" charset="77"/>
+              </a:rPr>
+              <a:t> </a:t>
+            </a:r>
+            <a:r>
+              <a:rPr lang="en-US" sz="1900" b="1" dirty="0">
+                <a:solidFill>
+                  <a:srgbClr val="06287E"/>
+                </a:solidFill>
+                <a:latin typeface="Inconsolata Medium" panose="020B0609030003000000" pitchFamily="49" charset="77"/>
+              </a:rPr>
+              <a:t>__</a:t>
+            </a:r>
+            <a:r>
+              <a:rPr lang="en-US" sz="1900" b="1" dirty="0" err="1">
+                <a:solidFill>
+                  <a:srgbClr val="06287E"/>
+                </a:solidFill>
+                <a:latin typeface="Inconsolata Medium" panose="020B0609030003000000" pitchFamily="49" charset="77"/>
+              </a:rPr>
+              <a:t>init</a:t>
+            </a:r>
+            <a:r>
+              <a:rPr lang="en-US" sz="1900" b="1" dirty="0">
+                <a:solidFill>
+                  <a:srgbClr val="06287E"/>
+                </a:solidFill>
+                <a:latin typeface="Inconsolata Medium" panose="020B0609030003000000" pitchFamily="49" charset="77"/>
+              </a:rPr>
+              <a:t>__</a:t>
+            </a:r>
+            <a:r>
+              <a:rPr lang="en-US" sz="1900" b="1" dirty="0">
+                <a:latin typeface="Inconsolata Medium" panose="020B0609030003000000" pitchFamily="49" charset="77"/>
+              </a:rPr>
+              <a:t>(</a:t>
+            </a:r>
+            <a:r>
+              <a:rPr lang="en-US" sz="1900" b="1" dirty="0">
+                <a:solidFill>
+                  <a:srgbClr val="004BD7"/>
+                </a:solidFill>
+                <a:latin typeface="Inconsolata Medium" panose="020B0609030003000000" pitchFamily="49" charset="77"/>
+              </a:rPr>
+              <a:t>self, name, x, speed</a:t>
+            </a:r>
+            <a:r>
+              <a:rPr lang="en-US" sz="1900" b="1" dirty="0">
+                <a:latin typeface="Inconsolata Medium" panose="020B0609030003000000" pitchFamily="49" charset="77"/>
+              </a:rPr>
+              <a:t>): 	</a:t>
+            </a:r>
+          </a:p>
+          <a:p>
+            <a:pPr marL="0" indent="0">
+              <a:buNone/>
+            </a:pPr>
+            <a:r>
+              <a:rPr lang="en-US" sz="1900" b="1" dirty="0">
+                <a:latin typeface="Inconsolata Medium" panose="020B0609030003000000" pitchFamily="49" charset="77"/>
+              </a:rPr>
+              <a:t>		</a:t>
+            </a:r>
+            <a:r>
+              <a:rPr lang="en-US" sz="1900" b="1" dirty="0">
+                <a:solidFill>
+                  <a:srgbClr val="004BD7"/>
+                </a:solidFill>
+                <a:latin typeface="Inconsolata Medium" panose="020B0609030003000000" pitchFamily="49" charset="77"/>
+              </a:rPr>
+              <a:t>super().__</a:t>
+            </a:r>
+            <a:r>
+              <a:rPr lang="en-US" sz="1900" b="1" dirty="0" err="1">
+                <a:solidFill>
+                  <a:srgbClr val="004BD7"/>
+                </a:solidFill>
+                <a:latin typeface="Inconsolata Medium" panose="020B0609030003000000" pitchFamily="49" charset="77"/>
+              </a:rPr>
+              <a:t>init</a:t>
+            </a:r>
+            <a:r>
+              <a:rPr lang="en-US" sz="1900" b="1" dirty="0">
+                <a:solidFill>
+                  <a:srgbClr val="004BD7"/>
+                </a:solidFill>
+                <a:latin typeface="Inconsolata Medium" panose="020B0609030003000000" pitchFamily="49" charset="77"/>
+              </a:rPr>
+              <a:t>__(name, x, speed)</a:t>
+            </a:r>
+            <a:r>
+              <a:rPr lang="en-US" sz="1900" b="1" dirty="0">
+                <a:latin typeface="Inconsolata Medium" panose="020B0609030003000000" pitchFamily="49" charset="77"/>
+              </a:rPr>
+              <a:t> </a:t>
+            </a:r>
+          </a:p>
+          <a:p>
+            <a:pPr marL="0" indent="0">
+              <a:buNone/>
+            </a:pPr>
+            <a:r>
+              <a:rPr lang="en-US" sz="1900" b="1" dirty="0">
+                <a:solidFill>
+                  <a:srgbClr val="000000"/>
+                </a:solidFill>
+                <a:latin typeface="Inconsolata Medium" panose="020B0609030003000000" pitchFamily="49" charset="77"/>
+              </a:rPr>
+              <a:t>	</a:t>
+            </a:r>
+          </a:p>
+          <a:p>
+            <a:pPr marL="0" indent="0">
+              <a:buNone/>
+            </a:pPr>
+            <a:r>
+              <a:rPr lang="en-US" sz="1900" b="1" dirty="0">
+                <a:solidFill>
+                  <a:srgbClr val="000000"/>
+                </a:solidFill>
+                <a:latin typeface="Inconsolata Medium" panose="020B0609030003000000" pitchFamily="49" charset="77"/>
+              </a:rPr>
+              <a:t>	def</a:t>
+            </a:r>
+            <a:r>
+              <a:rPr lang="en-US" sz="1900" b="1" dirty="0">
+                <a:latin typeface="Inconsolata Medium" panose="020B0609030003000000" pitchFamily="49" charset="77"/>
+              </a:rPr>
+              <a:t> </a:t>
+            </a:r>
+            <a:r>
+              <a:rPr lang="en-US" sz="1900" b="1" dirty="0">
+                <a:solidFill>
+                  <a:srgbClr val="06287E"/>
+                </a:solidFill>
+                <a:latin typeface="Inconsolata Medium" panose="020B0609030003000000" pitchFamily="49" charset="77"/>
+              </a:rPr>
+              <a:t>move</a:t>
+            </a:r>
+            <a:r>
+              <a:rPr lang="en-US" sz="1900" b="1" dirty="0">
+                <a:latin typeface="Inconsolata Medium" panose="020B0609030003000000" pitchFamily="49" charset="77"/>
+              </a:rPr>
+              <a:t>(</a:t>
+            </a:r>
+            <a:r>
+              <a:rPr lang="en-US" sz="1900" b="1" dirty="0">
+                <a:solidFill>
+                  <a:srgbClr val="004BD7"/>
+                </a:solidFill>
+                <a:latin typeface="Inconsolata Medium" panose="020B0609030003000000" pitchFamily="49" charset="77"/>
+              </a:rPr>
+              <a:t>self</a:t>
+            </a:r>
+            <a:r>
+              <a:rPr lang="en-US" sz="1900" b="1" dirty="0">
+                <a:latin typeface="Inconsolata Medium" panose="020B0609030003000000" pitchFamily="49" charset="77"/>
+              </a:rPr>
+              <a:t>):</a:t>
+            </a:r>
+          </a:p>
+          <a:p>
+            <a:pPr marL="0" indent="0">
+              <a:buNone/>
+            </a:pPr>
+            <a:r>
+              <a:rPr lang="en-US" sz="1900" b="1" dirty="0">
+                <a:solidFill>
+                  <a:srgbClr val="4070A0"/>
+                </a:solidFill>
+                <a:latin typeface="Inconsolata Medium" panose="020B0609030003000000" pitchFamily="49" charset="77"/>
+              </a:rPr>
+              <a:t>		# implementation not shown</a:t>
+            </a:r>
+          </a:p>
+          <a:p>
+            <a:pPr marL="0" indent="0">
+              <a:buNone/>
+            </a:pPr>
+            <a:r>
+              <a:rPr lang="en-US" sz="1900" b="1" dirty="0">
+                <a:solidFill>
+                  <a:srgbClr val="4070A0"/>
+                </a:solidFill>
+                <a:latin typeface="Inconsolata Medium" panose="020B0609030003000000" pitchFamily="49" charset="77"/>
+              </a:rPr>
+              <a:t>		# overrides move() from Character</a:t>
+            </a:r>
+          </a:p>
+          <a:p>
+            <a:pPr marL="0" indent="0">
+              <a:buNone/>
+            </a:pPr>
+            <a:endParaRPr lang="en-US" sz="1900" b="1" dirty="0">
+              <a:latin typeface="Inconsolata Medium" panose="020B0609030003000000" pitchFamily="49" charset="77"/>
+            </a:endParaRPr>
+          </a:p>
+          <a:p>
+            <a:pPr marL="0" indent="0">
+              <a:buNone/>
+            </a:pPr>
+            <a:r>
+              <a:rPr lang="en-US" sz="1900" b="1" dirty="0">
+                <a:solidFill>
+                  <a:srgbClr val="000000"/>
+                </a:solidFill>
+                <a:latin typeface="Inconsolata Medium" panose="020B0609030003000000" pitchFamily="49" charset="77"/>
+              </a:rPr>
+              <a:t>	def</a:t>
+            </a:r>
+            <a:r>
+              <a:rPr lang="en-US" sz="1900" b="1" dirty="0">
+                <a:latin typeface="Inconsolata Medium" panose="020B0609030003000000" pitchFamily="49" charset="77"/>
+              </a:rPr>
+              <a:t> </a:t>
+            </a:r>
+            <a:r>
+              <a:rPr lang="en-US" sz="1900" b="1" dirty="0" err="1">
+                <a:solidFill>
+                  <a:srgbClr val="06287E"/>
+                </a:solidFill>
+                <a:latin typeface="Inconsolata Medium" panose="020B0609030003000000" pitchFamily="49" charset="77"/>
+              </a:rPr>
+              <a:t>shoot_player</a:t>
+            </a:r>
+            <a:r>
+              <a:rPr lang="en-US" sz="1900" b="1" dirty="0">
+                <a:latin typeface="Inconsolata Medium" panose="020B0609030003000000" pitchFamily="49" charset="77"/>
+              </a:rPr>
+              <a:t>(</a:t>
+            </a:r>
+            <a:r>
+              <a:rPr lang="en-US" sz="1900" b="1" dirty="0">
+                <a:solidFill>
+                  <a:srgbClr val="004BD7"/>
+                </a:solidFill>
+                <a:latin typeface="Inconsolata Medium" panose="020B0609030003000000" pitchFamily="49" charset="77"/>
+              </a:rPr>
+              <a:t>self, player</a:t>
+            </a:r>
+            <a:r>
+              <a:rPr lang="en-US" sz="1900" b="1" dirty="0">
+                <a:latin typeface="Inconsolata Medium" panose="020B0609030003000000" pitchFamily="49" charset="77"/>
+              </a:rPr>
+              <a:t>):</a:t>
+            </a:r>
+          </a:p>
+          <a:p>
+            <a:pPr marL="0" indent="0">
+              <a:buNone/>
+            </a:pPr>
+            <a:r>
+              <a:rPr lang="en-US" sz="1900" b="1" dirty="0">
+                <a:solidFill>
+                  <a:srgbClr val="4070A0"/>
+                </a:solidFill>
+                <a:latin typeface="Inconsolata Medium" panose="020B0609030003000000" pitchFamily="49" charset="77"/>
+              </a:rPr>
+              <a:t>		# implementation not shown</a:t>
+            </a:r>
+          </a:p>
+          <a:p>
+            <a:pPr marL="0" indent="0">
+              <a:buNone/>
+            </a:pPr>
+            <a:endParaRPr lang="en-US" sz="1900" b="1" dirty="0">
+              <a:solidFill>
+                <a:srgbClr val="4070A0"/>
+              </a:solidFill>
+              <a:latin typeface="Inconsolata Medium" panose="020B0609030003000000" pitchFamily="49" charset="77"/>
+            </a:endParaRPr>
+          </a:p>
+          <a:p>
+            <a:pPr marL="0" indent="0">
+              <a:buNone/>
+            </a:pPr>
+            <a:r>
+              <a:rPr lang="en-US" sz="1900" b="1" dirty="0">
+                <a:solidFill>
+                  <a:srgbClr val="FF0000"/>
+                </a:solidFill>
+                <a:latin typeface="Inconsolata Medium" panose="020B0609030003000000" pitchFamily="49" charset="77"/>
+              </a:rPr>
+              <a:t>continue on the next slide…</a:t>
+            </a:r>
+          </a:p>
+          <a:p>
+            <a:pPr marL="0" indent="0">
+              <a:buNone/>
+            </a:pPr>
+            <a:endParaRPr lang="en-US" sz="1900" b="1" dirty="0">
+              <a:latin typeface="Inconsolata Medium" panose="020B0609030003000000" pitchFamily="49" charset="77"/>
+            </a:endParaRPr>
+          </a:p>
+        </p:txBody>
+      </p:sp>
+    </p:spTree>
+    <p:extLst>
+      <p:ext uri="{BB962C8B-B14F-4D97-AF65-F5344CB8AC3E}">
+        <p14:creationId xmlns:p14="http://schemas.microsoft.com/office/powerpoint/2010/main" val="3699191075"/>
+      </p:ext>
+    </p:extLst>
+  </p:cSld>
+  <p:clrMapOvr>
+    <a:masterClrMapping/>
+  </p:clrMapOvr>
+</p:sld>
+</file>
+
+<file path=ppt/slides/slide17.xml><?xml version="1.0" encoding="utf-8"?>
+<p:sld xmlns:a="http://schemas.openxmlformats.org/drawingml/2006/main" xmlns:r="http://schemas.openxmlformats.org/officeDocument/2006/relationships" xmlns:p="http://schemas.openxmlformats.org/presentationml/2006/main">
+  <p:cSld>
+    <p:spTree>
+      <p:nvGrpSpPr>
+        <p:cNvPr id="1" name=""/>
+        <p:cNvGrpSpPr/>
+        <p:nvPr/>
+      </p:nvGrpSpPr>
+      <p:grpSpPr>
+        <a:xfrm>
+          <a:off x="0" y="0"/>
+          <a:ext cx="0" cy="0"/>
+          <a:chOff x="0" y="0"/>
+          <a:chExt cx="0" cy="0"/>
+        </a:xfrm>
+      </p:grpSpPr>
+      <p:sp>
+        <p:nvSpPr>
+          <p:cNvPr id="2" name="Title 1">
+            <a:extLst>
+              <a:ext uri="{FF2B5EF4-FFF2-40B4-BE49-F238E27FC236}">
+                <a16:creationId xmlns:a16="http://schemas.microsoft.com/office/drawing/2014/main" id="{AA3A228F-61D0-D949-A5E7-F83756230BF8}"/>
+              </a:ext>
+            </a:extLst>
+          </p:cNvPr>
+          <p:cNvSpPr>
+            <a:spLocks noGrp="1"/>
+          </p:cNvSpPr>
+          <p:nvPr>
+            <p:ph type="title"/>
+          </p:nvPr>
+        </p:nvSpPr>
+        <p:spPr>
+          <a:xfrm>
+            <a:off x="483848" y="467027"/>
+            <a:ext cx="7053542" cy="683886"/>
+          </a:xfrm>
+        </p:spPr>
+        <p:txBody>
+          <a:bodyPr/>
+          <a:lstStyle/>
+          <a:p>
+            <a:r>
+              <a:rPr lang="en-US" dirty="0" err="1"/>
+              <a:t>game.py</a:t>
+            </a:r>
+            <a:r>
+              <a:rPr lang="en-US" dirty="0"/>
+              <a:t>(continue from last slide)</a:t>
+            </a:r>
+          </a:p>
+        </p:txBody>
+      </p:sp>
+      <p:sp>
+        <p:nvSpPr>
+          <p:cNvPr id="9" name="Content Placeholder 8">
+            <a:extLst>
+              <a:ext uri="{FF2B5EF4-FFF2-40B4-BE49-F238E27FC236}">
+                <a16:creationId xmlns:a16="http://schemas.microsoft.com/office/drawing/2014/main" id="{E3B2E017-30B2-884B-A113-B419A2ED51AD}"/>
+              </a:ext>
+            </a:extLst>
+          </p:cNvPr>
+          <p:cNvSpPr>
+            <a:spLocks noGrp="1"/>
+          </p:cNvSpPr>
+          <p:nvPr>
+            <p:ph idx="1"/>
+          </p:nvPr>
+        </p:nvSpPr>
+        <p:spPr>
+          <a:xfrm>
+            <a:off x="483848" y="998483"/>
+            <a:ext cx="8051725" cy="4404149"/>
+          </a:xfrm>
+        </p:spPr>
+        <p:txBody>
+          <a:bodyPr>
+            <a:noAutofit/>
+          </a:bodyPr>
+          <a:lstStyle/>
+          <a:p>
+            <a:pPr marL="0" indent="0">
+              <a:buNone/>
+            </a:pPr>
+            <a:endParaRPr lang="en-US" sz="1900" b="1" dirty="0">
+              <a:solidFill>
+                <a:srgbClr val="000000"/>
+              </a:solidFill>
+              <a:latin typeface="Inconsolata Medium" panose="020B0609030003000000" pitchFamily="49" charset="77"/>
+            </a:endParaRPr>
+          </a:p>
+          <a:p>
+            <a:pPr marL="0" indent="0">
+              <a:buNone/>
+            </a:pPr>
+            <a:r>
+              <a:rPr lang="en-US" sz="1900" b="1" dirty="0">
+                <a:solidFill>
+                  <a:srgbClr val="000000"/>
+                </a:solidFill>
+                <a:latin typeface="Inconsolata Medium" panose="020B0609030003000000" pitchFamily="49" charset="77"/>
+              </a:rPr>
               <a:t>def</a:t>
             </a:r>
             <a:r>
@@ -5801,22 +7458,13 @@
               <a:t>p1.move() </a:t>
             </a:r>
             <a:r>
-              <a:rPr lang="en-US" sz="1900" b="1">
+              <a:rPr lang="en-US" sz="1900" b="1" dirty="0">
                 <a:solidFill>
                   <a:srgbClr val="4070A0"/>
                 </a:solidFill>
                 <a:latin typeface="Inconsolata Medium" panose="020B0609030003000000" pitchFamily="49" charset="77"/>
               </a:rPr>
-              <a:t>	   # </a:t>
-            </a:r>
-            <a:r>
-              <a:rPr lang="en-US" sz="1900" b="1" dirty="0">
-                <a:solidFill>
-                  <a:srgbClr val="4070A0"/>
-                </a:solidFill>
-                <a:latin typeface="Inconsolata Medium" panose="020B0609030003000000" pitchFamily="49" charset="77"/>
-              </a:rPr>
-              <a:t>move() from parent class Character</a:t>
+              <a:t>	   # move() from parent class Character</a:t>
             </a:r>
             <a:endParaRPr lang="en-US" sz="1900" b="1" dirty="0">
               <a:solidFill>
@@ -5845,25 +7493,7 @@
                 </a:solidFill>
                 <a:latin typeface="Inconsolata Medium" panose="020B0609030003000000" pitchFamily="49" charset="77"/>
               </a:rPr>
-              <a:t># </a:t>
-            </a:r>
-            <a:r>
-              <a:rPr lang="en-US" sz="1900" b="1" dirty="0" err="1">
-                <a:solidFill>
-                  <a:srgbClr val="4070A0"/>
-                </a:solidFill>
-                <a:latin typeface="Inconsolata Medium" panose="020B0609030003000000" pitchFamily="49" charset="77"/>
-              </a:rPr>
-              <a:t>overriden</a:t>
-            </a:r>
-            <a:r>
-              <a:rPr lang="en-US" sz="1900" b="1" dirty="0">
-                <a:solidFill>
-                  <a:srgbClr val="4070A0"/>
-                </a:solidFill>
-                <a:latin typeface="Inconsolata Medium" panose="020B0609030003000000" pitchFamily="49" charset="77"/>
-              </a:rPr>
-              <a:t> move() from child class Enemy.</a:t>
+              <a:t># overridden move() from child class Enemy.</a:t>
             </a:r>
             <a:endParaRPr lang="en-US" sz="1900" b="1" dirty="0">
               <a:solidFill>
@@ -5939,7 +7569,7 @@
 </p:sld>
 </file>
 
-<file path=ppt/slides/slide16.xml><?xml version="1.0" encoding="utf-8"?>
+<file path=ppt/slides/slide18.xml><?xml version="1.0" encoding="utf-8"?>
 <p:sld xmlns:a="http://schemas.openxmlformats.org/drawingml/2006/main" xmlns:r="http://schemas.openxmlformats.org/officeDocument/2006/relationships" xmlns:p="http://schemas.openxmlformats.org/presentationml/2006/main">
   <p:cSld>
     <p:spTree>
@@ -6641,7 +8271,7 @@
 </p:sld>
 </file>
 
-<file path=ppt/slides/slide17.xml><?xml version="1.0" encoding="utf-8"?>
+<file path=ppt/slides/slide19.xml><?xml version="1.0" encoding="utf-8"?>
 <p:sld xmlns:a="http://schemas.openxmlformats.org/drawingml/2006/main" xmlns:r="http://schemas.openxmlformats.org/officeDocument/2006/relationships" xmlns:p="http://schemas.openxmlformats.org/presentationml/2006/main">
   <p:cSld>
     <p:spTree>
@@ -6685,9 +8315,10 @@
           <a:lstStyle/>
           <a:p>
             <a:r>
-              <a:rPr lang="en-US" dirty="0"/>
-              <a:t>References</a:t>
-            </a:r>
+              <a:rPr lang="en-US" dirty="0" err="1"/>
+              <a:t>isinstance</a:t>
+            </a:r>
+            <a:endParaRPr lang="en-US" dirty="0"/>
           </a:p>
         </p:txBody>
       </p:sp>
@@ -6709,52 +8340,575 @@
         </p:nvSpPr>
         <p:spPr>
           <a:xfrm>
-            <a:off x="483848" y="1150913"/>
-            <a:ext cx="8051725" cy="4440590"/>
+            <a:off x="483848" y="1007707"/>
+            <a:ext cx="8051725" cy="4583796"/>
           </a:xfrm>
         </p:spPr>
         <p:txBody>
           <a:bodyPr>
-            <a:noAutofit/>
+            <a:normAutofit/>
           </a:bodyPr>
           <a:lstStyle/>
           <a:p>
             <a:pPr marL="0" indent="0">
               <a:buNone/>
             </a:pPr>
-            <a:endParaRPr lang="en-US" dirty="0"/>
-          </a:p>
-          <a:p>
-            <a:pPr marL="0" indent="0">
-              <a:buNone/>
-            </a:pPr>
-            <a:endParaRPr lang="en-US" dirty="0"/>
-          </a:p>
-          <a:p>
-            <a:pPr marL="457200" indent="-457200">
-              <a:buAutoNum type="arabicParenR"/>
-            </a:pPr>
-            <a:r>
-              <a:rPr lang="en-US" dirty="0" err="1"/>
-              <a:t>Halterman</a:t>
-            </a:r>
             <a:r>
               <a:rPr lang="en-US" dirty="0"/>
-              <a:t>, Richard.  Fundamentals of Python Programming. Southern Adventist University.</a:t>
-            </a:r>
+              <a:t>The built-in </a:t>
+            </a:r>
+            <a:r>
+              <a:rPr lang="en-US" b="1" dirty="0" err="1">
+                <a:latin typeface="Inconsolata Medium" panose="020B0609030003000000" pitchFamily="49" charset="77"/>
+              </a:rPr>
+              <a:t>isinstance</a:t>
+            </a:r>
+            <a:r>
+              <a:rPr lang="en-US" b="1" dirty="0">
+                <a:latin typeface="Inconsolata Medium" panose="020B0609030003000000" pitchFamily="49" charset="77"/>
+              </a:rPr>
+              <a:t>(a, b) </a:t>
+            </a:r>
+            <a:r>
+              <a:rPr lang="en-US" dirty="0">
+                <a:latin typeface="Gill Sans MT" panose="020B0502020104020203" pitchFamily="34" charset="77"/>
+              </a:rPr>
+              <a:t>function returns whether a is an instance or subclass of b. </a:t>
+            </a:r>
+          </a:p>
+          <a:p>
+            <a:pPr marL="0" indent="0">
+              <a:buNone/>
+            </a:pPr>
+            <a:endParaRPr lang="en-US" b="1" dirty="0">
+              <a:solidFill>
+                <a:srgbClr val="000087"/>
+              </a:solidFill>
+              <a:latin typeface="Inconsolata Medium" panose="020B0609030003000000" pitchFamily="49" charset="77"/>
+            </a:endParaRPr>
+          </a:p>
+          <a:p>
+            <a:pPr marL="0" indent="0">
+              <a:buNone/>
+            </a:pPr>
+            <a:r>
+              <a:rPr lang="en-US" b="1" dirty="0">
+                <a:solidFill>
+                  <a:srgbClr val="000087"/>
+                </a:solidFill>
+                <a:latin typeface="Inconsolata Medium" panose="020B0609030003000000" pitchFamily="49" charset="77"/>
+              </a:rPr>
+              <a:t>In </a:t>
+            </a:r>
+            <a:r>
+              <a:rPr lang="en-US" b="1" dirty="0">
+                <a:latin typeface="Inconsolata Medium" panose="020B0609030003000000" pitchFamily="49" charset="77"/>
+              </a:rPr>
+              <a:t>[</a:t>
+            </a:r>
+            <a:r>
+              <a:rPr lang="en-US" b="1" dirty="0">
+                <a:solidFill>
+                  <a:srgbClr val="FF6600"/>
+                </a:solidFill>
+                <a:latin typeface="Inconsolata Medium" panose="020B0609030003000000" pitchFamily="49" charset="77"/>
+              </a:rPr>
+              <a:t>1</a:t>
+            </a:r>
+            <a:r>
+              <a:rPr lang="en-US" b="1" dirty="0">
+                <a:latin typeface="Inconsolata Medium" panose="020B0609030003000000" pitchFamily="49" charset="77"/>
+              </a:rPr>
+              <a:t>]: a = [</a:t>
+            </a:r>
+            <a:r>
+              <a:rPr lang="en-US" b="1" dirty="0">
+                <a:solidFill>
+                  <a:srgbClr val="FF6600"/>
+                </a:solidFill>
+                <a:latin typeface="Inconsolata Medium" panose="020B0609030003000000" pitchFamily="49" charset="77"/>
+              </a:rPr>
+              <a:t>0, 5, 2</a:t>
+            </a:r>
+            <a:r>
+              <a:rPr lang="en-US" b="1" dirty="0">
+                <a:latin typeface="Inconsolata Medium" panose="020B0609030003000000" pitchFamily="49" charset="77"/>
+              </a:rPr>
+              <a:t>]</a:t>
+            </a:r>
+          </a:p>
+          <a:p>
+            <a:pPr marL="0" indent="0">
+              <a:buNone/>
+            </a:pPr>
+            <a:r>
+              <a:rPr lang="en-US" b="1" dirty="0">
+                <a:solidFill>
+                  <a:srgbClr val="000087"/>
+                </a:solidFill>
+                <a:latin typeface="Inconsolata Medium" panose="020B0609030003000000" pitchFamily="49" charset="77"/>
+              </a:rPr>
+              <a:t>In </a:t>
+            </a:r>
+            <a:r>
+              <a:rPr lang="en-US" b="1" dirty="0">
+                <a:latin typeface="Inconsolata Medium" panose="020B0609030003000000" pitchFamily="49" charset="77"/>
+              </a:rPr>
+              <a:t>[</a:t>
+            </a:r>
+            <a:r>
+              <a:rPr lang="en-US" b="1" dirty="0">
+                <a:solidFill>
+                  <a:srgbClr val="FF6600"/>
+                </a:solidFill>
+                <a:latin typeface="Inconsolata Medium" panose="020B0609030003000000" pitchFamily="49" charset="77"/>
+              </a:rPr>
+              <a:t>2</a:t>
+            </a:r>
+            <a:r>
+              <a:rPr lang="en-US" b="1" dirty="0">
+                <a:latin typeface="Inconsolata Medium" panose="020B0609030003000000" pitchFamily="49" charset="77"/>
+              </a:rPr>
+              <a:t>]: </a:t>
+            </a:r>
+            <a:r>
+              <a:rPr lang="en-US" b="1" dirty="0" err="1">
+                <a:solidFill>
+                  <a:srgbClr val="00B050"/>
+                </a:solidFill>
+                <a:latin typeface="Inconsolata Medium" panose="020B0609030003000000" pitchFamily="49" charset="77"/>
+              </a:rPr>
+              <a:t>isinstance</a:t>
+            </a:r>
+            <a:r>
+              <a:rPr lang="en-US" b="1" dirty="0">
+                <a:latin typeface="Inconsolata Medium" panose="020B0609030003000000" pitchFamily="49" charset="77"/>
+              </a:rPr>
+              <a:t>(a, </a:t>
+            </a:r>
+            <a:r>
+              <a:rPr lang="en-US" b="1" dirty="0">
+                <a:solidFill>
+                  <a:srgbClr val="00B050"/>
+                </a:solidFill>
+                <a:latin typeface="Inconsolata Medium" panose="020B0609030003000000" pitchFamily="49" charset="77"/>
+              </a:rPr>
+              <a:t>list</a:t>
+            </a:r>
+            <a:r>
+              <a:rPr lang="en-US" b="1" dirty="0">
+                <a:latin typeface="Inconsolata Medium" panose="020B0609030003000000" pitchFamily="49" charset="77"/>
+              </a:rPr>
+              <a:t>)</a:t>
+            </a:r>
+          </a:p>
+          <a:p>
+            <a:pPr marL="0" indent="0">
+              <a:buNone/>
+            </a:pPr>
+            <a:r>
+              <a:rPr lang="en-US" b="1" dirty="0">
+                <a:latin typeface="Inconsolata Medium" panose="020B0609030003000000" pitchFamily="49" charset="77"/>
+              </a:rPr>
+              <a:t>Out [2]: True</a:t>
+            </a:r>
+          </a:p>
+          <a:p>
+            <a:pPr marL="0" indent="0">
+              <a:buNone/>
+            </a:pPr>
+            <a:r>
+              <a:rPr lang="en-US" b="1" dirty="0">
+                <a:solidFill>
+                  <a:srgbClr val="000087"/>
+                </a:solidFill>
+                <a:latin typeface="Inconsolata Medium" panose="020B0609030003000000" pitchFamily="49" charset="77"/>
+              </a:rPr>
+              <a:t>In </a:t>
+            </a:r>
+            <a:r>
+              <a:rPr lang="en-US" b="1" dirty="0">
+                <a:latin typeface="Inconsolata Medium" panose="020B0609030003000000" pitchFamily="49" charset="77"/>
+              </a:rPr>
+              <a:t>[</a:t>
+            </a:r>
+            <a:r>
+              <a:rPr lang="en-US" b="1" dirty="0">
+                <a:solidFill>
+                  <a:srgbClr val="FF6600"/>
+                </a:solidFill>
+                <a:latin typeface="Inconsolata Medium" panose="020B0609030003000000" pitchFamily="49" charset="77"/>
+              </a:rPr>
+              <a:t>3</a:t>
+            </a:r>
+            <a:r>
+              <a:rPr lang="en-US" b="1" dirty="0">
+                <a:latin typeface="Inconsolata Medium" panose="020B0609030003000000" pitchFamily="49" charset="77"/>
+              </a:rPr>
+              <a:t>]: </a:t>
+            </a:r>
+            <a:r>
+              <a:rPr lang="en-US" b="1" dirty="0" err="1">
+                <a:solidFill>
+                  <a:srgbClr val="00B050"/>
+                </a:solidFill>
+                <a:latin typeface="Inconsolata Medium" panose="020B0609030003000000" pitchFamily="49" charset="77"/>
+              </a:rPr>
+              <a:t>isinstance</a:t>
+            </a:r>
+            <a:r>
+              <a:rPr lang="en-US" b="1" dirty="0">
+                <a:latin typeface="Inconsolata Medium" panose="020B0609030003000000" pitchFamily="49" charset="77"/>
+              </a:rPr>
+              <a:t>(a, </a:t>
+            </a:r>
+            <a:r>
+              <a:rPr lang="en-US" b="1" dirty="0">
+                <a:solidFill>
+                  <a:srgbClr val="00B050"/>
+                </a:solidFill>
+                <a:latin typeface="Inconsolata Medium" panose="020B0609030003000000" pitchFamily="49" charset="77"/>
+              </a:rPr>
+              <a:t>str</a:t>
+            </a:r>
+            <a:r>
+              <a:rPr lang="en-US" b="1" dirty="0">
+                <a:latin typeface="Inconsolata Medium" panose="020B0609030003000000" pitchFamily="49" charset="77"/>
+              </a:rPr>
+              <a:t>)</a:t>
+            </a:r>
+          </a:p>
+          <a:p>
+            <a:pPr marL="0" indent="0">
+              <a:buNone/>
+            </a:pPr>
+            <a:r>
+              <a:rPr lang="en-US" b="1" dirty="0">
+                <a:latin typeface="Inconsolata Medium" panose="020B0609030003000000" pitchFamily="49" charset="77"/>
+              </a:rPr>
+              <a:t>Out [3]: False</a:t>
+            </a:r>
+          </a:p>
+          <a:p>
+            <a:pPr marL="0" indent="0">
+              <a:buNone/>
+            </a:pPr>
+            <a:r>
+              <a:rPr lang="en-US" b="1" dirty="0">
+                <a:solidFill>
+                  <a:srgbClr val="000087"/>
+                </a:solidFill>
+                <a:latin typeface="Inconsolata Medium" panose="020B0609030003000000" pitchFamily="49" charset="77"/>
+              </a:rPr>
+              <a:t>In </a:t>
+            </a:r>
+            <a:r>
+              <a:rPr lang="en-US" b="1" dirty="0">
+                <a:latin typeface="Inconsolata Medium" panose="020B0609030003000000" pitchFamily="49" charset="77"/>
+              </a:rPr>
+              <a:t>[</a:t>
+            </a:r>
+            <a:r>
+              <a:rPr lang="en-US" b="1" dirty="0">
+                <a:solidFill>
+                  <a:srgbClr val="FF6600"/>
+                </a:solidFill>
+                <a:latin typeface="Inconsolata Medium" panose="020B0609030003000000" pitchFamily="49" charset="77"/>
+              </a:rPr>
+              <a:t>4</a:t>
+            </a:r>
+            <a:r>
+              <a:rPr lang="en-US" b="1" dirty="0">
+                <a:latin typeface="Inconsolata Medium" panose="020B0609030003000000" pitchFamily="49" charset="77"/>
+              </a:rPr>
+              <a:t>]: b = "hi"</a:t>
+            </a:r>
+          </a:p>
+          <a:p>
+            <a:pPr marL="0" indent="0">
+              <a:buNone/>
+            </a:pPr>
+            <a:r>
+              <a:rPr lang="en-US" b="1" dirty="0">
+                <a:solidFill>
+                  <a:srgbClr val="000087"/>
+                </a:solidFill>
+                <a:latin typeface="Inconsolata Medium" panose="020B0609030003000000" pitchFamily="49" charset="77"/>
+              </a:rPr>
+              <a:t>In </a:t>
+            </a:r>
+            <a:r>
+              <a:rPr lang="en-US" b="1" dirty="0">
+                <a:latin typeface="Inconsolata Medium" panose="020B0609030003000000" pitchFamily="49" charset="77"/>
+              </a:rPr>
+              <a:t>[</a:t>
+            </a:r>
+            <a:r>
+              <a:rPr lang="en-US" b="1" dirty="0">
+                <a:solidFill>
+                  <a:srgbClr val="FF6600"/>
+                </a:solidFill>
+                <a:latin typeface="Inconsolata Medium" panose="020B0609030003000000" pitchFamily="49" charset="77"/>
+              </a:rPr>
+              <a:t>5</a:t>
+            </a:r>
+            <a:r>
+              <a:rPr lang="en-US" b="1" dirty="0">
+                <a:latin typeface="Inconsolata Medium" panose="020B0609030003000000" pitchFamily="49" charset="77"/>
+              </a:rPr>
+              <a:t>]: </a:t>
+            </a:r>
+            <a:r>
+              <a:rPr lang="en-US" b="1" dirty="0" err="1">
+                <a:solidFill>
+                  <a:srgbClr val="00B050"/>
+                </a:solidFill>
+                <a:latin typeface="Inconsolata Medium" panose="020B0609030003000000" pitchFamily="49" charset="77"/>
+              </a:rPr>
+              <a:t>isinstance</a:t>
+            </a:r>
+            <a:r>
+              <a:rPr lang="en-US" b="1" dirty="0">
+                <a:latin typeface="Inconsolata Medium" panose="020B0609030003000000" pitchFamily="49" charset="77"/>
+              </a:rPr>
+              <a:t>(b, </a:t>
+            </a:r>
+            <a:r>
+              <a:rPr lang="en-US" b="1" dirty="0">
+                <a:solidFill>
+                  <a:srgbClr val="00B050"/>
+                </a:solidFill>
+                <a:latin typeface="Inconsolata Medium" panose="020B0609030003000000" pitchFamily="49" charset="77"/>
+              </a:rPr>
+              <a:t>str</a:t>
+            </a:r>
+            <a:r>
+              <a:rPr lang="en-US" b="1" dirty="0">
+                <a:latin typeface="Inconsolata Medium" panose="020B0609030003000000" pitchFamily="49" charset="77"/>
+              </a:rPr>
+              <a:t>)</a:t>
+            </a:r>
+          </a:p>
+          <a:p>
+            <a:pPr marL="0" indent="0">
+              <a:buNone/>
+            </a:pPr>
+            <a:r>
+              <a:rPr lang="en-US" b="1" dirty="0">
+                <a:latin typeface="Inconsolata Medium" panose="020B0609030003000000" pitchFamily="49" charset="77"/>
+              </a:rPr>
+              <a:t>Out [5]: True</a:t>
+            </a:r>
+          </a:p>
+          <a:p>
+            <a:pPr marL="0" indent="0">
+              <a:buNone/>
+            </a:pPr>
+            <a:endParaRPr lang="en-US" b="1" dirty="0">
+              <a:latin typeface="Inconsolata Medium" panose="020B0609030003000000" pitchFamily="49" charset="77"/>
+            </a:endParaRPr>
+          </a:p>
+          <a:p>
+            <a:pPr marL="0" indent="0">
+              <a:buNone/>
+            </a:pPr>
+            <a:endParaRPr lang="en-US" b="1" dirty="0">
+              <a:latin typeface="Inconsolata Medium" panose="020B0609030003000000" pitchFamily="49" charset="77"/>
+            </a:endParaRPr>
+          </a:p>
+          <a:p>
+            <a:pPr marL="0" indent="0">
+              <a:buNone/>
+            </a:pPr>
+            <a:endParaRPr lang="en-US" b="1" dirty="0">
+              <a:solidFill>
+                <a:srgbClr val="000087"/>
+              </a:solidFill>
+              <a:latin typeface="Inconsolata Medium" panose="020B0609030003000000" pitchFamily="49" charset="77"/>
+            </a:endParaRPr>
+          </a:p>
+          <a:p>
+            <a:pPr marL="0" indent="0">
+              <a:buNone/>
+            </a:pPr>
+            <a:endParaRPr lang="en-US" b="1" dirty="0">
+              <a:solidFill>
+                <a:srgbClr val="000087"/>
+              </a:solidFill>
+              <a:latin typeface="Inconsolata Medium" panose="020B0609030003000000" pitchFamily="49" charset="77"/>
+            </a:endParaRPr>
           </a:p>
         </p:txBody>
       </p:sp>
     </p:spTree>
     <p:extLst>
       <p:ext uri="{BB962C8B-B14F-4D97-AF65-F5344CB8AC3E}">
-        <p14:creationId xmlns:p14="http://schemas.microsoft.com/office/powerpoint/2010/main" val="1438711869"/>
+        <p14:creationId xmlns:p14="http://schemas.microsoft.com/office/powerpoint/2010/main" val="2850981198"/>
       </p:ext>
     </p:extLst>
   </p:cSld>
   <p:clrMapOvr>
     <a:masterClrMapping/>
   </p:clrMapOvr>
+  <p:timing>
+    <p:tnLst>
+      <p:par>
+        <p:cTn id="1" dur="indefinite" restart="never" nodeType="tmRoot">
+          <p:childTnLst>
+            <p:seq concurrent="1" nextAc="seek">
+              <p:cTn id="2" dur="indefinite" nodeType="mainSeq">
+                <p:childTnLst>
+                  <p:par>
+                    <p:cTn id="3" fill="hold">
+                      <p:stCondLst>
+                        <p:cond delay="indefinite"/>
+                      </p:stCondLst>
+                      <p:childTnLst>
+                        <p:par>
+                          <p:cTn id="4" fill="hold">
+                            <p:stCondLst>
+                              <p:cond delay="0"/>
+                            </p:stCondLst>
+                            <p:childTnLst>
+                              <p:par>
+                                <p:cTn id="5" presetID="1" presetClass="entr" presetSubtype="0" fill="hold" nodeType="clickEffect">
+                                  <p:stCondLst>
+                                    <p:cond delay="0"/>
+                                  </p:stCondLst>
+                                  <p:childTnLst>
+                                    <p:set>
+                                      <p:cBhvr>
+                                        <p:cTn id="6" dur="1" fill="hold">
+                                          <p:stCondLst>
+                                            <p:cond delay="0"/>
+                                          </p:stCondLst>
+                                        </p:cTn>
+                                        <p:tgtEl>
+                                          <p:spTgt spid="9">
+                                            <p:txEl>
+                                              <p:pRg st="2" end="2"/>
+                                            </p:txEl>
+                                          </p:spTgt>
+                                        </p:tgtEl>
+                                        <p:attrNameLst>
+                                          <p:attrName>style.visibility</p:attrName>
+                                        </p:attrNameLst>
+                                      </p:cBhvr>
+                                      <p:to>
+                                        <p:strVal val="visible"/>
+                                      </p:to>
+                                    </p:set>
+                                  </p:childTnLst>
+                                </p:cTn>
+                              </p:par>
+                            </p:childTnLst>
+                          </p:cTn>
+                        </p:par>
+                      </p:childTnLst>
+                    </p:cTn>
+                  </p:par>
+                  <p:par>
+                    <p:cTn id="7" fill="hold">
+                      <p:stCondLst>
+                        <p:cond delay="indefinite"/>
+                      </p:stCondLst>
+                      <p:childTnLst>
+                        <p:par>
+                          <p:cTn id="8" fill="hold">
+                            <p:stCondLst>
+                              <p:cond delay="0"/>
+                            </p:stCondLst>
+                            <p:childTnLst>
+                              <p:par>
+                                <p:cTn id="9" presetID="1" presetClass="entr" presetSubtype="0" fill="hold" nodeType="clickEffect">
+                                  <p:stCondLst>
+                                    <p:cond delay="0"/>
+                                  </p:stCondLst>
+                                  <p:childTnLst>
+                                    <p:set>
+                                      <p:cBhvr>
+                                        <p:cTn id="10" dur="1" fill="hold">
+                                          <p:stCondLst>
+                                            <p:cond delay="0"/>
+                                          </p:stCondLst>
+                                        </p:cTn>
+                                        <p:tgtEl>
+                                          <p:spTgt spid="9">
+                                            <p:txEl>
+                                              <p:pRg st="3" end="3"/>
+                                            </p:txEl>
+                                          </p:spTgt>
+                                        </p:tgtEl>
+                                        <p:attrNameLst>
+                                          <p:attrName>style.visibility</p:attrName>
+                                        </p:attrNameLst>
+                                      </p:cBhvr>
+                                      <p:to>
+                                        <p:strVal val="visible"/>
+                                      </p:to>
+                                    </p:set>
+                                  </p:childTnLst>
+                                </p:cTn>
+                              </p:par>
+                              <p:par>
+                                <p:cTn id="11" presetID="1" presetClass="entr" presetSubtype="0" fill="hold" nodeType="withEffect">
+                                  <p:stCondLst>
+                                    <p:cond delay="0"/>
+                                  </p:stCondLst>
+                                  <p:childTnLst>
+                                    <p:set>
+                                      <p:cBhvr>
+                                        <p:cTn id="12" dur="1" fill="hold">
+                                          <p:stCondLst>
+                                            <p:cond delay="0"/>
+                                          </p:stCondLst>
+                                        </p:cTn>
+                                        <p:tgtEl>
+                                          <p:spTgt spid="9">
+                                            <p:txEl>
+                                              <p:pRg st="4" end="4"/>
+                                            </p:txEl>
+                                          </p:spTgt>
+                                        </p:tgtEl>
+                                        <p:attrNameLst>
+                                          <p:attrName>style.visibility</p:attrName>
+                                        </p:attrNameLst>
+                                      </p:cBhvr>
+                                      <p:to>
+                                        <p:strVal val="visible"/>
+                                      </p:to>
+                                    </p:set>
+                                  </p:childTnLst>
+                                </p:cTn>
+                              </p:par>
+                            </p:childTnLst>
+                          </p:cTn>
+                        </p:par>
+                      </p:childTnLst>
+                    </p:cTn>
+                  </p:par>
+                </p:childTnLst>
+              </p:cTn>
+              <p:prevCondLst>
+                <p:cond evt="onPrev" delay="0">
+                  <p:tgtEl>
+                    <p:sldTgt/>
+                  </p:tgtEl>
+                </p:cond>
+              </p:prevCondLst>
+              <p:nextCondLst>
+                <p:cond evt="onNext" delay="0">
+                  <p:tgtEl>
+                    <p:sldTgt/>
+                  </p:tgtEl>
+                </p:cond>
+              </p:nextCondLst>
+            </p:seq>
+          </p:childTnLst>
+        </p:cTn>
+      </p:par>
+    </p:tnLst>
+  </p:timing>
 </p:sld>
 </file>
 
@@ -6917,6 +9071,653 @@
     <p:extLst>
       <p:ext uri="{BB962C8B-B14F-4D97-AF65-F5344CB8AC3E}">
         <p14:creationId xmlns:p14="http://schemas.microsoft.com/office/powerpoint/2010/main" val="131840209"/>
+      </p:ext>
+    </p:extLst>
+  </p:cSld>
+  <p:clrMapOvr>
+    <a:masterClrMapping/>
+  </p:clrMapOvr>
+</p:sld>
+</file>
+
+<file path=ppt/slides/slide20.xml><?xml version="1.0" encoding="utf-8"?>
+<p:sld xmlns:a="http://schemas.openxmlformats.org/drawingml/2006/main" xmlns:r="http://schemas.openxmlformats.org/officeDocument/2006/relationships" xmlns:p="http://schemas.openxmlformats.org/presentationml/2006/main">
+  <p:cSld>
+    <p:spTree>
+      <p:nvGrpSpPr>
+        <p:cNvPr id="1" name=""/>
+        <p:cNvGrpSpPr/>
+        <p:nvPr/>
+      </p:nvGrpSpPr>
+      <p:grpSpPr>
+        <a:xfrm>
+          <a:off x="0" y="0"/>
+          <a:ext cx="0" cy="0"/>
+          <a:chOff x="0" y="0"/>
+          <a:chExt cx="0" cy="0"/>
+        </a:xfrm>
+      </p:grpSpPr>
+      <p:sp>
+        <p:nvSpPr>
+          <p:cNvPr id="2" name="Title 1">
+            <a:extLst>
+              <a:ext uri="{FF2B5EF4-FFF2-40B4-BE49-F238E27FC236}">
+                <a16:creationId xmlns:a16="http://schemas.microsoft.com/office/drawing/2014/main" id="{AA3A228F-61D0-D949-A5E7-F83756230BF8}"/>
+              </a:ext>
+            </a:extLst>
+          </p:cNvPr>
+          <p:cNvSpPr>
+            <a:spLocks noGrp="1"/>
+          </p:cNvSpPr>
+          <p:nvPr>
+            <p:ph type="title"/>
+          </p:nvPr>
+        </p:nvSpPr>
+        <p:spPr>
+          <a:xfrm>
+            <a:off x="483848" y="467027"/>
+            <a:ext cx="7053542" cy="683886"/>
+          </a:xfrm>
+        </p:spPr>
+        <p:txBody>
+          <a:bodyPr/>
+          <a:lstStyle/>
+          <a:p>
+            <a:r>
+              <a:rPr lang="en-US" dirty="0" err="1"/>
+              <a:t>isinstance</a:t>
+            </a:r>
+            <a:endParaRPr lang="en-US" dirty="0"/>
+          </a:p>
+        </p:txBody>
+      </p:sp>
+      <p:sp>
+        <p:nvSpPr>
+          <p:cNvPr id="9" name="Content Placeholder 8">
+            <a:extLst>
+              <a:ext uri="{FF2B5EF4-FFF2-40B4-BE49-F238E27FC236}">
+                <a16:creationId xmlns:a16="http://schemas.microsoft.com/office/drawing/2014/main" id="{E3B2E017-30B2-884B-A113-B419A2ED51AD}"/>
+              </a:ext>
+            </a:extLst>
+          </p:cNvPr>
+          <p:cNvSpPr>
+            <a:spLocks noGrp="1"/>
+          </p:cNvSpPr>
+          <p:nvPr>
+            <p:ph idx="1"/>
+          </p:nvPr>
+        </p:nvSpPr>
+        <p:spPr>
+          <a:xfrm>
+            <a:off x="483848" y="1007707"/>
+            <a:ext cx="8051725" cy="4583796"/>
+          </a:xfrm>
+        </p:spPr>
+        <p:txBody>
+          <a:bodyPr>
+            <a:normAutofit/>
+          </a:bodyPr>
+          <a:lstStyle/>
+          <a:p>
+            <a:pPr marL="0" indent="0">
+              <a:buNone/>
+            </a:pPr>
+            <a:r>
+              <a:rPr lang="en-US" dirty="0"/>
+              <a:t>The built-in </a:t>
+            </a:r>
+            <a:r>
+              <a:rPr lang="en-US" b="1" dirty="0" err="1">
+                <a:latin typeface="Inconsolata Medium" panose="020B0609030003000000" pitchFamily="49" charset="77"/>
+              </a:rPr>
+              <a:t>isinstance</a:t>
+            </a:r>
+            <a:r>
+              <a:rPr lang="en-US" b="1" dirty="0">
+                <a:latin typeface="Inconsolata Medium" panose="020B0609030003000000" pitchFamily="49" charset="77"/>
+              </a:rPr>
+              <a:t>(a, b) </a:t>
+            </a:r>
+            <a:r>
+              <a:rPr lang="en-US" dirty="0">
+                <a:latin typeface="Gill Sans MT" panose="020B0502020104020203" pitchFamily="34" charset="77"/>
+              </a:rPr>
+              <a:t>function returns whether a is an instance or subclass of b. </a:t>
+            </a:r>
+          </a:p>
+          <a:p>
+            <a:pPr marL="0" indent="0">
+              <a:buNone/>
+            </a:pPr>
+            <a:endParaRPr lang="en-US" sz="2000" dirty="0">
+              <a:latin typeface="Gill Sans MT" panose="020B0502020104020203" pitchFamily="34" charset="77"/>
+            </a:endParaRPr>
+          </a:p>
+          <a:p>
+            <a:pPr marL="0" indent="0">
+              <a:buNone/>
+            </a:pPr>
+            <a:r>
+              <a:rPr lang="en-US" dirty="0">
+                <a:latin typeface="Gill Sans MT" panose="020B0502020104020203" pitchFamily="34" charset="77"/>
+              </a:rPr>
+              <a:t>Assume that Player is a subclass of Character as in the previous slides.</a:t>
+            </a:r>
+          </a:p>
+          <a:p>
+            <a:pPr marL="0" indent="0">
+              <a:buNone/>
+            </a:pPr>
+            <a:endParaRPr lang="en-US" b="1" dirty="0">
+              <a:solidFill>
+                <a:srgbClr val="000087"/>
+              </a:solidFill>
+              <a:latin typeface="Inconsolata Medium" panose="020B0609030003000000" pitchFamily="49" charset="77"/>
+            </a:endParaRPr>
+          </a:p>
+          <a:p>
+            <a:pPr marL="0" indent="0">
+              <a:buNone/>
+            </a:pPr>
+            <a:r>
+              <a:rPr lang="en-US" b="1" dirty="0">
+                <a:solidFill>
+                  <a:srgbClr val="000087"/>
+                </a:solidFill>
+                <a:latin typeface="Inconsolata Medium" panose="020B0609030003000000" pitchFamily="49" charset="77"/>
+              </a:rPr>
+              <a:t>In</a:t>
+            </a:r>
+            <a:r>
+              <a:rPr lang="en-US" b="1" dirty="0">
+                <a:latin typeface="Inconsolata Medium" panose="020B0609030003000000" pitchFamily="49" charset="77"/>
+              </a:rPr>
+              <a:t>[</a:t>
+            </a:r>
+            <a:r>
+              <a:rPr lang="en-US" b="1" dirty="0">
+                <a:solidFill>
+                  <a:srgbClr val="FF6600"/>
+                </a:solidFill>
+                <a:latin typeface="Inconsolata Medium" panose="020B0609030003000000" pitchFamily="49" charset="77"/>
+              </a:rPr>
+              <a:t>1</a:t>
+            </a:r>
+            <a:r>
+              <a:rPr lang="en-US" b="1" dirty="0">
+                <a:latin typeface="Inconsolata Medium" panose="020B0609030003000000" pitchFamily="49" charset="77"/>
+              </a:rPr>
+              <a:t>]:</a:t>
+            </a:r>
+            <a:r>
+              <a:rPr lang="en-US" b="1" dirty="0">
+                <a:solidFill>
+                  <a:srgbClr val="000087"/>
+                </a:solidFill>
+                <a:latin typeface="Inconsolata Medium" panose="020B0609030003000000" pitchFamily="49" charset="77"/>
+              </a:rPr>
+              <a:t> p = Player("Mario", x=100, speed=5, lives=3) </a:t>
+            </a:r>
+          </a:p>
+          <a:p>
+            <a:pPr marL="0" indent="0">
+              <a:buNone/>
+            </a:pPr>
+            <a:r>
+              <a:rPr lang="en-US" b="1" dirty="0">
+                <a:solidFill>
+                  <a:srgbClr val="000087"/>
+                </a:solidFill>
+                <a:latin typeface="Inconsolata Medium" panose="020B0609030003000000" pitchFamily="49" charset="77"/>
+              </a:rPr>
+              <a:t>In </a:t>
+            </a:r>
+            <a:r>
+              <a:rPr lang="en-US" b="1" dirty="0">
+                <a:latin typeface="Inconsolata Medium" panose="020B0609030003000000" pitchFamily="49" charset="77"/>
+              </a:rPr>
+              <a:t>[</a:t>
+            </a:r>
+            <a:r>
+              <a:rPr lang="en-US" b="1" dirty="0">
+                <a:solidFill>
+                  <a:srgbClr val="FF6600"/>
+                </a:solidFill>
+                <a:latin typeface="Inconsolata Medium" panose="020B0609030003000000" pitchFamily="49" charset="77"/>
+              </a:rPr>
+              <a:t>2</a:t>
+            </a:r>
+            <a:r>
+              <a:rPr lang="en-US" b="1" dirty="0">
+                <a:latin typeface="Inconsolata Medium" panose="020B0609030003000000" pitchFamily="49" charset="77"/>
+              </a:rPr>
+              <a:t>]: </a:t>
+            </a:r>
+            <a:r>
+              <a:rPr lang="en-US" b="1" dirty="0" err="1">
+                <a:solidFill>
+                  <a:srgbClr val="00B050"/>
+                </a:solidFill>
+                <a:latin typeface="Inconsolata Medium" panose="020B0609030003000000" pitchFamily="49" charset="77"/>
+              </a:rPr>
+              <a:t>isinstance</a:t>
+            </a:r>
+            <a:r>
+              <a:rPr lang="en-US" b="1" dirty="0">
+                <a:latin typeface="Inconsolata Medium" panose="020B0609030003000000" pitchFamily="49" charset="77"/>
+              </a:rPr>
+              <a:t>(p, Player)</a:t>
+            </a:r>
+          </a:p>
+          <a:p>
+            <a:pPr marL="0" indent="0">
+              <a:buNone/>
+            </a:pPr>
+            <a:r>
+              <a:rPr lang="en-US" b="1" dirty="0">
+                <a:latin typeface="Inconsolata Medium" panose="020B0609030003000000" pitchFamily="49" charset="77"/>
+              </a:rPr>
+              <a:t>Out [2]: True</a:t>
+            </a:r>
+          </a:p>
+          <a:p>
+            <a:pPr marL="0" indent="0">
+              <a:buNone/>
+            </a:pPr>
+            <a:r>
+              <a:rPr lang="en-US" b="1" dirty="0">
+                <a:solidFill>
+                  <a:srgbClr val="000087"/>
+                </a:solidFill>
+                <a:latin typeface="Inconsolata Medium" panose="020B0609030003000000" pitchFamily="49" charset="77"/>
+              </a:rPr>
+              <a:t>In </a:t>
+            </a:r>
+            <a:r>
+              <a:rPr lang="en-US" b="1" dirty="0">
+                <a:latin typeface="Inconsolata Medium" panose="020B0609030003000000" pitchFamily="49" charset="77"/>
+              </a:rPr>
+              <a:t>[</a:t>
+            </a:r>
+            <a:r>
+              <a:rPr lang="en-US" b="1" dirty="0">
+                <a:solidFill>
+                  <a:srgbClr val="FF6600"/>
+                </a:solidFill>
+                <a:latin typeface="Inconsolata Medium" panose="020B0609030003000000" pitchFamily="49" charset="77"/>
+              </a:rPr>
+              <a:t>2</a:t>
+            </a:r>
+            <a:r>
+              <a:rPr lang="en-US" b="1" dirty="0">
+                <a:latin typeface="Inconsolata Medium" panose="020B0609030003000000" pitchFamily="49" charset="77"/>
+              </a:rPr>
+              <a:t>]: </a:t>
+            </a:r>
+            <a:r>
+              <a:rPr lang="en-US" b="1" dirty="0" err="1">
+                <a:solidFill>
+                  <a:srgbClr val="00B050"/>
+                </a:solidFill>
+                <a:latin typeface="Inconsolata Medium" panose="020B0609030003000000" pitchFamily="49" charset="77"/>
+              </a:rPr>
+              <a:t>isinstance</a:t>
+            </a:r>
+            <a:r>
+              <a:rPr lang="en-US" b="1" dirty="0">
+                <a:latin typeface="Inconsolata Medium" panose="020B0609030003000000" pitchFamily="49" charset="77"/>
+              </a:rPr>
+              <a:t>(p, Character) </a:t>
+            </a:r>
+          </a:p>
+          <a:p>
+            <a:pPr marL="0" indent="0">
+              <a:buNone/>
+            </a:pPr>
+            <a:r>
+              <a:rPr lang="en-US" b="1" dirty="0">
+                <a:latin typeface="Inconsolata Medium" panose="020B0609030003000000" pitchFamily="49" charset="77"/>
+              </a:rPr>
+              <a:t>Out [2]: True  </a:t>
+            </a:r>
+            <a:r>
+              <a:rPr lang="en-US" sz="2000" b="1" dirty="0">
+                <a:solidFill>
+                  <a:srgbClr val="4070A0"/>
+                </a:solidFill>
+                <a:latin typeface="Inconsolata Medium" panose="020B0609030003000000" pitchFamily="49" charset="77"/>
+              </a:rPr>
+              <a:t># since Player is a subclass of Character</a:t>
+            </a:r>
+            <a:endParaRPr lang="en-US" sz="2000" b="1" dirty="0">
+              <a:latin typeface="Inconsolata Medium" panose="020B0609030003000000" pitchFamily="49" charset="77"/>
+            </a:endParaRPr>
+          </a:p>
+          <a:p>
+            <a:pPr marL="0" indent="0">
+              <a:buNone/>
+            </a:pPr>
+            <a:endParaRPr lang="en-US" b="1" dirty="0">
+              <a:latin typeface="Inconsolata Medium" panose="020B0609030003000000" pitchFamily="49" charset="77"/>
+            </a:endParaRPr>
+          </a:p>
+          <a:p>
+            <a:pPr marL="0" indent="0">
+              <a:buNone/>
+            </a:pPr>
+            <a:endParaRPr lang="en-US" b="1" dirty="0">
+              <a:solidFill>
+                <a:srgbClr val="000087"/>
+              </a:solidFill>
+              <a:latin typeface="Inconsolata Medium" panose="020B0609030003000000" pitchFamily="49" charset="77"/>
+            </a:endParaRPr>
+          </a:p>
+          <a:p>
+            <a:pPr marL="0" indent="0">
+              <a:buNone/>
+            </a:pPr>
+            <a:endParaRPr lang="en-US" b="1" dirty="0">
+              <a:solidFill>
+                <a:srgbClr val="000087"/>
+              </a:solidFill>
+              <a:latin typeface="Inconsolata Medium" panose="020B0609030003000000" pitchFamily="49" charset="77"/>
+            </a:endParaRPr>
+          </a:p>
+        </p:txBody>
+      </p:sp>
+    </p:spTree>
+    <p:extLst>
+      <p:ext uri="{BB962C8B-B14F-4D97-AF65-F5344CB8AC3E}">
+        <p14:creationId xmlns:p14="http://schemas.microsoft.com/office/powerpoint/2010/main" val="2162220401"/>
+      </p:ext>
+    </p:extLst>
+  </p:cSld>
+  <p:clrMapOvr>
+    <a:masterClrMapping/>
+  </p:clrMapOvr>
+  <p:timing>
+    <p:tnLst>
+      <p:par>
+        <p:cTn id="1" dur="indefinite" restart="never" nodeType="tmRoot">
+          <p:childTnLst>
+            <p:seq concurrent="1" nextAc="seek">
+              <p:cTn id="2" dur="indefinite" nodeType="mainSeq">
+                <p:childTnLst>
+                  <p:par>
+                    <p:cTn id="3" fill="hold">
+                      <p:stCondLst>
+                        <p:cond delay="indefinite"/>
+                      </p:stCondLst>
+                      <p:childTnLst>
+                        <p:par>
+                          <p:cTn id="4" fill="hold">
+                            <p:stCondLst>
+                              <p:cond delay="0"/>
+                            </p:stCondLst>
+                            <p:childTnLst>
+                              <p:par>
+                                <p:cTn id="5" presetID="1" presetClass="entr" presetSubtype="0" fill="hold" nodeType="clickEffect">
+                                  <p:stCondLst>
+                                    <p:cond delay="0"/>
+                                  </p:stCondLst>
+                                  <p:childTnLst>
+                                    <p:set>
+                                      <p:cBhvr>
+                                        <p:cTn id="6" dur="1" fill="hold">
+                                          <p:stCondLst>
+                                            <p:cond delay="0"/>
+                                          </p:stCondLst>
+                                        </p:cTn>
+                                        <p:tgtEl>
+                                          <p:spTgt spid="9">
+                                            <p:txEl>
+                                              <p:pRg st="5" end="5"/>
+                                            </p:txEl>
+                                          </p:spTgt>
+                                        </p:tgtEl>
+                                        <p:attrNameLst>
+                                          <p:attrName>style.visibility</p:attrName>
+                                        </p:attrNameLst>
+                                      </p:cBhvr>
+                                      <p:to>
+                                        <p:strVal val="visible"/>
+                                      </p:to>
+                                    </p:set>
+                                  </p:childTnLst>
+                                </p:cTn>
+                              </p:par>
+                              <p:par>
+                                <p:cTn id="7" presetID="1" presetClass="entr" presetSubtype="0" fill="hold" nodeType="withEffect">
+                                  <p:stCondLst>
+                                    <p:cond delay="0"/>
+                                  </p:stCondLst>
+                                  <p:childTnLst>
+                                    <p:set>
+                                      <p:cBhvr>
+                                        <p:cTn id="8" dur="1" fill="hold">
+                                          <p:stCondLst>
+                                            <p:cond delay="0"/>
+                                          </p:stCondLst>
+                                        </p:cTn>
+                                        <p:tgtEl>
+                                          <p:spTgt spid="9">
+                                            <p:txEl>
+                                              <p:pRg st="6" end="6"/>
+                                            </p:txEl>
+                                          </p:spTgt>
+                                        </p:tgtEl>
+                                        <p:attrNameLst>
+                                          <p:attrName>style.visibility</p:attrName>
+                                        </p:attrNameLst>
+                                      </p:cBhvr>
+                                      <p:to>
+                                        <p:strVal val="visible"/>
+                                      </p:to>
+                                    </p:set>
+                                  </p:childTnLst>
+                                </p:cTn>
+                              </p:par>
+                              <p:par>
+                                <p:cTn id="9" presetID="1" presetClass="entr" presetSubtype="0" fill="hold" nodeType="withEffect">
+                                  <p:stCondLst>
+                                    <p:cond delay="0"/>
+                                  </p:stCondLst>
+                                  <p:childTnLst>
+                                    <p:set>
+                                      <p:cBhvr>
+                                        <p:cTn id="10" dur="1" fill="hold">
+                                          <p:stCondLst>
+                                            <p:cond delay="0"/>
+                                          </p:stCondLst>
+                                        </p:cTn>
+                                        <p:tgtEl>
+                                          <p:spTgt spid="9">
+                                            <p:txEl>
+                                              <p:pRg st="7" end="7"/>
+                                            </p:txEl>
+                                          </p:spTgt>
+                                        </p:tgtEl>
+                                        <p:attrNameLst>
+                                          <p:attrName>style.visibility</p:attrName>
+                                        </p:attrNameLst>
+                                      </p:cBhvr>
+                                      <p:to>
+                                        <p:strVal val="visible"/>
+                                      </p:to>
+                                    </p:set>
+                                  </p:childTnLst>
+                                </p:cTn>
+                              </p:par>
+                              <p:par>
+                                <p:cTn id="11" presetID="1" presetClass="entr" presetSubtype="0" fill="hold" nodeType="withEffect">
+                                  <p:stCondLst>
+                                    <p:cond delay="0"/>
+                                  </p:stCondLst>
+                                  <p:childTnLst>
+                                    <p:set>
+                                      <p:cBhvr>
+                                        <p:cTn id="12" dur="1" fill="hold">
+                                          <p:stCondLst>
+                                            <p:cond delay="0"/>
+                                          </p:stCondLst>
+                                        </p:cTn>
+                                        <p:tgtEl>
+                                          <p:spTgt spid="9">
+                                            <p:txEl>
+                                              <p:pRg st="8" end="8"/>
+                                            </p:txEl>
+                                          </p:spTgt>
+                                        </p:tgtEl>
+                                        <p:attrNameLst>
+                                          <p:attrName>style.visibility</p:attrName>
+                                        </p:attrNameLst>
+                                      </p:cBhvr>
+                                      <p:to>
+                                        <p:strVal val="visible"/>
+                                      </p:to>
+                                    </p:set>
+                                  </p:childTnLst>
+                                </p:cTn>
+                              </p:par>
+                            </p:childTnLst>
+                          </p:cTn>
+                        </p:par>
+                      </p:childTnLst>
+                    </p:cTn>
+                  </p:par>
+                </p:childTnLst>
+              </p:cTn>
+              <p:prevCondLst>
+                <p:cond evt="onPrev" delay="0">
+                  <p:tgtEl>
+                    <p:sldTgt/>
+                  </p:tgtEl>
+                </p:cond>
+              </p:prevCondLst>
+              <p:nextCondLst>
+                <p:cond evt="onNext" delay="0">
+                  <p:tgtEl>
+                    <p:sldTgt/>
+                  </p:tgtEl>
+                </p:cond>
+              </p:nextCondLst>
+            </p:seq>
+          </p:childTnLst>
+        </p:cTn>
+      </p:par>
+    </p:tnLst>
+  </p:timing>
+</p:sld>
+</file>
+
+<file path=ppt/slides/slide21.xml><?xml version="1.0" encoding="utf-8"?>
+<p:sld xmlns:a="http://schemas.openxmlformats.org/drawingml/2006/main" xmlns:r="http://schemas.openxmlformats.org/officeDocument/2006/relationships" xmlns:p="http://schemas.openxmlformats.org/presentationml/2006/main">
+  <p:cSld>
+    <p:spTree>
+      <p:nvGrpSpPr>
+        <p:cNvPr id="1" name=""/>
+        <p:cNvGrpSpPr/>
+        <p:nvPr/>
+      </p:nvGrpSpPr>
+      <p:grpSpPr>
+        <a:xfrm>
+          <a:off x="0" y="0"/>
+          <a:ext cx="0" cy="0"/>
+          <a:chOff x="0" y="0"/>
+          <a:chExt cx="0" cy="0"/>
+        </a:xfrm>
+      </p:grpSpPr>
+      <p:sp>
+        <p:nvSpPr>
+          <p:cNvPr id="2" name="Title 1">
+            <a:extLst>
+              <a:ext uri="{FF2B5EF4-FFF2-40B4-BE49-F238E27FC236}">
+                <a16:creationId xmlns:a16="http://schemas.microsoft.com/office/drawing/2014/main" id="{AA3A228F-61D0-D949-A5E7-F83756230BF8}"/>
+              </a:ext>
+            </a:extLst>
+          </p:cNvPr>
+          <p:cNvSpPr>
+            <a:spLocks noGrp="1"/>
+          </p:cNvSpPr>
+          <p:nvPr>
+            <p:ph type="title"/>
+          </p:nvPr>
+        </p:nvSpPr>
+        <p:spPr>
+          <a:xfrm>
+            <a:off x="483848" y="467027"/>
+            <a:ext cx="7053542" cy="683886"/>
+          </a:xfrm>
+        </p:spPr>
+        <p:txBody>
+          <a:bodyPr/>
+          <a:lstStyle/>
+          <a:p>
+            <a:r>
+              <a:rPr lang="en-US" dirty="0"/>
+              <a:t>References</a:t>
+            </a:r>
+          </a:p>
+        </p:txBody>
+      </p:sp>
+      <p:sp>
+        <p:nvSpPr>
+          <p:cNvPr id="9" name="Content Placeholder 8">
+            <a:extLst>
+              <a:ext uri="{FF2B5EF4-FFF2-40B4-BE49-F238E27FC236}">
+                <a16:creationId xmlns:a16="http://schemas.microsoft.com/office/drawing/2014/main" id="{E3B2E017-30B2-884B-A113-B419A2ED51AD}"/>
+              </a:ext>
+            </a:extLst>
+          </p:cNvPr>
+          <p:cNvSpPr>
+            <a:spLocks noGrp="1"/>
+          </p:cNvSpPr>
+          <p:nvPr>
+            <p:ph idx="1"/>
+          </p:nvPr>
+        </p:nvSpPr>
+        <p:spPr>
+          <a:xfrm>
+            <a:off x="483848" y="1150913"/>
+            <a:ext cx="8051725" cy="4440590"/>
+          </a:xfrm>
+        </p:spPr>
+        <p:txBody>
+          <a:bodyPr>
+            <a:noAutofit/>
+          </a:bodyPr>
+          <a:lstStyle/>
+          <a:p>
+            <a:pPr marL="0" indent="0">
+              <a:buNone/>
+            </a:pPr>
+            <a:endParaRPr lang="en-US" dirty="0"/>
+          </a:p>
+          <a:p>
+            <a:pPr marL="0" indent="0">
+              <a:buNone/>
+            </a:pPr>
+            <a:endParaRPr lang="en-US" dirty="0"/>
+          </a:p>
+          <a:p>
+            <a:pPr marL="457200" indent="-457200">
+              <a:buAutoNum type="arabicParenR"/>
+            </a:pPr>
+            <a:r>
+              <a:rPr lang="en-US" dirty="0" err="1"/>
+              <a:t>Halterman</a:t>
+            </a:r>
+            <a:r>
+              <a:rPr lang="en-US" dirty="0"/>
+              <a:t>, Richard.  Fundamentals of Python Programming. Southern Adventist University.</a:t>
+            </a:r>
+          </a:p>
+        </p:txBody>
+      </p:sp>
+    </p:spTree>
+    <p:extLst>
+      <p:ext uri="{BB962C8B-B14F-4D97-AF65-F5344CB8AC3E}">
+        <p14:creationId xmlns:p14="http://schemas.microsoft.com/office/powerpoint/2010/main" val="1438711869"/>
       </p:ext>
     </p:extLst>
   </p:cSld>
@@ -8499,7 +11300,7 @@
         </p:nvSpPr>
         <p:spPr>
           <a:xfrm>
-            <a:off x="3281442" y="312368"/>
+            <a:off x="2756594" y="527266"/>
             <a:ext cx="3320140" cy="830997"/>
           </a:xfrm>
           <a:prstGeom prst="rect">
@@ -8722,8 +11523,8 @@
         </p:nvSpPr>
         <p:spPr>
           <a:xfrm>
-            <a:off x="5585926" y="3037002"/>
-            <a:ext cx="3382657" cy="830997"/>
+            <a:off x="5418034" y="2857500"/>
+            <a:ext cx="3681136" cy="830997"/>
           </a:xfrm>
           <a:prstGeom prst="rect">
             <a:avLst/>
@@ -8742,7 +11543,7 @@
                   <a:srgbClr val="FF0000"/>
                 </a:solidFill>
               </a:rPr>
-              <a:t>Character is a class. </a:t>
+              <a:t>An object is first created in memory.</a:t>
             </a:r>
           </a:p>
           <a:p>
@@ -8752,17 +11553,134 @@
                   <a:srgbClr val="FF0000"/>
                 </a:solidFill>
               </a:rPr>
-              <a:t>p is an instance of the Character class.</a:t>
-            </a:r>
-          </a:p>
-          <a:p>
+              <a:t>Then __</a:t>
+            </a:r>
+            <a:r>
+              <a:rPr lang="en-US" sz="1600" dirty="0" err="1">
+                <a:solidFill>
+                  <a:srgbClr val="FF0000"/>
+                </a:solidFill>
+              </a:rPr>
+              <a:t>init</a:t>
+            </a:r>
             <a:r>
               <a:rPr lang="en-US" sz="1600" dirty="0">
                 <a:solidFill>
                   <a:srgbClr val="FF0000"/>
                 </a:solidFill>
               </a:rPr>
-              <a:t>p is an object of the Character class. </a:t>
+              <a:t>__ is called and the address of</a:t>
+            </a:r>
+          </a:p>
+          <a:p>
+            <a:r>
+              <a:rPr lang="en-US" sz="1600" dirty="0">
+                <a:solidFill>
+                  <a:srgbClr val="FF0000"/>
+                </a:solidFill>
+              </a:rPr>
+              <a:t>this object is sent to self.</a:t>
+            </a:r>
+          </a:p>
+        </p:txBody>
+      </p:sp>
+      <p:cxnSp>
+        <p:nvCxnSpPr>
+          <p:cNvPr id="10" name="Straight Arrow Connector 9">
+            <a:extLst>
+              <a:ext uri="{FF2B5EF4-FFF2-40B4-BE49-F238E27FC236}">
+                <a16:creationId xmlns:a16="http://schemas.microsoft.com/office/drawing/2014/main" id="{78689255-3173-164C-A63E-73DEF65651F2}"/>
+              </a:ext>
+            </a:extLst>
+          </p:cNvPr>
+          <p:cNvCxnSpPr>
+            <a:cxnSpLocks/>
+            <a:stCxn id="20" idx="1"/>
+          </p:cNvCxnSpPr>
+          <p:nvPr/>
+        </p:nvCxnSpPr>
+        <p:spPr>
+          <a:xfrm flipH="1">
+            <a:off x="4758584" y="3272999"/>
+            <a:ext cx="659450" cy="343730"/>
+          </a:xfrm>
+          <a:prstGeom prst="straightConnector1">
+            <a:avLst/>
+          </a:prstGeom>
+          <a:ln w="25400">
+            <a:tailEnd type="triangle"/>
+          </a:ln>
+        </p:spPr>
+        <p:style>
+          <a:lnRef idx="1">
+            <a:schemeClr val="dk1"/>
+          </a:lnRef>
+          <a:fillRef idx="0">
+            <a:schemeClr val="dk1"/>
+          </a:fillRef>
+          <a:effectRef idx="0">
+            <a:schemeClr val="dk1"/>
+          </a:effectRef>
+          <a:fontRef idx="minor">
+            <a:schemeClr val="tx1"/>
+          </a:fontRef>
+        </p:style>
+      </p:cxnSp>
+      <p:sp>
+        <p:nvSpPr>
+          <p:cNvPr id="16" name="TextBox 15">
+            <a:extLst>
+              <a:ext uri="{FF2B5EF4-FFF2-40B4-BE49-F238E27FC236}">
+                <a16:creationId xmlns:a16="http://schemas.microsoft.com/office/drawing/2014/main" id="{5A9C07C4-A578-9340-813C-79D04F7B9BE1}"/>
+              </a:ext>
+            </a:extLst>
+          </p:cNvPr>
+          <p:cNvSpPr txBox="1"/>
+          <p:nvPr/>
+        </p:nvSpPr>
+        <p:spPr>
+          <a:xfrm>
+            <a:off x="5606804" y="1818200"/>
+            <a:ext cx="3492366" cy="830997"/>
+          </a:xfrm>
+          <a:prstGeom prst="rect">
+            <a:avLst/>
+          </a:prstGeom>
+          <a:noFill/>
+        </p:spPr>
+        <p:txBody>
+          <a:bodyPr wrap="none" rtlCol="0">
+            <a:spAutoFit/>
+          </a:bodyPr>
+          <a:lstStyle/>
+          <a:p>
+            <a:r>
+              <a:rPr lang="en-US" sz="1600" dirty="0">
+                <a:solidFill>
+                  <a:srgbClr val="FF0000"/>
+                </a:solidFill>
+              </a:rPr>
+              <a:t>The self reference is then used to </a:t>
+            </a:r>
+          </a:p>
+          <a:p>
+            <a:r>
+              <a:rPr lang="en-US" sz="1600" dirty="0">
+                <a:solidFill>
+                  <a:srgbClr val="FF0000"/>
+                </a:solidFill>
+              </a:rPr>
+              <a:t>create and initialize the other attributes</a:t>
+            </a:r>
+          </a:p>
+          <a:p>
+            <a:r>
+              <a:rPr lang="en-US" sz="1600" dirty="0">
+                <a:solidFill>
+                  <a:srgbClr val="FF0000"/>
+                </a:solidFill>
+              </a:rPr>
+              <a:t>or variables of the object. </a:t>
             </a:r>
           </a:p>
         </p:txBody>
@@ -8777,6 +11695,375 @@
   <p:clrMapOvr>
     <a:masterClrMapping/>
   </p:clrMapOvr>
+  <p:timing>
+    <p:tnLst>
+      <p:par>
+        <p:cTn id="1" dur="indefinite" restart="never" nodeType="tmRoot">
+          <p:childTnLst>
+            <p:seq concurrent="1" nextAc="seek">
+              <p:cTn id="2" dur="indefinite" nodeType="mainSeq">
+                <p:childTnLst>
+                  <p:par>
+                    <p:cTn id="3" fill="hold">
+                      <p:stCondLst>
+                        <p:cond delay="indefinite"/>
+                      </p:stCondLst>
+                      <p:childTnLst>
+                        <p:par>
+                          <p:cTn id="4" fill="hold">
+                            <p:stCondLst>
+                              <p:cond delay="0"/>
+                            </p:stCondLst>
+                            <p:childTnLst>
+                              <p:par>
+                                <p:cTn id="5" presetID="1" presetClass="entr" presetSubtype="0" fill="hold" nodeType="clickEffect">
+                                  <p:stCondLst>
+                                    <p:cond delay="0"/>
+                                  </p:stCondLst>
+                                  <p:childTnLst>
+                                    <p:set>
+                                      <p:cBhvr>
+                                        <p:cTn id="6" dur="1" fill="hold">
+                                          <p:stCondLst>
+                                            <p:cond delay="0"/>
+                                          </p:stCondLst>
+                                        </p:cTn>
+                                        <p:tgtEl>
+                                          <p:spTgt spid="10"/>
+                                        </p:tgtEl>
+                                        <p:attrNameLst>
+                                          <p:attrName>style.visibility</p:attrName>
+                                        </p:attrNameLst>
+                                      </p:cBhvr>
+                                      <p:to>
+                                        <p:strVal val="visible"/>
+                                      </p:to>
+                                    </p:set>
+                                  </p:childTnLst>
+                                </p:cTn>
+                              </p:par>
+                              <p:par>
+                                <p:cTn id="7" presetID="1" presetClass="entr" presetSubtype="0" fill="hold" grpId="0" nodeType="withEffect">
+                                  <p:stCondLst>
+                                    <p:cond delay="0"/>
+                                  </p:stCondLst>
+                                  <p:childTnLst>
+                                    <p:set>
+                                      <p:cBhvr>
+                                        <p:cTn id="8" dur="1" fill="hold">
+                                          <p:stCondLst>
+                                            <p:cond delay="0"/>
+                                          </p:stCondLst>
+                                        </p:cTn>
+                                        <p:tgtEl>
+                                          <p:spTgt spid="20"/>
+                                        </p:tgtEl>
+                                        <p:attrNameLst>
+                                          <p:attrName>style.visibility</p:attrName>
+                                        </p:attrNameLst>
+                                      </p:cBhvr>
+                                      <p:to>
+                                        <p:strVal val="visible"/>
+                                      </p:to>
+                                    </p:set>
+                                  </p:childTnLst>
+                                </p:cTn>
+                              </p:par>
+                            </p:childTnLst>
+                          </p:cTn>
+                        </p:par>
+                      </p:childTnLst>
+                    </p:cTn>
+                  </p:par>
+                  <p:par>
+                    <p:cTn id="9" fill="hold">
+                      <p:stCondLst>
+                        <p:cond delay="indefinite"/>
+                      </p:stCondLst>
+                      <p:childTnLst>
+                        <p:par>
+                          <p:cTn id="10" fill="hold">
+                            <p:stCondLst>
+                              <p:cond delay="0"/>
+                            </p:stCondLst>
+                            <p:childTnLst>
+                              <p:par>
+                                <p:cTn id="11" presetID="1" presetClass="entr" presetSubtype="0" fill="hold" nodeType="clickEffect">
+                                  <p:stCondLst>
+                                    <p:cond delay="0"/>
+                                  </p:stCondLst>
+                                  <p:childTnLst>
+                                    <p:set>
+                                      <p:cBhvr>
+                                        <p:cTn id="12" dur="1" fill="hold">
+                                          <p:stCondLst>
+                                            <p:cond delay="0"/>
+                                          </p:stCondLst>
+                                        </p:cTn>
+                                        <p:tgtEl>
+                                          <p:spTgt spid="18"/>
+                                        </p:tgtEl>
+                                        <p:attrNameLst>
+                                          <p:attrName>style.visibility</p:attrName>
+                                        </p:attrNameLst>
+                                      </p:cBhvr>
+                                      <p:to>
+                                        <p:strVal val="visible"/>
+                                      </p:to>
+                                    </p:set>
+                                  </p:childTnLst>
+                                </p:cTn>
+                              </p:par>
+                            </p:childTnLst>
+                          </p:cTn>
+                        </p:par>
+                      </p:childTnLst>
+                    </p:cTn>
+                  </p:par>
+                  <p:par>
+                    <p:cTn id="13" fill="hold">
+                      <p:stCondLst>
+                        <p:cond delay="indefinite"/>
+                      </p:stCondLst>
+                      <p:childTnLst>
+                        <p:par>
+                          <p:cTn id="14" fill="hold">
+                            <p:stCondLst>
+                              <p:cond delay="0"/>
+                            </p:stCondLst>
+                            <p:childTnLst>
+                              <p:par>
+                                <p:cTn id="15" presetID="1" presetClass="entr" presetSubtype="0" fill="hold" grpId="0" nodeType="clickEffect">
+                                  <p:stCondLst>
+                                    <p:cond delay="0"/>
+                                  </p:stCondLst>
+                                  <p:childTnLst>
+                                    <p:set>
+                                      <p:cBhvr>
+                                        <p:cTn id="16" dur="1" fill="hold">
+                                          <p:stCondLst>
+                                            <p:cond delay="0"/>
+                                          </p:stCondLst>
+                                        </p:cTn>
+                                        <p:tgtEl>
+                                          <p:spTgt spid="14"/>
+                                        </p:tgtEl>
+                                        <p:attrNameLst>
+                                          <p:attrName>style.visibility</p:attrName>
+                                        </p:attrNameLst>
+                                      </p:cBhvr>
+                                      <p:to>
+                                        <p:strVal val="visible"/>
+                                      </p:to>
+                                    </p:set>
+                                  </p:childTnLst>
+                                </p:cTn>
+                              </p:par>
+                            </p:childTnLst>
+                          </p:cTn>
+                        </p:par>
+                      </p:childTnLst>
+                    </p:cTn>
+                  </p:par>
+                  <p:par>
+                    <p:cTn id="17" fill="hold">
+                      <p:stCondLst>
+                        <p:cond delay="indefinite"/>
+                      </p:stCondLst>
+                      <p:childTnLst>
+                        <p:par>
+                          <p:cTn id="18" fill="hold">
+                            <p:stCondLst>
+                              <p:cond delay="0"/>
+                            </p:stCondLst>
+                            <p:childTnLst>
+                              <p:par>
+                                <p:cTn id="19" presetID="1" presetClass="entr" presetSubtype="0" fill="hold" nodeType="clickEffect">
+                                  <p:stCondLst>
+                                    <p:cond delay="0"/>
+                                  </p:stCondLst>
+                                  <p:childTnLst>
+                                    <p:set>
+                                      <p:cBhvr>
+                                        <p:cTn id="20" dur="1" fill="hold">
+                                          <p:stCondLst>
+                                            <p:cond delay="0"/>
+                                          </p:stCondLst>
+                                        </p:cTn>
+                                        <p:tgtEl>
+                                          <p:spTgt spid="12"/>
+                                        </p:tgtEl>
+                                        <p:attrNameLst>
+                                          <p:attrName>style.visibility</p:attrName>
+                                        </p:attrNameLst>
+                                      </p:cBhvr>
+                                      <p:to>
+                                        <p:strVal val="visible"/>
+                                      </p:to>
+                                    </p:set>
+                                  </p:childTnLst>
+                                </p:cTn>
+                              </p:par>
+                              <p:par>
+                                <p:cTn id="21" presetID="1" presetClass="entr" presetSubtype="0" fill="hold" nodeType="withEffect">
+                                  <p:stCondLst>
+                                    <p:cond delay="0"/>
+                                  </p:stCondLst>
+                                  <p:childTnLst>
+                                    <p:set>
+                                      <p:cBhvr>
+                                        <p:cTn id="22" dur="1" fill="hold">
+                                          <p:stCondLst>
+                                            <p:cond delay="0"/>
+                                          </p:stCondLst>
+                                        </p:cTn>
+                                        <p:tgtEl>
+                                          <p:spTgt spid="13"/>
+                                        </p:tgtEl>
+                                        <p:attrNameLst>
+                                          <p:attrName>style.visibility</p:attrName>
+                                        </p:attrNameLst>
+                                      </p:cBhvr>
+                                      <p:to>
+                                        <p:strVal val="visible"/>
+                                      </p:to>
+                                    </p:set>
+                                  </p:childTnLst>
+                                </p:cTn>
+                              </p:par>
+                              <p:par>
+                                <p:cTn id="23" presetID="1" presetClass="entr" presetSubtype="0" fill="hold" nodeType="withEffect">
+                                  <p:stCondLst>
+                                    <p:cond delay="0"/>
+                                  </p:stCondLst>
+                                  <p:childTnLst>
+                                    <p:set>
+                                      <p:cBhvr>
+                                        <p:cTn id="24" dur="1" fill="hold">
+                                          <p:stCondLst>
+                                            <p:cond delay="0"/>
+                                          </p:stCondLst>
+                                        </p:cTn>
+                                        <p:tgtEl>
+                                          <p:spTgt spid="15"/>
+                                        </p:tgtEl>
+                                        <p:attrNameLst>
+                                          <p:attrName>style.visibility</p:attrName>
+                                        </p:attrNameLst>
+                                      </p:cBhvr>
+                                      <p:to>
+                                        <p:strVal val="visible"/>
+                                      </p:to>
+                                    </p:set>
+                                  </p:childTnLst>
+                                </p:cTn>
+                              </p:par>
+                              <p:par>
+                                <p:cTn id="25" presetID="1" presetClass="entr" presetSubtype="0" fill="hold" grpId="0" nodeType="withEffect">
+                                  <p:stCondLst>
+                                    <p:cond delay="0"/>
+                                  </p:stCondLst>
+                                  <p:childTnLst>
+                                    <p:set>
+                                      <p:cBhvr>
+                                        <p:cTn id="26" dur="1" fill="hold">
+                                          <p:stCondLst>
+                                            <p:cond delay="0"/>
+                                          </p:stCondLst>
+                                        </p:cTn>
+                                        <p:tgtEl>
+                                          <p:spTgt spid="16"/>
+                                        </p:tgtEl>
+                                        <p:attrNameLst>
+                                          <p:attrName>style.visibility</p:attrName>
+                                        </p:attrNameLst>
+                                      </p:cBhvr>
+                                      <p:to>
+                                        <p:strVal val="visible"/>
+                                      </p:to>
+                                    </p:set>
+                                  </p:childTnLst>
+                                </p:cTn>
+                              </p:par>
+                            </p:childTnLst>
+                          </p:cTn>
+                        </p:par>
+                      </p:childTnLst>
+                    </p:cTn>
+                  </p:par>
+                  <p:par>
+                    <p:cTn id="27" fill="hold">
+                      <p:stCondLst>
+                        <p:cond delay="indefinite"/>
+                      </p:stCondLst>
+                      <p:childTnLst>
+                        <p:par>
+                          <p:cTn id="28" fill="hold">
+                            <p:stCondLst>
+                              <p:cond delay="0"/>
+                            </p:stCondLst>
+                            <p:childTnLst>
+                              <p:par>
+                                <p:cTn id="29" presetID="1" presetClass="entr" presetSubtype="0" fill="hold" grpId="1" nodeType="clickEffect">
+                                  <p:stCondLst>
+                                    <p:cond delay="0"/>
+                                  </p:stCondLst>
+                                  <p:childTnLst>
+                                    <p:set>
+                                      <p:cBhvr>
+                                        <p:cTn id="30" dur="1" fill="hold">
+                                          <p:stCondLst>
+                                            <p:cond delay="0"/>
+                                          </p:stCondLst>
+                                        </p:cTn>
+                                        <p:tgtEl>
+                                          <p:spTgt spid="16"/>
+                                        </p:tgtEl>
+                                        <p:attrNameLst>
+                                          <p:attrName>style.visibility</p:attrName>
+                                        </p:attrNameLst>
+                                      </p:cBhvr>
+                                      <p:to>
+                                        <p:strVal val="visible"/>
+                                      </p:to>
+                                    </p:set>
+                                  </p:childTnLst>
+                                </p:cTn>
+                              </p:par>
+                            </p:childTnLst>
+                          </p:cTn>
+                        </p:par>
+                      </p:childTnLst>
+                    </p:cTn>
+                  </p:par>
+                </p:childTnLst>
+              </p:cTn>
+              <p:prevCondLst>
+                <p:cond evt="onPrev" delay="0">
+                  <p:tgtEl>
+                    <p:sldTgt/>
+                  </p:tgtEl>
+                </p:cond>
+              </p:prevCondLst>
+              <p:nextCondLst>
+                <p:cond evt="onNext" delay="0">
+                  <p:tgtEl>
+                    <p:sldTgt/>
+                  </p:tgtEl>
+                </p:cond>
+              </p:nextCondLst>
+            </p:seq>
+          </p:childTnLst>
+        </p:cTn>
+      </p:par>
+    </p:tnLst>
+    <p:bldLst>
+      <p:bldP spid="14" grpId="0"/>
+      <p:bldP spid="20" grpId="0"/>
+      <p:bldP spid="16" grpId="0"/>
+      <p:bldP spid="16" grpId="1"/>
+    </p:bldLst>
+  </p:timing>
 </p:sld>
 </file>
 
@@ -9176,90 +12463,7 @@
                 </a:solidFill>
                 <a:latin typeface="Inconsolata Medium" panose="020B0609030003000000" pitchFamily="49" charset="77"/>
               </a:rPr>
-              <a:t>	def</a:t>
-            </a:r>
-            <a:r>
-              <a:rPr lang="en-US" sz="1900" b="1" dirty="0">
-                <a:latin typeface="Inconsolata Medium" panose="020B0609030003000000" pitchFamily="49" charset="77"/>
-              </a:rPr>
-              <a:t> </a:t>
-            </a:r>
-            <a:r>
-              <a:rPr lang="en-US" sz="1900" b="1" dirty="0">
-                <a:solidFill>
-                  <a:srgbClr val="06287E"/>
-                </a:solidFill>
-                <a:latin typeface="Inconsolata Medium" panose="020B0609030003000000" pitchFamily="49" charset="77"/>
-              </a:rPr>
-              <a:t>move</a:t>
-            </a:r>
-            <a:r>
-              <a:rPr lang="en-US" sz="1900" b="1" dirty="0">
-                <a:latin typeface="Inconsolata Medium" panose="020B0609030003000000" pitchFamily="49" charset="77"/>
-              </a:rPr>
-              <a:t>(</a:t>
-            </a:r>
-            <a:r>
-              <a:rPr lang="en-US" sz="1900" b="1" dirty="0">
-                <a:solidFill>
-                  <a:srgbClr val="FF0000"/>
-                </a:solidFill>
-                <a:latin typeface="Inconsolata Medium" panose="020B0609030003000000" pitchFamily="49" charset="77"/>
-              </a:rPr>
-              <a:t>self</a:t>
-            </a:r>
-            <a:r>
-              <a:rPr lang="en-US" sz="1900" b="1" dirty="0">
-                <a:latin typeface="Inconsolata Medium" panose="020B0609030003000000" pitchFamily="49" charset="77"/>
-              </a:rPr>
-              <a:t>):</a:t>
-            </a:r>
-          </a:p>
-          <a:p>
-            <a:pPr marL="0" indent="0">
-              <a:buNone/>
-            </a:pPr>
-            <a:r>
-              <a:rPr lang="en-US" sz="1900" b="1" dirty="0">
-                <a:latin typeface="Inconsolata Medium" panose="020B0609030003000000" pitchFamily="49" charset="77"/>
-              </a:rPr>
-              <a:t>		</a:t>
-            </a:r>
-            <a:r>
-              <a:rPr lang="en-US" sz="1900" b="1" dirty="0" err="1">
-                <a:solidFill>
-                  <a:srgbClr val="004BD7"/>
-                </a:solidFill>
-                <a:latin typeface="Inconsolata Medium" panose="020B0609030003000000" pitchFamily="49" charset="77"/>
-              </a:rPr>
-              <a:t>self.x</a:t>
-            </a:r>
-            <a:r>
-              <a:rPr lang="en-US" sz="1900" b="1" dirty="0">
-                <a:latin typeface="Inconsolata Medium" panose="020B0609030003000000" pitchFamily="49" charset="77"/>
-              </a:rPr>
-              <a:t> </a:t>
-            </a:r>
-            <a:r>
-              <a:rPr lang="en-US" sz="1900" b="1" dirty="0">
-                <a:solidFill>
-                  <a:srgbClr val="666666"/>
-                </a:solidFill>
-                <a:latin typeface="Inconsolata Medium" panose="020B0609030003000000" pitchFamily="49" charset="77"/>
-              </a:rPr>
-              <a:t>+=</a:t>
-            </a:r>
-            <a:r>
-              <a:rPr lang="en-US" sz="1900" b="1" dirty="0">
-                <a:latin typeface="Inconsolata Medium" panose="020B0609030003000000" pitchFamily="49" charset="77"/>
-              </a:rPr>
-              <a:t> </a:t>
-            </a:r>
-            <a:r>
-              <a:rPr lang="en-US" sz="1900" b="1" dirty="0" err="1">
-                <a:latin typeface="Inconsolata Medium" panose="020B0609030003000000" pitchFamily="49" charset="77"/>
-              </a:rPr>
-              <a:t>self.speed</a:t>
+              <a:t>	</a:t>
             </a:r>
             <a:endParaRPr lang="en-US" sz="1900" b="1" dirty="0">
               <a:latin typeface="Inconsolata Medium" panose="020B0609030003000000" pitchFamily="49" charset="77"/>
@@ -9348,20 +12552,120 @@
             <a:r>
               <a:rPr lang="en-US" sz="1900" b="1" dirty="0">
                 <a:solidFill>
+                  <a:srgbClr val="004BD7"/>
+                </a:solidFill>
+                <a:latin typeface="Inconsolata Medium" panose="020B0609030003000000" pitchFamily="49" charset="77"/>
+              </a:rPr>
+              <a:t>	print(</a:t>
+            </a:r>
+            <a:r>
+              <a:rPr lang="en-US" sz="1900" b="1" dirty="0" err="1">
+                <a:solidFill>
+                  <a:srgbClr val="004BD7"/>
+                </a:solidFill>
+                <a:latin typeface="Inconsolata Medium" panose="020B0609030003000000" pitchFamily="49" charset="77"/>
+              </a:rPr>
+              <a:t>p.x</a:t>
+            </a:r>
+            <a:r>
+              <a:rPr lang="en-US" sz="1900" b="1" dirty="0">
+                <a:solidFill>
+                  <a:srgbClr val="004BD7"/>
+                </a:solidFill>
+                <a:latin typeface="Inconsolata Medium" panose="020B0609030003000000" pitchFamily="49" charset="77"/>
+              </a:rPr>
+              <a:t>, </a:t>
+            </a:r>
+            <a:r>
+              <a:rPr lang="en-US" sz="1900" b="1" dirty="0" err="1">
+                <a:solidFill>
+                  <a:srgbClr val="004BD7"/>
+                </a:solidFill>
+                <a:latin typeface="Inconsolata Medium" panose="020B0609030003000000" pitchFamily="49" charset="77"/>
+              </a:rPr>
+              <a:t>p.speed</a:t>
+            </a:r>
+            <a:r>
+              <a:rPr lang="en-US" sz="1900" b="1" dirty="0">
+                <a:solidFill>
+                  <a:srgbClr val="004BD7"/>
+                </a:solidFill>
+                <a:latin typeface="Inconsolata Medium" panose="020B0609030003000000" pitchFamily="49" charset="77"/>
+              </a:rPr>
+              <a:t>)</a:t>
+            </a:r>
+            <a:r>
+              <a:rPr lang="en-US" sz="1900" b="1" dirty="0">
+                <a:solidFill>
                   <a:srgbClr val="4070A0"/>
                 </a:solidFill>
                 <a:latin typeface="Inconsolata Medium" panose="020B0609030003000000" pitchFamily="49" charset="77"/>
               </a:rPr>
+              <a:t>  # accessing attributes,  10 4</a:t>
+            </a:r>
+          </a:p>
+          <a:p>
+            <a:pPr marL="0" indent="0">
+              <a:buNone/>
+            </a:pPr>
+            <a:r>
+              <a:rPr lang="en-US" sz="2000" b="1" dirty="0">
+                <a:solidFill>
+                  <a:srgbClr val="4070A0"/>
+                </a:solidFill>
+                <a:latin typeface="Inconsolata Medium" panose="020B0609030003000000" pitchFamily="49" charset="77"/>
+              </a:rPr>
               <a:t>	</a:t>
             </a:r>
             <a:r>
               <a:rPr lang="en-US" sz="1900" b="1" dirty="0" err="1">
                 <a:solidFill>
-                  <a:srgbClr val="FF0000"/>
-                </a:solidFill>
-                <a:latin typeface="Inconsolata Medium" panose="020B0609030003000000" pitchFamily="49" charset="77"/>
-              </a:rPr>
-              <a:t>p</a:t>
+                  <a:srgbClr val="004BD7"/>
+                </a:solidFill>
+                <a:latin typeface="Inconsolata Medium" panose="020B0609030003000000" pitchFamily="49" charset="77"/>
+              </a:rPr>
+              <a:t>p.speed</a:t>
+            </a:r>
+            <a:r>
+              <a:rPr lang="en-US" sz="1900" b="1" dirty="0">
+                <a:solidFill>
+                  <a:srgbClr val="004BD7"/>
+                </a:solidFill>
+                <a:latin typeface="Inconsolata Medium" panose="020B0609030003000000" pitchFamily="49" charset="77"/>
+              </a:rPr>
+              <a:t> = 15</a:t>
+            </a:r>
+            <a:r>
+              <a:rPr lang="en-US" sz="1900" b="1" dirty="0">
+                <a:solidFill>
+                  <a:srgbClr val="4070A0"/>
+                </a:solidFill>
+                <a:latin typeface="Inconsolata Medium" panose="020B0609030003000000" pitchFamily="49" charset="77"/>
+              </a:rPr>
+              <a:t>  # modifying an instance attribute </a:t>
+            </a:r>
+          </a:p>
+          <a:p>
+            <a:pPr marL="0" indent="0">
+              <a:buNone/>
+            </a:pPr>
+            <a:r>
+              <a:rPr lang="en-US" sz="1900" b="1" dirty="0">
+                <a:solidFill>
+                  <a:srgbClr val="4070A0"/>
+                </a:solidFill>
+                <a:latin typeface="Inconsolata Medium" panose="020B0609030003000000" pitchFamily="49" charset="77"/>
+              </a:rPr>
+              <a:t>	</a:t>
+            </a:r>
+            <a:r>
+              <a:rPr lang="en-US" sz="1900" b="1" dirty="0">
+                <a:solidFill>
+                  <a:srgbClr val="004BD7"/>
+                </a:solidFill>
+                <a:latin typeface="Inconsolata Medium" panose="020B0609030003000000" pitchFamily="49" charset="77"/>
+              </a:rPr>
+              <a:t>print(</a:t>
             </a:r>
             <a:r>
               <a:rPr lang="en-US" sz="1900" b="1" dirty="0" err="1">
@@ -9370,39 +12674,7 @@
                 </a:solidFill>
                 <a:latin typeface="Inconsolata Medium" panose="020B0609030003000000" pitchFamily="49" charset="77"/>
               </a:rPr>
-              <a:t>.move</a:t>
-            </a:r>
-            <a:r>
-              <a:rPr lang="en-US" sz="1900" b="1" dirty="0">
-                <a:solidFill>
-                  <a:srgbClr val="004BD7"/>
-                </a:solidFill>
-                <a:latin typeface="Inconsolata Medium" panose="020B0609030003000000" pitchFamily="49" charset="77"/>
-              </a:rPr>
-              <a:t>()</a:t>
-            </a:r>
-          </a:p>
-          <a:p>
-            <a:pPr marL="0" indent="0">
-              <a:buNone/>
-            </a:pPr>
-            <a:r>
-              <a:rPr lang="en-US" sz="1900" b="1" dirty="0">
-                <a:solidFill>
-                  <a:srgbClr val="004BD7"/>
-                </a:solidFill>
-                <a:latin typeface="Inconsolata Medium" panose="020B0609030003000000" pitchFamily="49" charset="77"/>
-              </a:rPr>
-              <a:t>	print(</a:t>
-            </a:r>
-            <a:r>
-              <a:rPr lang="en-US" sz="1900" b="1" dirty="0" err="1">
-                <a:solidFill>
-                  <a:srgbClr val="004BD7"/>
-                </a:solidFill>
-                <a:latin typeface="Inconsolata Medium" panose="020B0609030003000000" pitchFamily="49" charset="77"/>
-              </a:rPr>
-              <a:t>p.x</a:t>
+              <a:t>p.speed</a:t>
             </a:r>
             <a:r>
               <a:rPr lang="en-US" sz="1900" b="1" dirty="0">
@@ -9420,23 +12692,8 @@
                 </a:solidFill>
                 <a:latin typeface="Inconsolata Medium" panose="020B0609030003000000" pitchFamily="49" charset="77"/>
               </a:rPr>
-              <a:t>  </a:t>
-            </a:r>
-            <a:r>
-              <a:rPr lang="en-US" sz="2000" b="1" dirty="0">
-                <a:solidFill>
-                  <a:srgbClr val="4070A0"/>
-                </a:solidFill>
-                <a:latin typeface="Inconsolata Medium" panose="020B0609030003000000" pitchFamily="49" charset="77"/>
-              </a:rPr>
-              <a:t># 14</a:t>
-            </a:r>
-            <a:endParaRPr lang="en-US" sz="1900" b="1" dirty="0">
-              <a:solidFill>
-                <a:srgbClr val="4070A0"/>
-              </a:solidFill>
-              <a:latin typeface="Inconsolata Medium" panose="020B0609030003000000" pitchFamily="49" charset="77"/>
-            </a:endParaRPr>
+              <a:t>  # 15</a:t>
+            </a:r>
           </a:p>
           <a:p>
             <a:pPr marL="0" indent="0">
@@ -9453,10 +12710,10 @@
       </p:sp>
       <p:sp>
         <p:nvSpPr>
-          <p:cNvPr id="4" name="TextBox 3">
+          <p:cNvPr id="20" name="TextBox 19">
             <a:extLst>
               <a:ext uri="{FF2B5EF4-FFF2-40B4-BE49-F238E27FC236}">
-                <a16:creationId xmlns:a16="http://schemas.microsoft.com/office/drawing/2014/main" id="{BE66D76A-BB4F-8A4D-AB4B-A968E4D75F6C}"/>
+                <a16:creationId xmlns:a16="http://schemas.microsoft.com/office/drawing/2014/main" id="{F9A61694-4FC5-7F46-9DC1-78F5E8AD77B0}"/>
               </a:ext>
             </a:extLst>
           </p:cNvPr>
@@ -9465,8 +12722,8 @@
         </p:nvSpPr>
         <p:spPr>
           <a:xfrm>
-            <a:off x="4572000" y="3028416"/>
-            <a:ext cx="3717563" cy="830997"/>
+            <a:off x="4509710" y="1909000"/>
+            <a:ext cx="4739759" cy="1477328"/>
           </a:xfrm>
           <a:prstGeom prst="rect">
             <a:avLst/>
@@ -9474,67 +12731,66 @@
           <a:noFill/>
         </p:spPr>
         <p:txBody>
-          <a:bodyPr wrap="square" rtlCol="0">
+          <a:bodyPr wrap="none" rtlCol="0">
             <a:spAutoFit/>
           </a:bodyPr>
           <a:lstStyle/>
           <a:p>
             <a:r>
-              <a:rPr lang="en-US" sz="1600" dirty="0">
+              <a:rPr lang="en-US" sz="1800" dirty="0">
                 <a:solidFill>
                   <a:srgbClr val="FF0000"/>
                 </a:solidFill>
               </a:rPr>
-              <a:t>move is an instance method. The first parameter of a method refers to the instance being manipulated. </a:t>
+              <a:t>1) Character is a class. </a:t>
+            </a:r>
+          </a:p>
+          <a:p>
+            <a:r>
+              <a:rPr lang="en-US" sz="1800" dirty="0">
+                <a:solidFill>
+                  <a:srgbClr val="FF0000"/>
+                </a:solidFill>
+              </a:rPr>
+              <a:t>2) p is an instance of the Character class.</a:t>
+            </a:r>
+          </a:p>
+          <a:p>
+            <a:r>
+              <a:rPr lang="en-US" sz="1800" dirty="0">
+                <a:solidFill>
+                  <a:srgbClr val="FF0000"/>
+                </a:solidFill>
+              </a:rPr>
+              <a:t>3) p is an object of the Character class. </a:t>
+            </a:r>
+          </a:p>
+          <a:p>
+            <a:r>
+              <a:rPr lang="en-US" sz="1800" dirty="0">
+                <a:solidFill>
+                  <a:srgbClr val="FF0000"/>
+                </a:solidFill>
+              </a:rPr>
+              <a:t>3) name, x and speed are attributes of the object</a:t>
+            </a:r>
+          </a:p>
+          <a:p>
+            <a:r>
+              <a:rPr lang="en-US" sz="1800" dirty="0">
+                <a:solidFill>
+                  <a:srgbClr val="FF0000"/>
+                </a:solidFill>
+              </a:rPr>
+              <a:t>p.</a:t>
             </a:r>
           </a:p>
         </p:txBody>
       </p:sp>
-      <p:cxnSp>
-        <p:nvCxnSpPr>
-          <p:cNvPr id="5" name="Straight Arrow Connector 4">
-            <a:extLst>
-              <a:ext uri="{FF2B5EF4-FFF2-40B4-BE49-F238E27FC236}">
-                <a16:creationId xmlns:a16="http://schemas.microsoft.com/office/drawing/2014/main" id="{2ACA8F3D-2AEE-0146-8A7F-D08353AD1C3A}"/>
-              </a:ext>
-            </a:extLst>
-          </p:cNvPr>
-          <p:cNvCxnSpPr>
-            <a:cxnSpLocks/>
-          </p:cNvCxnSpPr>
-          <p:nvPr/>
-        </p:nvCxnSpPr>
-        <p:spPr>
-          <a:xfrm flipV="1">
-            <a:off x="1358781" y="3170490"/>
-            <a:ext cx="1068225" cy="1204957"/>
-          </a:xfrm>
-          <a:prstGeom prst="straightConnector1">
-            <a:avLst/>
-          </a:prstGeom>
-          <a:ln w="25400">
-            <a:tailEnd type="triangle"/>
-          </a:ln>
-        </p:spPr>
-        <p:style>
-          <a:lnRef idx="1">
-            <a:schemeClr val="dk1"/>
-          </a:lnRef>
-          <a:fillRef idx="0">
-            <a:schemeClr val="dk1"/>
-          </a:fillRef>
-          <a:effectRef idx="0">
-            <a:schemeClr val="dk1"/>
-          </a:effectRef>
-          <a:fontRef idx="minor">
-            <a:schemeClr val="tx1"/>
-          </a:fontRef>
-        </p:style>
-      </p:cxnSp>
     </p:spTree>
     <p:extLst>
       <p:ext uri="{BB962C8B-B14F-4D97-AF65-F5344CB8AC3E}">
-        <p14:creationId xmlns:p14="http://schemas.microsoft.com/office/powerpoint/2010/main" val="1776526477"/>
+        <p14:creationId xmlns:p14="http://schemas.microsoft.com/office/powerpoint/2010/main" val="1370301937"/>
       </p:ext>
     </p:extLst>
   </p:cSld>
@@ -9579,7 +12835,7 @@
         </p:nvSpPr>
         <p:spPr>
           <a:xfrm>
-            <a:off x="483848" y="467027"/>
+            <a:off x="483848" y="198832"/>
             <a:ext cx="7053542" cy="683886"/>
           </a:xfrm>
         </p:spPr>
@@ -9588,9 +12844,10 @@
           <a:lstStyle/>
           <a:p>
             <a:r>
-              <a:rPr lang="en-US" dirty="0"/>
-              <a:t>game2.py</a:t>
-            </a:r>
+              <a:rPr lang="en-US" dirty="0" err="1"/>
+              <a:t>game.py</a:t>
+            </a:r>
+            <a:endParaRPr lang="en-US" dirty="0"/>
           </a:p>
         </p:txBody>
       </p:sp>
@@ -9612,8 +12869,8 @@
         </p:nvSpPr>
         <p:spPr>
           <a:xfrm>
-            <a:off x="483848" y="998483"/>
-            <a:ext cx="8051725" cy="4404149"/>
+            <a:off x="483848" y="882718"/>
+            <a:ext cx="8051725" cy="4832282"/>
           </a:xfrm>
         </p:spPr>
         <p:txBody>
@@ -9780,6 +13037,67 @@
                 </a:solidFill>
                 <a:latin typeface="Inconsolata Medium" panose="020B0609030003000000" pitchFamily="49" charset="77"/>
               </a:rPr>
+              <a:t>		…</a:t>
+            </a:r>
+          </a:p>
+          <a:p>
+            <a:pPr marL="0" indent="0">
+              <a:buNone/>
+            </a:pPr>
+            <a:r>
+              <a:rPr lang="en-US" sz="1900" b="1" dirty="0">
+                <a:solidFill>
+                  <a:srgbClr val="000000"/>
+                </a:solidFill>
+                <a:latin typeface="Inconsolata Medium" panose="020B0609030003000000" pitchFamily="49" charset="77"/>
+              </a:rPr>
+              <a:t>	def</a:t>
+            </a:r>
+            <a:r>
+              <a:rPr lang="en-US" sz="1900" b="1" dirty="0">
+                <a:latin typeface="Inconsolata Medium" panose="020B0609030003000000" pitchFamily="49" charset="77"/>
+              </a:rPr>
+              <a:t> </a:t>
+            </a:r>
+            <a:r>
+              <a:rPr lang="en-US" sz="1900" b="1" dirty="0">
+                <a:solidFill>
+                  <a:srgbClr val="06287E"/>
+                </a:solidFill>
+                <a:latin typeface="Inconsolata Medium" panose="020B0609030003000000" pitchFamily="49" charset="77"/>
+              </a:rPr>
+              <a:t>move</a:t>
+            </a:r>
+            <a:r>
+              <a:rPr lang="en-US" sz="1900" b="1" dirty="0">
+                <a:latin typeface="Inconsolata Medium" panose="020B0609030003000000" pitchFamily="49" charset="77"/>
+              </a:rPr>
+              <a:t>(</a:t>
+            </a:r>
+            <a:r>
+              <a:rPr lang="en-US" sz="1900" b="1" dirty="0">
+                <a:solidFill>
+                  <a:srgbClr val="FF0000"/>
+                </a:solidFill>
+                <a:latin typeface="Inconsolata Medium" panose="020B0609030003000000" pitchFamily="49" charset="77"/>
+              </a:rPr>
+              <a:t>self</a:t>
+            </a:r>
+            <a:r>
+              <a:rPr lang="en-US" sz="1900" b="1" dirty="0">
+                <a:latin typeface="Inconsolata Medium" panose="020B0609030003000000" pitchFamily="49" charset="77"/>
+              </a:rPr>
+              <a:t>):</a:t>
+            </a:r>
+          </a:p>
+          <a:p>
+            <a:pPr marL="0" indent="0">
+              <a:buNone/>
+            </a:pPr>
+            <a:r>
+              <a:rPr lang="en-US" sz="1900" b="1" dirty="0">
+                <a:latin typeface="Inconsolata Medium" panose="020B0609030003000000" pitchFamily="49" charset="77"/>
+              </a:rPr>
               <a:t>		</a:t>
             </a:r>
             <a:r>
@@ -9789,7 +13107,7 @@
                 </a:solidFill>
                 <a:latin typeface="Inconsolata Medium" panose="020B0609030003000000" pitchFamily="49" charset="77"/>
               </a:rPr>
-              <a:t>self.name</a:t>
+              <a:t>self.x</a:t>
             </a:r>
             <a:r>
               <a:rPr lang="en-US" sz="1900" b="1" dirty="0">
@@ -9804,7 +13122,7 @@
                 </a:solidFill>
                 <a:latin typeface="Inconsolata Medium" panose="020B0609030003000000" pitchFamily="49" charset="77"/>
               </a:rPr>
-              <a:t>=</a:t>
+              <a:t>+=</a:t>
             </a:r>
             <a:r>
               <a:rPr lang="en-US" sz="1900" b="1" dirty="0">
@@ -9816,7 +13134,7 @@
               <a:rPr lang="en-US" sz="1900" b="1" dirty="0" err="1">
                 <a:latin typeface="Inconsolata Medium" panose="020B0609030003000000" pitchFamily="49" charset="77"/>
               </a:rPr>
-              <a:t>i_name</a:t>
+              <a:t>self.speed</a:t>
             </a:r>
             <a:endParaRPr lang="en-US" sz="1900" b="1" dirty="0">
               <a:latin typeface="Inconsolata Medium" panose="020B0609030003000000" pitchFamily="49" charset="77"/>
@@ -9829,29 +13147,187 @@
             <a:r>
               <a:rPr lang="en-US" sz="1900" b="1" dirty="0">
                 <a:solidFill>
+                  <a:srgbClr val="000000"/>
+                </a:solidFill>
+                <a:latin typeface="Inconsolata Medium" panose="020B0609030003000000" pitchFamily="49" charset="77"/>
+              </a:rPr>
+              <a:t>def</a:t>
+            </a:r>
+            <a:r>
+              <a:rPr lang="en-US" sz="1900" b="1" dirty="0">
+                <a:latin typeface="Inconsolata Medium" panose="020B0609030003000000" pitchFamily="49" charset="77"/>
+              </a:rPr>
+              <a:t> </a:t>
+            </a:r>
+            <a:r>
+              <a:rPr lang="en-US" sz="1900" b="1" dirty="0">
+                <a:solidFill>
+                  <a:srgbClr val="06287E"/>
+                </a:solidFill>
+                <a:latin typeface="Inconsolata Medium" panose="020B0609030003000000" pitchFamily="49" charset="77"/>
+              </a:rPr>
+              <a:t>main</a:t>
+            </a:r>
+            <a:r>
+              <a:rPr lang="en-US" sz="1900" b="1" dirty="0">
+                <a:latin typeface="Inconsolata Medium" panose="020B0609030003000000" pitchFamily="49" charset="77"/>
+              </a:rPr>
+              <a:t>():</a:t>
+            </a:r>
+          </a:p>
+          <a:p>
+            <a:pPr marL="0" indent="0">
+              <a:buNone/>
+            </a:pPr>
+            <a:r>
+              <a:rPr lang="en-US" sz="1900" b="1" dirty="0">
+                <a:latin typeface="Inconsolata Medium" panose="020B0609030003000000" pitchFamily="49" charset="77"/>
+              </a:rPr>
+              <a:t>	</a:t>
+            </a:r>
+            <a:r>
+              <a:rPr lang="en-US" sz="1900" b="1" dirty="0">
+                <a:solidFill>
+                  <a:srgbClr val="004BD7"/>
+                </a:solidFill>
+                <a:latin typeface="Inconsolata Medium" panose="020B0609030003000000" pitchFamily="49" charset="77"/>
+              </a:rPr>
+              <a:t>p</a:t>
+            </a:r>
+            <a:r>
+              <a:rPr lang="en-US" sz="1900" b="1" dirty="0">
+                <a:latin typeface="Inconsolata Medium" panose="020B0609030003000000" pitchFamily="49" charset="77"/>
+              </a:rPr>
+              <a:t> </a:t>
+            </a:r>
+            <a:r>
+              <a:rPr lang="en-US" sz="1900" b="1" dirty="0">
+                <a:solidFill>
+                  <a:srgbClr val="666666"/>
+                </a:solidFill>
+                <a:latin typeface="Inconsolata Medium" panose="020B0609030003000000" pitchFamily="49" charset="77"/>
+              </a:rPr>
+              <a:t>=</a:t>
+            </a:r>
+            <a:r>
+              <a:rPr lang="en-US" sz="1900" b="1" dirty="0">
+                <a:latin typeface="Inconsolata Medium" panose="020B0609030003000000" pitchFamily="49" charset="77"/>
+              </a:rPr>
+              <a:t> Character(“John”, 10, 4)</a:t>
+            </a:r>
+          </a:p>
+          <a:p>
+            <a:pPr marL="0" indent="0">
+              <a:buNone/>
+            </a:pPr>
+            <a:r>
+              <a:rPr lang="en-US" sz="1900" b="1" dirty="0">
+                <a:solidFill>
                   <a:srgbClr val="4070A0"/>
                 </a:solidFill>
                 <a:latin typeface="Inconsolata Medium" panose="020B0609030003000000" pitchFamily="49" charset="77"/>
               </a:rPr>
-              <a:t>		</a:t>
+              <a:t>	</a:t>
             </a:r>
             <a:r>
               <a:rPr lang="en-US" sz="1900" b="1" dirty="0" err="1">
                 <a:solidFill>
-                  <a:srgbClr val="004BD7"/>
-                </a:solidFill>
-                <a:latin typeface="Inconsolata Medium" panose="020B0609030003000000" pitchFamily="49" charset="77"/>
-              </a:rPr>
-              <a:t>self.x</a:t>
-            </a:r>
-            <a:r>
-              <a:rPr lang="en-US" sz="1900" b="1" dirty="0">
+                  <a:srgbClr val="FF0000"/>
+                </a:solidFill>
+                <a:latin typeface="Inconsolata Medium" panose="020B0609030003000000" pitchFamily="49" charset="77"/>
+              </a:rPr>
+              <a:t>p</a:t>
+            </a:r>
+            <a:r>
+              <a:rPr lang="en-US" sz="1900" b="1" dirty="0" err="1">
+                <a:solidFill>
+                  <a:srgbClr val="004BD7"/>
+                </a:solidFill>
+                <a:latin typeface="Inconsolata Medium" panose="020B0609030003000000" pitchFamily="49" charset="77"/>
+              </a:rPr>
+              <a:t>.move</a:t>
+            </a:r>
+            <a:r>
+              <a:rPr lang="en-US" sz="1900" b="1" dirty="0">
+                <a:solidFill>
+                  <a:srgbClr val="004BD7"/>
+                </a:solidFill>
+                <a:latin typeface="Inconsolata Medium" panose="020B0609030003000000" pitchFamily="49" charset="77"/>
+              </a:rPr>
+              <a:t>()</a:t>
+            </a:r>
+          </a:p>
+          <a:p>
+            <a:pPr marL="0" indent="0">
+              <a:buNone/>
+            </a:pPr>
+            <a:r>
+              <a:rPr lang="en-US" sz="1900" b="1" dirty="0">
+                <a:solidFill>
+                  <a:srgbClr val="004BD7"/>
+                </a:solidFill>
+                <a:latin typeface="Inconsolata Medium" panose="020B0609030003000000" pitchFamily="49" charset="77"/>
+              </a:rPr>
+              <a:t>	print(</a:t>
+            </a:r>
+            <a:r>
+              <a:rPr lang="en-US" sz="1900" b="1" dirty="0" err="1">
+                <a:solidFill>
+                  <a:srgbClr val="004BD7"/>
+                </a:solidFill>
+                <a:latin typeface="Inconsolata Medium" panose="020B0609030003000000" pitchFamily="49" charset="77"/>
+              </a:rPr>
+              <a:t>p.x</a:t>
+            </a:r>
+            <a:r>
+              <a:rPr lang="en-US" sz="1900" b="1" dirty="0">
+                <a:solidFill>
+                  <a:srgbClr val="004BD7"/>
+                </a:solidFill>
+                <a:latin typeface="Inconsolata Medium" panose="020B0609030003000000" pitchFamily="49" charset="77"/>
+              </a:rPr>
+              <a:t>)</a:t>
+            </a:r>
+            <a:r>
+              <a:rPr lang="en-US" sz="1900" b="1" dirty="0">
+                <a:solidFill>
+                  <a:srgbClr val="4070A0"/>
+                </a:solidFill>
+                <a:latin typeface="Inconsolata Medium" panose="020B0609030003000000" pitchFamily="49" charset="77"/>
+              </a:rPr>
+              <a:t>  </a:t>
+            </a:r>
+            <a:r>
+              <a:rPr lang="en-US" sz="2000" b="1" dirty="0">
+                <a:solidFill>
+                  <a:srgbClr val="4070A0"/>
+                </a:solidFill>
+                <a:latin typeface="Inconsolata Medium" panose="020B0609030003000000" pitchFamily="49" charset="77"/>
+              </a:rPr>
+              <a:t># 14</a:t>
+            </a:r>
+          </a:p>
+          <a:p>
+            <a:pPr marL="0" indent="0">
+              <a:buNone/>
+            </a:pPr>
+            <a:r>
+              <a:rPr lang="en-US" sz="2000" b="1" dirty="0">
+                <a:solidFill>
+                  <a:srgbClr val="004BD7"/>
+                </a:solidFill>
+                <a:latin typeface="Inconsolata Medium" panose="020B0609030003000000" pitchFamily="49" charset="77"/>
+              </a:rPr>
+              <a:t>	e</a:t>
+            </a:r>
+            <a:r>
+              <a:rPr lang="en-US" sz="2000" b="1" dirty="0">
                 <a:latin typeface="Inconsolata Medium" panose="020B0609030003000000" pitchFamily="49" charset="77"/>
               </a:rPr>
               <a:t> </a:t>
             </a:r>
             <a:r>
-              <a:rPr lang="en-US" sz="1900" b="1" dirty="0">
+              <a:rPr lang="en-US" sz="2000" b="1" dirty="0">
                 <a:solidFill>
                   <a:srgbClr val="666666"/>
                 </a:solidFill>
@@ -9860,322 +13336,87 @@
               <a:t>=</a:t>
             </a:r>
             <a:r>
-              <a:rPr lang="en-US" sz="1900" b="1" dirty="0">
-                <a:latin typeface="Inconsolata Medium" panose="020B0609030003000000" pitchFamily="49" charset="77"/>
-              </a:rPr>
-              <a:t> </a:t>
-            </a:r>
-            <a:r>
-              <a:rPr lang="en-US" sz="1900" b="1" dirty="0" err="1">
-                <a:latin typeface="Inconsolata Medium" panose="020B0609030003000000" pitchFamily="49" charset="77"/>
-              </a:rPr>
-              <a:t>i_x</a:t>
-            </a:r>
-            <a:endParaRPr lang="en-US" sz="1900" b="1" dirty="0">
-              <a:latin typeface="Inconsolata Medium" panose="020B0609030003000000" pitchFamily="49" charset="77"/>
-            </a:endParaRPr>
-          </a:p>
-          <a:p>
-            <a:pPr marL="0" indent="0">
-              <a:buNone/>
-            </a:pPr>
-            <a:r>
-              <a:rPr lang="en-US" sz="1900" b="1" dirty="0">
+              <a:rPr lang="en-US" sz="2000" b="1" dirty="0">
+                <a:latin typeface="Inconsolata Medium" panose="020B0609030003000000" pitchFamily="49" charset="77"/>
+              </a:rPr>
+              <a:t> Character(“Sarah”, 100, -5)</a:t>
+            </a:r>
+          </a:p>
+          <a:p>
+            <a:pPr marL="0" indent="0">
+              <a:buNone/>
+            </a:pPr>
+            <a:r>
+              <a:rPr lang="en-US" sz="2000" b="1" dirty="0">
                 <a:solidFill>
                   <a:srgbClr val="4070A0"/>
                 </a:solidFill>
                 <a:latin typeface="Inconsolata Medium" panose="020B0609030003000000" pitchFamily="49" charset="77"/>
               </a:rPr>
-              <a:t>		</a:t>
-            </a:r>
-            <a:r>
-              <a:rPr lang="en-US" sz="1900" b="1" dirty="0" err="1">
-                <a:solidFill>
-                  <a:srgbClr val="004BD7"/>
-                </a:solidFill>
-                <a:latin typeface="Inconsolata Medium" panose="020B0609030003000000" pitchFamily="49" charset="77"/>
-              </a:rPr>
-              <a:t>self.speed</a:t>
-            </a:r>
-            <a:r>
-              <a:rPr lang="en-US" sz="1900" b="1" dirty="0">
-                <a:latin typeface="Inconsolata Medium" panose="020B0609030003000000" pitchFamily="49" charset="77"/>
-              </a:rPr>
-              <a:t> </a:t>
-            </a:r>
-            <a:r>
-              <a:rPr lang="en-US" sz="1900" b="1" dirty="0">
-                <a:solidFill>
-                  <a:srgbClr val="666666"/>
-                </a:solidFill>
-                <a:latin typeface="Inconsolata Medium" panose="020B0609030003000000" pitchFamily="49" charset="77"/>
-              </a:rPr>
-              <a:t>=</a:t>
-            </a:r>
-            <a:r>
-              <a:rPr lang="en-US" sz="1900" b="1" dirty="0">
-                <a:latin typeface="Inconsolata Medium" panose="020B0609030003000000" pitchFamily="49" charset="77"/>
-              </a:rPr>
-              <a:t> </a:t>
-            </a:r>
-            <a:r>
-              <a:rPr lang="en-US" sz="1900" b="1" dirty="0" err="1">
-                <a:latin typeface="Inconsolata Medium" panose="020B0609030003000000" pitchFamily="49" charset="77"/>
-              </a:rPr>
-              <a:t>i_speed</a:t>
-            </a:r>
-            <a:endParaRPr lang="en-US" sz="1900" b="1" dirty="0">
-              <a:latin typeface="Inconsolata Medium" panose="020B0609030003000000" pitchFamily="49" charset="77"/>
-            </a:endParaRPr>
-          </a:p>
-          <a:p>
-            <a:pPr marL="0" indent="0">
-              <a:buNone/>
-            </a:pPr>
-            <a:r>
-              <a:rPr lang="en-US" sz="1900" b="1" dirty="0">
-                <a:solidFill>
-                  <a:srgbClr val="000000"/>
-                </a:solidFill>
-                <a:latin typeface="Inconsolata Medium" panose="020B0609030003000000" pitchFamily="49" charset="77"/>
-              </a:rPr>
-              <a:t>	def</a:t>
-            </a:r>
-            <a:r>
-              <a:rPr lang="en-US" sz="1900" b="1" dirty="0">
-                <a:latin typeface="Inconsolata Medium" panose="020B0609030003000000" pitchFamily="49" charset="77"/>
-              </a:rPr>
-              <a:t> </a:t>
-            </a:r>
-            <a:r>
-              <a:rPr lang="en-US" sz="1900" b="1" dirty="0">
-                <a:solidFill>
-                  <a:srgbClr val="06287E"/>
-                </a:solidFill>
-                <a:latin typeface="Inconsolata Medium" panose="020B0609030003000000" pitchFamily="49" charset="77"/>
-              </a:rPr>
-              <a:t>move</a:t>
-            </a:r>
-            <a:r>
-              <a:rPr lang="en-US" sz="1900" b="1" dirty="0">
-                <a:latin typeface="Inconsolata Medium" panose="020B0609030003000000" pitchFamily="49" charset="77"/>
-              </a:rPr>
-              <a:t>(</a:t>
-            </a:r>
-            <a:r>
-              <a:rPr lang="en-US" sz="1900" b="1" dirty="0">
-                <a:solidFill>
-                  <a:srgbClr val="004BD7"/>
-                </a:solidFill>
-                <a:latin typeface="Inconsolata Medium" panose="020B0609030003000000" pitchFamily="49" charset="77"/>
-              </a:rPr>
-              <a:t>self</a:t>
-            </a:r>
-            <a:r>
-              <a:rPr lang="en-US" sz="1900" b="1" dirty="0">
-                <a:latin typeface="Inconsolata Medium" panose="020B0609030003000000" pitchFamily="49" charset="77"/>
-              </a:rPr>
-              <a:t>):</a:t>
-            </a:r>
-          </a:p>
-          <a:p>
-            <a:pPr marL="0" indent="0">
-              <a:buNone/>
-            </a:pPr>
-            <a:r>
-              <a:rPr lang="en-US" sz="1900" b="1" dirty="0">
-                <a:latin typeface="Inconsolata Medium" panose="020B0609030003000000" pitchFamily="49" charset="77"/>
-              </a:rPr>
-              <a:t>		</a:t>
-            </a:r>
-            <a:r>
-              <a:rPr lang="en-US" sz="1900" b="1" dirty="0" err="1">
-                <a:solidFill>
-                  <a:srgbClr val="004BD7"/>
-                </a:solidFill>
-                <a:latin typeface="Inconsolata Medium" panose="020B0609030003000000" pitchFamily="49" charset="77"/>
-              </a:rPr>
-              <a:t>self.x</a:t>
-            </a:r>
-            <a:r>
-              <a:rPr lang="en-US" sz="1900" b="1" dirty="0">
-                <a:latin typeface="Inconsolata Medium" panose="020B0609030003000000" pitchFamily="49" charset="77"/>
-              </a:rPr>
-              <a:t> </a:t>
-            </a:r>
-            <a:r>
-              <a:rPr lang="en-US" sz="1900" b="1" dirty="0">
-                <a:solidFill>
-                  <a:srgbClr val="666666"/>
-                </a:solidFill>
-                <a:latin typeface="Inconsolata Medium" panose="020B0609030003000000" pitchFamily="49" charset="77"/>
-              </a:rPr>
-              <a:t>+=</a:t>
-            </a:r>
-            <a:r>
-              <a:rPr lang="en-US" sz="1900" b="1" dirty="0">
-                <a:latin typeface="Inconsolata Medium" panose="020B0609030003000000" pitchFamily="49" charset="77"/>
-              </a:rPr>
-              <a:t> </a:t>
-            </a:r>
-            <a:r>
-              <a:rPr lang="en-US" sz="1900" b="1" dirty="0" err="1">
-                <a:latin typeface="Inconsolata Medium" panose="020B0609030003000000" pitchFamily="49" charset="77"/>
-              </a:rPr>
-              <a:t>self.speed</a:t>
-            </a:r>
-            <a:endParaRPr lang="en-US" sz="1900" b="1" dirty="0">
-              <a:latin typeface="Inconsolata Medium" panose="020B0609030003000000" pitchFamily="49" charset="77"/>
-            </a:endParaRPr>
-          </a:p>
-          <a:p>
-            <a:pPr marL="0" indent="0">
-              <a:buNone/>
-            </a:pPr>
-            <a:r>
-              <a:rPr lang="en-US" sz="1900" b="1" dirty="0">
-                <a:solidFill>
-                  <a:srgbClr val="000000"/>
-                </a:solidFill>
-                <a:latin typeface="Inconsolata Medium" panose="020B0609030003000000" pitchFamily="49" charset="77"/>
-              </a:rPr>
-              <a:t>def</a:t>
-            </a:r>
-            <a:r>
-              <a:rPr lang="en-US" sz="1900" b="1" dirty="0">
-                <a:latin typeface="Inconsolata Medium" panose="020B0609030003000000" pitchFamily="49" charset="77"/>
-              </a:rPr>
-              <a:t> </a:t>
-            </a:r>
-            <a:r>
-              <a:rPr lang="en-US" sz="1900" b="1" dirty="0">
-                <a:solidFill>
-                  <a:srgbClr val="06287E"/>
-                </a:solidFill>
-                <a:latin typeface="Inconsolata Medium" panose="020B0609030003000000" pitchFamily="49" charset="77"/>
-              </a:rPr>
-              <a:t>main</a:t>
-            </a:r>
-            <a:r>
-              <a:rPr lang="en-US" sz="1900" b="1" dirty="0">
-                <a:latin typeface="Inconsolata Medium" panose="020B0609030003000000" pitchFamily="49" charset="77"/>
-              </a:rPr>
-              <a:t>():</a:t>
-            </a:r>
-          </a:p>
-          <a:p>
-            <a:pPr marL="0" indent="0">
-              <a:buNone/>
-            </a:pPr>
-            <a:r>
-              <a:rPr lang="en-US" sz="1900" b="1" dirty="0">
-                <a:latin typeface="Inconsolata Medium" panose="020B0609030003000000" pitchFamily="49" charset="77"/>
-              </a:rPr>
               <a:t>	</a:t>
             </a:r>
             <a:r>
-              <a:rPr lang="en-US" sz="1900" b="1" dirty="0">
-                <a:solidFill>
-                  <a:srgbClr val="004BD7"/>
-                </a:solidFill>
-                <a:latin typeface="Inconsolata Medium" panose="020B0609030003000000" pitchFamily="49" charset="77"/>
-              </a:rPr>
-              <a:t>p1</a:t>
-            </a:r>
-            <a:r>
-              <a:rPr lang="en-US" sz="1900" b="1" dirty="0">
-                <a:latin typeface="Inconsolata Medium" panose="020B0609030003000000" pitchFamily="49" charset="77"/>
-              </a:rPr>
-              <a:t> </a:t>
-            </a:r>
-            <a:r>
-              <a:rPr lang="en-US" sz="1900" b="1" dirty="0">
-                <a:solidFill>
-                  <a:srgbClr val="666666"/>
-                </a:solidFill>
-                <a:latin typeface="Inconsolata Medium" panose="020B0609030003000000" pitchFamily="49" charset="77"/>
-              </a:rPr>
-              <a:t>=</a:t>
-            </a:r>
-            <a:r>
-              <a:rPr lang="en-US" sz="1900" b="1" dirty="0">
-                <a:latin typeface="Inconsolata Medium" panose="020B0609030003000000" pitchFamily="49" charset="77"/>
-              </a:rPr>
-              <a:t> Character(“Jack”, 10, 4)</a:t>
-            </a:r>
-          </a:p>
-          <a:p>
-            <a:pPr marL="0" indent="0">
-              <a:buNone/>
-            </a:pPr>
-            <a:r>
-              <a:rPr lang="en-US" sz="1900" b="1" dirty="0">
-                <a:latin typeface="Inconsolata Medium" panose="020B0609030003000000" pitchFamily="49" charset="77"/>
-              </a:rPr>
-              <a:t>	</a:t>
-            </a:r>
-            <a:r>
-              <a:rPr lang="en-US" sz="1900" b="1" dirty="0">
-                <a:solidFill>
-                  <a:srgbClr val="004BD7"/>
-                </a:solidFill>
-                <a:latin typeface="Inconsolata Medium" panose="020B0609030003000000" pitchFamily="49" charset="77"/>
-              </a:rPr>
-              <a:t>p2</a:t>
-            </a:r>
-            <a:r>
-              <a:rPr lang="en-US" sz="1900" b="1" dirty="0">
-                <a:latin typeface="Inconsolata Medium" panose="020B0609030003000000" pitchFamily="49" charset="77"/>
-              </a:rPr>
-              <a:t> </a:t>
-            </a:r>
-            <a:r>
-              <a:rPr lang="en-US" sz="1900" b="1" dirty="0">
-                <a:solidFill>
-                  <a:srgbClr val="666666"/>
-                </a:solidFill>
-                <a:latin typeface="Inconsolata Medium" panose="020B0609030003000000" pitchFamily="49" charset="77"/>
-              </a:rPr>
-              <a:t>=</a:t>
-            </a:r>
-            <a:r>
-              <a:rPr lang="en-US" sz="1900" b="1" dirty="0">
-                <a:latin typeface="Inconsolata Medium" panose="020B0609030003000000" pitchFamily="49" charset="77"/>
-              </a:rPr>
-              <a:t> Character(“Jill”, 20, -3)</a:t>
-            </a:r>
-          </a:p>
-          <a:p>
-            <a:pPr marL="0" indent="0">
-              <a:buNone/>
-            </a:pPr>
-            <a:r>
-              <a:rPr lang="en-US" sz="1900" b="1" dirty="0">
-                <a:latin typeface="Inconsolata Medium" panose="020B0609030003000000" pitchFamily="49" charset="77"/>
-              </a:rPr>
-              <a:t>	</a:t>
-            </a:r>
-            <a:r>
-              <a:rPr lang="en-US" sz="1900" b="1" dirty="0">
-                <a:solidFill>
-                  <a:srgbClr val="004BD7"/>
-                </a:solidFill>
-                <a:latin typeface="Inconsolata Medium" panose="020B0609030003000000" pitchFamily="49" charset="77"/>
-              </a:rPr>
-              <a:t>p1.move() </a:t>
-            </a:r>
-            <a:r>
-              <a:rPr lang="en-US" sz="1800" b="1" dirty="0">
+              <a:rPr lang="en-US" sz="2000" b="1" dirty="0" err="1">
+                <a:solidFill>
+                  <a:srgbClr val="004BD7"/>
+                </a:solidFill>
+                <a:latin typeface="Inconsolata Medium" panose="020B0609030003000000" pitchFamily="49" charset="77"/>
+              </a:rPr>
+              <a:t>e.move</a:t>
+            </a:r>
+            <a:r>
+              <a:rPr lang="en-US" sz="2000" b="1" dirty="0">
+                <a:solidFill>
+                  <a:srgbClr val="004BD7"/>
+                </a:solidFill>
+                <a:latin typeface="Inconsolata Medium" panose="020B0609030003000000" pitchFamily="49" charset="77"/>
+              </a:rPr>
+              <a:t>()</a:t>
+            </a:r>
+          </a:p>
+          <a:p>
+            <a:pPr marL="0" indent="0">
+              <a:buNone/>
+            </a:pPr>
+            <a:r>
+              <a:rPr lang="en-US" sz="2000" b="1" dirty="0">
+                <a:solidFill>
+                  <a:srgbClr val="004BD7"/>
+                </a:solidFill>
+                <a:latin typeface="Inconsolata Medium" panose="020B0609030003000000" pitchFamily="49" charset="77"/>
+              </a:rPr>
+              <a:t>	print(</a:t>
+            </a:r>
+            <a:r>
+              <a:rPr lang="en-US" sz="2000" b="1" dirty="0" err="1">
+                <a:solidFill>
+                  <a:srgbClr val="004BD7"/>
+                </a:solidFill>
+                <a:latin typeface="Inconsolata Medium" panose="020B0609030003000000" pitchFamily="49" charset="77"/>
+              </a:rPr>
+              <a:t>e.x</a:t>
+            </a:r>
+            <a:r>
+              <a:rPr lang="en-US" sz="2000" b="1" dirty="0">
+                <a:solidFill>
+                  <a:srgbClr val="004BD7"/>
+                </a:solidFill>
+                <a:latin typeface="Inconsolata Medium" panose="020B0609030003000000" pitchFamily="49" charset="77"/>
+              </a:rPr>
+              <a:t>)</a:t>
+            </a:r>
+            <a:r>
+              <a:rPr lang="en-US" sz="2000" b="1" dirty="0">
                 <a:solidFill>
                   <a:srgbClr val="4070A0"/>
                 </a:solidFill>
                 <a:latin typeface="Inconsolata Medium" panose="020B0609030003000000" pitchFamily="49" charset="77"/>
               </a:rPr>
-              <a:t># p1.x = 14</a:t>
+              <a:t>  # 95</a:t>
             </a:r>
             <a:endParaRPr lang="en-US" sz="1900" b="1" dirty="0">
               <a:solidFill>
-                <a:srgbClr val="004BD7"/>
+                <a:srgbClr val="4070A0"/>
               </a:solidFill>
               <a:latin typeface="Inconsolata Medium" panose="020B0609030003000000" pitchFamily="49" charset="77"/>
             </a:endParaRPr>
@@ -10186,32 +13427,6 @@
             </a:pPr>
             <a:r>
               <a:rPr lang="en-US" sz="1900" b="1" dirty="0">
-                <a:solidFill>
-                  <a:srgbClr val="004BD7"/>
-                </a:solidFill>
-                <a:latin typeface="Inconsolata Medium" panose="020B0609030003000000" pitchFamily="49" charset="77"/>
-              </a:rPr>
-              <a:t>	p2.move() </a:t>
-            </a:r>
-            <a:r>
-              <a:rPr lang="en-US" sz="1800" b="1" dirty="0">
-                <a:solidFill>
-                  <a:srgbClr val="4070A0"/>
-                </a:solidFill>
-                <a:latin typeface="Inconsolata Medium" panose="020B0609030003000000" pitchFamily="49" charset="77"/>
-              </a:rPr>
-              <a:t># p2.x = 17</a:t>
-            </a:r>
-            <a:endParaRPr lang="en-US" sz="1900" b="1" dirty="0">
-              <a:latin typeface="Inconsolata Medium" panose="020B0609030003000000" pitchFamily="49" charset="77"/>
-            </a:endParaRPr>
-          </a:p>
-          <a:p>
-            <a:pPr marL="0" indent="0">
-              <a:buNone/>
-            </a:pPr>
-            <a:r>
-              <a:rPr lang="en-US" sz="1900" b="1" dirty="0">
                 <a:latin typeface="Inconsolata Medium" panose="020B0609030003000000" pitchFamily="49" charset="77"/>
               </a:rPr>
               <a:t>main()		</a:t>
@@ -10219,10 +13434,107 @@
           </a:p>
         </p:txBody>
       </p:sp>
+      <p:sp>
+        <p:nvSpPr>
+          <p:cNvPr id="4" name="TextBox 3">
+            <a:extLst>
+              <a:ext uri="{FF2B5EF4-FFF2-40B4-BE49-F238E27FC236}">
+                <a16:creationId xmlns:a16="http://schemas.microsoft.com/office/drawing/2014/main" id="{BE66D76A-BB4F-8A4D-AB4B-A968E4D75F6C}"/>
+              </a:ext>
+            </a:extLst>
+          </p:cNvPr>
+          <p:cNvSpPr txBox="1"/>
+          <p:nvPr/>
+        </p:nvSpPr>
+        <p:spPr>
+          <a:xfrm>
+            <a:off x="5102077" y="2143399"/>
+            <a:ext cx="3717563" cy="1477328"/>
+          </a:xfrm>
+          <a:prstGeom prst="rect">
+            <a:avLst/>
+          </a:prstGeom>
+          <a:noFill/>
+        </p:spPr>
+        <p:txBody>
+          <a:bodyPr wrap="square" rtlCol="0">
+            <a:spAutoFit/>
+          </a:bodyPr>
+          <a:lstStyle/>
+          <a:p>
+            <a:r>
+              <a:rPr lang="en-US" sz="1800" dirty="0">
+                <a:solidFill>
+                  <a:srgbClr val="FF0000"/>
+                </a:solidFill>
+              </a:rPr>
+              <a:t>move is an instance method. The first parameter of a method refers to the instance being manipulated. </a:t>
+            </a:r>
+          </a:p>
+          <a:p>
+            <a:endParaRPr lang="en-US" sz="1800" dirty="0">
+              <a:solidFill>
+                <a:srgbClr val="FF0000"/>
+              </a:solidFill>
+            </a:endParaRPr>
+          </a:p>
+          <a:p>
+            <a:r>
+              <a:rPr lang="en-US" sz="1800" dirty="0">
+                <a:solidFill>
+                  <a:srgbClr val="FF0000"/>
+                </a:solidFill>
+              </a:rPr>
+              <a:t>In this case, p is being moved. </a:t>
+            </a:r>
+          </a:p>
+        </p:txBody>
+      </p:sp>
+      <p:cxnSp>
+        <p:nvCxnSpPr>
+          <p:cNvPr id="5" name="Straight Arrow Connector 4">
+            <a:extLst>
+              <a:ext uri="{FF2B5EF4-FFF2-40B4-BE49-F238E27FC236}">
+                <a16:creationId xmlns:a16="http://schemas.microsoft.com/office/drawing/2014/main" id="{2ACA8F3D-2AEE-0146-8A7F-D08353AD1C3A}"/>
+              </a:ext>
+            </a:extLst>
+          </p:cNvPr>
+          <p:cNvCxnSpPr>
+            <a:cxnSpLocks/>
+          </p:cNvCxnSpPr>
+          <p:nvPr/>
+        </p:nvCxnSpPr>
+        <p:spPr>
+          <a:xfrm flipV="1">
+            <a:off x="1459699" y="2317898"/>
+            <a:ext cx="1060217" cy="1312997"/>
+          </a:xfrm>
+          <a:prstGeom prst="straightConnector1">
+            <a:avLst/>
+          </a:prstGeom>
+          <a:ln w="25400">
+            <a:tailEnd type="triangle"/>
+          </a:ln>
+        </p:spPr>
+        <p:style>
+          <a:lnRef idx="1">
+            <a:schemeClr val="dk1"/>
+          </a:lnRef>
+          <a:fillRef idx="0">
+            <a:schemeClr val="dk1"/>
+          </a:fillRef>
+          <a:effectRef idx="0">
+            <a:schemeClr val="dk1"/>
+          </a:effectRef>
+          <a:fontRef idx="minor">
+            <a:schemeClr val="tx1"/>
+          </a:fontRef>
+        </p:style>
+      </p:cxnSp>
     </p:spTree>
     <p:extLst>
       <p:ext uri="{BB962C8B-B14F-4D97-AF65-F5344CB8AC3E}">
-        <p14:creationId xmlns:p14="http://schemas.microsoft.com/office/powerpoint/2010/main" val="3036972376"/>
+        <p14:creationId xmlns:p14="http://schemas.microsoft.com/office/powerpoint/2010/main" val="1776526477"/>
       </p:ext>
     </p:extLst>
   </p:cSld>
@@ -10267,7 +13579,7 @@
         </p:nvSpPr>
         <p:spPr>
           <a:xfrm>
-            <a:off x="483848" y="467027"/>
+            <a:off x="483848" y="198832"/>
             <a:ext cx="7053542" cy="683886"/>
           </a:xfrm>
         </p:spPr>
@@ -10276,9 +13588,10 @@
           <a:lstStyle/>
           <a:p>
             <a:r>
-              <a:rPr lang="en-US" dirty="0"/>
-              <a:t>game3.py</a:t>
-            </a:r>
+              <a:rPr lang="en-US" dirty="0" err="1"/>
+              <a:t>game.py</a:t>
+            </a:r>
+            <a:endParaRPr lang="en-US" dirty="0"/>
           </a:p>
         </p:txBody>
       </p:sp>
@@ -10300,8 +13613,8 @@
         </p:nvSpPr>
         <p:spPr>
           <a:xfrm>
-            <a:off x="483848" y="998483"/>
-            <a:ext cx="8051725" cy="4641741"/>
+            <a:off x="483848" y="882718"/>
+            <a:ext cx="8051725" cy="4832282"/>
           </a:xfrm>
         </p:spPr>
         <p:txBody>
@@ -10314,56 +13627,169 @@
               <a:buNone/>
             </a:pPr>
             <a:r>
-              <a:rPr lang="en-US" sz="1600" b="1" dirty="0">
+              <a:rPr lang="en-US" sz="1900" b="1" dirty="0">
                 <a:solidFill>
                   <a:srgbClr val="000000"/>
                 </a:solidFill>
                 <a:latin typeface="Inconsolata Medium" panose="020B0609030003000000" pitchFamily="49" charset="77"/>
               </a:rPr>
-              <a:t>import random</a:t>
-            </a:r>
-          </a:p>
-          <a:p>
-            <a:pPr marL="0" indent="0">
-              <a:buNone/>
-            </a:pPr>
-            <a:r>
-              <a:rPr lang="en-US" sz="1600" b="1" dirty="0">
+              <a:t>class</a:t>
+            </a:r>
+            <a:r>
+              <a:rPr lang="en-US" sz="1900" b="1" dirty="0">
+                <a:latin typeface="Inconsolata Medium" panose="020B0609030003000000" pitchFamily="49" charset="77"/>
+              </a:rPr>
+              <a:t> </a:t>
+            </a:r>
+            <a:r>
+              <a:rPr lang="en-US" sz="1900" b="1" dirty="0">
+                <a:solidFill>
+                  <a:srgbClr val="0E84B5"/>
+                </a:solidFill>
+                <a:latin typeface="Inconsolata Medium" panose="020B0609030003000000" pitchFamily="49" charset="77"/>
+              </a:rPr>
+              <a:t>Character</a:t>
+            </a:r>
+            <a:r>
+              <a:rPr lang="en-US" sz="1900" b="1" dirty="0">
+                <a:latin typeface="Inconsolata Medium" panose="020B0609030003000000" pitchFamily="49" charset="77"/>
+              </a:rPr>
+              <a:t>: </a:t>
+            </a:r>
+          </a:p>
+          <a:p>
+            <a:pPr marL="0" indent="0">
+              <a:buNone/>
+            </a:pPr>
+            <a:r>
+              <a:rPr lang="en-US" sz="1900" b="1" dirty="0">
                 <a:solidFill>
                   <a:srgbClr val="000000"/>
                 </a:solidFill>
                 <a:latin typeface="Inconsolata Medium" panose="020B0609030003000000" pitchFamily="49" charset="77"/>
               </a:rPr>
-              <a:t>class</a:t>
-            </a:r>
-            <a:r>
-              <a:rPr lang="en-US" sz="1600" b="1" dirty="0">
+              <a:t>	def</a:t>
+            </a:r>
+            <a:r>
+              <a:rPr lang="en-US" sz="1900" b="1" dirty="0">
                 <a:latin typeface="Inconsolata Medium" panose="020B0609030003000000" pitchFamily="49" charset="77"/>
               </a:rPr>
               <a:t> </a:t>
             </a:r>
             <a:r>
-              <a:rPr lang="en-US" sz="1600" b="1" dirty="0">
-                <a:solidFill>
-                  <a:srgbClr val="0E84B5"/>
-                </a:solidFill>
-                <a:latin typeface="Inconsolata Medium" panose="020B0609030003000000" pitchFamily="49" charset="77"/>
-              </a:rPr>
-              <a:t>Character</a:t>
-            </a:r>
-            <a:r>
-              <a:rPr lang="en-US" sz="1600" b="1" dirty="0">
-                <a:latin typeface="Inconsolata Medium" panose="020B0609030003000000" pitchFamily="49" charset="77"/>
-              </a:rPr>
-              <a:t>: </a:t>
-            </a:r>
-          </a:p>
-          <a:p>
-            <a:pPr marL="0" indent="0">
-              <a:buNone/>
-            </a:pPr>
-            <a:r>
-              <a:rPr lang="en-US" sz="1600" b="1" dirty="0">
+              <a:rPr lang="en-US" sz="1900" b="1" dirty="0">
+                <a:solidFill>
+                  <a:srgbClr val="06287E"/>
+                </a:solidFill>
+                <a:latin typeface="Inconsolata Medium" panose="020B0609030003000000" pitchFamily="49" charset="77"/>
+              </a:rPr>
+              <a:t>__</a:t>
+            </a:r>
+            <a:r>
+              <a:rPr lang="en-US" sz="1900" b="1" dirty="0" err="1">
+                <a:solidFill>
+                  <a:srgbClr val="06287E"/>
+                </a:solidFill>
+                <a:latin typeface="Inconsolata Medium" panose="020B0609030003000000" pitchFamily="49" charset="77"/>
+              </a:rPr>
+              <a:t>init</a:t>
+            </a:r>
+            <a:r>
+              <a:rPr lang="en-US" sz="1900" b="1" dirty="0">
+                <a:solidFill>
+                  <a:srgbClr val="06287E"/>
+                </a:solidFill>
+                <a:latin typeface="Inconsolata Medium" panose="020B0609030003000000" pitchFamily="49" charset="77"/>
+              </a:rPr>
+              <a:t>__</a:t>
+            </a:r>
+            <a:r>
+              <a:rPr lang="en-US" sz="1900" b="1" dirty="0">
+                <a:latin typeface="Inconsolata Medium" panose="020B0609030003000000" pitchFamily="49" charset="77"/>
+              </a:rPr>
+              <a:t>(</a:t>
+            </a:r>
+            <a:r>
+              <a:rPr lang="en-US" sz="1900" b="1" dirty="0">
+                <a:solidFill>
+                  <a:srgbClr val="004BD7"/>
+                </a:solidFill>
+                <a:latin typeface="Inconsolata Medium" panose="020B0609030003000000" pitchFamily="49" charset="77"/>
+              </a:rPr>
+              <a:t>self, </a:t>
+            </a:r>
+            <a:r>
+              <a:rPr lang="en-US" sz="1900" b="1" dirty="0" err="1">
+                <a:solidFill>
+                  <a:srgbClr val="004BD7"/>
+                </a:solidFill>
+                <a:latin typeface="Inconsolata Medium" panose="020B0609030003000000" pitchFamily="49" charset="77"/>
+              </a:rPr>
+              <a:t>i_name</a:t>
+            </a:r>
+            <a:r>
+              <a:rPr lang="en-US" sz="1900" b="1" dirty="0">
+                <a:solidFill>
+                  <a:srgbClr val="004BD7"/>
+                </a:solidFill>
+                <a:latin typeface="Inconsolata Medium" panose="020B0609030003000000" pitchFamily="49" charset="77"/>
+              </a:rPr>
+              <a:t>, </a:t>
+            </a:r>
+            <a:r>
+              <a:rPr lang="en-US" sz="1900" b="1" dirty="0" err="1">
+                <a:solidFill>
+                  <a:srgbClr val="004BD7"/>
+                </a:solidFill>
+                <a:latin typeface="Inconsolata Medium" panose="020B0609030003000000" pitchFamily="49" charset="77"/>
+              </a:rPr>
+              <a:t>i_x</a:t>
+            </a:r>
+            <a:r>
+              <a:rPr lang="en-US" sz="1900" b="1" dirty="0">
+                <a:solidFill>
+                  <a:srgbClr val="004BD7"/>
+                </a:solidFill>
+                <a:latin typeface="Inconsolata Medium" panose="020B0609030003000000" pitchFamily="49" charset="77"/>
+              </a:rPr>
+              <a:t>, </a:t>
+            </a:r>
+            <a:r>
+              <a:rPr lang="en-US" sz="1900" b="1" dirty="0" err="1">
+                <a:solidFill>
+                  <a:srgbClr val="004BD7"/>
+                </a:solidFill>
+                <a:latin typeface="Inconsolata Medium" panose="020B0609030003000000" pitchFamily="49" charset="77"/>
+              </a:rPr>
+              <a:t>i_speed</a:t>
+            </a:r>
+            <a:r>
+              <a:rPr lang="en-US" sz="1900" b="1" dirty="0">
+                <a:latin typeface="Inconsolata Medium" panose="020B0609030003000000" pitchFamily="49" charset="77"/>
+              </a:rPr>
+              <a:t>): 		</a:t>
+            </a:r>
+          </a:p>
+          <a:p>
+            <a:pPr marL="0" indent="0">
+              <a:buNone/>
+            </a:pPr>
+            <a:r>
+              <a:rPr lang="en-US" sz="1900" b="1" dirty="0">
+                <a:solidFill>
+                  <a:srgbClr val="004BD7"/>
+                </a:solidFill>
+                <a:latin typeface="Inconsolata Medium" panose="020B0609030003000000" pitchFamily="49" charset="77"/>
+              </a:rPr>
+              <a:t>		…</a:t>
+            </a:r>
+          </a:p>
+          <a:p>
+            <a:pPr marL="0" indent="0">
+              <a:buNone/>
+            </a:pPr>
+            <a:r>
+              <a:rPr lang="en-US" sz="1900" b="1" dirty="0">
                 <a:solidFill>
                   <a:srgbClr val="000000"/>
                 </a:solidFill>
@@ -10372,155 +13798,89 @@
               <a:t>	def</a:t>
             </a:r>
             <a:r>
-              <a:rPr lang="en-US" sz="1600" b="1" dirty="0">
+              <a:rPr lang="en-US" sz="1900" b="1" dirty="0">
                 <a:latin typeface="Inconsolata Medium" panose="020B0609030003000000" pitchFamily="49" charset="77"/>
               </a:rPr>
               <a:t> </a:t>
             </a:r>
             <a:r>
-              <a:rPr lang="en-US" sz="1600" b="1" dirty="0">
+              <a:rPr lang="en-US" sz="1900" b="1" dirty="0">
                 <a:solidFill>
                   <a:srgbClr val="06287E"/>
                 </a:solidFill>
                 <a:latin typeface="Inconsolata Medium" panose="020B0609030003000000" pitchFamily="49" charset="77"/>
               </a:rPr>
-              <a:t>__</a:t>
-            </a:r>
-            <a:r>
-              <a:rPr lang="en-US" sz="1600" b="1" dirty="0" err="1">
-                <a:solidFill>
-                  <a:srgbClr val="06287E"/>
-                </a:solidFill>
-                <a:latin typeface="Inconsolata Medium" panose="020B0609030003000000" pitchFamily="49" charset="77"/>
-              </a:rPr>
-              <a:t>init</a:t>
-            </a:r>
-            <a:r>
-              <a:rPr lang="en-US" sz="1600" b="1" dirty="0">
-                <a:solidFill>
-                  <a:srgbClr val="06287E"/>
-                </a:solidFill>
-                <a:latin typeface="Inconsolata Medium" panose="020B0609030003000000" pitchFamily="49" charset="77"/>
-              </a:rPr>
-              <a:t>__</a:t>
-            </a:r>
-            <a:r>
-              <a:rPr lang="en-US" sz="1600" b="1" dirty="0">
+              <a:t>move</a:t>
+            </a:r>
+            <a:r>
+              <a:rPr lang="en-US" sz="1900" b="1" dirty="0">
                 <a:latin typeface="Inconsolata Medium" panose="020B0609030003000000" pitchFamily="49" charset="77"/>
               </a:rPr>
               <a:t>(</a:t>
             </a:r>
             <a:r>
-              <a:rPr lang="en-US" sz="1600" b="1" dirty="0">
-                <a:solidFill>
-                  <a:srgbClr val="004BD7"/>
-                </a:solidFill>
-                <a:latin typeface="Inconsolata Medium" panose="020B0609030003000000" pitchFamily="49" charset="77"/>
-              </a:rPr>
-              <a:t>self, </a:t>
-            </a:r>
-            <a:r>
-              <a:rPr lang="en-US" sz="1600" b="1" dirty="0" err="1">
-                <a:solidFill>
-                  <a:srgbClr val="004BD7"/>
-                </a:solidFill>
-                <a:latin typeface="Inconsolata Medium" panose="020B0609030003000000" pitchFamily="49" charset="77"/>
-              </a:rPr>
-              <a:t>i_name</a:t>
-            </a:r>
-            <a:r>
-              <a:rPr lang="en-US" sz="1600" b="1" dirty="0">
-                <a:solidFill>
-                  <a:srgbClr val="004BD7"/>
-                </a:solidFill>
-                <a:latin typeface="Inconsolata Medium" panose="020B0609030003000000" pitchFamily="49" charset="77"/>
-              </a:rPr>
-              <a:t>, </a:t>
-            </a:r>
-            <a:r>
-              <a:rPr lang="en-US" sz="1600" b="1" dirty="0" err="1">
-                <a:solidFill>
-                  <a:srgbClr val="004BD7"/>
-                </a:solidFill>
-                <a:latin typeface="Inconsolata Medium" panose="020B0609030003000000" pitchFamily="49" charset="77"/>
-              </a:rPr>
-              <a:t>i_x</a:t>
-            </a:r>
-            <a:r>
-              <a:rPr lang="en-US" sz="1600" b="1" dirty="0">
-                <a:solidFill>
-                  <a:srgbClr val="004BD7"/>
-                </a:solidFill>
-                <a:latin typeface="Inconsolata Medium" panose="020B0609030003000000" pitchFamily="49" charset="77"/>
-              </a:rPr>
-              <a:t>, </a:t>
-            </a:r>
-            <a:r>
-              <a:rPr lang="en-US" sz="1600" b="1" dirty="0" err="1">
-                <a:solidFill>
-                  <a:srgbClr val="004BD7"/>
-                </a:solidFill>
-                <a:latin typeface="Inconsolata Medium" panose="020B0609030003000000" pitchFamily="49" charset="77"/>
-              </a:rPr>
-              <a:t>i_speed</a:t>
-            </a:r>
-            <a:r>
-              <a:rPr lang="en-US" sz="1600" b="1" dirty="0">
-                <a:latin typeface="Inconsolata Medium" panose="020B0609030003000000" pitchFamily="49" charset="77"/>
-              </a:rPr>
-              <a:t>): 		</a:t>
-            </a:r>
-          </a:p>
-          <a:p>
-            <a:pPr marL="0" indent="0">
-              <a:buNone/>
-            </a:pPr>
-            <a:r>
-              <a:rPr lang="en-US" sz="1600" b="1" dirty="0">
-                <a:solidFill>
-                  <a:srgbClr val="004BD7"/>
-                </a:solidFill>
+              <a:rPr lang="en-US" sz="1900" b="1" dirty="0">
+                <a:solidFill>
+                  <a:srgbClr val="FF0000"/>
+                </a:solidFill>
+                <a:latin typeface="Inconsolata Medium" panose="020B0609030003000000" pitchFamily="49" charset="77"/>
+              </a:rPr>
+              <a:t>self</a:t>
+            </a:r>
+            <a:r>
+              <a:rPr lang="en-US" sz="1900" b="1" dirty="0">
+                <a:latin typeface="Inconsolata Medium" panose="020B0609030003000000" pitchFamily="49" charset="77"/>
+              </a:rPr>
+              <a:t>):</a:t>
+            </a:r>
+          </a:p>
+          <a:p>
+            <a:pPr marL="0" indent="0">
+              <a:buNone/>
+            </a:pPr>
+            <a:r>
+              <a:rPr lang="en-US" sz="1900" b="1" dirty="0">
                 <a:latin typeface="Inconsolata Medium" panose="020B0609030003000000" pitchFamily="49" charset="77"/>
               </a:rPr>
               <a:t>		</a:t>
             </a:r>
             <a:r>
-              <a:rPr lang="en-US" sz="1600" b="1" dirty="0" err="1">
-                <a:solidFill>
-                  <a:srgbClr val="004BD7"/>
-                </a:solidFill>
-                <a:latin typeface="Inconsolata Medium" panose="020B0609030003000000" pitchFamily="49" charset="77"/>
-              </a:rPr>
-              <a:t>self.name</a:t>
-            </a:r>
-            <a:r>
-              <a:rPr lang="en-US" sz="1600" b="1" dirty="0">
+              <a:rPr lang="en-US" sz="1900" b="1" dirty="0" err="1">
+                <a:solidFill>
+                  <a:srgbClr val="004BD7"/>
+                </a:solidFill>
+                <a:latin typeface="Inconsolata Medium" panose="020B0609030003000000" pitchFamily="49" charset="77"/>
+              </a:rPr>
+              <a:t>self.x</a:t>
+            </a:r>
+            <a:r>
+              <a:rPr lang="en-US" sz="1900" b="1" dirty="0">
                 <a:latin typeface="Inconsolata Medium" panose="020B0609030003000000" pitchFamily="49" charset="77"/>
               </a:rPr>
               <a:t> </a:t>
             </a:r>
             <a:r>
-              <a:rPr lang="en-US" sz="1600" b="1" dirty="0">
+              <a:rPr lang="en-US" sz="1900" b="1" dirty="0">
                 <a:solidFill>
                   <a:srgbClr val="666666"/>
                 </a:solidFill>
                 <a:latin typeface="Inconsolata Medium" panose="020B0609030003000000" pitchFamily="49" charset="77"/>
               </a:rPr>
-              <a:t>=</a:t>
-            </a:r>
-            <a:r>
-              <a:rPr lang="en-US" sz="1600" b="1" dirty="0">
+              <a:t>+=</a:t>
+            </a:r>
+            <a:r>
+              <a:rPr lang="en-US" sz="1900" b="1" dirty="0">
                 <a:latin typeface="Inconsolata Medium" panose="020B0609030003000000" pitchFamily="49" charset="77"/>
               </a:rPr>
               <a:t> </a:t>
             </a:r>
             <a:r>
-              <a:rPr lang="en-US" sz="1600" b="1" dirty="0" err="1">
-                <a:latin typeface="Inconsolata Medium" panose="020B0609030003000000" pitchFamily="49" charset="77"/>
-              </a:rPr>
-              <a:t>i_name</a:t>
-            </a:r>
-            <a:endParaRPr lang="en-US" sz="1600" b="1" dirty="0">
+              <a:rPr lang="en-US" sz="1900" b="1" dirty="0" err="1">
+                <a:latin typeface="Inconsolata Medium" panose="020B0609030003000000" pitchFamily="49" charset="77"/>
+              </a:rPr>
+              <a:t>self.speed</a:t>
+            </a:r>
+            <a:endParaRPr lang="en-US" sz="1900" b="1" dirty="0">
               <a:latin typeface="Inconsolata Medium" panose="020B0609030003000000" pitchFamily="49" charset="77"/>
             </a:endParaRPr>
           </a:p>
@@ -10529,31 +13889,180 @@
               <a:buNone/>
             </a:pPr>
             <a:r>
-              <a:rPr lang="en-US" sz="1600" b="1" dirty="0">
+              <a:rPr lang="en-US" sz="1900" b="1" dirty="0">
+                <a:solidFill>
+                  <a:srgbClr val="000000"/>
+                </a:solidFill>
+                <a:latin typeface="Inconsolata Medium" panose="020B0609030003000000" pitchFamily="49" charset="77"/>
+              </a:rPr>
+              <a:t>def</a:t>
+            </a:r>
+            <a:r>
+              <a:rPr lang="en-US" sz="1900" b="1" dirty="0">
+                <a:latin typeface="Inconsolata Medium" panose="020B0609030003000000" pitchFamily="49" charset="77"/>
+              </a:rPr>
+              <a:t> </a:t>
+            </a:r>
+            <a:r>
+              <a:rPr lang="en-US" sz="1900" b="1" dirty="0">
+                <a:solidFill>
+                  <a:srgbClr val="06287E"/>
+                </a:solidFill>
+                <a:latin typeface="Inconsolata Medium" panose="020B0609030003000000" pitchFamily="49" charset="77"/>
+              </a:rPr>
+              <a:t>main</a:t>
+            </a:r>
+            <a:r>
+              <a:rPr lang="en-US" sz="1900" b="1" dirty="0">
+                <a:latin typeface="Inconsolata Medium" panose="020B0609030003000000" pitchFamily="49" charset="77"/>
+              </a:rPr>
+              <a:t>():</a:t>
+            </a:r>
+          </a:p>
+          <a:p>
+            <a:pPr marL="0" indent="0">
+              <a:buNone/>
+            </a:pPr>
+            <a:r>
+              <a:rPr lang="en-US" sz="1900" b="1" dirty="0">
+                <a:latin typeface="Inconsolata Medium" panose="020B0609030003000000" pitchFamily="49" charset="77"/>
+              </a:rPr>
+              <a:t>	</a:t>
+            </a:r>
+            <a:r>
+              <a:rPr lang="en-US" sz="1900" b="1" dirty="0">
+                <a:solidFill>
+                  <a:srgbClr val="004BD7"/>
+                </a:solidFill>
+                <a:latin typeface="Inconsolata Medium" panose="020B0609030003000000" pitchFamily="49" charset="77"/>
+              </a:rPr>
+              <a:t>p</a:t>
+            </a:r>
+            <a:r>
+              <a:rPr lang="en-US" sz="1900" b="1" dirty="0">
+                <a:latin typeface="Inconsolata Medium" panose="020B0609030003000000" pitchFamily="49" charset="77"/>
+              </a:rPr>
+              <a:t> </a:t>
+            </a:r>
+            <a:r>
+              <a:rPr lang="en-US" sz="1900" b="1" dirty="0">
+                <a:solidFill>
+                  <a:srgbClr val="666666"/>
+                </a:solidFill>
+                <a:latin typeface="Inconsolata Medium" panose="020B0609030003000000" pitchFamily="49" charset="77"/>
+              </a:rPr>
+              <a:t>=</a:t>
+            </a:r>
+            <a:r>
+              <a:rPr lang="en-US" sz="1900" b="1" dirty="0">
+                <a:latin typeface="Inconsolata Medium" panose="020B0609030003000000" pitchFamily="49" charset="77"/>
+              </a:rPr>
+              <a:t> Character(“John”, 10, 4)</a:t>
+            </a:r>
+          </a:p>
+          <a:p>
+            <a:pPr marL="0" indent="0">
+              <a:buNone/>
+            </a:pPr>
+            <a:r>
+              <a:rPr lang="en-US" sz="1900" b="1" dirty="0">
                 <a:solidFill>
                   <a:srgbClr val="4070A0"/>
                 </a:solidFill>
                 <a:latin typeface="Inconsolata Medium" panose="020B0609030003000000" pitchFamily="49" charset="77"/>
               </a:rPr>
-              <a:t>		</a:t>
-            </a:r>
-            <a:r>
-              <a:rPr lang="en-US" sz="1600" b="1" dirty="0" err="1">
-                <a:solidFill>
-                  <a:srgbClr val="004BD7"/>
-                </a:solidFill>
-                <a:latin typeface="Inconsolata Medium" panose="020B0609030003000000" pitchFamily="49" charset="77"/>
-              </a:rPr>
-              <a:t>self.x</a:t>
-            </a:r>
-            <a:r>
-              <a:rPr lang="en-US" sz="1600" b="1" dirty="0">
+              <a:t>	</a:t>
+            </a:r>
+            <a:r>
+              <a:rPr lang="en-US" sz="1900" b="1" dirty="0" err="1">
+                <a:solidFill>
+                  <a:srgbClr val="004BD7"/>
+                </a:solidFill>
+                <a:latin typeface="Inconsolata Medium" panose="020B0609030003000000" pitchFamily="49" charset="77"/>
+              </a:rPr>
+              <a:t>p.move</a:t>
+            </a:r>
+            <a:r>
+              <a:rPr lang="en-US" sz="1900" b="1" dirty="0">
+                <a:solidFill>
+                  <a:srgbClr val="004BD7"/>
+                </a:solidFill>
+                <a:latin typeface="Inconsolata Medium" panose="020B0609030003000000" pitchFamily="49" charset="77"/>
+              </a:rPr>
+              <a:t>()</a:t>
+            </a:r>
+          </a:p>
+          <a:p>
+            <a:pPr marL="0" indent="0">
+              <a:buNone/>
+            </a:pPr>
+            <a:r>
+              <a:rPr lang="en-US" sz="1900" b="1" dirty="0">
+                <a:solidFill>
+                  <a:srgbClr val="004BD7"/>
+                </a:solidFill>
+                <a:latin typeface="Inconsolata Medium" panose="020B0609030003000000" pitchFamily="49" charset="77"/>
+              </a:rPr>
+              <a:t>	print(</a:t>
+            </a:r>
+            <a:r>
+              <a:rPr lang="en-US" sz="1900" b="1" dirty="0" err="1">
+                <a:solidFill>
+                  <a:srgbClr val="004BD7"/>
+                </a:solidFill>
+                <a:latin typeface="Inconsolata Medium" panose="020B0609030003000000" pitchFamily="49" charset="77"/>
+              </a:rPr>
+              <a:t>p.x</a:t>
+            </a:r>
+            <a:r>
+              <a:rPr lang="en-US" sz="1900" b="1" dirty="0">
+                <a:solidFill>
+                  <a:srgbClr val="004BD7"/>
+                </a:solidFill>
+                <a:latin typeface="Inconsolata Medium" panose="020B0609030003000000" pitchFamily="49" charset="77"/>
+              </a:rPr>
+              <a:t>)</a:t>
+            </a:r>
+            <a:r>
+              <a:rPr lang="en-US" sz="1900" b="1" dirty="0">
+                <a:solidFill>
+                  <a:srgbClr val="4070A0"/>
+                </a:solidFill>
+                <a:latin typeface="Inconsolata Medium" panose="020B0609030003000000" pitchFamily="49" charset="77"/>
+              </a:rPr>
+              <a:t>  </a:t>
+            </a:r>
+            <a:r>
+              <a:rPr lang="en-US" sz="2000" b="1" dirty="0">
+                <a:solidFill>
+                  <a:srgbClr val="4070A0"/>
+                </a:solidFill>
+                <a:latin typeface="Inconsolata Medium" panose="020B0609030003000000" pitchFamily="49" charset="77"/>
+              </a:rPr>
+              <a:t># 14</a:t>
+            </a:r>
+          </a:p>
+          <a:p>
+            <a:pPr marL="0" indent="0">
+              <a:buNone/>
+            </a:pPr>
+            <a:r>
+              <a:rPr lang="en-US" sz="2000" b="1" dirty="0">
+                <a:solidFill>
+                  <a:srgbClr val="004BD7"/>
+                </a:solidFill>
+                <a:latin typeface="Inconsolata Medium" panose="020B0609030003000000" pitchFamily="49" charset="77"/>
+              </a:rPr>
+              <a:t>	e</a:t>
+            </a:r>
+            <a:r>
+              <a:rPr lang="en-US" sz="2000" b="1" dirty="0">
                 <a:latin typeface="Inconsolata Medium" panose="020B0609030003000000" pitchFamily="49" charset="77"/>
               </a:rPr>
               <a:t> </a:t>
             </a:r>
             <a:r>
-              <a:rPr lang="en-US" sz="1600" b="1" dirty="0">
+              <a:rPr lang="en-US" sz="2000" b="1" dirty="0">
                 <a:solidFill>
                   <a:srgbClr val="666666"/>
                 </a:solidFill>
@@ -10562,173 +14071,96 @@
               <a:t>=</a:t>
             </a:r>
             <a:r>
-              <a:rPr lang="en-US" sz="1600" b="1" dirty="0">
-                <a:latin typeface="Inconsolata Medium" panose="020B0609030003000000" pitchFamily="49" charset="77"/>
-              </a:rPr>
-              <a:t> </a:t>
-            </a:r>
-            <a:r>
-              <a:rPr lang="en-US" sz="1600" b="1" dirty="0" err="1">
-                <a:latin typeface="Inconsolata Medium" panose="020B0609030003000000" pitchFamily="49" charset="77"/>
-              </a:rPr>
-              <a:t>i_x</a:t>
-            </a:r>
-            <a:endParaRPr lang="en-US" sz="1600" b="1" dirty="0">
-              <a:latin typeface="Inconsolata Medium" panose="020B0609030003000000" pitchFamily="49" charset="77"/>
-            </a:endParaRPr>
-          </a:p>
-          <a:p>
-            <a:pPr marL="0" indent="0">
-              <a:buNone/>
-            </a:pPr>
-            <a:r>
-              <a:rPr lang="en-US" sz="1600" b="1" dirty="0">
+              <a:rPr lang="en-US" sz="2000" b="1" dirty="0">
+                <a:latin typeface="Inconsolata Medium" panose="020B0609030003000000" pitchFamily="49" charset="77"/>
+              </a:rPr>
+              <a:t> Character(“Sarah”, 100, -5)</a:t>
+            </a:r>
+          </a:p>
+          <a:p>
+            <a:pPr marL="0" indent="0">
+              <a:buNone/>
+            </a:pPr>
+            <a:r>
+              <a:rPr lang="en-US" sz="2000" b="1" dirty="0">
                 <a:solidFill>
                   <a:srgbClr val="4070A0"/>
                 </a:solidFill>
                 <a:latin typeface="Inconsolata Medium" panose="020B0609030003000000" pitchFamily="49" charset="77"/>
               </a:rPr>
-              <a:t>		</a:t>
-            </a:r>
-            <a:r>
-              <a:rPr lang="en-US" sz="1600" b="1" dirty="0" err="1">
-                <a:solidFill>
-                  <a:srgbClr val="004BD7"/>
-                </a:solidFill>
-                <a:latin typeface="Inconsolata Medium" panose="020B0609030003000000" pitchFamily="49" charset="77"/>
-              </a:rPr>
-              <a:t>self.speed</a:t>
-            </a:r>
-            <a:r>
-              <a:rPr lang="en-US" sz="1600" b="1" dirty="0">
-                <a:latin typeface="Inconsolata Medium" panose="020B0609030003000000" pitchFamily="49" charset="77"/>
-              </a:rPr>
-              <a:t> </a:t>
-            </a:r>
-            <a:r>
-              <a:rPr lang="en-US" sz="1600" b="1" dirty="0">
-                <a:solidFill>
-                  <a:srgbClr val="666666"/>
-                </a:solidFill>
-                <a:latin typeface="Inconsolata Medium" panose="020B0609030003000000" pitchFamily="49" charset="77"/>
-              </a:rPr>
-              <a:t>=</a:t>
-            </a:r>
-            <a:r>
-              <a:rPr lang="en-US" sz="1600" b="1" dirty="0">
-                <a:latin typeface="Inconsolata Medium" panose="020B0609030003000000" pitchFamily="49" charset="77"/>
-              </a:rPr>
-              <a:t> </a:t>
-            </a:r>
-            <a:r>
-              <a:rPr lang="en-US" sz="1600" b="1" dirty="0" err="1">
-                <a:latin typeface="Inconsolata Medium" panose="020B0609030003000000" pitchFamily="49" charset="77"/>
-              </a:rPr>
-              <a:t>i_speed</a:t>
-            </a:r>
-            <a:endParaRPr lang="en-US" sz="1600" b="1" dirty="0">
-              <a:latin typeface="Inconsolata Medium" panose="020B0609030003000000" pitchFamily="49" charset="77"/>
-            </a:endParaRPr>
-          </a:p>
-          <a:p>
-            <a:pPr marL="0" indent="0">
-              <a:buNone/>
-            </a:pPr>
-            <a:r>
-              <a:rPr lang="en-US" sz="1600" b="1" dirty="0">
-                <a:solidFill>
-                  <a:srgbClr val="000000"/>
-                </a:solidFill>
-                <a:latin typeface="Inconsolata Medium" panose="020B0609030003000000" pitchFamily="49" charset="77"/>
-              </a:rPr>
-              <a:t>	def</a:t>
-            </a:r>
-            <a:r>
-              <a:rPr lang="en-US" sz="1600" b="1" dirty="0">
-                <a:latin typeface="Inconsolata Medium" panose="020B0609030003000000" pitchFamily="49" charset="77"/>
-              </a:rPr>
-              <a:t> </a:t>
-            </a:r>
-            <a:r>
-              <a:rPr lang="en-US" sz="1600" b="1" dirty="0">
-                <a:solidFill>
-                  <a:srgbClr val="06287E"/>
-                </a:solidFill>
-                <a:latin typeface="Inconsolata Medium" panose="020B0609030003000000" pitchFamily="49" charset="77"/>
-              </a:rPr>
-              <a:t>move</a:t>
-            </a:r>
-            <a:r>
-              <a:rPr lang="en-US" sz="1600" b="1" dirty="0">
-                <a:latin typeface="Inconsolata Medium" panose="020B0609030003000000" pitchFamily="49" charset="77"/>
-              </a:rPr>
-              <a:t>(</a:t>
-            </a:r>
-            <a:r>
-              <a:rPr lang="en-US" sz="1600" b="1" dirty="0">
-                <a:solidFill>
-                  <a:srgbClr val="004BD7"/>
-                </a:solidFill>
-                <a:latin typeface="Inconsolata Medium" panose="020B0609030003000000" pitchFamily="49" charset="77"/>
-              </a:rPr>
-              <a:t>self</a:t>
-            </a:r>
-            <a:r>
-              <a:rPr lang="en-US" sz="1600" b="1" dirty="0">
-                <a:latin typeface="Inconsolata Medium" panose="020B0609030003000000" pitchFamily="49" charset="77"/>
-              </a:rPr>
-              <a:t>):</a:t>
-            </a:r>
-          </a:p>
-          <a:p>
-            <a:pPr marL="0" indent="0">
-              <a:buNone/>
-            </a:pPr>
-            <a:r>
-              <a:rPr lang="en-US" sz="1600" b="1" dirty="0">
-                <a:latin typeface="Inconsolata Medium" panose="020B0609030003000000" pitchFamily="49" charset="77"/>
-              </a:rPr>
-              <a:t>		</a:t>
-            </a:r>
-            <a:r>
-              <a:rPr lang="en-US" sz="1600" b="1" dirty="0" err="1">
-                <a:solidFill>
-                  <a:srgbClr val="004BD7"/>
-                </a:solidFill>
-                <a:latin typeface="Inconsolata Medium" panose="020B0609030003000000" pitchFamily="49" charset="77"/>
-              </a:rPr>
-              <a:t>self.x</a:t>
-            </a:r>
-            <a:r>
-              <a:rPr lang="en-US" sz="1600" b="1" dirty="0">
-                <a:latin typeface="Inconsolata Medium" panose="020B0609030003000000" pitchFamily="49" charset="77"/>
-              </a:rPr>
-              <a:t> </a:t>
-            </a:r>
-            <a:r>
-              <a:rPr lang="en-US" sz="1600" b="1" dirty="0">
-                <a:solidFill>
-                  <a:srgbClr val="666666"/>
-                </a:solidFill>
-                <a:latin typeface="Inconsolata Medium" panose="020B0609030003000000" pitchFamily="49" charset="77"/>
-              </a:rPr>
-              <a:t>+=</a:t>
-            </a:r>
-            <a:r>
-              <a:rPr lang="en-US" sz="1600" b="1" dirty="0">
-                <a:latin typeface="Inconsolata Medium" panose="020B0609030003000000" pitchFamily="49" charset="77"/>
-              </a:rPr>
-              <a:t> </a:t>
-            </a:r>
-            <a:r>
-              <a:rPr lang="en-US" sz="1600" b="1" dirty="0" err="1">
-                <a:latin typeface="Inconsolata Medium" panose="020B0609030003000000" pitchFamily="49" charset="77"/>
-              </a:rPr>
-              <a:t>self.speed</a:t>
-            </a:r>
-            <a:endParaRPr lang="en-US" sz="1600" b="1" dirty="0">
+              <a:t>	</a:t>
+            </a:r>
+            <a:r>
+              <a:rPr lang="en-US" sz="2000" b="1" dirty="0" err="1">
+                <a:solidFill>
+                  <a:srgbClr val="FF0000"/>
+                </a:solidFill>
+                <a:latin typeface="Inconsolata Medium" panose="020B0609030003000000" pitchFamily="49" charset="77"/>
+              </a:rPr>
+              <a:t>e</a:t>
+            </a:r>
+            <a:r>
+              <a:rPr lang="en-US" sz="2000" b="1" dirty="0" err="1">
+                <a:solidFill>
+                  <a:srgbClr val="004BD7"/>
+                </a:solidFill>
+                <a:latin typeface="Inconsolata Medium" panose="020B0609030003000000" pitchFamily="49" charset="77"/>
+              </a:rPr>
+              <a:t>.move</a:t>
+            </a:r>
+            <a:r>
+              <a:rPr lang="en-US" sz="2000" b="1" dirty="0">
+                <a:solidFill>
+                  <a:srgbClr val="004BD7"/>
+                </a:solidFill>
+                <a:latin typeface="Inconsolata Medium" panose="020B0609030003000000" pitchFamily="49" charset="77"/>
+              </a:rPr>
+              <a:t>()</a:t>
+            </a:r>
+          </a:p>
+          <a:p>
+            <a:pPr marL="0" indent="0">
+              <a:buNone/>
+            </a:pPr>
+            <a:r>
+              <a:rPr lang="en-US" sz="2000" b="1" dirty="0">
+                <a:solidFill>
+                  <a:srgbClr val="004BD7"/>
+                </a:solidFill>
+                <a:latin typeface="Inconsolata Medium" panose="020B0609030003000000" pitchFamily="49" charset="77"/>
+              </a:rPr>
+              <a:t>	print(</a:t>
+            </a:r>
+            <a:r>
+              <a:rPr lang="en-US" sz="2000" b="1" dirty="0" err="1">
+                <a:solidFill>
+                  <a:srgbClr val="004BD7"/>
+                </a:solidFill>
+                <a:latin typeface="Inconsolata Medium" panose="020B0609030003000000" pitchFamily="49" charset="77"/>
+              </a:rPr>
+              <a:t>e.x</a:t>
+            </a:r>
+            <a:r>
+              <a:rPr lang="en-US" sz="2000" b="1" dirty="0">
+                <a:solidFill>
+                  <a:srgbClr val="004BD7"/>
+                </a:solidFill>
+                <a:latin typeface="Inconsolata Medium" panose="020B0609030003000000" pitchFamily="49" charset="77"/>
+              </a:rPr>
+              <a:t>)</a:t>
+            </a:r>
+            <a:r>
+              <a:rPr lang="en-US" sz="2000" b="1" dirty="0">
+                <a:solidFill>
+                  <a:srgbClr val="4070A0"/>
+                </a:solidFill>
+                <a:latin typeface="Inconsolata Medium" panose="020B0609030003000000" pitchFamily="49" charset="77"/>
+              </a:rPr>
+              <a:t>  # 95</a:t>
+            </a:r>
+            <a:endParaRPr lang="en-US" sz="1900" b="1" dirty="0">
               <a:solidFill>
-                <a:srgbClr val="000000"/>
+                <a:srgbClr val="4070A0"/>
               </a:solidFill>
               <a:latin typeface="Inconsolata Medium" panose="020B0609030003000000" pitchFamily="49" charset="77"/>
             </a:endParaRPr>
@@ -10738,234 +14170,10 @@
               <a:buNone/>
             </a:pPr>
             <a:r>
-              <a:rPr lang="en-US" sz="1600" b="1" dirty="0">
-                <a:solidFill>
-                  <a:srgbClr val="000000"/>
-                </a:solidFill>
-                <a:latin typeface="Inconsolata Medium" panose="020B0609030003000000" pitchFamily="49" charset="77"/>
-              </a:rPr>
-              <a:t>def</a:t>
-            </a:r>
-            <a:r>
-              <a:rPr lang="en-US" sz="1600" b="1" dirty="0">
-                <a:latin typeface="Inconsolata Medium" panose="020B0609030003000000" pitchFamily="49" charset="77"/>
-              </a:rPr>
-              <a:t> </a:t>
-            </a:r>
-            <a:r>
-              <a:rPr lang="en-US" sz="1600" b="1" dirty="0">
-                <a:solidFill>
-                  <a:srgbClr val="06287E"/>
-                </a:solidFill>
-                <a:latin typeface="Inconsolata Medium" panose="020B0609030003000000" pitchFamily="49" charset="77"/>
-              </a:rPr>
-              <a:t>main</a:t>
-            </a:r>
-            <a:r>
-              <a:rPr lang="en-US" sz="1600" b="1" dirty="0">
-                <a:latin typeface="Inconsolata Medium" panose="020B0609030003000000" pitchFamily="49" charset="77"/>
-              </a:rPr>
-              <a:t>():</a:t>
-            </a:r>
-          </a:p>
-          <a:p>
-            <a:pPr marL="0" indent="0">
-              <a:buNone/>
-            </a:pPr>
-            <a:r>
-              <a:rPr lang="en-US" sz="1600" b="1" dirty="0">
-                <a:latin typeface="Inconsolata Medium" panose="020B0609030003000000" pitchFamily="49" charset="77"/>
-              </a:rPr>
-              <a:t>	</a:t>
-            </a:r>
-            <a:r>
-              <a:rPr lang="en-US" sz="1600" b="1" dirty="0">
-                <a:solidFill>
-                  <a:srgbClr val="004BD7"/>
-                </a:solidFill>
-                <a:latin typeface="Inconsolata Medium" panose="020B0609030003000000" pitchFamily="49" charset="77"/>
-              </a:rPr>
-              <a:t>enemies</a:t>
-            </a:r>
-            <a:r>
-              <a:rPr lang="en-US" sz="1600" b="1" dirty="0">
-                <a:latin typeface="Inconsolata Medium" panose="020B0609030003000000" pitchFamily="49" charset="77"/>
-              </a:rPr>
-              <a:t> = []</a:t>
-            </a:r>
-          </a:p>
-          <a:p>
-            <a:pPr marL="0" indent="0">
-              <a:buNone/>
-            </a:pPr>
-            <a:r>
-              <a:rPr lang="en-US" sz="1600" b="1" dirty="0">
-                <a:latin typeface="Inconsolata Medium" panose="020B0609030003000000" pitchFamily="49" charset="77"/>
-              </a:rPr>
-              <a:t>	for i in range(10):</a:t>
-            </a:r>
-          </a:p>
-          <a:p>
-            <a:pPr marL="0" indent="0">
-              <a:buNone/>
-            </a:pPr>
-            <a:r>
-              <a:rPr lang="en-US" sz="1600" b="1" dirty="0">
-                <a:latin typeface="Inconsolata Medium" panose="020B0609030003000000" pitchFamily="49" charset="77"/>
-              </a:rPr>
-              <a:t>		</a:t>
-            </a:r>
-            <a:r>
-              <a:rPr lang="en-US" sz="1600" b="1" dirty="0">
-                <a:solidFill>
-                  <a:srgbClr val="004BD7"/>
-                </a:solidFill>
-                <a:latin typeface="Inconsolata Medium" panose="020B0609030003000000" pitchFamily="49" charset="77"/>
-              </a:rPr>
-              <a:t>x</a:t>
-            </a:r>
-            <a:r>
-              <a:rPr lang="en-US" sz="1600" b="1" dirty="0">
-                <a:latin typeface="Inconsolata Medium" panose="020B0609030003000000" pitchFamily="49" charset="77"/>
-              </a:rPr>
-              <a:t> = </a:t>
-            </a:r>
-            <a:r>
-              <a:rPr lang="en-US" sz="1600" b="1" dirty="0" err="1">
-                <a:latin typeface="Inconsolata Medium" panose="020B0609030003000000" pitchFamily="49" charset="77"/>
-              </a:rPr>
-              <a:t>random.randrange</a:t>
-            </a:r>
-            <a:r>
-              <a:rPr lang="en-US" sz="1600" b="1" dirty="0">
-                <a:latin typeface="Inconsolata Medium" panose="020B0609030003000000" pitchFamily="49" charset="77"/>
-              </a:rPr>
-              <a:t>(0, 800)</a:t>
-            </a:r>
-          </a:p>
-          <a:p>
-            <a:pPr marL="0" indent="0">
-              <a:buNone/>
-            </a:pPr>
-            <a:r>
-              <a:rPr lang="en-US" sz="1600" b="1" dirty="0">
-                <a:latin typeface="Inconsolata Medium" panose="020B0609030003000000" pitchFamily="49" charset="77"/>
-              </a:rPr>
-              <a:t>		</a:t>
-            </a:r>
-            <a:r>
-              <a:rPr lang="en-US" sz="1600" b="1" dirty="0" err="1">
-                <a:latin typeface="Inconsolata Medium" panose="020B0609030003000000" pitchFamily="49" charset="77"/>
-              </a:rPr>
-              <a:t>enemies.append</a:t>
-            </a:r>
-            <a:r>
-              <a:rPr lang="en-US" sz="1600" b="1" dirty="0">
-                <a:latin typeface="Inconsolata Medium" panose="020B0609030003000000" pitchFamily="49" charset="77"/>
-              </a:rPr>
-              <a:t>(Character(“</a:t>
-            </a:r>
-            <a:r>
-              <a:rPr lang="en-US" sz="1600" b="1" dirty="0" err="1">
-                <a:latin typeface="Inconsolata Medium" panose="020B0609030003000000" pitchFamily="49" charset="77"/>
-              </a:rPr>
-              <a:t>Goomba</a:t>
-            </a:r>
-            <a:r>
-              <a:rPr lang="en-US" sz="1600" b="1" dirty="0">
-                <a:latin typeface="Inconsolata Medium" panose="020B0609030003000000" pitchFamily="49" charset="77"/>
-              </a:rPr>
-              <a:t>”, x, 5))</a:t>
-            </a:r>
-          </a:p>
-          <a:p>
-            <a:pPr marL="0" indent="0">
-              <a:buNone/>
-            </a:pPr>
-            <a:r>
-              <a:rPr lang="en-US" sz="1600" b="1" dirty="0">
+              <a:rPr lang="en-US" sz="1900" b="1" dirty="0">
                 <a:latin typeface="Inconsolata Medium" panose="020B0609030003000000" pitchFamily="49" charset="77"/>
               </a:rPr>
               <a:t>main()		</a:t>
-            </a:r>
-          </a:p>
-        </p:txBody>
-      </p:sp>
-      <p:sp>
-        <p:nvSpPr>
-          <p:cNvPr id="4" name="TextBox 3">
-            <a:extLst>
-              <a:ext uri="{FF2B5EF4-FFF2-40B4-BE49-F238E27FC236}">
-                <a16:creationId xmlns:a16="http://schemas.microsoft.com/office/drawing/2014/main" id="{557F7968-AE4D-9746-81FE-F79B57BD6EFE}"/>
-              </a:ext>
-            </a:extLst>
-          </p:cNvPr>
-          <p:cNvSpPr txBox="1"/>
-          <p:nvPr/>
-        </p:nvSpPr>
-        <p:spPr>
-          <a:xfrm>
-            <a:off x="4950520" y="2580689"/>
-            <a:ext cx="3221908" cy="1477328"/>
-          </a:xfrm>
-          <a:prstGeom prst="rect">
-            <a:avLst/>
-          </a:prstGeom>
-          <a:noFill/>
-        </p:spPr>
-        <p:txBody>
-          <a:bodyPr wrap="none" rtlCol="0">
-            <a:spAutoFit/>
-          </a:bodyPr>
-          <a:lstStyle/>
-          <a:p>
-            <a:r>
-              <a:rPr lang="en-US" sz="1800" dirty="0">
-                <a:solidFill>
-                  <a:srgbClr val="FF0000"/>
-                </a:solidFill>
-              </a:rPr>
-              <a:t>The utility of writing a class is </a:t>
-            </a:r>
-          </a:p>
-          <a:p>
-            <a:r>
-              <a:rPr lang="en-US" sz="1800" dirty="0">
-                <a:solidFill>
-                  <a:srgbClr val="FF0000"/>
-                </a:solidFill>
-              </a:rPr>
-              <a:t>that we can create many objects</a:t>
-            </a:r>
-          </a:p>
-          <a:p>
-            <a:r>
-              <a:rPr lang="en-US" sz="1800" dirty="0">
-                <a:solidFill>
-                  <a:srgbClr val="FF0000"/>
-                </a:solidFill>
-              </a:rPr>
-              <a:t>or instances of that class. </a:t>
-            </a:r>
-          </a:p>
-          <a:p>
-            <a:r>
-              <a:rPr lang="en-US" sz="1800" dirty="0">
-                <a:solidFill>
-                  <a:srgbClr val="FF0000"/>
-                </a:solidFill>
-              </a:rPr>
-              <a:t>This code for example create 10</a:t>
-            </a:r>
-          </a:p>
-          <a:p>
-            <a:r>
-              <a:rPr lang="en-US" sz="1800" dirty="0">
-                <a:solidFill>
-                  <a:srgbClr val="FF0000"/>
-                </a:solidFill>
-              </a:rPr>
-              <a:t>randomized Character objects.</a:t>
             </a:r>
           </a:p>
         </p:txBody>
@@ -10975,7 +14183,7 @@
           <p:cNvPr id="5" name="Straight Arrow Connector 4">
             <a:extLst>
               <a:ext uri="{FF2B5EF4-FFF2-40B4-BE49-F238E27FC236}">
-                <a16:creationId xmlns:a16="http://schemas.microsoft.com/office/drawing/2014/main" id="{3734FE02-600C-2A44-BC16-F394E2FB5293}"/>
+                <a16:creationId xmlns:a16="http://schemas.microsoft.com/office/drawing/2014/main" id="{2ACA8F3D-2AEE-0146-8A7F-D08353AD1C3A}"/>
               </a:ext>
             </a:extLst>
           </p:cNvPr>
@@ -10985,9 +14193,9 @@
           <p:nvPr/>
         </p:nvCxnSpPr>
         <p:spPr>
-          <a:xfrm flipH="1">
-            <a:off x="5127476" y="4161041"/>
-            <a:ext cx="660532" cy="555476"/>
+          <a:xfrm flipV="1">
+            <a:off x="1385271" y="2296633"/>
+            <a:ext cx="1113380" cy="2307846"/>
           </a:xfrm>
           <a:prstGeom prst="straightConnector1">
             <a:avLst/>
@@ -11011,10 +14219,49 @@
           </a:fontRef>
         </p:style>
       </p:cxnSp>
+      <p:sp>
+        <p:nvSpPr>
+          <p:cNvPr id="7" name="TextBox 6">
+            <a:extLst>
+              <a:ext uri="{FF2B5EF4-FFF2-40B4-BE49-F238E27FC236}">
+                <a16:creationId xmlns:a16="http://schemas.microsoft.com/office/drawing/2014/main" id="{A9401C64-AC9A-004F-A248-696EF36A106F}"/>
+              </a:ext>
+            </a:extLst>
+          </p:cNvPr>
+          <p:cNvSpPr txBox="1"/>
+          <p:nvPr/>
+        </p:nvSpPr>
+        <p:spPr>
+          <a:xfrm>
+            <a:off x="5048914" y="3450556"/>
+            <a:ext cx="3717563" cy="400110"/>
+          </a:xfrm>
+          <a:prstGeom prst="rect">
+            <a:avLst/>
+          </a:prstGeom>
+          <a:noFill/>
+        </p:spPr>
+        <p:txBody>
+          <a:bodyPr wrap="square" rtlCol="0">
+            <a:spAutoFit/>
+          </a:bodyPr>
+          <a:lstStyle/>
+          <a:p>
+            <a:r>
+              <a:rPr lang="en-US" sz="2000" dirty="0">
+                <a:solidFill>
+                  <a:srgbClr val="FF0000"/>
+                </a:solidFill>
+              </a:rPr>
+              <a:t>In this case, e is being moved. </a:t>
+            </a:r>
+          </a:p>
+        </p:txBody>
+      </p:sp>
     </p:spTree>
     <p:extLst>
       <p:ext uri="{BB962C8B-B14F-4D97-AF65-F5344CB8AC3E}">
-        <p14:creationId xmlns:p14="http://schemas.microsoft.com/office/powerpoint/2010/main" val="1403592009"/>
+        <p14:creationId xmlns:p14="http://schemas.microsoft.com/office/powerpoint/2010/main" val="649473723"/>
       </p:ext>
     </p:extLst>
   </p:cSld>
@@ -11069,7 +14316,7 @@
           <a:p>
             <a:r>
               <a:rPr lang="en-US" dirty="0"/>
-              <a:t>game3.py</a:t>
+              <a:t>game2.py</a:t>
             </a:r>
           </a:p>
         </p:txBody>
@@ -11093,7 +14340,7 @@
         <p:spPr>
           <a:xfrm>
             <a:off x="483848" y="998483"/>
-            <a:ext cx="8051725" cy="4641741"/>
+            <a:ext cx="8051725" cy="4404149"/>
           </a:xfrm>
         </p:spPr>
         <p:txBody>
@@ -11106,286 +14353,199 @@
               <a:buNone/>
             </a:pPr>
             <a:r>
-              <a:rPr lang="en-US" sz="1600" b="1" dirty="0">
+              <a:rPr lang="en-US" sz="1900" b="1" dirty="0">
                 <a:solidFill>
                   <a:srgbClr val="000000"/>
                 </a:solidFill>
                 <a:latin typeface="Inconsolata Medium" panose="020B0609030003000000" pitchFamily="49" charset="77"/>
               </a:rPr>
-              <a:t>import random</a:t>
-            </a:r>
-          </a:p>
-          <a:p>
-            <a:pPr marL="0" indent="0">
-              <a:buNone/>
-            </a:pPr>
-            <a:r>
-              <a:rPr lang="en-US" sz="1600" b="1" dirty="0">
+              <a:t>class</a:t>
+            </a:r>
+            <a:r>
+              <a:rPr lang="en-US" sz="1900" b="1" dirty="0">
+                <a:latin typeface="Inconsolata Medium" panose="020B0609030003000000" pitchFamily="49" charset="77"/>
+              </a:rPr>
+              <a:t> </a:t>
+            </a:r>
+            <a:r>
+              <a:rPr lang="en-US" sz="1900" b="1" dirty="0">
+                <a:solidFill>
+                  <a:srgbClr val="0E84B5"/>
+                </a:solidFill>
+                <a:latin typeface="Inconsolata Medium" panose="020B0609030003000000" pitchFamily="49" charset="77"/>
+              </a:rPr>
+              <a:t>Character</a:t>
+            </a:r>
+            <a:r>
+              <a:rPr lang="en-US" sz="1900" b="1" dirty="0">
+                <a:latin typeface="Inconsolata Medium" panose="020B0609030003000000" pitchFamily="49" charset="77"/>
+              </a:rPr>
+              <a:t>: </a:t>
+            </a:r>
+          </a:p>
+          <a:p>
+            <a:pPr marL="0" indent="0">
+              <a:buNone/>
+            </a:pPr>
+            <a:r>
+              <a:rPr lang="en-US" sz="1900" b="1" dirty="0">
                 <a:solidFill>
                   <a:srgbClr val="000000"/>
                 </a:solidFill>
                 <a:latin typeface="Inconsolata Medium" panose="020B0609030003000000" pitchFamily="49" charset="77"/>
               </a:rPr>
-              <a:t>class</a:t>
-            </a:r>
-            <a:r>
-              <a:rPr lang="en-US" sz="1600" b="1" dirty="0">
+              <a:t>	def</a:t>
+            </a:r>
+            <a:r>
+              <a:rPr lang="en-US" sz="1900" b="1" dirty="0">
                 <a:latin typeface="Inconsolata Medium" panose="020B0609030003000000" pitchFamily="49" charset="77"/>
               </a:rPr>
               <a:t> </a:t>
             </a:r>
             <a:r>
-              <a:rPr lang="en-US" sz="1600" b="1" dirty="0">
-                <a:solidFill>
-                  <a:srgbClr val="0E84B5"/>
-                </a:solidFill>
-                <a:latin typeface="Inconsolata Medium" panose="020B0609030003000000" pitchFamily="49" charset="77"/>
-              </a:rPr>
-              <a:t>Character</a:t>
-            </a:r>
-            <a:r>
-              <a:rPr lang="en-US" sz="1600" b="1" dirty="0">
-                <a:latin typeface="Inconsolata Medium" panose="020B0609030003000000" pitchFamily="49" charset="77"/>
-              </a:rPr>
-              <a:t>: </a:t>
-            </a:r>
-          </a:p>
-          <a:p>
-            <a:pPr marL="0" indent="0">
-              <a:buNone/>
-            </a:pPr>
-            <a:r>
-              <a:rPr lang="en-US" sz="1600" b="1" dirty="0">
-                <a:solidFill>
-                  <a:srgbClr val="000000"/>
-                </a:solidFill>
-                <a:latin typeface="Inconsolata Medium" panose="020B0609030003000000" pitchFamily="49" charset="77"/>
-              </a:rPr>
-              <a:t>	def</a:t>
-            </a:r>
-            <a:r>
-              <a:rPr lang="en-US" sz="1600" b="1" dirty="0">
+              <a:rPr lang="en-US" sz="1900" b="1" dirty="0">
+                <a:solidFill>
+                  <a:srgbClr val="06287E"/>
+                </a:solidFill>
+                <a:latin typeface="Inconsolata Medium" panose="020B0609030003000000" pitchFamily="49" charset="77"/>
+              </a:rPr>
+              <a:t>__</a:t>
+            </a:r>
+            <a:r>
+              <a:rPr lang="en-US" sz="1900" b="1" dirty="0" err="1">
+                <a:solidFill>
+                  <a:srgbClr val="06287E"/>
+                </a:solidFill>
+                <a:latin typeface="Inconsolata Medium" panose="020B0609030003000000" pitchFamily="49" charset="77"/>
+              </a:rPr>
+              <a:t>init</a:t>
+            </a:r>
+            <a:r>
+              <a:rPr lang="en-US" sz="1900" b="1" dirty="0">
+                <a:solidFill>
+                  <a:srgbClr val="06287E"/>
+                </a:solidFill>
+                <a:latin typeface="Inconsolata Medium" panose="020B0609030003000000" pitchFamily="49" charset="77"/>
+              </a:rPr>
+              <a:t>__</a:t>
+            </a:r>
+            <a:r>
+              <a:rPr lang="en-US" sz="1900" b="1" dirty="0">
+                <a:latin typeface="Inconsolata Medium" panose="020B0609030003000000" pitchFamily="49" charset="77"/>
+              </a:rPr>
+              <a:t>(</a:t>
+            </a:r>
+            <a:r>
+              <a:rPr lang="en-US" sz="1900" b="1" dirty="0">
+                <a:solidFill>
+                  <a:srgbClr val="004BD7"/>
+                </a:solidFill>
+                <a:latin typeface="Inconsolata Medium" panose="020B0609030003000000" pitchFamily="49" charset="77"/>
+              </a:rPr>
+              <a:t>self, </a:t>
+            </a:r>
+            <a:r>
+              <a:rPr lang="en-US" sz="1900" b="1" dirty="0" err="1">
+                <a:solidFill>
+                  <a:srgbClr val="004BD7"/>
+                </a:solidFill>
+                <a:latin typeface="Inconsolata Medium" panose="020B0609030003000000" pitchFamily="49" charset="77"/>
+              </a:rPr>
+              <a:t>i_name</a:t>
+            </a:r>
+            <a:r>
+              <a:rPr lang="en-US" sz="1900" b="1" dirty="0">
+                <a:solidFill>
+                  <a:srgbClr val="004BD7"/>
+                </a:solidFill>
+                <a:latin typeface="Inconsolata Medium" panose="020B0609030003000000" pitchFamily="49" charset="77"/>
+              </a:rPr>
+              <a:t>, </a:t>
+            </a:r>
+            <a:r>
+              <a:rPr lang="en-US" sz="1900" b="1" dirty="0" err="1">
+                <a:solidFill>
+                  <a:srgbClr val="004BD7"/>
+                </a:solidFill>
+                <a:latin typeface="Inconsolata Medium" panose="020B0609030003000000" pitchFamily="49" charset="77"/>
+              </a:rPr>
+              <a:t>i_x</a:t>
+            </a:r>
+            <a:r>
+              <a:rPr lang="en-US" sz="1900" b="1" dirty="0">
+                <a:solidFill>
+                  <a:srgbClr val="004BD7"/>
+                </a:solidFill>
+                <a:latin typeface="Inconsolata Medium" panose="020B0609030003000000" pitchFamily="49" charset="77"/>
+              </a:rPr>
+              <a:t>, </a:t>
+            </a:r>
+            <a:r>
+              <a:rPr lang="en-US" sz="1900" b="1" dirty="0" err="1">
+                <a:solidFill>
+                  <a:srgbClr val="004BD7"/>
+                </a:solidFill>
+                <a:latin typeface="Inconsolata Medium" panose="020B0609030003000000" pitchFamily="49" charset="77"/>
+              </a:rPr>
+              <a:t>i_speed</a:t>
+            </a:r>
+            <a:r>
+              <a:rPr lang="en-US" sz="1900" b="1" dirty="0">
+                <a:latin typeface="Inconsolata Medium" panose="020B0609030003000000" pitchFamily="49" charset="77"/>
+              </a:rPr>
+              <a:t>): 		</a:t>
+            </a:r>
+          </a:p>
+          <a:p>
+            <a:pPr marL="0" indent="0">
+              <a:buNone/>
+            </a:pPr>
+            <a:r>
+              <a:rPr lang="en-US" sz="1900" b="1" dirty="0">
+                <a:solidFill>
+                  <a:srgbClr val="004BD7"/>
+                </a:solidFill>
+                <a:latin typeface="Inconsolata Medium" panose="020B0609030003000000" pitchFamily="49" charset="77"/>
+              </a:rPr>
+              <a:t>		</a:t>
+            </a:r>
+            <a:r>
+              <a:rPr lang="en-US" sz="1900" b="1" dirty="0" err="1">
+                <a:solidFill>
+                  <a:srgbClr val="004BD7"/>
+                </a:solidFill>
+                <a:latin typeface="Inconsolata Medium" panose="020B0609030003000000" pitchFamily="49" charset="77"/>
+              </a:rPr>
+              <a:t>self.name</a:t>
+            </a:r>
+            <a:r>
+              <a:rPr lang="en-US" sz="1900" b="1" dirty="0">
                 <a:latin typeface="Inconsolata Medium" panose="020B0609030003000000" pitchFamily="49" charset="77"/>
               </a:rPr>
               <a:t> </a:t>
             </a:r>
             <a:r>
-              <a:rPr lang="en-US" sz="1600" b="1" dirty="0">
-                <a:solidFill>
-                  <a:srgbClr val="06287E"/>
-                </a:solidFill>
-                <a:latin typeface="Inconsolata Medium" panose="020B0609030003000000" pitchFamily="49" charset="77"/>
-              </a:rPr>
-              <a:t>__</a:t>
-            </a:r>
-            <a:r>
-              <a:rPr lang="en-US" sz="1600" b="1" dirty="0" err="1">
-                <a:solidFill>
-                  <a:srgbClr val="06287E"/>
-                </a:solidFill>
-                <a:latin typeface="Inconsolata Medium" panose="020B0609030003000000" pitchFamily="49" charset="77"/>
-              </a:rPr>
-              <a:t>init</a:t>
-            </a:r>
-            <a:r>
-              <a:rPr lang="en-US" sz="1600" b="1" dirty="0">
-                <a:solidFill>
-                  <a:srgbClr val="06287E"/>
-                </a:solidFill>
-                <a:latin typeface="Inconsolata Medium" panose="020B0609030003000000" pitchFamily="49" charset="77"/>
-              </a:rPr>
-              <a:t>__</a:t>
-            </a:r>
-            <a:r>
-              <a:rPr lang="en-US" sz="1600" b="1" dirty="0">
-                <a:latin typeface="Inconsolata Medium" panose="020B0609030003000000" pitchFamily="49" charset="77"/>
-              </a:rPr>
-              <a:t>(</a:t>
-            </a:r>
-            <a:r>
-              <a:rPr lang="en-US" sz="1600" b="1" dirty="0">
-                <a:solidFill>
-                  <a:srgbClr val="004BD7"/>
-                </a:solidFill>
-                <a:latin typeface="Inconsolata Medium" panose="020B0609030003000000" pitchFamily="49" charset="77"/>
-              </a:rPr>
-              <a:t>self, </a:t>
-            </a:r>
-            <a:r>
-              <a:rPr lang="en-US" sz="1600" b="1" dirty="0" err="1">
-                <a:solidFill>
-                  <a:srgbClr val="004BD7"/>
-                </a:solidFill>
+              <a:rPr lang="en-US" sz="1900" b="1" dirty="0">
+                <a:solidFill>
+                  <a:srgbClr val="666666"/>
+                </a:solidFill>
+                <a:latin typeface="Inconsolata Medium" panose="020B0609030003000000" pitchFamily="49" charset="77"/>
+              </a:rPr>
+              <a:t>=</a:t>
+            </a:r>
+            <a:r>
+              <a:rPr lang="en-US" sz="1900" b="1" dirty="0">
+                <a:latin typeface="Inconsolata Medium" panose="020B0609030003000000" pitchFamily="49" charset="77"/>
+              </a:rPr>
+              <a:t> </a:t>
+            </a:r>
+            <a:r>
+              <a:rPr lang="en-US" sz="1900" b="1" dirty="0" err="1">
                 <a:latin typeface="Inconsolata Medium" panose="020B0609030003000000" pitchFamily="49" charset="77"/>
               </a:rPr>
               <a:t>i_name</a:t>
             </a:r>
-            <a:r>
-              <a:rPr lang="en-US" sz="1600" b="1" dirty="0">
-                <a:solidFill>
-                  <a:srgbClr val="004BD7"/>
-                </a:solidFill>
-                <a:latin typeface="Inconsolata Medium" panose="020B0609030003000000" pitchFamily="49" charset="77"/>
-              </a:rPr>
-              <a:t>, </a:t>
-            </a:r>
-            <a:r>
-              <a:rPr lang="en-US" sz="1600" b="1" dirty="0" err="1">
-                <a:solidFill>
-                  <a:srgbClr val="004BD7"/>
-                </a:solidFill>
-                <a:latin typeface="Inconsolata Medium" panose="020B0609030003000000" pitchFamily="49" charset="77"/>
-              </a:rPr>
-              <a:t>i_x</a:t>
-            </a:r>
-            <a:r>
-              <a:rPr lang="en-US" sz="1600" b="1" dirty="0">
-                <a:solidFill>
-                  <a:srgbClr val="004BD7"/>
-                </a:solidFill>
-                <a:latin typeface="Inconsolata Medium" panose="020B0609030003000000" pitchFamily="49" charset="77"/>
-              </a:rPr>
-              <a:t>, </a:t>
-            </a:r>
-            <a:r>
-              <a:rPr lang="en-US" sz="1600" b="1" dirty="0" err="1">
-                <a:solidFill>
-                  <a:srgbClr val="004BD7"/>
-                </a:solidFill>
-                <a:latin typeface="Inconsolata Medium" panose="020B0609030003000000" pitchFamily="49" charset="77"/>
-              </a:rPr>
-              <a:t>i_speed</a:t>
-            </a:r>
-            <a:r>
-              <a:rPr lang="en-US" sz="1600" b="1" dirty="0">
-                <a:latin typeface="Inconsolata Medium" panose="020B0609030003000000" pitchFamily="49" charset="77"/>
-              </a:rPr>
-              <a:t>): </a:t>
-            </a:r>
-            <a:r>
-              <a:rPr lang="en-US" sz="1600" b="1" dirty="0">
-                <a:solidFill>
-                  <a:srgbClr val="004BD7"/>
-                </a:solidFill>
-                <a:latin typeface="Inconsolata Medium" panose="020B0609030003000000" pitchFamily="49" charset="77"/>
-              </a:rPr>
-              <a:t>…</a:t>
-            </a:r>
-            <a:r>
-              <a:rPr lang="en-US" sz="1600" b="1" dirty="0">
-                <a:solidFill>
-                  <a:srgbClr val="000000"/>
-                </a:solidFill>
-                <a:latin typeface="Inconsolata Medium" panose="020B0609030003000000" pitchFamily="49" charset="77"/>
-              </a:rPr>
-              <a:t>	</a:t>
-            </a:r>
-          </a:p>
-          <a:p>
-            <a:pPr marL="0" indent="0">
-              <a:buNone/>
-            </a:pPr>
-            <a:r>
-              <a:rPr lang="en-US" sz="1600" b="1" dirty="0">
-                <a:solidFill>
-                  <a:srgbClr val="000000"/>
-                </a:solidFill>
-                <a:latin typeface="Inconsolata Medium" panose="020B0609030003000000" pitchFamily="49" charset="77"/>
-              </a:rPr>
-              <a:t>	def</a:t>
-            </a:r>
-            <a:r>
-              <a:rPr lang="en-US" sz="1600" b="1" dirty="0">
-                <a:latin typeface="Inconsolata Medium" panose="020B0609030003000000" pitchFamily="49" charset="77"/>
-              </a:rPr>
-              <a:t> </a:t>
-            </a:r>
-            <a:r>
-              <a:rPr lang="en-US" sz="1600" b="1" dirty="0">
-                <a:solidFill>
-                  <a:srgbClr val="06287E"/>
-                </a:solidFill>
-                <a:latin typeface="Inconsolata Medium" panose="020B0609030003000000" pitchFamily="49" charset="77"/>
-              </a:rPr>
-              <a:t>move</a:t>
-            </a:r>
-            <a:r>
-              <a:rPr lang="en-US" sz="1600" b="1" dirty="0">
-                <a:latin typeface="Inconsolata Medium" panose="020B0609030003000000" pitchFamily="49" charset="77"/>
-              </a:rPr>
-              <a:t>(</a:t>
-            </a:r>
-            <a:r>
-              <a:rPr lang="en-US" sz="1600" b="1" dirty="0">
-                <a:solidFill>
-                  <a:srgbClr val="004BD7"/>
-                </a:solidFill>
-                <a:latin typeface="Inconsolata Medium" panose="020B0609030003000000" pitchFamily="49" charset="77"/>
-              </a:rPr>
-              <a:t>self</a:t>
-            </a:r>
-            <a:r>
-              <a:rPr lang="en-US" sz="1600" b="1" dirty="0">
-                <a:latin typeface="Inconsolata Medium" panose="020B0609030003000000" pitchFamily="49" charset="77"/>
-              </a:rPr>
-              <a:t>): …</a:t>
-            </a:r>
-          </a:p>
-          <a:p>
-            <a:pPr marL="0" indent="0">
-              <a:buNone/>
-            </a:pPr>
-            <a:r>
-              <a:rPr lang="en-US" sz="1600" b="1" dirty="0">
-                <a:solidFill>
-                  <a:srgbClr val="000000"/>
-                </a:solidFill>
-                <a:latin typeface="Inconsolata Medium" panose="020B0609030003000000" pitchFamily="49" charset="77"/>
-              </a:rPr>
-              <a:t>	def</a:t>
-            </a:r>
-            <a:r>
-              <a:rPr lang="en-US" sz="1600" b="1" dirty="0">
-                <a:latin typeface="Inconsolata Medium" panose="020B0609030003000000" pitchFamily="49" charset="77"/>
-              </a:rPr>
-              <a:t> </a:t>
-            </a:r>
-            <a:r>
-              <a:rPr lang="en-US" sz="1600" b="1" dirty="0">
-                <a:solidFill>
-                  <a:srgbClr val="06287E"/>
-                </a:solidFill>
-                <a:latin typeface="Inconsolata Medium" panose="020B0609030003000000" pitchFamily="49" charset="77"/>
-              </a:rPr>
-              <a:t>shoot</a:t>
-            </a:r>
-            <a:r>
-              <a:rPr lang="en-US" sz="1600" b="1" dirty="0">
-                <a:latin typeface="Inconsolata Medium" panose="020B0609030003000000" pitchFamily="49" charset="77"/>
-              </a:rPr>
-              <a:t>(</a:t>
-            </a:r>
-            <a:r>
-              <a:rPr lang="en-US" sz="1600" b="1" dirty="0">
-                <a:solidFill>
-                  <a:srgbClr val="004BD7"/>
-                </a:solidFill>
-                <a:latin typeface="Inconsolata Medium" panose="020B0609030003000000" pitchFamily="49" charset="77"/>
-              </a:rPr>
-              <a:t>self, target</a:t>
-            </a:r>
-            <a:r>
-              <a:rPr lang="en-US" sz="1600" b="1" dirty="0">
-                <a:latin typeface="Inconsolata Medium" panose="020B0609030003000000" pitchFamily="49" charset="77"/>
-              </a:rPr>
-              <a:t>): …</a:t>
-            </a:r>
-          </a:p>
-          <a:p>
-            <a:pPr marL="0" indent="0">
-              <a:buNone/>
-            </a:pPr>
-            <a:endParaRPr lang="en-US" sz="1600" b="1" dirty="0">
+            <a:endParaRPr lang="en-US" sz="1900" b="1" dirty="0">
               <a:latin typeface="Inconsolata Medium" panose="020B0609030003000000" pitchFamily="49" charset="77"/>
             </a:endParaRPr>
           </a:p>
@@ -11394,22 +14554,228 @@
               <a:buNone/>
             </a:pPr>
             <a:r>
-              <a:rPr lang="en-US" sz="1600" b="1" dirty="0">
+              <a:rPr lang="en-US" sz="1900" b="1" dirty="0">
+                <a:solidFill>
+                  <a:srgbClr val="4070A0"/>
+                </a:solidFill>
+                <a:latin typeface="Inconsolata Medium" panose="020B0609030003000000" pitchFamily="49" charset="77"/>
+              </a:rPr>
+              <a:t>		</a:t>
+            </a:r>
+            <a:r>
+              <a:rPr lang="en-US" sz="1900" b="1" dirty="0" err="1">
+                <a:solidFill>
+                  <a:srgbClr val="004BD7"/>
+                </a:solidFill>
+                <a:latin typeface="Inconsolata Medium" panose="020B0609030003000000" pitchFamily="49" charset="77"/>
+              </a:rPr>
+              <a:t>self.x</a:t>
+            </a:r>
+            <a:r>
+              <a:rPr lang="en-US" sz="1900" b="1" dirty="0">
+                <a:latin typeface="Inconsolata Medium" panose="020B0609030003000000" pitchFamily="49" charset="77"/>
+              </a:rPr>
+              <a:t> </a:t>
+            </a:r>
+            <a:r>
+              <a:rPr lang="en-US" sz="1900" b="1" dirty="0">
+                <a:solidFill>
+                  <a:srgbClr val="666666"/>
+                </a:solidFill>
+                <a:latin typeface="Inconsolata Medium" panose="020B0609030003000000" pitchFamily="49" charset="77"/>
+              </a:rPr>
+              <a:t>=</a:t>
+            </a:r>
+            <a:r>
+              <a:rPr lang="en-US" sz="1900" b="1" dirty="0">
+                <a:latin typeface="Inconsolata Medium" panose="020B0609030003000000" pitchFamily="49" charset="77"/>
+              </a:rPr>
+              <a:t> </a:t>
+            </a:r>
+            <a:r>
+              <a:rPr lang="en-US" sz="1900" b="1" dirty="0" err="1">
+                <a:latin typeface="Inconsolata Medium" panose="020B0609030003000000" pitchFamily="49" charset="77"/>
+              </a:rPr>
+              <a:t>i_x</a:t>
+            </a:r>
+            <a:endParaRPr lang="en-US" sz="1900" b="1" dirty="0">
+              <a:latin typeface="Inconsolata Medium" panose="020B0609030003000000" pitchFamily="49" charset="77"/>
+            </a:endParaRPr>
+          </a:p>
+          <a:p>
+            <a:pPr marL="0" indent="0">
+              <a:buNone/>
+            </a:pPr>
+            <a:r>
+              <a:rPr lang="en-US" sz="1900" b="1" dirty="0">
+                <a:solidFill>
+                  <a:srgbClr val="4070A0"/>
+                </a:solidFill>
+                <a:latin typeface="Inconsolata Medium" panose="020B0609030003000000" pitchFamily="49" charset="77"/>
+              </a:rPr>
+              <a:t>		</a:t>
+            </a:r>
+            <a:r>
+              <a:rPr lang="en-US" sz="1900" b="1" dirty="0" err="1">
+                <a:solidFill>
+                  <a:srgbClr val="004BD7"/>
+                </a:solidFill>
+                <a:latin typeface="Inconsolata Medium" panose="020B0609030003000000" pitchFamily="49" charset="77"/>
+              </a:rPr>
+              <a:t>self.speed</a:t>
+            </a:r>
+            <a:r>
+              <a:rPr lang="en-US" sz="1900" b="1" dirty="0">
+                <a:latin typeface="Inconsolata Medium" panose="020B0609030003000000" pitchFamily="49" charset="77"/>
+              </a:rPr>
+              <a:t> </a:t>
+            </a:r>
+            <a:r>
+              <a:rPr lang="en-US" sz="1900" b="1" dirty="0">
+                <a:solidFill>
+                  <a:srgbClr val="666666"/>
+                </a:solidFill>
+                <a:latin typeface="Inconsolata Medium" panose="020B0609030003000000" pitchFamily="49" charset="77"/>
+              </a:rPr>
+              <a:t>=</a:t>
+            </a:r>
+            <a:r>
+              <a:rPr lang="en-US" sz="1900" b="1" dirty="0">
+                <a:latin typeface="Inconsolata Medium" panose="020B0609030003000000" pitchFamily="49" charset="77"/>
+              </a:rPr>
+              <a:t> </a:t>
+            </a:r>
+            <a:r>
+              <a:rPr lang="en-US" sz="1900" b="1" dirty="0" err="1">
+                <a:latin typeface="Inconsolata Medium" panose="020B0609030003000000" pitchFamily="49" charset="77"/>
+              </a:rPr>
+              <a:t>i_speed</a:t>
+            </a:r>
+            <a:endParaRPr lang="en-US" sz="1900" b="1" dirty="0">
+              <a:latin typeface="Inconsolata Medium" panose="020B0609030003000000" pitchFamily="49" charset="77"/>
+            </a:endParaRPr>
+          </a:p>
+          <a:p>
+            <a:pPr marL="0" indent="0">
+              <a:buNone/>
+            </a:pPr>
+            <a:r>
+              <a:rPr lang="en-US" sz="1900" b="1" dirty="0">
                 <a:solidFill>
                   <a:srgbClr val="000000"/>
                 </a:solidFill>
                 <a:latin typeface="Inconsolata Medium" panose="020B0609030003000000" pitchFamily="49" charset="77"/>
               </a:rPr>
+              <a:t>	def</a:t>
+            </a:r>
+            <a:r>
+              <a:rPr lang="en-US" sz="1900" b="1" dirty="0">
+                <a:latin typeface="Inconsolata Medium" panose="020B0609030003000000" pitchFamily="49" charset="77"/>
+              </a:rPr>
+              <a:t> </a:t>
+            </a:r>
+            <a:r>
+              <a:rPr lang="en-US" sz="1900" b="1" dirty="0">
+                <a:solidFill>
+                  <a:srgbClr val="06287E"/>
+                </a:solidFill>
+                <a:latin typeface="Inconsolata Medium" panose="020B0609030003000000" pitchFamily="49" charset="77"/>
+              </a:rPr>
+              <a:t>move</a:t>
+            </a:r>
+            <a:r>
+              <a:rPr lang="en-US" sz="1900" b="1" dirty="0">
+                <a:latin typeface="Inconsolata Medium" panose="020B0609030003000000" pitchFamily="49" charset="77"/>
+              </a:rPr>
+              <a:t>(</a:t>
+            </a:r>
+            <a:r>
+              <a:rPr lang="en-US" sz="1900" b="1" dirty="0">
+                <a:solidFill>
+                  <a:srgbClr val="004BD7"/>
+                </a:solidFill>
+                <a:latin typeface="Inconsolata Medium" panose="020B0609030003000000" pitchFamily="49" charset="77"/>
+              </a:rPr>
+              <a:t>self</a:t>
+            </a:r>
+            <a:r>
+              <a:rPr lang="en-US" sz="1900" b="1" dirty="0">
+                <a:latin typeface="Inconsolata Medium" panose="020B0609030003000000" pitchFamily="49" charset="77"/>
+              </a:rPr>
+              <a:t>):</a:t>
+            </a:r>
+          </a:p>
+          <a:p>
+            <a:pPr marL="0" indent="0">
+              <a:buNone/>
+            </a:pPr>
+            <a:r>
+              <a:rPr lang="en-US" sz="1900" b="1" dirty="0">
+                <a:latin typeface="Inconsolata Medium" panose="020B0609030003000000" pitchFamily="49" charset="77"/>
+              </a:rPr>
+              <a:t>		</a:t>
+            </a:r>
+            <a:r>
+              <a:rPr lang="en-US" sz="1900" b="1" dirty="0" err="1">
+                <a:solidFill>
+                  <a:srgbClr val="004BD7"/>
+                </a:solidFill>
+                <a:latin typeface="Inconsolata Medium" panose="020B0609030003000000" pitchFamily="49" charset="77"/>
+              </a:rPr>
+              <a:t>self.x</a:t>
+            </a:r>
+            <a:r>
+              <a:rPr lang="en-US" sz="1900" b="1" dirty="0">
+                <a:latin typeface="Inconsolata Medium" panose="020B0609030003000000" pitchFamily="49" charset="77"/>
+              </a:rPr>
+              <a:t> </a:t>
+            </a:r>
+            <a:r>
+              <a:rPr lang="en-US" sz="1900" b="1" dirty="0">
+                <a:solidFill>
+                  <a:srgbClr val="666666"/>
+                </a:solidFill>
+                <a:latin typeface="Inconsolata Medium" panose="020B0609030003000000" pitchFamily="49" charset="77"/>
+              </a:rPr>
+              <a:t>+=</a:t>
+            </a:r>
+            <a:r>
+              <a:rPr lang="en-US" sz="1900" b="1" dirty="0">
+                <a:latin typeface="Inconsolata Medium" panose="020B0609030003000000" pitchFamily="49" charset="77"/>
+              </a:rPr>
+              <a:t> </a:t>
+            </a:r>
+            <a:r>
+              <a:rPr lang="en-US" sz="1900" b="1" dirty="0" err="1">
+                <a:latin typeface="Inconsolata Medium" panose="020B0609030003000000" pitchFamily="49" charset="77"/>
+              </a:rPr>
+              <a:t>self.speed</a:t>
+            </a:r>
+            <a:endParaRPr lang="en-US" sz="1900" b="1" dirty="0">
+              <a:latin typeface="Inconsolata Medium" panose="020B0609030003000000" pitchFamily="49" charset="77"/>
+            </a:endParaRPr>
+          </a:p>
+          <a:p>
+            <a:pPr marL="0" indent="0">
+              <a:buNone/>
+            </a:pPr>
+            <a:r>
+              <a:rPr lang="en-US" sz="1900" b="1" dirty="0">
+                <a:solidFill>
+                  <a:srgbClr val="000000"/>
+                </a:solidFill>
+                <a:latin typeface="Inconsolata Medium" panose="020B0609030003000000" pitchFamily="49" charset="77"/>
+              </a:rPr>
               <a:t>def</a:t>
             </a:r>
             <a:r>
-              <a:rPr lang="en-US" sz="1600" b="1" dirty="0">
+              <a:rPr lang="en-US" sz="1900" b="1" dirty="0">
                 <a:latin typeface="Inconsolata Medium" panose="020B0609030003000000" pitchFamily="49" charset="77"/>
               </a:rPr>
               <a:t> </a:t>
             </a:r>
             <a:r>
-              <a:rPr lang="en-US" sz="1600" b="1" dirty="0">
+              <a:rPr lang="en-US" sz="1900" b="1" dirty="0">
                 <a:solidFill>
                   <a:srgbClr val="06287E"/>
                 </a:solidFill>
@@ -11418,7 +14784,7 @@
               <a:t>main</a:t>
             </a:r>
             <a:r>
-              <a:rPr lang="en-US" sz="1600" b="1" dirty="0">
+              <a:rPr lang="en-US" sz="1900" b="1" dirty="0">
                 <a:latin typeface="Inconsolata Medium" panose="020B0609030003000000" pitchFamily="49" charset="77"/>
               </a:rPr>
               <a:t>():</a:t>
@@ -11429,28 +14795,28 @@
               <a:buNone/>
             </a:pPr>
             <a:r>
-              <a:rPr lang="en-US" sz="1600" b="1" dirty="0">
+              <a:rPr lang="en-US" sz="1900" b="1" dirty="0">
                 <a:latin typeface="Inconsolata Medium" panose="020B0609030003000000" pitchFamily="49" charset="77"/>
               </a:rPr>
               <a:t>	</a:t>
             </a:r>
             <a:r>
-              <a:rPr lang="en-US" sz="1600" b="1" dirty="0">
-                <a:solidFill>
-                  <a:srgbClr val="004BD7"/>
-                </a:solidFill>
-                <a:latin typeface="Inconsolata Medium" panose="020B0609030003000000" pitchFamily="49" charset="77"/>
-              </a:rPr>
-              <a:t>p</a:t>
-            </a:r>
-            <a:r>
-              <a:rPr lang="en-US" sz="1600" b="1" dirty="0">
+              <a:rPr lang="en-US" sz="1900" b="1" dirty="0">
+                <a:solidFill>
+                  <a:srgbClr val="004BD7"/>
+                </a:solidFill>
+                <a:latin typeface="Inconsolata Medium" panose="020B0609030003000000" pitchFamily="49" charset="77"/>
+              </a:rPr>
+              <a:t>p1</a:t>
+            </a:r>
+            <a:r>
+              <a:rPr lang="en-US" sz="1900" b="1" dirty="0">
                 <a:latin typeface="Inconsolata Medium" panose="020B0609030003000000" pitchFamily="49" charset="77"/>
               </a:rPr>
               <a:t> </a:t>
             </a:r>
             <a:r>
-              <a:rPr lang="en-US" sz="1600" b="1" dirty="0">
+              <a:rPr lang="en-US" sz="1900" b="1" dirty="0">
                 <a:solidFill>
                   <a:srgbClr val="666666"/>
                 </a:solidFill>
@@ -11459,39 +14825,39 @@
               <a:t>=</a:t>
             </a:r>
             <a:r>
-              <a:rPr lang="en-US" sz="1600" b="1" dirty="0">
-                <a:latin typeface="Inconsolata Medium" panose="020B0609030003000000" pitchFamily="49" charset="77"/>
-              </a:rPr>
-              <a:t> Character(“Mario”, 10, 4)</a:t>
-            </a:r>
-          </a:p>
-          <a:p>
-            <a:pPr marL="0" indent="0">
-              <a:buNone/>
-            </a:pPr>
-            <a:r>
-              <a:rPr lang="en-US" sz="1600" b="1">
+              <a:rPr lang="en-US" sz="1900" b="1" dirty="0">
+                <a:latin typeface="Inconsolata Medium" panose="020B0609030003000000" pitchFamily="49" charset="77"/>
+              </a:rPr>
+              <a:t> Character(“Jack”, 10, 4)</a:t>
+            </a:r>
+          </a:p>
+          <a:p>
+            <a:pPr marL="0" indent="0">
+              <a:buNone/>
+            </a:pPr>
+            <a:r>
+              <a:rPr lang="en-US" sz="1900" b="1" dirty="0">
                 <a:latin typeface="Inconsolata Medium" panose="020B0609030003000000" pitchFamily="49" charset="77"/>
               </a:rPr>
               <a:t>	</a:t>
             </a:r>
             <a:r>
-              <a:rPr lang="en-US" sz="1600" b="1">
-                <a:solidFill>
-                  <a:srgbClr val="004BD7"/>
-                </a:solidFill>
-                <a:latin typeface="Inconsolata Medium" panose="020B0609030003000000" pitchFamily="49" charset="77"/>
-              </a:rPr>
-              <a:t>e</a:t>
-            </a:r>
-            <a:r>
-              <a:rPr lang="en-US" sz="1600" b="1">
+              <a:rPr lang="en-US" sz="1900" b="1" dirty="0">
+                <a:solidFill>
+                  <a:srgbClr val="004BD7"/>
+                </a:solidFill>
+                <a:latin typeface="Inconsolata Medium" panose="020B0609030003000000" pitchFamily="49" charset="77"/>
+              </a:rPr>
+              <a:t>p2</a:t>
+            </a:r>
+            <a:r>
+              <a:rPr lang="en-US" sz="1900" b="1" dirty="0">
                 <a:latin typeface="Inconsolata Medium" panose="020B0609030003000000" pitchFamily="49" charset="77"/>
               </a:rPr>
               <a:t> </a:t>
             </a:r>
             <a:r>
-              <a:rPr lang="en-US" sz="1600" b="1" dirty="0">
+              <a:rPr lang="en-US" sz="1900" b="1" dirty="0">
                 <a:solidFill>
                   <a:srgbClr val="666666"/>
                 </a:solidFill>
@@ -11500,24 +14866,24 @@
               <a:t>=</a:t>
             </a:r>
             <a:r>
-              <a:rPr lang="en-US" sz="1600" b="1" dirty="0">
-                <a:latin typeface="Inconsolata Medium" panose="020B0609030003000000" pitchFamily="49" charset="77"/>
-              </a:rPr>
-              <a:t> Character(“Bowser”, 20, -3)</a:t>
-            </a:r>
-          </a:p>
-          <a:p>
-            <a:pPr marL="0" indent="0">
-              <a:buNone/>
-            </a:pPr>
-            <a:r>
-              <a:rPr lang="en-US" sz="1600" b="1" dirty="0">
+              <a:rPr lang="en-US" sz="1900" b="1" dirty="0">
+                <a:latin typeface="Inconsolata Medium" panose="020B0609030003000000" pitchFamily="49" charset="77"/>
+              </a:rPr>
+              <a:t> Character(“Jill”, 20, -3)</a:t>
+            </a:r>
+          </a:p>
+          <a:p>
+            <a:pPr marL="0" indent="0">
+              <a:buNone/>
+            </a:pPr>
+            <a:r>
+              <a:rPr lang="en-US" sz="1900" b="1" dirty="0">
                 <a:latin typeface="Inconsolata Medium" panose="020B0609030003000000" pitchFamily="49" charset="77"/>
               </a:rPr>
               <a:t>	</a:t>
             </a:r>
             <a:r>
-              <a:rPr lang="en-US" sz="1600" b="1" dirty="0">
+              <a:rPr lang="en-US" sz="1900" b="1" dirty="0">
                 <a:solidFill>
                   <a:srgbClr val="004BD7"/>
                 </a:solidFill>
@@ -11526,7 +14892,7 @@
               <a:t>p1.move() </a:t>
             </a:r>
             <a:r>
-              <a:rPr lang="en-US" sz="1400" b="1" dirty="0">
+              <a:rPr lang="en-US" sz="1800" b="1" dirty="0">
                 <a:solidFill>
                   <a:srgbClr val="4070A0"/>
                 </a:solidFill>
@@ -11534,13 +14900,45 @@
               </a:rPr>
               <a:t># p1.x = 14</a:t>
             </a:r>
-          </a:p>
-          <a:p>
-            <a:pPr marL="0" indent="0">
-              <a:buNone/>
-            </a:pPr>
-            <a:r>
-              <a:rPr lang="en-US" sz="1600" b="1" dirty="0">
+            <a:endParaRPr lang="en-US" sz="1900" b="1" dirty="0">
+              <a:solidFill>
+                <a:srgbClr val="004BD7"/>
+              </a:solidFill>
+              <a:latin typeface="Inconsolata Medium" panose="020B0609030003000000" pitchFamily="49" charset="77"/>
+            </a:endParaRPr>
+          </a:p>
+          <a:p>
+            <a:pPr marL="0" indent="0">
+              <a:buNone/>
+            </a:pPr>
+            <a:r>
+              <a:rPr lang="en-US" sz="1900" b="1" dirty="0">
+                <a:solidFill>
+                  <a:srgbClr val="004BD7"/>
+                </a:solidFill>
+                <a:latin typeface="Inconsolata Medium" panose="020B0609030003000000" pitchFamily="49" charset="77"/>
+              </a:rPr>
+              <a:t>	p2.move() </a:t>
+            </a:r>
+            <a:r>
+              <a:rPr lang="en-US" sz="1800" b="1" dirty="0">
+                <a:solidFill>
+                  <a:srgbClr val="4070A0"/>
+                </a:solidFill>
+                <a:latin typeface="Inconsolata Medium" panose="020B0609030003000000" pitchFamily="49" charset="77"/>
+              </a:rPr>
+              <a:t># p2.x = 17</a:t>
+            </a:r>
+            <a:endParaRPr lang="en-US" sz="1900" b="1" dirty="0">
+              <a:latin typeface="Inconsolata Medium" panose="020B0609030003000000" pitchFamily="49" charset="77"/>
+            </a:endParaRPr>
+          </a:p>
+          <a:p>
+            <a:pPr marL="0" indent="0">
+              <a:buNone/>
+            </a:pPr>
+            <a:r>
+              <a:rPr lang="en-US" sz="1900" b="1" dirty="0">
                 <a:latin typeface="Inconsolata Medium" panose="020B0609030003000000" pitchFamily="49" charset="77"/>
               </a:rPr>
               <a:t>main()		</a:t>
@@ -11548,130 +14946,10 @@
           </a:p>
         </p:txBody>
       </p:sp>
-      <p:sp>
-        <p:nvSpPr>
-          <p:cNvPr id="4" name="TextBox 3">
-            <a:extLst>
-              <a:ext uri="{FF2B5EF4-FFF2-40B4-BE49-F238E27FC236}">
-                <a16:creationId xmlns:a16="http://schemas.microsoft.com/office/drawing/2014/main" id="{557F7968-AE4D-9746-81FE-F79B57BD6EFE}"/>
-              </a:ext>
-            </a:extLst>
-          </p:cNvPr>
-          <p:cNvSpPr txBox="1"/>
-          <p:nvPr/>
-        </p:nvSpPr>
-        <p:spPr>
-          <a:xfrm>
-            <a:off x="4950520" y="2580689"/>
-            <a:ext cx="3221908" cy="1477328"/>
-          </a:xfrm>
-          <a:prstGeom prst="rect">
-            <a:avLst/>
-          </a:prstGeom>
-          <a:noFill/>
-        </p:spPr>
-        <p:txBody>
-          <a:bodyPr wrap="none" rtlCol="0">
-            <a:spAutoFit/>
-          </a:bodyPr>
-          <a:lstStyle/>
-          <a:p>
-            <a:r>
-              <a:rPr lang="en-US" sz="1800" dirty="0">
-                <a:solidFill>
-                  <a:srgbClr val="FF0000"/>
-                </a:solidFill>
-              </a:rPr>
-              <a:t>The utility of writing a class is </a:t>
-            </a:r>
-          </a:p>
-          <a:p>
-            <a:r>
-              <a:rPr lang="en-US" sz="1800" dirty="0">
-                <a:solidFill>
-                  <a:srgbClr val="FF0000"/>
-                </a:solidFill>
-              </a:rPr>
-              <a:t>that we can create many objects</a:t>
-            </a:r>
-          </a:p>
-          <a:p>
-            <a:r>
-              <a:rPr lang="en-US" sz="1800" dirty="0">
-                <a:solidFill>
-                  <a:srgbClr val="FF0000"/>
-                </a:solidFill>
-              </a:rPr>
-              <a:t>or instances of that class. </a:t>
-            </a:r>
-          </a:p>
-          <a:p>
-            <a:r>
-              <a:rPr lang="en-US" sz="1800" dirty="0">
-                <a:solidFill>
-                  <a:srgbClr val="FF0000"/>
-                </a:solidFill>
-              </a:rPr>
-              <a:t>This code for example create 10</a:t>
-            </a:r>
-          </a:p>
-          <a:p>
-            <a:r>
-              <a:rPr lang="en-US" sz="1800" dirty="0">
-                <a:solidFill>
-                  <a:srgbClr val="FF0000"/>
-                </a:solidFill>
-              </a:rPr>
-              <a:t>randomized Character objects.</a:t>
-            </a:r>
-          </a:p>
-        </p:txBody>
-      </p:sp>
-      <p:cxnSp>
-        <p:nvCxnSpPr>
-          <p:cNvPr id="5" name="Straight Arrow Connector 4">
-            <a:extLst>
-              <a:ext uri="{FF2B5EF4-FFF2-40B4-BE49-F238E27FC236}">
-                <a16:creationId xmlns:a16="http://schemas.microsoft.com/office/drawing/2014/main" id="{3734FE02-600C-2A44-BC16-F394E2FB5293}"/>
-              </a:ext>
-            </a:extLst>
-          </p:cNvPr>
-          <p:cNvCxnSpPr>
-            <a:cxnSpLocks/>
-          </p:cNvCxnSpPr>
-          <p:nvPr/>
-        </p:nvCxnSpPr>
-        <p:spPr>
-          <a:xfrm flipH="1">
-            <a:off x="5127476" y="4161041"/>
-            <a:ext cx="660532" cy="555476"/>
-          </a:xfrm>
-          <a:prstGeom prst="straightConnector1">
-            <a:avLst/>
-          </a:prstGeom>
-          <a:ln w="25400">
-            <a:tailEnd type="triangle"/>
-          </a:ln>
-        </p:spPr>
-        <p:style>
-          <a:lnRef idx="1">
-            <a:schemeClr val="dk1"/>
-          </a:lnRef>
-          <a:fillRef idx="0">
-            <a:schemeClr val="dk1"/>
-          </a:fillRef>
-          <a:effectRef idx="0">
-            <a:schemeClr val="dk1"/>
-          </a:effectRef>
-          <a:fontRef idx="minor">
-            <a:schemeClr val="tx1"/>
-          </a:fontRef>
-        </p:style>
-      </p:cxnSp>
     </p:spTree>
     <p:extLst>
       <p:ext uri="{BB962C8B-B14F-4D97-AF65-F5344CB8AC3E}">
-        <p14:creationId xmlns:p14="http://schemas.microsoft.com/office/powerpoint/2010/main" val="1520390356"/>
+        <p14:creationId xmlns:p14="http://schemas.microsoft.com/office/powerpoint/2010/main" val="3036972376"/>
       </p:ext>
     </p:extLst>
   </p:cSld>

--- a/courses/apcsp/lect9.pptx
+++ b/courses/apcsp/lect9.pptx
@@ -156,7 +156,7 @@
   <pc:docChgLst>
     <pc:chgData name="Long B Nguyen" userId="f59fb8f3-a021-417a-8bc1-65c8d471c621" providerId="ADAL" clId="{59CB9C7B-CBC7-E549-B176-97F9C29CB310}"/>
     <pc:docChg chg="undo custSel addSld delSld modSld">
-      <pc:chgData name="Long B Nguyen" userId="f59fb8f3-a021-417a-8bc1-65c8d471c621" providerId="ADAL" clId="{59CB9C7B-CBC7-E549-B176-97F9C29CB310}" dt="2019-11-12T15:21:29.376" v="11990"/>
+      <pc:chgData name="Long B Nguyen" userId="f59fb8f3-a021-417a-8bc1-65c8d471c621" providerId="ADAL" clId="{59CB9C7B-CBC7-E549-B176-97F9C29CB310}" dt="2019-11-13T15:47:44.019" v="11994" actId="20577"/>
       <pc:docMkLst>
         <pc:docMk/>
       </pc:docMkLst>
@@ -176,7 +176,7 @@
         </pc:spChg>
       </pc:sldChg>
       <pc:sldChg chg="modSp">
-        <pc:chgData name="Long B Nguyen" userId="f59fb8f3-a021-417a-8bc1-65c8d471c621" providerId="ADAL" clId="{59CB9C7B-CBC7-E549-B176-97F9C29CB310}" dt="2019-11-12T01:11:38.632" v="9417" actId="20577"/>
+        <pc:chgData name="Long B Nguyen" userId="f59fb8f3-a021-417a-8bc1-65c8d471c621" providerId="ADAL" clId="{59CB9C7B-CBC7-E549-B176-97F9C29CB310}" dt="2019-11-13T15:47:44.019" v="11994" actId="20577"/>
         <pc:sldMkLst>
           <pc:docMk/>
           <pc:sldMk cId="278045358" sldId="257"/>
@@ -190,7 +190,7 @@
           </ac:spMkLst>
         </pc:spChg>
         <pc:spChg chg="mod">
-          <ac:chgData name="Long B Nguyen" userId="f59fb8f3-a021-417a-8bc1-65c8d471c621" providerId="ADAL" clId="{59CB9C7B-CBC7-E549-B176-97F9C29CB310}" dt="2019-11-09T20:55:22.721" v="4434" actId="113"/>
+          <ac:chgData name="Long B Nguyen" userId="f59fb8f3-a021-417a-8bc1-65c8d471c621" providerId="ADAL" clId="{59CB9C7B-CBC7-E549-B176-97F9C29CB310}" dt="2019-11-13T15:47:44.019" v="11994" actId="20577"/>
           <ac:spMkLst>
             <pc:docMk/>
             <pc:sldMk cId="278045358" sldId="257"/>
@@ -1491,7 +1491,7 @@
           <a:p>
             <a:fld id="{4AAD347D-5ACD-4C99-B74B-A9C85AD731AF}" type="datetimeFigureOut">
               <a:rPr lang="en-US" smtClean="0"/>
-              <a:t>11/12/19</a:t>
+              <a:t>11/13/19</a:t>
             </a:fld>
             <a:endParaRPr lang="en-US" dirty="0"/>
           </a:p>
@@ -1661,7 +1661,7 @@
           <a:p>
             <a:fld id="{4509A250-FF31-4206-8172-F9D3106AACB1}" type="datetimeFigureOut">
               <a:rPr lang="en-US" smtClean="0"/>
-              <a:t>11/12/19</a:t>
+              <a:t>11/13/19</a:t>
             </a:fld>
             <a:endParaRPr lang="en-US" dirty="0"/>
           </a:p>
@@ -1841,7 +1841,7 @@
           <a:p>
             <a:fld id="{4509A250-FF31-4206-8172-F9D3106AACB1}" type="datetimeFigureOut">
               <a:rPr lang="en-US" smtClean="0"/>
-              <a:t>11/12/19</a:t>
+              <a:t>11/13/19</a:t>
             </a:fld>
             <a:endParaRPr lang="en-US" dirty="0"/>
           </a:p>
@@ -2011,7 +2011,7 @@
           <a:p>
             <a:fld id="{4509A250-FF31-4206-8172-F9D3106AACB1}" type="datetimeFigureOut">
               <a:rPr lang="en-US" smtClean="0"/>
-              <a:t>11/12/19</a:t>
+              <a:t>11/13/19</a:t>
             </a:fld>
             <a:endParaRPr lang="en-US" dirty="0"/>
           </a:p>
@@ -2257,7 +2257,7 @@
           <a:p>
             <a:fld id="{9796027F-7875-4030-9381-8BD8C4F21935}" type="datetimeFigureOut">
               <a:rPr lang="en-US" smtClean="0"/>
-              <a:t>11/12/19</a:t>
+              <a:t>11/13/19</a:t>
             </a:fld>
             <a:endParaRPr lang="en-US" dirty="0"/>
           </a:p>
@@ -2489,7 +2489,7 @@
           <a:p>
             <a:fld id="{9796027F-7875-4030-9381-8BD8C4F21935}" type="datetimeFigureOut">
               <a:rPr lang="en-US" smtClean="0"/>
-              <a:t>11/12/19</a:t>
+              <a:t>11/13/19</a:t>
             </a:fld>
             <a:endParaRPr lang="en-US" dirty="0"/>
           </a:p>
@@ -2856,7 +2856,7 @@
           <a:p>
             <a:fld id="{9796027F-7875-4030-9381-8BD8C4F21935}" type="datetimeFigureOut">
               <a:rPr lang="en-US" smtClean="0"/>
-              <a:t>11/12/19</a:t>
+              <a:t>11/13/19</a:t>
             </a:fld>
             <a:endParaRPr lang="en-US" dirty="0"/>
           </a:p>
@@ -2974,7 +2974,7 @@
           <a:p>
             <a:fld id="{4509A250-FF31-4206-8172-F9D3106AACB1}" type="datetimeFigureOut">
               <a:rPr lang="en-US" smtClean="0"/>
-              <a:t>11/12/19</a:t>
+              <a:t>11/13/19</a:t>
             </a:fld>
             <a:endParaRPr lang="en-US" dirty="0"/>
           </a:p>
@@ -3069,7 +3069,7 @@
           <a:p>
             <a:fld id="{4509A250-FF31-4206-8172-F9D3106AACB1}" type="datetimeFigureOut">
               <a:rPr lang="en-US" smtClean="0"/>
-              <a:t>11/12/19</a:t>
+              <a:t>11/13/19</a:t>
             </a:fld>
             <a:endParaRPr lang="en-US" dirty="0"/>
           </a:p>
@@ -3346,7 +3346,7 @@
           <a:p>
             <a:fld id="{4509A250-FF31-4206-8172-F9D3106AACB1}" type="datetimeFigureOut">
               <a:rPr lang="en-US" smtClean="0"/>
-              <a:t>11/12/19</a:t>
+              <a:t>11/13/19</a:t>
             </a:fld>
             <a:endParaRPr lang="en-US" dirty="0"/>
           </a:p>
@@ -3603,7 +3603,7 @@
           <a:p>
             <a:fld id="{4509A250-FF31-4206-8172-F9D3106AACB1}" type="datetimeFigureOut">
               <a:rPr lang="en-US" smtClean="0"/>
-              <a:t>11/12/19</a:t>
+              <a:t>11/13/19</a:t>
             </a:fld>
             <a:endParaRPr lang="en-US" dirty="0"/>
           </a:p>
@@ -3816,7 +3816,7 @@
           <a:p>
             <a:fld id="{4AAD347D-5ACD-4C99-B74B-A9C85AD731AF}" type="datetimeFigureOut">
               <a:rPr lang="en-US" smtClean="0"/>
-              <a:t>11/12/19</a:t>
+              <a:t>11/13/19</a:t>
             </a:fld>
             <a:endParaRPr lang="en-US" dirty="0"/>
           </a:p>
@@ -20083,19 +20083,13 @@
               <a:rPr lang="en-US" sz="2000" b="1" dirty="0">
                 <a:latin typeface="Inconsolata Medium" panose="020B0609030003000000" pitchFamily="49" charset="77"/>
               </a:rPr>
-              <a:t>print(type(</a:t>
-            </a:r>
-            <a:r>
-              <a:rPr lang="en-US" sz="2000" b="1" dirty="0" err="1">
-                <a:latin typeface="Inconsolata Medium" panose="020B0609030003000000" pitchFamily="49" charset="77"/>
-              </a:rPr>
-              <a:t>lst</a:t>
-            </a:r>
-            <a:r>
-              <a:rPr lang="en-US" sz="2000" b="1" dirty="0">
-                <a:latin typeface="Inconsolata Medium" panose="020B0609030003000000" pitchFamily="49" charset="77"/>
-              </a:rPr>
-              <a:t>)) </a:t>
+              <a:t>print(</a:t>
+            </a:r>
+            <a:r>
+              <a:rPr lang="en-US" sz="2000" b="1">
+                <a:latin typeface="Inconsolata Medium" panose="020B0609030003000000" pitchFamily="49" charset="77"/>
+              </a:rPr>
+              <a:t>type(a)) </a:t>
             </a:r>
             <a:r>
               <a:rPr lang="en-US" sz="2000" b="1" dirty="0">

--- a/courses/apcsp/lect9.pptx
+++ b/courses/apcsp/lect9.pptx
@@ -27,16 +27,17 @@
     <p:sldId id="346" r:id="rId21"/>
     <p:sldId id="347" r:id="rId22"/>
     <p:sldId id="348" r:id="rId23"/>
-    <p:sldId id="349" r:id="rId24"/>
-    <p:sldId id="350" r:id="rId25"/>
-    <p:sldId id="351" r:id="rId26"/>
-    <p:sldId id="337" r:id="rId27"/>
-    <p:sldId id="338" r:id="rId28"/>
-    <p:sldId id="549" r:id="rId29"/>
-    <p:sldId id="551" r:id="rId30"/>
-    <p:sldId id="546" r:id="rId31"/>
-    <p:sldId id="552" r:id="rId32"/>
-    <p:sldId id="284" r:id="rId33"/>
+    <p:sldId id="351" r:id="rId24"/>
+    <p:sldId id="349" r:id="rId25"/>
+    <p:sldId id="350" r:id="rId26"/>
+    <p:sldId id="553" r:id="rId27"/>
+    <p:sldId id="337" r:id="rId28"/>
+    <p:sldId id="338" r:id="rId29"/>
+    <p:sldId id="549" r:id="rId30"/>
+    <p:sldId id="551" r:id="rId31"/>
+    <p:sldId id="546" r:id="rId32"/>
+    <p:sldId id="552" r:id="rId33"/>
+    <p:sldId id="284" r:id="rId34"/>
   </p:sldIdLst>
   <p:sldSz cx="9144000" cy="5715000" type="screen16x10"/>
   <p:notesSz cx="6858000" cy="9144000"/>
@@ -146,7 +147,7 @@
 <file path=ppt/revisionInfo.xml><?xml version="1.0" encoding="utf-8"?>
 <p1510:revInfo xmlns:a="http://schemas.openxmlformats.org/drawingml/2006/main" xmlns:r="http://schemas.openxmlformats.org/officeDocument/2006/relationships" xmlns:p1510="http://schemas.microsoft.com/office/powerpoint/2015/10/main">
   <p1510:revLst>
-    <p1510:client id="{59CB9C7B-CBC7-E549-B176-97F9C29CB310}" v="3579" dt="2019-11-12T15:21:29.378"/>
+    <p1510:client id="{59CB9C7B-CBC7-E549-B176-97F9C29CB310}" v="4072" dt="2019-11-13T16:02:48.087"/>
   </p1510:revLst>
 </p1510:revInfo>
 </file>
@@ -156,7 +157,7 @@
   <pc:docChgLst>
     <pc:chgData name="Long B Nguyen" userId="f59fb8f3-a021-417a-8bc1-65c8d471c621" providerId="ADAL" clId="{59CB9C7B-CBC7-E549-B176-97F9C29CB310}"/>
     <pc:docChg chg="undo custSel addSld delSld modSld">
-      <pc:chgData name="Long B Nguyen" userId="f59fb8f3-a021-417a-8bc1-65c8d471c621" providerId="ADAL" clId="{59CB9C7B-CBC7-E549-B176-97F9C29CB310}" dt="2019-11-13T15:47:44.019" v="11994" actId="20577"/>
+      <pc:chgData name="Long B Nguyen" userId="f59fb8f3-a021-417a-8bc1-65c8d471c621" providerId="ADAL" clId="{59CB9C7B-CBC7-E549-B176-97F9C29CB310}" dt="2019-11-13T16:02:48.086" v="12552" actId="255"/>
       <pc:docMkLst>
         <pc:docMk/>
       </pc:docMkLst>
@@ -176,7 +177,7 @@
         </pc:spChg>
       </pc:sldChg>
       <pc:sldChg chg="modSp">
-        <pc:chgData name="Long B Nguyen" userId="f59fb8f3-a021-417a-8bc1-65c8d471c621" providerId="ADAL" clId="{59CB9C7B-CBC7-E549-B176-97F9C29CB310}" dt="2019-11-13T15:47:44.019" v="11994" actId="20577"/>
+        <pc:chgData name="Long B Nguyen" userId="f59fb8f3-a021-417a-8bc1-65c8d471c621" providerId="ADAL" clId="{59CB9C7B-CBC7-E549-B176-97F9C29CB310}" dt="2019-11-13T15:49:37.520" v="12034" actId="20577"/>
         <pc:sldMkLst>
           <pc:docMk/>
           <pc:sldMk cId="278045358" sldId="257"/>
@@ -190,7 +191,7 @@
           </ac:spMkLst>
         </pc:spChg>
         <pc:spChg chg="mod">
-          <ac:chgData name="Long B Nguyen" userId="f59fb8f3-a021-417a-8bc1-65c8d471c621" providerId="ADAL" clId="{59CB9C7B-CBC7-E549-B176-97F9C29CB310}" dt="2019-11-13T15:47:44.019" v="11994" actId="20577"/>
+          <ac:chgData name="Long B Nguyen" userId="f59fb8f3-a021-417a-8bc1-65c8d471c621" providerId="ADAL" clId="{59CB9C7B-CBC7-E549-B176-97F9C29CB310}" dt="2019-11-13T15:49:37.520" v="12034" actId="20577"/>
           <ac:spMkLst>
             <pc:docMk/>
             <pc:sldMk cId="278045358" sldId="257"/>
@@ -214,13 +215,13 @@
         </pc:spChg>
       </pc:sldChg>
       <pc:sldChg chg="modSp">
-        <pc:chgData name="Long B Nguyen" userId="f59fb8f3-a021-417a-8bc1-65c8d471c621" providerId="ADAL" clId="{59CB9C7B-CBC7-E549-B176-97F9C29CB310}" dt="2019-11-12T14:59:02.659" v="11110" actId="20577"/>
+        <pc:chgData name="Long B Nguyen" userId="f59fb8f3-a021-417a-8bc1-65c8d471c621" providerId="ADAL" clId="{59CB9C7B-CBC7-E549-B176-97F9C29CB310}" dt="2019-11-13T15:48:40.306" v="11995" actId="20577"/>
         <pc:sldMkLst>
           <pc:docMk/>
           <pc:sldMk cId="131840209" sldId="286"/>
         </pc:sldMkLst>
         <pc:spChg chg="mod">
-          <ac:chgData name="Long B Nguyen" userId="f59fb8f3-a021-417a-8bc1-65c8d471c621" providerId="ADAL" clId="{59CB9C7B-CBC7-E549-B176-97F9C29CB310}" dt="2019-11-12T14:59:02.659" v="11110" actId="20577"/>
+          <ac:chgData name="Long B Nguyen" userId="f59fb8f3-a021-417a-8bc1-65c8d471c621" providerId="ADAL" clId="{59CB9C7B-CBC7-E549-B176-97F9C29CB310}" dt="2019-11-13T15:48:40.306" v="11995" actId="20577"/>
           <ac:spMkLst>
             <pc:docMk/>
             <pc:sldMk cId="131840209" sldId="286"/>
@@ -888,13 +889,13 @@
         </pc:spChg>
       </pc:sldChg>
       <pc:sldChg chg="modSp add">
-        <pc:chgData name="Long B Nguyen" userId="f59fb8f3-a021-417a-8bc1-65c8d471c621" providerId="ADAL" clId="{59CB9C7B-CBC7-E549-B176-97F9C29CB310}" dt="2019-11-10T19:17:48.493" v="8783" actId="113"/>
+        <pc:chgData name="Long B Nguyen" userId="f59fb8f3-a021-417a-8bc1-65c8d471c621" providerId="ADAL" clId="{59CB9C7B-CBC7-E549-B176-97F9C29CB310}" dt="2019-11-13T15:50:19.846" v="12040" actId="20577"/>
         <pc:sldMkLst>
           <pc:docMk/>
           <pc:sldMk cId="2849583976" sldId="341"/>
         </pc:sldMkLst>
         <pc:spChg chg="mod">
-          <ac:chgData name="Long B Nguyen" userId="f59fb8f3-a021-417a-8bc1-65c8d471c621" providerId="ADAL" clId="{59CB9C7B-CBC7-E549-B176-97F9C29CB310}" dt="2019-11-10T19:17:48.493" v="8783" actId="113"/>
+          <ac:chgData name="Long B Nguyen" userId="f59fb8f3-a021-417a-8bc1-65c8d471c621" providerId="ADAL" clId="{59CB9C7B-CBC7-E549-B176-97F9C29CB310}" dt="2019-11-13T15:50:19.846" v="12040" actId="20577"/>
           <ac:spMkLst>
             <pc:docMk/>
             <pc:sldMk cId="2849583976" sldId="341"/>
@@ -903,7 +904,7 @@
         </pc:spChg>
       </pc:sldChg>
       <pc:sldChg chg="modSp add">
-        <pc:chgData name="Long B Nguyen" userId="f59fb8f3-a021-417a-8bc1-65c8d471c621" providerId="ADAL" clId="{59CB9C7B-CBC7-E549-B176-97F9C29CB310}" dt="2019-11-12T00:59:20.133" v="9396" actId="20577"/>
+        <pc:chgData name="Long B Nguyen" userId="f59fb8f3-a021-417a-8bc1-65c8d471c621" providerId="ADAL" clId="{59CB9C7B-CBC7-E549-B176-97F9C29CB310}" dt="2019-11-13T15:50:02.213" v="12038" actId="114"/>
         <pc:sldMkLst>
           <pc:docMk/>
           <pc:sldMk cId="1097937752" sldId="342"/>
@@ -917,7 +918,7 @@
           </ac:spMkLst>
         </pc:spChg>
         <pc:spChg chg="mod">
-          <ac:chgData name="Long B Nguyen" userId="f59fb8f3-a021-417a-8bc1-65c8d471c621" providerId="ADAL" clId="{59CB9C7B-CBC7-E549-B176-97F9C29CB310}" dt="2019-11-12T00:59:20.133" v="9396" actId="20577"/>
+          <ac:chgData name="Long B Nguyen" userId="f59fb8f3-a021-417a-8bc1-65c8d471c621" providerId="ADAL" clId="{59CB9C7B-CBC7-E549-B176-97F9C29CB310}" dt="2019-11-13T15:50:02.213" v="12038" actId="114"/>
           <ac:spMkLst>
             <pc:docMk/>
             <pc:sldMk cId="1097937752" sldId="342"/>
@@ -1127,8 +1128,8 @@
           </ac:spMkLst>
         </pc:spChg>
       </pc:sldChg>
-      <pc:sldChg chg="modSp add">
-        <pc:chgData name="Long B Nguyen" userId="f59fb8f3-a021-417a-8bc1-65c8d471c621" providerId="ADAL" clId="{59CB9C7B-CBC7-E549-B176-97F9C29CB310}" dt="2019-11-10T19:16:18.211" v="8777" actId="113"/>
+      <pc:sldChg chg="modSp add del">
+        <pc:chgData name="Long B Nguyen" userId="f59fb8f3-a021-417a-8bc1-65c8d471c621" providerId="ADAL" clId="{59CB9C7B-CBC7-E549-B176-97F9C29CB310}" dt="2019-11-13T15:56:36.302" v="12041" actId="2696"/>
         <pc:sldMkLst>
           <pc:docMk/>
           <pc:sldMk cId="2958718962" sldId="351"/>
@@ -1149,6 +1150,13 @@
             <ac:spMk id="9" creationId="{E3B2E017-30B2-884B-A113-B419A2ED51AD}"/>
           </ac:spMkLst>
         </pc:spChg>
+      </pc:sldChg>
+      <pc:sldChg chg="add">
+        <pc:chgData name="Long B Nguyen" userId="f59fb8f3-a021-417a-8bc1-65c8d471c621" providerId="ADAL" clId="{59CB9C7B-CBC7-E549-B176-97F9C29CB310}" dt="2019-11-13T15:56:40.968" v="12042"/>
+        <pc:sldMkLst>
+          <pc:docMk/>
+          <pc:sldMk cId="3420249496" sldId="351"/>
+        </pc:sldMkLst>
       </pc:sldChg>
       <pc:sldChg chg="modSp add">
         <pc:chgData name="Long B Nguyen" userId="f59fb8f3-a021-417a-8bc1-65c8d471c621" providerId="ADAL" clId="{59CB9C7B-CBC7-E549-B176-97F9C29CB310}" dt="2019-11-12T00:41:44.199" v="8972" actId="20577"/>
@@ -1339,6 +1347,29 @@
           <pc:docMk/>
           <pc:sldMk cId="1559918550" sldId="552"/>
         </pc:sldMkLst>
+      </pc:sldChg>
+      <pc:sldChg chg="modSp add modAnim">
+        <pc:chgData name="Long B Nguyen" userId="f59fb8f3-a021-417a-8bc1-65c8d471c621" providerId="ADAL" clId="{59CB9C7B-CBC7-E549-B176-97F9C29CB310}" dt="2019-11-13T16:02:48.086" v="12552" actId="255"/>
+        <pc:sldMkLst>
+          <pc:docMk/>
+          <pc:sldMk cId="1358728332" sldId="553"/>
+        </pc:sldMkLst>
+        <pc:spChg chg="mod">
+          <ac:chgData name="Long B Nguyen" userId="f59fb8f3-a021-417a-8bc1-65c8d471c621" providerId="ADAL" clId="{59CB9C7B-CBC7-E549-B176-97F9C29CB310}" dt="2019-11-13T15:57:03.762" v="12061" actId="20577"/>
+          <ac:spMkLst>
+            <pc:docMk/>
+            <pc:sldMk cId="1358728332" sldId="553"/>
+            <ac:spMk id="2" creationId="{AA3A228F-61D0-D949-A5E7-F83756230BF8}"/>
+          </ac:spMkLst>
+        </pc:spChg>
+        <pc:spChg chg="mod">
+          <ac:chgData name="Long B Nguyen" userId="f59fb8f3-a021-417a-8bc1-65c8d471c621" providerId="ADAL" clId="{59CB9C7B-CBC7-E549-B176-97F9C29CB310}" dt="2019-11-13T16:02:48.086" v="12552" actId="255"/>
+          <ac:spMkLst>
+            <pc:docMk/>
+            <pc:sldMk cId="1358728332" sldId="553"/>
+            <ac:spMk id="9" creationId="{E3B2E017-30B2-884B-A113-B419A2ED51AD}"/>
+          </ac:spMkLst>
+        </pc:spChg>
       </pc:sldChg>
     </pc:docChg>
   </pc:docChgLst>
@@ -12508,7 +12539,7 @@
               <a:rPr lang="en-US" dirty="0">
                 <a:latin typeface="Gill Sans MT" panose="020B0502020104020203" pitchFamily="34" charset="77"/>
               </a:rPr>
-              <a:t>Class vs Objects</a:t>
+              <a:t>Class vs Object</a:t>
             </a:r>
           </a:p>
           <a:p>
@@ -14565,7 +14596,19 @@
               <a:rPr lang="en-US" sz="2000" dirty="0">
                 <a:latin typeface="Gill Sans MT" panose="020B0502020104020203" pitchFamily="34" charset="77"/>
               </a:rPr>
-              <a:t>You can selectively import certain objects.</a:t>
+              <a:t>You can specify an </a:t>
+            </a:r>
+            <a:r>
+              <a:rPr lang="en-US" sz="2000" b="1" dirty="0">
+                <a:latin typeface="Gill Sans MT" panose="020B0502020104020203" pitchFamily="34" charset="77"/>
+              </a:rPr>
+              <a:t>alias</a:t>
+            </a:r>
+            <a:r>
+              <a:rPr lang="en-US" sz="2000" dirty="0">
+                <a:latin typeface="Gill Sans MT" panose="020B0502020104020203" pitchFamily="34" charset="77"/>
+              </a:rPr>
+              <a:t> for the imported module. </a:t>
             </a:r>
             <a:endParaRPr lang="en-US" sz="1600" dirty="0">
               <a:latin typeface="Gill Sans MT" panose="020B0502020104020203" pitchFamily="34" charset="77"/>
@@ -14640,25 +14683,7 @@
                 </a:solidFill>
                 <a:latin typeface="Inconsolata Medium" panose="020B0609030003000000" pitchFamily="49" charset="77"/>
               </a:rPr>
-              <a:t>from helper import </a:t>
-            </a:r>
-            <a:r>
-              <a:rPr lang="en-US" sz="1800" b="1" dirty="0" err="1">
-                <a:solidFill>
-                  <a:srgbClr val="FF0000"/>
-                </a:solidFill>
-                <a:latin typeface="Inconsolata Medium" panose="020B0609030003000000" pitchFamily="49" charset="77"/>
-              </a:rPr>
-              <a:t>lst</a:t>
-            </a:r>
-            <a:r>
-              <a:rPr lang="en-US" sz="1800" b="1" dirty="0">
-                <a:solidFill>
-                  <a:srgbClr val="FF0000"/>
-                </a:solidFill>
-                <a:latin typeface="Inconsolata Medium" panose="020B0609030003000000" pitchFamily="49" charset="77"/>
-              </a:rPr>
-              <a:t>, add </a:t>
+              <a:t>import helper as hp</a:t>
             </a:r>
           </a:p>
           <a:p>
@@ -14677,13 +14702,13 @@
               <a:rPr lang="en-US" sz="1800" b="1" dirty="0" err="1">
                 <a:latin typeface="Inconsolata Medium" panose="020B0609030003000000" pitchFamily="49" charset="77"/>
               </a:rPr>
-              <a:t>lst.append</a:t>
+              <a:t>hp.a</a:t>
             </a:r>
             <a:r>
               <a:rPr lang="en-US" sz="1800" b="1" dirty="0">
                 <a:latin typeface="Inconsolata Medium" panose="020B0609030003000000" pitchFamily="49" charset="77"/>
               </a:rPr>
-              <a:t>("hello"))</a:t>
+              <a:t>)</a:t>
             </a:r>
           </a:p>
           <a:p>
@@ -14697,7 +14722,7 @@
               <a:rPr lang="en-US" sz="1800" b="1" dirty="0" err="1">
                 <a:latin typeface="Inconsolata Medium" panose="020B0609030003000000" pitchFamily="49" charset="77"/>
               </a:rPr>
-              <a:t>lst</a:t>
+              <a:t>hp.lst</a:t>
             </a:r>
             <a:r>
               <a:rPr lang="en-US" sz="1800" b="1" dirty="0">
@@ -14711,7 +14736,19 @@
               <a:rPr lang="en-US" sz="1800" b="1" dirty="0">
                 <a:latin typeface="Inconsolata Medium" panose="020B0609030003000000" pitchFamily="49" charset="77"/>
               </a:rPr>
-              <a:t>print(add(3, 5))</a:t>
+              <a:t>print(</a:t>
+            </a:r>
+            <a:r>
+              <a:rPr lang="en-US" sz="1800" b="1" dirty="0" err="1">
+                <a:latin typeface="Inconsolata Medium" panose="020B0609030003000000" pitchFamily="49" charset="77"/>
+              </a:rPr>
+              <a:t>hp.add</a:t>
+            </a:r>
+            <a:r>
+              <a:rPr lang="en-US" sz="1800" b="1" dirty="0">
+                <a:latin typeface="Inconsolata Medium" panose="020B0609030003000000" pitchFamily="49" charset="77"/>
+              </a:rPr>
+              <a:t>(3, 5))</a:t>
             </a:r>
             <a:endParaRPr lang="en-US" dirty="0"/>
           </a:p>
@@ -14916,7 +14953,7 @@
         </p:nvSpPr>
         <p:spPr>
           <a:xfrm>
-            <a:off x="800187" y="3929017"/>
+            <a:off x="800187" y="4091958"/>
             <a:ext cx="1996176" cy="1477328"/>
           </a:xfrm>
           <a:prstGeom prst="rect">
@@ -14940,13 +14977,6 @@
             </a:r>
           </a:p>
           <a:p>
-            <a:endParaRPr lang="en-US" sz="1800" dirty="0">
-              <a:solidFill>
-                <a:srgbClr val="FF0000"/>
-              </a:solidFill>
-            </a:endParaRPr>
-          </a:p>
-          <a:p>
             <a:r>
               <a:rPr lang="en-US" sz="1800" dirty="0">
                 <a:solidFill>
@@ -14979,7 +15009,17 @@
                   <a:srgbClr val="FF0000"/>
                 </a:solidFill>
               </a:rPr>
-              <a:t>[1,"hi", "hello"]</a:t>
+              <a:t>5</a:t>
+            </a:r>
+          </a:p>
+          <a:p>
+            <a:r>
+              <a:rPr lang="en-US" sz="1800" dirty="0">
+                <a:solidFill>
+                  <a:srgbClr val="FF0000"/>
+                </a:solidFill>
+              </a:rPr>
+              <a:t>[1,"hi"]</a:t>
             </a:r>
           </a:p>
           <a:p>
@@ -14997,7 +15037,7 @@
     </p:spTree>
     <p:extLst>
       <p:ext uri="{BB962C8B-B14F-4D97-AF65-F5344CB8AC3E}">
-        <p14:creationId xmlns:p14="http://schemas.microsoft.com/office/powerpoint/2010/main" val="2239308720"/>
+        <p14:creationId xmlns:p14="http://schemas.microsoft.com/office/powerpoint/2010/main" val="3420249496"/>
       </p:ext>
     </p:extLst>
   </p:cSld>
@@ -15092,7 +15132,7 @@
               <a:rPr lang="en-US" sz="2000" dirty="0">
                 <a:latin typeface="Gill Sans MT" panose="020B0502020104020203" pitchFamily="34" charset="77"/>
               </a:rPr>
-              <a:t>You can import all objects by using *.</a:t>
+              <a:t>You can selectively import certain objects.</a:t>
             </a:r>
             <a:endParaRPr lang="en-US" sz="1600" dirty="0">
               <a:latin typeface="Gill Sans MT" panose="020B0502020104020203" pitchFamily="34" charset="77"/>
@@ -15167,7 +15207,25 @@
                 </a:solidFill>
                 <a:latin typeface="Inconsolata Medium" panose="020B0609030003000000" pitchFamily="49" charset="77"/>
               </a:rPr>
-              <a:t>from helper import * </a:t>
+              <a:t>from helper import </a:t>
+            </a:r>
+            <a:r>
+              <a:rPr lang="en-US" sz="1800" b="1" dirty="0" err="1">
+                <a:solidFill>
+                  <a:srgbClr val="FF0000"/>
+                </a:solidFill>
+                <a:latin typeface="Inconsolata Medium" panose="020B0609030003000000" pitchFamily="49" charset="77"/>
+              </a:rPr>
+              <a:t>lst</a:t>
+            </a:r>
+            <a:r>
+              <a:rPr lang="en-US" sz="1800" b="1" dirty="0">
+                <a:solidFill>
+                  <a:srgbClr val="FF0000"/>
+                </a:solidFill>
+                <a:latin typeface="Inconsolata Medium" panose="020B0609030003000000" pitchFamily="49" charset="77"/>
+              </a:rPr>
+              <a:t>, add </a:t>
             </a:r>
           </a:p>
           <a:p>
@@ -15180,7 +15238,19 @@
               <a:rPr lang="en-US" sz="1800" b="1" dirty="0">
                 <a:latin typeface="Inconsolata Medium" panose="020B0609030003000000" pitchFamily="49" charset="77"/>
               </a:rPr>
-              <a:t>print(a)</a:t>
+              <a:t>print(</a:t>
+            </a:r>
+            <a:r>
+              <a:rPr lang="en-US" sz="1800" b="1" dirty="0" err="1">
+                <a:latin typeface="Inconsolata Medium" panose="020B0609030003000000" pitchFamily="49" charset="77"/>
+              </a:rPr>
+              <a:t>lst.append</a:t>
+            </a:r>
+            <a:r>
+              <a:rPr lang="en-US" sz="1800" b="1" dirty="0">
+                <a:latin typeface="Inconsolata Medium" panose="020B0609030003000000" pitchFamily="49" charset="77"/>
+              </a:rPr>
+              <a:t>("hello"))</a:t>
             </a:r>
           </a:p>
           <a:p>
@@ -15413,7 +15483,7 @@
         </p:nvSpPr>
         <p:spPr>
           <a:xfrm>
-            <a:off x="800187" y="4091958"/>
+            <a:off x="800187" y="3929017"/>
             <a:ext cx="1996176" cy="1477328"/>
           </a:xfrm>
           <a:prstGeom prst="rect">
@@ -15437,6 +15507,13 @@
             </a:r>
           </a:p>
           <a:p>
+            <a:endParaRPr lang="en-US" sz="1800" dirty="0">
+              <a:solidFill>
+                <a:srgbClr val="FF0000"/>
+              </a:solidFill>
+            </a:endParaRPr>
+          </a:p>
+          <a:p>
             <a:r>
               <a:rPr lang="en-US" sz="1800" dirty="0">
                 <a:solidFill>
@@ -15469,17 +15546,7 @@
                   <a:srgbClr val="FF0000"/>
                 </a:solidFill>
               </a:rPr>
-              <a:t>5</a:t>
-            </a:r>
-          </a:p>
-          <a:p>
-            <a:r>
-              <a:rPr lang="en-US" sz="1800" dirty="0">
-                <a:solidFill>
-                  <a:srgbClr val="FF0000"/>
-                </a:solidFill>
-              </a:rPr>
-              <a:t>[1,"hi"]</a:t>
+              <a:t>[1,"hi", "hello"]</a:t>
             </a:r>
           </a:p>
           <a:p>
@@ -15497,7 +15564,7 @@
     </p:spTree>
     <p:extLst>
       <p:ext uri="{BB962C8B-B14F-4D97-AF65-F5344CB8AC3E}">
-        <p14:creationId xmlns:p14="http://schemas.microsoft.com/office/powerpoint/2010/main" val="1532134668"/>
+        <p14:creationId xmlns:p14="http://schemas.microsoft.com/office/powerpoint/2010/main" val="2239308720"/>
       </p:ext>
     </p:extLst>
   </p:cSld>
@@ -15592,19 +15659,7 @@
               <a:rPr lang="en-US" sz="2000" dirty="0">
                 <a:latin typeface="Gill Sans MT" panose="020B0502020104020203" pitchFamily="34" charset="77"/>
               </a:rPr>
-              <a:t>You can specify an </a:t>
-            </a:r>
-            <a:r>
-              <a:rPr lang="en-US" sz="2000" b="1" dirty="0">
-                <a:latin typeface="Gill Sans MT" panose="020B0502020104020203" pitchFamily="34" charset="77"/>
-              </a:rPr>
-              <a:t>alias</a:t>
-            </a:r>
-            <a:r>
-              <a:rPr lang="en-US" sz="2000" dirty="0">
-                <a:latin typeface="Gill Sans MT" panose="020B0502020104020203" pitchFamily="34" charset="77"/>
-              </a:rPr>
-              <a:t> for the imported module. </a:t>
+              <a:t>You can import all objects by using *.</a:t>
             </a:r>
             <a:endParaRPr lang="en-US" sz="1600" dirty="0">
               <a:latin typeface="Gill Sans MT" panose="020B0502020104020203" pitchFamily="34" charset="77"/>
@@ -15679,7 +15734,7 @@
                 </a:solidFill>
                 <a:latin typeface="Inconsolata Medium" panose="020B0609030003000000" pitchFamily="49" charset="77"/>
               </a:rPr>
-              <a:t>import helper as hp</a:t>
+              <a:t>from helper import * </a:t>
             </a:r>
           </a:p>
           <a:p>
@@ -15692,13 +15747,21 @@
               <a:rPr lang="en-US" sz="1800" b="1" dirty="0">
                 <a:latin typeface="Inconsolata Medium" panose="020B0609030003000000" pitchFamily="49" charset="77"/>
               </a:rPr>
+              <a:t>print(a)</a:t>
+            </a:r>
+          </a:p>
+          <a:p>
+            <a:r>
+              <a:rPr lang="en-US" sz="1800" b="1" dirty="0">
+                <a:latin typeface="Inconsolata Medium" panose="020B0609030003000000" pitchFamily="49" charset="77"/>
+              </a:rPr>
               <a:t>print(</a:t>
             </a:r>
             <a:r>
               <a:rPr lang="en-US" sz="1800" b="1" dirty="0" err="1">
                 <a:latin typeface="Inconsolata Medium" panose="020B0609030003000000" pitchFamily="49" charset="77"/>
               </a:rPr>
-              <a:t>hp.a</a:t>
+              <a:t>lst</a:t>
             </a:r>
             <a:r>
               <a:rPr lang="en-US" sz="1800" b="1" dirty="0">
@@ -15712,39 +15775,7 @@
               <a:rPr lang="en-US" sz="1800" b="1" dirty="0">
                 <a:latin typeface="Inconsolata Medium" panose="020B0609030003000000" pitchFamily="49" charset="77"/>
               </a:rPr>
-              <a:t>print(</a:t>
-            </a:r>
-            <a:r>
-              <a:rPr lang="en-US" sz="1800" b="1" dirty="0" err="1">
-                <a:latin typeface="Inconsolata Medium" panose="020B0609030003000000" pitchFamily="49" charset="77"/>
-              </a:rPr>
-              <a:t>hp.lst</a:t>
-            </a:r>
-            <a:r>
-              <a:rPr lang="en-US" sz="1800" b="1" dirty="0">
-                <a:latin typeface="Inconsolata Medium" panose="020B0609030003000000" pitchFamily="49" charset="77"/>
-              </a:rPr>
-              <a:t>)</a:t>
-            </a:r>
-          </a:p>
-          <a:p>
-            <a:r>
-              <a:rPr lang="en-US" sz="1800" b="1" dirty="0">
-                <a:latin typeface="Inconsolata Medium" panose="020B0609030003000000" pitchFamily="49" charset="77"/>
-              </a:rPr>
-              <a:t>print(</a:t>
-            </a:r>
-            <a:r>
-              <a:rPr lang="en-US" sz="1800" b="1" dirty="0" err="1">
-                <a:latin typeface="Inconsolata Medium" panose="020B0609030003000000" pitchFamily="49" charset="77"/>
-              </a:rPr>
-              <a:t>hp.add</a:t>
-            </a:r>
-            <a:r>
-              <a:rPr lang="en-US" sz="1800" b="1" dirty="0">
-                <a:latin typeface="Inconsolata Medium" panose="020B0609030003000000" pitchFamily="49" charset="77"/>
-              </a:rPr>
-              <a:t>(3, 5))</a:t>
+              <a:t>print(add(3, 5))</a:t>
             </a:r>
             <a:endParaRPr lang="en-US" dirty="0"/>
           </a:p>
@@ -16033,7 +16064,7 @@
     </p:spTree>
     <p:extLst>
       <p:ext uri="{BB962C8B-B14F-4D97-AF65-F5344CB8AC3E}">
-        <p14:creationId xmlns:p14="http://schemas.microsoft.com/office/powerpoint/2010/main" val="2958718962"/>
+        <p14:creationId xmlns:p14="http://schemas.microsoft.com/office/powerpoint/2010/main" val="1532134668"/>
       </p:ext>
     </p:extLst>
   </p:cSld>
@@ -16044,6 +16075,378 @@
 </file>
 
 <file path=ppt/slides/slide26.xml><?xml version="1.0" encoding="utf-8"?>
+<p:sld xmlns:a="http://schemas.openxmlformats.org/drawingml/2006/main" xmlns:r="http://schemas.openxmlformats.org/officeDocument/2006/relationships" xmlns:p="http://schemas.openxmlformats.org/presentationml/2006/main">
+  <p:cSld>
+    <p:spTree>
+      <p:nvGrpSpPr>
+        <p:cNvPr id="1" name=""/>
+        <p:cNvGrpSpPr/>
+        <p:nvPr/>
+      </p:nvGrpSpPr>
+      <p:grpSpPr>
+        <a:xfrm>
+          <a:off x="0" y="0"/>
+          <a:ext cx="0" cy="0"/>
+          <a:chOff x="0" y="0"/>
+          <a:chExt cx="0" cy="0"/>
+        </a:xfrm>
+      </p:grpSpPr>
+      <p:sp>
+        <p:nvSpPr>
+          <p:cNvPr id="2" name="Title 1">
+            <a:extLst>
+              <a:ext uri="{FF2B5EF4-FFF2-40B4-BE49-F238E27FC236}">
+                <a16:creationId xmlns:a16="http://schemas.microsoft.com/office/drawing/2014/main" id="{AA3A228F-61D0-D949-A5E7-F83756230BF8}"/>
+              </a:ext>
+            </a:extLst>
+          </p:cNvPr>
+          <p:cNvSpPr>
+            <a:spLocks noGrp="1"/>
+          </p:cNvSpPr>
+          <p:nvPr>
+            <p:ph type="title"/>
+          </p:nvPr>
+        </p:nvSpPr>
+        <p:spPr>
+          <a:xfrm>
+            <a:off x="483848" y="467027"/>
+            <a:ext cx="7053542" cy="683886"/>
+          </a:xfrm>
+        </p:spPr>
+        <p:txBody>
+          <a:bodyPr/>
+          <a:lstStyle/>
+          <a:p>
+            <a:r>
+              <a:rPr lang="en-US" dirty="0"/>
+              <a:t>import vs from</a:t>
+            </a:r>
+          </a:p>
+        </p:txBody>
+      </p:sp>
+      <p:sp>
+        <p:nvSpPr>
+          <p:cNvPr id="9" name="Content Placeholder 8">
+            <a:extLst>
+              <a:ext uri="{FF2B5EF4-FFF2-40B4-BE49-F238E27FC236}">
+                <a16:creationId xmlns:a16="http://schemas.microsoft.com/office/drawing/2014/main" id="{E3B2E017-30B2-884B-A113-B419A2ED51AD}"/>
+              </a:ext>
+            </a:extLst>
+          </p:cNvPr>
+          <p:cNvSpPr>
+            <a:spLocks noGrp="1"/>
+          </p:cNvSpPr>
+          <p:nvPr>
+            <p:ph idx="1"/>
+          </p:nvPr>
+        </p:nvSpPr>
+        <p:spPr>
+          <a:xfrm>
+            <a:off x="483848" y="1007707"/>
+            <a:ext cx="8051725" cy="4583796"/>
+          </a:xfrm>
+        </p:spPr>
+        <p:txBody>
+          <a:bodyPr>
+            <a:normAutofit/>
+          </a:bodyPr>
+          <a:lstStyle/>
+          <a:p>
+            <a:pPr marL="0" indent="0">
+              <a:buNone/>
+            </a:pPr>
+            <a:r>
+              <a:rPr lang="en-US" dirty="0">
+                <a:latin typeface="Gill Sans MT" panose="020B0502020104020203" pitchFamily="34" charset="77"/>
+              </a:rPr>
+              <a:t>It is generally better to use the import statement than to use the from statement. </a:t>
+            </a:r>
+          </a:p>
+          <a:p>
+            <a:pPr marL="0" indent="0">
+              <a:buNone/>
+            </a:pPr>
+            <a:r>
+              <a:rPr lang="en-US" dirty="0">
+                <a:latin typeface="Gill Sans MT" panose="020B0502020104020203" pitchFamily="34" charset="77"/>
+              </a:rPr>
+              <a:t>Even though using import is less concise, it is more explicit and readable. Other programmers can see from the syntax which module contains the imported attributes and functions. For example:</a:t>
+            </a:r>
+          </a:p>
+          <a:p>
+            <a:pPr marL="0" indent="0">
+              <a:buNone/>
+            </a:pPr>
+            <a:r>
+              <a:rPr lang="en-US" dirty="0">
+                <a:latin typeface="Gill Sans MT" panose="020B0502020104020203" pitchFamily="34" charset="77"/>
+              </a:rPr>
+              <a:t>It is better to:</a:t>
+            </a:r>
+          </a:p>
+          <a:p>
+            <a:pPr marL="0" indent="0">
+              <a:buNone/>
+            </a:pPr>
+            <a:r>
+              <a:rPr lang="en-US" b="1" dirty="0">
+                <a:solidFill>
+                  <a:srgbClr val="34A327"/>
+                </a:solidFill>
+                <a:latin typeface="Inconsolata Medium" panose="020B0609030003000000" pitchFamily="49" charset="77"/>
+              </a:rPr>
+              <a:t>import</a:t>
+            </a:r>
+            <a:r>
+              <a:rPr lang="en-US" b="1" dirty="0">
+                <a:solidFill>
+                  <a:srgbClr val="000000"/>
+                </a:solidFill>
+                <a:latin typeface="Inconsolata Medium" panose="020B0609030003000000" pitchFamily="49" charset="77"/>
+              </a:rPr>
+              <a:t> </a:t>
+            </a:r>
+            <a:r>
+              <a:rPr lang="en-US" b="1" dirty="0">
+                <a:solidFill>
+                  <a:srgbClr val="3C9FF2"/>
+                </a:solidFill>
+                <a:latin typeface="Inconsolata Medium" panose="020B0609030003000000" pitchFamily="49" charset="77"/>
+              </a:rPr>
+              <a:t>math</a:t>
+            </a:r>
+            <a:r>
+              <a:rPr lang="en-US" b="1" dirty="0">
+                <a:solidFill>
+                  <a:srgbClr val="000000"/>
+                </a:solidFill>
+                <a:latin typeface="Inconsolata Medium" panose="020B0609030003000000" pitchFamily="49" charset="77"/>
+              </a:rPr>
+              <a:t> </a:t>
+            </a:r>
+            <a:endParaRPr lang="en-US" b="1" dirty="0">
+              <a:solidFill>
+                <a:srgbClr val="34A327"/>
+              </a:solidFill>
+              <a:latin typeface="Inconsolata Medium" panose="020B0609030003000000" pitchFamily="49" charset="77"/>
+            </a:endParaRPr>
+          </a:p>
+          <a:p>
+            <a:pPr marL="0" indent="0">
+              <a:buNone/>
+            </a:pPr>
+            <a:r>
+              <a:rPr lang="en-US" b="1" dirty="0">
+                <a:solidFill>
+                  <a:srgbClr val="34A327"/>
+                </a:solidFill>
+                <a:latin typeface="Inconsolata Medium" panose="020B0609030003000000" pitchFamily="49" charset="77"/>
+              </a:rPr>
+              <a:t>print</a:t>
+            </a:r>
+            <a:r>
+              <a:rPr lang="en-US" b="1" dirty="0">
+                <a:solidFill>
+                  <a:srgbClr val="000000"/>
+                </a:solidFill>
+                <a:latin typeface="Inconsolata Medium" panose="020B0609030003000000" pitchFamily="49" charset="77"/>
+              </a:rPr>
+              <a:t>(</a:t>
+            </a:r>
+            <a:r>
+              <a:rPr lang="en-US" b="1" dirty="0" err="1">
+                <a:solidFill>
+                  <a:srgbClr val="000000"/>
+                </a:solidFill>
+                <a:latin typeface="Inconsolata Medium" panose="020B0609030003000000" pitchFamily="49" charset="77"/>
+              </a:rPr>
+              <a:t>math.pi</a:t>
+            </a:r>
+            <a:r>
+              <a:rPr lang="en-US" b="1" dirty="0">
+                <a:solidFill>
+                  <a:srgbClr val="000000"/>
+                </a:solidFill>
+                <a:latin typeface="Inconsolata Medium" panose="020B0609030003000000" pitchFamily="49" charset="77"/>
+              </a:rPr>
+              <a:t>) </a:t>
+            </a:r>
+          </a:p>
+          <a:p>
+            <a:pPr marL="0" indent="0">
+              <a:buNone/>
+            </a:pPr>
+            <a:endParaRPr lang="en-US" b="1" dirty="0">
+              <a:latin typeface="Inconsolata Medium" panose="020B0609030003000000" pitchFamily="49" charset="77"/>
+            </a:endParaRPr>
+          </a:p>
+          <a:p>
+            <a:pPr marL="0" indent="0">
+              <a:buNone/>
+            </a:pPr>
+            <a:r>
+              <a:rPr lang="en-US" dirty="0">
+                <a:latin typeface="Gill Sans MT" panose="020B0502020104020203" pitchFamily="34" charset="77"/>
+              </a:rPr>
+              <a:t>than to:</a:t>
+            </a:r>
+          </a:p>
+          <a:p>
+            <a:pPr marL="0" indent="0">
+              <a:buNone/>
+            </a:pPr>
+            <a:r>
+              <a:rPr lang="en-US" b="1" dirty="0">
+                <a:solidFill>
+                  <a:srgbClr val="34A327"/>
+                </a:solidFill>
+                <a:latin typeface="Inconsolata Medium" panose="020B0609030003000000" pitchFamily="49" charset="77"/>
+              </a:rPr>
+              <a:t>from</a:t>
+            </a:r>
+            <a:r>
+              <a:rPr lang="en-US" b="1" dirty="0">
+                <a:solidFill>
+                  <a:srgbClr val="000000"/>
+                </a:solidFill>
+                <a:latin typeface="Inconsolata Medium" panose="020B0609030003000000" pitchFamily="49" charset="77"/>
+              </a:rPr>
+              <a:t> </a:t>
+            </a:r>
+            <a:r>
+              <a:rPr lang="en-US" b="1" dirty="0">
+                <a:solidFill>
+                  <a:srgbClr val="3C9FF2"/>
+                </a:solidFill>
+                <a:latin typeface="Inconsolata Medium" panose="020B0609030003000000" pitchFamily="49" charset="77"/>
+              </a:rPr>
+              <a:t>math</a:t>
+            </a:r>
+            <a:r>
+              <a:rPr lang="en-US" b="1" dirty="0">
+                <a:solidFill>
+                  <a:srgbClr val="000000"/>
+                </a:solidFill>
+                <a:latin typeface="Inconsolata Medium" panose="020B0609030003000000" pitchFamily="49" charset="77"/>
+              </a:rPr>
+              <a:t> </a:t>
+            </a:r>
+            <a:r>
+              <a:rPr lang="en-US" b="1" dirty="0">
+                <a:solidFill>
+                  <a:srgbClr val="34A327"/>
+                </a:solidFill>
+                <a:latin typeface="Inconsolata Medium" panose="020B0609030003000000" pitchFamily="49" charset="77"/>
+              </a:rPr>
+              <a:t>import</a:t>
+            </a:r>
+            <a:r>
+              <a:rPr lang="en-US" b="1" dirty="0">
+                <a:solidFill>
+                  <a:srgbClr val="000000"/>
+                </a:solidFill>
+                <a:latin typeface="Inconsolata Medium" panose="020B0609030003000000" pitchFamily="49" charset="77"/>
+              </a:rPr>
+              <a:t> pi</a:t>
+            </a:r>
+            <a:endParaRPr lang="en-US" b="1" dirty="0">
+              <a:solidFill>
+                <a:srgbClr val="34A327"/>
+              </a:solidFill>
+              <a:latin typeface="Inconsolata Medium" panose="020B0609030003000000" pitchFamily="49" charset="77"/>
+            </a:endParaRPr>
+          </a:p>
+          <a:p>
+            <a:pPr marL="0" indent="0">
+              <a:buNone/>
+            </a:pPr>
+            <a:r>
+              <a:rPr lang="en-US" b="1" dirty="0">
+                <a:solidFill>
+                  <a:srgbClr val="34A327"/>
+                </a:solidFill>
+                <a:latin typeface="Inconsolata Medium" panose="020B0609030003000000" pitchFamily="49" charset="77"/>
+              </a:rPr>
+              <a:t>print</a:t>
+            </a:r>
+            <a:r>
+              <a:rPr lang="en-US" b="1" dirty="0">
+                <a:solidFill>
+                  <a:srgbClr val="000000"/>
+                </a:solidFill>
+                <a:latin typeface="Inconsolata Medium" panose="020B0609030003000000" pitchFamily="49" charset="77"/>
+              </a:rPr>
+              <a:t>(pi) </a:t>
+            </a:r>
+            <a:endParaRPr lang="en-US" b="1" dirty="0">
+              <a:solidFill>
+                <a:srgbClr val="34A327"/>
+              </a:solidFill>
+              <a:latin typeface="Inconsolata Medium" panose="020B0609030003000000" pitchFamily="49" charset="77"/>
+            </a:endParaRPr>
+          </a:p>
+          <a:p>
+            <a:pPr marL="0" indent="0">
+              <a:buNone/>
+            </a:pPr>
+            <a:endParaRPr lang="en-US" b="1" dirty="0">
+              <a:latin typeface="Inconsolata Medium" panose="020B0609030003000000" pitchFamily="49" charset="77"/>
+            </a:endParaRPr>
+          </a:p>
+          <a:p>
+            <a:pPr marL="0" indent="0">
+              <a:buNone/>
+            </a:pPr>
+            <a:endParaRPr lang="en-US" b="1" dirty="0">
+              <a:latin typeface="Inconsolata Medium" panose="020B0609030003000000" pitchFamily="49" charset="77"/>
+            </a:endParaRPr>
+          </a:p>
+          <a:p>
+            <a:pPr marL="0" indent="0">
+              <a:buNone/>
+            </a:pPr>
+            <a:endParaRPr lang="en-US" b="1" dirty="0">
+              <a:latin typeface="Inconsolata Medium" panose="020B0609030003000000" pitchFamily="49" charset="77"/>
+            </a:endParaRPr>
+          </a:p>
+          <a:p>
+            <a:pPr marL="0" indent="0">
+              <a:buNone/>
+            </a:pPr>
+            <a:endParaRPr lang="en-US" b="1" dirty="0">
+              <a:solidFill>
+                <a:srgbClr val="000087"/>
+              </a:solidFill>
+              <a:latin typeface="Inconsolata Medium" panose="020B0609030003000000" pitchFamily="49" charset="77"/>
+            </a:endParaRPr>
+          </a:p>
+          <a:p>
+            <a:pPr marL="0" indent="0">
+              <a:buNone/>
+            </a:pPr>
+            <a:endParaRPr lang="en-US" b="1" dirty="0">
+              <a:solidFill>
+                <a:srgbClr val="000087"/>
+              </a:solidFill>
+              <a:latin typeface="Inconsolata Medium" panose="020B0609030003000000" pitchFamily="49" charset="77"/>
+            </a:endParaRPr>
+          </a:p>
+        </p:txBody>
+      </p:sp>
+    </p:spTree>
+    <p:extLst>
+      <p:ext uri="{BB962C8B-B14F-4D97-AF65-F5344CB8AC3E}">
+        <p14:creationId xmlns:p14="http://schemas.microsoft.com/office/powerpoint/2010/main" val="1358728332"/>
+      </p:ext>
+    </p:extLst>
+  </p:cSld>
+  <p:clrMapOvr>
+    <a:masterClrMapping/>
+  </p:clrMapOvr>
+</p:sld>
+</file>
+
+<file path=ppt/slides/slide27.xml><?xml version="1.0" encoding="utf-8"?>
 <p:sld xmlns:a="http://schemas.openxmlformats.org/drawingml/2006/main" xmlns:r="http://schemas.openxmlformats.org/officeDocument/2006/relationships" xmlns:p="http://schemas.openxmlformats.org/presentationml/2006/main">
   <p:cSld>
     <p:spTree>
@@ -16684,7 +17087,7 @@
 </p:sld>
 </file>
 
-<file path=ppt/slides/slide27.xml><?xml version="1.0" encoding="utf-8"?>
+<file path=ppt/slides/slide28.xml><?xml version="1.0" encoding="utf-8"?>
 <p:sld xmlns:a="http://schemas.openxmlformats.org/drawingml/2006/main" xmlns:r="http://schemas.openxmlformats.org/officeDocument/2006/relationships" xmlns:p="http://schemas.openxmlformats.org/presentationml/2006/main">
   <p:cSld>
     <p:spTree>
@@ -17068,7 +17471,7 @@
 </p:sld>
 </file>
 
-<file path=ppt/slides/slide28.xml><?xml version="1.0" encoding="utf-8"?>
+<file path=ppt/slides/slide29.xml><?xml version="1.0" encoding="utf-8"?>
 <p:sld xmlns:a="http://schemas.openxmlformats.org/drawingml/2006/main" xmlns:r="http://schemas.openxmlformats.org/officeDocument/2006/relationships" xmlns:p="http://schemas.openxmlformats.org/presentationml/2006/main">
   <p:cSld>
     <p:spTree>
@@ -17872,7 +18275,221 @@
 </p:sld>
 </file>
 
-<file path=ppt/slides/slide29.xml><?xml version="1.0" encoding="utf-8"?>
+<file path=ppt/slides/slide3.xml><?xml version="1.0" encoding="utf-8"?>
+<p:sld xmlns:a="http://schemas.openxmlformats.org/drawingml/2006/main" xmlns:r="http://schemas.openxmlformats.org/officeDocument/2006/relationships" xmlns:p="http://schemas.openxmlformats.org/presentationml/2006/main">
+  <p:cSld>
+    <p:spTree>
+      <p:nvGrpSpPr>
+        <p:cNvPr id="1" name=""/>
+        <p:cNvGrpSpPr/>
+        <p:nvPr/>
+      </p:nvGrpSpPr>
+      <p:grpSpPr>
+        <a:xfrm>
+          <a:off x="0" y="0"/>
+          <a:ext cx="0" cy="0"/>
+          <a:chOff x="0" y="0"/>
+          <a:chExt cx="0" cy="0"/>
+        </a:xfrm>
+      </p:grpSpPr>
+      <p:sp>
+        <p:nvSpPr>
+          <p:cNvPr id="23554" name="Rectangle 2">
+            <a:extLst>
+              <a:ext uri="{FF2B5EF4-FFF2-40B4-BE49-F238E27FC236}">
+                <a16:creationId xmlns:a16="http://schemas.microsoft.com/office/drawing/2014/main" id="{4A410BF0-5019-0D40-8CE7-D9E5FEAB56F9}"/>
+              </a:ext>
+            </a:extLst>
+          </p:cNvPr>
+          <p:cNvSpPr>
+            <a:spLocks noGrp="1" noChangeArrowheads="1"/>
+          </p:cNvSpPr>
+          <p:nvPr>
+            <p:ph type="title"/>
+          </p:nvPr>
+        </p:nvSpPr>
+        <p:spPr/>
+        <p:txBody>
+          <a:bodyPr/>
+          <a:lstStyle/>
+          <a:p>
+            <a:pPr eaLnBrk="1" hangingPunct="1">
+              <a:defRPr/>
+            </a:pPr>
+            <a:r>
+              <a:rPr lang="en-US" dirty="0">
+                <a:cs typeface="+mj-cs"/>
+              </a:rPr>
+              <a:t>OOP/OOD</a:t>
+            </a:r>
+          </a:p>
+        </p:txBody>
+      </p:sp>
+      <p:sp>
+        <p:nvSpPr>
+          <p:cNvPr id="27650" name="Rectangle 3">
+            <a:extLst>
+              <a:ext uri="{FF2B5EF4-FFF2-40B4-BE49-F238E27FC236}">
+                <a16:creationId xmlns:a16="http://schemas.microsoft.com/office/drawing/2014/main" id="{CDDBD0B0-F30B-EE40-92BE-F8B3992FD62C}"/>
+              </a:ext>
+            </a:extLst>
+          </p:cNvPr>
+          <p:cNvSpPr>
+            <a:spLocks noGrp="1" noChangeArrowheads="1"/>
+          </p:cNvSpPr>
+          <p:nvPr>
+            <p:ph type="body" idx="1"/>
+          </p:nvPr>
+        </p:nvSpPr>
+        <p:spPr>
+          <a:xfrm>
+            <a:off x="628650" y="1076770"/>
+            <a:ext cx="7886700" cy="4070699"/>
+          </a:xfrm>
+        </p:spPr>
+        <p:txBody>
+          <a:bodyPr/>
+          <a:lstStyle/>
+          <a:p>
+            <a:pPr marL="0" indent="0">
+              <a:buNone/>
+            </a:pPr>
+            <a:endParaRPr lang="en-US" altLang="en-US" sz="1833" b="1" dirty="0">
+              <a:ea typeface="ＭＳ Ｐゴシック" panose="020B0600070205080204" pitchFamily="34" charset="-128"/>
+            </a:endParaRPr>
+          </a:p>
+          <a:p>
+            <a:pPr marL="0" indent="0">
+              <a:buNone/>
+            </a:pPr>
+            <a:r>
+              <a:rPr lang="en-US" altLang="en-US" sz="1833" b="1" dirty="0">
+                <a:ea typeface="ＭＳ Ｐゴシック" panose="020B0600070205080204" pitchFamily="34" charset="-128"/>
+              </a:rPr>
+              <a:t>Object-Oriented Programming</a:t>
+            </a:r>
+            <a:r>
+              <a:rPr lang="en-US" altLang="en-US" sz="1833" dirty="0">
+                <a:ea typeface="ＭＳ Ｐゴシック" panose="020B0600070205080204" pitchFamily="34" charset="-128"/>
+              </a:rPr>
+              <a:t>(OOP) is a programming paradigm based on the concepts of objects </a:t>
+            </a:r>
+            <a:r>
+              <a:rPr lang="en-US" altLang="en-US" sz="1833" b="1" dirty="0">
+                <a:ea typeface="ＭＳ Ｐゴシック" panose="020B0600070205080204" pitchFamily="34" charset="-128"/>
+              </a:rPr>
+              <a:t>data(</a:t>
+            </a:r>
+            <a:r>
+              <a:rPr lang="en-US" altLang="en-US" sz="1833" dirty="0">
+                <a:ea typeface="ＭＳ Ｐゴシック" panose="020B0600070205080204" pitchFamily="34" charset="-128"/>
+              </a:rPr>
+              <a:t>in the form of instance variables) and </a:t>
+            </a:r>
+            <a:r>
+              <a:rPr lang="en-US" altLang="en-US" sz="1833" b="1" dirty="0">
+                <a:ea typeface="ＭＳ Ｐゴシック" panose="020B0600070205080204" pitchFamily="34" charset="-128"/>
+              </a:rPr>
+              <a:t>functionality or behavior(</a:t>
+            </a:r>
+            <a:r>
+              <a:rPr lang="en-US" altLang="en-US" sz="1833" dirty="0">
+                <a:ea typeface="ＭＳ Ｐゴシック" panose="020B0600070205080204" pitchFamily="34" charset="-128"/>
+              </a:rPr>
+              <a:t>in the form of methods). Many popular languages are object-oriented(C++, Java, </a:t>
+            </a:r>
+            <a:r>
+              <a:rPr lang="en-US" altLang="en-US" sz="1833" dirty="0" err="1">
+                <a:ea typeface="ＭＳ Ｐゴシック" panose="020B0600070205080204" pitchFamily="34" charset="-128"/>
+              </a:rPr>
+              <a:t>Javascript</a:t>
+            </a:r>
+            <a:r>
+              <a:rPr lang="en-US" altLang="en-US" sz="1833" dirty="0">
+                <a:ea typeface="ＭＳ Ｐゴシック" panose="020B0600070205080204" pitchFamily="34" charset="-128"/>
+              </a:rPr>
+              <a:t>, Python).</a:t>
+            </a:r>
+          </a:p>
+          <a:p>
+            <a:pPr marL="0" indent="0">
+              <a:buNone/>
+            </a:pPr>
+            <a:endParaRPr lang="en-US" altLang="en-US" sz="1833" dirty="0">
+              <a:ea typeface="ＭＳ Ｐゴシック" panose="020B0600070205080204" pitchFamily="34" charset="-128"/>
+            </a:endParaRPr>
+          </a:p>
+          <a:p>
+            <a:pPr marL="0" indent="0">
+              <a:buNone/>
+            </a:pPr>
+            <a:r>
+              <a:rPr lang="en-US" altLang="en-US" sz="1833" dirty="0">
+                <a:ea typeface="ＭＳ Ｐゴシック" panose="020B0600070205080204" pitchFamily="34" charset="-128"/>
+              </a:rPr>
+              <a:t>In OOP, programs are made up of many objects and a program run is the interaction of these objects. </a:t>
+            </a:r>
+          </a:p>
+          <a:p>
+            <a:pPr marL="0" indent="0">
+              <a:buNone/>
+            </a:pPr>
+            <a:endParaRPr lang="en-US" altLang="en-US" sz="1833" dirty="0">
+              <a:ea typeface="ＭＳ Ｐゴシック" panose="020B0600070205080204" pitchFamily="34" charset="-128"/>
+            </a:endParaRPr>
+          </a:p>
+          <a:p>
+            <a:pPr marL="0" indent="0">
+              <a:buNone/>
+            </a:pPr>
+            <a:r>
+              <a:rPr lang="en-US" altLang="en-US" sz="1833" dirty="0">
+                <a:ea typeface="ＭＳ Ｐゴシック" panose="020B0600070205080204" pitchFamily="34" charset="-128"/>
+              </a:rPr>
+              <a:t>In </a:t>
+            </a:r>
+            <a:r>
+              <a:rPr lang="en-US" altLang="en-US" sz="1833" b="1" dirty="0">
+                <a:ea typeface="ＭＳ Ｐゴシック" panose="020B0600070205080204" pitchFamily="34" charset="-128"/>
+              </a:rPr>
+              <a:t>Object-Oriented Design</a:t>
+            </a:r>
+            <a:r>
+              <a:rPr lang="en-US" altLang="en-US" sz="1833" dirty="0">
+                <a:ea typeface="ＭＳ Ｐゴシック" panose="020B0600070205080204" pitchFamily="34" charset="-128"/>
+              </a:rPr>
+              <a:t> (OOD), programmers first spend time to decide which classes are needed and then figure out the data and methods in each class. </a:t>
+            </a:r>
+          </a:p>
+          <a:p>
+            <a:pPr lvl="1" eaLnBrk="1" hangingPunct="1"/>
+            <a:endParaRPr lang="en-US" altLang="en-US" dirty="0">
+              <a:latin typeface="Courier New" panose="02070309020205020404" pitchFamily="49" charset="0"/>
+              <a:ea typeface="ＭＳ Ｐゴシック" panose="020B0600070205080204" pitchFamily="34" charset="-128"/>
+            </a:endParaRPr>
+          </a:p>
+          <a:p>
+            <a:pPr lvl="1" eaLnBrk="1" hangingPunct="1"/>
+            <a:endParaRPr lang="en-US" altLang="en-US" dirty="0">
+              <a:ea typeface="ＭＳ Ｐゴシック" panose="020B0600070205080204" pitchFamily="34" charset="-128"/>
+            </a:endParaRPr>
+          </a:p>
+        </p:txBody>
+      </p:sp>
+    </p:spTree>
+    <p:extLst>
+      <p:ext uri="{BB962C8B-B14F-4D97-AF65-F5344CB8AC3E}">
+        <p14:creationId xmlns:p14="http://schemas.microsoft.com/office/powerpoint/2010/main" val="2101795491"/>
+      </p:ext>
+    </p:extLst>
+  </p:cSld>
+  <p:clrMapOvr>
+    <a:masterClrMapping/>
+  </p:clrMapOvr>
+</p:sld>
+</file>
+
+<file path=ppt/slides/slide30.xml><?xml version="1.0" encoding="utf-8"?>
 <p:sld xmlns:a="http://schemas.openxmlformats.org/drawingml/2006/main" xmlns:r="http://schemas.openxmlformats.org/officeDocument/2006/relationships" xmlns:p="http://schemas.openxmlformats.org/presentationml/2006/main">
   <p:cSld>
     <p:spTree>
@@ -19016,490 +19633,6 @@
 </p:sld>
 </file>
 
-<file path=ppt/slides/slide3.xml><?xml version="1.0" encoding="utf-8"?>
-<p:sld xmlns:a="http://schemas.openxmlformats.org/drawingml/2006/main" xmlns:r="http://schemas.openxmlformats.org/officeDocument/2006/relationships" xmlns:p="http://schemas.openxmlformats.org/presentationml/2006/main">
-  <p:cSld>
-    <p:spTree>
-      <p:nvGrpSpPr>
-        <p:cNvPr id="1" name=""/>
-        <p:cNvGrpSpPr/>
-        <p:nvPr/>
-      </p:nvGrpSpPr>
-      <p:grpSpPr>
-        <a:xfrm>
-          <a:off x="0" y="0"/>
-          <a:ext cx="0" cy="0"/>
-          <a:chOff x="0" y="0"/>
-          <a:chExt cx="0" cy="0"/>
-        </a:xfrm>
-      </p:grpSpPr>
-      <p:sp>
-        <p:nvSpPr>
-          <p:cNvPr id="23554" name="Rectangle 2">
-            <a:extLst>
-              <a:ext uri="{FF2B5EF4-FFF2-40B4-BE49-F238E27FC236}">
-                <a16:creationId xmlns:a16="http://schemas.microsoft.com/office/drawing/2014/main" id="{4A410BF0-5019-0D40-8CE7-D9E5FEAB56F9}"/>
-              </a:ext>
-            </a:extLst>
-          </p:cNvPr>
-          <p:cNvSpPr>
-            <a:spLocks noGrp="1" noChangeArrowheads="1"/>
-          </p:cNvSpPr>
-          <p:nvPr>
-            <p:ph type="title"/>
-          </p:nvPr>
-        </p:nvSpPr>
-        <p:spPr/>
-        <p:txBody>
-          <a:bodyPr/>
-          <a:lstStyle/>
-          <a:p>
-            <a:pPr eaLnBrk="1" hangingPunct="1">
-              <a:defRPr/>
-            </a:pPr>
-            <a:r>
-              <a:rPr lang="en-US" dirty="0">
-                <a:cs typeface="+mj-cs"/>
-              </a:rPr>
-              <a:t>OOP/OOD</a:t>
-            </a:r>
-          </a:p>
-        </p:txBody>
-      </p:sp>
-      <p:sp>
-        <p:nvSpPr>
-          <p:cNvPr id="27650" name="Rectangle 3">
-            <a:extLst>
-              <a:ext uri="{FF2B5EF4-FFF2-40B4-BE49-F238E27FC236}">
-                <a16:creationId xmlns:a16="http://schemas.microsoft.com/office/drawing/2014/main" id="{CDDBD0B0-F30B-EE40-92BE-F8B3992FD62C}"/>
-              </a:ext>
-            </a:extLst>
-          </p:cNvPr>
-          <p:cNvSpPr>
-            <a:spLocks noGrp="1" noChangeArrowheads="1"/>
-          </p:cNvSpPr>
-          <p:nvPr>
-            <p:ph type="body" idx="1"/>
-          </p:nvPr>
-        </p:nvSpPr>
-        <p:spPr>
-          <a:xfrm>
-            <a:off x="628650" y="1076770"/>
-            <a:ext cx="7886700" cy="4070699"/>
-          </a:xfrm>
-        </p:spPr>
-        <p:txBody>
-          <a:bodyPr/>
-          <a:lstStyle/>
-          <a:p>
-            <a:pPr marL="0" indent="0">
-              <a:buNone/>
-            </a:pPr>
-            <a:endParaRPr lang="en-US" altLang="en-US" sz="1833" b="1" dirty="0">
-              <a:ea typeface="ＭＳ Ｐゴシック" panose="020B0600070205080204" pitchFamily="34" charset="-128"/>
-            </a:endParaRPr>
-          </a:p>
-          <a:p>
-            <a:pPr marL="0" indent="0">
-              <a:buNone/>
-            </a:pPr>
-            <a:r>
-              <a:rPr lang="en-US" altLang="en-US" sz="1833" b="1" dirty="0">
-                <a:ea typeface="ＭＳ Ｐゴシック" panose="020B0600070205080204" pitchFamily="34" charset="-128"/>
-              </a:rPr>
-              <a:t>Object-Oriented Programming</a:t>
-            </a:r>
-            <a:r>
-              <a:rPr lang="en-US" altLang="en-US" sz="1833" dirty="0">
-                <a:ea typeface="ＭＳ Ｐゴシック" panose="020B0600070205080204" pitchFamily="34" charset="-128"/>
-              </a:rPr>
-              <a:t>(OOP) is a programming paradigm based on the concepts of objects </a:t>
-            </a:r>
-            <a:r>
-              <a:rPr lang="en-US" altLang="en-US" sz="1833" b="1" dirty="0">
-                <a:ea typeface="ＭＳ Ｐゴシック" panose="020B0600070205080204" pitchFamily="34" charset="-128"/>
-              </a:rPr>
-              <a:t>data(</a:t>
-            </a:r>
-            <a:r>
-              <a:rPr lang="en-US" altLang="en-US" sz="1833" dirty="0">
-                <a:ea typeface="ＭＳ Ｐゴシック" panose="020B0600070205080204" pitchFamily="34" charset="-128"/>
-              </a:rPr>
-              <a:t>in the form of instance variables) and </a:t>
-            </a:r>
-            <a:r>
-              <a:rPr lang="en-US" altLang="en-US" sz="1833" b="1" dirty="0">
-                <a:ea typeface="ＭＳ Ｐゴシック" panose="020B0600070205080204" pitchFamily="34" charset="-128"/>
-              </a:rPr>
-              <a:t>functionality or behavior(</a:t>
-            </a:r>
-            <a:r>
-              <a:rPr lang="en-US" altLang="en-US" sz="1833" dirty="0">
-                <a:ea typeface="ＭＳ Ｐゴシック" panose="020B0600070205080204" pitchFamily="34" charset="-128"/>
-              </a:rPr>
-              <a:t>in the form of methods). Many popular languages are object-oriented(C++, Java, </a:t>
-            </a:r>
-            <a:r>
-              <a:rPr lang="en-US" altLang="en-US" sz="1833" dirty="0" err="1">
-                <a:ea typeface="ＭＳ Ｐゴシック" panose="020B0600070205080204" pitchFamily="34" charset="-128"/>
-              </a:rPr>
-              <a:t>Javascript</a:t>
-            </a:r>
-            <a:r>
-              <a:rPr lang="en-US" altLang="en-US" sz="1833" dirty="0">
-                <a:ea typeface="ＭＳ Ｐゴシック" panose="020B0600070205080204" pitchFamily="34" charset="-128"/>
-              </a:rPr>
-              <a:t>, Python).</a:t>
-            </a:r>
-          </a:p>
-          <a:p>
-            <a:pPr marL="0" indent="0">
-              <a:buNone/>
-            </a:pPr>
-            <a:endParaRPr lang="en-US" altLang="en-US" sz="1833" dirty="0">
-              <a:ea typeface="ＭＳ Ｐゴシック" panose="020B0600070205080204" pitchFamily="34" charset="-128"/>
-            </a:endParaRPr>
-          </a:p>
-          <a:p>
-            <a:pPr marL="0" indent="0">
-              <a:buNone/>
-            </a:pPr>
-            <a:r>
-              <a:rPr lang="en-US" altLang="en-US" sz="1833" dirty="0">
-                <a:ea typeface="ＭＳ Ｐゴシック" panose="020B0600070205080204" pitchFamily="34" charset="-128"/>
-              </a:rPr>
-              <a:t>In OOP, programs are made up of many objects and a program run is the interaction of these objects. </a:t>
-            </a:r>
-          </a:p>
-          <a:p>
-            <a:pPr marL="0" indent="0">
-              <a:buNone/>
-            </a:pPr>
-            <a:endParaRPr lang="en-US" altLang="en-US" sz="1833" dirty="0">
-              <a:ea typeface="ＭＳ Ｐゴシック" panose="020B0600070205080204" pitchFamily="34" charset="-128"/>
-            </a:endParaRPr>
-          </a:p>
-          <a:p>
-            <a:pPr marL="0" indent="0">
-              <a:buNone/>
-            </a:pPr>
-            <a:r>
-              <a:rPr lang="en-US" altLang="en-US" sz="1833" dirty="0">
-                <a:ea typeface="ＭＳ Ｐゴシック" panose="020B0600070205080204" pitchFamily="34" charset="-128"/>
-              </a:rPr>
-              <a:t>In </a:t>
-            </a:r>
-            <a:r>
-              <a:rPr lang="en-US" altLang="en-US" sz="1833" b="1" dirty="0">
-                <a:ea typeface="ＭＳ Ｐゴシック" panose="020B0600070205080204" pitchFamily="34" charset="-128"/>
-              </a:rPr>
-              <a:t>Object-Oriented Design</a:t>
-            </a:r>
-            <a:r>
-              <a:rPr lang="en-US" altLang="en-US" sz="1833" dirty="0">
-                <a:ea typeface="ＭＳ Ｐゴシック" panose="020B0600070205080204" pitchFamily="34" charset="-128"/>
-              </a:rPr>
-              <a:t> (OOD), programmers first spend time to decide which classes are needed and then figure out the data and methods in each class. </a:t>
-            </a:r>
-          </a:p>
-          <a:p>
-            <a:pPr lvl="1" eaLnBrk="1" hangingPunct="1"/>
-            <a:endParaRPr lang="en-US" altLang="en-US" dirty="0">
-              <a:latin typeface="Courier New" panose="02070309020205020404" pitchFamily="49" charset="0"/>
-              <a:ea typeface="ＭＳ Ｐゴシック" panose="020B0600070205080204" pitchFamily="34" charset="-128"/>
-            </a:endParaRPr>
-          </a:p>
-          <a:p>
-            <a:pPr lvl="1" eaLnBrk="1" hangingPunct="1"/>
-            <a:endParaRPr lang="en-US" altLang="en-US" dirty="0">
-              <a:ea typeface="ＭＳ Ｐゴシック" panose="020B0600070205080204" pitchFamily="34" charset="-128"/>
-            </a:endParaRPr>
-          </a:p>
-        </p:txBody>
-      </p:sp>
-    </p:spTree>
-    <p:extLst>
-      <p:ext uri="{BB962C8B-B14F-4D97-AF65-F5344CB8AC3E}">
-        <p14:creationId xmlns:p14="http://schemas.microsoft.com/office/powerpoint/2010/main" val="2101795491"/>
-      </p:ext>
-    </p:extLst>
-  </p:cSld>
-  <p:clrMapOvr>
-    <a:masterClrMapping/>
-  </p:clrMapOvr>
-</p:sld>
-</file>
-
-<file path=ppt/slides/slide30.xml><?xml version="1.0" encoding="utf-8"?>
-<p:sld xmlns:a="http://schemas.openxmlformats.org/drawingml/2006/main" xmlns:r="http://schemas.openxmlformats.org/officeDocument/2006/relationships" xmlns:p="http://schemas.openxmlformats.org/presentationml/2006/main">
-  <p:cSld>
-    <p:spTree>
-      <p:nvGrpSpPr>
-        <p:cNvPr id="1" name=""/>
-        <p:cNvGrpSpPr/>
-        <p:nvPr/>
-      </p:nvGrpSpPr>
-      <p:grpSpPr>
-        <a:xfrm>
-          <a:off x="0" y="0"/>
-          <a:ext cx="0" cy="0"/>
-          <a:chOff x="0" y="0"/>
-          <a:chExt cx="0" cy="0"/>
-        </a:xfrm>
-      </p:grpSpPr>
-      <p:sp>
-        <p:nvSpPr>
-          <p:cNvPr id="2" name="Title 1">
-            <a:extLst>
-              <a:ext uri="{FF2B5EF4-FFF2-40B4-BE49-F238E27FC236}">
-                <a16:creationId xmlns:a16="http://schemas.microsoft.com/office/drawing/2014/main" id="{AA3A228F-61D0-D949-A5E7-F83756230BF8}"/>
-              </a:ext>
-            </a:extLst>
-          </p:cNvPr>
-          <p:cNvSpPr>
-            <a:spLocks noGrp="1"/>
-          </p:cNvSpPr>
-          <p:nvPr>
-            <p:ph type="title"/>
-          </p:nvPr>
-        </p:nvSpPr>
-        <p:spPr>
-          <a:xfrm>
-            <a:off x="483848" y="467027"/>
-            <a:ext cx="7053542" cy="683886"/>
-          </a:xfrm>
-        </p:spPr>
-        <p:txBody>
-          <a:bodyPr/>
-          <a:lstStyle/>
-          <a:p>
-            <a:r>
-              <a:rPr lang="en-US" dirty="0"/>
-              <a:t>Lab 1</a:t>
-            </a:r>
-          </a:p>
-        </p:txBody>
-      </p:sp>
-      <p:sp>
-        <p:nvSpPr>
-          <p:cNvPr id="9" name="Content Placeholder 8">
-            <a:extLst>
-              <a:ext uri="{FF2B5EF4-FFF2-40B4-BE49-F238E27FC236}">
-                <a16:creationId xmlns:a16="http://schemas.microsoft.com/office/drawing/2014/main" id="{E3B2E017-30B2-884B-A113-B419A2ED51AD}"/>
-              </a:ext>
-            </a:extLst>
-          </p:cNvPr>
-          <p:cNvSpPr>
-            <a:spLocks noGrp="1"/>
-          </p:cNvSpPr>
-          <p:nvPr>
-            <p:ph idx="1"/>
-          </p:nvPr>
-        </p:nvSpPr>
-        <p:spPr>
-          <a:xfrm>
-            <a:off x="483848" y="1257299"/>
-            <a:ext cx="8051725" cy="4334203"/>
-          </a:xfrm>
-        </p:spPr>
-        <p:txBody>
-          <a:bodyPr>
-            <a:normAutofit/>
-          </a:bodyPr>
-          <a:lstStyle/>
-          <a:p>
-            <a:pPr marL="0" indent="0">
-              <a:buNone/>
-            </a:pPr>
-            <a:r>
-              <a:rPr lang="en-US" dirty="0"/>
-              <a:t>Write the Student class which has two instance variables: name(str) and </a:t>
-            </a:r>
-            <a:r>
-              <a:rPr lang="en-US" dirty="0" err="1"/>
-              <a:t>gpa</a:t>
-            </a:r>
-            <a:r>
-              <a:rPr lang="en-US" dirty="0"/>
-              <a:t>(float). </a:t>
-            </a:r>
-          </a:p>
-          <a:p>
-            <a:pPr marL="0" indent="0">
-              <a:buNone/>
-            </a:pPr>
-            <a:endParaRPr lang="en-US" sz="2000" dirty="0">
-              <a:latin typeface="Gill Sans MT" panose="020B0502020104020203" pitchFamily="34" charset="77"/>
-            </a:endParaRPr>
-          </a:p>
-          <a:p>
-            <a:pPr marL="0" indent="0">
-              <a:buNone/>
-            </a:pPr>
-            <a:r>
-              <a:rPr lang="en-US" sz="2000" dirty="0">
-                <a:latin typeface="Gill Sans MT" panose="020B0502020104020203" pitchFamily="34" charset="77"/>
-              </a:rPr>
-              <a:t>Write the </a:t>
-            </a:r>
-            <a:r>
-              <a:rPr lang="en-US" sz="2000" dirty="0" err="1">
-                <a:latin typeface="Gill Sans MT" panose="020B0502020104020203" pitchFamily="34" charset="77"/>
-              </a:rPr>
-              <a:t>average_gpa</a:t>
-            </a:r>
-            <a:r>
-              <a:rPr lang="en-US" sz="2000" dirty="0">
-                <a:latin typeface="Gill Sans MT" panose="020B0502020104020203" pitchFamily="34" charset="77"/>
-              </a:rPr>
-              <a:t> function which accepts a list of Student objects and returns the average </a:t>
-            </a:r>
-            <a:r>
-              <a:rPr lang="en-US" sz="2000" dirty="0" err="1">
-                <a:latin typeface="Gill Sans MT" panose="020B0502020104020203" pitchFamily="34" charset="77"/>
-              </a:rPr>
-              <a:t>gpa</a:t>
-            </a:r>
-            <a:r>
-              <a:rPr lang="en-US" sz="2000" dirty="0">
-                <a:latin typeface="Gill Sans MT" panose="020B0502020104020203" pitchFamily="34" charset="77"/>
-              </a:rPr>
-              <a:t>. </a:t>
-            </a:r>
-          </a:p>
-          <a:p>
-            <a:pPr marL="0" indent="0">
-              <a:buNone/>
-            </a:pPr>
-            <a:endParaRPr lang="en-US" sz="2000" dirty="0">
-              <a:latin typeface="Gill Sans MT" panose="020B0502020104020203" pitchFamily="34" charset="77"/>
-            </a:endParaRPr>
-          </a:p>
-          <a:p>
-            <a:pPr marL="0" indent="0">
-              <a:buNone/>
-            </a:pPr>
-            <a:r>
-              <a:rPr lang="en-US" sz="2000" dirty="0">
-                <a:latin typeface="Gill Sans MT" panose="020B0502020104020203" pitchFamily="34" charset="77"/>
-              </a:rPr>
-              <a:t>Write the main method and:</a:t>
-            </a:r>
-          </a:p>
-          <a:p>
-            <a:pPr marL="457200" indent="-457200">
-              <a:buAutoNum type="arabicParenR"/>
-            </a:pPr>
-            <a:r>
-              <a:rPr lang="en-US" sz="2000" dirty="0">
-                <a:latin typeface="Gill Sans MT" panose="020B0502020104020203" pitchFamily="34" charset="77"/>
-              </a:rPr>
-              <a:t>Create a Student object and store it in a variable. Print out name and </a:t>
-            </a:r>
-            <a:r>
-              <a:rPr lang="en-US" sz="2000" dirty="0" err="1">
-                <a:latin typeface="Gill Sans MT" panose="020B0502020104020203" pitchFamily="34" charset="77"/>
-              </a:rPr>
-              <a:t>gpa</a:t>
-            </a:r>
-            <a:r>
-              <a:rPr lang="en-US" sz="2000" dirty="0">
-                <a:latin typeface="Gill Sans MT" panose="020B0502020104020203" pitchFamily="34" charset="77"/>
-              </a:rPr>
-              <a:t> of the Student object using the dot notation. </a:t>
-            </a:r>
-          </a:p>
-          <a:p>
-            <a:pPr marL="457200" indent="-457200">
-              <a:buAutoNum type="arabicParenR"/>
-            </a:pPr>
-            <a:r>
-              <a:rPr lang="en-US" sz="2000" dirty="0">
-                <a:latin typeface="Gill Sans MT" panose="020B0502020104020203" pitchFamily="34" charset="77"/>
-              </a:rPr>
-              <a:t>Create a list of three Student objects. Use a for loop to print out the names.  </a:t>
-            </a:r>
-          </a:p>
-          <a:p>
-            <a:pPr marL="457200" indent="-457200">
-              <a:buAutoNum type="arabicParenR"/>
-            </a:pPr>
-            <a:r>
-              <a:rPr lang="en-US" sz="2000" dirty="0">
-                <a:latin typeface="Gill Sans MT" panose="020B0502020104020203" pitchFamily="34" charset="77"/>
-              </a:rPr>
-              <a:t>Call </a:t>
-            </a:r>
-            <a:r>
-              <a:rPr lang="en-US" sz="2000" dirty="0" err="1">
-                <a:latin typeface="Gill Sans MT" panose="020B0502020104020203" pitchFamily="34" charset="77"/>
-              </a:rPr>
-              <a:t>average_gpa</a:t>
-            </a:r>
-            <a:r>
-              <a:rPr lang="en-US" sz="2000" dirty="0">
-                <a:latin typeface="Gill Sans MT" panose="020B0502020104020203" pitchFamily="34" charset="77"/>
-              </a:rPr>
-              <a:t> and make sure it works by printing out the average </a:t>
-            </a:r>
-            <a:r>
-              <a:rPr lang="en-US" sz="2000" dirty="0" err="1">
-                <a:latin typeface="Gill Sans MT" panose="020B0502020104020203" pitchFamily="34" charset="77"/>
-              </a:rPr>
-              <a:t>gpa</a:t>
-            </a:r>
-            <a:r>
-              <a:rPr lang="en-US" sz="2000" dirty="0">
-                <a:latin typeface="Gill Sans MT" panose="020B0502020104020203" pitchFamily="34" charset="77"/>
-              </a:rPr>
-              <a:t>.</a:t>
-            </a:r>
-          </a:p>
-          <a:p>
-            <a:pPr marL="0" indent="0">
-              <a:buNone/>
-            </a:pPr>
-            <a:endParaRPr lang="en-US" sz="2000" dirty="0">
-              <a:latin typeface="Gill Sans MT" panose="020B0502020104020203" pitchFamily="34" charset="77"/>
-            </a:endParaRPr>
-          </a:p>
-          <a:p>
-            <a:pPr marL="0" indent="0">
-              <a:buNone/>
-            </a:pPr>
-            <a:endParaRPr lang="en-US" b="1" dirty="0">
-              <a:solidFill>
-                <a:srgbClr val="000087"/>
-              </a:solidFill>
-              <a:latin typeface="Inconsolata Medium" panose="020B0609030003000000" pitchFamily="49" charset="77"/>
-            </a:endParaRPr>
-          </a:p>
-          <a:p>
-            <a:pPr marL="0" indent="0">
-              <a:buNone/>
-            </a:pPr>
-            <a:endParaRPr lang="en-US" b="1" dirty="0">
-              <a:solidFill>
-                <a:srgbClr val="000087"/>
-              </a:solidFill>
-              <a:latin typeface="Inconsolata Medium" panose="020B0609030003000000" pitchFamily="49" charset="77"/>
-            </a:endParaRPr>
-          </a:p>
-        </p:txBody>
-      </p:sp>
-    </p:spTree>
-    <p:extLst>
-      <p:ext uri="{BB962C8B-B14F-4D97-AF65-F5344CB8AC3E}">
-        <p14:creationId xmlns:p14="http://schemas.microsoft.com/office/powerpoint/2010/main" val="1854861563"/>
-      </p:ext>
-    </p:extLst>
-  </p:cSld>
-  <p:clrMapOvr>
-    <a:masterClrMapping/>
-  </p:clrMapOvr>
-</p:sld>
-</file>
-
 <file path=ppt/slides/slide31.xml><?xml version="1.0" encoding="utf-8"?>
 <p:sld xmlns:a="http://schemas.openxmlformats.org/drawingml/2006/main" xmlns:r="http://schemas.openxmlformats.org/officeDocument/2006/relationships" xmlns:p="http://schemas.openxmlformats.org/presentationml/2006/main">
   <p:cSld>
@@ -19760,6 +19893,276 @@
     </p:spTree>
     <p:extLst>
       <p:ext uri="{BB962C8B-B14F-4D97-AF65-F5344CB8AC3E}">
+        <p14:creationId xmlns:p14="http://schemas.microsoft.com/office/powerpoint/2010/main" val="1854861563"/>
+      </p:ext>
+    </p:extLst>
+  </p:cSld>
+  <p:clrMapOvr>
+    <a:masterClrMapping/>
+  </p:clrMapOvr>
+</p:sld>
+</file>
+
+<file path=ppt/slides/slide32.xml><?xml version="1.0" encoding="utf-8"?>
+<p:sld xmlns:a="http://schemas.openxmlformats.org/drawingml/2006/main" xmlns:r="http://schemas.openxmlformats.org/officeDocument/2006/relationships" xmlns:p="http://schemas.openxmlformats.org/presentationml/2006/main">
+  <p:cSld>
+    <p:spTree>
+      <p:nvGrpSpPr>
+        <p:cNvPr id="1" name=""/>
+        <p:cNvGrpSpPr/>
+        <p:nvPr/>
+      </p:nvGrpSpPr>
+      <p:grpSpPr>
+        <a:xfrm>
+          <a:off x="0" y="0"/>
+          <a:ext cx="0" cy="0"/>
+          <a:chOff x="0" y="0"/>
+          <a:chExt cx="0" cy="0"/>
+        </a:xfrm>
+      </p:grpSpPr>
+      <p:sp>
+        <p:nvSpPr>
+          <p:cNvPr id="2" name="Title 1">
+            <a:extLst>
+              <a:ext uri="{FF2B5EF4-FFF2-40B4-BE49-F238E27FC236}">
+                <a16:creationId xmlns:a16="http://schemas.microsoft.com/office/drawing/2014/main" id="{AA3A228F-61D0-D949-A5E7-F83756230BF8}"/>
+              </a:ext>
+            </a:extLst>
+          </p:cNvPr>
+          <p:cNvSpPr>
+            <a:spLocks noGrp="1"/>
+          </p:cNvSpPr>
+          <p:nvPr>
+            <p:ph type="title"/>
+          </p:nvPr>
+        </p:nvSpPr>
+        <p:spPr>
+          <a:xfrm>
+            <a:off x="483848" y="467027"/>
+            <a:ext cx="7053542" cy="683886"/>
+          </a:xfrm>
+        </p:spPr>
+        <p:txBody>
+          <a:bodyPr/>
+          <a:lstStyle/>
+          <a:p>
+            <a:r>
+              <a:rPr lang="en-US" dirty="0"/>
+              <a:t>Lab 1</a:t>
+            </a:r>
+          </a:p>
+        </p:txBody>
+      </p:sp>
+      <p:sp>
+        <p:nvSpPr>
+          <p:cNvPr id="9" name="Content Placeholder 8">
+            <a:extLst>
+              <a:ext uri="{FF2B5EF4-FFF2-40B4-BE49-F238E27FC236}">
+                <a16:creationId xmlns:a16="http://schemas.microsoft.com/office/drawing/2014/main" id="{E3B2E017-30B2-884B-A113-B419A2ED51AD}"/>
+              </a:ext>
+            </a:extLst>
+          </p:cNvPr>
+          <p:cNvSpPr>
+            <a:spLocks noGrp="1"/>
+          </p:cNvSpPr>
+          <p:nvPr>
+            <p:ph idx="1"/>
+          </p:nvPr>
+        </p:nvSpPr>
+        <p:spPr>
+          <a:xfrm>
+            <a:off x="483848" y="1257299"/>
+            <a:ext cx="8051725" cy="4334203"/>
+          </a:xfrm>
+        </p:spPr>
+        <p:txBody>
+          <a:bodyPr>
+            <a:normAutofit/>
+          </a:bodyPr>
+          <a:lstStyle/>
+          <a:p>
+            <a:pPr marL="0" indent="0">
+              <a:buNone/>
+            </a:pPr>
+            <a:r>
+              <a:rPr lang="en-US" dirty="0"/>
+              <a:t>Write the Student class which has two instance variables: name(str) and </a:t>
+            </a:r>
+            <a:r>
+              <a:rPr lang="en-US" dirty="0" err="1"/>
+              <a:t>gpa</a:t>
+            </a:r>
+            <a:r>
+              <a:rPr lang="en-US" dirty="0"/>
+              <a:t>(float). </a:t>
+            </a:r>
+          </a:p>
+          <a:p>
+            <a:pPr marL="0" indent="0">
+              <a:buNone/>
+            </a:pPr>
+            <a:endParaRPr lang="en-US" sz="2000" dirty="0">
+              <a:latin typeface="Gill Sans MT" panose="020B0502020104020203" pitchFamily="34" charset="77"/>
+            </a:endParaRPr>
+          </a:p>
+          <a:p>
+            <a:pPr marL="0" indent="0">
+              <a:buNone/>
+            </a:pPr>
+            <a:r>
+              <a:rPr lang="en-US" sz="2000" dirty="0">
+                <a:latin typeface="Gill Sans MT" panose="020B0502020104020203" pitchFamily="34" charset="77"/>
+              </a:rPr>
+              <a:t>Write the </a:t>
+            </a:r>
+            <a:r>
+              <a:rPr lang="en-US" sz="2000" dirty="0" err="1">
+                <a:latin typeface="Gill Sans MT" panose="020B0502020104020203" pitchFamily="34" charset="77"/>
+              </a:rPr>
+              <a:t>average_gpa</a:t>
+            </a:r>
+            <a:r>
+              <a:rPr lang="en-US" sz="2000" dirty="0">
+                <a:latin typeface="Gill Sans MT" panose="020B0502020104020203" pitchFamily="34" charset="77"/>
+              </a:rPr>
+              <a:t> function which accepts a list of Student objects and returns the average </a:t>
+            </a:r>
+            <a:r>
+              <a:rPr lang="en-US" sz="2000" dirty="0" err="1">
+                <a:latin typeface="Gill Sans MT" panose="020B0502020104020203" pitchFamily="34" charset="77"/>
+              </a:rPr>
+              <a:t>gpa</a:t>
+            </a:r>
+            <a:r>
+              <a:rPr lang="en-US" sz="2000" dirty="0">
+                <a:latin typeface="Gill Sans MT" panose="020B0502020104020203" pitchFamily="34" charset="77"/>
+              </a:rPr>
+              <a:t>. </a:t>
+            </a:r>
+          </a:p>
+          <a:p>
+            <a:pPr marL="0" indent="0">
+              <a:buNone/>
+            </a:pPr>
+            <a:endParaRPr lang="en-US" sz="2000" dirty="0">
+              <a:latin typeface="Gill Sans MT" panose="020B0502020104020203" pitchFamily="34" charset="77"/>
+            </a:endParaRPr>
+          </a:p>
+          <a:p>
+            <a:pPr marL="0" indent="0">
+              <a:buNone/>
+            </a:pPr>
+            <a:r>
+              <a:rPr lang="en-US" sz="2000" dirty="0">
+                <a:latin typeface="Gill Sans MT" panose="020B0502020104020203" pitchFamily="34" charset="77"/>
+              </a:rPr>
+              <a:t>Write the main method and:</a:t>
+            </a:r>
+          </a:p>
+          <a:p>
+            <a:pPr marL="457200" indent="-457200">
+              <a:buAutoNum type="arabicParenR"/>
+            </a:pPr>
+            <a:r>
+              <a:rPr lang="en-US" sz="2000" dirty="0">
+                <a:latin typeface="Gill Sans MT" panose="020B0502020104020203" pitchFamily="34" charset="77"/>
+              </a:rPr>
+              <a:t>Create a Student object and store it in a variable. Print out name and </a:t>
+            </a:r>
+            <a:r>
+              <a:rPr lang="en-US" sz="2000" dirty="0" err="1">
+                <a:latin typeface="Gill Sans MT" panose="020B0502020104020203" pitchFamily="34" charset="77"/>
+              </a:rPr>
+              <a:t>gpa</a:t>
+            </a:r>
+            <a:r>
+              <a:rPr lang="en-US" sz="2000" dirty="0">
+                <a:latin typeface="Gill Sans MT" panose="020B0502020104020203" pitchFamily="34" charset="77"/>
+              </a:rPr>
+              <a:t> of the Student object using the dot notation. </a:t>
+            </a:r>
+          </a:p>
+          <a:p>
+            <a:pPr marL="457200" indent="-457200">
+              <a:buAutoNum type="arabicParenR"/>
+            </a:pPr>
+            <a:r>
+              <a:rPr lang="en-US" sz="2000" dirty="0">
+                <a:latin typeface="Gill Sans MT" panose="020B0502020104020203" pitchFamily="34" charset="77"/>
+              </a:rPr>
+              <a:t>Create a list of three Student objects. Use a for loop to print out the names.  </a:t>
+            </a:r>
+          </a:p>
+          <a:p>
+            <a:pPr marL="457200" indent="-457200">
+              <a:buAutoNum type="arabicParenR"/>
+            </a:pPr>
+            <a:r>
+              <a:rPr lang="en-US" sz="2000" dirty="0">
+                <a:latin typeface="Gill Sans MT" panose="020B0502020104020203" pitchFamily="34" charset="77"/>
+              </a:rPr>
+              <a:t>Call </a:t>
+            </a:r>
+            <a:r>
+              <a:rPr lang="en-US" sz="2000" dirty="0" err="1">
+                <a:latin typeface="Gill Sans MT" panose="020B0502020104020203" pitchFamily="34" charset="77"/>
+              </a:rPr>
+              <a:t>average_gpa</a:t>
+            </a:r>
+            <a:r>
+              <a:rPr lang="en-US" sz="2000" dirty="0">
+                <a:latin typeface="Gill Sans MT" panose="020B0502020104020203" pitchFamily="34" charset="77"/>
+              </a:rPr>
+              <a:t> and make sure it works by printing out the average </a:t>
+            </a:r>
+            <a:r>
+              <a:rPr lang="en-US" sz="2000" dirty="0" err="1">
+                <a:latin typeface="Gill Sans MT" panose="020B0502020104020203" pitchFamily="34" charset="77"/>
+              </a:rPr>
+              <a:t>gpa</a:t>
+            </a:r>
+            <a:r>
+              <a:rPr lang="en-US" sz="2000" dirty="0">
+                <a:latin typeface="Gill Sans MT" panose="020B0502020104020203" pitchFamily="34" charset="77"/>
+              </a:rPr>
+              <a:t>.</a:t>
+            </a:r>
+          </a:p>
+          <a:p>
+            <a:pPr marL="0" indent="0">
+              <a:buNone/>
+            </a:pPr>
+            <a:endParaRPr lang="en-US" sz="2000" dirty="0">
+              <a:latin typeface="Gill Sans MT" panose="020B0502020104020203" pitchFamily="34" charset="77"/>
+            </a:endParaRPr>
+          </a:p>
+          <a:p>
+            <a:pPr marL="0" indent="0">
+              <a:buNone/>
+            </a:pPr>
+            <a:endParaRPr lang="en-US" b="1" dirty="0">
+              <a:solidFill>
+                <a:srgbClr val="000087"/>
+              </a:solidFill>
+              <a:latin typeface="Inconsolata Medium" panose="020B0609030003000000" pitchFamily="49" charset="77"/>
+            </a:endParaRPr>
+          </a:p>
+          <a:p>
+            <a:pPr marL="0" indent="0">
+              <a:buNone/>
+            </a:pPr>
+            <a:endParaRPr lang="en-US" b="1" dirty="0">
+              <a:solidFill>
+                <a:srgbClr val="000087"/>
+              </a:solidFill>
+              <a:latin typeface="Inconsolata Medium" panose="020B0609030003000000" pitchFamily="49" charset="77"/>
+            </a:endParaRPr>
+          </a:p>
+        </p:txBody>
+      </p:sp>
+    </p:spTree>
+    <p:extLst>
+      <p:ext uri="{BB962C8B-B14F-4D97-AF65-F5344CB8AC3E}">
         <p14:creationId xmlns:p14="http://schemas.microsoft.com/office/powerpoint/2010/main" val="1559918550"/>
       </p:ext>
     </p:extLst>
@@ -19770,7 +20173,7 @@
 </p:sld>
 </file>
 
-<file path=ppt/slides/slide32.xml><?xml version="1.0" encoding="utf-8"?>
+<file path=ppt/slides/slide33.xml><?xml version="1.0" encoding="utf-8"?>
 <p:sld xmlns:a="http://schemas.openxmlformats.org/drawingml/2006/main" xmlns:r="http://schemas.openxmlformats.org/officeDocument/2006/relationships" xmlns:p="http://schemas.openxmlformats.org/presentationml/2006/main">
   <p:cSld>
     <p:spTree>
@@ -20027,7 +20430,7 @@
             </a:pPr>
             <a:r>
               <a:rPr lang="en-US" dirty="0"/>
-              <a:t>Everything in Python is a class so we already used them. A list is a class. So is an integer, a string, a tuple, even functions!</a:t>
+              <a:t>Everything in Python is a class so we have used them before. A list is a class. So is an integer, a string, a tuple, even functions!</a:t>
             </a:r>
           </a:p>
           <a:p>
@@ -20036,7 +20439,7 @@
             </a:pPr>
             <a:r>
               <a:rPr lang="en-US" dirty="0"/>
-              <a:t>The following create two list </a:t>
+              <a:t>The following creates two list </a:t>
             </a:r>
             <a:r>
               <a:rPr lang="en-US" b="1" dirty="0"/>
@@ -20083,13 +20486,7 @@
               <a:rPr lang="en-US" sz="2000" b="1" dirty="0">
                 <a:latin typeface="Inconsolata Medium" panose="020B0609030003000000" pitchFamily="49" charset="77"/>
               </a:rPr>
-              <a:t>print(</a:t>
-            </a:r>
-            <a:r>
-              <a:rPr lang="en-US" sz="2000" b="1">
-                <a:latin typeface="Inconsolata Medium" panose="020B0609030003000000" pitchFamily="49" charset="77"/>
-              </a:rPr>
-              <a:t>type(a)) </a:t>
+              <a:t>print(type(a)) </a:t>
             </a:r>
             <a:r>
               <a:rPr lang="en-US" sz="2000" b="1" dirty="0">
@@ -20290,16 +20687,24 @@
               <a:t> bundles together </a:t>
             </a:r>
             <a:r>
+              <a:rPr lang="en-US" b="1" dirty="0"/>
+              <a:t>data</a:t>
+            </a:r>
+            <a:r>
               <a:rPr lang="en-US" i="1" dirty="0"/>
-              <a:t>data </a:t>
+              <a:t> </a:t>
             </a:r>
             <a:r>
               <a:rPr lang="en-US" dirty="0"/>
               <a:t>(instance variables or attributes) and </a:t>
             </a:r>
             <a:r>
+              <a:rPr lang="en-US" b="1" dirty="0"/>
+              <a:t>functionality</a:t>
+            </a:r>
+            <a:r>
               <a:rPr lang="en-US" i="1" dirty="0"/>
-              <a:t>functionality </a:t>
+              <a:t> </a:t>
             </a:r>
             <a:r>
               <a:rPr lang="en-US" dirty="0"/>
@@ -20532,7 +20937,22 @@
             </a:r>
             <a:r>
               <a:rPr lang="en-US" dirty="0"/>
-              <a:t>. This </a:t>
+              <a:t>. </a:t>
+            </a:r>
+          </a:p>
+          <a:p>
+            <a:pPr marL="0" indent="0">
+              <a:buNone/>
+            </a:pPr>
+            <a:endParaRPr lang="en-US" dirty="0"/>
+          </a:p>
+          <a:p>
+            <a:pPr marL="0" indent="0">
+              <a:buNone/>
+            </a:pPr>
+            <a:r>
+              <a:rPr lang="en-US" dirty="0"/>
+              <a:t>This </a:t>
             </a:r>
             <a:r>
               <a:rPr lang="en-US" b="1" dirty="0"/>

--- a/courses/apcsp/lect9.pptx
+++ b/courses/apcsp/lect9.pptx
@@ -147,7 +147,7 @@
 <file path=ppt/revisionInfo.xml><?xml version="1.0" encoding="utf-8"?>
 <p1510:revInfo xmlns:a="http://schemas.openxmlformats.org/drawingml/2006/main" xmlns:r="http://schemas.openxmlformats.org/officeDocument/2006/relationships" xmlns:p1510="http://schemas.microsoft.com/office/powerpoint/2015/10/main">
   <p1510:revLst>
-    <p1510:client id="{59CB9C7B-CBC7-E549-B176-97F9C29CB310}" v="4294" dt="2019-11-14T13:02:05.813"/>
+    <p1510:client id="{59CB9C7B-CBC7-E549-B176-97F9C29CB310}" v="4308" dt="2019-11-14T13:11:57.439"/>
   </p1510:revLst>
 </p1510:revInfo>
 </file>
@@ -157,18 +157,18 @@
   <pc:docChgLst>
     <pc:chgData name="Long B Nguyen" userId="f59fb8f3-a021-417a-8bc1-65c8d471c621" providerId="ADAL" clId="{59CB9C7B-CBC7-E549-B176-97F9C29CB310}"/>
     <pc:docChg chg="undo custSel addSld delSld modSld">
-      <pc:chgData name="Long B Nguyen" userId="f59fb8f3-a021-417a-8bc1-65c8d471c621" providerId="ADAL" clId="{59CB9C7B-CBC7-E549-B176-97F9C29CB310}" dt="2019-11-14T13:02:05.813" v="12882"/>
+      <pc:chgData name="Long B Nguyen" userId="f59fb8f3-a021-417a-8bc1-65c8d471c621" providerId="ADAL" clId="{59CB9C7B-CBC7-E549-B176-97F9C29CB310}" dt="2019-11-14T13:12:40.926" v="12956" actId="1076"/>
       <pc:docMkLst>
         <pc:docMk/>
       </pc:docMkLst>
       <pc:sldChg chg="modSp">
-        <pc:chgData name="Long B Nguyen" userId="f59fb8f3-a021-417a-8bc1-65c8d471c621" providerId="ADAL" clId="{59CB9C7B-CBC7-E549-B176-97F9C29CB310}" dt="2019-11-09T20:23:53.886" v="2709" actId="20577"/>
+        <pc:chgData name="Long B Nguyen" userId="f59fb8f3-a021-417a-8bc1-65c8d471c621" providerId="ADAL" clId="{59CB9C7B-CBC7-E549-B176-97F9C29CB310}" dt="2019-11-14T13:12:40.926" v="12956" actId="1076"/>
         <pc:sldMkLst>
           <pc:docMk/>
           <pc:sldMk cId="4247104139" sldId="256"/>
         </pc:sldMkLst>
         <pc:spChg chg="mod">
-          <ac:chgData name="Long B Nguyen" userId="f59fb8f3-a021-417a-8bc1-65c8d471c621" providerId="ADAL" clId="{59CB9C7B-CBC7-E549-B176-97F9C29CB310}" dt="2019-11-09T20:23:53.886" v="2709" actId="20577"/>
+          <ac:chgData name="Long B Nguyen" userId="f59fb8f3-a021-417a-8bc1-65c8d471c621" providerId="ADAL" clId="{59CB9C7B-CBC7-E549-B176-97F9C29CB310}" dt="2019-11-14T13:12:40.926" v="12956" actId="1076"/>
           <ac:spMkLst>
             <pc:docMk/>
             <pc:sldMk cId="4247104139" sldId="256"/>
@@ -1013,11 +1013,19 @@
         </pc:spChg>
       </pc:sldChg>
       <pc:sldChg chg="addSp delSp modSp add modAnim">
-        <pc:chgData name="Long B Nguyen" userId="f59fb8f3-a021-417a-8bc1-65c8d471c621" providerId="ADAL" clId="{59CB9C7B-CBC7-E549-B176-97F9C29CB310}" dt="2019-11-14T12:55:14.462" v="12802"/>
+        <pc:chgData name="Long B Nguyen" userId="f59fb8f3-a021-417a-8bc1-65c8d471c621" providerId="ADAL" clId="{59CB9C7B-CBC7-E549-B176-97F9C29CB310}" dt="2019-11-14T13:12:01.541" v="12955" actId="20577"/>
         <pc:sldMkLst>
           <pc:docMk/>
           <pc:sldMk cId="4152312606" sldId="348"/>
         </pc:sldMkLst>
+        <pc:spChg chg="add mod">
+          <ac:chgData name="Long B Nguyen" userId="f59fb8f3-a021-417a-8bc1-65c8d471c621" providerId="ADAL" clId="{59CB9C7B-CBC7-E549-B176-97F9C29CB310}" dt="2019-11-14T13:12:01.541" v="12955" actId="20577"/>
+          <ac:spMkLst>
+            <pc:docMk/>
+            <pc:sldMk cId="4152312606" sldId="348"/>
+            <ac:spMk id="3" creationId="{74672431-8FFA-904A-BC8A-F824A588FCDD}"/>
+          </ac:spMkLst>
+        </pc:spChg>
         <pc:spChg chg="add del mod">
           <ac:chgData name="Long B Nguyen" userId="f59fb8f3-a021-417a-8bc1-65c8d471c621" providerId="ADAL" clId="{59CB9C7B-CBC7-E549-B176-97F9C29CB310}" dt="2019-11-10T19:00:18.499" v="7687" actId="478"/>
           <ac:spMkLst>
@@ -1076,13 +1084,13 @@
         </pc:spChg>
       </pc:sldChg>
       <pc:sldChg chg="modSp add modAnim">
-        <pc:chgData name="Long B Nguyen" userId="f59fb8f3-a021-417a-8bc1-65c8d471c621" providerId="ADAL" clId="{59CB9C7B-CBC7-E549-B176-97F9C29CB310}" dt="2019-11-14T12:56:21.421" v="12806"/>
+        <pc:chgData name="Long B Nguyen" userId="f59fb8f3-a021-417a-8bc1-65c8d471c621" providerId="ADAL" clId="{59CB9C7B-CBC7-E549-B176-97F9C29CB310}" dt="2019-11-14T13:07:01.353" v="12891" actId="20577"/>
         <pc:sldMkLst>
           <pc:docMk/>
           <pc:sldMk cId="2239308720" sldId="349"/>
         </pc:sldMkLst>
         <pc:spChg chg="mod">
-          <ac:chgData name="Long B Nguyen" userId="f59fb8f3-a021-417a-8bc1-65c8d471c621" providerId="ADAL" clId="{59CB9C7B-CBC7-E549-B176-97F9C29CB310}" dt="2019-11-10T19:12:59.751" v="8608" actId="207"/>
+          <ac:chgData name="Long B Nguyen" userId="f59fb8f3-a021-417a-8bc1-65c8d471c621" providerId="ADAL" clId="{59CB9C7B-CBC7-E549-B176-97F9C29CB310}" dt="2019-11-14T13:07:01.353" v="12891" actId="20577"/>
           <ac:spMkLst>
             <pc:docMk/>
             <pc:sldMk cId="2239308720" sldId="349"/>
@@ -4276,7 +4284,7 @@
         </p:nvSpPr>
         <p:spPr>
           <a:xfrm>
-            <a:off x="1849821" y="2550188"/>
+            <a:off x="1654562" y="2553854"/>
             <a:ext cx="5381296" cy="1002310"/>
           </a:xfrm>
         </p:spPr>
@@ -16239,6 +16247,84 @@
           </a:p>
         </p:txBody>
       </p:sp>
+      <p:sp>
+        <p:nvSpPr>
+          <p:cNvPr id="3" name="TextBox 2">
+            <a:extLst>
+              <a:ext uri="{FF2B5EF4-FFF2-40B4-BE49-F238E27FC236}">
+                <a16:creationId xmlns:a16="http://schemas.microsoft.com/office/drawing/2014/main" id="{74672431-8FFA-904A-BC8A-F824A588FCDD}"/>
+              </a:ext>
+            </a:extLst>
+          </p:cNvPr>
+          <p:cNvSpPr txBox="1"/>
+          <p:nvPr/>
+        </p:nvSpPr>
+        <p:spPr>
+          <a:xfrm>
+            <a:off x="2982858" y="4567116"/>
+            <a:ext cx="5360955" cy="923330"/>
+          </a:xfrm>
+          <a:prstGeom prst="rect">
+            <a:avLst/>
+          </a:prstGeom>
+          <a:noFill/>
+        </p:spPr>
+        <p:txBody>
+          <a:bodyPr wrap="none" rtlCol="0">
+            <a:spAutoFit/>
+          </a:bodyPr>
+          <a:lstStyle/>
+          <a:p>
+            <a:r>
+              <a:rPr lang="en-US" sz="1800" dirty="0">
+                <a:solidFill>
+                  <a:srgbClr val="00B0F0"/>
+                </a:solidFill>
+              </a:rPr>
+              <a:t>You can see the code for this example on </a:t>
+            </a:r>
+            <a:r>
+              <a:rPr lang="en-US" sz="1800" dirty="0" err="1">
+                <a:solidFill>
+                  <a:srgbClr val="00B0F0"/>
+                </a:solidFill>
+              </a:rPr>
+              <a:t>repl.it</a:t>
+            </a:r>
+            <a:r>
+              <a:rPr lang="en-US" sz="1800" dirty="0">
+                <a:solidFill>
+                  <a:srgbClr val="00B0F0"/>
+                </a:solidFill>
+              </a:rPr>
+              <a:t> at:</a:t>
+            </a:r>
+          </a:p>
+          <a:p>
+            <a:endParaRPr lang="en-US" sz="1800" dirty="0">
+              <a:solidFill>
+                <a:srgbClr val="00B0F0"/>
+              </a:solidFill>
+            </a:endParaRPr>
+          </a:p>
+          <a:p>
+            <a:r>
+              <a:rPr lang="en-US" sz="1800" dirty="0">
+                <a:solidFill>
+                  <a:srgbClr val="00B0F0"/>
+                </a:solidFill>
+                <a:hlinkClick r:id="rId2"/>
+              </a:rPr>
+              <a:t>https://repl.it/@LongNguyen18/ImportModulesPython  </a:t>
+            </a:r>
+            <a:endParaRPr lang="en-US" sz="1800" dirty="0">
+              <a:solidFill>
+                <a:srgbClr val="00B0F0"/>
+              </a:solidFill>
+            </a:endParaRPr>
+          </a:p>
+        </p:txBody>
+      </p:sp>
     </p:spTree>
     <p:extLst>
       <p:ext uri="{BB962C8B-B14F-4D97-AF65-F5344CB8AC3E}">
@@ -17400,21 +17486,21 @@
                 </a:solidFill>
                 <a:latin typeface="Inconsolata Medium" panose="020B0609030003000000" pitchFamily="49" charset="77"/>
               </a:rPr>
-              <a:t>, add </a:t>
-            </a:r>
-          </a:p>
-          <a:p>
-            <a:endParaRPr lang="en-US" sz="1800" b="1" dirty="0">
-              <a:latin typeface="Inconsolata Medium" panose="020B0609030003000000" pitchFamily="49" charset="77"/>
-            </a:endParaRPr>
+              <a:t>, add</a:t>
+            </a:r>
           </a:p>
           <a:p>
             <a:r>
               <a:rPr lang="en-US" sz="1800" b="1" dirty="0">
-                <a:latin typeface="Inconsolata Medium" panose="020B0609030003000000" pitchFamily="49" charset="77"/>
-              </a:rPr>
-              <a:t>print(</a:t>
-            </a:r>
+                <a:solidFill>
+                  <a:srgbClr val="FF0000"/>
+                </a:solidFill>
+                <a:latin typeface="Inconsolata Medium" panose="020B0609030003000000" pitchFamily="49" charset="77"/>
+              </a:rPr>
+              <a:t> </a:t>
+            </a:r>
+          </a:p>
+          <a:p>
             <a:r>
               <a:rPr lang="en-US" sz="1800" b="1" dirty="0" err="1">
                 <a:latin typeface="Inconsolata Medium" panose="020B0609030003000000" pitchFamily="49" charset="77"/>
@@ -17425,7 +17511,7 @@
               <a:rPr lang="en-US" sz="1800" b="1" dirty="0">
                 <a:latin typeface="Inconsolata Medium" panose="020B0609030003000000" pitchFamily="49" charset="77"/>
               </a:rPr>
-              <a:t>("hello"))</a:t>
+              <a:t>("hello")</a:t>
             </a:r>
           </a:p>
           <a:p>

--- a/courses/apcsp/lect9.pptx
+++ b/courses/apcsp/lect9.pptx
@@ -36,7 +36,7 @@
     <p:sldId id="549" r:id="rId30"/>
     <p:sldId id="551" r:id="rId31"/>
     <p:sldId id="546" r:id="rId32"/>
-    <p:sldId id="552" r:id="rId33"/>
+    <p:sldId id="554" r:id="rId33"/>
     <p:sldId id="284" r:id="rId34"/>
   </p:sldIdLst>
   <p:sldSz cx="9144000" cy="5715000" type="screen16x10"/>
@@ -147,7 +147,7 @@
 <file path=ppt/revisionInfo.xml><?xml version="1.0" encoding="utf-8"?>
 <p1510:revInfo xmlns:a="http://schemas.openxmlformats.org/drawingml/2006/main" xmlns:r="http://schemas.openxmlformats.org/officeDocument/2006/relationships" xmlns:p1510="http://schemas.microsoft.com/office/powerpoint/2015/10/main">
   <p1510:revLst>
-    <p1510:client id="{59CB9C7B-CBC7-E549-B176-97F9C29CB310}" v="4308" dt="2019-11-14T13:11:57.439"/>
+    <p1510:client id="{59CB9C7B-CBC7-E549-B176-97F9C29CB310}" v="4309" dt="2019-11-19T12:45:57.102"/>
   </p1510:revLst>
 </p1510:revInfo>
 </file>
@@ -157,7 +157,7 @@
   <pc:docChgLst>
     <pc:chgData name="Long B Nguyen" userId="f59fb8f3-a021-417a-8bc1-65c8d471c621" providerId="ADAL" clId="{59CB9C7B-CBC7-E549-B176-97F9C29CB310}"/>
     <pc:docChg chg="undo custSel addSld delSld modSld">
-      <pc:chgData name="Long B Nguyen" userId="f59fb8f3-a021-417a-8bc1-65c8d471c621" providerId="ADAL" clId="{59CB9C7B-CBC7-E549-B176-97F9C29CB310}" dt="2019-11-14T13:12:40.926" v="12956" actId="1076"/>
+      <pc:chgData name="Long B Nguyen" userId="f59fb8f3-a021-417a-8bc1-65c8d471c621" providerId="ADAL" clId="{59CB9C7B-CBC7-E549-B176-97F9C29CB310}" dt="2019-11-19T12:47:14.779" v="13175" actId="20577"/>
       <pc:docMkLst>
         <pc:docMk/>
       </pc:docMkLst>
@@ -1145,29 +1145,6 @@
           </ac:spMkLst>
         </pc:spChg>
       </pc:sldChg>
-      <pc:sldChg chg="modSp add del">
-        <pc:chgData name="Long B Nguyen" userId="f59fb8f3-a021-417a-8bc1-65c8d471c621" providerId="ADAL" clId="{59CB9C7B-CBC7-E549-B176-97F9C29CB310}" dt="2019-11-13T15:56:36.302" v="12041" actId="2696"/>
-        <pc:sldMkLst>
-          <pc:docMk/>
-          <pc:sldMk cId="2958718962" sldId="351"/>
-        </pc:sldMkLst>
-        <pc:spChg chg="mod">
-          <ac:chgData name="Long B Nguyen" userId="f59fb8f3-a021-417a-8bc1-65c8d471c621" providerId="ADAL" clId="{59CB9C7B-CBC7-E549-B176-97F9C29CB310}" dt="2019-11-10T19:15:24.996" v="8776" actId="20577"/>
-          <ac:spMkLst>
-            <pc:docMk/>
-            <pc:sldMk cId="2958718962" sldId="351"/>
-            <ac:spMk id="5" creationId="{BABC40CC-AD73-DE40-9706-D1FABABD38CB}"/>
-          </ac:spMkLst>
-        </pc:spChg>
-        <pc:spChg chg="mod">
-          <ac:chgData name="Long B Nguyen" userId="f59fb8f3-a021-417a-8bc1-65c8d471c621" providerId="ADAL" clId="{59CB9C7B-CBC7-E549-B176-97F9C29CB310}" dt="2019-11-10T19:16:18.211" v="8777" actId="113"/>
-          <ac:spMkLst>
-            <pc:docMk/>
-            <pc:sldMk cId="2958718962" sldId="351"/>
-            <ac:spMk id="9" creationId="{E3B2E017-30B2-884B-A113-B419A2ED51AD}"/>
-          </ac:spMkLst>
-        </pc:spChg>
-      </pc:sldChg>
       <pc:sldChg chg="add modAnim">
         <pc:chgData name="Long B Nguyen" userId="f59fb8f3-a021-417a-8bc1-65c8d471c621" providerId="ADAL" clId="{59CB9C7B-CBC7-E549-B176-97F9C29CB310}" dt="2019-11-14T12:55:27.111" v="12804"/>
         <pc:sldMkLst>
@@ -1313,8 +1290,8 @@
           </ac:spMkLst>
         </pc:spChg>
       </pc:sldChg>
-      <pc:sldChg chg="add">
-        <pc:chgData name="Long B Nguyen" userId="f59fb8f3-a021-417a-8bc1-65c8d471c621" providerId="ADAL" clId="{59CB9C7B-CBC7-E549-B176-97F9C29CB310}" dt="2019-11-12T15:21:29.376" v="11990"/>
+      <pc:sldChg chg="add del">
+        <pc:chgData name="Long B Nguyen" userId="f59fb8f3-a021-417a-8bc1-65c8d471c621" providerId="ADAL" clId="{59CB9C7B-CBC7-E549-B176-97F9C29CB310}" dt="2019-11-19T12:45:40.186" v="12957" actId="2696"/>
         <pc:sldMkLst>
           <pc:docMk/>
           <pc:sldMk cId="1559918550" sldId="552"/>
@@ -1343,12 +1320,20 @@
           </ac:spMkLst>
         </pc:spChg>
       </pc:sldChg>
-      <pc:sldChg chg="add del">
-        <pc:chgData name="Long B Nguyen" userId="f59fb8f3-a021-417a-8bc1-65c8d471c621" providerId="ADAL" clId="{59CB9C7B-CBC7-E549-B176-97F9C29CB310}" dt="2019-11-14T12:43:32.341" v="12583" actId="2696"/>
+      <pc:sldChg chg="modSp add">
+        <pc:chgData name="Long B Nguyen" userId="f59fb8f3-a021-417a-8bc1-65c8d471c621" providerId="ADAL" clId="{59CB9C7B-CBC7-E549-B176-97F9C29CB310}" dt="2019-11-19T12:47:14.779" v="13175" actId="20577"/>
         <pc:sldMkLst>
           <pc:docMk/>
-          <pc:sldMk cId="1437828015" sldId="554"/>
+          <pc:sldMk cId="3027756854" sldId="554"/>
         </pc:sldMkLst>
+        <pc:spChg chg="mod">
+          <ac:chgData name="Long B Nguyen" userId="f59fb8f3-a021-417a-8bc1-65c8d471c621" providerId="ADAL" clId="{59CB9C7B-CBC7-E549-B176-97F9C29CB310}" dt="2019-11-19T12:47:14.779" v="13175" actId="20577"/>
+          <ac:spMkLst>
+            <pc:docMk/>
+            <pc:sldMk cId="3027756854" sldId="554"/>
+            <ac:spMk id="9" creationId="{E3B2E017-30B2-884B-A113-B419A2ED51AD}"/>
+          </ac:spMkLst>
+        </pc:spChg>
       </pc:sldChg>
     </pc:docChg>
   </pc:docChgLst>
@@ -1501,7 +1486,7 @@
           <a:p>
             <a:fld id="{4AAD347D-5ACD-4C99-B74B-A9C85AD731AF}" type="datetimeFigureOut">
               <a:rPr lang="en-US" smtClean="0"/>
-              <a:t>11/14/19</a:t>
+              <a:t>11/19/19</a:t>
             </a:fld>
             <a:endParaRPr lang="en-US" dirty="0"/>
           </a:p>
@@ -1671,7 +1656,7 @@
           <a:p>
             <a:fld id="{4509A250-FF31-4206-8172-F9D3106AACB1}" type="datetimeFigureOut">
               <a:rPr lang="en-US" smtClean="0"/>
-              <a:t>11/14/19</a:t>
+              <a:t>11/19/19</a:t>
             </a:fld>
             <a:endParaRPr lang="en-US" dirty="0"/>
           </a:p>
@@ -1851,7 +1836,7 @@
           <a:p>
             <a:fld id="{4509A250-FF31-4206-8172-F9D3106AACB1}" type="datetimeFigureOut">
               <a:rPr lang="en-US" smtClean="0"/>
-              <a:t>11/14/19</a:t>
+              <a:t>11/19/19</a:t>
             </a:fld>
             <a:endParaRPr lang="en-US" dirty="0"/>
           </a:p>
@@ -2021,7 +2006,7 @@
           <a:p>
             <a:fld id="{4509A250-FF31-4206-8172-F9D3106AACB1}" type="datetimeFigureOut">
               <a:rPr lang="en-US" smtClean="0"/>
-              <a:t>11/14/19</a:t>
+              <a:t>11/19/19</a:t>
             </a:fld>
             <a:endParaRPr lang="en-US" dirty="0"/>
           </a:p>
@@ -2267,7 +2252,7 @@
           <a:p>
             <a:fld id="{9796027F-7875-4030-9381-8BD8C4F21935}" type="datetimeFigureOut">
               <a:rPr lang="en-US" smtClean="0"/>
-              <a:t>11/14/19</a:t>
+              <a:t>11/19/19</a:t>
             </a:fld>
             <a:endParaRPr lang="en-US" dirty="0"/>
           </a:p>
@@ -2499,7 +2484,7 @@
           <a:p>
             <a:fld id="{9796027F-7875-4030-9381-8BD8C4F21935}" type="datetimeFigureOut">
               <a:rPr lang="en-US" smtClean="0"/>
-              <a:t>11/14/19</a:t>
+              <a:t>11/19/19</a:t>
             </a:fld>
             <a:endParaRPr lang="en-US" dirty="0"/>
           </a:p>
@@ -2866,7 +2851,7 @@
           <a:p>
             <a:fld id="{9796027F-7875-4030-9381-8BD8C4F21935}" type="datetimeFigureOut">
               <a:rPr lang="en-US" smtClean="0"/>
-              <a:t>11/14/19</a:t>
+              <a:t>11/19/19</a:t>
             </a:fld>
             <a:endParaRPr lang="en-US" dirty="0"/>
           </a:p>
@@ -2984,7 +2969,7 @@
           <a:p>
             <a:fld id="{4509A250-FF31-4206-8172-F9D3106AACB1}" type="datetimeFigureOut">
               <a:rPr lang="en-US" smtClean="0"/>
-              <a:t>11/14/19</a:t>
+              <a:t>11/19/19</a:t>
             </a:fld>
             <a:endParaRPr lang="en-US" dirty="0"/>
           </a:p>
@@ -3079,7 +3064,7 @@
           <a:p>
             <a:fld id="{4509A250-FF31-4206-8172-F9D3106AACB1}" type="datetimeFigureOut">
               <a:rPr lang="en-US" smtClean="0"/>
-              <a:t>11/14/19</a:t>
+              <a:t>11/19/19</a:t>
             </a:fld>
             <a:endParaRPr lang="en-US" dirty="0"/>
           </a:p>
@@ -3356,7 +3341,7 @@
           <a:p>
             <a:fld id="{4509A250-FF31-4206-8172-F9D3106AACB1}" type="datetimeFigureOut">
               <a:rPr lang="en-US" smtClean="0"/>
-              <a:t>11/14/19</a:t>
+              <a:t>11/19/19</a:t>
             </a:fld>
             <a:endParaRPr lang="en-US" dirty="0"/>
           </a:p>
@@ -3613,7 +3598,7 @@
           <a:p>
             <a:fld id="{4509A250-FF31-4206-8172-F9D3106AACB1}" type="datetimeFigureOut">
               <a:rPr lang="en-US" smtClean="0"/>
-              <a:t>11/14/19</a:t>
+              <a:t>11/19/19</a:t>
             </a:fld>
             <a:endParaRPr lang="en-US" dirty="0"/>
           </a:p>
@@ -3826,7 +3811,7 @@
           <a:p>
             <a:fld id="{4AAD347D-5ACD-4C99-B74B-A9C85AD731AF}" type="datetimeFigureOut">
               <a:rPr lang="en-US" smtClean="0"/>
-              <a:t>11/14/19</a:t>
+              <a:t>11/19/19</a:t>
             </a:fld>
             <a:endParaRPr lang="en-US" dirty="0"/>
           </a:p>
@@ -22920,9 +22905,31 @@
             <a:pPr marL="0" indent="0">
               <a:buNone/>
             </a:pPr>
+            <a:endParaRPr lang="en-US" dirty="0"/>
+          </a:p>
+          <a:p>
+            <a:pPr marL="0" indent="0">
+              <a:buNone/>
+            </a:pPr>
+            <a:endParaRPr lang="en-US" dirty="0"/>
+          </a:p>
+          <a:p>
+            <a:pPr marL="0" indent="0">
+              <a:buNone/>
+            </a:pPr>
+            <a:endParaRPr lang="en-US"/>
+          </a:p>
+          <a:p>
+            <a:pPr marL="0" indent="0">
+              <a:buNone/>
+            </a:pPr>
+            <a:r>
+              <a:rPr lang="en-US"/>
+              <a:t>Modify </a:t>
+            </a:r>
             <a:r>
               <a:rPr lang="en-US" dirty="0"/>
-              <a:t>Write the Student class which has two instance variables: name(str) and </a:t>
+              <a:t>the previous lab by putting Student class and the average </a:t>
             </a:r>
             <a:r>
               <a:rPr lang="en-US" dirty="0" err="1"/>
@@ -22930,7 +22937,30 @@
             </a:r>
             <a:r>
               <a:rPr lang="en-US" dirty="0"/>
-              <a:t>(float). </a:t>
+              <a:t> function in a different module(.</a:t>
+            </a:r>
+            <a:r>
+              <a:rPr lang="en-US" dirty="0" err="1"/>
+              <a:t>py</a:t>
+            </a:r>
+            <a:r>
+              <a:rPr lang="en-US" dirty="0"/>
+              <a:t>). </a:t>
+            </a:r>
+          </a:p>
+          <a:p>
+            <a:pPr marL="0" indent="0">
+              <a:buNone/>
+            </a:pPr>
+            <a:endParaRPr lang="en-US" dirty="0"/>
+          </a:p>
+          <a:p>
+            <a:pPr marL="0" indent="0">
+              <a:buNone/>
+            </a:pPr>
+            <a:r>
+              <a:rPr lang="en-US" dirty="0"/>
+              <a:t>Make the necessary import statement to make your code runs correctly. </a:t>
             </a:r>
           </a:p>
           <a:p>
@@ -22940,129 +22970,6 @@
             <a:endParaRPr lang="en-US" sz="2000" dirty="0">
               <a:latin typeface="Gill Sans MT" panose="020B0502020104020203" pitchFamily="34" charset="77"/>
             </a:endParaRPr>
-          </a:p>
-          <a:p>
-            <a:pPr marL="0" indent="0">
-              <a:buNone/>
-            </a:pPr>
-            <a:r>
-              <a:rPr lang="en-US" sz="2000" dirty="0">
-                <a:latin typeface="Gill Sans MT" panose="020B0502020104020203" pitchFamily="34" charset="77"/>
-              </a:rPr>
-              <a:t>Write the </a:t>
-            </a:r>
-            <a:r>
-              <a:rPr lang="en-US" sz="2000" dirty="0" err="1">
-                <a:latin typeface="Gill Sans MT" panose="020B0502020104020203" pitchFamily="34" charset="77"/>
-              </a:rPr>
-              <a:t>average_gpa</a:t>
-            </a:r>
-            <a:r>
-              <a:rPr lang="en-US" sz="2000" dirty="0">
-                <a:latin typeface="Gill Sans MT" panose="020B0502020104020203" pitchFamily="34" charset="77"/>
-              </a:rPr>
-              <a:t> function which accepts a list of Student objects and returns the average </a:t>
-            </a:r>
-            <a:r>
-              <a:rPr lang="en-US" sz="2000" dirty="0" err="1">
-                <a:latin typeface="Gill Sans MT" panose="020B0502020104020203" pitchFamily="34" charset="77"/>
-              </a:rPr>
-              <a:t>gpa</a:t>
-            </a:r>
-            <a:r>
-              <a:rPr lang="en-US" sz="2000" dirty="0">
-                <a:latin typeface="Gill Sans MT" panose="020B0502020104020203" pitchFamily="34" charset="77"/>
-              </a:rPr>
-              <a:t>. </a:t>
-            </a:r>
-          </a:p>
-          <a:p>
-            <a:pPr marL="0" indent="0">
-              <a:buNone/>
-            </a:pPr>
-            <a:endParaRPr lang="en-US" sz="2000" dirty="0">
-              <a:latin typeface="Gill Sans MT" panose="020B0502020104020203" pitchFamily="34" charset="77"/>
-            </a:endParaRPr>
-          </a:p>
-          <a:p>
-            <a:pPr marL="0" indent="0">
-              <a:buNone/>
-            </a:pPr>
-            <a:r>
-              <a:rPr lang="en-US" sz="2000" dirty="0">
-                <a:latin typeface="Gill Sans MT" panose="020B0502020104020203" pitchFamily="34" charset="77"/>
-              </a:rPr>
-              <a:t>Write the main method and:</a:t>
-            </a:r>
-          </a:p>
-          <a:p>
-            <a:pPr marL="457200" indent="-457200">
-              <a:buAutoNum type="arabicParenR"/>
-            </a:pPr>
-            <a:r>
-              <a:rPr lang="en-US" sz="2000" dirty="0">
-                <a:latin typeface="Gill Sans MT" panose="020B0502020104020203" pitchFamily="34" charset="77"/>
-              </a:rPr>
-              <a:t>Create a Student object and store it in a variable. Print out name and </a:t>
-            </a:r>
-            <a:r>
-              <a:rPr lang="en-US" sz="2000" dirty="0" err="1">
-                <a:latin typeface="Gill Sans MT" panose="020B0502020104020203" pitchFamily="34" charset="77"/>
-              </a:rPr>
-              <a:t>gpa</a:t>
-            </a:r>
-            <a:r>
-              <a:rPr lang="en-US" sz="2000" dirty="0">
-                <a:latin typeface="Gill Sans MT" panose="020B0502020104020203" pitchFamily="34" charset="77"/>
-              </a:rPr>
-              <a:t> of the Student object using the dot notation. </a:t>
-            </a:r>
-          </a:p>
-          <a:p>
-            <a:pPr marL="457200" indent="-457200">
-              <a:buAutoNum type="arabicParenR"/>
-            </a:pPr>
-            <a:r>
-              <a:rPr lang="en-US" sz="2000" dirty="0">
-                <a:latin typeface="Gill Sans MT" panose="020B0502020104020203" pitchFamily="34" charset="77"/>
-              </a:rPr>
-              <a:t>Create a list of three Student objects. Use a for loop to print out the names.  </a:t>
-            </a:r>
-          </a:p>
-          <a:p>
-            <a:pPr marL="457200" indent="-457200">
-              <a:buAutoNum type="arabicParenR"/>
-            </a:pPr>
-            <a:r>
-              <a:rPr lang="en-US" sz="2000" dirty="0">
-                <a:latin typeface="Gill Sans MT" panose="020B0502020104020203" pitchFamily="34" charset="77"/>
-              </a:rPr>
-              <a:t>Call </a:t>
-            </a:r>
-            <a:r>
-              <a:rPr lang="en-US" sz="2000" dirty="0" err="1">
-                <a:latin typeface="Gill Sans MT" panose="020B0502020104020203" pitchFamily="34" charset="77"/>
-              </a:rPr>
-              <a:t>average_gpa</a:t>
-            </a:r>
-            <a:r>
-              <a:rPr lang="en-US" sz="2000" dirty="0">
-                <a:latin typeface="Gill Sans MT" panose="020B0502020104020203" pitchFamily="34" charset="77"/>
-              </a:rPr>
-              <a:t> and make sure it works by printing out the average </a:t>
-            </a:r>
-            <a:r>
-              <a:rPr lang="en-US" sz="2000" dirty="0" err="1">
-                <a:latin typeface="Gill Sans MT" panose="020B0502020104020203" pitchFamily="34" charset="77"/>
-              </a:rPr>
-              <a:t>gpa</a:t>
-            </a:r>
-            <a:r>
-              <a:rPr lang="en-US" sz="2000" dirty="0">
-                <a:latin typeface="Gill Sans MT" panose="020B0502020104020203" pitchFamily="34" charset="77"/>
-              </a:rPr>
-              <a:t>.</a:t>
-            </a:r>
           </a:p>
           <a:p>
             <a:pPr marL="0" indent="0">
@@ -23099,7 +23006,7 @@
     </p:spTree>
     <p:extLst>
       <p:ext uri="{BB962C8B-B14F-4D97-AF65-F5344CB8AC3E}">
-        <p14:creationId xmlns:p14="http://schemas.microsoft.com/office/powerpoint/2010/main" val="1559918550"/>
+        <p14:creationId xmlns:p14="http://schemas.microsoft.com/office/powerpoint/2010/main" val="3027756854"/>
       </p:ext>
     </p:extLst>
   </p:cSld>

--- a/courses/apcsp/lect9.pptx
+++ b/courses/apcsp/lect9.pptx
@@ -142,7 +142,7 @@
 <file path=ppt/revisionInfo.xml><?xml version="1.0" encoding="utf-8"?>
 <p1510:revInfo xmlns:a="http://schemas.openxmlformats.org/drawingml/2006/main" xmlns:r="http://schemas.openxmlformats.org/officeDocument/2006/relationships" xmlns:p1510="http://schemas.microsoft.com/office/powerpoint/2015/10/main">
   <p1510:revLst>
-    <p1510:client id="{41EE4946-0BC6-CA47-8644-05F1F8021EAE}" v="358" dt="2021-01-06T13:00:52.538"/>
+    <p1510:client id="{41EE4946-0BC6-CA47-8644-05F1F8021EAE}" v="932" dt="2021-01-06T15:27:58.350"/>
   </p1510:revLst>
 </p1510:revInfo>
 </file>
@@ -253,7 +253,7 @@
   <pc:docChgLst>
     <pc:chgData name="Long B Nguyen" userId="f59fb8f3-a021-417a-8bc1-65c8d471c621" providerId="ADAL" clId="{41EE4946-0BC6-CA47-8644-05F1F8021EAE}"/>
     <pc:docChg chg="delSld modSld">
-      <pc:chgData name="Long B Nguyen" userId="f59fb8f3-a021-417a-8bc1-65c8d471c621" providerId="ADAL" clId="{41EE4946-0BC6-CA47-8644-05F1F8021EAE}" dt="2021-01-06T13:02:01.745" v="829" actId="14100"/>
+      <pc:chgData name="Long B Nguyen" userId="f59fb8f3-a021-417a-8bc1-65c8d471c621" providerId="ADAL" clId="{41EE4946-0BC6-CA47-8644-05F1F8021EAE}" dt="2021-01-06T15:27:58.350" v="1403" actId="20577"/>
       <pc:docMkLst>
         <pc:docMk/>
       </pc:docMkLst>
@@ -280,8 +280,8 @@
           </ac:spMkLst>
         </pc:spChg>
       </pc:sldChg>
-      <pc:sldChg chg="modSp mod">
-        <pc:chgData name="Long B Nguyen" userId="f59fb8f3-a021-417a-8bc1-65c8d471c621" providerId="ADAL" clId="{41EE4946-0BC6-CA47-8644-05F1F8021EAE}" dt="2021-01-06T12:58:30.932" v="725" actId="14100"/>
+      <pc:sldChg chg="modSp mod modAnim">
+        <pc:chgData name="Long B Nguyen" userId="f59fb8f3-a021-417a-8bc1-65c8d471c621" providerId="ADAL" clId="{41EE4946-0BC6-CA47-8644-05F1F8021EAE}" dt="2021-01-06T14:33:55.505" v="1174" actId="20577"/>
         <pc:sldMkLst>
           <pc:docMk/>
           <pc:sldMk cId="18163085" sldId="314"/>
@@ -295,7 +295,7 @@
           </ac:spMkLst>
         </pc:spChg>
         <pc:spChg chg="mod">
-          <ac:chgData name="Long B Nguyen" userId="f59fb8f3-a021-417a-8bc1-65c8d471c621" providerId="ADAL" clId="{41EE4946-0BC6-CA47-8644-05F1F8021EAE}" dt="2021-01-06T12:58:30.932" v="725" actId="14100"/>
+          <ac:chgData name="Long B Nguyen" userId="f59fb8f3-a021-417a-8bc1-65c8d471c621" providerId="ADAL" clId="{41EE4946-0BC6-CA47-8644-05F1F8021EAE}" dt="2021-01-06T14:33:55.505" v="1174" actId="20577"/>
           <ac:spMkLst>
             <pc:docMk/>
             <pc:sldMk cId="18163085" sldId="314"/>
@@ -304,7 +304,7 @@
         </pc:spChg>
       </pc:sldChg>
       <pc:sldChg chg="modSp mod">
-        <pc:chgData name="Long B Nguyen" userId="f59fb8f3-a021-417a-8bc1-65c8d471c621" providerId="ADAL" clId="{41EE4946-0BC6-CA47-8644-05F1F8021EAE}" dt="2021-01-06T12:58:53.241" v="731" actId="14100"/>
+        <pc:chgData name="Long B Nguyen" userId="f59fb8f3-a021-417a-8bc1-65c8d471c621" providerId="ADAL" clId="{41EE4946-0BC6-CA47-8644-05F1F8021EAE}" dt="2021-01-06T15:15:08.483" v="1363" actId="20577"/>
         <pc:sldMkLst>
           <pc:docMk/>
           <pc:sldMk cId="2648987374" sldId="316"/>
@@ -318,7 +318,7 @@
           </ac:spMkLst>
         </pc:spChg>
         <pc:spChg chg="mod">
-          <ac:chgData name="Long B Nguyen" userId="f59fb8f3-a021-417a-8bc1-65c8d471c621" providerId="ADAL" clId="{41EE4946-0BC6-CA47-8644-05F1F8021EAE}" dt="2021-01-06T12:58:53.241" v="731" actId="14100"/>
+          <ac:chgData name="Long B Nguyen" userId="f59fb8f3-a021-417a-8bc1-65c8d471c621" providerId="ADAL" clId="{41EE4946-0BC6-CA47-8644-05F1F8021EAE}" dt="2021-01-06T15:15:08.483" v="1363" actId="20577"/>
           <ac:spMkLst>
             <pc:docMk/>
             <pc:sldMk cId="2648987374" sldId="316"/>
@@ -350,7 +350,7 @@
         </pc:spChg>
       </pc:sldChg>
       <pc:sldChg chg="modSp mod">
-        <pc:chgData name="Long B Nguyen" userId="f59fb8f3-a021-417a-8bc1-65c8d471c621" providerId="ADAL" clId="{41EE4946-0BC6-CA47-8644-05F1F8021EAE}" dt="2021-01-06T13:00:37.396" v="781" actId="20577"/>
+        <pc:chgData name="Long B Nguyen" userId="f59fb8f3-a021-417a-8bc1-65c8d471c621" providerId="ADAL" clId="{41EE4946-0BC6-CA47-8644-05F1F8021EAE}" dt="2021-01-06T14:35:44.523" v="1227" actId="20577"/>
         <pc:sldMkLst>
           <pc:docMk/>
           <pc:sldMk cId="67073653" sldId="318"/>
@@ -364,7 +364,7 @@
           </ac:spMkLst>
         </pc:spChg>
         <pc:spChg chg="mod">
-          <ac:chgData name="Long B Nguyen" userId="f59fb8f3-a021-417a-8bc1-65c8d471c621" providerId="ADAL" clId="{41EE4946-0BC6-CA47-8644-05F1F8021EAE}" dt="2021-01-06T12:59:56.880" v="736" actId="14100"/>
+          <ac:chgData name="Long B Nguyen" userId="f59fb8f3-a021-417a-8bc1-65c8d471c621" providerId="ADAL" clId="{41EE4946-0BC6-CA47-8644-05F1F8021EAE}" dt="2021-01-06T14:35:44.523" v="1227" actId="20577"/>
           <ac:spMkLst>
             <pc:docMk/>
             <pc:sldMk cId="67073653" sldId="318"/>
@@ -427,7 +427,7 @@
         </pc:spChg>
       </pc:sldChg>
       <pc:sldChg chg="modSp mod">
-        <pc:chgData name="Long B Nguyen" userId="f59fb8f3-a021-417a-8bc1-65c8d471c621" providerId="ADAL" clId="{41EE4946-0BC6-CA47-8644-05F1F8021EAE}" dt="2021-01-06T12:59:07.620" v="734" actId="14100"/>
+        <pc:chgData name="Long B Nguyen" userId="f59fb8f3-a021-417a-8bc1-65c8d471c621" providerId="ADAL" clId="{41EE4946-0BC6-CA47-8644-05F1F8021EAE}" dt="2021-01-06T14:35:15.640" v="1203"/>
         <pc:sldMkLst>
           <pc:docMk/>
           <pc:sldMk cId="2693651593" sldId="325"/>
@@ -441,7 +441,7 @@
           </ac:spMkLst>
         </pc:spChg>
         <pc:spChg chg="mod">
-          <ac:chgData name="Long B Nguyen" userId="f59fb8f3-a021-417a-8bc1-65c8d471c621" providerId="ADAL" clId="{41EE4946-0BC6-CA47-8644-05F1F8021EAE}" dt="2021-01-06T12:59:07.620" v="734" actId="14100"/>
+          <ac:chgData name="Long B Nguyen" userId="f59fb8f3-a021-417a-8bc1-65c8d471c621" providerId="ADAL" clId="{41EE4946-0BC6-CA47-8644-05F1F8021EAE}" dt="2021-01-06T14:35:15.640" v="1203"/>
           <ac:spMkLst>
             <pc:docMk/>
             <pc:sldMk cId="2693651593" sldId="325"/>
@@ -541,8 +541,8 @@
           </ac:spMkLst>
         </pc:spChg>
       </pc:sldChg>
-      <pc:sldChg chg="modSp mod">
-        <pc:chgData name="Long B Nguyen" userId="f59fb8f3-a021-417a-8bc1-65c8d471c621" providerId="ADAL" clId="{41EE4946-0BC6-CA47-8644-05F1F8021EAE}" dt="2021-01-06T12:58:38.222" v="727" actId="14100"/>
+      <pc:sldChg chg="modSp mod modAnim">
+        <pc:chgData name="Long B Nguyen" userId="f59fb8f3-a021-417a-8bc1-65c8d471c621" providerId="ADAL" clId="{41EE4946-0BC6-CA47-8644-05F1F8021EAE}" dt="2021-01-06T14:34:38.912" v="1202" actId="20577"/>
         <pc:sldMkLst>
           <pc:docMk/>
           <pc:sldMk cId="2368568690" sldId="338"/>
@@ -556,7 +556,7 @@
           </ac:spMkLst>
         </pc:spChg>
         <pc:spChg chg="mod">
-          <ac:chgData name="Long B Nguyen" userId="f59fb8f3-a021-417a-8bc1-65c8d471c621" providerId="ADAL" clId="{41EE4946-0BC6-CA47-8644-05F1F8021EAE}" dt="2021-01-06T12:58:38.222" v="727" actId="14100"/>
+          <ac:chgData name="Long B Nguyen" userId="f59fb8f3-a021-417a-8bc1-65c8d471c621" providerId="ADAL" clId="{41EE4946-0BC6-CA47-8644-05F1F8021EAE}" dt="2021-01-06T14:34:38.912" v="1202" actId="20577"/>
           <ac:spMkLst>
             <pc:docMk/>
             <pc:sldMk cId="2368568690" sldId="338"/>
@@ -565,7 +565,7 @@
         </pc:spChg>
       </pc:sldChg>
       <pc:sldChg chg="modSp mod">
-        <pc:chgData name="Long B Nguyen" userId="f59fb8f3-a021-417a-8bc1-65c8d471c621" providerId="ADAL" clId="{41EE4946-0BC6-CA47-8644-05F1F8021EAE}" dt="2021-01-06T12:58:23.473" v="723" actId="14100"/>
+        <pc:chgData name="Long B Nguyen" userId="f59fb8f3-a021-417a-8bc1-65c8d471c621" providerId="ADAL" clId="{41EE4946-0BC6-CA47-8644-05F1F8021EAE}" dt="2021-01-06T14:31:03.603" v="931" actId="20577"/>
         <pc:sldMkLst>
           <pc:docMk/>
           <pc:sldMk cId="3131687406" sldId="339"/>
@@ -579,7 +579,7 @@
           </ac:spMkLst>
         </pc:spChg>
         <pc:spChg chg="mod">
-          <ac:chgData name="Long B Nguyen" userId="f59fb8f3-a021-417a-8bc1-65c8d471c621" providerId="ADAL" clId="{41EE4946-0BC6-CA47-8644-05F1F8021EAE}" dt="2021-01-06T12:58:23.473" v="723" actId="14100"/>
+          <ac:chgData name="Long B Nguyen" userId="f59fb8f3-a021-417a-8bc1-65c8d471c621" providerId="ADAL" clId="{41EE4946-0BC6-CA47-8644-05F1F8021EAE}" dt="2021-01-06T14:31:03.603" v="931" actId="20577"/>
           <ac:spMkLst>
             <pc:docMk/>
             <pc:sldMk cId="3131687406" sldId="339"/>
@@ -587,8 +587,8 @@
           </ac:spMkLst>
         </pc:spChg>
       </pc:sldChg>
-      <pc:sldChg chg="modSp mod">
-        <pc:chgData name="Long B Nguyen" userId="f59fb8f3-a021-417a-8bc1-65c8d471c621" providerId="ADAL" clId="{41EE4946-0BC6-CA47-8644-05F1F8021EAE}" dt="2021-01-06T13:01:39.523" v="827" actId="14100"/>
+      <pc:sldChg chg="modSp mod modAnim">
+        <pc:chgData name="Long B Nguyen" userId="f59fb8f3-a021-417a-8bc1-65c8d471c621" providerId="ADAL" clId="{41EE4946-0BC6-CA47-8644-05F1F8021EAE}" dt="2021-01-06T15:27:58.350" v="1403" actId="20577"/>
         <pc:sldMkLst>
           <pc:docMk/>
           <pc:sldMk cId="994161803" sldId="340"/>
@@ -602,7 +602,7 @@
           </ac:spMkLst>
         </pc:spChg>
         <pc:spChg chg="mod">
-          <ac:chgData name="Long B Nguyen" userId="f59fb8f3-a021-417a-8bc1-65c8d471c621" providerId="ADAL" clId="{41EE4946-0BC6-CA47-8644-05F1F8021EAE}" dt="2021-01-06T13:01:39.523" v="827" actId="14100"/>
+          <ac:chgData name="Long B Nguyen" userId="f59fb8f3-a021-417a-8bc1-65c8d471c621" providerId="ADAL" clId="{41EE4946-0BC6-CA47-8644-05F1F8021EAE}" dt="2021-01-06T15:27:58.350" v="1403" actId="20577"/>
           <ac:spMkLst>
             <pc:docMk/>
             <pc:sldMk cId="994161803" sldId="340"/>
@@ -726,7 +726,7 @@
         </pc:cxnChg>
       </pc:sldChg>
       <pc:sldChg chg="modSp mod">
-        <pc:chgData name="Long B Nguyen" userId="f59fb8f3-a021-417a-8bc1-65c8d471c621" providerId="ADAL" clId="{41EE4946-0BC6-CA47-8644-05F1F8021EAE}" dt="2021-01-06T12:58:08.252" v="719" actId="14100"/>
+        <pc:chgData name="Long B Nguyen" userId="f59fb8f3-a021-417a-8bc1-65c8d471c621" providerId="ADAL" clId="{41EE4946-0BC6-CA47-8644-05F1F8021EAE}" dt="2021-01-06T15:00:36.562" v="1361" actId="20577"/>
         <pc:sldMkLst>
           <pc:docMk/>
           <pc:sldMk cId="4020528382" sldId="346"/>
@@ -740,7 +740,7 @@
           </ac:spMkLst>
         </pc:spChg>
         <pc:spChg chg="mod">
-          <ac:chgData name="Long B Nguyen" userId="f59fb8f3-a021-417a-8bc1-65c8d471c621" providerId="ADAL" clId="{41EE4946-0BC6-CA47-8644-05F1F8021EAE}" dt="2021-01-06T12:58:08.252" v="719" actId="14100"/>
+          <ac:chgData name="Long B Nguyen" userId="f59fb8f3-a021-417a-8bc1-65c8d471c621" providerId="ADAL" clId="{41EE4946-0BC6-CA47-8644-05F1F8021EAE}" dt="2021-01-06T15:00:36.562" v="1361" actId="20577"/>
           <ac:spMkLst>
             <pc:docMk/>
             <pc:sldMk cId="4020528382" sldId="346"/>
@@ -749,7 +749,7 @@
         </pc:spChg>
       </pc:sldChg>
       <pc:sldChg chg="modSp mod">
-        <pc:chgData name="Long B Nguyen" userId="f59fb8f3-a021-417a-8bc1-65c8d471c621" providerId="ADAL" clId="{41EE4946-0BC6-CA47-8644-05F1F8021EAE}" dt="2021-01-06T12:58:00.231" v="717" actId="14100"/>
+        <pc:chgData name="Long B Nguyen" userId="f59fb8f3-a021-417a-8bc1-65c8d471c621" providerId="ADAL" clId="{41EE4946-0BC6-CA47-8644-05F1F8021EAE}" dt="2021-01-06T14:56:14.191" v="1359" actId="20577"/>
         <pc:sldMkLst>
           <pc:docMk/>
           <pc:sldMk cId="1535116463" sldId="347"/>
@@ -763,7 +763,7 @@
           </ac:spMkLst>
         </pc:spChg>
         <pc:spChg chg="mod">
-          <ac:chgData name="Long B Nguyen" userId="f59fb8f3-a021-417a-8bc1-65c8d471c621" providerId="ADAL" clId="{41EE4946-0BC6-CA47-8644-05F1F8021EAE}" dt="2021-01-06T12:58:00.231" v="717" actId="14100"/>
+          <ac:chgData name="Long B Nguyen" userId="f59fb8f3-a021-417a-8bc1-65c8d471c621" providerId="ADAL" clId="{41EE4946-0BC6-CA47-8644-05F1F8021EAE}" dt="2021-01-06T14:56:14.191" v="1359" actId="20577"/>
           <ac:spMkLst>
             <pc:docMk/>
             <pc:sldMk cId="1535116463" sldId="347"/>
@@ -794,8 +794,8 @@
           </ac:spMkLst>
         </pc:spChg>
       </pc:sldChg>
-      <pc:sldChg chg="modSp mod">
-        <pc:chgData name="Long B Nguyen" userId="f59fb8f3-a021-417a-8bc1-65c8d471c621" providerId="ADAL" clId="{41EE4946-0BC6-CA47-8644-05F1F8021EAE}" dt="2021-01-06T12:51:54.489" v="436" actId="14100"/>
+      <pc:sldChg chg="modSp mod modAnim">
+        <pc:chgData name="Long B Nguyen" userId="f59fb8f3-a021-417a-8bc1-65c8d471c621" providerId="ADAL" clId="{41EE4946-0BC6-CA47-8644-05F1F8021EAE}" dt="2021-01-06T14:45:12.762" v="1358" actId="20577"/>
         <pc:sldMkLst>
           <pc:docMk/>
           <pc:sldMk cId="1363458133" sldId="349"/>
@@ -809,7 +809,7 @@
           </ac:spMkLst>
         </pc:spChg>
         <pc:spChg chg="mod">
-          <ac:chgData name="Long B Nguyen" userId="f59fb8f3-a021-417a-8bc1-65c8d471c621" providerId="ADAL" clId="{41EE4946-0BC6-CA47-8644-05F1F8021EAE}" dt="2021-01-06T12:51:54.489" v="436" actId="14100"/>
+          <ac:chgData name="Long B Nguyen" userId="f59fb8f3-a021-417a-8bc1-65c8d471c621" providerId="ADAL" clId="{41EE4946-0BC6-CA47-8644-05F1F8021EAE}" dt="2021-01-06T14:45:12.762" v="1358" actId="20577"/>
           <ac:spMkLst>
             <pc:docMk/>
             <pc:sldMk cId="1363458133" sldId="349"/>
@@ -817,8 +817,8 @@
           </ac:spMkLst>
         </pc:spChg>
       </pc:sldChg>
-      <pc:sldChg chg="modSp mod">
-        <pc:chgData name="Long B Nguyen" userId="f59fb8f3-a021-417a-8bc1-65c8d471c621" providerId="ADAL" clId="{41EE4946-0BC6-CA47-8644-05F1F8021EAE}" dt="2021-01-06T13:00:41.905" v="791" actId="20577"/>
+      <pc:sldChg chg="modSp mod modAnim">
+        <pc:chgData name="Long B Nguyen" userId="f59fb8f3-a021-417a-8bc1-65c8d471c621" providerId="ADAL" clId="{41EE4946-0BC6-CA47-8644-05F1F8021EAE}" dt="2021-01-06T14:38:46.768" v="1303" actId="1076"/>
         <pc:sldMkLst>
           <pc:docMk/>
           <pc:sldMk cId="651500207" sldId="351"/>
@@ -832,7 +832,7 @@
           </ac:spMkLst>
         </pc:spChg>
         <pc:spChg chg="mod">
-          <ac:chgData name="Long B Nguyen" userId="f59fb8f3-a021-417a-8bc1-65c8d471c621" providerId="ADAL" clId="{41EE4946-0BC6-CA47-8644-05F1F8021EAE}" dt="2021-01-06T13:00:21.444" v="768" actId="14100"/>
+          <ac:chgData name="Long B Nguyen" userId="f59fb8f3-a021-417a-8bc1-65c8d471c621" providerId="ADAL" clId="{41EE4946-0BC6-CA47-8644-05F1F8021EAE}" dt="2021-01-06T14:38:46.768" v="1303" actId="1076"/>
           <ac:spMkLst>
             <pc:docMk/>
             <pc:sldMk cId="651500207" sldId="351"/>
@@ -7550,7 +7550,7 @@
                 </a:solidFill>
                 <a:latin typeface="Inconsolata" panose="020B0609030003000000" pitchFamily="49" charset="77"/>
               </a:rPr>
-              <a:t>	    print(</a:t>
+              <a:t>	   print(</a:t>
             </a:r>
             <a:r>
               <a:rPr lang="en-US" sz="2000" b="1" dirty="0" err="1">
@@ -8215,7 +8215,7 @@
                 </a:solidFill>
                 <a:latin typeface="Inconsolata" panose="020B0609030003000000" pitchFamily="49" charset="77"/>
               </a:rPr>
-              <a:t>col_index</a:t>
+              <a:t>col_ind</a:t>
             </a:r>
             <a:r>
               <a:rPr lang="en-US" sz="2000" b="1" dirty="0">
@@ -9329,7 +9329,7 @@
                 </a:solidFill>
                 <a:latin typeface="Inconsolata" panose="020B0609030003000000" pitchFamily="49" charset="77"/>
               </a:rPr>
-              <a:t>numbers </a:t>
+              <a:t>data </a:t>
             </a:r>
             <a:r>
               <a:rPr lang="en-US" b="1" dirty="0">
@@ -9353,7 +9353,7 @@
                 </a:solidFill>
                 <a:latin typeface="Inconsolata" panose="020B0609030003000000" pitchFamily="49" charset="77"/>
               </a:rPr>
-              <a:t>"one"</a:t>
+              <a:t>"Mike"</a:t>
             </a:r>
             <a:r>
               <a:rPr lang="en-US" b="1" dirty="0">
@@ -9368,7 +9368,7 @@
                 </a:solidFill>
                 <a:latin typeface="Inconsolata" panose="020B0609030003000000" pitchFamily="49" charset="77"/>
               </a:rPr>
-              <a:t>1</a:t>
+              <a:t>3.1</a:t>
             </a:r>
             <a:r>
               <a:rPr lang="en-US" b="1" dirty="0">
@@ -9383,7 +9383,7 @@
                 </a:solidFill>
                 <a:latin typeface="Inconsolata" panose="020B0609030003000000" pitchFamily="49" charset="77"/>
               </a:rPr>
-              <a:t>"two"</a:t>
+              <a:t>"Sarah"</a:t>
             </a:r>
             <a:r>
               <a:rPr lang="en-US" b="1" dirty="0">
@@ -9398,13 +9398,93 @@
                 </a:solidFill>
                 <a:latin typeface="Inconsolata" panose="020B0609030003000000" pitchFamily="49" charset="77"/>
               </a:rPr>
+              <a:t>3.6</a:t>
+            </a:r>
+            <a:r>
+              <a:rPr lang="en-US" b="1" dirty="0">
+                <a:latin typeface="Inconsolata" panose="020B0609030003000000" pitchFamily="49" charset="77"/>
+              </a:rPr>
+              <a:t>, </a:t>
+            </a:r>
+            <a:r>
+              <a:rPr lang="en-US" b="1" dirty="0">
+                <a:solidFill>
+                  <a:srgbClr val="CC3300"/>
+                </a:solidFill>
+                <a:latin typeface="Inconsolata" panose="020B0609030003000000" pitchFamily="49" charset="77"/>
+              </a:rPr>
+              <a:t>"John"</a:t>
+            </a:r>
+            <a:r>
+              <a:rPr lang="en-US" b="1" dirty="0">
+                <a:latin typeface="Inconsolata" panose="020B0609030003000000" pitchFamily="49" charset="77"/>
+              </a:rPr>
+              <a:t>:</a:t>
+            </a:r>
+            <a:r>
+              <a:rPr lang="en-US" b="1" dirty="0">
+                <a:solidFill>
+                  <a:srgbClr val="FF6600"/>
+                </a:solidFill>
+                <a:latin typeface="Inconsolata" panose="020B0609030003000000" pitchFamily="49" charset="77"/>
+              </a:rPr>
+              <a:t>3.4</a:t>
+            </a:r>
+            <a:r>
+              <a:rPr lang="en-US" b="1" dirty="0">
+                <a:latin typeface="Inconsolata" panose="020B0609030003000000" pitchFamily="49" charset="77"/>
+              </a:rPr>
+              <a:t>} </a:t>
+            </a:r>
+          </a:p>
+          <a:p>
+            <a:pPr marL="0" indent="0">
+              <a:buNone/>
+            </a:pPr>
+            <a:r>
+              <a:rPr lang="en-US" b="1" dirty="0">
+                <a:solidFill>
+                  <a:srgbClr val="000087"/>
+                </a:solidFill>
+                <a:latin typeface="Inconsolata" panose="020B0609030003000000" pitchFamily="49" charset="77"/>
+              </a:rPr>
+              <a:t>In </a:t>
+            </a:r>
+            <a:r>
+              <a:rPr lang="en-US" b="1" dirty="0">
+                <a:latin typeface="Inconsolata" panose="020B0609030003000000" pitchFamily="49" charset="77"/>
+              </a:rPr>
+              <a:t>[</a:t>
+            </a:r>
+            <a:r>
+              <a:rPr lang="en-US" b="1" dirty="0">
+                <a:solidFill>
+                  <a:srgbClr val="FF6600"/>
+                </a:solidFill>
+                <a:latin typeface="Inconsolata" panose="020B0609030003000000" pitchFamily="49" charset="77"/>
+              </a:rPr>
               <a:t>2</a:t>
             </a:r>
             <a:r>
               <a:rPr lang="en-US" b="1" dirty="0">
                 <a:latin typeface="Inconsolata" panose="020B0609030003000000" pitchFamily="49" charset="77"/>
               </a:rPr>
-              <a:t>, </a:t>
+              <a:t>]: </a:t>
+            </a:r>
+            <a:r>
+              <a:rPr lang="en-US" b="1" dirty="0">
+                <a:solidFill>
+                  <a:srgbClr val="000087"/>
+                </a:solidFill>
+                <a:latin typeface="Inconsolata" panose="020B0609030003000000" pitchFamily="49" charset="77"/>
+              </a:rPr>
+              <a:t>data</a:t>
+            </a:r>
+            <a:r>
+              <a:rPr lang="en-US" b="1" dirty="0">
+                <a:latin typeface="Inconsolata" panose="020B0609030003000000" pitchFamily="49" charset="77"/>
+              </a:rPr>
+              <a:t>[</a:t>
             </a:r>
             <a:r>
               <a:rPr lang="en-US" b="1" dirty="0">
@@ -9413,87 +9493,7 @@
                 </a:solidFill>
                 <a:latin typeface="Inconsolata" panose="020B0609030003000000" pitchFamily="49" charset="77"/>
               </a:rPr>
-              <a:t>"three"</a:t>
-            </a:r>
-            <a:r>
-              <a:rPr lang="en-US" b="1" dirty="0">
-                <a:latin typeface="Inconsolata" panose="020B0609030003000000" pitchFamily="49" charset="77"/>
-              </a:rPr>
-              <a:t>:</a:t>
-            </a:r>
-            <a:r>
-              <a:rPr lang="en-US" b="1" dirty="0">
-                <a:solidFill>
-                  <a:srgbClr val="FF6600"/>
-                </a:solidFill>
-                <a:latin typeface="Inconsolata" panose="020B0609030003000000" pitchFamily="49" charset="77"/>
-              </a:rPr>
-              <a:t>3</a:t>
-            </a:r>
-            <a:r>
-              <a:rPr lang="en-US" b="1" dirty="0">
-                <a:latin typeface="Inconsolata" panose="020B0609030003000000" pitchFamily="49" charset="77"/>
-              </a:rPr>
-              <a:t>} </a:t>
-            </a:r>
-          </a:p>
-          <a:p>
-            <a:pPr marL="0" indent="0">
-              <a:buNone/>
-            </a:pPr>
-            <a:r>
-              <a:rPr lang="en-US" b="1" dirty="0">
-                <a:solidFill>
-                  <a:srgbClr val="000087"/>
-                </a:solidFill>
-                <a:latin typeface="Inconsolata" panose="020B0609030003000000" pitchFamily="49" charset="77"/>
-              </a:rPr>
-              <a:t>In </a:t>
-            </a:r>
-            <a:r>
-              <a:rPr lang="en-US" b="1" dirty="0">
-                <a:latin typeface="Inconsolata" panose="020B0609030003000000" pitchFamily="49" charset="77"/>
-              </a:rPr>
-              <a:t>[</a:t>
-            </a:r>
-            <a:r>
-              <a:rPr lang="en-US" b="1" dirty="0">
-                <a:solidFill>
-                  <a:srgbClr val="FF6600"/>
-                </a:solidFill>
-                <a:latin typeface="Inconsolata" panose="020B0609030003000000" pitchFamily="49" charset="77"/>
-              </a:rPr>
-              <a:t>2</a:t>
-            </a:r>
-            <a:r>
-              <a:rPr lang="en-US" b="1" dirty="0">
-                <a:latin typeface="Inconsolata" panose="020B0609030003000000" pitchFamily="49" charset="77"/>
-              </a:rPr>
-              <a:t>]: </a:t>
-            </a:r>
-            <a:r>
-              <a:rPr lang="en-US" b="1" dirty="0">
-                <a:solidFill>
-                  <a:srgbClr val="000087"/>
-                </a:solidFill>
-                <a:latin typeface="Inconsolata" panose="020B0609030003000000" pitchFamily="49" charset="77"/>
-              </a:rPr>
-              <a:t>numbers</a:t>
-            </a:r>
-            <a:r>
-              <a:rPr lang="en-US" b="1" dirty="0">
-                <a:latin typeface="Inconsolata" panose="020B0609030003000000" pitchFamily="49" charset="77"/>
-              </a:rPr>
-              <a:t>[</a:t>
-            </a:r>
-            <a:r>
-              <a:rPr lang="en-US" b="1" dirty="0">
-                <a:solidFill>
-                  <a:srgbClr val="CC3300"/>
-                </a:solidFill>
-                <a:latin typeface="Inconsolata" panose="020B0609030003000000" pitchFamily="49" charset="77"/>
-              </a:rPr>
-              <a:t>"two"</a:t>
+              <a:t>"Mike"</a:t>
             </a:r>
             <a:r>
               <a:rPr lang="en-US" b="1" dirty="0">
@@ -9510,7 +9510,7 @@
               <a:rPr lang="en-US" b="1" dirty="0">
                 <a:latin typeface="Inconsolata" panose="020B0609030003000000" pitchFamily="49" charset="77"/>
               </a:rPr>
-              <a:t>Out [2]: 2 </a:t>
+              <a:t>Out [2]: 3.1</a:t>
             </a:r>
             <a:endParaRPr lang="en-US" sz="2400" b="1" dirty="0">
               <a:latin typeface="Inconsolata" panose="020B0609030003000000" pitchFamily="49" charset="77"/>
@@ -9569,7 +9569,7 @@
                 </a:solidFill>
                 <a:latin typeface="Inconsolata" panose="020B0609030003000000" pitchFamily="49" charset="77"/>
               </a:rPr>
-              <a:t>numbers)</a:t>
+              <a:t>data)</a:t>
             </a:r>
             <a:r>
               <a:rPr lang="en-US" b="1" dirty="0">
@@ -10060,7 +10060,7 @@
                 </a:solidFill>
                 <a:latin typeface="Inconsolata" panose="020B0609030003000000" pitchFamily="49" charset="77"/>
               </a:rPr>
-              <a:t>numbers </a:t>
+              <a:t>data </a:t>
             </a:r>
             <a:r>
               <a:rPr lang="en-US" b="1" dirty="0">
@@ -10084,7 +10084,7 @@
                 </a:solidFill>
                 <a:latin typeface="Inconsolata" panose="020B0609030003000000" pitchFamily="49" charset="77"/>
               </a:rPr>
-              <a:t>"one"</a:t>
+              <a:t>"Mike"</a:t>
             </a:r>
             <a:r>
               <a:rPr lang="en-US" b="1" dirty="0">
@@ -10099,7 +10099,7 @@
                 </a:solidFill>
                 <a:latin typeface="Inconsolata" panose="020B0609030003000000" pitchFamily="49" charset="77"/>
               </a:rPr>
-              <a:t>1</a:t>
+              <a:t>3.1</a:t>
             </a:r>
             <a:r>
               <a:rPr lang="en-US" b="1" dirty="0">
@@ -10114,7 +10114,7 @@
                 </a:solidFill>
                 <a:latin typeface="Inconsolata" panose="020B0609030003000000" pitchFamily="49" charset="77"/>
               </a:rPr>
-              <a:t>"two"</a:t>
+              <a:t>"Sarah"</a:t>
             </a:r>
             <a:r>
               <a:rPr lang="en-US" b="1" dirty="0">
@@ -10129,7 +10129,7 @@
                 </a:solidFill>
                 <a:latin typeface="Inconsolata" panose="020B0609030003000000" pitchFamily="49" charset="77"/>
               </a:rPr>
-              <a:t>2</a:t>
+              <a:t>3.6</a:t>
             </a:r>
             <a:r>
               <a:rPr lang="en-US" b="1" dirty="0">
@@ -10144,7 +10144,7 @@
                 </a:solidFill>
                 <a:latin typeface="Inconsolata" panose="020B0609030003000000" pitchFamily="49" charset="77"/>
               </a:rPr>
-              <a:t>"three"</a:t>
+              <a:t>"John"</a:t>
             </a:r>
             <a:r>
               <a:rPr lang="en-US" b="1" dirty="0">
@@ -10159,7 +10159,7 @@
                 </a:solidFill>
                 <a:latin typeface="Inconsolata" panose="020B0609030003000000" pitchFamily="49" charset="77"/>
               </a:rPr>
-              <a:t>3</a:t>
+              <a:t>3.4</a:t>
             </a:r>
             <a:r>
               <a:rPr lang="en-US" b="1" dirty="0">
@@ -10235,7 +10235,7 @@
                 </a:solidFill>
                 <a:latin typeface="Inconsolata" panose="020B0609030003000000" pitchFamily="49" charset="77"/>
               </a:rPr>
-              <a:t>numbers</a:t>
+              <a:t>data</a:t>
             </a:r>
             <a:r>
               <a:rPr lang="en-US" b="1" dirty="0">
@@ -10250,7 +10250,7 @@
                 </a:solidFill>
                 <a:latin typeface="Inconsolata" panose="020B0609030003000000" pitchFamily="49" charset="77"/>
               </a:rPr>
-              <a:t>'ninety'</a:t>
+              <a:t>'Andy'</a:t>
             </a:r>
             <a:r>
               <a:rPr lang="en-US" b="1" dirty="0">
@@ -10274,7 +10274,7 @@
                 </a:solidFill>
                 <a:latin typeface="Inconsolata" panose="020B0609030003000000" pitchFamily="49" charset="77"/>
               </a:rPr>
-              <a:t>90 </a:t>
+              <a:t>2.9 </a:t>
             </a:r>
             <a:endParaRPr lang="en-US" b="1" dirty="0">
               <a:latin typeface="Inconsolata" panose="020B0609030003000000" pitchFamily="49" charset="77"/>
@@ -10336,7 +10336,7 @@
                 </a:solidFill>
                 <a:latin typeface="Inconsolata" panose="020B0609030003000000" pitchFamily="49" charset="77"/>
               </a:rPr>
-              <a:t>numbers</a:t>
+              <a:t>data</a:t>
             </a:r>
             <a:r>
               <a:rPr lang="en-US" b="1" dirty="0">
@@ -10353,7 +10353,7 @@
               <a:rPr lang="en-US" b="1" dirty="0">
                 <a:latin typeface="Inconsolata" panose="020B0609030003000000" pitchFamily="49" charset="77"/>
               </a:rPr>
-              <a:t>{'one': 1, 'two': 2, 'three': 3, 'ninety': 90} </a:t>
+              <a:t>{'Mike': 3.1, 'Sarah': 3.6, 'John': 3.4, 'Andy': 2.9} </a:t>
             </a:r>
           </a:p>
           <a:p>
@@ -10405,7 +10405,7 @@
                 </a:solidFill>
                 <a:latin typeface="Inconsolata" panose="020B0609030003000000" pitchFamily="49" charset="77"/>
               </a:rPr>
-              <a:t>numbers</a:t>
+              <a:t>data</a:t>
             </a:r>
             <a:r>
               <a:rPr lang="en-US" b="1" dirty="0">
@@ -10420,7 +10420,7 @@
                 </a:solidFill>
                 <a:latin typeface="Inconsolata" panose="020B0609030003000000" pitchFamily="49" charset="77"/>
               </a:rPr>
-              <a:t>'four'</a:t>
+              <a:t>'Courtney'</a:t>
             </a:r>
             <a:r>
               <a:rPr lang="en-US" b="1" dirty="0">
@@ -10453,7 +10453,21 @@
                 </a:solidFill>
                 <a:latin typeface="Inconsolata" panose="020B0609030003000000" pitchFamily="49" charset="77"/>
               </a:rPr>
-              <a:t>, 'four' not set as key</a:t>
+              <a:t>, 'Courtney' not in</a:t>
+            </a:r>
+          </a:p>
+          <a:p>
+            <a:pPr marL="0" indent="0">
+              <a:buNone/>
+            </a:pPr>
+            <a:r>
+              <a:rPr lang="en-US" sz="2000" b="1" dirty="0">
+                <a:solidFill>
+                  <a:srgbClr val="33566B"/>
+                </a:solidFill>
+                <a:latin typeface="Inconsolata" panose="020B0609030003000000" pitchFamily="49" charset="77"/>
+              </a:rPr>
+              <a:t>						# as set of keys </a:t>
             </a:r>
             <a:endParaRPr lang="en-US" sz="2000" b="1" dirty="0">
               <a:latin typeface="Inconsolata" panose="020B0609030003000000" pitchFamily="49" charset="77"/>
@@ -10643,6 +10657,55 @@
                       </p:childTnLst>
                     </p:cTn>
                   </p:par>
+                  <p:par>
+                    <p:cTn id="11" fill="hold">
+                      <p:stCondLst>
+                        <p:cond delay="indefinite"/>
+                      </p:stCondLst>
+                      <p:childTnLst>
+                        <p:par>
+                          <p:cTn id="12" fill="hold">
+                            <p:stCondLst>
+                              <p:cond delay="0"/>
+                            </p:stCondLst>
+                            <p:childTnLst>
+                              <p:par>
+                                <p:cTn id="13" presetID="1" presetClass="entr" presetSubtype="0" fill="hold" nodeType="clickEffect">
+                                  <p:stCondLst>
+                                    <p:cond delay="0"/>
+                                  </p:stCondLst>
+                                  <p:childTnLst>
+                                    <p:set>
+                                      <p:cBhvr>
+                                        <p:cTn id="14" dur="1" fill="hold">
+                                          <p:stCondLst>
+                                            <p:cond delay="0"/>
+                                          </p:stCondLst>
+                                        </p:cTn>
+                                        <p:tgtEl>
+                                          <p:spTgt spid="9">
+                                            <p:txEl>
+                                              <p:pRg st="8" end="8"/>
+                                            </p:txEl>
+                                          </p:spTgt>
+                                        </p:tgtEl>
+                                        <p:attrNameLst>
+                                          <p:attrName>style.visibility</p:attrName>
+                                        </p:attrNameLst>
+                                      </p:cBhvr>
+                                      <p:to>
+                                        <p:strVal val="visible"/>
+                                      </p:to>
+                                    </p:set>
+                                  </p:childTnLst>
+                                </p:cTn>
+                              </p:par>
+                            </p:childTnLst>
+                          </p:cTn>
+                        </p:par>
+                      </p:childTnLst>
+                    </p:cTn>
+                  </p:par>
                 </p:childTnLst>
               </p:cTn>
               <p:prevCondLst>
@@ -10803,7 +10866,7 @@
                 </a:solidFill>
                 <a:latin typeface="Inconsolata" panose="020B0609030003000000" pitchFamily="49" charset="77"/>
               </a:rPr>
-              <a:t>numbers </a:t>
+              <a:t>data </a:t>
             </a:r>
             <a:r>
               <a:rPr lang="en-US" b="1" dirty="0">
@@ -10827,7 +10890,7 @@
                 </a:solidFill>
                 <a:latin typeface="Inconsolata" panose="020B0609030003000000" pitchFamily="49" charset="77"/>
               </a:rPr>
-              <a:t>"one"</a:t>
+              <a:t>"Mike"</a:t>
             </a:r>
             <a:r>
               <a:rPr lang="en-US" b="1" dirty="0">
@@ -10842,7 +10905,7 @@
                 </a:solidFill>
                 <a:latin typeface="Inconsolata" panose="020B0609030003000000" pitchFamily="49" charset="77"/>
               </a:rPr>
-              <a:t>1</a:t>
+              <a:t>3.1</a:t>
             </a:r>
             <a:r>
               <a:rPr lang="en-US" b="1" dirty="0">
@@ -10857,7 +10920,7 @@
                 </a:solidFill>
                 <a:latin typeface="Inconsolata" panose="020B0609030003000000" pitchFamily="49" charset="77"/>
               </a:rPr>
-              <a:t>"two"</a:t>
+              <a:t>"Sarah"</a:t>
             </a:r>
             <a:r>
               <a:rPr lang="en-US" b="1" dirty="0">
@@ -10872,7 +10935,7 @@
                 </a:solidFill>
                 <a:latin typeface="Inconsolata" panose="020B0609030003000000" pitchFamily="49" charset="77"/>
               </a:rPr>
-              <a:t>2</a:t>
+              <a:t>3.6</a:t>
             </a:r>
             <a:r>
               <a:rPr lang="en-US" b="1" dirty="0">
@@ -10887,7 +10950,7 @@
                 </a:solidFill>
                 <a:latin typeface="Inconsolata" panose="020B0609030003000000" pitchFamily="49" charset="77"/>
               </a:rPr>
-              <a:t>"three"</a:t>
+              <a:t>"John"</a:t>
             </a:r>
             <a:r>
               <a:rPr lang="en-US" b="1" dirty="0">
@@ -10902,175 +10965,13 @@
                 </a:solidFill>
                 <a:latin typeface="Inconsolata" panose="020B0609030003000000" pitchFamily="49" charset="77"/>
               </a:rPr>
-              <a:t>3</a:t>
+              <a:t>3.4</a:t>
             </a:r>
             <a:r>
               <a:rPr lang="en-US" b="1" dirty="0">
                 <a:latin typeface="Inconsolata" panose="020B0609030003000000" pitchFamily="49" charset="77"/>
               </a:rPr>
               <a:t>} </a:t>
-            </a:r>
-          </a:p>
-          <a:p>
-            <a:pPr marL="0" indent="0">
-              <a:buNone/>
-            </a:pPr>
-            <a:r>
-              <a:rPr lang="en-US" b="1" dirty="0">
-                <a:solidFill>
-                  <a:srgbClr val="000087"/>
-                </a:solidFill>
-                <a:latin typeface="Inconsolata" panose="020B0609030003000000" pitchFamily="49" charset="77"/>
-              </a:rPr>
-              <a:t>In </a:t>
-            </a:r>
-            <a:r>
-              <a:rPr lang="en-US" b="1" dirty="0">
-                <a:latin typeface="Inconsolata" panose="020B0609030003000000" pitchFamily="49" charset="77"/>
-              </a:rPr>
-              <a:t>[</a:t>
-            </a:r>
-            <a:r>
-              <a:rPr lang="en-US" b="1" dirty="0">
-                <a:solidFill>
-                  <a:srgbClr val="FF6600"/>
-                </a:solidFill>
-                <a:latin typeface="Inconsolata" panose="020B0609030003000000" pitchFamily="49" charset="77"/>
-              </a:rPr>
-              <a:t>2</a:t>
-            </a:r>
-            <a:r>
-              <a:rPr lang="en-US" b="1" dirty="0">
-                <a:latin typeface="Inconsolata" panose="020B0609030003000000" pitchFamily="49" charset="77"/>
-              </a:rPr>
-              <a:t>]: </a:t>
-            </a:r>
-            <a:r>
-              <a:rPr lang="en-US" b="1" dirty="0">
-                <a:solidFill>
-                  <a:srgbClr val="000087"/>
-                </a:solidFill>
-                <a:latin typeface="Inconsolata" panose="020B0609030003000000" pitchFamily="49" charset="77"/>
-              </a:rPr>
-              <a:t>numbers</a:t>
-            </a:r>
-            <a:r>
-              <a:rPr lang="en-US" b="1" dirty="0">
-                <a:latin typeface="Inconsolata" panose="020B0609030003000000" pitchFamily="49" charset="77"/>
-              </a:rPr>
-              <a:t>[</a:t>
-            </a:r>
-            <a:r>
-              <a:rPr lang="en-US" b="1" dirty="0">
-                <a:solidFill>
-                  <a:srgbClr val="CC3300"/>
-                </a:solidFill>
-                <a:latin typeface="Inconsolata" panose="020B0609030003000000" pitchFamily="49" charset="77"/>
-              </a:rPr>
-              <a:t>'two'</a:t>
-            </a:r>
-            <a:r>
-              <a:rPr lang="en-US" b="1" dirty="0">
-                <a:latin typeface="Inconsolata" panose="020B0609030003000000" pitchFamily="49" charset="77"/>
-              </a:rPr>
-              <a:t>] </a:t>
-            </a:r>
-            <a:r>
-              <a:rPr lang="en-US" b="1" dirty="0">
-                <a:solidFill>
-                  <a:srgbClr val="545454"/>
-                </a:solidFill>
-                <a:latin typeface="Inconsolata" panose="020B0609030003000000" pitchFamily="49" charset="77"/>
-              </a:rPr>
-              <a:t>= </a:t>
-            </a:r>
-            <a:r>
-              <a:rPr lang="en-US" b="1" dirty="0">
-                <a:solidFill>
-                  <a:srgbClr val="FF6600"/>
-                </a:solidFill>
-                <a:latin typeface="Inconsolata" panose="020B0609030003000000" pitchFamily="49" charset="77"/>
-              </a:rPr>
-              <a:t>20 </a:t>
-            </a:r>
-            <a:endParaRPr lang="en-US" b="1" dirty="0">
-              <a:latin typeface="Inconsolata" panose="020B0609030003000000" pitchFamily="49" charset="77"/>
-            </a:endParaRPr>
-          </a:p>
-          <a:p>
-            <a:pPr marL="0" indent="0">
-              <a:buNone/>
-            </a:pPr>
-            <a:r>
-              <a:rPr lang="en-US" b="1" dirty="0">
-                <a:solidFill>
-                  <a:srgbClr val="000087"/>
-                </a:solidFill>
-                <a:latin typeface="Inconsolata" panose="020B0609030003000000" pitchFamily="49" charset="77"/>
-              </a:rPr>
-              <a:t>In </a:t>
-            </a:r>
-            <a:r>
-              <a:rPr lang="en-US" b="1" dirty="0">
-                <a:latin typeface="Inconsolata" panose="020B0609030003000000" pitchFamily="49" charset="77"/>
-              </a:rPr>
-              <a:t>[</a:t>
-            </a:r>
-            <a:r>
-              <a:rPr lang="en-US" b="1" dirty="0">
-                <a:solidFill>
-                  <a:srgbClr val="FF6600"/>
-                </a:solidFill>
-                <a:latin typeface="Inconsolata" panose="020B0609030003000000" pitchFamily="49" charset="77"/>
-              </a:rPr>
-              <a:t>3</a:t>
-            </a:r>
-            <a:r>
-              <a:rPr lang="en-US" b="1" dirty="0">
-                <a:latin typeface="Inconsolata" panose="020B0609030003000000" pitchFamily="49" charset="77"/>
-              </a:rPr>
-              <a:t>]</a:t>
-            </a:r>
-            <a:r>
-              <a:rPr lang="en-US" b="1" dirty="0">
-                <a:solidFill>
-                  <a:srgbClr val="006699"/>
-                </a:solidFill>
-                <a:latin typeface="Inconsolata" panose="020B0609030003000000" pitchFamily="49" charset="77"/>
-              </a:rPr>
-              <a:t>  print</a:t>
-            </a:r>
-            <a:r>
-              <a:rPr lang="en-US" b="1" dirty="0">
-                <a:latin typeface="Inconsolata" panose="020B0609030003000000" pitchFamily="49" charset="77"/>
-              </a:rPr>
-              <a:t>(</a:t>
-            </a:r>
-            <a:r>
-              <a:rPr lang="en-US" b="1" dirty="0">
-                <a:solidFill>
-                  <a:srgbClr val="000087"/>
-                </a:solidFill>
-                <a:latin typeface="Inconsolata" panose="020B0609030003000000" pitchFamily="49" charset="77"/>
-              </a:rPr>
-              <a:t>numbers</a:t>
-            </a:r>
-            <a:r>
-              <a:rPr lang="en-US" b="1" dirty="0">
-                <a:latin typeface="Inconsolata" panose="020B0609030003000000" pitchFamily="49" charset="77"/>
-              </a:rPr>
-              <a:t>)</a:t>
-            </a:r>
-            <a:br>
-              <a:rPr lang="en-US" b="1" dirty="0">
-                <a:latin typeface="Inconsolata" panose="020B0609030003000000" pitchFamily="49" charset="77"/>
-              </a:rPr>
-            </a:br>
-            <a:r>
-              <a:rPr lang="en-US" b="1" dirty="0">
-                <a:latin typeface="Inconsolata" panose="020B0609030003000000" pitchFamily="49" charset="77"/>
-              </a:rPr>
-              <a:t>{'one': 1, 'two': 20, 'three': 3} </a:t>
             </a:r>
             <a:endParaRPr lang="en-US" b="1" dirty="0">
               <a:solidFill>
@@ -11105,7 +11006,7 @@
                 </a:solidFill>
                 <a:latin typeface="Inconsolata" panose="020B0609030003000000" pitchFamily="49" charset="77"/>
               </a:rPr>
-              <a:t>4</a:t>
+              <a:t>2</a:t>
             </a:r>
             <a:r>
               <a:rPr lang="en-US" b="1" dirty="0">
@@ -11120,7 +11021,7 @@
                 </a:solidFill>
                 <a:latin typeface="Inconsolata" panose="020B0609030003000000" pitchFamily="49" charset="77"/>
               </a:rPr>
-              <a:t>numbers</a:t>
+              <a:t>data</a:t>
             </a:r>
             <a:r>
               <a:rPr lang="en-US" b="1" dirty="0">
@@ -11135,13 +11036,13 @@
                 </a:solidFill>
                 <a:latin typeface="Inconsolata" panose="020B0609030003000000" pitchFamily="49" charset="77"/>
               </a:rPr>
-              <a:t>'one'</a:t>
-            </a:r>
-            <a:r>
-              <a:rPr lang="en-US" b="1" dirty="0">
-                <a:latin typeface="Inconsolata" panose="020B0609030003000000" pitchFamily="49" charset="77"/>
-              </a:rPr>
-              <a:t>] +</a:t>
+              <a:t>'Mike'</a:t>
+            </a:r>
+            <a:r>
+              <a:rPr lang="en-US" b="1" dirty="0">
+                <a:latin typeface="Inconsolata" panose="020B0609030003000000" pitchFamily="49" charset="77"/>
+              </a:rPr>
+              <a:t>] </a:t>
             </a:r>
             <a:r>
               <a:rPr lang="en-US" b="1" dirty="0">
@@ -11159,7 +11060,7 @@
                 </a:solidFill>
                 <a:latin typeface="Inconsolata" panose="020B0609030003000000" pitchFamily="49" charset="77"/>
               </a:rPr>
-              <a:t>5 </a:t>
+              <a:t>3.2 </a:t>
             </a:r>
             <a:endParaRPr lang="en-US" b="1" dirty="0">
               <a:latin typeface="Inconsolata" panose="020B0609030003000000" pitchFamily="49" charset="77"/>
@@ -11191,6 +11092,174 @@
                 </a:solidFill>
                 <a:latin typeface="Inconsolata" panose="020B0609030003000000" pitchFamily="49" charset="77"/>
               </a:rPr>
+              <a:t>3</a:t>
+            </a:r>
+            <a:r>
+              <a:rPr lang="en-US" b="1" dirty="0">
+                <a:latin typeface="Inconsolata" panose="020B0609030003000000" pitchFamily="49" charset="77"/>
+              </a:rPr>
+              <a:t>]</a:t>
+            </a:r>
+            <a:r>
+              <a:rPr lang="en-US" b="1" dirty="0">
+                <a:solidFill>
+                  <a:srgbClr val="006699"/>
+                </a:solidFill>
+                <a:latin typeface="Inconsolata" panose="020B0609030003000000" pitchFamily="49" charset="77"/>
+              </a:rPr>
+              <a:t>  print</a:t>
+            </a:r>
+            <a:r>
+              <a:rPr lang="en-US" b="1" dirty="0">
+                <a:latin typeface="Inconsolata" panose="020B0609030003000000" pitchFamily="49" charset="77"/>
+              </a:rPr>
+              <a:t>(</a:t>
+            </a:r>
+            <a:r>
+              <a:rPr lang="en-US" b="1" dirty="0">
+                <a:solidFill>
+                  <a:srgbClr val="000087"/>
+                </a:solidFill>
+                <a:latin typeface="Inconsolata" panose="020B0609030003000000" pitchFamily="49" charset="77"/>
+              </a:rPr>
+              <a:t>data</a:t>
+            </a:r>
+            <a:r>
+              <a:rPr lang="en-US" b="1" dirty="0">
+                <a:latin typeface="Inconsolata" panose="020B0609030003000000" pitchFamily="49" charset="77"/>
+              </a:rPr>
+              <a:t>)</a:t>
+            </a:r>
+            <a:br>
+              <a:rPr lang="en-US" b="1" dirty="0">
+                <a:latin typeface="Inconsolata" panose="020B0609030003000000" pitchFamily="49" charset="77"/>
+              </a:rPr>
+            </a:br>
+            <a:r>
+              <a:rPr lang="en-US" b="1" dirty="0">
+                <a:latin typeface="Inconsolata" panose="020B0609030003000000" pitchFamily="49" charset="77"/>
+              </a:rPr>
+              <a:t>{'Mike': 3.2, 'Sarah': 3.6, 'John': 3.4} </a:t>
+            </a:r>
+            <a:endParaRPr lang="en-US" b="1" dirty="0">
+              <a:solidFill>
+                <a:srgbClr val="000087"/>
+              </a:solidFill>
+              <a:latin typeface="Inconsolata" panose="020B0609030003000000" pitchFamily="49" charset="77"/>
+            </a:endParaRPr>
+          </a:p>
+          <a:p>
+            <a:pPr marL="0" indent="0">
+              <a:buNone/>
+            </a:pPr>
+            <a:r>
+              <a:rPr lang="en-US" b="1" dirty="0">
+                <a:solidFill>
+                  <a:srgbClr val="000087"/>
+                </a:solidFill>
+                <a:latin typeface="Inconsolata" panose="020B0609030003000000" pitchFamily="49" charset="77"/>
+              </a:rPr>
+              <a:t>In </a:t>
+            </a:r>
+            <a:r>
+              <a:rPr lang="en-US" b="1" dirty="0">
+                <a:latin typeface="Inconsolata" panose="020B0609030003000000" pitchFamily="49" charset="77"/>
+              </a:rPr>
+              <a:t>[</a:t>
+            </a:r>
+            <a:r>
+              <a:rPr lang="en-US" b="1" dirty="0">
+                <a:solidFill>
+                  <a:srgbClr val="FF6600"/>
+                </a:solidFill>
+                <a:latin typeface="Inconsolata" panose="020B0609030003000000" pitchFamily="49" charset="77"/>
+              </a:rPr>
+              <a:t>4</a:t>
+            </a:r>
+            <a:r>
+              <a:rPr lang="en-US" b="1" dirty="0">
+                <a:latin typeface="Inconsolata" panose="020B0609030003000000" pitchFamily="49" charset="77"/>
+              </a:rPr>
+              <a:t>]: </a:t>
+            </a:r>
+            <a:r>
+              <a:rPr lang="en-US" b="1" dirty="0">
+                <a:solidFill>
+                  <a:srgbClr val="000087"/>
+                </a:solidFill>
+                <a:latin typeface="Inconsolata" panose="020B0609030003000000" pitchFamily="49" charset="77"/>
+              </a:rPr>
+              <a:t>data</a:t>
+            </a:r>
+            <a:r>
+              <a:rPr lang="en-US" b="1" dirty="0">
+                <a:latin typeface="Inconsolata" panose="020B0609030003000000" pitchFamily="49" charset="77"/>
+              </a:rPr>
+              <a:t>[</a:t>
+            </a:r>
+            <a:r>
+              <a:rPr lang="en-US" b="1" dirty="0">
+                <a:solidFill>
+                  <a:srgbClr val="CC3300"/>
+                </a:solidFill>
+                <a:latin typeface="Inconsolata" panose="020B0609030003000000" pitchFamily="49" charset="77"/>
+              </a:rPr>
+              <a:t>'Sarah'</a:t>
+            </a:r>
+            <a:r>
+              <a:rPr lang="en-US" b="1" dirty="0">
+                <a:latin typeface="Inconsolata" panose="020B0609030003000000" pitchFamily="49" charset="77"/>
+              </a:rPr>
+              <a:t>] +</a:t>
+            </a:r>
+            <a:r>
+              <a:rPr lang="en-US" b="1" dirty="0">
+                <a:solidFill>
+                  <a:srgbClr val="545454"/>
+                </a:solidFill>
+                <a:latin typeface="Inconsolata" panose="020B0609030003000000" pitchFamily="49" charset="77"/>
+              </a:rPr>
+              <a:t>= </a:t>
+            </a:r>
+            <a:r>
+              <a:rPr lang="en-US" b="1" dirty="0">
+                <a:solidFill>
+                  <a:srgbClr val="FF6600"/>
+                </a:solidFill>
+                <a:latin typeface="Inconsolata" panose="020B0609030003000000" pitchFamily="49" charset="77"/>
+              </a:rPr>
+              <a:t>0.2 </a:t>
+            </a:r>
+            <a:endParaRPr lang="en-US" b="1" dirty="0">
+              <a:latin typeface="Inconsolata" panose="020B0609030003000000" pitchFamily="49" charset="77"/>
+            </a:endParaRPr>
+          </a:p>
+          <a:p>
+            <a:pPr marL="0" indent="0">
+              <a:buNone/>
+            </a:pPr>
+            <a:r>
+              <a:rPr lang="en-US" b="1" dirty="0">
+                <a:solidFill>
+                  <a:srgbClr val="000087"/>
+                </a:solidFill>
+                <a:latin typeface="Inconsolata" panose="020B0609030003000000" pitchFamily="49" charset="77"/>
+              </a:rPr>
+              <a:t>In </a:t>
+            </a:r>
+            <a:r>
+              <a:rPr lang="en-US" b="1" dirty="0">
+                <a:latin typeface="Inconsolata" panose="020B0609030003000000" pitchFamily="49" charset="77"/>
+              </a:rPr>
+              <a:t>[</a:t>
+            </a:r>
+            <a:r>
+              <a:rPr lang="en-US" b="1" dirty="0">
+                <a:solidFill>
+                  <a:srgbClr val="FF6600"/>
+                </a:solidFill>
+                <a:latin typeface="Inconsolata" panose="020B0609030003000000" pitchFamily="49" charset="77"/>
+              </a:rPr>
               <a:t>5</a:t>
             </a:r>
             <a:r>
@@ -11221,7 +11290,7 @@
                 </a:solidFill>
                 <a:latin typeface="Inconsolata" panose="020B0609030003000000" pitchFamily="49" charset="77"/>
               </a:rPr>
-              <a:t>numbers</a:t>
+              <a:t>data</a:t>
             </a:r>
             <a:r>
               <a:rPr lang="en-US" b="1" dirty="0">
@@ -11238,16 +11307,11 @@
               <a:rPr lang="en-US" b="1" dirty="0">
                 <a:latin typeface="Inconsolata" panose="020B0609030003000000" pitchFamily="49" charset="77"/>
               </a:rPr>
-              <a:t>{'one': 6, 'two': 20, 'three': 3} </a:t>
-            </a:r>
-          </a:p>
-          <a:p>
-            <a:pPr marL="0" indent="0">
-              <a:buNone/>
-            </a:pPr>
-            <a:endParaRPr lang="en-US" b="1" i="1" dirty="0">
+              <a:t>{'Mike': 3.2, 'Sarah': 3.8, 'John': 3.4} </a:t>
+            </a:r>
+            <a:endParaRPr lang="en-US" b="1" dirty="0">
               <a:solidFill>
-                <a:srgbClr val="33566B"/>
+                <a:srgbClr val="000087"/>
               </a:solidFill>
               <a:latin typeface="Inconsolata" panose="020B0609030003000000" pitchFamily="49" charset="77"/>
             </a:endParaRPr>
@@ -12946,7 +13010,7 @@
                 </a:solidFill>
                 <a:latin typeface="Inconsolata" panose="020B0609030003000000" pitchFamily="49" charset="77"/>
               </a:rPr>
-              <a:t>	    print</a:t>
+              <a:t>	   print</a:t>
             </a:r>
             <a:r>
               <a:rPr lang="en-US" b="1" dirty="0">
@@ -13047,7 +13111,7 @@
                 </a:solidFill>
                 <a:latin typeface="Inconsolata" panose="020B0609030003000000" pitchFamily="49" charset="77"/>
               </a:rPr>
-              <a:t>	    print</a:t>
+              <a:t>	   print</a:t>
             </a:r>
             <a:r>
               <a:rPr lang="en-US" b="1" dirty="0">
@@ -13930,7 +13994,7 @@
                 </a:solidFill>
                 <a:latin typeface="Inconsolata" panose="020B0609030003000000" pitchFamily="49" charset="77"/>
               </a:rPr>
-              <a:t>numbers </a:t>
+              <a:t>data </a:t>
             </a:r>
             <a:r>
               <a:rPr lang="en-US" b="1" dirty="0">
@@ -13954,7 +14018,7 @@
                 </a:solidFill>
                 <a:latin typeface="Inconsolata" panose="020B0609030003000000" pitchFamily="49" charset="77"/>
               </a:rPr>
-              <a:t>'one'</a:t>
+              <a:t>"Mike"</a:t>
             </a:r>
             <a:r>
               <a:rPr lang="en-US" b="1" dirty="0">
@@ -13969,7 +14033,7 @@
                 </a:solidFill>
                 <a:latin typeface="Inconsolata" panose="020B0609030003000000" pitchFamily="49" charset="77"/>
               </a:rPr>
-              <a:t>1</a:t>
+              <a:t>3.1</a:t>
             </a:r>
             <a:r>
               <a:rPr lang="en-US" b="1" dirty="0">
@@ -13984,7 +14048,7 @@
                 </a:solidFill>
                 <a:latin typeface="Inconsolata" panose="020B0609030003000000" pitchFamily="49" charset="77"/>
               </a:rPr>
-              <a:t>'two'</a:t>
+              <a:t>"Sarah"</a:t>
             </a:r>
             <a:r>
               <a:rPr lang="en-US" b="1" dirty="0">
@@ -13999,7 +14063,7 @@
                 </a:solidFill>
                 <a:latin typeface="Inconsolata" panose="020B0609030003000000" pitchFamily="49" charset="77"/>
               </a:rPr>
-              <a:t>2</a:t>
+              <a:t>3.6</a:t>
             </a:r>
             <a:r>
               <a:rPr lang="en-US" b="1" dirty="0">
@@ -14014,7 +14078,7 @@
                 </a:solidFill>
                 <a:latin typeface="Inconsolata" panose="020B0609030003000000" pitchFamily="49" charset="77"/>
               </a:rPr>
-              <a:t>'three'</a:t>
+              <a:t>"John"</a:t>
             </a:r>
             <a:r>
               <a:rPr lang="en-US" b="1" dirty="0">
@@ -14029,7 +14093,7 @@
                 </a:solidFill>
                 <a:latin typeface="Inconsolata" panose="020B0609030003000000" pitchFamily="49" charset="77"/>
               </a:rPr>
-              <a:t>3</a:t>
+              <a:t>3.4</a:t>
             </a:r>
             <a:r>
               <a:rPr lang="en-US" b="1" dirty="0">
@@ -14073,7 +14137,7 @@
                 </a:solidFill>
                 <a:latin typeface="Inconsolata" panose="020B0609030003000000" pitchFamily="49" charset="77"/>
               </a:rPr>
-              <a:t>numbers</a:t>
+              <a:t>data</a:t>
             </a:r>
             <a:r>
               <a:rPr lang="en-US" b="1" dirty="0">
@@ -14156,7 +14220,7 @@
             </a:pPr>
             <a:r>
               <a:rPr lang="en-US" dirty="0"/>
-              <a:t>one two three</a:t>
+              <a:t>Mike Sarah John</a:t>
             </a:r>
           </a:p>
           <a:p>
@@ -14426,7 +14490,7 @@
         </p:nvSpPr>
         <p:spPr>
           <a:xfrm>
-            <a:off x="120594" y="800184"/>
+            <a:off x="120593" y="683887"/>
             <a:ext cx="8414980" cy="4914815"/>
           </a:xfrm>
         </p:spPr>
@@ -14476,16 +14540,170 @@
               <a:rPr lang="en-US" b="1" dirty="0">
                 <a:latin typeface="Inconsolata" panose="020B0609030003000000" pitchFamily="49" charset="77"/>
               </a:rPr>
+              <a:t>]: 	</a:t>
+            </a:r>
+            <a:r>
+              <a:rPr lang="en-US" b="1" dirty="0">
+                <a:solidFill>
+                  <a:srgbClr val="000087"/>
+                </a:solidFill>
+                <a:latin typeface="Inconsolata" panose="020B0609030003000000" pitchFamily="49" charset="77"/>
+              </a:rPr>
+              <a:t>In </a:t>
+            </a:r>
+            <a:r>
+              <a:rPr lang="en-US" b="1" dirty="0">
+                <a:latin typeface="Inconsolata" panose="020B0609030003000000" pitchFamily="49" charset="77"/>
+              </a:rPr>
+              <a:t>[</a:t>
+            </a:r>
+            <a:r>
+              <a:rPr lang="en-US" b="1" dirty="0">
+                <a:solidFill>
+                  <a:srgbClr val="FF6600"/>
+                </a:solidFill>
+                <a:latin typeface="Inconsolata" panose="020B0609030003000000" pitchFamily="49" charset="77"/>
+              </a:rPr>
+              <a:t>1</a:t>
+            </a:r>
+            <a:r>
+              <a:rPr lang="en-US" b="1" dirty="0">
+                <a:latin typeface="Inconsolata" panose="020B0609030003000000" pitchFamily="49" charset="77"/>
+              </a:rPr>
               <a:t>]: </a:t>
             </a:r>
             <a:r>
               <a:rPr lang="en-US" b="1" dirty="0">
                 <a:solidFill>
+                  <a:srgbClr val="000087"/>
+                </a:solidFill>
+                <a:latin typeface="Inconsolata" panose="020B0609030003000000" pitchFamily="49" charset="77"/>
+              </a:rPr>
+              <a:t>data </a:t>
+            </a:r>
+            <a:r>
+              <a:rPr lang="en-US" b="1" dirty="0">
+                <a:solidFill>
+                  <a:srgbClr val="545454"/>
+                </a:solidFill>
+                <a:latin typeface="Inconsolata" panose="020B0609030003000000" pitchFamily="49" charset="77"/>
+              </a:rPr>
+              <a:t>= </a:t>
+            </a:r>
+            <a:r>
+              <a:rPr lang="en-US" b="1" dirty="0">
+                <a:latin typeface="Inconsolata" panose="020B0609030003000000" pitchFamily="49" charset="77"/>
+              </a:rPr>
+              <a:t>{</a:t>
+            </a:r>
+            <a:r>
+              <a:rPr lang="en-US" b="1" dirty="0">
+                <a:solidFill>
+                  <a:srgbClr val="CC3300"/>
+                </a:solidFill>
+                <a:latin typeface="Inconsolata" panose="020B0609030003000000" pitchFamily="49" charset="77"/>
+              </a:rPr>
+              <a:t>"Mike"</a:t>
+            </a:r>
+            <a:r>
+              <a:rPr lang="en-US" b="1" dirty="0">
+                <a:latin typeface="Inconsolata" panose="020B0609030003000000" pitchFamily="49" charset="77"/>
+              </a:rPr>
+              <a:t>:</a:t>
+            </a:r>
+            <a:r>
+              <a:rPr lang="en-US" b="1" dirty="0">
+                <a:solidFill>
+                  <a:srgbClr val="FF6600"/>
+                </a:solidFill>
+                <a:latin typeface="Inconsolata" panose="020B0609030003000000" pitchFamily="49" charset="77"/>
+              </a:rPr>
+              <a:t>3.1</a:t>
+            </a:r>
+            <a:r>
+              <a:rPr lang="en-US" b="1" dirty="0">
+                <a:latin typeface="Inconsolata" panose="020B0609030003000000" pitchFamily="49" charset="77"/>
+              </a:rPr>
+              <a:t>, </a:t>
+            </a:r>
+            <a:r>
+              <a:rPr lang="en-US" b="1" dirty="0">
+                <a:solidFill>
+                  <a:srgbClr val="CC3300"/>
+                </a:solidFill>
+                <a:latin typeface="Inconsolata" panose="020B0609030003000000" pitchFamily="49" charset="77"/>
+              </a:rPr>
+              <a:t>"Sarah"</a:t>
+            </a:r>
+            <a:r>
+              <a:rPr lang="en-US" b="1" dirty="0">
+                <a:latin typeface="Inconsolata" panose="020B0609030003000000" pitchFamily="49" charset="77"/>
+              </a:rPr>
+              <a:t>:</a:t>
+            </a:r>
+            <a:r>
+              <a:rPr lang="en-US" b="1" dirty="0">
+                <a:solidFill>
+                  <a:srgbClr val="FF6600"/>
+                </a:solidFill>
+                <a:latin typeface="Inconsolata" panose="020B0609030003000000" pitchFamily="49" charset="77"/>
+              </a:rPr>
+              <a:t>3.6</a:t>
+            </a:r>
+            <a:r>
+              <a:rPr lang="en-US" b="1" dirty="0">
+                <a:latin typeface="Inconsolata" panose="020B0609030003000000" pitchFamily="49" charset="77"/>
+              </a:rPr>
+              <a:t>, </a:t>
+            </a:r>
+          </a:p>
+          <a:p>
+            <a:pPr marL="0" indent="0">
+              <a:buNone/>
+            </a:pPr>
+            <a:r>
+              <a:rPr lang="en-US" b="1" dirty="0">
+                <a:solidFill>
+                  <a:srgbClr val="CC3300"/>
+                </a:solidFill>
+                <a:latin typeface="Inconsolata" panose="020B0609030003000000" pitchFamily="49" charset="77"/>
+              </a:rPr>
+              <a:t>					 "John"</a:t>
+            </a:r>
+            <a:r>
+              <a:rPr lang="en-US" b="1" dirty="0">
+                <a:latin typeface="Inconsolata" panose="020B0609030003000000" pitchFamily="49" charset="77"/>
+              </a:rPr>
+              <a:t>:</a:t>
+            </a:r>
+            <a:r>
+              <a:rPr lang="en-US" b="1" dirty="0">
+                <a:solidFill>
+                  <a:srgbClr val="FF6600"/>
+                </a:solidFill>
+                <a:latin typeface="Inconsolata" panose="020B0609030003000000" pitchFamily="49" charset="77"/>
+              </a:rPr>
+              <a:t>3.4</a:t>
+            </a:r>
+            <a:r>
+              <a:rPr lang="en-US" b="1" dirty="0">
+                <a:latin typeface="Inconsolata" panose="020B0609030003000000" pitchFamily="49" charset="77"/>
+              </a:rPr>
+              <a:t>}</a:t>
+            </a:r>
+          </a:p>
+          <a:p>
+            <a:pPr marL="0" indent="0">
+              <a:buNone/>
+            </a:pPr>
+            <a:r>
+              <a:rPr lang="en-US" b="1" dirty="0">
+                <a:solidFill>
                   <a:srgbClr val="006699"/>
                 </a:solidFill>
                 <a:latin typeface="Inconsolata" panose="020B0609030003000000" pitchFamily="49" charset="77"/>
               </a:rPr>
-              <a:t>for </a:t>
+              <a:t>		for </a:t>
             </a:r>
             <a:r>
               <a:rPr lang="en-US" b="1" dirty="0">
@@ -14509,7 +14727,7 @@
                 </a:solidFill>
                 <a:latin typeface="Inconsolata" panose="020B0609030003000000" pitchFamily="49" charset="77"/>
               </a:rPr>
-              <a:t>numbers.values</a:t>
+              <a:t>data.values</a:t>
             </a:r>
             <a:r>
               <a:rPr lang="en-US" b="1" dirty="0">
@@ -14601,7 +14819,7 @@
             </a:pPr>
             <a:r>
               <a:rPr lang="en-US" dirty="0"/>
-              <a:t>1 2 3</a:t>
+              <a:t>3.1 3.6 3.4</a:t>
             </a:r>
           </a:p>
           <a:p>
@@ -14623,17 +14841,6 @@
             <a:pPr marL="0" indent="0">
               <a:buNone/>
             </a:pPr>
-            <a:endParaRPr lang="en-US" b="1" dirty="0">
-              <a:solidFill>
-                <a:srgbClr val="000087"/>
-              </a:solidFill>
-              <a:latin typeface="Inconsolata" panose="020B0609030003000000" pitchFamily="49" charset="77"/>
-            </a:endParaRPr>
-          </a:p>
-          <a:p>
-            <a:pPr marL="0" indent="0">
-              <a:buNone/>
-            </a:pPr>
             <a:r>
               <a:rPr lang="en-US" b="1" dirty="0">
                 <a:solidFill>
@@ -14656,7 +14863,37 @@
                 </a:solidFill>
                 <a:latin typeface="Inconsolata" panose="020B0609030003000000" pitchFamily="49" charset="77"/>
               </a:rPr>
-              <a:t>2</a:t>
+              <a:t>1</a:t>
+            </a:r>
+            <a:r>
+              <a:rPr lang="en-US" b="1" dirty="0">
+                <a:latin typeface="Inconsolata" panose="020B0609030003000000" pitchFamily="49" charset="77"/>
+              </a:rPr>
+              <a:t>]: 	</a:t>
+            </a:r>
+            <a:r>
+              <a:rPr lang="en-US" b="1" dirty="0">
+                <a:solidFill>
+                  <a:srgbClr val="000087"/>
+                </a:solidFill>
+                <a:latin typeface="Inconsolata" panose="020B0609030003000000" pitchFamily="49" charset="77"/>
+              </a:rPr>
+              <a:t>In </a:t>
+            </a:r>
+            <a:r>
+              <a:rPr lang="en-US" b="1" dirty="0">
+                <a:latin typeface="Inconsolata" panose="020B0609030003000000" pitchFamily="49" charset="77"/>
+              </a:rPr>
+              <a:t>[</a:t>
+            </a:r>
+            <a:r>
+              <a:rPr lang="en-US" b="1" dirty="0">
+                <a:solidFill>
+                  <a:srgbClr val="FF6600"/>
+                </a:solidFill>
+                <a:latin typeface="Inconsolata" panose="020B0609030003000000" pitchFamily="49" charset="77"/>
+              </a:rPr>
+              <a:t>1</a:t>
             </a:r>
             <a:r>
               <a:rPr lang="en-US" b="1" dirty="0">
@@ -14671,7 +14908,7 @@
                 </a:solidFill>
                 <a:latin typeface="Inconsolata" panose="020B0609030003000000" pitchFamily="49" charset="77"/>
               </a:rPr>
-              <a:t>numbers </a:t>
+              <a:t>data </a:t>
             </a:r>
             <a:r>
               <a:rPr lang="en-US" b="1" dirty="0">
@@ -14695,7 +14932,7 @@
                 </a:solidFill>
                 <a:latin typeface="Inconsolata" panose="020B0609030003000000" pitchFamily="49" charset="77"/>
               </a:rPr>
-              <a:t>'one'</a:t>
+              <a:t>"Mike"</a:t>
             </a:r>
             <a:r>
               <a:rPr lang="en-US" b="1" dirty="0">
@@ -14710,7 +14947,7 @@
                 </a:solidFill>
                 <a:latin typeface="Inconsolata" panose="020B0609030003000000" pitchFamily="49" charset="77"/>
               </a:rPr>
-              <a:t>1</a:t>
+              <a:t>3.1</a:t>
             </a:r>
             <a:r>
               <a:rPr lang="en-US" b="1" dirty="0">
@@ -14725,7 +14962,7 @@
                 </a:solidFill>
                 <a:latin typeface="Inconsolata" panose="020B0609030003000000" pitchFamily="49" charset="77"/>
               </a:rPr>
-              <a:t>'two'</a:t>
+              <a:t>"Sarah"</a:t>
             </a:r>
             <a:r>
               <a:rPr lang="en-US" b="1" dirty="0">
@@ -14740,7 +14977,7 @@
                 </a:solidFill>
                 <a:latin typeface="Inconsolata" panose="020B0609030003000000" pitchFamily="49" charset="77"/>
               </a:rPr>
-              <a:t>2</a:t>
+              <a:t>3.6</a:t>
             </a:r>
             <a:r>
               <a:rPr lang="en-US" b="1" dirty="0">
@@ -14748,6 +14985,11 @@
               </a:rPr>
               <a:t>, </a:t>
             </a:r>
+          </a:p>
+          <a:p>
+            <a:pPr marL="0" indent="0">
+              <a:buNone/>
+            </a:pPr>
             <a:r>
               <a:rPr lang="en-US" b="1" dirty="0">
                 <a:solidFill>
@@ -14755,7 +14997,7 @@
                 </a:solidFill>
                 <a:latin typeface="Inconsolata" panose="020B0609030003000000" pitchFamily="49" charset="77"/>
               </a:rPr>
-              <a:t>'three'</a:t>
+              <a:t>					 "John"</a:t>
             </a:r>
             <a:r>
               <a:rPr lang="en-US" b="1" dirty="0">
@@ -14770,13 +15012,13 @@
                 </a:solidFill>
                 <a:latin typeface="Inconsolata" panose="020B0609030003000000" pitchFamily="49" charset="77"/>
               </a:rPr>
-              <a:t>3</a:t>
-            </a:r>
-            <a:r>
-              <a:rPr lang="en-US" b="1" dirty="0">
-                <a:latin typeface="Inconsolata" panose="020B0609030003000000" pitchFamily="49" charset="77"/>
-              </a:rPr>
-              <a:t>} </a:t>
+              <a:t>3.4</a:t>
+            </a:r>
+            <a:r>
+              <a:rPr lang="en-US" b="1" dirty="0">
+                <a:latin typeface="Inconsolata" panose="020B0609030003000000" pitchFamily="49" charset="77"/>
+              </a:rPr>
+              <a:t>}</a:t>
             </a:r>
           </a:p>
           <a:p>
@@ -14790,7 +15032,7 @@
                 </a:solidFill>
                 <a:latin typeface="Inconsolata" panose="020B0609030003000000" pitchFamily="49" charset="77"/>
               </a:rPr>
-              <a:t>	    for </a:t>
+              <a:t>		for </a:t>
             </a:r>
             <a:r>
               <a:rPr lang="en-US" b="1" dirty="0">
@@ -14814,7 +15056,7 @@
                 </a:solidFill>
                 <a:latin typeface="Inconsolata" panose="020B0609030003000000" pitchFamily="49" charset="77"/>
               </a:rPr>
-              <a:t>numbers</a:t>
+              <a:t>data</a:t>
             </a:r>
             <a:r>
               <a:rPr lang="en-US" b="1" dirty="0">
@@ -14840,7 +15082,7 @@
               <a:rPr lang="en-US" b="1" dirty="0">
                 <a:latin typeface="Inconsolata" panose="020B0609030003000000" pitchFamily="49" charset="77"/>
               </a:rPr>
-              <a:t>(</a:t>
+              <a:t>(data[</a:t>
             </a:r>
             <a:r>
               <a:rPr lang="en-US" b="1" dirty="0">
@@ -14849,7 +15091,40 @@
                 </a:solidFill>
                 <a:latin typeface="Inconsolata" panose="020B0609030003000000" pitchFamily="49" charset="77"/>
               </a:rPr>
-              <a:t>numbers[x], end=" "</a:t>
+              <a:t>x]</a:t>
+            </a:r>
+            <a:r>
+              <a:rPr lang="en-US" b="1" dirty="0">
+                <a:latin typeface="Inconsolata" panose="020B0609030003000000" pitchFamily="49" charset="77"/>
+              </a:rPr>
+              <a:t>, </a:t>
+            </a:r>
+            <a:r>
+              <a:rPr lang="en-US" b="1" dirty="0">
+                <a:solidFill>
+                  <a:srgbClr val="000087"/>
+                </a:solidFill>
+                <a:latin typeface="Inconsolata" panose="020B0609030003000000" pitchFamily="49" charset="77"/>
+              </a:rPr>
+              <a:t>end</a:t>
+            </a:r>
+            <a:r>
+              <a:rPr lang="en-US" b="1" dirty="0">
+                <a:solidFill>
+                  <a:srgbClr val="545454"/>
+                </a:solidFill>
+                <a:latin typeface="Inconsolata" panose="020B0609030003000000" pitchFamily="49" charset="77"/>
+              </a:rPr>
+              <a:t>=</a:t>
+            </a:r>
+            <a:r>
+              <a:rPr lang="en-US" b="1" dirty="0">
+                <a:solidFill>
+                  <a:srgbClr val="CC3300"/>
+                </a:solidFill>
+                <a:latin typeface="Inconsolata" panose="020B0609030003000000" pitchFamily="49" charset="77"/>
+              </a:rPr>
+              <a:t>‘ ’</a:t>
             </a:r>
             <a:r>
               <a:rPr lang="en-US" b="1" dirty="0">
@@ -14864,7 +15139,7 @@
             </a:pPr>
             <a:r>
               <a:rPr lang="en-US" dirty="0"/>
-              <a:t>1 2 3</a:t>
+              <a:t>3.1 3.6 3.4</a:t>
             </a:r>
           </a:p>
           <a:p>
@@ -14903,178 +15178,6 @@
   <p:clrMapOvr>
     <a:masterClrMapping/>
   </p:clrMapOvr>
-  <p:timing>
-    <p:tnLst>
-      <p:par>
-        <p:cTn id="1" dur="indefinite" restart="never" nodeType="tmRoot">
-          <p:childTnLst>
-            <p:seq concurrent="1" nextAc="seek">
-              <p:cTn id="2" dur="indefinite" nodeType="mainSeq">
-                <p:childTnLst>
-                  <p:par>
-                    <p:cTn id="3" fill="hold">
-                      <p:stCondLst>
-                        <p:cond delay="indefinite"/>
-                      </p:stCondLst>
-                      <p:childTnLst>
-                        <p:par>
-                          <p:cTn id="4" fill="hold">
-                            <p:stCondLst>
-                              <p:cond delay="0"/>
-                            </p:stCondLst>
-                            <p:childTnLst>
-                              <p:par>
-                                <p:cTn id="5" presetID="1" presetClass="entr" presetSubtype="0" fill="hold" nodeType="clickEffect">
-                                  <p:stCondLst>
-                                    <p:cond delay="0"/>
-                                  </p:stCondLst>
-                                  <p:childTnLst>
-                                    <p:set>
-                                      <p:cBhvr>
-                                        <p:cTn id="6" dur="1" fill="hold">
-                                          <p:stCondLst>
-                                            <p:cond delay="0"/>
-                                          </p:stCondLst>
-                                        </p:cTn>
-                                        <p:tgtEl>
-                                          <p:spTgt spid="9">
-                                            <p:txEl>
-                                              <p:pRg st="7" end="7"/>
-                                            </p:txEl>
-                                          </p:spTgt>
-                                        </p:tgtEl>
-                                        <p:attrNameLst>
-                                          <p:attrName>style.visibility</p:attrName>
-                                        </p:attrNameLst>
-                                      </p:cBhvr>
-                                      <p:to>
-                                        <p:strVal val="visible"/>
-                                      </p:to>
-                                    </p:set>
-                                  </p:childTnLst>
-                                </p:cTn>
-                              </p:par>
-                              <p:par>
-                                <p:cTn id="7" presetID="1" presetClass="entr" presetSubtype="0" fill="hold" nodeType="withEffect">
-                                  <p:stCondLst>
-                                    <p:cond delay="0"/>
-                                  </p:stCondLst>
-                                  <p:childTnLst>
-                                    <p:set>
-                                      <p:cBhvr>
-                                        <p:cTn id="8" dur="1" fill="hold">
-                                          <p:stCondLst>
-                                            <p:cond delay="0"/>
-                                          </p:stCondLst>
-                                        </p:cTn>
-                                        <p:tgtEl>
-                                          <p:spTgt spid="9">
-                                            <p:txEl>
-                                              <p:pRg st="8" end="8"/>
-                                            </p:txEl>
-                                          </p:spTgt>
-                                        </p:tgtEl>
-                                        <p:attrNameLst>
-                                          <p:attrName>style.visibility</p:attrName>
-                                        </p:attrNameLst>
-                                      </p:cBhvr>
-                                      <p:to>
-                                        <p:strVal val="visible"/>
-                                      </p:to>
-                                    </p:set>
-                                  </p:childTnLst>
-                                </p:cTn>
-                              </p:par>
-                              <p:par>
-                                <p:cTn id="9" presetID="1" presetClass="entr" presetSubtype="0" fill="hold" nodeType="withEffect">
-                                  <p:stCondLst>
-                                    <p:cond delay="0"/>
-                                  </p:stCondLst>
-                                  <p:childTnLst>
-                                    <p:set>
-                                      <p:cBhvr>
-                                        <p:cTn id="10" dur="1" fill="hold">
-                                          <p:stCondLst>
-                                            <p:cond delay="0"/>
-                                          </p:stCondLst>
-                                        </p:cTn>
-                                        <p:tgtEl>
-                                          <p:spTgt spid="9">
-                                            <p:txEl>
-                                              <p:pRg st="9" end="9"/>
-                                            </p:txEl>
-                                          </p:spTgt>
-                                        </p:tgtEl>
-                                        <p:attrNameLst>
-                                          <p:attrName>style.visibility</p:attrName>
-                                        </p:attrNameLst>
-                                      </p:cBhvr>
-                                      <p:to>
-                                        <p:strVal val="visible"/>
-                                      </p:to>
-                                    </p:set>
-                                  </p:childTnLst>
-                                </p:cTn>
-                              </p:par>
-                              <p:par>
-                                <p:cTn id="11" presetID="1" presetClass="entr" presetSubtype="0" fill="hold" nodeType="withEffect">
-                                  <p:stCondLst>
-                                    <p:cond delay="0"/>
-                                  </p:stCondLst>
-                                  <p:childTnLst>
-                                    <p:set>
-                                      <p:cBhvr>
-                                        <p:cTn id="12" dur="1" fill="hold">
-                                          <p:stCondLst>
-                                            <p:cond delay="0"/>
-                                          </p:stCondLst>
-                                        </p:cTn>
-                                        <p:tgtEl>
-                                          <p:spTgt spid="9">
-                                            <p:txEl>
-                                              <p:pRg st="10" end="10"/>
-                                            </p:txEl>
-                                          </p:spTgt>
-                                        </p:tgtEl>
-                                        <p:attrNameLst>
-                                          <p:attrName>style.visibility</p:attrName>
-                                        </p:attrNameLst>
-                                      </p:cBhvr>
-                                      <p:to>
-                                        <p:strVal val="visible"/>
-                                      </p:to>
-                                    </p:set>
-                                  </p:childTnLst>
-                                </p:cTn>
-                              </p:par>
-                            </p:childTnLst>
-                          </p:cTn>
-                        </p:par>
-                      </p:childTnLst>
-                    </p:cTn>
-                  </p:par>
-                </p:childTnLst>
-              </p:cTn>
-              <p:prevCondLst>
-                <p:cond evt="onPrev" delay="0">
-                  <p:tgtEl>
-                    <p:sldTgt/>
-                  </p:tgtEl>
-                </p:cond>
-              </p:prevCondLst>
-              <p:nextCondLst>
-                <p:cond evt="onNext" delay="0">
-                  <p:tgtEl>
-                    <p:sldTgt/>
-                  </p:tgtEl>
-                </p:cond>
-              </p:nextCondLst>
-            </p:seq>
-          </p:childTnLst>
-        </p:cTn>
-      </p:par>
-    </p:tnLst>
-  </p:timing>
 </p:sld>
 </file>
 
@@ -16129,22 +16232,84 @@
                 </a:solidFill>
                 <a:latin typeface="Inconsolata" panose="020B0609030003000000" pitchFamily="49" charset="77"/>
               </a:rPr>
-              <a:t>database['John'] = []</a:t>
-            </a:r>
-          </a:p>
-          <a:p>
-            <a:pPr marL="0" indent="0">
-              <a:buNone/>
-            </a:pPr>
-            <a:r>
-              <a:rPr lang="en-US" b="1" dirty="0">
+              <a:t>name, score = </a:t>
+            </a:r>
+            <a:r>
+              <a:rPr lang="en-US" b="1" dirty="0" err="1">
                 <a:solidFill>
                   <a:srgbClr val="000087"/>
                 </a:solidFill>
                 <a:latin typeface="Inconsolata" panose="020B0609030003000000" pitchFamily="49" charset="77"/>
               </a:rPr>
-              <a:t>database['John'].append(90)</a:t>
-            </a:r>
+              <a:t>names_to_add</a:t>
+            </a:r>
+            <a:r>
+              <a:rPr lang="en-US" b="1" dirty="0">
+                <a:solidFill>
+                  <a:srgbClr val="000087"/>
+                </a:solidFill>
+                <a:latin typeface="Inconsolata" panose="020B0609030003000000" pitchFamily="49" charset="77"/>
+              </a:rPr>
+              <a:t>[1] </a:t>
+            </a:r>
+            <a:endParaRPr lang="en-US" b="1" dirty="0">
+              <a:solidFill>
+                <a:srgbClr val="336666"/>
+              </a:solidFill>
+              <a:latin typeface="Inconsolata" panose="020B0609030003000000" pitchFamily="49" charset="77"/>
+            </a:endParaRPr>
+          </a:p>
+          <a:p>
+            <a:pPr marL="0" indent="0">
+              <a:buNone/>
+            </a:pPr>
+            <a:r>
+              <a:rPr lang="en-US" b="1" dirty="0">
+                <a:solidFill>
+                  <a:srgbClr val="000087"/>
+                </a:solidFill>
+                <a:latin typeface="Inconsolata" panose="020B0609030003000000" pitchFamily="49" charset="77"/>
+              </a:rPr>
+              <a:t>database[name] = []</a:t>
+            </a:r>
+          </a:p>
+          <a:p>
+            <a:pPr marL="0" indent="0">
+              <a:buNone/>
+            </a:pPr>
+            <a:r>
+              <a:rPr lang="en-US" b="1">
+                <a:solidFill>
+                  <a:srgbClr val="000087"/>
+                </a:solidFill>
+                <a:latin typeface="Inconsolata" panose="020B0609030003000000" pitchFamily="49" charset="77"/>
+              </a:rPr>
+              <a:t>database[</a:t>
+            </a:r>
+            <a:r>
+              <a:rPr lang="en-US" b="1" dirty="0">
+                <a:solidFill>
+                  <a:srgbClr val="000087"/>
+                </a:solidFill>
+                <a:latin typeface="Inconsolata" panose="020B0609030003000000" pitchFamily="49" charset="77"/>
+              </a:rPr>
+              <a:t>name].append</a:t>
+            </a:r>
+            <a:r>
+              <a:rPr lang="en-US" b="1">
+                <a:solidFill>
+                  <a:srgbClr val="000087"/>
+                </a:solidFill>
+                <a:latin typeface="Inconsolata" panose="020B0609030003000000" pitchFamily="49" charset="77"/>
+              </a:rPr>
+              <a:t>(score)</a:t>
+            </a:r>
+            <a:endParaRPr lang="en-US" b="1" dirty="0">
+              <a:solidFill>
+                <a:srgbClr val="000087"/>
+              </a:solidFill>
+              <a:latin typeface="Inconsolata" panose="020B0609030003000000" pitchFamily="49" charset="77"/>
+            </a:endParaRPr>
           </a:p>
           <a:p>
             <a:pPr marL="0" indent="0">
@@ -16537,6 +16702,55 @@
                                           <p:spTgt spid="9">
                                             <p:txEl>
                                               <p:pRg st="10" end="10"/>
+                                            </p:txEl>
+                                          </p:spTgt>
+                                        </p:tgtEl>
+                                        <p:attrNameLst>
+                                          <p:attrName>style.visibility</p:attrName>
+                                        </p:attrNameLst>
+                                      </p:cBhvr>
+                                      <p:to>
+                                        <p:strVal val="visible"/>
+                                      </p:to>
+                                    </p:set>
+                                  </p:childTnLst>
+                                </p:cTn>
+                              </p:par>
+                            </p:childTnLst>
+                          </p:cTn>
+                        </p:par>
+                      </p:childTnLst>
+                    </p:cTn>
+                  </p:par>
+                  <p:par>
+                    <p:cTn id="33" fill="hold">
+                      <p:stCondLst>
+                        <p:cond delay="indefinite"/>
+                      </p:stCondLst>
+                      <p:childTnLst>
+                        <p:par>
+                          <p:cTn id="34" fill="hold">
+                            <p:stCondLst>
+                              <p:cond delay="0"/>
+                            </p:stCondLst>
+                            <p:childTnLst>
+                              <p:par>
+                                <p:cTn id="35" presetID="1" presetClass="entr" presetSubtype="0" fill="hold" nodeType="clickEffect">
+                                  <p:stCondLst>
+                                    <p:cond delay="0"/>
+                                  </p:stCondLst>
+                                  <p:childTnLst>
+                                    <p:set>
+                                      <p:cBhvr>
+                                        <p:cTn id="36" dur="1" fill="hold">
+                                          <p:stCondLst>
+                                            <p:cond delay="0"/>
+                                          </p:stCondLst>
+                                        </p:cTn>
+                                        <p:tgtEl>
+                                          <p:spTgt spid="9">
+                                            <p:txEl>
+                                              <p:pRg st="11" end="11"/>
                                             </p:txEl>
                                           </p:spTgt>
                                         </p:tgtEl>
@@ -19478,6 +19692,42 @@
               </a:rPr>
               <a:t># error!</a:t>
             </a:r>
+          </a:p>
+          <a:p>
+            <a:pPr marL="0" indent="0">
+              <a:buNone/>
+            </a:pPr>
+            <a:endParaRPr lang="en-US" b="1" i="1" dirty="0">
+              <a:solidFill>
+                <a:srgbClr val="33566B"/>
+              </a:solidFill>
+              <a:latin typeface="Inconsolata" panose="020B0609030003000000" pitchFamily="49" charset="77"/>
+            </a:endParaRPr>
+          </a:p>
+          <a:p>
+            <a:pPr marL="0" indent="0">
+              <a:buNone/>
+            </a:pPr>
+            <a:endParaRPr lang="en-US" b="1" i="1" dirty="0">
+              <a:solidFill>
+                <a:srgbClr val="33566B"/>
+              </a:solidFill>
+              <a:latin typeface="Inconsolata" panose="020B0609030003000000" pitchFamily="49" charset="77"/>
+            </a:endParaRPr>
+          </a:p>
+          <a:p>
+            <a:pPr marL="0" indent="0">
+              <a:buNone/>
+            </a:pPr>
+            <a:r>
+              <a:rPr lang="en-US" b="1" i="1" dirty="0">
+                <a:solidFill>
+                  <a:srgbClr val="33566B"/>
+                </a:solidFill>
+                <a:latin typeface="Inconsolata" panose="020B0609030003000000" pitchFamily="49" charset="77"/>
+              </a:rPr>
+              <a:t>Note: a tuple takes less memory than a list.</a:t>
+            </a:r>
             <a:endParaRPr lang="en-US" b="1" dirty="0">
               <a:latin typeface="Inconsolata" panose="020B0609030003000000" pitchFamily="49" charset="77"/>
             </a:endParaRPr>
@@ -19610,6 +19860,55 @@
                                           <p:spTgt spid="9">
                                             <p:txEl>
                                               <p:pRg st="3" end="3"/>
+                                            </p:txEl>
+                                          </p:spTgt>
+                                        </p:tgtEl>
+                                        <p:attrNameLst>
+                                          <p:attrName>style.visibility</p:attrName>
+                                        </p:attrNameLst>
+                                      </p:cBhvr>
+                                      <p:to>
+                                        <p:strVal val="visible"/>
+                                      </p:to>
+                                    </p:set>
+                                  </p:childTnLst>
+                                </p:cTn>
+                              </p:par>
+                            </p:childTnLst>
+                          </p:cTn>
+                        </p:par>
+                      </p:childTnLst>
+                    </p:cTn>
+                  </p:par>
+                  <p:par>
+                    <p:cTn id="11" fill="hold">
+                      <p:stCondLst>
+                        <p:cond delay="indefinite"/>
+                      </p:stCondLst>
+                      <p:childTnLst>
+                        <p:par>
+                          <p:cTn id="12" fill="hold">
+                            <p:stCondLst>
+                              <p:cond delay="0"/>
+                            </p:stCondLst>
+                            <p:childTnLst>
+                              <p:par>
+                                <p:cTn id="13" presetID="1" presetClass="entr" presetSubtype="0" fill="hold" nodeType="clickEffect">
+                                  <p:stCondLst>
+                                    <p:cond delay="0"/>
+                                  </p:stCondLst>
+                                  <p:childTnLst>
+                                    <p:set>
+                                      <p:cBhvr>
+                                        <p:cTn id="14" dur="1" fill="hold">
+                                          <p:stCondLst>
+                                            <p:cond delay="0"/>
+                                          </p:stCondLst>
+                                        </p:cTn>
+                                        <p:tgtEl>
+                                          <p:spTgt spid="9">
+                                            <p:txEl>
+                                              <p:pRg st="6" end="6"/>
                                             </p:txEl>
                                           </p:spTgt>
                                         </p:tgtEl>

--- a/courses/apcsp/lect9.pptx
+++ b/courses/apcsp/lect9.pptx
@@ -17,10 +17,10 @@
     <p:sldId id="323" r:id="rId11"/>
     <p:sldId id="341" r:id="rId12"/>
     <p:sldId id="337" r:id="rId13"/>
-    <p:sldId id="344" r:id="rId14"/>
-    <p:sldId id="345" r:id="rId15"/>
-    <p:sldId id="347" r:id="rId16"/>
-    <p:sldId id="346" r:id="rId17"/>
+    <p:sldId id="354" r:id="rId14"/>
+    <p:sldId id="344" r:id="rId15"/>
+    <p:sldId id="345" r:id="rId16"/>
+    <p:sldId id="347" r:id="rId17"/>
     <p:sldId id="313" r:id="rId18"/>
     <p:sldId id="339" r:id="rId19"/>
     <p:sldId id="314" r:id="rId20"/>
@@ -140,13 +140,22 @@
 <file path=ppt/revisionInfo.xml><?xml version="1.0" encoding="utf-8"?>
 <p1510:revInfo xmlns:a="http://schemas.openxmlformats.org/drawingml/2006/main" xmlns:r="http://schemas.openxmlformats.org/officeDocument/2006/relationships" xmlns:p1510="http://schemas.microsoft.com/office/powerpoint/2015/10/main">
   <p1510:revLst>
-    <p1510:client id="{85BDEDF6-CF42-4D41-8B40-38D23F731E13}" v="2130" dt="2021-06-06T21:43:05.956"/>
+    <p1510:client id="{0D22434F-C429-584D-952F-0619514BBCC8}" v="202" dt="2021-12-06T13:59:35.958"/>
   </p1510:revLst>
 </p1510:revInfo>
 </file>
 
 <file path=ppt/changesInfos/changesInfo1.xml><?xml version="1.0" encoding="utf-8"?>
 <pc:chgInfo xmlns:a="http://schemas.openxmlformats.org/drawingml/2006/main" xmlns:r="http://schemas.openxmlformats.org/officeDocument/2006/relationships" xmlns:ac="http://schemas.microsoft.com/office/drawing/2013/main/command" xmlns:pc="http://schemas.microsoft.com/office/powerpoint/2013/main/command">
+  <pc:docChgLst>
+    <pc:chgData name="Long B Nguyen" userId="f59fb8f3-a021-417a-8bc1-65c8d471c621" providerId="ADAL" clId="{02F9CDFD-8058-E747-90F1-869B904FA8AE}"/>
+    <pc:docChg chg="delSld">
+      <pc:chgData name="Long B Nguyen" userId="f59fb8f3-a021-417a-8bc1-65c8d471c621" providerId="ADAL" clId="{02F9CDFD-8058-E747-90F1-869B904FA8AE}" dt="2019-10-06T14:42:51.433" v="0" actId="2696"/>
+      <pc:docMkLst>
+        <pc:docMk/>
+      </pc:docMkLst>
+    </pc:docChg>
+  </pc:docChgLst>
   <pc:docChgLst>
     <pc:chgData name="Long B Nguyen" userId="f59fb8f3-a021-417a-8bc1-65c8d471c621" providerId="ADAL" clId="{EC1E750C-42C7-A84F-81F0-83B2F940DF8B}"/>
     <pc:docChg chg="undo custSel addSld delSld modSld">
@@ -237,15 +246,6 @@
           </ac:spMkLst>
         </pc:spChg>
       </pc:sldChg>
-    </pc:docChg>
-  </pc:docChgLst>
-  <pc:docChgLst>
-    <pc:chgData name="Long B Nguyen" userId="f59fb8f3-a021-417a-8bc1-65c8d471c621" providerId="ADAL" clId="{02F9CDFD-8058-E747-90F1-869B904FA8AE}"/>
-    <pc:docChg chg="delSld">
-      <pc:chgData name="Long B Nguyen" userId="f59fb8f3-a021-417a-8bc1-65c8d471c621" providerId="ADAL" clId="{02F9CDFD-8058-E747-90F1-869B904FA8AE}" dt="2019-10-06T14:42:51.433" v="0" actId="2696"/>
-      <pc:docMkLst>
-        <pc:docMk/>
-      </pc:docMkLst>
     </pc:docChg>
   </pc:docChgLst>
   <pc:docChgLst>
@@ -848,6 +848,505 @@
     </pc:docChg>
   </pc:docChgLst>
   <pc:docChgLst>
+    <pc:chgData name="Long B Nguyen" userId="f59fb8f3-a021-417a-8bc1-65c8d471c621" providerId="ADAL" clId="{85BDEDF6-CF42-4D41-8B40-38D23F731E13}"/>
+    <pc:docChg chg="custSel addSld delSld modSld">
+      <pc:chgData name="Long B Nguyen" userId="f59fb8f3-a021-417a-8bc1-65c8d471c621" providerId="ADAL" clId="{85BDEDF6-CF42-4D41-8B40-38D23F731E13}" dt="2021-06-06T21:43:08" v="2744" actId="20577"/>
+      <pc:docMkLst>
+        <pc:docMk/>
+      </pc:docMkLst>
+      <pc:sldChg chg="modSp mod">
+        <pc:chgData name="Long B Nguyen" userId="f59fb8f3-a021-417a-8bc1-65c8d471c621" providerId="ADAL" clId="{85BDEDF6-CF42-4D41-8B40-38D23F731E13}" dt="2021-06-05T16:15:39.262" v="19" actId="20577"/>
+        <pc:sldMkLst>
+          <pc:docMk/>
+          <pc:sldMk cId="4247104139" sldId="256"/>
+        </pc:sldMkLst>
+        <pc:spChg chg="mod">
+          <ac:chgData name="Long B Nguyen" userId="f59fb8f3-a021-417a-8bc1-65c8d471c621" providerId="ADAL" clId="{85BDEDF6-CF42-4D41-8B40-38D23F731E13}" dt="2021-06-05T16:15:39.262" v="19" actId="20577"/>
+          <ac:spMkLst>
+            <pc:docMk/>
+            <pc:sldMk cId="4247104139" sldId="256"/>
+            <ac:spMk id="3" creationId="{1BDC47C8-6776-7B44-9CD4-95FC91452D62}"/>
+          </ac:spMkLst>
+        </pc:spChg>
+      </pc:sldChg>
+      <pc:sldChg chg="modSp">
+        <pc:chgData name="Long B Nguyen" userId="f59fb8f3-a021-417a-8bc1-65c8d471c621" providerId="ADAL" clId="{85BDEDF6-CF42-4D41-8B40-38D23F731E13}" dt="2021-06-05T16:58:04.727" v="1073" actId="20577"/>
+        <pc:sldMkLst>
+          <pc:docMk/>
+          <pc:sldMk cId="114946794" sldId="313"/>
+        </pc:sldMkLst>
+        <pc:spChg chg="mod">
+          <ac:chgData name="Long B Nguyen" userId="f59fb8f3-a021-417a-8bc1-65c8d471c621" providerId="ADAL" clId="{85BDEDF6-CF42-4D41-8B40-38D23F731E13}" dt="2021-06-05T16:58:04.727" v="1073" actId="20577"/>
+          <ac:spMkLst>
+            <pc:docMk/>
+            <pc:sldMk cId="114946794" sldId="313"/>
+            <ac:spMk id="9" creationId="{E3B2E017-30B2-884B-A113-B419A2ED51AD}"/>
+          </ac:spMkLst>
+        </pc:spChg>
+      </pc:sldChg>
+      <pc:sldChg chg="modSp mod modAnim">
+        <pc:chgData name="Long B Nguyen" userId="f59fb8f3-a021-417a-8bc1-65c8d471c621" providerId="ADAL" clId="{85BDEDF6-CF42-4D41-8B40-38D23F731E13}" dt="2021-06-05T23:12:23.758" v="1225" actId="20577"/>
+        <pc:sldMkLst>
+          <pc:docMk/>
+          <pc:sldMk cId="18163085" sldId="314"/>
+        </pc:sldMkLst>
+        <pc:spChg chg="mod">
+          <ac:chgData name="Long B Nguyen" userId="f59fb8f3-a021-417a-8bc1-65c8d471c621" providerId="ADAL" clId="{85BDEDF6-CF42-4D41-8B40-38D23F731E13}" dt="2021-06-05T23:12:23.758" v="1225" actId="20577"/>
+          <ac:spMkLst>
+            <pc:docMk/>
+            <pc:sldMk cId="18163085" sldId="314"/>
+            <ac:spMk id="9" creationId="{E3B2E017-30B2-884B-A113-B419A2ED51AD}"/>
+          </ac:spMkLst>
+        </pc:spChg>
+      </pc:sldChg>
+      <pc:sldChg chg="modSp del modAnim">
+        <pc:chgData name="Long B Nguyen" userId="f59fb8f3-a021-417a-8bc1-65c8d471c621" providerId="ADAL" clId="{85BDEDF6-CF42-4D41-8B40-38D23F731E13}" dt="2021-06-06T20:57:01.453" v="1779" actId="2696"/>
+        <pc:sldMkLst>
+          <pc:docMk/>
+          <pc:sldMk cId="2648987374" sldId="316"/>
+        </pc:sldMkLst>
+        <pc:spChg chg="mod">
+          <ac:chgData name="Long B Nguyen" userId="f59fb8f3-a021-417a-8bc1-65c8d471c621" providerId="ADAL" clId="{85BDEDF6-CF42-4D41-8B40-38D23F731E13}" dt="2021-06-05T23:16:05.238" v="1469" actId="20577"/>
+          <ac:spMkLst>
+            <pc:docMk/>
+            <pc:sldMk cId="2648987374" sldId="316"/>
+            <ac:spMk id="9" creationId="{E3B2E017-30B2-884B-A113-B419A2ED51AD}"/>
+          </ac:spMkLst>
+        </pc:spChg>
+      </pc:sldChg>
+      <pc:sldChg chg="del">
+        <pc:chgData name="Long B Nguyen" userId="f59fb8f3-a021-417a-8bc1-65c8d471c621" providerId="ADAL" clId="{85BDEDF6-CF42-4D41-8B40-38D23F731E13}" dt="2021-06-06T20:56:33.585" v="1778" actId="2696"/>
+        <pc:sldMkLst>
+          <pc:docMk/>
+          <pc:sldMk cId="3246446892" sldId="317"/>
+        </pc:sldMkLst>
+      </pc:sldChg>
+      <pc:sldChg chg="modSp modAnim">
+        <pc:chgData name="Long B Nguyen" userId="f59fb8f3-a021-417a-8bc1-65c8d471c621" providerId="ADAL" clId="{85BDEDF6-CF42-4D41-8B40-38D23F731E13}" dt="2021-06-06T20:55:45.136" v="1776" actId="20577"/>
+        <pc:sldMkLst>
+          <pc:docMk/>
+          <pc:sldMk cId="67073653" sldId="318"/>
+        </pc:sldMkLst>
+        <pc:spChg chg="mod">
+          <ac:chgData name="Long B Nguyen" userId="f59fb8f3-a021-417a-8bc1-65c8d471c621" providerId="ADAL" clId="{85BDEDF6-CF42-4D41-8B40-38D23F731E13}" dt="2021-06-06T20:55:45.136" v="1776" actId="20577"/>
+          <ac:spMkLst>
+            <pc:docMk/>
+            <pc:sldMk cId="67073653" sldId="318"/>
+            <ac:spMk id="9" creationId="{E3B2E017-30B2-884B-A113-B419A2ED51AD}"/>
+          </ac:spMkLst>
+        </pc:spChg>
+      </pc:sldChg>
+      <pc:sldChg chg="modSp modAnim">
+        <pc:chgData name="Long B Nguyen" userId="f59fb8f3-a021-417a-8bc1-65c8d471c621" providerId="ADAL" clId="{85BDEDF6-CF42-4D41-8B40-38D23F731E13}" dt="2021-06-05T16:41:20.365" v="459" actId="20577"/>
+        <pc:sldMkLst>
+          <pc:docMk/>
+          <pc:sldMk cId="1997478848" sldId="319"/>
+        </pc:sldMkLst>
+        <pc:spChg chg="mod">
+          <ac:chgData name="Long B Nguyen" userId="f59fb8f3-a021-417a-8bc1-65c8d471c621" providerId="ADAL" clId="{85BDEDF6-CF42-4D41-8B40-38D23F731E13}" dt="2021-06-05T16:41:20.365" v="459" actId="20577"/>
+          <ac:spMkLst>
+            <pc:docMk/>
+            <pc:sldMk cId="1997478848" sldId="319"/>
+            <ac:spMk id="9" creationId="{E3B2E017-30B2-884B-A113-B419A2ED51AD}"/>
+          </ac:spMkLst>
+        </pc:spChg>
+      </pc:sldChg>
+      <pc:sldChg chg="addSp delSp modSp mod modAnim">
+        <pc:chgData name="Long B Nguyen" userId="f59fb8f3-a021-417a-8bc1-65c8d471c621" providerId="ADAL" clId="{85BDEDF6-CF42-4D41-8B40-38D23F731E13}" dt="2021-06-05T16:53:47.980" v="707" actId="20577"/>
+        <pc:sldMkLst>
+          <pc:docMk/>
+          <pc:sldMk cId="1289346350" sldId="323"/>
+        </pc:sldMkLst>
+        <pc:spChg chg="mod">
+          <ac:chgData name="Long B Nguyen" userId="f59fb8f3-a021-417a-8bc1-65c8d471c621" providerId="ADAL" clId="{85BDEDF6-CF42-4D41-8B40-38D23F731E13}" dt="2021-06-05T16:53:03.048" v="677" actId="1076"/>
+          <ac:spMkLst>
+            <pc:docMk/>
+            <pc:sldMk cId="1289346350" sldId="323"/>
+            <ac:spMk id="3" creationId="{1F595A19-8A49-BF47-A3C1-91AA31CC8096}"/>
+          </ac:spMkLst>
+        </pc:spChg>
+        <pc:spChg chg="add del mod">
+          <ac:chgData name="Long B Nguyen" userId="f59fb8f3-a021-417a-8bc1-65c8d471c621" providerId="ADAL" clId="{85BDEDF6-CF42-4D41-8B40-38D23F731E13}" dt="2021-06-05T16:52:59.431" v="676" actId="478"/>
+          <ac:spMkLst>
+            <pc:docMk/>
+            <pc:sldMk cId="1289346350" sldId="323"/>
+            <ac:spMk id="5" creationId="{41914BAD-A6B7-0443-80A4-BA84DAE2E16A}"/>
+          </ac:spMkLst>
+        </pc:spChg>
+        <pc:spChg chg="mod">
+          <ac:chgData name="Long B Nguyen" userId="f59fb8f3-a021-417a-8bc1-65c8d471c621" providerId="ADAL" clId="{85BDEDF6-CF42-4D41-8B40-38D23F731E13}" dt="2021-06-05T16:53:47.980" v="707" actId="20577"/>
+          <ac:spMkLst>
+            <pc:docMk/>
+            <pc:sldMk cId="1289346350" sldId="323"/>
+            <ac:spMk id="9" creationId="{E3B2E017-30B2-884B-A113-B419A2ED51AD}"/>
+          </ac:spMkLst>
+        </pc:spChg>
+      </pc:sldChg>
+      <pc:sldChg chg="modSp add mod">
+        <pc:chgData name="Long B Nguyen" userId="f59fb8f3-a021-417a-8bc1-65c8d471c621" providerId="ADAL" clId="{85BDEDF6-CF42-4D41-8B40-38D23F731E13}" dt="2021-06-06T21:43:08" v="2744" actId="20577"/>
+        <pc:sldMkLst>
+          <pc:docMk/>
+          <pc:sldMk cId="1133323522" sldId="325"/>
+        </pc:sldMkLst>
+        <pc:spChg chg="mod">
+          <ac:chgData name="Long B Nguyen" userId="f59fb8f3-a021-417a-8bc1-65c8d471c621" providerId="ADAL" clId="{85BDEDF6-CF42-4D41-8B40-38D23F731E13}" dt="2021-06-06T21:43:08" v="2744" actId="20577"/>
+          <ac:spMkLst>
+            <pc:docMk/>
+            <pc:sldMk cId="1133323522" sldId="325"/>
+            <ac:spMk id="9" creationId="{E3B2E017-30B2-884B-A113-B419A2ED51AD}"/>
+          </ac:spMkLst>
+        </pc:spChg>
+      </pc:sldChg>
+      <pc:sldChg chg="modSp del mod">
+        <pc:chgData name="Long B Nguyen" userId="f59fb8f3-a021-417a-8bc1-65c8d471c621" providerId="ADAL" clId="{85BDEDF6-CF42-4D41-8B40-38D23F731E13}" dt="2021-06-06T20:57:12.071" v="1780" actId="2696"/>
+        <pc:sldMkLst>
+          <pc:docMk/>
+          <pc:sldMk cId="2693651593" sldId="325"/>
+        </pc:sldMkLst>
+        <pc:spChg chg="mod">
+          <ac:chgData name="Long B Nguyen" userId="f59fb8f3-a021-417a-8bc1-65c8d471c621" providerId="ADAL" clId="{85BDEDF6-CF42-4D41-8B40-38D23F731E13}" dt="2021-06-05T23:17:10.095" v="1551" actId="20577"/>
+          <ac:spMkLst>
+            <pc:docMk/>
+            <pc:sldMk cId="2693651593" sldId="325"/>
+            <ac:spMk id="9" creationId="{E3B2E017-30B2-884B-A113-B419A2ED51AD}"/>
+          </ac:spMkLst>
+        </pc:spChg>
+      </pc:sldChg>
+      <pc:sldChg chg="modSp mod modAnim">
+        <pc:chgData name="Long B Nguyen" userId="f59fb8f3-a021-417a-8bc1-65c8d471c621" providerId="ADAL" clId="{85BDEDF6-CF42-4D41-8B40-38D23F731E13}" dt="2021-06-05T16:18:14.764" v="41" actId="207"/>
+        <pc:sldMkLst>
+          <pc:docMk/>
+          <pc:sldMk cId="214403129" sldId="333"/>
+        </pc:sldMkLst>
+        <pc:spChg chg="mod">
+          <ac:chgData name="Long B Nguyen" userId="f59fb8f3-a021-417a-8bc1-65c8d471c621" providerId="ADAL" clId="{85BDEDF6-CF42-4D41-8B40-38D23F731E13}" dt="2021-06-05T16:17:42.433" v="20" actId="1076"/>
+          <ac:spMkLst>
+            <pc:docMk/>
+            <pc:sldMk cId="214403129" sldId="333"/>
+            <ac:spMk id="2" creationId="{AA3A228F-61D0-D949-A5E7-F83756230BF8}"/>
+          </ac:spMkLst>
+        </pc:spChg>
+        <pc:spChg chg="mod">
+          <ac:chgData name="Long B Nguyen" userId="f59fb8f3-a021-417a-8bc1-65c8d471c621" providerId="ADAL" clId="{85BDEDF6-CF42-4D41-8B40-38D23F731E13}" dt="2021-06-05T16:18:14.764" v="41" actId="207"/>
+          <ac:spMkLst>
+            <pc:docMk/>
+            <pc:sldMk cId="214403129" sldId="333"/>
+            <ac:spMk id="9" creationId="{E3B2E017-30B2-884B-A113-B419A2ED51AD}"/>
+          </ac:spMkLst>
+        </pc:spChg>
+      </pc:sldChg>
+      <pc:sldChg chg="modSp mod modAnim">
+        <pc:chgData name="Long B Nguyen" userId="f59fb8f3-a021-417a-8bc1-65c8d471c621" providerId="ADAL" clId="{85BDEDF6-CF42-4D41-8B40-38D23F731E13}" dt="2021-06-05T16:37:10.118" v="140" actId="20577"/>
+        <pc:sldMkLst>
+          <pc:docMk/>
+          <pc:sldMk cId="2112071836" sldId="334"/>
+        </pc:sldMkLst>
+        <pc:spChg chg="mod">
+          <ac:chgData name="Long B Nguyen" userId="f59fb8f3-a021-417a-8bc1-65c8d471c621" providerId="ADAL" clId="{85BDEDF6-CF42-4D41-8B40-38D23F731E13}" dt="2021-06-05T16:18:30.056" v="42" actId="1076"/>
+          <ac:spMkLst>
+            <pc:docMk/>
+            <pc:sldMk cId="2112071836" sldId="334"/>
+            <ac:spMk id="2" creationId="{AA3A228F-61D0-D949-A5E7-F83756230BF8}"/>
+          </ac:spMkLst>
+        </pc:spChg>
+        <pc:spChg chg="mod">
+          <ac:chgData name="Long B Nguyen" userId="f59fb8f3-a021-417a-8bc1-65c8d471c621" providerId="ADAL" clId="{85BDEDF6-CF42-4D41-8B40-38D23F731E13}" dt="2021-06-05T16:37:10.118" v="140" actId="20577"/>
+          <ac:spMkLst>
+            <pc:docMk/>
+            <pc:sldMk cId="2112071836" sldId="334"/>
+            <ac:spMk id="9" creationId="{E3B2E017-30B2-884B-A113-B419A2ED51AD}"/>
+          </ac:spMkLst>
+        </pc:spChg>
+      </pc:sldChg>
+      <pc:sldChg chg="modSp modAnim">
+        <pc:chgData name="Long B Nguyen" userId="f59fb8f3-a021-417a-8bc1-65c8d471c621" providerId="ADAL" clId="{85BDEDF6-CF42-4D41-8B40-38D23F731E13}" dt="2021-06-05T16:39:06.548" v="329" actId="207"/>
+        <pc:sldMkLst>
+          <pc:docMk/>
+          <pc:sldMk cId="247153204" sldId="335"/>
+        </pc:sldMkLst>
+        <pc:spChg chg="mod">
+          <ac:chgData name="Long B Nguyen" userId="f59fb8f3-a021-417a-8bc1-65c8d471c621" providerId="ADAL" clId="{85BDEDF6-CF42-4D41-8B40-38D23F731E13}" dt="2021-06-05T16:39:06.548" v="329" actId="207"/>
+          <ac:spMkLst>
+            <pc:docMk/>
+            <pc:sldMk cId="247153204" sldId="335"/>
+            <ac:spMk id="9" creationId="{E3B2E017-30B2-884B-A113-B419A2ED51AD}"/>
+          </ac:spMkLst>
+        </pc:spChg>
+      </pc:sldChg>
+      <pc:sldChg chg="modSp modAnim">
+        <pc:chgData name="Long B Nguyen" userId="f59fb8f3-a021-417a-8bc1-65c8d471c621" providerId="ADAL" clId="{85BDEDF6-CF42-4D41-8B40-38D23F731E13}" dt="2021-06-05T16:39:57.389" v="371" actId="20577"/>
+        <pc:sldMkLst>
+          <pc:docMk/>
+          <pc:sldMk cId="3783627139" sldId="336"/>
+        </pc:sldMkLst>
+        <pc:spChg chg="mod">
+          <ac:chgData name="Long B Nguyen" userId="f59fb8f3-a021-417a-8bc1-65c8d471c621" providerId="ADAL" clId="{85BDEDF6-CF42-4D41-8B40-38D23F731E13}" dt="2021-06-05T16:39:57.389" v="371" actId="20577"/>
+          <ac:spMkLst>
+            <pc:docMk/>
+            <pc:sldMk cId="3783627139" sldId="336"/>
+            <ac:spMk id="9" creationId="{E3B2E017-30B2-884B-A113-B419A2ED51AD}"/>
+          </ac:spMkLst>
+        </pc:spChg>
+      </pc:sldChg>
+      <pc:sldChg chg="delSp modSp mod">
+        <pc:chgData name="Long B Nguyen" userId="f59fb8f3-a021-417a-8bc1-65c8d471c621" providerId="ADAL" clId="{85BDEDF6-CF42-4D41-8B40-38D23F731E13}" dt="2021-06-05T16:54:47.738" v="739" actId="20577"/>
+        <pc:sldMkLst>
+          <pc:docMk/>
+          <pc:sldMk cId="2765901336" sldId="337"/>
+        </pc:sldMkLst>
+        <pc:spChg chg="del">
+          <ac:chgData name="Long B Nguyen" userId="f59fb8f3-a021-417a-8bc1-65c8d471c621" providerId="ADAL" clId="{85BDEDF6-CF42-4D41-8B40-38D23F731E13}" dt="2021-06-05T16:54:09.043" v="708" actId="478"/>
+          <ac:spMkLst>
+            <pc:docMk/>
+            <pc:sldMk cId="2765901336" sldId="337"/>
+            <ac:spMk id="4" creationId="{58300BDE-2B33-184F-8E31-AA4C7D6E4180}"/>
+          </ac:spMkLst>
+        </pc:spChg>
+        <pc:spChg chg="mod">
+          <ac:chgData name="Long B Nguyen" userId="f59fb8f3-a021-417a-8bc1-65c8d471c621" providerId="ADAL" clId="{85BDEDF6-CF42-4D41-8B40-38D23F731E13}" dt="2021-06-05T16:54:47.738" v="739" actId="20577"/>
+          <ac:spMkLst>
+            <pc:docMk/>
+            <pc:sldMk cId="2765901336" sldId="337"/>
+            <ac:spMk id="9" creationId="{E3B2E017-30B2-884B-A113-B419A2ED51AD}"/>
+          </ac:spMkLst>
+        </pc:spChg>
+      </pc:sldChg>
+      <pc:sldChg chg="modSp mod">
+        <pc:chgData name="Long B Nguyen" userId="f59fb8f3-a021-417a-8bc1-65c8d471c621" providerId="ADAL" clId="{85BDEDF6-CF42-4D41-8B40-38D23F731E13}" dt="2021-06-05T23:13:11.944" v="1276" actId="207"/>
+        <pc:sldMkLst>
+          <pc:docMk/>
+          <pc:sldMk cId="2368568690" sldId="338"/>
+        </pc:sldMkLst>
+        <pc:spChg chg="mod">
+          <ac:chgData name="Long B Nguyen" userId="f59fb8f3-a021-417a-8bc1-65c8d471c621" providerId="ADAL" clId="{85BDEDF6-CF42-4D41-8B40-38D23F731E13}" dt="2021-06-05T23:13:11.944" v="1276" actId="207"/>
+          <ac:spMkLst>
+            <pc:docMk/>
+            <pc:sldMk cId="2368568690" sldId="338"/>
+            <ac:spMk id="9" creationId="{E3B2E017-30B2-884B-A113-B419A2ED51AD}"/>
+          </ac:spMkLst>
+        </pc:spChg>
+      </pc:sldChg>
+      <pc:sldChg chg="modSp modAnim">
+        <pc:chgData name="Long B Nguyen" userId="f59fb8f3-a021-417a-8bc1-65c8d471c621" providerId="ADAL" clId="{85BDEDF6-CF42-4D41-8B40-38D23F731E13}" dt="2021-06-05T16:58:50.503" v="1143" actId="20577"/>
+        <pc:sldMkLst>
+          <pc:docMk/>
+          <pc:sldMk cId="3131687406" sldId="339"/>
+        </pc:sldMkLst>
+        <pc:spChg chg="mod">
+          <ac:chgData name="Long B Nguyen" userId="f59fb8f3-a021-417a-8bc1-65c8d471c621" providerId="ADAL" clId="{85BDEDF6-CF42-4D41-8B40-38D23F731E13}" dt="2021-06-05T16:58:50.503" v="1143" actId="20577"/>
+          <ac:spMkLst>
+            <pc:docMk/>
+            <pc:sldMk cId="3131687406" sldId="339"/>
+            <ac:spMk id="9" creationId="{E3B2E017-30B2-884B-A113-B419A2ED51AD}"/>
+          </ac:spMkLst>
+        </pc:spChg>
+      </pc:sldChg>
+      <pc:sldChg chg="addSp modSp mod modAnim">
+        <pc:chgData name="Long B Nguyen" userId="f59fb8f3-a021-417a-8bc1-65c8d471c621" providerId="ADAL" clId="{85BDEDF6-CF42-4D41-8B40-38D23F731E13}" dt="2021-06-06T21:42:14.950" v="2711" actId="207"/>
+        <pc:sldMkLst>
+          <pc:docMk/>
+          <pc:sldMk cId="994161803" sldId="340"/>
+        </pc:sldMkLst>
+        <pc:spChg chg="add mod">
+          <ac:chgData name="Long B Nguyen" userId="f59fb8f3-a021-417a-8bc1-65c8d471c621" providerId="ADAL" clId="{85BDEDF6-CF42-4D41-8B40-38D23F731E13}" dt="2021-06-06T21:42:14.950" v="2711" actId="207"/>
+          <ac:spMkLst>
+            <pc:docMk/>
+            <pc:sldMk cId="994161803" sldId="340"/>
+            <ac:spMk id="3" creationId="{F0C14AE6-7201-7F45-A50E-CCAE460FDEC7}"/>
+          </ac:spMkLst>
+        </pc:spChg>
+        <pc:spChg chg="mod">
+          <ac:chgData name="Long B Nguyen" userId="f59fb8f3-a021-417a-8bc1-65c8d471c621" providerId="ADAL" clId="{85BDEDF6-CF42-4D41-8B40-38D23F731E13}" dt="2021-06-06T21:39:43.046" v="2475" actId="20577"/>
+          <ac:spMkLst>
+            <pc:docMk/>
+            <pc:sldMk cId="994161803" sldId="340"/>
+            <ac:spMk id="9" creationId="{E3B2E017-30B2-884B-A113-B419A2ED51AD}"/>
+          </ac:spMkLst>
+        </pc:spChg>
+      </pc:sldChg>
+      <pc:sldChg chg="modSp">
+        <pc:chgData name="Long B Nguyen" userId="f59fb8f3-a021-417a-8bc1-65c8d471c621" providerId="ADAL" clId="{85BDEDF6-CF42-4D41-8B40-38D23F731E13}" dt="2021-06-05T16:54:37.147" v="726" actId="20577"/>
+        <pc:sldMkLst>
+          <pc:docMk/>
+          <pc:sldMk cId="2834108163" sldId="341"/>
+        </pc:sldMkLst>
+        <pc:spChg chg="mod">
+          <ac:chgData name="Long B Nguyen" userId="f59fb8f3-a021-417a-8bc1-65c8d471c621" providerId="ADAL" clId="{85BDEDF6-CF42-4D41-8B40-38D23F731E13}" dt="2021-06-05T16:54:37.147" v="726" actId="20577"/>
+          <ac:spMkLst>
+            <pc:docMk/>
+            <pc:sldMk cId="2834108163" sldId="341"/>
+            <ac:spMk id="9" creationId="{E3B2E017-30B2-884B-A113-B419A2ED51AD}"/>
+          </ac:spMkLst>
+        </pc:spChg>
+      </pc:sldChg>
+      <pc:sldChg chg="modSp modAnim">
+        <pc:chgData name="Long B Nguyen" userId="f59fb8f3-a021-417a-8bc1-65c8d471c621" providerId="ADAL" clId="{85BDEDF6-CF42-4D41-8B40-38D23F731E13}" dt="2021-06-05T23:15:07.644" v="1417" actId="20577"/>
+        <pc:sldMkLst>
+          <pc:docMk/>
+          <pc:sldMk cId="2283393882" sldId="342"/>
+        </pc:sldMkLst>
+        <pc:spChg chg="mod">
+          <ac:chgData name="Long B Nguyen" userId="f59fb8f3-a021-417a-8bc1-65c8d471c621" providerId="ADAL" clId="{85BDEDF6-CF42-4D41-8B40-38D23F731E13}" dt="2021-06-05T23:15:07.644" v="1417" actId="20577"/>
+          <ac:spMkLst>
+            <pc:docMk/>
+            <pc:sldMk cId="2283393882" sldId="342"/>
+            <ac:spMk id="9" creationId="{E3B2E017-30B2-884B-A113-B419A2ED51AD}"/>
+          </ac:spMkLst>
+        </pc:spChg>
+      </pc:sldChg>
+      <pc:sldChg chg="modSp modAnim">
+        <pc:chgData name="Long B Nguyen" userId="f59fb8f3-a021-417a-8bc1-65c8d471c621" providerId="ADAL" clId="{85BDEDF6-CF42-4D41-8B40-38D23F731E13}" dt="2021-06-05T16:55:56.743" v="916" actId="20577"/>
+        <pc:sldMkLst>
+          <pc:docMk/>
+          <pc:sldMk cId="3596157879" sldId="344"/>
+        </pc:sldMkLst>
+        <pc:spChg chg="mod">
+          <ac:chgData name="Long B Nguyen" userId="f59fb8f3-a021-417a-8bc1-65c8d471c621" providerId="ADAL" clId="{85BDEDF6-CF42-4D41-8B40-38D23F731E13}" dt="2021-06-05T16:55:56.743" v="916" actId="20577"/>
+          <ac:spMkLst>
+            <pc:docMk/>
+            <pc:sldMk cId="3596157879" sldId="344"/>
+            <ac:spMk id="9" creationId="{E3B2E017-30B2-884B-A113-B419A2ED51AD}"/>
+          </ac:spMkLst>
+        </pc:spChg>
+      </pc:sldChg>
+      <pc:sldChg chg="modSp mod">
+        <pc:chgData name="Long B Nguyen" userId="f59fb8f3-a021-417a-8bc1-65c8d471c621" providerId="ADAL" clId="{85BDEDF6-CF42-4D41-8B40-38D23F731E13}" dt="2021-06-05T16:56:27.350" v="946" actId="14100"/>
+        <pc:sldMkLst>
+          <pc:docMk/>
+          <pc:sldMk cId="1211608734" sldId="345"/>
+        </pc:sldMkLst>
+        <pc:spChg chg="mod">
+          <ac:chgData name="Long B Nguyen" userId="f59fb8f3-a021-417a-8bc1-65c8d471c621" providerId="ADAL" clId="{85BDEDF6-CF42-4D41-8B40-38D23F731E13}" dt="2021-06-05T16:56:21.728" v="945" actId="1076"/>
+          <ac:spMkLst>
+            <pc:docMk/>
+            <pc:sldMk cId="1211608734" sldId="345"/>
+            <ac:spMk id="3" creationId="{61BCFD14-89EB-C849-9A89-08AB0AD92B9A}"/>
+          </ac:spMkLst>
+        </pc:spChg>
+        <pc:spChg chg="mod">
+          <ac:chgData name="Long B Nguyen" userId="f59fb8f3-a021-417a-8bc1-65c8d471c621" providerId="ADAL" clId="{85BDEDF6-CF42-4D41-8B40-38D23F731E13}" dt="2021-06-05T16:56:17.691" v="944" actId="20577"/>
+          <ac:spMkLst>
+            <pc:docMk/>
+            <pc:sldMk cId="1211608734" sldId="345"/>
+            <ac:spMk id="9" creationId="{E3B2E017-30B2-884B-A113-B419A2ED51AD}"/>
+          </ac:spMkLst>
+        </pc:spChg>
+        <pc:cxnChg chg="mod">
+          <ac:chgData name="Long B Nguyen" userId="f59fb8f3-a021-417a-8bc1-65c8d471c621" providerId="ADAL" clId="{85BDEDF6-CF42-4D41-8B40-38D23F731E13}" dt="2021-06-05T16:56:27.350" v="946" actId="14100"/>
+          <ac:cxnSpMkLst>
+            <pc:docMk/>
+            <pc:sldMk cId="1211608734" sldId="345"/>
+            <ac:cxnSpMk id="5" creationId="{16CF91C8-C6D4-F242-9F06-E8AF543563B7}"/>
+          </ac:cxnSpMkLst>
+        </pc:cxnChg>
+      </pc:sldChg>
+      <pc:sldChg chg="modSp modAnim">
+        <pc:chgData name="Long B Nguyen" userId="f59fb8f3-a021-417a-8bc1-65c8d471c621" providerId="ADAL" clId="{85BDEDF6-CF42-4D41-8B40-38D23F731E13}" dt="2021-06-05T16:57:41.805" v="1058" actId="207"/>
+        <pc:sldMkLst>
+          <pc:docMk/>
+          <pc:sldMk cId="4020528382" sldId="346"/>
+        </pc:sldMkLst>
+        <pc:spChg chg="mod">
+          <ac:chgData name="Long B Nguyen" userId="f59fb8f3-a021-417a-8bc1-65c8d471c621" providerId="ADAL" clId="{85BDEDF6-CF42-4D41-8B40-38D23F731E13}" dt="2021-06-05T16:57:41.805" v="1058" actId="207"/>
+          <ac:spMkLst>
+            <pc:docMk/>
+            <pc:sldMk cId="4020528382" sldId="346"/>
+            <ac:spMk id="9" creationId="{E3B2E017-30B2-884B-A113-B419A2ED51AD}"/>
+          </ac:spMkLst>
+        </pc:spChg>
+      </pc:sldChg>
+      <pc:sldChg chg="modSp">
+        <pc:chgData name="Long B Nguyen" userId="f59fb8f3-a021-417a-8bc1-65c8d471c621" providerId="ADAL" clId="{85BDEDF6-CF42-4D41-8B40-38D23F731E13}" dt="2021-06-05T16:57:00.773" v="987" actId="20577"/>
+        <pc:sldMkLst>
+          <pc:docMk/>
+          <pc:sldMk cId="1535116463" sldId="347"/>
+        </pc:sldMkLst>
+        <pc:spChg chg="mod">
+          <ac:chgData name="Long B Nguyen" userId="f59fb8f3-a021-417a-8bc1-65c8d471c621" providerId="ADAL" clId="{85BDEDF6-CF42-4D41-8B40-38D23F731E13}" dt="2021-06-05T16:57:00.773" v="987" actId="20577"/>
+          <ac:spMkLst>
+            <pc:docMk/>
+            <pc:sldMk cId="1535116463" sldId="347"/>
+            <ac:spMk id="9" creationId="{E3B2E017-30B2-884B-A113-B419A2ED51AD}"/>
+          </ac:spMkLst>
+        </pc:spChg>
+      </pc:sldChg>
+      <pc:sldChg chg="del">
+        <pc:chgData name="Long B Nguyen" userId="f59fb8f3-a021-417a-8bc1-65c8d471c621" providerId="ADAL" clId="{85BDEDF6-CF42-4D41-8B40-38D23F731E13}" dt="2021-06-06T21:12:03.191" v="1996" actId="2696"/>
+        <pc:sldMkLst>
+          <pc:docMk/>
+          <pc:sldMk cId="1701624766" sldId="348"/>
+        </pc:sldMkLst>
+      </pc:sldChg>
+      <pc:sldChg chg="modSp">
+        <pc:chgData name="Long B Nguyen" userId="f59fb8f3-a021-417a-8bc1-65c8d471c621" providerId="ADAL" clId="{85BDEDF6-CF42-4D41-8B40-38D23F731E13}" dt="2021-06-05T16:38:37.285" v="300" actId="20577"/>
+        <pc:sldMkLst>
+          <pc:docMk/>
+          <pc:sldMk cId="1363458133" sldId="349"/>
+        </pc:sldMkLst>
+        <pc:spChg chg="mod">
+          <ac:chgData name="Long B Nguyen" userId="f59fb8f3-a021-417a-8bc1-65c8d471c621" providerId="ADAL" clId="{85BDEDF6-CF42-4D41-8B40-38D23F731E13}" dt="2021-06-05T16:38:37.285" v="300" actId="20577"/>
+          <ac:spMkLst>
+            <pc:docMk/>
+            <pc:sldMk cId="1363458133" sldId="349"/>
+            <ac:spMk id="9" creationId="{E3B2E017-30B2-884B-A113-B419A2ED51AD}"/>
+          </ac:spMkLst>
+        </pc:spChg>
+      </pc:sldChg>
+      <pc:sldChg chg="del">
+        <pc:chgData name="Long B Nguyen" userId="f59fb8f3-a021-417a-8bc1-65c8d471c621" providerId="ADAL" clId="{85BDEDF6-CF42-4D41-8B40-38D23F731E13}" dt="2021-06-06T20:56:21.924" v="1777" actId="2696"/>
+        <pc:sldMkLst>
+          <pc:docMk/>
+          <pc:sldMk cId="651500207" sldId="351"/>
+        </pc:sldMkLst>
+      </pc:sldChg>
+      <pc:sldChg chg="modSp add mod modAnim">
+        <pc:chgData name="Long B Nguyen" userId="f59fb8f3-a021-417a-8bc1-65c8d471c621" providerId="ADAL" clId="{85BDEDF6-CF42-4D41-8B40-38D23F731E13}" dt="2021-06-05T16:51:48.626" v="607" actId="20577"/>
+        <pc:sldMkLst>
+          <pc:docMk/>
+          <pc:sldMk cId="1998372078" sldId="352"/>
+        </pc:sldMkLst>
+        <pc:spChg chg="mod">
+          <ac:chgData name="Long B Nguyen" userId="f59fb8f3-a021-417a-8bc1-65c8d471c621" providerId="ADAL" clId="{85BDEDF6-CF42-4D41-8B40-38D23F731E13}" dt="2021-06-05T16:51:03.492" v="481" actId="20577"/>
+          <ac:spMkLst>
+            <pc:docMk/>
+            <pc:sldMk cId="1998372078" sldId="352"/>
+            <ac:spMk id="2" creationId="{AA3A228F-61D0-D949-A5E7-F83756230BF8}"/>
+          </ac:spMkLst>
+        </pc:spChg>
+        <pc:spChg chg="mod">
+          <ac:chgData name="Long B Nguyen" userId="f59fb8f3-a021-417a-8bc1-65c8d471c621" providerId="ADAL" clId="{85BDEDF6-CF42-4D41-8B40-38D23F731E13}" dt="2021-06-05T16:51:48.626" v="607" actId="20577"/>
+          <ac:spMkLst>
+            <pc:docMk/>
+            <pc:sldMk cId="1998372078" sldId="352"/>
+            <ac:spMk id="9" creationId="{E3B2E017-30B2-884B-A113-B419A2ED51AD}"/>
+          </ac:spMkLst>
+        </pc:spChg>
+      </pc:sldChg>
+      <pc:sldChg chg="add del">
+        <pc:chgData name="Long B Nguyen" userId="f59fb8f3-a021-417a-8bc1-65c8d471c621" providerId="ADAL" clId="{85BDEDF6-CF42-4D41-8B40-38D23F731E13}" dt="2021-06-06T20:54:11.944" v="1745" actId="2696"/>
+        <pc:sldMkLst>
+          <pc:docMk/>
+          <pc:sldMk cId="1898971143" sldId="353"/>
+        </pc:sldMkLst>
+      </pc:sldChg>
+      <pc:sldChg chg="modSp add modAnim">
+        <pc:chgData name="Long B Nguyen" userId="f59fb8f3-a021-417a-8bc1-65c8d471c621" providerId="ADAL" clId="{85BDEDF6-CF42-4D41-8B40-38D23F731E13}" dt="2021-06-06T21:11:42.499" v="1995" actId="20577"/>
+        <pc:sldMkLst>
+          <pc:docMk/>
+          <pc:sldMk cId="2962743079" sldId="353"/>
+        </pc:sldMkLst>
+        <pc:spChg chg="mod">
+          <ac:chgData name="Long B Nguyen" userId="f59fb8f3-a021-417a-8bc1-65c8d471c621" providerId="ADAL" clId="{85BDEDF6-CF42-4D41-8B40-38D23F731E13}" dt="2021-06-06T21:11:42.499" v="1995" actId="20577"/>
+          <ac:spMkLst>
+            <pc:docMk/>
+            <pc:sldMk cId="2962743079" sldId="353"/>
+            <ac:spMk id="9" creationId="{E3B2E017-30B2-884B-A113-B419A2ED51AD}"/>
+          </ac:spMkLst>
+        </pc:spChg>
+      </pc:sldChg>
+    </pc:docChg>
+  </pc:docChgLst>
+  <pc:docChgLst>
     <pc:chgData name="Long B Nguyen" userId="f59fb8f3-a021-417a-8bc1-65c8d471c621" providerId="ADAL" clId="{6ED56420-F59F-4945-BA02-53AF79C1F3AC}"/>
     <pc:docChg chg="undo custSel addSld delSld modSld sldOrd">
       <pc:chgData name="Long B Nguyen" userId="f59fb8f3-a021-417a-8bc1-65c8d471c621" providerId="ADAL" clId="{6ED56420-F59F-4945-BA02-53AF79C1F3AC}" dt="2019-10-22T14:22:15.711" v="5396" actId="207"/>
@@ -1376,262 +1875,34 @@
     </pc:docChg>
   </pc:docChgLst>
   <pc:docChgLst>
-    <pc:chgData name="Long B Nguyen" userId="f59fb8f3-a021-417a-8bc1-65c8d471c621" providerId="ADAL" clId="{85BDEDF6-CF42-4D41-8B40-38D23F731E13}"/>
-    <pc:docChg chg="custSel addSld delSld modSld">
-      <pc:chgData name="Long B Nguyen" userId="f59fb8f3-a021-417a-8bc1-65c8d471c621" providerId="ADAL" clId="{85BDEDF6-CF42-4D41-8B40-38D23F731E13}" dt="2021-06-06T21:43:08" v="2744" actId="20577"/>
+    <pc:chgData name="Long B Nguyen" userId="f59fb8f3-a021-417a-8bc1-65c8d471c621" providerId="ADAL" clId="{0D22434F-C429-584D-952F-0619514BBCC8}"/>
+    <pc:docChg chg="addSld delSld modSld">
+      <pc:chgData name="Long B Nguyen" userId="f59fb8f3-a021-417a-8bc1-65c8d471c621" providerId="ADAL" clId="{0D22434F-C429-584D-952F-0619514BBCC8}" dt="2021-12-06T13:59:35.957" v="213"/>
       <pc:docMkLst>
         <pc:docMk/>
       </pc:docMkLst>
-      <pc:sldChg chg="modSp mod">
-        <pc:chgData name="Long B Nguyen" userId="f59fb8f3-a021-417a-8bc1-65c8d471c621" providerId="ADAL" clId="{85BDEDF6-CF42-4D41-8B40-38D23F731E13}" dt="2021-06-05T16:15:39.262" v="19" actId="20577"/>
-        <pc:sldMkLst>
-          <pc:docMk/>
-          <pc:sldMk cId="4247104139" sldId="256"/>
-        </pc:sldMkLst>
-        <pc:spChg chg="mod">
-          <ac:chgData name="Long B Nguyen" userId="f59fb8f3-a021-417a-8bc1-65c8d471c621" providerId="ADAL" clId="{85BDEDF6-CF42-4D41-8B40-38D23F731E13}" dt="2021-06-05T16:15:39.262" v="19" actId="20577"/>
-          <ac:spMkLst>
-            <pc:docMk/>
-            <pc:sldMk cId="4247104139" sldId="256"/>
-            <ac:spMk id="3" creationId="{1BDC47C8-6776-7B44-9CD4-95FC91452D62}"/>
-          </ac:spMkLst>
-        </pc:spChg>
-      </pc:sldChg>
-      <pc:sldChg chg="modSp">
-        <pc:chgData name="Long B Nguyen" userId="f59fb8f3-a021-417a-8bc1-65c8d471c621" providerId="ADAL" clId="{85BDEDF6-CF42-4D41-8B40-38D23F731E13}" dt="2021-06-05T16:58:04.727" v="1073" actId="20577"/>
-        <pc:sldMkLst>
-          <pc:docMk/>
-          <pc:sldMk cId="114946794" sldId="313"/>
-        </pc:sldMkLst>
-        <pc:spChg chg="mod">
-          <ac:chgData name="Long B Nguyen" userId="f59fb8f3-a021-417a-8bc1-65c8d471c621" providerId="ADAL" clId="{85BDEDF6-CF42-4D41-8B40-38D23F731E13}" dt="2021-06-05T16:58:04.727" v="1073" actId="20577"/>
-          <ac:spMkLst>
-            <pc:docMk/>
-            <pc:sldMk cId="114946794" sldId="313"/>
-            <ac:spMk id="9" creationId="{E3B2E017-30B2-884B-A113-B419A2ED51AD}"/>
-          </ac:spMkLst>
-        </pc:spChg>
-      </pc:sldChg>
-      <pc:sldChg chg="modSp mod modAnim">
-        <pc:chgData name="Long B Nguyen" userId="f59fb8f3-a021-417a-8bc1-65c8d471c621" providerId="ADAL" clId="{85BDEDF6-CF42-4D41-8B40-38D23F731E13}" dt="2021-06-05T23:12:23.758" v="1225" actId="20577"/>
-        <pc:sldMkLst>
-          <pc:docMk/>
-          <pc:sldMk cId="18163085" sldId="314"/>
-        </pc:sldMkLst>
-        <pc:spChg chg="mod">
-          <ac:chgData name="Long B Nguyen" userId="f59fb8f3-a021-417a-8bc1-65c8d471c621" providerId="ADAL" clId="{85BDEDF6-CF42-4D41-8B40-38D23F731E13}" dt="2021-06-05T23:12:23.758" v="1225" actId="20577"/>
-          <ac:spMkLst>
-            <pc:docMk/>
-            <pc:sldMk cId="18163085" sldId="314"/>
-            <ac:spMk id="9" creationId="{E3B2E017-30B2-884B-A113-B419A2ED51AD}"/>
-          </ac:spMkLst>
-        </pc:spChg>
-      </pc:sldChg>
-      <pc:sldChg chg="modSp del modAnim">
-        <pc:chgData name="Long B Nguyen" userId="f59fb8f3-a021-417a-8bc1-65c8d471c621" providerId="ADAL" clId="{85BDEDF6-CF42-4D41-8B40-38D23F731E13}" dt="2021-06-06T20:57:01.453" v="1779" actId="2696"/>
-        <pc:sldMkLst>
-          <pc:docMk/>
-          <pc:sldMk cId="2648987374" sldId="316"/>
-        </pc:sldMkLst>
-        <pc:spChg chg="mod">
-          <ac:chgData name="Long B Nguyen" userId="f59fb8f3-a021-417a-8bc1-65c8d471c621" providerId="ADAL" clId="{85BDEDF6-CF42-4D41-8B40-38D23F731E13}" dt="2021-06-05T23:16:05.238" v="1469" actId="20577"/>
-          <ac:spMkLst>
-            <pc:docMk/>
-            <pc:sldMk cId="2648987374" sldId="316"/>
-            <ac:spMk id="9" creationId="{E3B2E017-30B2-884B-A113-B419A2ED51AD}"/>
-          </ac:spMkLst>
-        </pc:spChg>
-      </pc:sldChg>
-      <pc:sldChg chg="del">
-        <pc:chgData name="Long B Nguyen" userId="f59fb8f3-a021-417a-8bc1-65c8d471c621" providerId="ADAL" clId="{85BDEDF6-CF42-4D41-8B40-38D23F731E13}" dt="2021-06-06T20:56:33.585" v="1778" actId="2696"/>
-        <pc:sldMkLst>
-          <pc:docMk/>
-          <pc:sldMk cId="3246446892" sldId="317"/>
-        </pc:sldMkLst>
-      </pc:sldChg>
-      <pc:sldChg chg="modSp modAnim">
-        <pc:chgData name="Long B Nguyen" userId="f59fb8f3-a021-417a-8bc1-65c8d471c621" providerId="ADAL" clId="{85BDEDF6-CF42-4D41-8B40-38D23F731E13}" dt="2021-06-06T20:55:45.136" v="1776" actId="20577"/>
-        <pc:sldMkLst>
-          <pc:docMk/>
-          <pc:sldMk cId="67073653" sldId="318"/>
-        </pc:sldMkLst>
-        <pc:spChg chg="mod">
-          <ac:chgData name="Long B Nguyen" userId="f59fb8f3-a021-417a-8bc1-65c8d471c621" providerId="ADAL" clId="{85BDEDF6-CF42-4D41-8B40-38D23F731E13}" dt="2021-06-06T20:55:45.136" v="1776" actId="20577"/>
-          <ac:spMkLst>
-            <pc:docMk/>
-            <pc:sldMk cId="67073653" sldId="318"/>
-            <ac:spMk id="9" creationId="{E3B2E017-30B2-884B-A113-B419A2ED51AD}"/>
-          </ac:spMkLst>
-        </pc:spChg>
-      </pc:sldChg>
-      <pc:sldChg chg="modSp modAnim">
-        <pc:chgData name="Long B Nguyen" userId="f59fb8f3-a021-417a-8bc1-65c8d471c621" providerId="ADAL" clId="{85BDEDF6-CF42-4D41-8B40-38D23F731E13}" dt="2021-06-05T16:41:20.365" v="459" actId="20577"/>
+      <pc:sldChg chg="modAnim">
+        <pc:chgData name="Long B Nguyen" userId="f59fb8f3-a021-417a-8bc1-65c8d471c621" providerId="ADAL" clId="{0D22434F-C429-584D-952F-0619514BBCC8}" dt="2021-12-06T13:51:15.184" v="1"/>
         <pc:sldMkLst>
           <pc:docMk/>
           <pc:sldMk cId="1997478848" sldId="319"/>
         </pc:sldMkLst>
-        <pc:spChg chg="mod">
-          <ac:chgData name="Long B Nguyen" userId="f59fb8f3-a021-417a-8bc1-65c8d471c621" providerId="ADAL" clId="{85BDEDF6-CF42-4D41-8B40-38D23F731E13}" dt="2021-06-05T16:41:20.365" v="459" actId="20577"/>
-          <ac:spMkLst>
-            <pc:docMk/>
-            <pc:sldMk cId="1997478848" sldId="319"/>
-            <ac:spMk id="9" creationId="{E3B2E017-30B2-884B-A113-B419A2ED51AD}"/>
-          </ac:spMkLst>
-        </pc:spChg>
       </pc:sldChg>
-      <pc:sldChg chg="addSp delSp modSp mod modAnim">
-        <pc:chgData name="Long B Nguyen" userId="f59fb8f3-a021-417a-8bc1-65c8d471c621" providerId="ADAL" clId="{85BDEDF6-CF42-4D41-8B40-38D23F731E13}" dt="2021-06-05T16:53:47.980" v="707" actId="20577"/>
+      <pc:sldChg chg="modAnim">
+        <pc:chgData name="Long B Nguyen" userId="f59fb8f3-a021-417a-8bc1-65c8d471c621" providerId="ADAL" clId="{0D22434F-C429-584D-952F-0619514BBCC8}" dt="2021-12-06T13:52:49.483" v="37"/>
         <pc:sldMkLst>
           <pc:docMk/>
           <pc:sldMk cId="1289346350" sldId="323"/>
         </pc:sldMkLst>
-        <pc:spChg chg="mod">
-          <ac:chgData name="Long B Nguyen" userId="f59fb8f3-a021-417a-8bc1-65c8d471c621" providerId="ADAL" clId="{85BDEDF6-CF42-4D41-8B40-38D23F731E13}" dt="2021-06-05T16:53:03.048" v="677" actId="1076"/>
-          <ac:spMkLst>
-            <pc:docMk/>
-            <pc:sldMk cId="1289346350" sldId="323"/>
-            <ac:spMk id="3" creationId="{1F595A19-8A49-BF47-A3C1-91AA31CC8096}"/>
-          </ac:spMkLst>
-        </pc:spChg>
-        <pc:spChg chg="add del mod">
-          <ac:chgData name="Long B Nguyen" userId="f59fb8f3-a021-417a-8bc1-65c8d471c621" providerId="ADAL" clId="{85BDEDF6-CF42-4D41-8B40-38D23F731E13}" dt="2021-06-05T16:52:59.431" v="676" actId="478"/>
-          <ac:spMkLst>
-            <pc:docMk/>
-            <pc:sldMk cId="1289346350" sldId="323"/>
-            <ac:spMk id="5" creationId="{41914BAD-A6B7-0443-80A4-BA84DAE2E16A}"/>
-          </ac:spMkLst>
-        </pc:spChg>
-        <pc:spChg chg="mod">
-          <ac:chgData name="Long B Nguyen" userId="f59fb8f3-a021-417a-8bc1-65c8d471c621" providerId="ADAL" clId="{85BDEDF6-CF42-4D41-8B40-38D23F731E13}" dt="2021-06-05T16:53:47.980" v="707" actId="20577"/>
-          <ac:spMkLst>
-            <pc:docMk/>
-            <pc:sldMk cId="1289346350" sldId="323"/>
-            <ac:spMk id="9" creationId="{E3B2E017-30B2-884B-A113-B419A2ED51AD}"/>
-          </ac:spMkLst>
-        </pc:spChg>
       </pc:sldChg>
-      <pc:sldChg chg="modSp add mod">
-        <pc:chgData name="Long B Nguyen" userId="f59fb8f3-a021-417a-8bc1-65c8d471c621" providerId="ADAL" clId="{85BDEDF6-CF42-4D41-8B40-38D23F731E13}" dt="2021-06-06T21:43:08" v="2744" actId="20577"/>
-        <pc:sldMkLst>
-          <pc:docMk/>
-          <pc:sldMk cId="1133323522" sldId="325"/>
-        </pc:sldMkLst>
-        <pc:spChg chg="mod">
-          <ac:chgData name="Long B Nguyen" userId="f59fb8f3-a021-417a-8bc1-65c8d471c621" providerId="ADAL" clId="{85BDEDF6-CF42-4D41-8B40-38D23F731E13}" dt="2021-06-06T21:43:08" v="2744" actId="20577"/>
-          <ac:spMkLst>
-            <pc:docMk/>
-            <pc:sldMk cId="1133323522" sldId="325"/>
-            <ac:spMk id="9" creationId="{E3B2E017-30B2-884B-A113-B419A2ED51AD}"/>
-          </ac:spMkLst>
-        </pc:spChg>
-      </pc:sldChg>
-      <pc:sldChg chg="modSp del mod">
-        <pc:chgData name="Long B Nguyen" userId="f59fb8f3-a021-417a-8bc1-65c8d471c621" providerId="ADAL" clId="{85BDEDF6-CF42-4D41-8B40-38D23F731E13}" dt="2021-06-06T20:57:12.071" v="1780" actId="2696"/>
-        <pc:sldMkLst>
-          <pc:docMk/>
-          <pc:sldMk cId="2693651593" sldId="325"/>
-        </pc:sldMkLst>
-        <pc:spChg chg="mod">
-          <ac:chgData name="Long B Nguyen" userId="f59fb8f3-a021-417a-8bc1-65c8d471c621" providerId="ADAL" clId="{85BDEDF6-CF42-4D41-8B40-38D23F731E13}" dt="2021-06-05T23:17:10.095" v="1551" actId="20577"/>
-          <ac:spMkLst>
-            <pc:docMk/>
-            <pc:sldMk cId="2693651593" sldId="325"/>
-            <ac:spMk id="9" creationId="{E3B2E017-30B2-884B-A113-B419A2ED51AD}"/>
-          </ac:spMkLst>
-        </pc:spChg>
-      </pc:sldChg>
-      <pc:sldChg chg="modSp mod modAnim">
-        <pc:chgData name="Long B Nguyen" userId="f59fb8f3-a021-417a-8bc1-65c8d471c621" providerId="ADAL" clId="{85BDEDF6-CF42-4D41-8B40-38D23F731E13}" dt="2021-06-05T16:18:14.764" v="41" actId="207"/>
-        <pc:sldMkLst>
-          <pc:docMk/>
-          <pc:sldMk cId="214403129" sldId="333"/>
-        </pc:sldMkLst>
-        <pc:spChg chg="mod">
-          <ac:chgData name="Long B Nguyen" userId="f59fb8f3-a021-417a-8bc1-65c8d471c621" providerId="ADAL" clId="{85BDEDF6-CF42-4D41-8B40-38D23F731E13}" dt="2021-06-05T16:17:42.433" v="20" actId="1076"/>
-          <ac:spMkLst>
-            <pc:docMk/>
-            <pc:sldMk cId="214403129" sldId="333"/>
-            <ac:spMk id="2" creationId="{AA3A228F-61D0-D949-A5E7-F83756230BF8}"/>
-          </ac:spMkLst>
-        </pc:spChg>
-        <pc:spChg chg="mod">
-          <ac:chgData name="Long B Nguyen" userId="f59fb8f3-a021-417a-8bc1-65c8d471c621" providerId="ADAL" clId="{85BDEDF6-CF42-4D41-8B40-38D23F731E13}" dt="2021-06-05T16:18:14.764" v="41" actId="207"/>
-          <ac:spMkLst>
-            <pc:docMk/>
-            <pc:sldMk cId="214403129" sldId="333"/>
-            <ac:spMk id="9" creationId="{E3B2E017-30B2-884B-A113-B419A2ED51AD}"/>
-          </ac:spMkLst>
-        </pc:spChg>
-      </pc:sldChg>
-      <pc:sldChg chg="modSp mod modAnim">
-        <pc:chgData name="Long B Nguyen" userId="f59fb8f3-a021-417a-8bc1-65c8d471c621" providerId="ADAL" clId="{85BDEDF6-CF42-4D41-8B40-38D23F731E13}" dt="2021-06-05T16:37:10.118" v="140" actId="20577"/>
-        <pc:sldMkLst>
-          <pc:docMk/>
-          <pc:sldMk cId="2112071836" sldId="334"/>
-        </pc:sldMkLst>
-        <pc:spChg chg="mod">
-          <ac:chgData name="Long B Nguyen" userId="f59fb8f3-a021-417a-8bc1-65c8d471c621" providerId="ADAL" clId="{85BDEDF6-CF42-4D41-8B40-38D23F731E13}" dt="2021-06-05T16:18:30.056" v="42" actId="1076"/>
-          <ac:spMkLst>
-            <pc:docMk/>
-            <pc:sldMk cId="2112071836" sldId="334"/>
-            <ac:spMk id="2" creationId="{AA3A228F-61D0-D949-A5E7-F83756230BF8}"/>
-          </ac:spMkLst>
-        </pc:spChg>
-        <pc:spChg chg="mod">
-          <ac:chgData name="Long B Nguyen" userId="f59fb8f3-a021-417a-8bc1-65c8d471c621" providerId="ADAL" clId="{85BDEDF6-CF42-4D41-8B40-38D23F731E13}" dt="2021-06-05T16:37:10.118" v="140" actId="20577"/>
-          <ac:spMkLst>
-            <pc:docMk/>
-            <pc:sldMk cId="2112071836" sldId="334"/>
-            <ac:spMk id="9" creationId="{E3B2E017-30B2-884B-A113-B419A2ED51AD}"/>
-          </ac:spMkLst>
-        </pc:spChg>
-      </pc:sldChg>
-      <pc:sldChg chg="modSp modAnim">
-        <pc:chgData name="Long B Nguyen" userId="f59fb8f3-a021-417a-8bc1-65c8d471c621" providerId="ADAL" clId="{85BDEDF6-CF42-4D41-8B40-38D23F731E13}" dt="2021-06-05T16:39:06.548" v="329" actId="207"/>
-        <pc:sldMkLst>
-          <pc:docMk/>
-          <pc:sldMk cId="247153204" sldId="335"/>
-        </pc:sldMkLst>
-        <pc:spChg chg="mod">
-          <ac:chgData name="Long B Nguyen" userId="f59fb8f3-a021-417a-8bc1-65c8d471c621" providerId="ADAL" clId="{85BDEDF6-CF42-4D41-8B40-38D23F731E13}" dt="2021-06-05T16:39:06.548" v="329" actId="207"/>
-          <ac:spMkLst>
-            <pc:docMk/>
-            <pc:sldMk cId="247153204" sldId="335"/>
-            <ac:spMk id="9" creationId="{E3B2E017-30B2-884B-A113-B419A2ED51AD}"/>
-          </ac:spMkLst>
-        </pc:spChg>
-      </pc:sldChg>
-      <pc:sldChg chg="modSp modAnim">
-        <pc:chgData name="Long B Nguyen" userId="f59fb8f3-a021-417a-8bc1-65c8d471c621" providerId="ADAL" clId="{85BDEDF6-CF42-4D41-8B40-38D23F731E13}" dt="2021-06-05T16:39:57.389" v="371" actId="20577"/>
-        <pc:sldMkLst>
-          <pc:docMk/>
-          <pc:sldMk cId="3783627139" sldId="336"/>
-        </pc:sldMkLst>
-        <pc:spChg chg="mod">
-          <ac:chgData name="Long B Nguyen" userId="f59fb8f3-a021-417a-8bc1-65c8d471c621" providerId="ADAL" clId="{85BDEDF6-CF42-4D41-8B40-38D23F731E13}" dt="2021-06-05T16:39:57.389" v="371" actId="20577"/>
-          <ac:spMkLst>
-            <pc:docMk/>
-            <pc:sldMk cId="3783627139" sldId="336"/>
-            <ac:spMk id="9" creationId="{E3B2E017-30B2-884B-A113-B419A2ED51AD}"/>
-          </ac:spMkLst>
-        </pc:spChg>
-      </pc:sldChg>
-      <pc:sldChg chg="delSp modSp mod">
-        <pc:chgData name="Long B Nguyen" userId="f59fb8f3-a021-417a-8bc1-65c8d471c621" providerId="ADAL" clId="{85BDEDF6-CF42-4D41-8B40-38D23F731E13}" dt="2021-06-05T16:54:47.738" v="739" actId="20577"/>
+      <pc:sldChg chg="modSp">
+        <pc:chgData name="Long B Nguyen" userId="f59fb8f3-a021-417a-8bc1-65c8d471c621" providerId="ADAL" clId="{0D22434F-C429-584D-952F-0619514BBCC8}" dt="2021-12-06T13:53:24.599" v="38" actId="207"/>
         <pc:sldMkLst>
           <pc:docMk/>
           <pc:sldMk cId="2765901336" sldId="337"/>
         </pc:sldMkLst>
-        <pc:spChg chg="del">
-          <ac:chgData name="Long B Nguyen" userId="f59fb8f3-a021-417a-8bc1-65c8d471c621" providerId="ADAL" clId="{85BDEDF6-CF42-4D41-8B40-38D23F731E13}" dt="2021-06-05T16:54:09.043" v="708" actId="478"/>
-          <ac:spMkLst>
-            <pc:docMk/>
-            <pc:sldMk cId="2765901336" sldId="337"/>
-            <ac:spMk id="4" creationId="{58300BDE-2B33-184F-8E31-AA4C7D6E4180}"/>
-          </ac:spMkLst>
-        </pc:spChg>
         <pc:spChg chg="mod">
-          <ac:chgData name="Long B Nguyen" userId="f59fb8f3-a021-417a-8bc1-65c8d471c621" providerId="ADAL" clId="{85BDEDF6-CF42-4D41-8B40-38D23F731E13}" dt="2021-06-05T16:54:47.738" v="739" actId="20577"/>
+          <ac:chgData name="Long B Nguyen" userId="f59fb8f3-a021-417a-8bc1-65c8d471c621" providerId="ADAL" clId="{0D22434F-C429-584D-952F-0619514BBCC8}" dt="2021-12-06T13:53:24.599" v="38" actId="207"/>
           <ac:spMkLst>
             <pc:docMk/>
             <pc:sldMk cId="2765901336" sldId="337"/>
@@ -1639,29 +1910,14 @@
           </ac:spMkLst>
         </pc:spChg>
       </pc:sldChg>
-      <pc:sldChg chg="modSp mod">
-        <pc:chgData name="Long B Nguyen" userId="f59fb8f3-a021-417a-8bc1-65c8d471c621" providerId="ADAL" clId="{85BDEDF6-CF42-4D41-8B40-38D23F731E13}" dt="2021-06-05T23:13:11.944" v="1276" actId="207"/>
-        <pc:sldMkLst>
-          <pc:docMk/>
-          <pc:sldMk cId="2368568690" sldId="338"/>
-        </pc:sldMkLst>
-        <pc:spChg chg="mod">
-          <ac:chgData name="Long B Nguyen" userId="f59fb8f3-a021-417a-8bc1-65c8d471c621" providerId="ADAL" clId="{85BDEDF6-CF42-4D41-8B40-38D23F731E13}" dt="2021-06-05T23:13:11.944" v="1276" actId="207"/>
-          <ac:spMkLst>
-            <pc:docMk/>
-            <pc:sldMk cId="2368568690" sldId="338"/>
-            <ac:spMk id="9" creationId="{E3B2E017-30B2-884B-A113-B419A2ED51AD}"/>
-          </ac:spMkLst>
-        </pc:spChg>
-      </pc:sldChg>
       <pc:sldChg chg="modSp modAnim">
-        <pc:chgData name="Long B Nguyen" userId="f59fb8f3-a021-417a-8bc1-65c8d471c621" providerId="ADAL" clId="{85BDEDF6-CF42-4D41-8B40-38D23F731E13}" dt="2021-06-05T16:58:50.503" v="1143" actId="20577"/>
+        <pc:chgData name="Long B Nguyen" userId="f59fb8f3-a021-417a-8bc1-65c8d471c621" providerId="ADAL" clId="{0D22434F-C429-584D-952F-0619514BBCC8}" dt="2021-12-06T13:59:35.957" v="213"/>
         <pc:sldMkLst>
           <pc:docMk/>
           <pc:sldMk cId="3131687406" sldId="339"/>
         </pc:sldMkLst>
         <pc:spChg chg="mod">
-          <ac:chgData name="Long B Nguyen" userId="f59fb8f3-a021-417a-8bc1-65c8d471c621" providerId="ADAL" clId="{85BDEDF6-CF42-4D41-8B40-38D23F731E13}" dt="2021-06-05T16:58:50.503" v="1143" actId="20577"/>
+          <ac:chgData name="Long B Nguyen" userId="f59fb8f3-a021-417a-8bc1-65c8d471c621" providerId="ADAL" clId="{0D22434F-C429-584D-952F-0619514BBCC8}" dt="2021-12-06T13:59:30.773" v="212" actId="20577"/>
           <ac:spMkLst>
             <pc:docMk/>
             <pc:sldMk cId="3131687406" sldId="339"/>
@@ -1669,180 +1925,21 @@
           </ac:spMkLst>
         </pc:spChg>
       </pc:sldChg>
-      <pc:sldChg chg="addSp modSp mod modAnim">
-        <pc:chgData name="Long B Nguyen" userId="f59fb8f3-a021-417a-8bc1-65c8d471c621" providerId="ADAL" clId="{85BDEDF6-CF42-4D41-8B40-38D23F731E13}" dt="2021-06-06T21:42:14.950" v="2711" actId="207"/>
-        <pc:sldMkLst>
-          <pc:docMk/>
-          <pc:sldMk cId="994161803" sldId="340"/>
-        </pc:sldMkLst>
-        <pc:spChg chg="add mod">
-          <ac:chgData name="Long B Nguyen" userId="f59fb8f3-a021-417a-8bc1-65c8d471c621" providerId="ADAL" clId="{85BDEDF6-CF42-4D41-8B40-38D23F731E13}" dt="2021-06-06T21:42:14.950" v="2711" actId="207"/>
-          <ac:spMkLst>
-            <pc:docMk/>
-            <pc:sldMk cId="994161803" sldId="340"/>
-            <ac:spMk id="3" creationId="{F0C14AE6-7201-7F45-A50E-CCAE460FDEC7}"/>
-          </ac:spMkLst>
-        </pc:spChg>
-        <pc:spChg chg="mod">
-          <ac:chgData name="Long B Nguyen" userId="f59fb8f3-a021-417a-8bc1-65c8d471c621" providerId="ADAL" clId="{85BDEDF6-CF42-4D41-8B40-38D23F731E13}" dt="2021-06-06T21:39:43.046" v="2475" actId="20577"/>
-          <ac:spMkLst>
-            <pc:docMk/>
-            <pc:sldMk cId="994161803" sldId="340"/>
-            <ac:spMk id="9" creationId="{E3B2E017-30B2-884B-A113-B419A2ED51AD}"/>
-          </ac:spMkLst>
-        </pc:spChg>
-      </pc:sldChg>
-      <pc:sldChg chg="modSp">
-        <pc:chgData name="Long B Nguyen" userId="f59fb8f3-a021-417a-8bc1-65c8d471c621" providerId="ADAL" clId="{85BDEDF6-CF42-4D41-8B40-38D23F731E13}" dt="2021-06-05T16:54:37.147" v="726" actId="20577"/>
-        <pc:sldMkLst>
-          <pc:docMk/>
-          <pc:sldMk cId="2834108163" sldId="341"/>
-        </pc:sldMkLst>
-        <pc:spChg chg="mod">
-          <ac:chgData name="Long B Nguyen" userId="f59fb8f3-a021-417a-8bc1-65c8d471c621" providerId="ADAL" clId="{85BDEDF6-CF42-4D41-8B40-38D23F731E13}" dt="2021-06-05T16:54:37.147" v="726" actId="20577"/>
-          <ac:spMkLst>
-            <pc:docMk/>
-            <pc:sldMk cId="2834108163" sldId="341"/>
-            <ac:spMk id="9" creationId="{E3B2E017-30B2-884B-A113-B419A2ED51AD}"/>
-          </ac:spMkLst>
-        </pc:spChg>
-      </pc:sldChg>
-      <pc:sldChg chg="modSp modAnim">
-        <pc:chgData name="Long B Nguyen" userId="f59fb8f3-a021-417a-8bc1-65c8d471c621" providerId="ADAL" clId="{85BDEDF6-CF42-4D41-8B40-38D23F731E13}" dt="2021-06-05T23:15:07.644" v="1417" actId="20577"/>
-        <pc:sldMkLst>
-          <pc:docMk/>
-          <pc:sldMk cId="2283393882" sldId="342"/>
-        </pc:sldMkLst>
-        <pc:spChg chg="mod">
-          <ac:chgData name="Long B Nguyen" userId="f59fb8f3-a021-417a-8bc1-65c8d471c621" providerId="ADAL" clId="{85BDEDF6-CF42-4D41-8B40-38D23F731E13}" dt="2021-06-05T23:15:07.644" v="1417" actId="20577"/>
-          <ac:spMkLst>
-            <pc:docMk/>
-            <pc:sldMk cId="2283393882" sldId="342"/>
-            <ac:spMk id="9" creationId="{E3B2E017-30B2-884B-A113-B419A2ED51AD}"/>
-          </ac:spMkLst>
-        </pc:spChg>
-      </pc:sldChg>
-      <pc:sldChg chg="modSp modAnim">
-        <pc:chgData name="Long B Nguyen" userId="f59fb8f3-a021-417a-8bc1-65c8d471c621" providerId="ADAL" clId="{85BDEDF6-CF42-4D41-8B40-38D23F731E13}" dt="2021-06-05T16:55:56.743" v="916" actId="20577"/>
-        <pc:sldMkLst>
-          <pc:docMk/>
-          <pc:sldMk cId="3596157879" sldId="344"/>
-        </pc:sldMkLst>
-        <pc:spChg chg="mod">
-          <ac:chgData name="Long B Nguyen" userId="f59fb8f3-a021-417a-8bc1-65c8d471c621" providerId="ADAL" clId="{85BDEDF6-CF42-4D41-8B40-38D23F731E13}" dt="2021-06-05T16:55:56.743" v="916" actId="20577"/>
-          <ac:spMkLst>
-            <pc:docMk/>
-            <pc:sldMk cId="3596157879" sldId="344"/>
-            <ac:spMk id="9" creationId="{E3B2E017-30B2-884B-A113-B419A2ED51AD}"/>
-          </ac:spMkLst>
-        </pc:spChg>
-      </pc:sldChg>
-      <pc:sldChg chg="modSp mod">
-        <pc:chgData name="Long B Nguyen" userId="f59fb8f3-a021-417a-8bc1-65c8d471c621" providerId="ADAL" clId="{85BDEDF6-CF42-4D41-8B40-38D23F731E13}" dt="2021-06-05T16:56:27.350" v="946" actId="14100"/>
-        <pc:sldMkLst>
-          <pc:docMk/>
-          <pc:sldMk cId="1211608734" sldId="345"/>
-        </pc:sldMkLst>
-        <pc:spChg chg="mod">
-          <ac:chgData name="Long B Nguyen" userId="f59fb8f3-a021-417a-8bc1-65c8d471c621" providerId="ADAL" clId="{85BDEDF6-CF42-4D41-8B40-38D23F731E13}" dt="2021-06-05T16:56:21.728" v="945" actId="1076"/>
-          <ac:spMkLst>
-            <pc:docMk/>
-            <pc:sldMk cId="1211608734" sldId="345"/>
-            <ac:spMk id="3" creationId="{61BCFD14-89EB-C849-9A89-08AB0AD92B9A}"/>
-          </ac:spMkLst>
-        </pc:spChg>
-        <pc:spChg chg="mod">
-          <ac:chgData name="Long B Nguyen" userId="f59fb8f3-a021-417a-8bc1-65c8d471c621" providerId="ADAL" clId="{85BDEDF6-CF42-4D41-8B40-38D23F731E13}" dt="2021-06-05T16:56:17.691" v="944" actId="20577"/>
-          <ac:spMkLst>
-            <pc:docMk/>
-            <pc:sldMk cId="1211608734" sldId="345"/>
-            <ac:spMk id="9" creationId="{E3B2E017-30B2-884B-A113-B419A2ED51AD}"/>
-          </ac:spMkLst>
-        </pc:spChg>
-        <pc:cxnChg chg="mod">
-          <ac:chgData name="Long B Nguyen" userId="f59fb8f3-a021-417a-8bc1-65c8d471c621" providerId="ADAL" clId="{85BDEDF6-CF42-4D41-8B40-38D23F731E13}" dt="2021-06-05T16:56:27.350" v="946" actId="14100"/>
-          <ac:cxnSpMkLst>
-            <pc:docMk/>
-            <pc:sldMk cId="1211608734" sldId="345"/>
-            <ac:cxnSpMk id="5" creationId="{16CF91C8-C6D4-F242-9F06-E8AF543563B7}"/>
-          </ac:cxnSpMkLst>
-        </pc:cxnChg>
-      </pc:sldChg>
-      <pc:sldChg chg="modSp modAnim">
-        <pc:chgData name="Long B Nguyen" userId="f59fb8f3-a021-417a-8bc1-65c8d471c621" providerId="ADAL" clId="{85BDEDF6-CF42-4D41-8B40-38D23F731E13}" dt="2021-06-05T16:57:41.805" v="1058" actId="207"/>
+      <pc:sldChg chg="del">
+        <pc:chgData name="Long B Nguyen" userId="f59fb8f3-a021-417a-8bc1-65c8d471c621" providerId="ADAL" clId="{0D22434F-C429-584D-952F-0619514BBCC8}" dt="2021-12-06T13:58:25.705" v="199" actId="2696"/>
         <pc:sldMkLst>
           <pc:docMk/>
           <pc:sldMk cId="4020528382" sldId="346"/>
         </pc:sldMkLst>
-        <pc:spChg chg="mod">
-          <ac:chgData name="Long B Nguyen" userId="f59fb8f3-a021-417a-8bc1-65c8d471c621" providerId="ADAL" clId="{85BDEDF6-CF42-4D41-8B40-38D23F731E13}" dt="2021-06-05T16:57:41.805" v="1058" actId="207"/>
-          <ac:spMkLst>
-            <pc:docMk/>
-            <pc:sldMk cId="4020528382" sldId="346"/>
-            <ac:spMk id="9" creationId="{E3B2E017-30B2-884B-A113-B419A2ED51AD}"/>
-          </ac:spMkLst>
-        </pc:spChg>
       </pc:sldChg>
-      <pc:sldChg chg="modSp">
-        <pc:chgData name="Long B Nguyen" userId="f59fb8f3-a021-417a-8bc1-65c8d471c621" providerId="ADAL" clId="{85BDEDF6-CF42-4D41-8B40-38D23F731E13}" dt="2021-06-05T16:57:00.773" v="987" actId="20577"/>
-        <pc:sldMkLst>
-          <pc:docMk/>
-          <pc:sldMk cId="1535116463" sldId="347"/>
-        </pc:sldMkLst>
-        <pc:spChg chg="mod">
-          <ac:chgData name="Long B Nguyen" userId="f59fb8f3-a021-417a-8bc1-65c8d471c621" providerId="ADAL" clId="{85BDEDF6-CF42-4D41-8B40-38D23F731E13}" dt="2021-06-05T16:57:00.773" v="987" actId="20577"/>
-          <ac:spMkLst>
-            <pc:docMk/>
-            <pc:sldMk cId="1535116463" sldId="347"/>
-            <ac:spMk id="9" creationId="{E3B2E017-30B2-884B-A113-B419A2ED51AD}"/>
-          </ac:spMkLst>
-        </pc:spChg>
-      </pc:sldChg>
-      <pc:sldChg chg="del">
-        <pc:chgData name="Long B Nguyen" userId="f59fb8f3-a021-417a-8bc1-65c8d471c621" providerId="ADAL" clId="{85BDEDF6-CF42-4D41-8B40-38D23F731E13}" dt="2021-06-06T21:12:03.191" v="1996" actId="2696"/>
-        <pc:sldMkLst>
-          <pc:docMk/>
-          <pc:sldMk cId="1701624766" sldId="348"/>
-        </pc:sldMkLst>
-      </pc:sldChg>
-      <pc:sldChg chg="modSp">
-        <pc:chgData name="Long B Nguyen" userId="f59fb8f3-a021-417a-8bc1-65c8d471c621" providerId="ADAL" clId="{85BDEDF6-CF42-4D41-8B40-38D23F731E13}" dt="2021-06-05T16:38:37.285" v="300" actId="20577"/>
-        <pc:sldMkLst>
-          <pc:docMk/>
-          <pc:sldMk cId="1363458133" sldId="349"/>
-        </pc:sldMkLst>
-        <pc:spChg chg="mod">
-          <ac:chgData name="Long B Nguyen" userId="f59fb8f3-a021-417a-8bc1-65c8d471c621" providerId="ADAL" clId="{85BDEDF6-CF42-4D41-8B40-38D23F731E13}" dt="2021-06-05T16:38:37.285" v="300" actId="20577"/>
-          <ac:spMkLst>
-            <pc:docMk/>
-            <pc:sldMk cId="1363458133" sldId="349"/>
-            <ac:spMk id="9" creationId="{E3B2E017-30B2-884B-A113-B419A2ED51AD}"/>
-          </ac:spMkLst>
-        </pc:spChg>
-      </pc:sldChg>
-      <pc:sldChg chg="del">
-        <pc:chgData name="Long B Nguyen" userId="f59fb8f3-a021-417a-8bc1-65c8d471c621" providerId="ADAL" clId="{85BDEDF6-CF42-4D41-8B40-38D23F731E13}" dt="2021-06-06T20:56:21.924" v="1777" actId="2696"/>
-        <pc:sldMkLst>
-          <pc:docMk/>
-          <pc:sldMk cId="651500207" sldId="351"/>
-        </pc:sldMkLst>
-      </pc:sldChg>
-      <pc:sldChg chg="modSp add mod modAnim">
-        <pc:chgData name="Long B Nguyen" userId="f59fb8f3-a021-417a-8bc1-65c8d471c621" providerId="ADAL" clId="{85BDEDF6-CF42-4D41-8B40-38D23F731E13}" dt="2021-06-05T16:51:48.626" v="607" actId="20577"/>
+      <pc:sldChg chg="modSp modAnim">
+        <pc:chgData name="Long B Nguyen" userId="f59fb8f3-a021-417a-8bc1-65c8d471c621" providerId="ADAL" clId="{0D22434F-C429-584D-952F-0619514BBCC8}" dt="2021-12-06T13:52:26.298" v="36"/>
         <pc:sldMkLst>
           <pc:docMk/>
           <pc:sldMk cId="1998372078" sldId="352"/>
         </pc:sldMkLst>
         <pc:spChg chg="mod">
-          <ac:chgData name="Long B Nguyen" userId="f59fb8f3-a021-417a-8bc1-65c8d471c621" providerId="ADAL" clId="{85BDEDF6-CF42-4D41-8B40-38D23F731E13}" dt="2021-06-05T16:51:03.492" v="481" actId="20577"/>
-          <ac:spMkLst>
-            <pc:docMk/>
-            <pc:sldMk cId="1998372078" sldId="352"/>
-            <ac:spMk id="2" creationId="{AA3A228F-61D0-D949-A5E7-F83756230BF8}"/>
-          </ac:spMkLst>
-        </pc:spChg>
-        <pc:spChg chg="mod">
-          <ac:chgData name="Long B Nguyen" userId="f59fb8f3-a021-417a-8bc1-65c8d471c621" providerId="ADAL" clId="{85BDEDF6-CF42-4D41-8B40-38D23F731E13}" dt="2021-06-05T16:51:48.626" v="607" actId="20577"/>
+          <ac:chgData name="Long B Nguyen" userId="f59fb8f3-a021-417a-8bc1-65c8d471c621" providerId="ADAL" clId="{0D22434F-C429-584D-952F-0619514BBCC8}" dt="2021-12-06T13:51:54.596" v="31" actId="20577"/>
           <ac:spMkLst>
             <pc:docMk/>
             <pc:sldMk cId="1998372078" sldId="352"/>
@@ -1850,24 +1947,25 @@
           </ac:spMkLst>
         </pc:spChg>
       </pc:sldChg>
-      <pc:sldChg chg="add del">
-        <pc:chgData name="Long B Nguyen" userId="f59fb8f3-a021-417a-8bc1-65c8d471c621" providerId="ADAL" clId="{85BDEDF6-CF42-4D41-8B40-38D23F731E13}" dt="2021-06-06T20:54:11.944" v="1745" actId="2696"/>
+      <pc:sldChg chg="modSp add mod modAnim">
+        <pc:chgData name="Long B Nguyen" userId="f59fb8f3-a021-417a-8bc1-65c8d471c621" providerId="ADAL" clId="{0D22434F-C429-584D-952F-0619514BBCC8}" dt="2021-12-06T13:56:07.538" v="198" actId="20577"/>
         <pc:sldMkLst>
           <pc:docMk/>
-          <pc:sldMk cId="1898971143" sldId="353"/>
-        </pc:sldMkLst>
-      </pc:sldChg>
-      <pc:sldChg chg="modSp add modAnim">
-        <pc:chgData name="Long B Nguyen" userId="f59fb8f3-a021-417a-8bc1-65c8d471c621" providerId="ADAL" clId="{85BDEDF6-CF42-4D41-8B40-38D23F731E13}" dt="2021-06-06T21:11:42.499" v="1995" actId="20577"/>
-        <pc:sldMkLst>
-          <pc:docMk/>
-          <pc:sldMk cId="2962743079" sldId="353"/>
+          <pc:sldMk cId="4169441446" sldId="354"/>
         </pc:sldMkLst>
         <pc:spChg chg="mod">
-          <ac:chgData name="Long B Nguyen" userId="f59fb8f3-a021-417a-8bc1-65c8d471c621" providerId="ADAL" clId="{85BDEDF6-CF42-4D41-8B40-38D23F731E13}" dt="2021-06-06T21:11:42.499" v="1995" actId="20577"/>
+          <ac:chgData name="Long B Nguyen" userId="f59fb8f3-a021-417a-8bc1-65c8d471c621" providerId="ADAL" clId="{0D22434F-C429-584D-952F-0619514BBCC8}" dt="2021-12-06T13:55:04.783" v="50" actId="20577"/>
           <ac:spMkLst>
             <pc:docMk/>
-            <pc:sldMk cId="2962743079" sldId="353"/>
+            <pc:sldMk cId="4169441446" sldId="354"/>
+            <ac:spMk id="2" creationId="{AA3A228F-61D0-D949-A5E7-F83756230BF8}"/>
+          </ac:spMkLst>
+        </pc:spChg>
+        <pc:spChg chg="mod">
+          <ac:chgData name="Long B Nguyen" userId="f59fb8f3-a021-417a-8bc1-65c8d471c621" providerId="ADAL" clId="{0D22434F-C429-584D-952F-0619514BBCC8}" dt="2021-12-06T13:56:07.538" v="198" actId="20577"/>
+          <ac:spMkLst>
+            <pc:docMk/>
+            <pc:sldMk cId="4169441446" sldId="354"/>
             <ac:spMk id="9" creationId="{E3B2E017-30B2-884B-A113-B419A2ED51AD}"/>
           </ac:spMkLst>
         </pc:spChg>
@@ -2008,7 +2106,7 @@
           <a:p>
             <a:fld id="{4AAD347D-5ACD-4C99-B74B-A9C85AD731AF}" type="datetimeFigureOut">
               <a:rPr lang="en-US" smtClean="0"/>
-              <a:t>6/5/21</a:t>
+              <a:t>12/6/21</a:t>
             </a:fld>
             <a:endParaRPr lang="en-US" dirty="0"/>
           </a:p>
@@ -2178,7 +2276,7 @@
           <a:p>
             <a:fld id="{4509A250-FF31-4206-8172-F9D3106AACB1}" type="datetimeFigureOut">
               <a:rPr lang="en-US" smtClean="0"/>
-              <a:t>6/5/21</a:t>
+              <a:t>12/6/21</a:t>
             </a:fld>
             <a:endParaRPr lang="en-US" dirty="0"/>
           </a:p>
@@ -2358,7 +2456,7 @@
           <a:p>
             <a:fld id="{4509A250-FF31-4206-8172-F9D3106AACB1}" type="datetimeFigureOut">
               <a:rPr lang="en-US" smtClean="0"/>
-              <a:t>6/5/21</a:t>
+              <a:t>12/6/21</a:t>
             </a:fld>
             <a:endParaRPr lang="en-US" dirty="0"/>
           </a:p>
@@ -2528,7 +2626,7 @@
           <a:p>
             <a:fld id="{4509A250-FF31-4206-8172-F9D3106AACB1}" type="datetimeFigureOut">
               <a:rPr lang="en-US" smtClean="0"/>
-              <a:t>6/5/21</a:t>
+              <a:t>12/6/21</a:t>
             </a:fld>
             <a:endParaRPr lang="en-US" dirty="0"/>
           </a:p>
@@ -2774,7 +2872,7 @@
           <a:p>
             <a:fld id="{9796027F-7875-4030-9381-8BD8C4F21935}" type="datetimeFigureOut">
               <a:rPr lang="en-US" smtClean="0"/>
-              <a:t>6/5/21</a:t>
+              <a:t>12/6/21</a:t>
             </a:fld>
             <a:endParaRPr lang="en-US" dirty="0"/>
           </a:p>
@@ -3006,7 +3104,7 @@
           <a:p>
             <a:fld id="{9796027F-7875-4030-9381-8BD8C4F21935}" type="datetimeFigureOut">
               <a:rPr lang="en-US" smtClean="0"/>
-              <a:t>6/5/21</a:t>
+              <a:t>12/6/21</a:t>
             </a:fld>
             <a:endParaRPr lang="en-US" dirty="0"/>
           </a:p>
@@ -3373,7 +3471,7 @@
           <a:p>
             <a:fld id="{9796027F-7875-4030-9381-8BD8C4F21935}" type="datetimeFigureOut">
               <a:rPr lang="en-US" smtClean="0"/>
-              <a:t>6/5/21</a:t>
+              <a:t>12/6/21</a:t>
             </a:fld>
             <a:endParaRPr lang="en-US" dirty="0"/>
           </a:p>
@@ -3491,7 +3589,7 @@
           <a:p>
             <a:fld id="{4509A250-FF31-4206-8172-F9D3106AACB1}" type="datetimeFigureOut">
               <a:rPr lang="en-US" smtClean="0"/>
-              <a:t>6/5/21</a:t>
+              <a:t>12/6/21</a:t>
             </a:fld>
             <a:endParaRPr lang="en-US" dirty="0"/>
           </a:p>
@@ -3586,7 +3684,7 @@
           <a:p>
             <a:fld id="{4509A250-FF31-4206-8172-F9D3106AACB1}" type="datetimeFigureOut">
               <a:rPr lang="en-US" smtClean="0"/>
-              <a:t>6/5/21</a:t>
+              <a:t>12/6/21</a:t>
             </a:fld>
             <a:endParaRPr lang="en-US" dirty="0"/>
           </a:p>
@@ -3863,7 +3961,7 @@
           <a:p>
             <a:fld id="{4509A250-FF31-4206-8172-F9D3106AACB1}" type="datetimeFigureOut">
               <a:rPr lang="en-US" smtClean="0"/>
-              <a:t>6/5/21</a:t>
+              <a:t>12/6/21</a:t>
             </a:fld>
             <a:endParaRPr lang="en-US" dirty="0"/>
           </a:p>
@@ -4120,7 +4218,7 @@
           <a:p>
             <a:fld id="{4509A250-FF31-4206-8172-F9D3106AACB1}" type="datetimeFigureOut">
               <a:rPr lang="en-US" smtClean="0"/>
-              <a:t>6/5/21</a:t>
+              <a:t>12/6/21</a:t>
             </a:fld>
             <a:endParaRPr lang="en-US" dirty="0"/>
           </a:p>
@@ -4333,7 +4431,7 @@
           <a:p>
             <a:fld id="{4AAD347D-5ACD-4C99-B74B-A9C85AD731AF}" type="datetimeFigureOut">
               <a:rPr lang="en-US" smtClean="0"/>
-              <a:t>6/5/21</a:t>
+              <a:t>12/6/21</a:t>
             </a:fld>
             <a:endParaRPr lang="en-US" dirty="0"/>
           </a:p>
@@ -5847,6 +5945,51 @@
                       </p:childTnLst>
                     </p:cTn>
                   </p:par>
+                  <p:par>
+                    <p:cTn id="29" fill="hold">
+                      <p:stCondLst>
+                        <p:cond delay="indefinite"/>
+                      </p:stCondLst>
+                      <p:childTnLst>
+                        <p:par>
+                          <p:cTn id="30" fill="hold">
+                            <p:stCondLst>
+                              <p:cond delay="0"/>
+                            </p:stCondLst>
+                            <p:childTnLst>
+                              <p:par>
+                                <p:cTn id="31" presetID="1" presetClass="entr" presetSubtype="0" fill="hold" grpId="0" nodeType="clickEffect">
+                                  <p:stCondLst>
+                                    <p:cond delay="0"/>
+                                  </p:stCondLst>
+                                  <p:childTnLst>
+                                    <p:set>
+                                      <p:cBhvr>
+                                        <p:cTn id="32" dur="1" fill="hold">
+                                          <p:stCondLst>
+                                            <p:cond delay="0"/>
+                                          </p:stCondLst>
+                                        </p:cTn>
+                                        <p:tgtEl>
+                                          <p:spTgt spid="3"/>
+                                        </p:tgtEl>
+                                        <p:attrNameLst>
+                                          <p:attrName>style.visibility</p:attrName>
+                                        </p:attrNameLst>
+                                      </p:cBhvr>
+                                      <p:to>
+                                        <p:strVal val="visible"/>
+                                      </p:to>
+                                    </p:set>
+                                  </p:childTnLst>
+                                </p:cTn>
+                              </p:par>
+                            </p:childTnLst>
+                          </p:cTn>
+                        </p:par>
+                      </p:childTnLst>
+                    </p:cTn>
+                  </p:par>
                 </p:childTnLst>
               </p:cTn>
               <p:prevCondLst>
@@ -5868,6 +6011,9 @@
         </p:cTn>
       </p:par>
     </p:tnLst>
+    <p:bldLst>
+      <p:bldP spid="3" grpId="0"/>
+    </p:bldLst>
   </p:timing>
 </p:sld>
 </file>
@@ -6724,7 +6870,16 @@
                 </a:solidFill>
                 <a:latin typeface="Inconsolata" panose="020B0609030003000000" pitchFamily="49" charset="77"/>
               </a:rPr>
-              <a:t>:  # tuple unpacking</a:t>
+              <a:t>:  </a:t>
+            </a:r>
+            <a:r>
+              <a:rPr lang="en-US" sz="2000" b="1" dirty="0">
+                <a:solidFill>
+                  <a:schemeClr val="accent1"/>
+                </a:solidFill>
+                <a:latin typeface="Inconsolata" panose="020B0609030003000000" pitchFamily="49" charset="77"/>
+              </a:rPr>
+              <a:t># tuple unpacking</a:t>
             </a:r>
           </a:p>
           <a:p>
@@ -7147,6 +7302,687 @@
         </p:nvSpPr>
         <p:spPr>
           <a:xfrm>
+            <a:off x="118024" y="0"/>
+            <a:ext cx="7053542" cy="683886"/>
+          </a:xfrm>
+        </p:spPr>
+        <p:txBody>
+          <a:bodyPr/>
+          <a:lstStyle/>
+          <a:p>
+            <a:r>
+              <a:rPr lang="en-US" dirty="0"/>
+              <a:t>Average GPA</a:t>
+            </a:r>
+          </a:p>
+        </p:txBody>
+      </p:sp>
+      <p:sp>
+        <p:nvSpPr>
+          <p:cNvPr id="9" name="Content Placeholder 8">
+            <a:extLst>
+              <a:ext uri="{FF2B5EF4-FFF2-40B4-BE49-F238E27FC236}">
+                <a16:creationId xmlns:a16="http://schemas.microsoft.com/office/drawing/2014/main" id="{E3B2E017-30B2-884B-A113-B419A2ED51AD}"/>
+              </a:ext>
+            </a:extLst>
+          </p:cNvPr>
+          <p:cNvSpPr>
+            <a:spLocks noGrp="1"/>
+          </p:cNvSpPr>
+          <p:nvPr>
+            <p:ph idx="1"/>
+          </p:nvPr>
+        </p:nvSpPr>
+        <p:spPr>
+          <a:xfrm>
+            <a:off x="118024" y="683886"/>
+            <a:ext cx="8417550" cy="5031114"/>
+          </a:xfrm>
+        </p:spPr>
+        <p:txBody>
+          <a:bodyPr>
+            <a:noAutofit/>
+          </a:bodyPr>
+          <a:lstStyle/>
+          <a:p>
+            <a:pPr marL="0" indent="0">
+              <a:buNone/>
+            </a:pPr>
+            <a:endParaRPr lang="en-US" dirty="0"/>
+          </a:p>
+          <a:p>
+            <a:pPr marL="0" indent="0">
+              <a:buNone/>
+            </a:pPr>
+            <a:r>
+              <a:rPr lang="en-US" dirty="0"/>
+              <a:t>Using tuple unpacking to compute the average. </a:t>
+            </a:r>
+          </a:p>
+          <a:p>
+            <a:pPr marL="0" indent="0">
+              <a:buNone/>
+            </a:pPr>
+            <a:endParaRPr lang="en-US" b="1" dirty="0">
+              <a:solidFill>
+                <a:srgbClr val="FF0000"/>
+              </a:solidFill>
+              <a:latin typeface="Inconsolata" panose="020B0609030003000000" pitchFamily="49" charset="77"/>
+            </a:endParaRPr>
+          </a:p>
+          <a:p>
+            <a:pPr marL="0" indent="0">
+              <a:buNone/>
+            </a:pPr>
+            <a:endParaRPr lang="en-US" sz="2000" b="1" dirty="0">
+              <a:solidFill>
+                <a:srgbClr val="000087"/>
+              </a:solidFill>
+              <a:latin typeface="Inconsolata" panose="020B0609030003000000" pitchFamily="49" charset="77"/>
+            </a:endParaRPr>
+          </a:p>
+          <a:p>
+            <a:pPr marL="0" indent="0">
+              <a:buNone/>
+            </a:pPr>
+            <a:r>
+              <a:rPr lang="en-US" sz="2000" b="1" dirty="0" err="1">
+                <a:solidFill>
+                  <a:srgbClr val="000087"/>
+                </a:solidFill>
+                <a:latin typeface="Inconsolata" panose="020B0609030003000000" pitchFamily="49" charset="77"/>
+              </a:rPr>
+              <a:t>lst</a:t>
+            </a:r>
+            <a:r>
+              <a:rPr lang="en-US" sz="2000" b="1" dirty="0">
+                <a:solidFill>
+                  <a:srgbClr val="000087"/>
+                </a:solidFill>
+                <a:latin typeface="Inconsolata" panose="020B0609030003000000" pitchFamily="49" charset="77"/>
+              </a:rPr>
+              <a:t> </a:t>
+            </a:r>
+            <a:r>
+              <a:rPr lang="en-US" sz="2000" b="1" dirty="0">
+                <a:solidFill>
+                  <a:srgbClr val="545454"/>
+                </a:solidFill>
+                <a:latin typeface="Inconsolata" panose="020B0609030003000000" pitchFamily="49" charset="77"/>
+              </a:rPr>
+              <a:t>= </a:t>
+            </a:r>
+            <a:r>
+              <a:rPr lang="en-US" sz="2000" b="1" dirty="0">
+                <a:latin typeface="Inconsolata" panose="020B0609030003000000" pitchFamily="49" charset="77"/>
+              </a:rPr>
+              <a:t>[</a:t>
+            </a:r>
+            <a:r>
+              <a:rPr lang="en-US" sz="2000" b="1" dirty="0">
+                <a:solidFill>
+                  <a:srgbClr val="FF6600"/>
+                </a:solidFill>
+                <a:latin typeface="Inconsolata" panose="020B0609030003000000" pitchFamily="49" charset="77"/>
+              </a:rPr>
+              <a:t>(“Mike”, 3.2), (“Sarah”, 3.6), (“Jack”, 2.8)</a:t>
+            </a:r>
+            <a:r>
+              <a:rPr lang="en-US" sz="2000" b="1" dirty="0">
+                <a:latin typeface="Inconsolata" panose="020B0609030003000000" pitchFamily="49" charset="77"/>
+              </a:rPr>
+              <a:t>]</a:t>
+            </a:r>
+          </a:p>
+          <a:p>
+            <a:pPr marL="0" indent="0">
+              <a:buNone/>
+            </a:pPr>
+            <a:r>
+              <a:rPr lang="en-US" sz="2000" b="1" dirty="0">
+                <a:solidFill>
+                  <a:srgbClr val="006699"/>
+                </a:solidFill>
+                <a:latin typeface="Inconsolata" panose="020B0609030003000000" pitchFamily="49" charset="77"/>
+              </a:rPr>
+              <a:t>s = 0</a:t>
+            </a:r>
+          </a:p>
+          <a:p>
+            <a:pPr marL="0" indent="0">
+              <a:buNone/>
+            </a:pPr>
+            <a:r>
+              <a:rPr lang="en-US" sz="2000" b="1" dirty="0">
+                <a:solidFill>
+                  <a:srgbClr val="006699"/>
+                </a:solidFill>
+                <a:latin typeface="Inconsolata" panose="020B0609030003000000" pitchFamily="49" charset="77"/>
+              </a:rPr>
+              <a:t>for </a:t>
+            </a:r>
+            <a:r>
+              <a:rPr lang="en-US" sz="2000" b="1" dirty="0">
+                <a:solidFill>
+                  <a:srgbClr val="000087"/>
+                </a:solidFill>
+                <a:latin typeface="Inconsolata" panose="020B0609030003000000" pitchFamily="49" charset="77"/>
+              </a:rPr>
+              <a:t>name, </a:t>
+            </a:r>
+            <a:r>
+              <a:rPr lang="en-US" sz="2000" b="1" dirty="0" err="1">
+                <a:solidFill>
+                  <a:srgbClr val="000087"/>
+                </a:solidFill>
+                <a:latin typeface="Inconsolata" panose="020B0609030003000000" pitchFamily="49" charset="77"/>
+              </a:rPr>
+              <a:t>gpa</a:t>
+            </a:r>
+            <a:r>
+              <a:rPr lang="en-US" sz="2000" b="1" dirty="0">
+                <a:solidFill>
+                  <a:srgbClr val="000087"/>
+                </a:solidFill>
+                <a:latin typeface="Inconsolata" panose="020B0609030003000000" pitchFamily="49" charset="77"/>
+              </a:rPr>
+              <a:t> </a:t>
+            </a:r>
+            <a:r>
+              <a:rPr lang="en-US" sz="2000" b="1" dirty="0">
+                <a:latin typeface="Inconsolata" panose="020B0609030003000000" pitchFamily="49" charset="77"/>
+              </a:rPr>
+              <a:t>in </a:t>
+            </a:r>
+            <a:r>
+              <a:rPr lang="en-US" sz="2000" b="1" dirty="0" err="1">
+                <a:solidFill>
+                  <a:srgbClr val="336666"/>
+                </a:solidFill>
+                <a:latin typeface="Inconsolata" panose="020B0609030003000000" pitchFamily="49" charset="77"/>
+              </a:rPr>
+              <a:t>lst</a:t>
+            </a:r>
+            <a:r>
+              <a:rPr lang="en-US" sz="2000" b="1" dirty="0">
+                <a:solidFill>
+                  <a:srgbClr val="336666"/>
+                </a:solidFill>
+                <a:latin typeface="Inconsolata" panose="020B0609030003000000" pitchFamily="49" charset="77"/>
+              </a:rPr>
+              <a:t>:  </a:t>
+            </a:r>
+            <a:r>
+              <a:rPr lang="en-US" sz="2000" b="1" dirty="0">
+                <a:solidFill>
+                  <a:schemeClr val="accent1"/>
+                </a:solidFill>
+                <a:latin typeface="Inconsolata" panose="020B0609030003000000" pitchFamily="49" charset="77"/>
+              </a:rPr>
+              <a:t># tuple unpacking</a:t>
+            </a:r>
+          </a:p>
+          <a:p>
+            <a:pPr marL="0" indent="0">
+              <a:buNone/>
+            </a:pPr>
+            <a:r>
+              <a:rPr lang="en-US" sz="2000" b="1" dirty="0">
+                <a:solidFill>
+                  <a:srgbClr val="336666"/>
+                </a:solidFill>
+                <a:latin typeface="Inconsolata" panose="020B0609030003000000" pitchFamily="49" charset="77"/>
+              </a:rPr>
+              <a:t>	s += </a:t>
+            </a:r>
+            <a:r>
+              <a:rPr lang="en-US" sz="2000" b="1" dirty="0" err="1">
+                <a:solidFill>
+                  <a:srgbClr val="336666"/>
+                </a:solidFill>
+                <a:latin typeface="Inconsolata" panose="020B0609030003000000" pitchFamily="49" charset="77"/>
+              </a:rPr>
+              <a:t>gpa</a:t>
+            </a:r>
+            <a:endParaRPr lang="en-US" sz="2000" b="1" dirty="0">
+              <a:solidFill>
+                <a:srgbClr val="336666"/>
+              </a:solidFill>
+              <a:latin typeface="Inconsolata" panose="020B0609030003000000" pitchFamily="49" charset="77"/>
+            </a:endParaRPr>
+          </a:p>
+          <a:p>
+            <a:pPr marL="0" indent="0">
+              <a:buNone/>
+            </a:pPr>
+            <a:r>
+              <a:rPr lang="en-US" sz="2000" b="1" dirty="0" err="1">
+                <a:solidFill>
+                  <a:srgbClr val="336666"/>
+                </a:solidFill>
+                <a:latin typeface="Inconsolata" panose="020B0609030003000000" pitchFamily="49" charset="77"/>
+              </a:rPr>
+              <a:t>ave</a:t>
+            </a:r>
+            <a:r>
+              <a:rPr lang="en-US" sz="2000" b="1" dirty="0">
+                <a:solidFill>
+                  <a:srgbClr val="336666"/>
+                </a:solidFill>
+                <a:latin typeface="Inconsolata" panose="020B0609030003000000" pitchFamily="49" charset="77"/>
+              </a:rPr>
+              <a:t> = s/ </a:t>
+            </a:r>
+            <a:r>
+              <a:rPr lang="en-US" sz="2000" b="1" dirty="0" err="1">
+                <a:solidFill>
+                  <a:srgbClr val="336666"/>
+                </a:solidFill>
+                <a:latin typeface="Inconsolata" panose="020B0609030003000000" pitchFamily="49" charset="77"/>
+              </a:rPr>
+              <a:t>len</a:t>
+            </a:r>
+            <a:r>
+              <a:rPr lang="en-US" sz="2000" b="1" dirty="0">
+                <a:solidFill>
+                  <a:srgbClr val="336666"/>
+                </a:solidFill>
+                <a:latin typeface="Inconsolata" panose="020B0609030003000000" pitchFamily="49" charset="77"/>
+              </a:rPr>
+              <a:t>(</a:t>
+            </a:r>
+            <a:r>
+              <a:rPr lang="en-US" sz="2000" b="1" dirty="0" err="1">
+                <a:solidFill>
+                  <a:srgbClr val="336666"/>
+                </a:solidFill>
+                <a:latin typeface="Inconsolata" panose="020B0609030003000000" pitchFamily="49" charset="77"/>
+              </a:rPr>
+              <a:t>lst</a:t>
+            </a:r>
+            <a:r>
+              <a:rPr lang="en-US" sz="2000" b="1" dirty="0">
+                <a:solidFill>
+                  <a:srgbClr val="336666"/>
+                </a:solidFill>
+                <a:latin typeface="Inconsolata" panose="020B0609030003000000" pitchFamily="49" charset="77"/>
+              </a:rPr>
+              <a:t>)</a:t>
+            </a:r>
+          </a:p>
+          <a:p>
+            <a:pPr marL="0" indent="0">
+              <a:buNone/>
+            </a:pPr>
+            <a:endParaRPr lang="en-US" sz="2000" b="1" dirty="0">
+              <a:solidFill>
+                <a:srgbClr val="336666"/>
+              </a:solidFill>
+              <a:latin typeface="Inconsolata" panose="020B0609030003000000" pitchFamily="49" charset="77"/>
+            </a:endParaRPr>
+          </a:p>
+          <a:p>
+            <a:pPr marL="0" indent="0">
+              <a:buNone/>
+            </a:pPr>
+            <a:r>
+              <a:rPr lang="en-US" dirty="0"/>
+              <a:t>  	                </a:t>
+            </a:r>
+          </a:p>
+          <a:p>
+            <a:pPr marL="0" indent="0">
+              <a:buNone/>
+            </a:pPr>
+            <a:endParaRPr lang="en-US" dirty="0"/>
+          </a:p>
+          <a:p>
+            <a:pPr marL="0" indent="0">
+              <a:buNone/>
+            </a:pPr>
+            <a:endParaRPr lang="en-US" dirty="0"/>
+          </a:p>
+          <a:p>
+            <a:pPr marL="0" indent="0">
+              <a:buNone/>
+            </a:pPr>
+            <a:r>
+              <a:rPr lang="en-US" dirty="0"/>
+              <a:t> </a:t>
+            </a:r>
+          </a:p>
+          <a:p>
+            <a:pPr marL="0" indent="0">
+              <a:buNone/>
+            </a:pPr>
+            <a:endParaRPr lang="en-US" dirty="0"/>
+          </a:p>
+          <a:p>
+            <a:pPr marL="0" indent="0">
+              <a:buNone/>
+            </a:pPr>
+            <a:endParaRPr lang="en-US" dirty="0"/>
+          </a:p>
+        </p:txBody>
+      </p:sp>
+    </p:spTree>
+    <p:extLst>
+      <p:ext uri="{BB962C8B-B14F-4D97-AF65-F5344CB8AC3E}">
+        <p14:creationId xmlns:p14="http://schemas.microsoft.com/office/powerpoint/2010/main" val="4169441446"/>
+      </p:ext>
+    </p:extLst>
+  </p:cSld>
+  <p:clrMapOvr>
+    <a:masterClrMapping/>
+  </p:clrMapOvr>
+  <p:timing>
+    <p:tnLst>
+      <p:par>
+        <p:cTn id="1" dur="indefinite" restart="never" nodeType="tmRoot">
+          <p:childTnLst>
+            <p:seq concurrent="1" nextAc="seek">
+              <p:cTn id="2" dur="indefinite" nodeType="mainSeq">
+                <p:childTnLst>
+                  <p:par>
+                    <p:cTn id="3" fill="hold">
+                      <p:stCondLst>
+                        <p:cond delay="indefinite"/>
+                      </p:stCondLst>
+                      <p:childTnLst>
+                        <p:par>
+                          <p:cTn id="4" fill="hold">
+                            <p:stCondLst>
+                              <p:cond delay="0"/>
+                            </p:stCondLst>
+                            <p:childTnLst>
+                              <p:par>
+                                <p:cTn id="5" presetID="1" presetClass="entr" presetSubtype="0" fill="hold" nodeType="clickEffect">
+                                  <p:stCondLst>
+                                    <p:cond delay="0"/>
+                                  </p:stCondLst>
+                                  <p:childTnLst>
+                                    <p:set>
+                                      <p:cBhvr>
+                                        <p:cTn id="6" dur="1" fill="hold">
+                                          <p:stCondLst>
+                                            <p:cond delay="0"/>
+                                          </p:stCondLst>
+                                        </p:cTn>
+                                        <p:tgtEl>
+                                          <p:spTgt spid="9">
+                                            <p:txEl>
+                                              <p:pRg st="4" end="4"/>
+                                            </p:txEl>
+                                          </p:spTgt>
+                                        </p:tgtEl>
+                                        <p:attrNameLst>
+                                          <p:attrName>style.visibility</p:attrName>
+                                        </p:attrNameLst>
+                                      </p:cBhvr>
+                                      <p:to>
+                                        <p:strVal val="visible"/>
+                                      </p:to>
+                                    </p:set>
+                                  </p:childTnLst>
+                                </p:cTn>
+                              </p:par>
+                            </p:childTnLst>
+                          </p:cTn>
+                        </p:par>
+                      </p:childTnLst>
+                    </p:cTn>
+                  </p:par>
+                  <p:par>
+                    <p:cTn id="7" fill="hold">
+                      <p:stCondLst>
+                        <p:cond delay="indefinite"/>
+                      </p:stCondLst>
+                      <p:childTnLst>
+                        <p:par>
+                          <p:cTn id="8" fill="hold">
+                            <p:stCondLst>
+                              <p:cond delay="0"/>
+                            </p:stCondLst>
+                            <p:childTnLst>
+                              <p:par>
+                                <p:cTn id="9" presetID="1" presetClass="entr" presetSubtype="0" fill="hold" nodeType="clickEffect">
+                                  <p:stCondLst>
+                                    <p:cond delay="0"/>
+                                  </p:stCondLst>
+                                  <p:childTnLst>
+                                    <p:set>
+                                      <p:cBhvr>
+                                        <p:cTn id="10" dur="1" fill="hold">
+                                          <p:stCondLst>
+                                            <p:cond delay="0"/>
+                                          </p:stCondLst>
+                                        </p:cTn>
+                                        <p:tgtEl>
+                                          <p:spTgt spid="9">
+                                            <p:txEl>
+                                              <p:pRg st="1" end="1"/>
+                                            </p:txEl>
+                                          </p:spTgt>
+                                        </p:tgtEl>
+                                        <p:attrNameLst>
+                                          <p:attrName>style.visibility</p:attrName>
+                                        </p:attrNameLst>
+                                      </p:cBhvr>
+                                      <p:to>
+                                        <p:strVal val="visible"/>
+                                      </p:to>
+                                    </p:set>
+                                  </p:childTnLst>
+                                </p:cTn>
+                              </p:par>
+                            </p:childTnLst>
+                          </p:cTn>
+                        </p:par>
+                      </p:childTnLst>
+                    </p:cTn>
+                  </p:par>
+                  <p:par>
+                    <p:cTn id="11" fill="hold">
+                      <p:stCondLst>
+                        <p:cond delay="indefinite"/>
+                      </p:stCondLst>
+                      <p:childTnLst>
+                        <p:par>
+                          <p:cTn id="12" fill="hold">
+                            <p:stCondLst>
+                              <p:cond delay="0"/>
+                            </p:stCondLst>
+                            <p:childTnLst>
+                              <p:par>
+                                <p:cTn id="13" presetID="1" presetClass="entr" presetSubtype="0" fill="hold" nodeType="clickEffect">
+                                  <p:stCondLst>
+                                    <p:cond delay="0"/>
+                                  </p:stCondLst>
+                                  <p:childTnLst>
+                                    <p:set>
+                                      <p:cBhvr>
+                                        <p:cTn id="14" dur="1" fill="hold">
+                                          <p:stCondLst>
+                                            <p:cond delay="0"/>
+                                          </p:stCondLst>
+                                        </p:cTn>
+                                        <p:tgtEl>
+                                          <p:spTgt spid="9">
+                                            <p:txEl>
+                                              <p:pRg st="5" end="5"/>
+                                            </p:txEl>
+                                          </p:spTgt>
+                                        </p:tgtEl>
+                                        <p:attrNameLst>
+                                          <p:attrName>style.visibility</p:attrName>
+                                        </p:attrNameLst>
+                                      </p:cBhvr>
+                                      <p:to>
+                                        <p:strVal val="visible"/>
+                                      </p:to>
+                                    </p:set>
+                                  </p:childTnLst>
+                                </p:cTn>
+                              </p:par>
+                              <p:par>
+                                <p:cTn id="15" presetID="1" presetClass="entr" presetSubtype="0" fill="hold" nodeType="withEffect">
+                                  <p:stCondLst>
+                                    <p:cond delay="0"/>
+                                  </p:stCondLst>
+                                  <p:childTnLst>
+                                    <p:set>
+                                      <p:cBhvr>
+                                        <p:cTn id="16" dur="1" fill="hold">
+                                          <p:stCondLst>
+                                            <p:cond delay="0"/>
+                                          </p:stCondLst>
+                                        </p:cTn>
+                                        <p:tgtEl>
+                                          <p:spTgt spid="9">
+                                            <p:txEl>
+                                              <p:pRg st="6" end="6"/>
+                                            </p:txEl>
+                                          </p:spTgt>
+                                        </p:tgtEl>
+                                        <p:attrNameLst>
+                                          <p:attrName>style.visibility</p:attrName>
+                                        </p:attrNameLst>
+                                      </p:cBhvr>
+                                      <p:to>
+                                        <p:strVal val="visible"/>
+                                      </p:to>
+                                    </p:set>
+                                  </p:childTnLst>
+                                </p:cTn>
+                              </p:par>
+                              <p:par>
+                                <p:cTn id="17" presetID="1" presetClass="entr" presetSubtype="0" fill="hold" nodeType="withEffect">
+                                  <p:stCondLst>
+                                    <p:cond delay="0"/>
+                                  </p:stCondLst>
+                                  <p:childTnLst>
+                                    <p:set>
+                                      <p:cBhvr>
+                                        <p:cTn id="18" dur="1" fill="hold">
+                                          <p:stCondLst>
+                                            <p:cond delay="0"/>
+                                          </p:stCondLst>
+                                        </p:cTn>
+                                        <p:tgtEl>
+                                          <p:spTgt spid="9">
+                                            <p:txEl>
+                                              <p:pRg st="7" end="7"/>
+                                            </p:txEl>
+                                          </p:spTgt>
+                                        </p:tgtEl>
+                                        <p:attrNameLst>
+                                          <p:attrName>style.visibility</p:attrName>
+                                        </p:attrNameLst>
+                                      </p:cBhvr>
+                                      <p:to>
+                                        <p:strVal val="visible"/>
+                                      </p:to>
+                                    </p:set>
+                                  </p:childTnLst>
+                                </p:cTn>
+                              </p:par>
+                              <p:par>
+                                <p:cTn id="19" presetID="1" presetClass="entr" presetSubtype="0" fill="hold" nodeType="withEffect">
+                                  <p:stCondLst>
+                                    <p:cond delay="0"/>
+                                  </p:stCondLst>
+                                  <p:childTnLst>
+                                    <p:set>
+                                      <p:cBhvr>
+                                        <p:cTn id="20" dur="1" fill="hold">
+                                          <p:stCondLst>
+                                            <p:cond delay="0"/>
+                                          </p:stCondLst>
+                                        </p:cTn>
+                                        <p:tgtEl>
+                                          <p:spTgt spid="9">
+                                            <p:txEl>
+                                              <p:pRg st="8" end="8"/>
+                                            </p:txEl>
+                                          </p:spTgt>
+                                        </p:tgtEl>
+                                        <p:attrNameLst>
+                                          <p:attrName>style.visibility</p:attrName>
+                                        </p:attrNameLst>
+                                      </p:cBhvr>
+                                      <p:to>
+                                        <p:strVal val="visible"/>
+                                      </p:to>
+                                    </p:set>
+                                  </p:childTnLst>
+                                </p:cTn>
+                              </p:par>
+                            </p:childTnLst>
+                          </p:cTn>
+                        </p:par>
+                      </p:childTnLst>
+                    </p:cTn>
+                  </p:par>
+                </p:childTnLst>
+              </p:cTn>
+              <p:prevCondLst>
+                <p:cond evt="onPrev" delay="0">
+                  <p:tgtEl>
+                    <p:sldTgt/>
+                  </p:tgtEl>
+                </p:cond>
+              </p:prevCondLst>
+              <p:nextCondLst>
+                <p:cond evt="onNext" delay="0">
+                  <p:tgtEl>
+                    <p:sldTgt/>
+                  </p:tgtEl>
+                </p:cond>
+              </p:nextCondLst>
+            </p:seq>
+          </p:childTnLst>
+        </p:cTn>
+      </p:par>
+    </p:tnLst>
+  </p:timing>
+</p:sld>
+</file>
+
+<file path=ppt/slides/slide14.xml><?xml version="1.0" encoding="utf-8"?>
+<p:sld xmlns:a="http://schemas.openxmlformats.org/drawingml/2006/main" xmlns:r="http://schemas.openxmlformats.org/officeDocument/2006/relationships" xmlns:p="http://schemas.openxmlformats.org/presentationml/2006/main">
+  <p:cSld>
+    <p:spTree>
+      <p:nvGrpSpPr>
+        <p:cNvPr id="1" name=""/>
+        <p:cNvGrpSpPr/>
+        <p:nvPr/>
+      </p:nvGrpSpPr>
+      <p:grpSpPr>
+        <a:xfrm>
+          <a:off x="0" y="0"/>
+          <a:ext cx="0" cy="0"/>
+          <a:chOff x="0" y="0"/>
+          <a:chExt cx="0" cy="0"/>
+        </a:xfrm>
+      </p:grpSpPr>
+      <p:sp>
+        <p:nvSpPr>
+          <p:cNvPr id="2" name="Title 1">
+            <a:extLst>
+              <a:ext uri="{FF2B5EF4-FFF2-40B4-BE49-F238E27FC236}">
+                <a16:creationId xmlns:a16="http://schemas.microsoft.com/office/drawing/2014/main" id="{AA3A228F-61D0-D949-A5E7-F83756230BF8}"/>
+              </a:ext>
+            </a:extLst>
+          </p:cNvPr>
+          <p:cNvSpPr>
+            <a:spLocks noGrp="1"/>
+          </p:cNvSpPr>
+          <p:nvPr>
+            <p:ph type="title"/>
+          </p:nvPr>
+        </p:nvSpPr>
+        <p:spPr>
+          <a:xfrm>
             <a:off x="120434" y="108911"/>
             <a:ext cx="7053542" cy="683886"/>
           </a:xfrm>
@@ -7710,7 +8546,7 @@
 </p:sld>
 </file>
 
-<file path=ppt/slides/slide14.xml><?xml version="1.0" encoding="utf-8"?>
+<file path=ppt/slides/slide15.xml><?xml version="1.0" encoding="utf-8"?>
 <p:sld xmlns:a="http://schemas.openxmlformats.org/drawingml/2006/main" xmlns:r="http://schemas.openxmlformats.org/officeDocument/2006/relationships" xmlns:p="http://schemas.openxmlformats.org/presentationml/2006/main">
   <p:cSld>
     <p:spTree>
@@ -8291,7 +9127,7 @@
 </p:sld>
 </file>
 
-<file path=ppt/slides/slide15.xml><?xml version="1.0" encoding="utf-8"?>
+<file path=ppt/slides/slide16.xml><?xml version="1.0" encoding="utf-8"?>
 <p:sld xmlns:a="http://schemas.openxmlformats.org/drawingml/2006/main" xmlns:r="http://schemas.openxmlformats.org/officeDocument/2006/relationships" xmlns:p="http://schemas.openxmlformats.org/presentationml/2006/main">
   <p:cSld>
     <p:spTree>
@@ -8735,995 +9571,6 @@
                                           <p:spTgt spid="9">
                                             <p:txEl>
                                               <p:pRg st="9" end="9"/>
-                                            </p:txEl>
-                                          </p:spTgt>
-                                        </p:tgtEl>
-                                        <p:attrNameLst>
-                                          <p:attrName>style.visibility</p:attrName>
-                                        </p:attrNameLst>
-                                      </p:cBhvr>
-                                      <p:to>
-                                        <p:strVal val="visible"/>
-                                      </p:to>
-                                    </p:set>
-                                  </p:childTnLst>
-                                </p:cTn>
-                              </p:par>
-                            </p:childTnLst>
-                          </p:cTn>
-                        </p:par>
-                      </p:childTnLst>
-                    </p:cTn>
-                  </p:par>
-                </p:childTnLst>
-              </p:cTn>
-              <p:prevCondLst>
-                <p:cond evt="onPrev" delay="0">
-                  <p:tgtEl>
-                    <p:sldTgt/>
-                  </p:tgtEl>
-                </p:cond>
-              </p:prevCondLst>
-              <p:nextCondLst>
-                <p:cond evt="onNext" delay="0">
-                  <p:tgtEl>
-                    <p:sldTgt/>
-                  </p:tgtEl>
-                </p:cond>
-              </p:nextCondLst>
-            </p:seq>
-          </p:childTnLst>
-        </p:cTn>
-      </p:par>
-    </p:tnLst>
-  </p:timing>
-</p:sld>
-</file>
-
-<file path=ppt/slides/slide16.xml><?xml version="1.0" encoding="utf-8"?>
-<p:sld xmlns:a="http://schemas.openxmlformats.org/drawingml/2006/main" xmlns:r="http://schemas.openxmlformats.org/officeDocument/2006/relationships" xmlns:p="http://schemas.openxmlformats.org/presentationml/2006/main">
-  <p:cSld>
-    <p:spTree>
-      <p:nvGrpSpPr>
-        <p:cNvPr id="1" name=""/>
-        <p:cNvGrpSpPr/>
-        <p:nvPr/>
-      </p:nvGrpSpPr>
-      <p:grpSpPr>
-        <a:xfrm>
-          <a:off x="0" y="0"/>
-          <a:ext cx="0" cy="0"/>
-          <a:chOff x="0" y="0"/>
-          <a:chExt cx="0" cy="0"/>
-        </a:xfrm>
-      </p:grpSpPr>
-      <p:sp>
-        <p:nvSpPr>
-          <p:cNvPr id="2" name="Title 1">
-            <a:extLst>
-              <a:ext uri="{FF2B5EF4-FFF2-40B4-BE49-F238E27FC236}">
-                <a16:creationId xmlns:a16="http://schemas.microsoft.com/office/drawing/2014/main" id="{AA3A228F-61D0-D949-A5E7-F83756230BF8}"/>
-              </a:ext>
-            </a:extLst>
-          </p:cNvPr>
-          <p:cNvSpPr>
-            <a:spLocks noGrp="1"/>
-          </p:cNvSpPr>
-          <p:nvPr>
-            <p:ph type="title"/>
-          </p:nvPr>
-        </p:nvSpPr>
-        <p:spPr>
-          <a:xfrm>
-            <a:off x="120593" y="116298"/>
-            <a:ext cx="7053542" cy="683886"/>
-          </a:xfrm>
-        </p:spPr>
-        <p:txBody>
-          <a:bodyPr/>
-          <a:lstStyle/>
-          <a:p>
-            <a:r>
-              <a:rPr lang="en-US" dirty="0"/>
-              <a:t>enumerate() with 2D lists</a:t>
-            </a:r>
-          </a:p>
-        </p:txBody>
-      </p:sp>
-      <p:sp>
-        <p:nvSpPr>
-          <p:cNvPr id="9" name="Content Placeholder 8">
-            <a:extLst>
-              <a:ext uri="{FF2B5EF4-FFF2-40B4-BE49-F238E27FC236}">
-                <a16:creationId xmlns:a16="http://schemas.microsoft.com/office/drawing/2014/main" id="{E3B2E017-30B2-884B-A113-B419A2ED51AD}"/>
-              </a:ext>
-            </a:extLst>
-          </p:cNvPr>
-          <p:cNvSpPr>
-            <a:spLocks noGrp="1"/>
-          </p:cNvSpPr>
-          <p:nvPr>
-            <p:ph idx="1"/>
-          </p:nvPr>
-        </p:nvSpPr>
-        <p:spPr>
-          <a:xfrm>
-            <a:off x="120594" y="800184"/>
-            <a:ext cx="8414980" cy="4914815"/>
-          </a:xfrm>
-        </p:spPr>
-        <p:txBody>
-          <a:bodyPr>
-            <a:noAutofit/>
-          </a:bodyPr>
-          <a:lstStyle/>
-          <a:p>
-            <a:pPr marL="0" indent="0">
-              <a:buNone/>
-            </a:pPr>
-            <a:r>
-              <a:rPr lang="en-US" dirty="0"/>
-              <a:t>enumerate() is useful if we want to access indices of 2D lists.  For example, we can use indices to modify the 2D list. </a:t>
-            </a:r>
-            <a:endParaRPr lang="en-US" sz="2000" b="1" dirty="0">
-              <a:solidFill>
-                <a:srgbClr val="000087"/>
-              </a:solidFill>
-              <a:latin typeface="Inconsolata" panose="020B0609030003000000" pitchFamily="49" charset="77"/>
-            </a:endParaRPr>
-          </a:p>
-          <a:p>
-            <a:pPr marL="0" indent="0">
-              <a:buNone/>
-            </a:pPr>
-            <a:endParaRPr lang="en-US" sz="2000" b="1" dirty="0">
-              <a:solidFill>
-                <a:srgbClr val="000087"/>
-              </a:solidFill>
-              <a:latin typeface="Inconsolata" panose="020B0609030003000000" pitchFamily="49" charset="77"/>
-            </a:endParaRPr>
-          </a:p>
-          <a:p>
-            <a:pPr marL="0" indent="0">
-              <a:buNone/>
-            </a:pPr>
-            <a:r>
-              <a:rPr lang="en-US" sz="2000" b="1" dirty="0" err="1">
-                <a:solidFill>
-                  <a:srgbClr val="000087"/>
-                </a:solidFill>
-                <a:latin typeface="Inconsolata" panose="020B0609030003000000" pitchFamily="49" charset="77"/>
-              </a:rPr>
-              <a:t>lst</a:t>
-            </a:r>
-            <a:r>
-              <a:rPr lang="en-US" sz="2000" b="1" dirty="0">
-                <a:solidFill>
-                  <a:srgbClr val="000087"/>
-                </a:solidFill>
-                <a:latin typeface="Inconsolata" panose="020B0609030003000000" pitchFamily="49" charset="77"/>
-              </a:rPr>
-              <a:t> </a:t>
-            </a:r>
-            <a:r>
-              <a:rPr lang="en-US" sz="2000" b="1" dirty="0">
-                <a:solidFill>
-                  <a:srgbClr val="545454"/>
-                </a:solidFill>
-                <a:latin typeface="Inconsolata" panose="020B0609030003000000" pitchFamily="49" charset="77"/>
-              </a:rPr>
-              <a:t>= </a:t>
-            </a:r>
-            <a:r>
-              <a:rPr lang="en-US" sz="2000" b="1" dirty="0">
-                <a:latin typeface="Inconsolata" panose="020B0609030003000000" pitchFamily="49" charset="77"/>
-              </a:rPr>
-              <a:t>[</a:t>
-            </a:r>
-            <a:r>
-              <a:rPr lang="en-US" sz="2000" b="1" dirty="0">
-                <a:solidFill>
-                  <a:srgbClr val="FF6600"/>
-                </a:solidFill>
-                <a:latin typeface="Inconsolata" panose="020B0609030003000000" pitchFamily="49" charset="77"/>
-              </a:rPr>
-              <a:t>[1, 2, 3],</a:t>
-            </a:r>
-          </a:p>
-          <a:p>
-            <a:pPr marL="0" indent="0">
-              <a:buNone/>
-            </a:pPr>
-            <a:r>
-              <a:rPr lang="en-US" sz="2000" b="1" dirty="0">
-                <a:solidFill>
-                  <a:srgbClr val="FF6600"/>
-                </a:solidFill>
-                <a:latin typeface="Inconsolata" panose="020B0609030003000000" pitchFamily="49" charset="77"/>
-              </a:rPr>
-              <a:t>       [4, 5, 6], </a:t>
-            </a:r>
-          </a:p>
-          <a:p>
-            <a:pPr marL="0" indent="0">
-              <a:buNone/>
-            </a:pPr>
-            <a:r>
-              <a:rPr lang="en-US" sz="2000" b="1" dirty="0">
-                <a:solidFill>
-                  <a:srgbClr val="FF6600"/>
-                </a:solidFill>
-                <a:latin typeface="Inconsolata" panose="020B0609030003000000" pitchFamily="49" charset="77"/>
-              </a:rPr>
-              <a:t>       [7, 8, 9]</a:t>
-            </a:r>
-            <a:r>
-              <a:rPr lang="en-US" sz="2000" b="1" dirty="0">
-                <a:latin typeface="Inconsolata" panose="020B0609030003000000" pitchFamily="49" charset="77"/>
-              </a:rPr>
-              <a:t>]</a:t>
-            </a:r>
-          </a:p>
-          <a:p>
-            <a:pPr marL="0" indent="0">
-              <a:buNone/>
-            </a:pPr>
-            <a:r>
-              <a:rPr lang="en-US" sz="2000" b="1" dirty="0">
-                <a:solidFill>
-                  <a:srgbClr val="34A327"/>
-                </a:solidFill>
-                <a:latin typeface="Inconsolata" panose="020B0609030003000000" pitchFamily="49" charset="77"/>
-              </a:rPr>
-              <a:t>for</a:t>
-            </a:r>
-            <a:r>
-              <a:rPr lang="en-US" sz="2000" b="1" dirty="0">
-                <a:solidFill>
-                  <a:srgbClr val="000000"/>
-                </a:solidFill>
-                <a:latin typeface="Inconsolata" panose="020B0609030003000000" pitchFamily="49" charset="77"/>
-              </a:rPr>
-              <a:t> </a:t>
-            </a:r>
-            <a:r>
-              <a:rPr lang="en-US" sz="2000" b="1" dirty="0" err="1">
-                <a:solidFill>
-                  <a:srgbClr val="000000"/>
-                </a:solidFill>
-                <a:latin typeface="Inconsolata" panose="020B0609030003000000" pitchFamily="49" charset="77"/>
-              </a:rPr>
-              <a:t>row_ind</a:t>
-            </a:r>
-            <a:r>
-              <a:rPr lang="en-US" sz="2000" b="1" dirty="0">
-                <a:solidFill>
-                  <a:srgbClr val="000000"/>
-                </a:solidFill>
-                <a:latin typeface="Inconsolata" panose="020B0609030003000000" pitchFamily="49" charset="77"/>
-              </a:rPr>
-              <a:t>, row </a:t>
-            </a:r>
-            <a:r>
-              <a:rPr lang="en-US" sz="2000" b="1" dirty="0">
-                <a:solidFill>
-                  <a:srgbClr val="D03BFF"/>
-                </a:solidFill>
-                <a:latin typeface="Inconsolata" panose="020B0609030003000000" pitchFamily="49" charset="77"/>
-              </a:rPr>
-              <a:t>in</a:t>
-            </a:r>
-            <a:r>
-              <a:rPr lang="en-US" sz="2000" b="1" dirty="0">
-                <a:solidFill>
-                  <a:srgbClr val="000000"/>
-                </a:solidFill>
-                <a:latin typeface="Inconsolata" panose="020B0609030003000000" pitchFamily="49" charset="77"/>
-              </a:rPr>
-              <a:t> </a:t>
-            </a:r>
-            <a:r>
-              <a:rPr lang="en-US" sz="2000" b="1" dirty="0">
-                <a:solidFill>
-                  <a:srgbClr val="34A327"/>
-                </a:solidFill>
-                <a:latin typeface="Inconsolata" panose="020B0609030003000000" pitchFamily="49" charset="77"/>
-              </a:rPr>
-              <a:t>enumerate</a:t>
-            </a:r>
-            <a:r>
-              <a:rPr lang="en-US" sz="2000" b="1" dirty="0">
-                <a:solidFill>
-                  <a:srgbClr val="000000"/>
-                </a:solidFill>
-                <a:latin typeface="Inconsolata" panose="020B0609030003000000" pitchFamily="49" charset="77"/>
-              </a:rPr>
-              <a:t>(</a:t>
-            </a:r>
-            <a:r>
-              <a:rPr lang="en-US" sz="2000" b="1" dirty="0" err="1">
-                <a:solidFill>
-                  <a:srgbClr val="000000"/>
-                </a:solidFill>
-                <a:latin typeface="Inconsolata" panose="020B0609030003000000" pitchFamily="49" charset="77"/>
-              </a:rPr>
-              <a:t>lst</a:t>
-            </a:r>
-            <a:r>
-              <a:rPr lang="en-US" sz="2000" b="1" dirty="0">
-                <a:solidFill>
-                  <a:srgbClr val="000000"/>
-                </a:solidFill>
-                <a:latin typeface="Inconsolata" panose="020B0609030003000000" pitchFamily="49" charset="77"/>
-              </a:rPr>
-              <a:t>): </a:t>
-            </a:r>
-          </a:p>
-          <a:p>
-            <a:pPr marL="0" indent="0">
-              <a:buNone/>
-            </a:pPr>
-            <a:r>
-              <a:rPr lang="en-US" sz="2000" b="1" dirty="0">
-                <a:solidFill>
-                  <a:srgbClr val="000000"/>
-                </a:solidFill>
-                <a:latin typeface="Inconsolata" panose="020B0609030003000000" pitchFamily="49" charset="77"/>
-              </a:rPr>
-              <a:t>     </a:t>
-            </a:r>
-            <a:r>
-              <a:rPr lang="en-US" sz="2000" b="1" dirty="0">
-                <a:solidFill>
-                  <a:srgbClr val="34A327"/>
-                </a:solidFill>
-                <a:latin typeface="Inconsolata" panose="020B0609030003000000" pitchFamily="49" charset="77"/>
-              </a:rPr>
-              <a:t>for</a:t>
-            </a:r>
-            <a:r>
-              <a:rPr lang="en-US" sz="2000" b="1" dirty="0">
-                <a:solidFill>
-                  <a:srgbClr val="000000"/>
-                </a:solidFill>
-                <a:latin typeface="Inconsolata" panose="020B0609030003000000" pitchFamily="49" charset="77"/>
-              </a:rPr>
-              <a:t> </a:t>
-            </a:r>
-            <a:r>
-              <a:rPr lang="en-US" sz="2000" b="1" dirty="0" err="1">
-                <a:solidFill>
-                  <a:srgbClr val="000000"/>
-                </a:solidFill>
-                <a:latin typeface="Inconsolata" panose="020B0609030003000000" pitchFamily="49" charset="77"/>
-              </a:rPr>
-              <a:t>col_ind</a:t>
-            </a:r>
-            <a:r>
-              <a:rPr lang="en-US" sz="2000" b="1" dirty="0">
-                <a:solidFill>
-                  <a:srgbClr val="000000"/>
-                </a:solidFill>
-                <a:latin typeface="Inconsolata" panose="020B0609030003000000" pitchFamily="49" charset="77"/>
-              </a:rPr>
-              <a:t>, value </a:t>
-            </a:r>
-            <a:r>
-              <a:rPr lang="en-US" sz="2000" b="1" dirty="0">
-                <a:solidFill>
-                  <a:srgbClr val="D03BFF"/>
-                </a:solidFill>
-                <a:latin typeface="Inconsolata" panose="020B0609030003000000" pitchFamily="49" charset="77"/>
-              </a:rPr>
-              <a:t>in</a:t>
-            </a:r>
-            <a:r>
-              <a:rPr lang="en-US" sz="2000" b="1" dirty="0">
-                <a:solidFill>
-                  <a:srgbClr val="000000"/>
-                </a:solidFill>
-                <a:latin typeface="Inconsolata" panose="020B0609030003000000" pitchFamily="49" charset="77"/>
-              </a:rPr>
-              <a:t> </a:t>
-            </a:r>
-            <a:r>
-              <a:rPr lang="en-US" sz="2000" b="1" dirty="0">
-                <a:solidFill>
-                  <a:srgbClr val="34A327"/>
-                </a:solidFill>
-                <a:latin typeface="Inconsolata" panose="020B0609030003000000" pitchFamily="49" charset="77"/>
-              </a:rPr>
-              <a:t>enumerate</a:t>
-            </a:r>
-            <a:r>
-              <a:rPr lang="en-US" sz="2000" b="1" dirty="0">
-                <a:solidFill>
-                  <a:srgbClr val="000000"/>
-                </a:solidFill>
-                <a:latin typeface="Inconsolata" panose="020B0609030003000000" pitchFamily="49" charset="77"/>
-              </a:rPr>
-              <a:t>(row): </a:t>
-            </a:r>
-          </a:p>
-          <a:p>
-            <a:pPr marL="0" indent="0">
-              <a:buNone/>
-            </a:pPr>
-            <a:r>
-              <a:rPr lang="en-US" sz="2000" b="1" dirty="0">
-                <a:solidFill>
-                  <a:srgbClr val="34A327"/>
-                </a:solidFill>
-                <a:latin typeface="Inconsolata" panose="020B0609030003000000" pitchFamily="49" charset="77"/>
-              </a:rPr>
-              <a:t>         </a:t>
-            </a:r>
-            <a:r>
-              <a:rPr lang="en-US" sz="2000" b="1" dirty="0" err="1">
-                <a:solidFill>
-                  <a:srgbClr val="000000"/>
-                </a:solidFill>
-                <a:latin typeface="Inconsolata" panose="020B0609030003000000" pitchFamily="49" charset="77"/>
-              </a:rPr>
-              <a:t>lst</a:t>
-            </a:r>
-            <a:r>
-              <a:rPr lang="en-US" sz="2000" b="1" dirty="0">
-                <a:solidFill>
-                  <a:srgbClr val="000000"/>
-                </a:solidFill>
-                <a:latin typeface="Inconsolata" panose="020B0609030003000000" pitchFamily="49" charset="77"/>
-              </a:rPr>
-              <a:t>[</a:t>
-            </a:r>
-            <a:r>
-              <a:rPr lang="en-US" sz="2000" b="1" dirty="0" err="1">
-                <a:solidFill>
-                  <a:srgbClr val="000000"/>
-                </a:solidFill>
-                <a:latin typeface="Inconsolata" panose="020B0609030003000000" pitchFamily="49" charset="77"/>
-              </a:rPr>
-              <a:t>row_ind</a:t>
-            </a:r>
-            <a:r>
-              <a:rPr lang="en-US" sz="2000" b="1" dirty="0">
-                <a:solidFill>
-                  <a:srgbClr val="000000"/>
-                </a:solidFill>
-                <a:latin typeface="Inconsolata" panose="020B0609030003000000" pitchFamily="49" charset="77"/>
-              </a:rPr>
-              <a:t>][</a:t>
-            </a:r>
-            <a:r>
-              <a:rPr lang="en-US" sz="2000" b="1" dirty="0" err="1">
-                <a:solidFill>
-                  <a:srgbClr val="000000"/>
-                </a:solidFill>
-                <a:latin typeface="Inconsolata" panose="020B0609030003000000" pitchFamily="49" charset="77"/>
-              </a:rPr>
-              <a:t>col_ind</a:t>
-            </a:r>
-            <a:r>
-              <a:rPr lang="en-US" sz="2000" b="1" dirty="0">
-                <a:solidFill>
-                  <a:srgbClr val="000000"/>
-                </a:solidFill>
-                <a:latin typeface="Inconsolata" panose="020B0609030003000000" pitchFamily="49" charset="77"/>
-              </a:rPr>
-              <a:t>] = </a:t>
-            </a:r>
-            <a:r>
-              <a:rPr lang="en-US" sz="2000" b="1" dirty="0">
-                <a:solidFill>
-                  <a:srgbClr val="34A327"/>
-                </a:solidFill>
-                <a:latin typeface="Inconsolata" panose="020B0609030003000000" pitchFamily="49" charset="77"/>
-              </a:rPr>
-              <a:t>3</a:t>
-            </a:r>
-            <a:r>
-              <a:rPr lang="en-US" sz="2000" b="1" dirty="0">
-                <a:solidFill>
-                  <a:srgbClr val="000000"/>
-                </a:solidFill>
-                <a:latin typeface="Inconsolata" panose="020B0609030003000000" pitchFamily="49" charset="77"/>
-              </a:rPr>
-              <a:t> </a:t>
-            </a:r>
-          </a:p>
-          <a:p>
-            <a:pPr marL="0" indent="0">
-              <a:buNone/>
-            </a:pPr>
-            <a:r>
-              <a:rPr lang="en-US" sz="2000" b="1" dirty="0">
-                <a:solidFill>
-                  <a:srgbClr val="000087"/>
-                </a:solidFill>
-                <a:latin typeface="Inconsolata" panose="020B0609030003000000" pitchFamily="49" charset="77"/>
-              </a:rPr>
-              <a:t>print(</a:t>
-            </a:r>
-            <a:r>
-              <a:rPr lang="en-US" sz="2000" b="1" dirty="0" err="1">
-                <a:solidFill>
-                  <a:srgbClr val="000087"/>
-                </a:solidFill>
-                <a:latin typeface="Inconsolata" panose="020B0609030003000000" pitchFamily="49" charset="77"/>
-              </a:rPr>
-              <a:t>lst</a:t>
-            </a:r>
-            <a:r>
-              <a:rPr lang="en-US" sz="2000" b="1" dirty="0">
-                <a:solidFill>
-                  <a:srgbClr val="000087"/>
-                </a:solidFill>
-                <a:latin typeface="Inconsolata" panose="020B0609030003000000" pitchFamily="49" charset="77"/>
-              </a:rPr>
-              <a:t>)</a:t>
-            </a:r>
-          </a:p>
-          <a:p>
-            <a:pPr marL="0" indent="0">
-              <a:buNone/>
-            </a:pPr>
-            <a:endParaRPr lang="en-US" sz="2000" b="1" dirty="0">
-              <a:solidFill>
-                <a:srgbClr val="000087"/>
-              </a:solidFill>
-              <a:latin typeface="Inconsolata" panose="020B0609030003000000" pitchFamily="49" charset="77"/>
-            </a:endParaRPr>
-          </a:p>
-          <a:p>
-            <a:pPr marL="0" indent="0">
-              <a:buNone/>
-            </a:pPr>
-            <a:r>
-              <a:rPr lang="en-US" sz="2000" b="1" dirty="0">
-                <a:latin typeface="Inconsolata" panose="020B0609030003000000" pitchFamily="49" charset="77"/>
-              </a:rPr>
-              <a:t>Output:</a:t>
-            </a:r>
-          </a:p>
-          <a:p>
-            <a:pPr marL="0" indent="0">
-              <a:buNone/>
-            </a:pPr>
-            <a:r>
-              <a:rPr lang="en-US" b="1" dirty="0">
-                <a:latin typeface="Inconsolata" panose="020B0609030003000000" pitchFamily="49" charset="77"/>
-              </a:rPr>
-              <a:t>[[3, 3, 3], [3, 3, 3], [3, 3, 3]]</a:t>
-            </a:r>
-          </a:p>
-          <a:p>
-            <a:pPr marL="0" indent="0">
-              <a:buNone/>
-            </a:pPr>
-            <a:endParaRPr lang="en-US" sz="2000" b="1" dirty="0">
-              <a:solidFill>
-                <a:srgbClr val="000087"/>
-              </a:solidFill>
-              <a:latin typeface="Inconsolata" panose="020B0609030003000000" pitchFamily="49" charset="77"/>
-            </a:endParaRPr>
-          </a:p>
-          <a:p>
-            <a:pPr marL="0" indent="0">
-              <a:buNone/>
-            </a:pPr>
-            <a:endParaRPr lang="en-US" sz="2000" b="1" dirty="0">
-              <a:latin typeface="Inconsolata" panose="020B0609030003000000" pitchFamily="49" charset="77"/>
-            </a:endParaRPr>
-          </a:p>
-          <a:p>
-            <a:pPr marL="0" indent="0">
-              <a:buNone/>
-            </a:pPr>
-            <a:endParaRPr lang="en-US" sz="2000" b="1" dirty="0">
-              <a:latin typeface="Inconsolata" panose="020B0609030003000000" pitchFamily="49" charset="77"/>
-            </a:endParaRPr>
-          </a:p>
-          <a:p>
-            <a:pPr marL="0" indent="0">
-              <a:buNone/>
-            </a:pPr>
-            <a:endParaRPr lang="en-US" sz="2000" b="1" dirty="0">
-              <a:latin typeface="Inconsolata" panose="020B0609030003000000" pitchFamily="49" charset="77"/>
-            </a:endParaRPr>
-          </a:p>
-          <a:p>
-            <a:pPr marL="0" indent="0">
-              <a:buNone/>
-            </a:pPr>
-            <a:r>
-              <a:rPr lang="en-US" dirty="0"/>
-              <a:t> 	                </a:t>
-            </a:r>
-          </a:p>
-          <a:p>
-            <a:pPr marL="0" indent="0">
-              <a:buNone/>
-            </a:pPr>
-            <a:endParaRPr lang="en-US" dirty="0"/>
-          </a:p>
-          <a:p>
-            <a:pPr marL="0" indent="0">
-              <a:buNone/>
-            </a:pPr>
-            <a:endParaRPr lang="en-US" dirty="0"/>
-          </a:p>
-          <a:p>
-            <a:pPr marL="0" indent="0">
-              <a:buNone/>
-            </a:pPr>
-            <a:r>
-              <a:rPr lang="en-US" dirty="0"/>
-              <a:t> </a:t>
-            </a:r>
-          </a:p>
-          <a:p>
-            <a:pPr marL="0" indent="0">
-              <a:buNone/>
-            </a:pPr>
-            <a:endParaRPr lang="en-US" dirty="0"/>
-          </a:p>
-          <a:p>
-            <a:pPr marL="0" indent="0">
-              <a:buNone/>
-            </a:pPr>
-            <a:endParaRPr lang="en-US" dirty="0"/>
-          </a:p>
-        </p:txBody>
-      </p:sp>
-    </p:spTree>
-    <p:extLst>
-      <p:ext uri="{BB962C8B-B14F-4D97-AF65-F5344CB8AC3E}">
-        <p14:creationId xmlns:p14="http://schemas.microsoft.com/office/powerpoint/2010/main" val="4020528382"/>
-      </p:ext>
-    </p:extLst>
-  </p:cSld>
-  <p:clrMapOvr>
-    <a:masterClrMapping/>
-  </p:clrMapOvr>
-  <p:timing>
-    <p:tnLst>
-      <p:par>
-        <p:cTn id="1" dur="indefinite" restart="never" nodeType="tmRoot">
-          <p:childTnLst>
-            <p:seq concurrent="1" nextAc="seek">
-              <p:cTn id="2" dur="indefinite" nodeType="mainSeq">
-                <p:childTnLst>
-                  <p:par>
-                    <p:cTn id="3" fill="hold">
-                      <p:stCondLst>
-                        <p:cond delay="indefinite"/>
-                      </p:stCondLst>
-                      <p:childTnLst>
-                        <p:par>
-                          <p:cTn id="4" fill="hold">
-                            <p:stCondLst>
-                              <p:cond delay="0"/>
-                            </p:stCondLst>
-                            <p:childTnLst>
-                              <p:par>
-                                <p:cTn id="5" presetID="1" presetClass="entr" presetSubtype="0" fill="hold" nodeType="clickEffect">
-                                  <p:stCondLst>
-                                    <p:cond delay="0"/>
-                                  </p:stCondLst>
-                                  <p:childTnLst>
-                                    <p:set>
-                                      <p:cBhvr>
-                                        <p:cTn id="6" dur="1" fill="hold">
-                                          <p:stCondLst>
-                                            <p:cond delay="0"/>
-                                          </p:stCondLst>
-                                        </p:cTn>
-                                        <p:tgtEl>
-                                          <p:spTgt spid="9">
-                                            <p:txEl>
-                                              <p:pRg st="2" end="2"/>
-                                            </p:txEl>
-                                          </p:spTgt>
-                                        </p:tgtEl>
-                                        <p:attrNameLst>
-                                          <p:attrName>style.visibility</p:attrName>
-                                        </p:attrNameLst>
-                                      </p:cBhvr>
-                                      <p:to>
-                                        <p:strVal val="visible"/>
-                                      </p:to>
-                                    </p:set>
-                                  </p:childTnLst>
-                                </p:cTn>
-                              </p:par>
-                              <p:par>
-                                <p:cTn id="7" presetID="1" presetClass="entr" presetSubtype="0" fill="hold" nodeType="withEffect">
-                                  <p:stCondLst>
-                                    <p:cond delay="0"/>
-                                  </p:stCondLst>
-                                  <p:childTnLst>
-                                    <p:set>
-                                      <p:cBhvr>
-                                        <p:cTn id="8" dur="1" fill="hold">
-                                          <p:stCondLst>
-                                            <p:cond delay="0"/>
-                                          </p:stCondLst>
-                                        </p:cTn>
-                                        <p:tgtEl>
-                                          <p:spTgt spid="9">
-                                            <p:txEl>
-                                              <p:pRg st="3" end="3"/>
-                                            </p:txEl>
-                                          </p:spTgt>
-                                        </p:tgtEl>
-                                        <p:attrNameLst>
-                                          <p:attrName>style.visibility</p:attrName>
-                                        </p:attrNameLst>
-                                      </p:cBhvr>
-                                      <p:to>
-                                        <p:strVal val="visible"/>
-                                      </p:to>
-                                    </p:set>
-                                  </p:childTnLst>
-                                </p:cTn>
-                              </p:par>
-                              <p:par>
-                                <p:cTn id="9" presetID="1" presetClass="entr" presetSubtype="0" fill="hold" nodeType="withEffect">
-                                  <p:stCondLst>
-                                    <p:cond delay="0"/>
-                                  </p:stCondLst>
-                                  <p:childTnLst>
-                                    <p:set>
-                                      <p:cBhvr>
-                                        <p:cTn id="10" dur="1" fill="hold">
-                                          <p:stCondLst>
-                                            <p:cond delay="0"/>
-                                          </p:stCondLst>
-                                        </p:cTn>
-                                        <p:tgtEl>
-                                          <p:spTgt spid="9">
-                                            <p:txEl>
-                                              <p:pRg st="4" end="4"/>
-                                            </p:txEl>
-                                          </p:spTgt>
-                                        </p:tgtEl>
-                                        <p:attrNameLst>
-                                          <p:attrName>style.visibility</p:attrName>
-                                        </p:attrNameLst>
-                                      </p:cBhvr>
-                                      <p:to>
-                                        <p:strVal val="visible"/>
-                                      </p:to>
-                                    </p:set>
-                                  </p:childTnLst>
-                                </p:cTn>
-                              </p:par>
-                            </p:childTnLst>
-                          </p:cTn>
-                        </p:par>
-                      </p:childTnLst>
-                    </p:cTn>
-                  </p:par>
-                  <p:par>
-                    <p:cTn id="11" fill="hold">
-                      <p:stCondLst>
-                        <p:cond delay="indefinite"/>
-                      </p:stCondLst>
-                      <p:childTnLst>
-                        <p:par>
-                          <p:cTn id="12" fill="hold">
-                            <p:stCondLst>
-                              <p:cond delay="0"/>
-                            </p:stCondLst>
-                            <p:childTnLst>
-                              <p:par>
-                                <p:cTn id="13" presetID="1" presetClass="entr" presetSubtype="0" fill="hold" nodeType="clickEffect">
-                                  <p:stCondLst>
-                                    <p:cond delay="0"/>
-                                  </p:stCondLst>
-                                  <p:childTnLst>
-                                    <p:set>
-                                      <p:cBhvr>
-                                        <p:cTn id="14" dur="1" fill="hold">
-                                          <p:stCondLst>
-                                            <p:cond delay="0"/>
-                                          </p:stCondLst>
-                                        </p:cTn>
-                                        <p:tgtEl>
-                                          <p:spTgt spid="9">
-                                            <p:txEl>
-                                              <p:pRg st="5" end="5"/>
-                                            </p:txEl>
-                                          </p:spTgt>
-                                        </p:tgtEl>
-                                        <p:attrNameLst>
-                                          <p:attrName>style.visibility</p:attrName>
-                                        </p:attrNameLst>
-                                      </p:cBhvr>
-                                      <p:to>
-                                        <p:strVal val="visible"/>
-                                      </p:to>
-                                    </p:set>
-                                  </p:childTnLst>
-                                </p:cTn>
-                              </p:par>
-                              <p:par>
-                                <p:cTn id="15" presetID="1" presetClass="entr" presetSubtype="0" fill="hold" nodeType="withEffect">
-                                  <p:stCondLst>
-                                    <p:cond delay="0"/>
-                                  </p:stCondLst>
-                                  <p:childTnLst>
-                                    <p:set>
-                                      <p:cBhvr>
-                                        <p:cTn id="16" dur="1" fill="hold">
-                                          <p:stCondLst>
-                                            <p:cond delay="0"/>
-                                          </p:stCondLst>
-                                        </p:cTn>
-                                        <p:tgtEl>
-                                          <p:spTgt spid="9">
-                                            <p:txEl>
-                                              <p:pRg st="6" end="6"/>
-                                            </p:txEl>
-                                          </p:spTgt>
-                                        </p:tgtEl>
-                                        <p:attrNameLst>
-                                          <p:attrName>style.visibility</p:attrName>
-                                        </p:attrNameLst>
-                                      </p:cBhvr>
-                                      <p:to>
-                                        <p:strVal val="visible"/>
-                                      </p:to>
-                                    </p:set>
-                                  </p:childTnLst>
-                                </p:cTn>
-                              </p:par>
-                              <p:par>
-                                <p:cTn id="17" presetID="1" presetClass="entr" presetSubtype="0" fill="hold" nodeType="withEffect">
-                                  <p:stCondLst>
-                                    <p:cond delay="0"/>
-                                  </p:stCondLst>
-                                  <p:childTnLst>
-                                    <p:set>
-                                      <p:cBhvr>
-                                        <p:cTn id="18" dur="1" fill="hold">
-                                          <p:stCondLst>
-                                            <p:cond delay="0"/>
-                                          </p:stCondLst>
-                                        </p:cTn>
-                                        <p:tgtEl>
-                                          <p:spTgt spid="9">
-                                            <p:txEl>
-                                              <p:pRg st="7" end="7"/>
-                                            </p:txEl>
-                                          </p:spTgt>
-                                        </p:tgtEl>
-                                        <p:attrNameLst>
-                                          <p:attrName>style.visibility</p:attrName>
-                                        </p:attrNameLst>
-                                      </p:cBhvr>
-                                      <p:to>
-                                        <p:strVal val="visible"/>
-                                      </p:to>
-                                    </p:set>
-                                  </p:childTnLst>
-                                </p:cTn>
-                              </p:par>
-                            </p:childTnLst>
-                          </p:cTn>
-                        </p:par>
-                      </p:childTnLst>
-                    </p:cTn>
-                  </p:par>
-                  <p:par>
-                    <p:cTn id="19" fill="hold">
-                      <p:stCondLst>
-                        <p:cond delay="indefinite"/>
-                      </p:stCondLst>
-                      <p:childTnLst>
-                        <p:par>
-                          <p:cTn id="20" fill="hold">
-                            <p:stCondLst>
-                              <p:cond delay="0"/>
-                            </p:stCondLst>
-                            <p:childTnLst>
-                              <p:par>
-                                <p:cTn id="21" presetID="1" presetClass="entr" presetSubtype="0" fill="hold" nodeType="clickEffect">
-                                  <p:stCondLst>
-                                    <p:cond delay="0"/>
-                                  </p:stCondLst>
-                                  <p:childTnLst>
-                                    <p:set>
-                                      <p:cBhvr>
-                                        <p:cTn id="22" dur="1" fill="hold">
-                                          <p:stCondLst>
-                                            <p:cond delay="0"/>
-                                          </p:stCondLst>
-                                        </p:cTn>
-                                        <p:tgtEl>
-                                          <p:spTgt spid="9">
-                                            <p:txEl>
-                                              <p:pRg st="8" end="8"/>
-                                            </p:txEl>
-                                          </p:spTgt>
-                                        </p:tgtEl>
-                                        <p:attrNameLst>
-                                          <p:attrName>style.visibility</p:attrName>
-                                        </p:attrNameLst>
-                                      </p:cBhvr>
-                                      <p:to>
-                                        <p:strVal val="visible"/>
-                                      </p:to>
-                                    </p:set>
-                                  </p:childTnLst>
-                                </p:cTn>
-                              </p:par>
-                            </p:childTnLst>
-                          </p:cTn>
-                        </p:par>
-                      </p:childTnLst>
-                    </p:cTn>
-                  </p:par>
-                  <p:par>
-                    <p:cTn id="23" fill="hold">
-                      <p:stCondLst>
-                        <p:cond delay="indefinite"/>
-                      </p:stCondLst>
-                      <p:childTnLst>
-                        <p:par>
-                          <p:cTn id="24" fill="hold">
-                            <p:stCondLst>
-                              <p:cond delay="0"/>
-                            </p:stCondLst>
-                            <p:childTnLst>
-                              <p:par>
-                                <p:cTn id="25" presetID="1" presetClass="entr" presetSubtype="0" fill="hold" nodeType="clickEffect">
-                                  <p:stCondLst>
-                                    <p:cond delay="0"/>
-                                  </p:stCondLst>
-                                  <p:childTnLst>
-                                    <p:set>
-                                      <p:cBhvr>
-                                        <p:cTn id="26" dur="1" fill="hold">
-                                          <p:stCondLst>
-                                            <p:cond delay="0"/>
-                                          </p:stCondLst>
-                                        </p:cTn>
-                                        <p:tgtEl>
-                                          <p:spTgt spid="9">
-                                            <p:txEl>
-                                              <p:pRg st="10" end="10"/>
-                                            </p:txEl>
-                                          </p:spTgt>
-                                        </p:tgtEl>
-                                        <p:attrNameLst>
-                                          <p:attrName>style.visibility</p:attrName>
-                                        </p:attrNameLst>
-                                      </p:cBhvr>
-                                      <p:to>
-                                        <p:strVal val="visible"/>
-                                      </p:to>
-                                    </p:set>
-                                  </p:childTnLst>
-                                </p:cTn>
-                              </p:par>
-                              <p:par>
-                                <p:cTn id="27" presetID="1" presetClass="entr" presetSubtype="0" fill="hold" nodeType="withEffect">
-                                  <p:stCondLst>
-                                    <p:cond delay="0"/>
-                                  </p:stCondLst>
-                                  <p:childTnLst>
-                                    <p:set>
-                                      <p:cBhvr>
-                                        <p:cTn id="28" dur="1" fill="hold">
-                                          <p:stCondLst>
-                                            <p:cond delay="0"/>
-                                          </p:stCondLst>
-                                        </p:cTn>
-                                        <p:tgtEl>
-                                          <p:spTgt spid="9">
-                                            <p:txEl>
-                                              <p:pRg st="11" end="11"/>
                                             </p:txEl>
                                           </p:spTgt>
                                         </p:tgtEl>
@@ -10481,12 +10328,50 @@
               </a:rPr>
               <a:t># 3.1</a:t>
             </a:r>
-            <a:endParaRPr lang="en-US" sz="2400" b="1" dirty="0">
-              <a:solidFill>
-                <a:schemeClr val="accent1"/>
-              </a:solidFill>
-              <a:latin typeface="Inconsolata" panose="020B0609030003000000" pitchFamily="49" charset="77"/>
-            </a:endParaRPr>
+          </a:p>
+          <a:p>
+            <a:pPr marL="0" indent="0">
+              <a:buNone/>
+            </a:pPr>
+            <a:r>
+              <a:rPr lang="en-US" sz="2400" b="1" dirty="0">
+                <a:solidFill>
+                  <a:srgbClr val="000087"/>
+                </a:solidFill>
+                <a:latin typeface="Inconsolata" panose="020B0609030003000000" pitchFamily="49" charset="77"/>
+              </a:rPr>
+              <a:t>print(data</a:t>
+            </a:r>
+            <a:r>
+              <a:rPr lang="en-US" sz="2400" b="1" dirty="0">
+                <a:latin typeface="Inconsolata" panose="020B0609030003000000" pitchFamily="49" charset="77"/>
+              </a:rPr>
+              <a:t>[</a:t>
+            </a:r>
+            <a:r>
+              <a:rPr lang="en-US" sz="2400" b="1" dirty="0">
+                <a:solidFill>
+                  <a:srgbClr val="CC3300"/>
+                </a:solidFill>
+                <a:latin typeface="Inconsolata" panose="020B0609030003000000" pitchFamily="49" charset="77"/>
+              </a:rPr>
+              <a:t>"John"</a:t>
+            </a:r>
+            <a:r>
+              <a:rPr lang="en-US" sz="2400" b="1" dirty="0">
+                <a:latin typeface="Inconsolata" panose="020B0609030003000000" pitchFamily="49" charset="77"/>
+              </a:rPr>
+              <a:t>]) 		</a:t>
+            </a:r>
+            <a:r>
+              <a:rPr lang="en-US" sz="2400" b="1" dirty="0">
+                <a:solidFill>
+                  <a:schemeClr val="accent1"/>
+                </a:solidFill>
+                <a:latin typeface="Inconsolata" panose="020B0609030003000000" pitchFamily="49" charset="77"/>
+              </a:rPr>
+              <a:t># 3.4</a:t>
+            </a:r>
           </a:p>
           <a:p>
             <a:pPr marL="0" indent="0">
@@ -10766,6 +10651,55 @@
                                           <p:spTgt spid="9">
                                             <p:txEl>
                                               <p:pRg st="6" end="6"/>
+                                            </p:txEl>
+                                          </p:spTgt>
+                                        </p:tgtEl>
+                                        <p:attrNameLst>
+                                          <p:attrName>style.visibility</p:attrName>
+                                        </p:attrNameLst>
+                                      </p:cBhvr>
+                                      <p:to>
+                                        <p:strVal val="visible"/>
+                                      </p:to>
+                                    </p:set>
+                                  </p:childTnLst>
+                                </p:cTn>
+                              </p:par>
+                            </p:childTnLst>
+                          </p:cTn>
+                        </p:par>
+                      </p:childTnLst>
+                    </p:cTn>
+                  </p:par>
+                  <p:par>
+                    <p:cTn id="17" fill="hold">
+                      <p:stCondLst>
+                        <p:cond delay="indefinite"/>
+                      </p:stCondLst>
+                      <p:childTnLst>
+                        <p:par>
+                          <p:cTn id="18" fill="hold">
+                            <p:stCondLst>
+                              <p:cond delay="0"/>
+                            </p:stCondLst>
+                            <p:childTnLst>
+                              <p:par>
+                                <p:cTn id="19" presetID="1" presetClass="entr" presetSubtype="0" fill="hold" nodeType="clickEffect">
+                                  <p:stCondLst>
+                                    <p:cond delay="0"/>
+                                  </p:stCondLst>
+                                  <p:childTnLst>
+                                    <p:set>
+                                      <p:cBhvr>
+                                        <p:cTn id="20" dur="1" fill="hold">
+                                          <p:stCondLst>
+                                            <p:cond delay="0"/>
+                                          </p:stCondLst>
+                                        </p:cTn>
+                                        <p:tgtEl>
+                                          <p:spTgt spid="9">
+                                            <p:txEl>
+                                              <p:pRg st="7" end="7"/>
                                             </p:txEl>
                                           </p:spTgt>
                                         </p:tgtEl>
@@ -18699,33 +18633,15 @@
                                   </p:childTnLst>
                                 </p:cTn>
                               </p:par>
-                            </p:childTnLst>
-                          </p:cTn>
-                        </p:par>
-                      </p:childTnLst>
-                    </p:cTn>
-                  </p:par>
-                  <p:par>
-                    <p:cTn id="7" fill="hold">
-                      <p:stCondLst>
-                        <p:cond delay="indefinite"/>
-                      </p:stCondLst>
-                      <p:childTnLst>
-                        <p:par>
-                          <p:cTn id="8" fill="hold">
-                            <p:stCondLst>
-                              <p:cond delay="0"/>
-                            </p:stCondLst>
-                            <p:childTnLst>
                               <p:par>
-                                <p:cTn id="9" presetID="1" presetClass="entr" presetSubtype="0" fill="hold" nodeType="clickEffect">
+                                <p:cTn id="7" presetID="1" presetClass="entr" presetSubtype="0" fill="hold" nodeType="withEffect">
                                   <p:stCondLst>
                                     <p:cond delay="0"/>
                                   </p:stCondLst>
                                   <p:childTnLst>
                                     <p:set>
                                       <p:cBhvr>
-                                        <p:cTn id="10" dur="1" fill="hold">
+                                        <p:cTn id="8" dur="1" fill="hold">
                                           <p:stCondLst>
                                             <p:cond delay="0"/>
                                           </p:stCondLst>
@@ -18748,8 +18664,26 @@
                                   </p:childTnLst>
                                 </p:cTn>
                               </p:par>
+                            </p:childTnLst>
+                          </p:cTn>
+                        </p:par>
+                      </p:childTnLst>
+                    </p:cTn>
+                  </p:par>
+                  <p:par>
+                    <p:cTn id="9" fill="hold">
+                      <p:stCondLst>
+                        <p:cond delay="indefinite"/>
+                      </p:stCondLst>
+                      <p:childTnLst>
+                        <p:par>
+                          <p:cTn id="10" fill="hold">
+                            <p:stCondLst>
+                              <p:cond delay="0"/>
+                            </p:stCondLst>
+                            <p:childTnLst>
                               <p:par>
-                                <p:cTn id="11" presetID="1" presetClass="entr" presetSubtype="0" fill="hold" nodeType="withEffect">
+                                <p:cTn id="11" presetID="1" presetClass="entr" presetSubtype="0" fill="hold" nodeType="clickEffect">
                                   <p:stCondLst>
                                     <p:cond delay="0"/>
                                   </p:stCondLst>
@@ -19047,7 +18981,18 @@
               <a:rPr lang="en-US" b="1" dirty="0">
                 <a:latin typeface="Inconsolata" panose="020B0609030003000000" pitchFamily="49" charset="77"/>
               </a:rPr>
-              <a:t>	print(x)</a:t>
+              <a:t>	print(x, end=" ")</a:t>
+            </a:r>
+          </a:p>
+          <a:p>
+            <a:pPr marL="0" indent="0">
+              <a:buNone/>
+            </a:pPr>
+            <a:r>
+              <a:rPr lang="en-US" b="1" dirty="0">
+                <a:latin typeface="Inconsolata" panose="020B0609030003000000" pitchFamily="49" charset="77"/>
+              </a:rPr>
+              <a:t>1 2 3 </a:t>
             </a:r>
           </a:p>
           <a:p>
@@ -19151,16 +19096,19 @@
               <a:rPr lang="en-US" b="1" dirty="0">
                 <a:latin typeface="Inconsolata" panose="020B0609030003000000" pitchFamily="49" charset="77"/>
               </a:rPr>
-              <a:t>	print(y)</a:t>
-            </a:r>
-          </a:p>
-          <a:p>
-            <a:pPr marL="0" indent="0">
-              <a:buNone/>
-            </a:pPr>
-            <a:endParaRPr lang="en-US" b="1" dirty="0">
-              <a:latin typeface="Inconsolata" panose="020B0609030003000000" pitchFamily="49" charset="77"/>
-            </a:endParaRPr>
+              <a:t>	print(y, end=" ")</a:t>
+            </a:r>
+          </a:p>
+          <a:p>
+            <a:pPr marL="0" indent="0">
+              <a:buNone/>
+            </a:pPr>
+            <a:r>
+              <a:rPr lang="en-US" b="1" dirty="0">
+                <a:latin typeface="Inconsolata" panose="020B0609030003000000" pitchFamily="49" charset="77"/>
+              </a:rPr>
+              <a:t>1 2 3</a:t>
+            </a:r>
           </a:p>
           <a:p>
             <a:pPr marL="0" indent="0">
@@ -19243,7 +19191,7 @@
                                         <p:tgtEl>
                                           <p:spTgt spid="9">
                                             <p:txEl>
-                                              <p:pRg st="2" end="2"/>
+                                              <p:pRg st="5" end="5"/>
                                             </p:txEl>
                                           </p:spTgt>
                                         </p:tgtEl>
@@ -19292,7 +19240,7 @@
                                         <p:tgtEl>
                                           <p:spTgt spid="9">
                                             <p:txEl>
-                                              <p:pRg st="3" end="3"/>
+                                              <p:pRg st="7" end="7"/>
                                             </p:txEl>
                                           </p:spTgt>
                                         </p:tgtEl>
@@ -19341,7 +19289,7 @@
                                         <p:tgtEl>
                                           <p:spTgt spid="9">
                                             <p:txEl>
-                                              <p:pRg st="4" end="4"/>
+                                              <p:pRg st="8" end="8"/>
                                             </p:txEl>
                                           </p:spTgt>
                                         </p:tgtEl>
@@ -19372,7 +19320,7 @@
                                         <p:tgtEl>
                                           <p:spTgt spid="9">
                                             <p:txEl>
-                                              <p:pRg st="6" end="6"/>
+                                              <p:pRg st="9" end="9"/>
                                             </p:txEl>
                                           </p:spTgt>
                                         </p:tgtEl>
@@ -19387,39 +19335,26 @@
                                   </p:childTnLst>
                                 </p:cTn>
                               </p:par>
+                            </p:childTnLst>
+                          </p:cTn>
+                        </p:par>
+                      </p:childTnLst>
+                    </p:cTn>
+                  </p:par>
+                  <p:par>
+                    <p:cTn id="17" fill="hold">
+                      <p:stCondLst>
+                        <p:cond delay="indefinite"/>
+                      </p:stCondLst>
+                      <p:childTnLst>
+                        <p:par>
+                          <p:cTn id="18" fill="hold">
+                            <p:stCondLst>
+                              <p:cond delay="0"/>
+                            </p:stCondLst>
+                            <p:childTnLst>
                               <p:par>
-                                <p:cTn id="17" presetID="1" presetClass="entr" presetSubtype="0" fill="hold" nodeType="withEffect">
-                                  <p:stCondLst>
-                                    <p:cond delay="0"/>
-                                  </p:stCondLst>
-                                  <p:childTnLst>
-                                    <p:set>
-                                      <p:cBhvr>
-                                        <p:cTn id="18" dur="1" fill="hold">
-                                          <p:stCondLst>
-                                            <p:cond delay="0"/>
-                                          </p:stCondLst>
-                                        </p:cTn>
-                                        <p:tgtEl>
-                                          <p:spTgt spid="9">
-                                            <p:txEl>
-                                              <p:pRg st="7" end="7"/>
-                                            </p:txEl>
-                                          </p:spTgt>
-                                        </p:tgtEl>
-                                        <p:attrNameLst>
-                                          <p:attrName>style.visibility</p:attrName>
-                                        </p:attrNameLst>
-                                      </p:cBhvr>
-                                      <p:to>
-                                        <p:strVal val="visible"/>
-                                      </p:to>
-                                    </p:set>
-                                  </p:childTnLst>
-                                </p:cTn>
-                              </p:par>
-                              <p:par>
-                                <p:cTn id="19" presetID="1" presetClass="entr" presetSubtype="0" fill="hold" nodeType="withEffect">
+                                <p:cTn id="19" presetID="1" presetClass="entr" presetSubtype="0" fill="hold" nodeType="clickEffect">
                                   <p:stCondLst>
                                     <p:cond delay="0"/>
                                   </p:stCondLst>
@@ -19434,7 +19369,7 @@
                                         <p:tgtEl>
                                           <p:spTgt spid="9">
                                             <p:txEl>
-                                              <p:pRg st="8" end="8"/>
+                                              <p:pRg st="10" end="10"/>
                                             </p:txEl>
                                           </p:spTgt>
                                         </p:tgtEl>

--- a/courses/apcsp/lect9.pptx
+++ b/courses/apcsp/lect9.pptx
@@ -19,18 +19,17 @@
     <p:sldId id="337" r:id="rId13"/>
     <p:sldId id="354" r:id="rId14"/>
     <p:sldId id="344" r:id="rId15"/>
-    <p:sldId id="345" r:id="rId16"/>
+    <p:sldId id="355" r:id="rId16"/>
     <p:sldId id="347" r:id="rId17"/>
     <p:sldId id="313" r:id="rId18"/>
     <p:sldId id="339" r:id="rId19"/>
     <p:sldId id="314" r:id="rId20"/>
     <p:sldId id="338" r:id="rId21"/>
-    <p:sldId id="342" r:id="rId22"/>
-    <p:sldId id="325" r:id="rId23"/>
-    <p:sldId id="353" r:id="rId24"/>
-    <p:sldId id="318" r:id="rId25"/>
-    <p:sldId id="340" r:id="rId26"/>
-    <p:sldId id="284" r:id="rId27"/>
+    <p:sldId id="325" r:id="rId22"/>
+    <p:sldId id="353" r:id="rId23"/>
+    <p:sldId id="318" r:id="rId24"/>
+    <p:sldId id="340" r:id="rId25"/>
+    <p:sldId id="284" r:id="rId26"/>
   </p:sldIdLst>
   <p:sldSz cx="9144000" cy="5715000" type="screen16x10"/>
   <p:notesSz cx="6858000" cy="9144000"/>
@@ -140,7 +139,7 @@
 <file path=ppt/revisionInfo.xml><?xml version="1.0" encoding="utf-8"?>
 <p1510:revInfo xmlns:a="http://schemas.openxmlformats.org/drawingml/2006/main" xmlns:r="http://schemas.openxmlformats.org/officeDocument/2006/relationships" xmlns:p1510="http://schemas.microsoft.com/office/powerpoint/2015/10/main">
   <p1510:revLst>
-    <p1510:client id="{0D22434F-C429-584D-952F-0619514BBCC8}" v="202" dt="2021-12-06T13:59:35.958"/>
+    <p1510:client id="{0D22434F-C429-584D-952F-0619514BBCC8}" v="393" dt="2021-12-07T14:02:27.557"/>
   </p1510:revLst>
 </p1510:revInfo>
 </file>
@@ -1876,11 +1875,26 @@
   </pc:docChgLst>
   <pc:docChgLst>
     <pc:chgData name="Long B Nguyen" userId="f59fb8f3-a021-417a-8bc1-65c8d471c621" providerId="ADAL" clId="{0D22434F-C429-584D-952F-0619514BBCC8}"/>
-    <pc:docChg chg="addSld delSld modSld">
-      <pc:chgData name="Long B Nguyen" userId="f59fb8f3-a021-417a-8bc1-65c8d471c621" providerId="ADAL" clId="{0D22434F-C429-584D-952F-0619514BBCC8}" dt="2021-12-06T13:59:35.957" v="213"/>
+    <pc:docChg chg="custSel addSld delSld modSld">
+      <pc:chgData name="Long B Nguyen" userId="f59fb8f3-a021-417a-8bc1-65c8d471c621" providerId="ADAL" clId="{0D22434F-C429-584D-952F-0619514BBCC8}" dt="2021-12-07T14:02:27.557" v="596"/>
       <pc:docMkLst>
         <pc:docMk/>
       </pc:docMkLst>
+      <pc:sldChg chg="addSp modSp mod modAnim">
+        <pc:chgData name="Long B Nguyen" userId="f59fb8f3-a021-417a-8bc1-65c8d471c621" providerId="ADAL" clId="{0D22434F-C429-584D-952F-0619514BBCC8}" dt="2021-12-07T14:01:51.428" v="588"/>
+        <pc:sldMkLst>
+          <pc:docMk/>
+          <pc:sldMk cId="67073653" sldId="318"/>
+        </pc:sldMkLst>
+        <pc:spChg chg="add mod">
+          <ac:chgData name="Long B Nguyen" userId="f59fb8f3-a021-417a-8bc1-65c8d471c621" providerId="ADAL" clId="{0D22434F-C429-584D-952F-0619514BBCC8}" dt="2021-12-07T14:01:26.684" v="582" actId="20577"/>
+          <ac:spMkLst>
+            <pc:docMk/>
+            <pc:sldMk cId="67073653" sldId="318"/>
+            <ac:spMk id="4" creationId="{B120B374-FD67-424B-9A0C-7ADC1073D03D}"/>
+          </ac:spMkLst>
+        </pc:spChg>
+      </pc:sldChg>
       <pc:sldChg chg="modAnim">
         <pc:chgData name="Long B Nguyen" userId="f59fb8f3-a021-417a-8bc1-65c8d471c621" providerId="ADAL" clId="{0D22434F-C429-584D-952F-0619514BBCC8}" dt="2021-12-06T13:51:15.184" v="1"/>
         <pc:sldMkLst>
@@ -1889,14 +1903,21 @@
         </pc:sldMkLst>
       </pc:sldChg>
       <pc:sldChg chg="modAnim">
-        <pc:chgData name="Long B Nguyen" userId="f59fb8f3-a021-417a-8bc1-65c8d471c621" providerId="ADAL" clId="{0D22434F-C429-584D-952F-0619514BBCC8}" dt="2021-12-06T13:52:49.483" v="37"/>
+        <pc:chgData name="Long B Nguyen" userId="f59fb8f3-a021-417a-8bc1-65c8d471c621" providerId="ADAL" clId="{0D22434F-C429-584D-952F-0619514BBCC8}" dt="2021-12-07T12:53:46.084" v="221"/>
         <pc:sldMkLst>
           <pc:docMk/>
           <pc:sldMk cId="1289346350" sldId="323"/>
         </pc:sldMkLst>
       </pc:sldChg>
-      <pc:sldChg chg="modSp">
-        <pc:chgData name="Long B Nguyen" userId="f59fb8f3-a021-417a-8bc1-65c8d471c621" providerId="ADAL" clId="{0D22434F-C429-584D-952F-0619514BBCC8}" dt="2021-12-06T13:53:24.599" v="38" actId="207"/>
+      <pc:sldChg chg="modAnim">
+        <pc:chgData name="Long B Nguyen" userId="f59fb8f3-a021-417a-8bc1-65c8d471c621" providerId="ADAL" clId="{0D22434F-C429-584D-952F-0619514BBCC8}" dt="2021-12-07T13:59:26.855" v="407"/>
+        <pc:sldMkLst>
+          <pc:docMk/>
+          <pc:sldMk cId="1133323522" sldId="325"/>
+        </pc:sldMkLst>
+      </pc:sldChg>
+      <pc:sldChg chg="modSp modAnim">
+        <pc:chgData name="Long B Nguyen" userId="f59fb8f3-a021-417a-8bc1-65c8d471c621" providerId="ADAL" clId="{0D22434F-C429-584D-952F-0619514BBCC8}" dt="2021-12-07T13:49:41.949" v="239"/>
         <pc:sldMkLst>
           <pc:docMk/>
           <pc:sldMk cId="2765901336" sldId="337"/>
@@ -1910,17 +1931,91 @@
           </ac:spMkLst>
         </pc:spChg>
       </pc:sldChg>
+      <pc:sldChg chg="modAnim">
+        <pc:chgData name="Long B Nguyen" userId="f59fb8f3-a021-417a-8bc1-65c8d471c621" providerId="ADAL" clId="{0D22434F-C429-584D-952F-0619514BBCC8}" dt="2021-12-07T13:56:25.748" v="358"/>
+        <pc:sldMkLst>
+          <pc:docMk/>
+          <pc:sldMk cId="2368568690" sldId="338"/>
+        </pc:sldMkLst>
+      </pc:sldChg>
       <pc:sldChg chg="modSp modAnim">
-        <pc:chgData name="Long B Nguyen" userId="f59fb8f3-a021-417a-8bc1-65c8d471c621" providerId="ADAL" clId="{0D22434F-C429-584D-952F-0619514BBCC8}" dt="2021-12-06T13:59:35.957" v="213"/>
+        <pc:chgData name="Long B Nguyen" userId="f59fb8f3-a021-417a-8bc1-65c8d471c621" providerId="ADAL" clId="{0D22434F-C429-584D-952F-0619514BBCC8}" dt="2021-12-07T13:58:54.357" v="403" actId="20577"/>
         <pc:sldMkLst>
           <pc:docMk/>
           <pc:sldMk cId="3131687406" sldId="339"/>
         </pc:sldMkLst>
         <pc:spChg chg="mod">
-          <ac:chgData name="Long B Nguyen" userId="f59fb8f3-a021-417a-8bc1-65c8d471c621" providerId="ADAL" clId="{0D22434F-C429-584D-952F-0619514BBCC8}" dt="2021-12-06T13:59:30.773" v="212" actId="20577"/>
+          <ac:chgData name="Long B Nguyen" userId="f59fb8f3-a021-417a-8bc1-65c8d471c621" providerId="ADAL" clId="{0D22434F-C429-584D-952F-0619514BBCC8}" dt="2021-12-07T13:58:54.357" v="403" actId="20577"/>
           <ac:spMkLst>
             <pc:docMk/>
             <pc:sldMk cId="3131687406" sldId="339"/>
+            <ac:spMk id="9" creationId="{E3B2E017-30B2-884B-A113-B419A2ED51AD}"/>
+          </ac:spMkLst>
+        </pc:spChg>
+      </pc:sldChg>
+      <pc:sldChg chg="modAnim">
+        <pc:chgData name="Long B Nguyen" userId="f59fb8f3-a021-417a-8bc1-65c8d471c621" providerId="ADAL" clId="{0D22434F-C429-584D-952F-0619514BBCC8}" dt="2021-12-07T14:02:27.557" v="596"/>
+        <pc:sldMkLst>
+          <pc:docMk/>
+          <pc:sldMk cId="994161803" sldId="340"/>
+        </pc:sldMkLst>
+      </pc:sldChg>
+      <pc:sldChg chg="modAnim">
+        <pc:chgData name="Long B Nguyen" userId="f59fb8f3-a021-417a-8bc1-65c8d471c621" providerId="ADAL" clId="{0D22434F-C429-584D-952F-0619514BBCC8}" dt="2021-12-07T12:54:06.216" v="226"/>
+        <pc:sldMkLst>
+          <pc:docMk/>
+          <pc:sldMk cId="2834108163" sldId="341"/>
+        </pc:sldMkLst>
+      </pc:sldChg>
+      <pc:sldChg chg="del">
+        <pc:chgData name="Long B Nguyen" userId="f59fb8f3-a021-417a-8bc1-65c8d471c621" providerId="ADAL" clId="{0D22434F-C429-584D-952F-0619514BBCC8}" dt="2021-12-07T13:56:49.426" v="359" actId="2696"/>
+        <pc:sldMkLst>
+          <pc:docMk/>
+          <pc:sldMk cId="2283393882" sldId="342"/>
+        </pc:sldMkLst>
+      </pc:sldChg>
+      <pc:sldChg chg="addSp modSp mod modAnim">
+        <pc:chgData name="Long B Nguyen" userId="f59fb8f3-a021-417a-8bc1-65c8d471c621" providerId="ADAL" clId="{0D22434F-C429-584D-952F-0619514BBCC8}" dt="2021-12-07T13:53:43.279" v="315"/>
+        <pc:sldMkLst>
+          <pc:docMk/>
+          <pc:sldMk cId="3596157879" sldId="344"/>
+        </pc:sldMkLst>
+        <pc:spChg chg="add mod">
+          <ac:chgData name="Long B Nguyen" userId="f59fb8f3-a021-417a-8bc1-65c8d471c621" providerId="ADAL" clId="{0D22434F-C429-584D-952F-0619514BBCC8}" dt="2021-12-07T13:53:19.164" v="311" actId="1076"/>
+          <ac:spMkLst>
+            <pc:docMk/>
+            <pc:sldMk cId="3596157879" sldId="344"/>
+            <ac:spMk id="4" creationId="{95F18400-9045-2945-A4D6-189BA7B15B10}"/>
+          </ac:spMkLst>
+        </pc:spChg>
+        <pc:cxnChg chg="add mod">
+          <ac:chgData name="Long B Nguyen" userId="f59fb8f3-a021-417a-8bc1-65c8d471c621" providerId="ADAL" clId="{0D22434F-C429-584D-952F-0619514BBCC8}" dt="2021-12-07T13:53:19.164" v="311" actId="1076"/>
+          <ac:cxnSpMkLst>
+            <pc:docMk/>
+            <pc:sldMk cId="3596157879" sldId="344"/>
+            <ac:cxnSpMk id="5" creationId="{211A0A9C-9AA0-7A40-8DDE-6C34F2EB5427}"/>
+          </ac:cxnSpMkLst>
+        </pc:cxnChg>
+      </pc:sldChg>
+      <pc:sldChg chg="addSp delSp modSp del mod">
+        <pc:chgData name="Long B Nguyen" userId="f59fb8f3-a021-417a-8bc1-65c8d471c621" providerId="ADAL" clId="{0D22434F-C429-584D-952F-0619514BBCC8}" dt="2021-12-07T13:54:05.165" v="316" actId="2696"/>
+        <pc:sldMkLst>
+          <pc:docMk/>
+          <pc:sldMk cId="1211608734" sldId="345"/>
+        </pc:sldMkLst>
+        <pc:spChg chg="add del mod">
+          <ac:chgData name="Long B Nguyen" userId="f59fb8f3-a021-417a-8bc1-65c8d471c621" providerId="ADAL" clId="{0D22434F-C429-584D-952F-0619514BBCC8}" dt="2021-12-07T13:51:42.343" v="253"/>
+          <ac:spMkLst>
+            <pc:docMk/>
+            <pc:sldMk cId="1211608734" sldId="345"/>
+            <ac:spMk id="4" creationId="{60E47695-E197-6142-BAC7-EB2E3361B69F}"/>
+          </ac:spMkLst>
+        </pc:spChg>
+        <pc:spChg chg="mod">
+          <ac:chgData name="Long B Nguyen" userId="f59fb8f3-a021-417a-8bc1-65c8d471c621" providerId="ADAL" clId="{0D22434F-C429-584D-952F-0619514BBCC8}" dt="2021-12-07T13:51:29.357" v="248" actId="20577"/>
+          <ac:spMkLst>
+            <pc:docMk/>
+            <pc:sldMk cId="1211608734" sldId="345"/>
             <ac:spMk id="9" creationId="{E3B2E017-30B2-884B-A113-B419A2ED51AD}"/>
           </ac:spMkLst>
         </pc:spChg>
@@ -1930,6 +2025,13 @@
         <pc:sldMkLst>
           <pc:docMk/>
           <pc:sldMk cId="4020528382" sldId="346"/>
+        </pc:sldMkLst>
+      </pc:sldChg>
+      <pc:sldChg chg="modAnim">
+        <pc:chgData name="Long B Nguyen" userId="f59fb8f3-a021-417a-8bc1-65c8d471c621" providerId="ADAL" clId="{0D22434F-C429-584D-952F-0619514BBCC8}" dt="2021-12-07T13:57:32.768" v="365"/>
+        <pc:sldMkLst>
+          <pc:docMk/>
+          <pc:sldMk cId="1535116463" sldId="347"/>
         </pc:sldMkLst>
       </pc:sldChg>
       <pc:sldChg chg="modSp modAnim">
@@ -1947,8 +2049,15 @@
           </ac:spMkLst>
         </pc:spChg>
       </pc:sldChg>
+      <pc:sldChg chg="modAnim">
+        <pc:chgData name="Long B Nguyen" userId="f59fb8f3-a021-417a-8bc1-65c8d471c621" providerId="ADAL" clId="{0D22434F-C429-584D-952F-0619514BBCC8}" dt="2021-12-07T13:59:50.129" v="408"/>
+        <pc:sldMkLst>
+          <pc:docMk/>
+          <pc:sldMk cId="2962743079" sldId="353"/>
+        </pc:sldMkLst>
+      </pc:sldChg>
       <pc:sldChg chg="modSp add mod modAnim">
-        <pc:chgData name="Long B Nguyen" userId="f59fb8f3-a021-417a-8bc1-65c8d471c621" providerId="ADAL" clId="{0D22434F-C429-584D-952F-0619514BBCC8}" dt="2021-12-06T13:56:07.538" v="198" actId="20577"/>
+        <pc:chgData name="Long B Nguyen" userId="f59fb8f3-a021-417a-8bc1-65c8d471c621" providerId="ADAL" clId="{0D22434F-C429-584D-952F-0619514BBCC8}" dt="2021-12-07T12:56:27.178" v="235"/>
         <pc:sldMkLst>
           <pc:docMk/>
           <pc:sldMk cId="4169441446" sldId="354"/>
@@ -1969,6 +2078,52 @@
             <ac:spMk id="9" creationId="{E3B2E017-30B2-884B-A113-B419A2ED51AD}"/>
           </ac:spMkLst>
         </pc:spChg>
+      </pc:sldChg>
+      <pc:sldChg chg="addSp delSp modSp add mod modAnim">
+        <pc:chgData name="Long B Nguyen" userId="f59fb8f3-a021-417a-8bc1-65c8d471c621" providerId="ADAL" clId="{0D22434F-C429-584D-952F-0619514BBCC8}" dt="2021-12-07T13:55:16.117" v="353"/>
+        <pc:sldMkLst>
+          <pc:docMk/>
+          <pc:sldMk cId="3397544165" sldId="355"/>
+        </pc:sldMkLst>
+        <pc:spChg chg="del">
+          <ac:chgData name="Long B Nguyen" userId="f59fb8f3-a021-417a-8bc1-65c8d471c621" providerId="ADAL" clId="{0D22434F-C429-584D-952F-0619514BBCC8}" dt="2021-12-07T13:54:11.517" v="317" actId="478"/>
+          <ac:spMkLst>
+            <pc:docMk/>
+            <pc:sldMk cId="3397544165" sldId="355"/>
+            <ac:spMk id="3" creationId="{61BCFD14-89EB-C849-9A89-08AB0AD92B9A}"/>
+          </ac:spMkLst>
+        </pc:spChg>
+        <pc:spChg chg="add mod">
+          <ac:chgData name="Long B Nguyen" userId="f59fb8f3-a021-417a-8bc1-65c8d471c621" providerId="ADAL" clId="{0D22434F-C429-584D-952F-0619514BBCC8}" dt="2021-12-07T13:52:51.578" v="305" actId="255"/>
+          <ac:spMkLst>
+            <pc:docMk/>
+            <pc:sldMk cId="3397544165" sldId="355"/>
+            <ac:spMk id="4" creationId="{C77A9093-34C1-C644-BB89-E0AA6D988101}"/>
+          </ac:spMkLst>
+        </pc:spChg>
+        <pc:spChg chg="mod">
+          <ac:chgData name="Long B Nguyen" userId="f59fb8f3-a021-417a-8bc1-65c8d471c621" providerId="ADAL" clId="{0D22434F-C429-584D-952F-0619514BBCC8}" dt="2021-12-07T13:54:39.006" v="348" actId="20577"/>
+          <ac:spMkLst>
+            <pc:docMk/>
+            <pc:sldMk cId="3397544165" sldId="355"/>
+            <ac:spMk id="9" creationId="{E3B2E017-30B2-884B-A113-B419A2ED51AD}"/>
+          </ac:spMkLst>
+        </pc:spChg>
+        <pc:cxnChg chg="del">
+          <ac:chgData name="Long B Nguyen" userId="f59fb8f3-a021-417a-8bc1-65c8d471c621" providerId="ADAL" clId="{0D22434F-C429-584D-952F-0619514BBCC8}" dt="2021-12-07T13:54:11.517" v="317" actId="478"/>
+          <ac:cxnSpMkLst>
+            <pc:docMk/>
+            <pc:sldMk cId="3397544165" sldId="355"/>
+            <ac:cxnSpMk id="5" creationId="{16CF91C8-C6D4-F242-9F06-E8AF543563B7}"/>
+          </ac:cxnSpMkLst>
+        </pc:cxnChg>
+      </pc:sldChg>
+      <pc:sldChg chg="add del">
+        <pc:chgData name="Long B Nguyen" userId="f59fb8f3-a021-417a-8bc1-65c8d471c621" providerId="ADAL" clId="{0D22434F-C429-584D-952F-0619514BBCC8}" dt="2021-12-07T13:51:41.444" v="251"/>
+        <pc:sldMkLst>
+          <pc:docMk/>
+          <pc:sldMk cId="2395095183" sldId="356"/>
+        </pc:sldMkLst>
       </pc:sldChg>
     </pc:docChg>
   </pc:docChgLst>
@@ -2106,7 +2261,7 @@
           <a:p>
             <a:fld id="{4AAD347D-5ACD-4C99-B74B-A9C85AD731AF}" type="datetimeFigureOut">
               <a:rPr lang="en-US" smtClean="0"/>
-              <a:t>12/6/21</a:t>
+              <a:t>12/7/21</a:t>
             </a:fld>
             <a:endParaRPr lang="en-US" dirty="0"/>
           </a:p>
@@ -2276,7 +2431,7 @@
           <a:p>
             <a:fld id="{4509A250-FF31-4206-8172-F9D3106AACB1}" type="datetimeFigureOut">
               <a:rPr lang="en-US" smtClean="0"/>
-              <a:t>12/6/21</a:t>
+              <a:t>12/7/21</a:t>
             </a:fld>
             <a:endParaRPr lang="en-US" dirty="0"/>
           </a:p>
@@ -2456,7 +2611,7 @@
           <a:p>
             <a:fld id="{4509A250-FF31-4206-8172-F9D3106AACB1}" type="datetimeFigureOut">
               <a:rPr lang="en-US" smtClean="0"/>
-              <a:t>12/6/21</a:t>
+              <a:t>12/7/21</a:t>
             </a:fld>
             <a:endParaRPr lang="en-US" dirty="0"/>
           </a:p>
@@ -2626,7 +2781,7 @@
           <a:p>
             <a:fld id="{4509A250-FF31-4206-8172-F9D3106AACB1}" type="datetimeFigureOut">
               <a:rPr lang="en-US" smtClean="0"/>
-              <a:t>12/6/21</a:t>
+              <a:t>12/7/21</a:t>
             </a:fld>
             <a:endParaRPr lang="en-US" dirty="0"/>
           </a:p>
@@ -2872,7 +3027,7 @@
           <a:p>
             <a:fld id="{9796027F-7875-4030-9381-8BD8C4F21935}" type="datetimeFigureOut">
               <a:rPr lang="en-US" smtClean="0"/>
-              <a:t>12/6/21</a:t>
+              <a:t>12/7/21</a:t>
             </a:fld>
             <a:endParaRPr lang="en-US" dirty="0"/>
           </a:p>
@@ -3104,7 +3259,7 @@
           <a:p>
             <a:fld id="{9796027F-7875-4030-9381-8BD8C4F21935}" type="datetimeFigureOut">
               <a:rPr lang="en-US" smtClean="0"/>
-              <a:t>12/6/21</a:t>
+              <a:t>12/7/21</a:t>
             </a:fld>
             <a:endParaRPr lang="en-US" dirty="0"/>
           </a:p>
@@ -3471,7 +3626,7 @@
           <a:p>
             <a:fld id="{9796027F-7875-4030-9381-8BD8C4F21935}" type="datetimeFigureOut">
               <a:rPr lang="en-US" smtClean="0"/>
-              <a:t>12/6/21</a:t>
+              <a:t>12/7/21</a:t>
             </a:fld>
             <a:endParaRPr lang="en-US" dirty="0"/>
           </a:p>
@@ -3589,7 +3744,7 @@
           <a:p>
             <a:fld id="{4509A250-FF31-4206-8172-F9D3106AACB1}" type="datetimeFigureOut">
               <a:rPr lang="en-US" smtClean="0"/>
-              <a:t>12/6/21</a:t>
+              <a:t>12/7/21</a:t>
             </a:fld>
             <a:endParaRPr lang="en-US" dirty="0"/>
           </a:p>
@@ -3684,7 +3839,7 @@
           <a:p>
             <a:fld id="{4509A250-FF31-4206-8172-F9D3106AACB1}" type="datetimeFigureOut">
               <a:rPr lang="en-US" smtClean="0"/>
-              <a:t>12/6/21</a:t>
+              <a:t>12/7/21</a:t>
             </a:fld>
             <a:endParaRPr lang="en-US" dirty="0"/>
           </a:p>
@@ -3961,7 +4116,7 @@
           <a:p>
             <a:fld id="{4509A250-FF31-4206-8172-F9D3106AACB1}" type="datetimeFigureOut">
               <a:rPr lang="en-US" smtClean="0"/>
-              <a:t>12/6/21</a:t>
+              <a:t>12/7/21</a:t>
             </a:fld>
             <a:endParaRPr lang="en-US" dirty="0"/>
           </a:p>
@@ -4218,7 +4373,7 @@
           <a:p>
             <a:fld id="{4509A250-FF31-4206-8172-F9D3106AACB1}" type="datetimeFigureOut">
               <a:rPr lang="en-US" smtClean="0"/>
-              <a:t>12/6/21</a:t>
+              <a:t>12/7/21</a:t>
             </a:fld>
             <a:endParaRPr lang="en-US" dirty="0"/>
           </a:p>
@@ -4431,7 +4586,7 @@
           <a:p>
             <a:fld id="{4AAD347D-5ACD-4C99-B74B-A9C85AD731AF}" type="datetimeFigureOut">
               <a:rPr lang="en-US" smtClean="0"/>
-              <a:t>12/6/21</a:t>
+              <a:t>12/7/21</a:t>
             </a:fld>
             <a:endParaRPr lang="en-US" dirty="0"/>
           </a:p>
@@ -5611,15 +5766,33 @@
                                   </p:childTnLst>
                                 </p:cTn>
                               </p:par>
+                            </p:childTnLst>
+                          </p:cTn>
+                        </p:par>
+                      </p:childTnLst>
+                    </p:cTn>
+                  </p:par>
+                  <p:par>
+                    <p:cTn id="7" fill="hold">
+                      <p:stCondLst>
+                        <p:cond delay="indefinite"/>
+                      </p:stCondLst>
+                      <p:childTnLst>
+                        <p:par>
+                          <p:cTn id="8" fill="hold">
+                            <p:stCondLst>
+                              <p:cond delay="0"/>
+                            </p:stCondLst>
+                            <p:childTnLst>
                               <p:par>
-                                <p:cTn id="7" presetID="1" presetClass="entr" presetSubtype="0" fill="hold" nodeType="withEffect">
+                                <p:cTn id="9" presetID="1" presetClass="entr" presetSubtype="0" fill="hold" nodeType="clickEffect">
                                   <p:stCondLst>
                                     <p:cond delay="0"/>
                                   </p:stCondLst>
                                   <p:childTnLst>
                                     <p:set>
                                       <p:cBhvr>
-                                        <p:cTn id="8" dur="1" fill="hold">
+                                        <p:cTn id="10" dur="1" fill="hold">
                                           <p:stCondLst>
                                             <p:cond delay="0"/>
                                           </p:stCondLst>
@@ -5642,8 +5815,893 @@
                                   </p:childTnLst>
                                 </p:cTn>
                               </p:par>
+                            </p:childTnLst>
+                          </p:cTn>
+                        </p:par>
+                      </p:childTnLst>
+                    </p:cTn>
+                  </p:par>
+                  <p:par>
+                    <p:cTn id="11" fill="hold">
+                      <p:stCondLst>
+                        <p:cond delay="indefinite"/>
+                      </p:stCondLst>
+                      <p:childTnLst>
+                        <p:par>
+                          <p:cTn id="12" fill="hold">
+                            <p:stCondLst>
+                              <p:cond delay="0"/>
+                            </p:stCondLst>
+                            <p:childTnLst>
                               <p:par>
-                                <p:cTn id="9" presetID="1" presetClass="entr" presetSubtype="0" fill="hold" nodeType="withEffect">
+                                <p:cTn id="13" presetID="1" presetClass="entr" presetSubtype="0" fill="hold" nodeType="clickEffect">
+                                  <p:stCondLst>
+                                    <p:cond delay="0"/>
+                                  </p:stCondLst>
+                                  <p:childTnLst>
+                                    <p:set>
+                                      <p:cBhvr>
+                                        <p:cTn id="14" dur="1" fill="hold">
+                                          <p:stCondLst>
+                                            <p:cond delay="0"/>
+                                          </p:stCondLst>
+                                        </p:cTn>
+                                        <p:tgtEl>
+                                          <p:spTgt spid="9">
+                                            <p:txEl>
+                                              <p:pRg st="4" end="4"/>
+                                            </p:txEl>
+                                          </p:spTgt>
+                                        </p:tgtEl>
+                                        <p:attrNameLst>
+                                          <p:attrName>style.visibility</p:attrName>
+                                        </p:attrNameLst>
+                                      </p:cBhvr>
+                                      <p:to>
+                                        <p:strVal val="visible"/>
+                                      </p:to>
+                                    </p:set>
+                                  </p:childTnLst>
+                                </p:cTn>
+                              </p:par>
+                            </p:childTnLst>
+                          </p:cTn>
+                        </p:par>
+                      </p:childTnLst>
+                    </p:cTn>
+                  </p:par>
+                  <p:par>
+                    <p:cTn id="15" fill="hold">
+                      <p:stCondLst>
+                        <p:cond delay="indefinite"/>
+                      </p:stCondLst>
+                      <p:childTnLst>
+                        <p:par>
+                          <p:cTn id="16" fill="hold">
+                            <p:stCondLst>
+                              <p:cond delay="0"/>
+                            </p:stCondLst>
+                            <p:childTnLst>
+                              <p:par>
+                                <p:cTn id="17" presetID="1" presetClass="entr" presetSubtype="0" fill="hold" nodeType="clickEffect">
+                                  <p:stCondLst>
+                                    <p:cond delay="0"/>
+                                  </p:stCondLst>
+                                  <p:childTnLst>
+                                    <p:set>
+                                      <p:cBhvr>
+                                        <p:cTn id="18" dur="1" fill="hold">
+                                          <p:stCondLst>
+                                            <p:cond delay="0"/>
+                                          </p:stCondLst>
+                                        </p:cTn>
+                                        <p:tgtEl>
+                                          <p:spTgt spid="9">
+                                            <p:txEl>
+                                              <p:pRg st="5" end="5"/>
+                                            </p:txEl>
+                                          </p:spTgt>
+                                        </p:tgtEl>
+                                        <p:attrNameLst>
+                                          <p:attrName>style.visibility</p:attrName>
+                                        </p:attrNameLst>
+                                      </p:cBhvr>
+                                      <p:to>
+                                        <p:strVal val="visible"/>
+                                      </p:to>
+                                    </p:set>
+                                  </p:childTnLst>
+                                </p:cTn>
+                              </p:par>
+                            </p:childTnLst>
+                          </p:cTn>
+                        </p:par>
+                      </p:childTnLst>
+                    </p:cTn>
+                  </p:par>
+                  <p:par>
+                    <p:cTn id="19" fill="hold">
+                      <p:stCondLst>
+                        <p:cond delay="indefinite"/>
+                      </p:stCondLst>
+                      <p:childTnLst>
+                        <p:par>
+                          <p:cTn id="20" fill="hold">
+                            <p:stCondLst>
+                              <p:cond delay="0"/>
+                            </p:stCondLst>
+                            <p:childTnLst>
+                              <p:par>
+                                <p:cTn id="21" presetID="1" presetClass="entr" presetSubtype="0" fill="hold" nodeType="clickEffect">
+                                  <p:stCondLst>
+                                    <p:cond delay="0"/>
+                                  </p:stCondLst>
+                                  <p:childTnLst>
+                                    <p:set>
+                                      <p:cBhvr>
+                                        <p:cTn id="22" dur="1" fill="hold">
+                                          <p:stCondLst>
+                                            <p:cond delay="0"/>
+                                          </p:stCondLst>
+                                        </p:cTn>
+                                        <p:tgtEl>
+                                          <p:spTgt spid="9">
+                                            <p:txEl>
+                                              <p:pRg st="6" end="6"/>
+                                            </p:txEl>
+                                          </p:spTgt>
+                                        </p:tgtEl>
+                                        <p:attrNameLst>
+                                          <p:attrName>style.visibility</p:attrName>
+                                        </p:attrNameLst>
+                                      </p:cBhvr>
+                                      <p:to>
+                                        <p:strVal val="visible"/>
+                                      </p:to>
+                                    </p:set>
+                                  </p:childTnLst>
+                                </p:cTn>
+                              </p:par>
+                            </p:childTnLst>
+                          </p:cTn>
+                        </p:par>
+                      </p:childTnLst>
+                    </p:cTn>
+                  </p:par>
+                  <p:par>
+                    <p:cTn id="23" fill="hold">
+                      <p:stCondLst>
+                        <p:cond delay="indefinite"/>
+                      </p:stCondLst>
+                      <p:childTnLst>
+                        <p:par>
+                          <p:cTn id="24" fill="hold">
+                            <p:stCondLst>
+                              <p:cond delay="0"/>
+                            </p:stCondLst>
+                            <p:childTnLst>
+                              <p:par>
+                                <p:cTn id="25" presetID="1" presetClass="entr" presetSubtype="0" fill="hold" nodeType="clickEffect">
+                                  <p:stCondLst>
+                                    <p:cond delay="0"/>
+                                  </p:stCondLst>
+                                  <p:childTnLst>
+                                    <p:set>
+                                      <p:cBhvr>
+                                        <p:cTn id="26" dur="1" fill="hold">
+                                          <p:stCondLst>
+                                            <p:cond delay="0"/>
+                                          </p:stCondLst>
+                                        </p:cTn>
+                                        <p:tgtEl>
+                                          <p:spTgt spid="9">
+                                            <p:txEl>
+                                              <p:pRg st="7" end="7"/>
+                                            </p:txEl>
+                                          </p:spTgt>
+                                        </p:tgtEl>
+                                        <p:attrNameLst>
+                                          <p:attrName>style.visibility</p:attrName>
+                                        </p:attrNameLst>
+                                      </p:cBhvr>
+                                      <p:to>
+                                        <p:strVal val="visible"/>
+                                      </p:to>
+                                    </p:set>
+                                  </p:childTnLst>
+                                </p:cTn>
+                              </p:par>
+                              <p:par>
+                                <p:cTn id="27" presetID="1" presetClass="entr" presetSubtype="0" fill="hold" nodeType="withEffect">
+                                  <p:stCondLst>
+                                    <p:cond delay="0"/>
+                                  </p:stCondLst>
+                                  <p:childTnLst>
+                                    <p:set>
+                                      <p:cBhvr>
+                                        <p:cTn id="28" dur="1" fill="hold">
+                                          <p:stCondLst>
+                                            <p:cond delay="0"/>
+                                          </p:stCondLst>
+                                        </p:cTn>
+                                        <p:tgtEl>
+                                          <p:spTgt spid="9">
+                                            <p:txEl>
+                                              <p:pRg st="8" end="8"/>
+                                            </p:txEl>
+                                          </p:spTgt>
+                                        </p:tgtEl>
+                                        <p:attrNameLst>
+                                          <p:attrName>style.visibility</p:attrName>
+                                        </p:attrNameLst>
+                                      </p:cBhvr>
+                                      <p:to>
+                                        <p:strVal val="visible"/>
+                                      </p:to>
+                                    </p:set>
+                                  </p:childTnLst>
+                                </p:cTn>
+                              </p:par>
+                              <p:par>
+                                <p:cTn id="29" presetID="1" presetClass="entr" presetSubtype="0" fill="hold" nodeType="withEffect">
+                                  <p:stCondLst>
+                                    <p:cond delay="0"/>
+                                  </p:stCondLst>
+                                  <p:childTnLst>
+                                    <p:set>
+                                      <p:cBhvr>
+                                        <p:cTn id="30" dur="1" fill="hold">
+                                          <p:stCondLst>
+                                            <p:cond delay="0"/>
+                                          </p:stCondLst>
+                                        </p:cTn>
+                                        <p:tgtEl>
+                                          <p:spTgt spid="9">
+                                            <p:txEl>
+                                              <p:pRg st="9" end="9"/>
+                                            </p:txEl>
+                                          </p:spTgt>
+                                        </p:tgtEl>
+                                        <p:attrNameLst>
+                                          <p:attrName>style.visibility</p:attrName>
+                                        </p:attrNameLst>
+                                      </p:cBhvr>
+                                      <p:to>
+                                        <p:strVal val="visible"/>
+                                      </p:to>
+                                    </p:set>
+                                  </p:childTnLst>
+                                </p:cTn>
+                              </p:par>
+                              <p:par>
+                                <p:cTn id="31" presetID="1" presetClass="entr" presetSubtype="0" fill="hold" nodeType="withEffect">
+                                  <p:stCondLst>
+                                    <p:cond delay="0"/>
+                                  </p:stCondLst>
+                                  <p:childTnLst>
+                                    <p:set>
+                                      <p:cBhvr>
+                                        <p:cTn id="32" dur="1" fill="hold">
+                                          <p:stCondLst>
+                                            <p:cond delay="0"/>
+                                          </p:stCondLst>
+                                        </p:cTn>
+                                        <p:tgtEl>
+                                          <p:spTgt spid="9">
+                                            <p:txEl>
+                                              <p:pRg st="10" end="10"/>
+                                            </p:txEl>
+                                          </p:spTgt>
+                                        </p:tgtEl>
+                                        <p:attrNameLst>
+                                          <p:attrName>style.visibility</p:attrName>
+                                        </p:attrNameLst>
+                                      </p:cBhvr>
+                                      <p:to>
+                                        <p:strVal val="visible"/>
+                                      </p:to>
+                                    </p:set>
+                                  </p:childTnLst>
+                                </p:cTn>
+                              </p:par>
+                              <p:par>
+                                <p:cTn id="33" presetID="1" presetClass="entr" presetSubtype="0" fill="hold" nodeType="withEffect">
+                                  <p:stCondLst>
+                                    <p:cond delay="0"/>
+                                  </p:stCondLst>
+                                  <p:childTnLst>
+                                    <p:set>
+                                      <p:cBhvr>
+                                        <p:cTn id="34" dur="1" fill="hold">
+                                          <p:stCondLst>
+                                            <p:cond delay="0"/>
+                                          </p:stCondLst>
+                                        </p:cTn>
+                                        <p:tgtEl>
+                                          <p:spTgt spid="9">
+                                            <p:txEl>
+                                              <p:pRg st="11" end="11"/>
+                                            </p:txEl>
+                                          </p:spTgt>
+                                        </p:tgtEl>
+                                        <p:attrNameLst>
+                                          <p:attrName>style.visibility</p:attrName>
+                                        </p:attrNameLst>
+                                      </p:cBhvr>
+                                      <p:to>
+                                        <p:strVal val="visible"/>
+                                      </p:to>
+                                    </p:set>
+                                  </p:childTnLst>
+                                </p:cTn>
+                              </p:par>
+                              <p:par>
+                                <p:cTn id="35" presetID="1" presetClass="entr" presetSubtype="0" fill="hold" nodeType="withEffect">
+                                  <p:stCondLst>
+                                    <p:cond delay="0"/>
+                                  </p:stCondLst>
+                                  <p:childTnLst>
+                                    <p:set>
+                                      <p:cBhvr>
+                                        <p:cTn id="36" dur="1" fill="hold">
+                                          <p:stCondLst>
+                                            <p:cond delay="0"/>
+                                          </p:stCondLst>
+                                        </p:cTn>
+                                        <p:tgtEl>
+                                          <p:spTgt spid="9">
+                                            <p:txEl>
+                                              <p:pRg st="12" end="12"/>
+                                            </p:txEl>
+                                          </p:spTgt>
+                                        </p:tgtEl>
+                                        <p:attrNameLst>
+                                          <p:attrName>style.visibility</p:attrName>
+                                        </p:attrNameLst>
+                                      </p:cBhvr>
+                                      <p:to>
+                                        <p:strVal val="visible"/>
+                                      </p:to>
+                                    </p:set>
+                                  </p:childTnLst>
+                                </p:cTn>
+                              </p:par>
+                            </p:childTnLst>
+                          </p:cTn>
+                        </p:par>
+                      </p:childTnLst>
+                    </p:cTn>
+                  </p:par>
+                  <p:par>
+                    <p:cTn id="37" fill="hold">
+                      <p:stCondLst>
+                        <p:cond delay="indefinite"/>
+                      </p:stCondLst>
+                      <p:childTnLst>
+                        <p:par>
+                          <p:cTn id="38" fill="hold">
+                            <p:stCondLst>
+                              <p:cond delay="0"/>
+                            </p:stCondLst>
+                            <p:childTnLst>
+                              <p:par>
+                                <p:cTn id="39" presetID="1" presetClass="entr" presetSubtype="0" fill="hold" nodeType="clickEffect">
+                                  <p:stCondLst>
+                                    <p:cond delay="0"/>
+                                  </p:stCondLst>
+                                  <p:childTnLst>
+                                    <p:set>
+                                      <p:cBhvr>
+                                        <p:cTn id="40" dur="1" fill="hold">
+                                          <p:stCondLst>
+                                            <p:cond delay="0"/>
+                                          </p:stCondLst>
+                                        </p:cTn>
+                                        <p:tgtEl>
+                                          <p:spTgt spid="3">
+                                            <p:txEl>
+                                              <p:pRg st="0" end="0"/>
+                                            </p:txEl>
+                                          </p:spTgt>
+                                        </p:tgtEl>
+                                        <p:attrNameLst>
+                                          <p:attrName>style.visibility</p:attrName>
+                                        </p:attrNameLst>
+                                      </p:cBhvr>
+                                      <p:to>
+                                        <p:strVal val="visible"/>
+                                      </p:to>
+                                    </p:set>
+                                  </p:childTnLst>
+                                </p:cTn>
+                              </p:par>
+                              <p:par>
+                                <p:cTn id="41" presetID="1" presetClass="entr" presetSubtype="0" fill="hold" nodeType="withEffect">
+                                  <p:stCondLst>
+                                    <p:cond delay="0"/>
+                                  </p:stCondLst>
+                                  <p:childTnLst>
+                                    <p:set>
+                                      <p:cBhvr>
+                                        <p:cTn id="42" dur="1" fill="hold">
+                                          <p:stCondLst>
+                                            <p:cond delay="0"/>
+                                          </p:stCondLst>
+                                        </p:cTn>
+                                        <p:tgtEl>
+                                          <p:spTgt spid="3">
+                                            <p:txEl>
+                                              <p:pRg st="1" end="1"/>
+                                            </p:txEl>
+                                          </p:spTgt>
+                                        </p:tgtEl>
+                                        <p:attrNameLst>
+                                          <p:attrName>style.visibility</p:attrName>
+                                        </p:attrNameLst>
+                                      </p:cBhvr>
+                                      <p:to>
+                                        <p:strVal val="visible"/>
+                                      </p:to>
+                                    </p:set>
+                                  </p:childTnLst>
+                                </p:cTn>
+                              </p:par>
+                            </p:childTnLst>
+                          </p:cTn>
+                        </p:par>
+                      </p:childTnLst>
+                    </p:cTn>
+                  </p:par>
+                </p:childTnLst>
+              </p:cTn>
+              <p:prevCondLst>
+                <p:cond evt="onPrev" delay="0">
+                  <p:tgtEl>
+                    <p:sldTgt/>
+                  </p:tgtEl>
+                </p:cond>
+              </p:prevCondLst>
+              <p:nextCondLst>
+                <p:cond evt="onNext" delay="0">
+                  <p:tgtEl>
+                    <p:sldTgt/>
+                  </p:tgtEl>
+                </p:cond>
+              </p:nextCondLst>
+            </p:seq>
+          </p:childTnLst>
+        </p:cTn>
+      </p:par>
+    </p:tnLst>
+  </p:timing>
+</p:sld>
+</file>
+
+<file path=ppt/slides/slide11.xml><?xml version="1.0" encoding="utf-8"?>
+<p:sld xmlns:a="http://schemas.openxmlformats.org/drawingml/2006/main" xmlns:r="http://schemas.openxmlformats.org/officeDocument/2006/relationships" xmlns:p="http://schemas.openxmlformats.org/presentationml/2006/main">
+  <p:cSld>
+    <p:spTree>
+      <p:nvGrpSpPr>
+        <p:cNvPr id="1" name=""/>
+        <p:cNvGrpSpPr/>
+        <p:nvPr/>
+      </p:nvGrpSpPr>
+      <p:grpSpPr>
+        <a:xfrm>
+          <a:off x="0" y="0"/>
+          <a:ext cx="0" cy="0"/>
+          <a:chOff x="0" y="0"/>
+          <a:chExt cx="0" cy="0"/>
+        </a:xfrm>
+      </p:grpSpPr>
+      <p:sp>
+        <p:nvSpPr>
+          <p:cNvPr id="2" name="Title 1">
+            <a:extLst>
+              <a:ext uri="{FF2B5EF4-FFF2-40B4-BE49-F238E27FC236}">
+                <a16:creationId xmlns:a16="http://schemas.microsoft.com/office/drawing/2014/main" id="{AA3A228F-61D0-D949-A5E7-F83756230BF8}"/>
+              </a:ext>
+            </a:extLst>
+          </p:cNvPr>
+          <p:cNvSpPr>
+            <a:spLocks noGrp="1"/>
+          </p:cNvSpPr>
+          <p:nvPr>
+            <p:ph type="title"/>
+          </p:nvPr>
+        </p:nvSpPr>
+        <p:spPr>
+          <a:xfrm>
+            <a:off x="108068" y="116298"/>
+            <a:ext cx="7053542" cy="683886"/>
+          </a:xfrm>
+        </p:spPr>
+        <p:txBody>
+          <a:bodyPr/>
+          <a:lstStyle/>
+          <a:p>
+            <a:r>
+              <a:rPr lang="en-US" dirty="0"/>
+              <a:t>List of Tuples</a:t>
+            </a:r>
+          </a:p>
+        </p:txBody>
+      </p:sp>
+      <p:sp>
+        <p:nvSpPr>
+          <p:cNvPr id="9" name="Content Placeholder 8">
+            <a:extLst>
+              <a:ext uri="{FF2B5EF4-FFF2-40B4-BE49-F238E27FC236}">
+                <a16:creationId xmlns:a16="http://schemas.microsoft.com/office/drawing/2014/main" id="{E3B2E017-30B2-884B-A113-B419A2ED51AD}"/>
+              </a:ext>
+            </a:extLst>
+          </p:cNvPr>
+          <p:cNvSpPr>
+            <a:spLocks noGrp="1"/>
+          </p:cNvSpPr>
+          <p:nvPr>
+            <p:ph idx="1"/>
+          </p:nvPr>
+        </p:nvSpPr>
+        <p:spPr>
+          <a:xfrm>
+            <a:off x="108068" y="800184"/>
+            <a:ext cx="8427505" cy="4914815"/>
+          </a:xfrm>
+        </p:spPr>
+        <p:txBody>
+          <a:bodyPr>
+            <a:noAutofit/>
+          </a:bodyPr>
+          <a:lstStyle/>
+          <a:p>
+            <a:pPr marL="0" indent="0">
+              <a:buNone/>
+            </a:pPr>
+            <a:r>
+              <a:rPr lang="en-US" dirty="0"/>
+              <a:t>We can form a list of tuples(or of lists) and iterate over them.</a:t>
+            </a:r>
+          </a:p>
+          <a:p>
+            <a:pPr marL="0" indent="0">
+              <a:buNone/>
+            </a:pPr>
+            <a:endParaRPr lang="en-US" b="1" dirty="0">
+              <a:solidFill>
+                <a:srgbClr val="FF0000"/>
+              </a:solidFill>
+              <a:latin typeface="Inconsolata" panose="020B0609030003000000" pitchFamily="49" charset="77"/>
+            </a:endParaRPr>
+          </a:p>
+          <a:p>
+            <a:pPr marL="0" indent="0">
+              <a:buNone/>
+            </a:pPr>
+            <a:r>
+              <a:rPr lang="en-US" b="1" dirty="0">
+                <a:solidFill>
+                  <a:srgbClr val="FF0000"/>
+                </a:solidFill>
+                <a:latin typeface="Inconsolata" panose="020B0609030003000000" pitchFamily="49" charset="77"/>
+              </a:rPr>
+              <a:t>Method 2) Using []:</a:t>
+            </a:r>
+          </a:p>
+          <a:p>
+            <a:pPr marL="0" indent="0">
+              <a:buNone/>
+            </a:pPr>
+            <a:r>
+              <a:rPr lang="en-US" sz="2000" b="1" dirty="0" err="1">
+                <a:solidFill>
+                  <a:srgbClr val="000087"/>
+                </a:solidFill>
+                <a:latin typeface="Inconsolata" panose="020B0609030003000000" pitchFamily="49" charset="77"/>
+              </a:rPr>
+              <a:t>lst</a:t>
+            </a:r>
+            <a:r>
+              <a:rPr lang="en-US" sz="2000" b="1" dirty="0">
+                <a:solidFill>
+                  <a:srgbClr val="000087"/>
+                </a:solidFill>
+                <a:latin typeface="Inconsolata" panose="020B0609030003000000" pitchFamily="49" charset="77"/>
+              </a:rPr>
+              <a:t> </a:t>
+            </a:r>
+            <a:r>
+              <a:rPr lang="en-US" sz="2000" b="1" dirty="0">
+                <a:solidFill>
+                  <a:srgbClr val="545454"/>
+                </a:solidFill>
+                <a:latin typeface="Inconsolata" panose="020B0609030003000000" pitchFamily="49" charset="77"/>
+              </a:rPr>
+              <a:t>= </a:t>
+            </a:r>
+            <a:r>
+              <a:rPr lang="en-US" sz="2000" b="1" dirty="0">
+                <a:latin typeface="Inconsolata" panose="020B0609030003000000" pitchFamily="49" charset="77"/>
+              </a:rPr>
+              <a:t>[</a:t>
+            </a:r>
+            <a:r>
+              <a:rPr lang="en-US" sz="2000" b="1" dirty="0">
+                <a:solidFill>
+                  <a:srgbClr val="FF6600"/>
+                </a:solidFill>
+                <a:latin typeface="Inconsolata" panose="020B0609030003000000" pitchFamily="49" charset="77"/>
+              </a:rPr>
+              <a:t>(“Mike”, 3.2), (“Sarah”, 3.6), (“Jack”, 2.8)</a:t>
+            </a:r>
+            <a:r>
+              <a:rPr lang="en-US" sz="2000" b="1" dirty="0">
+                <a:latin typeface="Inconsolata" panose="020B0609030003000000" pitchFamily="49" charset="77"/>
+              </a:rPr>
+              <a:t>]</a:t>
+            </a:r>
+          </a:p>
+          <a:p>
+            <a:pPr marL="0" indent="0">
+              <a:buNone/>
+            </a:pPr>
+            <a:r>
+              <a:rPr lang="en-US" sz="2000" b="1" dirty="0">
+                <a:solidFill>
+                  <a:srgbClr val="006699"/>
+                </a:solidFill>
+                <a:latin typeface="Inconsolata" panose="020B0609030003000000" pitchFamily="49" charset="77"/>
+              </a:rPr>
+              <a:t>for </a:t>
+            </a:r>
+            <a:r>
+              <a:rPr lang="en-US" sz="2000" b="1" dirty="0">
+                <a:solidFill>
+                  <a:srgbClr val="000087"/>
+                </a:solidFill>
+                <a:latin typeface="Inconsolata" panose="020B0609030003000000" pitchFamily="49" charset="77"/>
+              </a:rPr>
+              <a:t>student </a:t>
+            </a:r>
+            <a:r>
+              <a:rPr lang="en-US" sz="2000" b="1" dirty="0">
+                <a:latin typeface="Inconsolata" panose="020B0609030003000000" pitchFamily="49" charset="77"/>
+              </a:rPr>
+              <a:t>in </a:t>
+            </a:r>
+            <a:r>
+              <a:rPr lang="en-US" sz="2000" b="1" dirty="0" err="1">
+                <a:solidFill>
+                  <a:srgbClr val="336666"/>
+                </a:solidFill>
+                <a:latin typeface="Inconsolata" panose="020B0609030003000000" pitchFamily="49" charset="77"/>
+              </a:rPr>
+              <a:t>lst</a:t>
+            </a:r>
+            <a:r>
+              <a:rPr lang="en-US" sz="2000" b="1" dirty="0">
+                <a:solidFill>
+                  <a:srgbClr val="336666"/>
+                </a:solidFill>
+                <a:latin typeface="Inconsolata" panose="020B0609030003000000" pitchFamily="49" charset="77"/>
+              </a:rPr>
+              <a:t>:</a:t>
+            </a:r>
+          </a:p>
+          <a:p>
+            <a:pPr marL="0" indent="0">
+              <a:buNone/>
+            </a:pPr>
+            <a:r>
+              <a:rPr lang="en-US" sz="2000" b="1" dirty="0">
+                <a:solidFill>
+                  <a:srgbClr val="336666"/>
+                </a:solidFill>
+                <a:latin typeface="Inconsolata" panose="020B0609030003000000" pitchFamily="49" charset="77"/>
+              </a:rPr>
+              <a:t>	print(</a:t>
+            </a:r>
+            <a:r>
+              <a:rPr lang="en-US" sz="2000" b="1" dirty="0">
+                <a:solidFill>
+                  <a:srgbClr val="000087"/>
+                </a:solidFill>
+                <a:latin typeface="Inconsolata" panose="020B0609030003000000" pitchFamily="49" charset="77"/>
+              </a:rPr>
+              <a:t>student[0], student[1]</a:t>
+            </a:r>
+            <a:r>
+              <a:rPr lang="en-US" sz="2000" b="1" dirty="0">
+                <a:solidFill>
+                  <a:srgbClr val="336666"/>
+                </a:solidFill>
+                <a:latin typeface="Inconsolata" panose="020B0609030003000000" pitchFamily="49" charset="77"/>
+              </a:rPr>
+              <a:t>)</a:t>
+            </a:r>
+          </a:p>
+          <a:p>
+            <a:pPr marL="0" indent="0">
+              <a:buNone/>
+            </a:pPr>
+            <a:endParaRPr lang="en-US" sz="2000" dirty="0">
+              <a:latin typeface="Gill Sans MT" panose="020B0502020104020203" pitchFamily="34" charset="77"/>
+            </a:endParaRPr>
+          </a:p>
+          <a:p>
+            <a:pPr marL="0" indent="0">
+              <a:buNone/>
+            </a:pPr>
+            <a:r>
+              <a:rPr lang="en-US" sz="2000" b="1" dirty="0">
+                <a:latin typeface="Inconsolata" panose="020B0609030003000000" pitchFamily="49" charset="77"/>
+              </a:rPr>
+              <a:t>Mike 3.2</a:t>
+            </a:r>
+          </a:p>
+          <a:p>
+            <a:pPr marL="0" indent="0">
+              <a:buNone/>
+            </a:pPr>
+            <a:r>
+              <a:rPr lang="en-US" sz="2000" b="1" dirty="0">
+                <a:latin typeface="Inconsolata" panose="020B0609030003000000" pitchFamily="49" charset="77"/>
+              </a:rPr>
+              <a:t>Sarah 3.6</a:t>
+            </a:r>
+          </a:p>
+          <a:p>
+            <a:pPr marL="0" indent="0">
+              <a:buNone/>
+            </a:pPr>
+            <a:r>
+              <a:rPr lang="en-US" sz="2000" b="1" dirty="0">
+                <a:latin typeface="Inconsolata" panose="020B0609030003000000" pitchFamily="49" charset="77"/>
+              </a:rPr>
+              <a:t>Jack 2.8</a:t>
+            </a:r>
+          </a:p>
+          <a:p>
+            <a:pPr marL="0" indent="0">
+              <a:buNone/>
+            </a:pPr>
+            <a:endParaRPr lang="en-US" sz="2000" b="1" dirty="0">
+              <a:latin typeface="Gill Sans MT" panose="020B0502020104020203" pitchFamily="34" charset="77"/>
+            </a:endParaRPr>
+          </a:p>
+          <a:p>
+            <a:pPr marL="0" indent="0">
+              <a:buNone/>
+            </a:pPr>
+            <a:endParaRPr lang="en-US" sz="2000" b="1" dirty="0">
+              <a:latin typeface="Inconsolata" panose="020B0609030003000000" pitchFamily="49" charset="77"/>
+            </a:endParaRPr>
+          </a:p>
+          <a:p>
+            <a:pPr marL="0" indent="0">
+              <a:buNone/>
+            </a:pPr>
+            <a:r>
+              <a:rPr lang="en-US" dirty="0"/>
+              <a:t>  	                </a:t>
+            </a:r>
+          </a:p>
+          <a:p>
+            <a:pPr marL="0" indent="0">
+              <a:buNone/>
+            </a:pPr>
+            <a:endParaRPr lang="en-US" dirty="0"/>
+          </a:p>
+          <a:p>
+            <a:pPr marL="0" indent="0">
+              <a:buNone/>
+            </a:pPr>
+            <a:endParaRPr lang="en-US" dirty="0"/>
+          </a:p>
+          <a:p>
+            <a:pPr marL="0" indent="0">
+              <a:buNone/>
+            </a:pPr>
+            <a:r>
+              <a:rPr lang="en-US" dirty="0"/>
+              <a:t> </a:t>
+            </a:r>
+          </a:p>
+          <a:p>
+            <a:pPr marL="0" indent="0">
+              <a:buNone/>
+            </a:pPr>
+            <a:endParaRPr lang="en-US" dirty="0"/>
+          </a:p>
+          <a:p>
+            <a:pPr marL="0" indent="0">
+              <a:buNone/>
+            </a:pPr>
+            <a:endParaRPr lang="en-US" dirty="0"/>
+          </a:p>
+        </p:txBody>
+      </p:sp>
+    </p:spTree>
+    <p:extLst>
+      <p:ext uri="{BB962C8B-B14F-4D97-AF65-F5344CB8AC3E}">
+        <p14:creationId xmlns:p14="http://schemas.microsoft.com/office/powerpoint/2010/main" val="2834108163"/>
+      </p:ext>
+    </p:extLst>
+  </p:cSld>
+  <p:clrMapOvr>
+    <a:masterClrMapping/>
+  </p:clrMapOvr>
+  <p:timing>
+    <p:tnLst>
+      <p:par>
+        <p:cTn id="1" dur="indefinite" restart="never" nodeType="tmRoot">
+          <p:childTnLst>
+            <p:seq concurrent="1" nextAc="seek">
+              <p:cTn id="2" dur="indefinite" nodeType="mainSeq">
+                <p:childTnLst>
+                  <p:par>
+                    <p:cTn id="3" fill="hold">
+                      <p:stCondLst>
+                        <p:cond delay="indefinite"/>
+                      </p:stCondLst>
+                      <p:childTnLst>
+                        <p:par>
+                          <p:cTn id="4" fill="hold">
+                            <p:stCondLst>
+                              <p:cond delay="0"/>
+                            </p:stCondLst>
+                            <p:childTnLst>
+                              <p:par>
+                                <p:cTn id="5" presetID="1" presetClass="entr" presetSubtype="0" fill="hold" nodeType="clickEffect">
+                                  <p:stCondLst>
+                                    <p:cond delay="0"/>
+                                  </p:stCondLst>
+                                  <p:childTnLst>
+                                    <p:set>
+                                      <p:cBhvr>
+                                        <p:cTn id="6" dur="1" fill="hold">
+                                          <p:stCondLst>
+                                            <p:cond delay="0"/>
+                                          </p:stCondLst>
+                                        </p:cTn>
+                                        <p:tgtEl>
+                                          <p:spTgt spid="9">
+                                            <p:txEl>
+                                              <p:pRg st="3" end="3"/>
+                                            </p:txEl>
+                                          </p:spTgt>
+                                        </p:tgtEl>
+                                        <p:attrNameLst>
+                                          <p:attrName>style.visibility</p:attrName>
+                                        </p:attrNameLst>
+                                      </p:cBhvr>
+                                      <p:to>
+                                        <p:strVal val="visible"/>
+                                      </p:to>
+                                    </p:set>
+                                  </p:childTnLst>
+                                </p:cTn>
+                              </p:par>
+                            </p:childTnLst>
+                          </p:cTn>
+                        </p:par>
+                      </p:childTnLst>
+                    </p:cTn>
+                  </p:par>
+                  <p:par>
+                    <p:cTn id="7" fill="hold">
+                      <p:stCondLst>
+                        <p:cond delay="indefinite"/>
+                      </p:stCondLst>
+                      <p:childTnLst>
+                        <p:par>
+                          <p:cTn id="8" fill="hold">
+                            <p:stCondLst>
+                              <p:cond delay="0"/>
+                            </p:stCondLst>
+                            <p:childTnLst>
+                              <p:par>
+                                <p:cTn id="9" presetID="1" presetClass="entr" presetSubtype="0" fill="hold" nodeType="clickEffect">
                                   <p:stCondLst>
                                     <p:cond delay="0"/>
                                   </p:stCondLst>
@@ -5673,39 +6731,26 @@
                                   </p:childTnLst>
                                 </p:cTn>
                               </p:par>
+                            </p:childTnLst>
+                          </p:cTn>
+                        </p:par>
+                      </p:childTnLst>
+                    </p:cTn>
+                  </p:par>
+                  <p:par>
+                    <p:cTn id="11" fill="hold">
+                      <p:stCondLst>
+                        <p:cond delay="indefinite"/>
+                      </p:stCondLst>
+                      <p:childTnLst>
+                        <p:par>
+                          <p:cTn id="12" fill="hold">
+                            <p:stCondLst>
+                              <p:cond delay="0"/>
+                            </p:stCondLst>
+                            <p:childTnLst>
                               <p:par>
-                                <p:cTn id="11" presetID="1" presetClass="entr" presetSubtype="0" fill="hold" nodeType="withEffect">
-                                  <p:stCondLst>
-                                    <p:cond delay="0"/>
-                                  </p:stCondLst>
-                                  <p:childTnLst>
-                                    <p:set>
-                                      <p:cBhvr>
-                                        <p:cTn id="12" dur="1" fill="hold">
-                                          <p:stCondLst>
-                                            <p:cond delay="0"/>
-                                          </p:stCondLst>
-                                        </p:cTn>
-                                        <p:tgtEl>
-                                          <p:spTgt spid="9">
-                                            <p:txEl>
-                                              <p:pRg st="5" end="5"/>
-                                            </p:txEl>
-                                          </p:spTgt>
-                                        </p:tgtEl>
-                                        <p:attrNameLst>
-                                          <p:attrName>style.visibility</p:attrName>
-                                        </p:attrNameLst>
-                                      </p:cBhvr>
-                                      <p:to>
-                                        <p:strVal val="visible"/>
-                                      </p:to>
-                                    </p:set>
-                                  </p:childTnLst>
-                                </p:cTn>
-                              </p:par>
-                              <p:par>
-                                <p:cTn id="13" presetID="1" presetClass="entr" presetSubtype="0" fill="hold" nodeType="withEffect">
+                                <p:cTn id="13" presetID="1" presetClass="entr" presetSubtype="0" fill="hold" nodeType="clickEffect">
                                   <p:stCondLst>
                                     <p:cond delay="0"/>
                                   </p:stCondLst>
@@ -5720,7 +6765,7 @@
                                         <p:tgtEl>
                                           <p:spTgt spid="9">
                                             <p:txEl>
-                                              <p:pRg st="6" end="6"/>
+                                              <p:pRg st="5" end="5"/>
                                             </p:txEl>
                                           </p:spTgt>
                                         </p:tgtEl>
@@ -5846,756 +6891,6 @@
                                   </p:childTnLst>
                                 </p:cTn>
                               </p:par>
-                              <p:par>
-                                <p:cTn id="23" presetID="1" presetClass="entr" presetSubtype="0" fill="hold" nodeType="withEffect">
-                                  <p:stCondLst>
-                                    <p:cond delay="0"/>
-                                  </p:stCondLst>
-                                  <p:childTnLst>
-                                    <p:set>
-                                      <p:cBhvr>
-                                        <p:cTn id="24" dur="1" fill="hold">
-                                          <p:stCondLst>
-                                            <p:cond delay="0"/>
-                                          </p:stCondLst>
-                                        </p:cTn>
-                                        <p:tgtEl>
-                                          <p:spTgt spid="9">
-                                            <p:txEl>
-                                              <p:pRg st="10" end="10"/>
-                                            </p:txEl>
-                                          </p:spTgt>
-                                        </p:tgtEl>
-                                        <p:attrNameLst>
-                                          <p:attrName>style.visibility</p:attrName>
-                                        </p:attrNameLst>
-                                      </p:cBhvr>
-                                      <p:to>
-                                        <p:strVal val="visible"/>
-                                      </p:to>
-                                    </p:set>
-                                  </p:childTnLst>
-                                </p:cTn>
-                              </p:par>
-                              <p:par>
-                                <p:cTn id="25" presetID="1" presetClass="entr" presetSubtype="0" fill="hold" nodeType="withEffect">
-                                  <p:stCondLst>
-                                    <p:cond delay="0"/>
-                                  </p:stCondLst>
-                                  <p:childTnLst>
-                                    <p:set>
-                                      <p:cBhvr>
-                                        <p:cTn id="26" dur="1" fill="hold">
-                                          <p:stCondLst>
-                                            <p:cond delay="0"/>
-                                          </p:stCondLst>
-                                        </p:cTn>
-                                        <p:tgtEl>
-                                          <p:spTgt spid="9">
-                                            <p:txEl>
-                                              <p:pRg st="11" end="11"/>
-                                            </p:txEl>
-                                          </p:spTgt>
-                                        </p:tgtEl>
-                                        <p:attrNameLst>
-                                          <p:attrName>style.visibility</p:attrName>
-                                        </p:attrNameLst>
-                                      </p:cBhvr>
-                                      <p:to>
-                                        <p:strVal val="visible"/>
-                                      </p:to>
-                                    </p:set>
-                                  </p:childTnLst>
-                                </p:cTn>
-                              </p:par>
-                              <p:par>
-                                <p:cTn id="27" presetID="1" presetClass="entr" presetSubtype="0" fill="hold" nodeType="withEffect">
-                                  <p:stCondLst>
-                                    <p:cond delay="0"/>
-                                  </p:stCondLst>
-                                  <p:childTnLst>
-                                    <p:set>
-                                      <p:cBhvr>
-                                        <p:cTn id="28" dur="1" fill="hold">
-                                          <p:stCondLst>
-                                            <p:cond delay="0"/>
-                                          </p:stCondLst>
-                                        </p:cTn>
-                                        <p:tgtEl>
-                                          <p:spTgt spid="9">
-                                            <p:txEl>
-                                              <p:pRg st="12" end="12"/>
-                                            </p:txEl>
-                                          </p:spTgt>
-                                        </p:tgtEl>
-                                        <p:attrNameLst>
-                                          <p:attrName>style.visibility</p:attrName>
-                                        </p:attrNameLst>
-                                      </p:cBhvr>
-                                      <p:to>
-                                        <p:strVal val="visible"/>
-                                      </p:to>
-                                    </p:set>
-                                  </p:childTnLst>
-                                </p:cTn>
-                              </p:par>
-                            </p:childTnLst>
-                          </p:cTn>
-                        </p:par>
-                      </p:childTnLst>
-                    </p:cTn>
-                  </p:par>
-                  <p:par>
-                    <p:cTn id="29" fill="hold">
-                      <p:stCondLst>
-                        <p:cond delay="indefinite"/>
-                      </p:stCondLst>
-                      <p:childTnLst>
-                        <p:par>
-                          <p:cTn id="30" fill="hold">
-                            <p:stCondLst>
-                              <p:cond delay="0"/>
-                            </p:stCondLst>
-                            <p:childTnLst>
-                              <p:par>
-                                <p:cTn id="31" presetID="1" presetClass="entr" presetSubtype="0" fill="hold" grpId="0" nodeType="clickEffect">
-                                  <p:stCondLst>
-                                    <p:cond delay="0"/>
-                                  </p:stCondLst>
-                                  <p:childTnLst>
-                                    <p:set>
-                                      <p:cBhvr>
-                                        <p:cTn id="32" dur="1" fill="hold">
-                                          <p:stCondLst>
-                                            <p:cond delay="0"/>
-                                          </p:stCondLst>
-                                        </p:cTn>
-                                        <p:tgtEl>
-                                          <p:spTgt spid="3"/>
-                                        </p:tgtEl>
-                                        <p:attrNameLst>
-                                          <p:attrName>style.visibility</p:attrName>
-                                        </p:attrNameLst>
-                                      </p:cBhvr>
-                                      <p:to>
-                                        <p:strVal val="visible"/>
-                                      </p:to>
-                                    </p:set>
-                                  </p:childTnLst>
-                                </p:cTn>
-                              </p:par>
-                            </p:childTnLst>
-                          </p:cTn>
-                        </p:par>
-                      </p:childTnLst>
-                    </p:cTn>
-                  </p:par>
-                </p:childTnLst>
-              </p:cTn>
-              <p:prevCondLst>
-                <p:cond evt="onPrev" delay="0">
-                  <p:tgtEl>
-                    <p:sldTgt/>
-                  </p:tgtEl>
-                </p:cond>
-              </p:prevCondLst>
-              <p:nextCondLst>
-                <p:cond evt="onNext" delay="0">
-                  <p:tgtEl>
-                    <p:sldTgt/>
-                  </p:tgtEl>
-                </p:cond>
-              </p:nextCondLst>
-            </p:seq>
-          </p:childTnLst>
-        </p:cTn>
-      </p:par>
-    </p:tnLst>
-    <p:bldLst>
-      <p:bldP spid="3" grpId="0"/>
-    </p:bldLst>
-  </p:timing>
-</p:sld>
-</file>
-
-<file path=ppt/slides/slide11.xml><?xml version="1.0" encoding="utf-8"?>
-<p:sld xmlns:a="http://schemas.openxmlformats.org/drawingml/2006/main" xmlns:r="http://schemas.openxmlformats.org/officeDocument/2006/relationships" xmlns:p="http://schemas.openxmlformats.org/presentationml/2006/main">
-  <p:cSld>
-    <p:spTree>
-      <p:nvGrpSpPr>
-        <p:cNvPr id="1" name=""/>
-        <p:cNvGrpSpPr/>
-        <p:nvPr/>
-      </p:nvGrpSpPr>
-      <p:grpSpPr>
-        <a:xfrm>
-          <a:off x="0" y="0"/>
-          <a:ext cx="0" cy="0"/>
-          <a:chOff x="0" y="0"/>
-          <a:chExt cx="0" cy="0"/>
-        </a:xfrm>
-      </p:grpSpPr>
-      <p:sp>
-        <p:nvSpPr>
-          <p:cNvPr id="2" name="Title 1">
-            <a:extLst>
-              <a:ext uri="{FF2B5EF4-FFF2-40B4-BE49-F238E27FC236}">
-                <a16:creationId xmlns:a16="http://schemas.microsoft.com/office/drawing/2014/main" id="{AA3A228F-61D0-D949-A5E7-F83756230BF8}"/>
-              </a:ext>
-            </a:extLst>
-          </p:cNvPr>
-          <p:cNvSpPr>
-            <a:spLocks noGrp="1"/>
-          </p:cNvSpPr>
-          <p:nvPr>
-            <p:ph type="title"/>
-          </p:nvPr>
-        </p:nvSpPr>
-        <p:spPr>
-          <a:xfrm>
-            <a:off x="108068" y="116298"/>
-            <a:ext cx="7053542" cy="683886"/>
-          </a:xfrm>
-        </p:spPr>
-        <p:txBody>
-          <a:bodyPr/>
-          <a:lstStyle/>
-          <a:p>
-            <a:r>
-              <a:rPr lang="en-US" dirty="0"/>
-              <a:t>List of Tuples</a:t>
-            </a:r>
-          </a:p>
-        </p:txBody>
-      </p:sp>
-      <p:sp>
-        <p:nvSpPr>
-          <p:cNvPr id="9" name="Content Placeholder 8">
-            <a:extLst>
-              <a:ext uri="{FF2B5EF4-FFF2-40B4-BE49-F238E27FC236}">
-                <a16:creationId xmlns:a16="http://schemas.microsoft.com/office/drawing/2014/main" id="{E3B2E017-30B2-884B-A113-B419A2ED51AD}"/>
-              </a:ext>
-            </a:extLst>
-          </p:cNvPr>
-          <p:cNvSpPr>
-            <a:spLocks noGrp="1"/>
-          </p:cNvSpPr>
-          <p:nvPr>
-            <p:ph idx="1"/>
-          </p:nvPr>
-        </p:nvSpPr>
-        <p:spPr>
-          <a:xfrm>
-            <a:off x="108068" y="800184"/>
-            <a:ext cx="8427505" cy="4914815"/>
-          </a:xfrm>
-        </p:spPr>
-        <p:txBody>
-          <a:bodyPr>
-            <a:noAutofit/>
-          </a:bodyPr>
-          <a:lstStyle/>
-          <a:p>
-            <a:pPr marL="0" indent="0">
-              <a:buNone/>
-            </a:pPr>
-            <a:r>
-              <a:rPr lang="en-US" dirty="0"/>
-              <a:t>We can form a list of tuples(or of lists) and iterate over them.</a:t>
-            </a:r>
-          </a:p>
-          <a:p>
-            <a:pPr marL="0" indent="0">
-              <a:buNone/>
-            </a:pPr>
-            <a:endParaRPr lang="en-US" b="1" dirty="0">
-              <a:solidFill>
-                <a:srgbClr val="FF0000"/>
-              </a:solidFill>
-              <a:latin typeface="Inconsolata" panose="020B0609030003000000" pitchFamily="49" charset="77"/>
-            </a:endParaRPr>
-          </a:p>
-          <a:p>
-            <a:pPr marL="0" indent="0">
-              <a:buNone/>
-            </a:pPr>
-            <a:r>
-              <a:rPr lang="en-US" b="1" dirty="0">
-                <a:solidFill>
-                  <a:srgbClr val="FF0000"/>
-                </a:solidFill>
-                <a:latin typeface="Inconsolata" panose="020B0609030003000000" pitchFamily="49" charset="77"/>
-              </a:rPr>
-              <a:t>Method 2) Using []:</a:t>
-            </a:r>
-          </a:p>
-          <a:p>
-            <a:pPr marL="0" indent="0">
-              <a:buNone/>
-            </a:pPr>
-            <a:r>
-              <a:rPr lang="en-US" sz="2000" b="1" dirty="0" err="1">
-                <a:solidFill>
-                  <a:srgbClr val="000087"/>
-                </a:solidFill>
-                <a:latin typeface="Inconsolata" panose="020B0609030003000000" pitchFamily="49" charset="77"/>
-              </a:rPr>
-              <a:t>lst</a:t>
-            </a:r>
-            <a:r>
-              <a:rPr lang="en-US" sz="2000" b="1" dirty="0">
-                <a:solidFill>
-                  <a:srgbClr val="000087"/>
-                </a:solidFill>
-                <a:latin typeface="Inconsolata" panose="020B0609030003000000" pitchFamily="49" charset="77"/>
-              </a:rPr>
-              <a:t> </a:t>
-            </a:r>
-            <a:r>
-              <a:rPr lang="en-US" sz="2000" b="1" dirty="0">
-                <a:solidFill>
-                  <a:srgbClr val="545454"/>
-                </a:solidFill>
-                <a:latin typeface="Inconsolata" panose="020B0609030003000000" pitchFamily="49" charset="77"/>
-              </a:rPr>
-              <a:t>= </a:t>
-            </a:r>
-            <a:r>
-              <a:rPr lang="en-US" sz="2000" b="1" dirty="0">
-                <a:latin typeface="Inconsolata" panose="020B0609030003000000" pitchFamily="49" charset="77"/>
-              </a:rPr>
-              <a:t>[</a:t>
-            </a:r>
-            <a:r>
-              <a:rPr lang="en-US" sz="2000" b="1" dirty="0">
-                <a:solidFill>
-                  <a:srgbClr val="FF6600"/>
-                </a:solidFill>
-                <a:latin typeface="Inconsolata" panose="020B0609030003000000" pitchFamily="49" charset="77"/>
-              </a:rPr>
-              <a:t>(“Mike”, 3.2), (“Sarah”, 3.6), (“Jack”, 2.8)</a:t>
-            </a:r>
-            <a:r>
-              <a:rPr lang="en-US" sz="2000" b="1" dirty="0">
-                <a:latin typeface="Inconsolata" panose="020B0609030003000000" pitchFamily="49" charset="77"/>
-              </a:rPr>
-              <a:t>]</a:t>
-            </a:r>
-          </a:p>
-          <a:p>
-            <a:pPr marL="0" indent="0">
-              <a:buNone/>
-            </a:pPr>
-            <a:r>
-              <a:rPr lang="en-US" sz="2000" b="1" dirty="0">
-                <a:solidFill>
-                  <a:srgbClr val="006699"/>
-                </a:solidFill>
-                <a:latin typeface="Inconsolata" panose="020B0609030003000000" pitchFamily="49" charset="77"/>
-              </a:rPr>
-              <a:t>for </a:t>
-            </a:r>
-            <a:r>
-              <a:rPr lang="en-US" sz="2000" b="1" dirty="0">
-                <a:solidFill>
-                  <a:srgbClr val="000087"/>
-                </a:solidFill>
-                <a:latin typeface="Inconsolata" panose="020B0609030003000000" pitchFamily="49" charset="77"/>
-              </a:rPr>
-              <a:t>student </a:t>
-            </a:r>
-            <a:r>
-              <a:rPr lang="en-US" sz="2000" b="1" dirty="0">
-                <a:latin typeface="Inconsolata" panose="020B0609030003000000" pitchFamily="49" charset="77"/>
-              </a:rPr>
-              <a:t>in </a:t>
-            </a:r>
-            <a:r>
-              <a:rPr lang="en-US" sz="2000" b="1" dirty="0" err="1">
-                <a:solidFill>
-                  <a:srgbClr val="336666"/>
-                </a:solidFill>
-                <a:latin typeface="Inconsolata" panose="020B0609030003000000" pitchFamily="49" charset="77"/>
-              </a:rPr>
-              <a:t>lst</a:t>
-            </a:r>
-            <a:r>
-              <a:rPr lang="en-US" sz="2000" b="1" dirty="0">
-                <a:solidFill>
-                  <a:srgbClr val="336666"/>
-                </a:solidFill>
-                <a:latin typeface="Inconsolata" panose="020B0609030003000000" pitchFamily="49" charset="77"/>
-              </a:rPr>
-              <a:t>:</a:t>
-            </a:r>
-          </a:p>
-          <a:p>
-            <a:pPr marL="0" indent="0">
-              <a:buNone/>
-            </a:pPr>
-            <a:r>
-              <a:rPr lang="en-US" sz="2000" b="1" dirty="0">
-                <a:solidFill>
-                  <a:srgbClr val="336666"/>
-                </a:solidFill>
-                <a:latin typeface="Inconsolata" panose="020B0609030003000000" pitchFamily="49" charset="77"/>
-              </a:rPr>
-              <a:t>	print(</a:t>
-            </a:r>
-            <a:r>
-              <a:rPr lang="en-US" sz="2000" b="1" dirty="0">
-                <a:solidFill>
-                  <a:srgbClr val="000087"/>
-                </a:solidFill>
-                <a:latin typeface="Inconsolata" panose="020B0609030003000000" pitchFamily="49" charset="77"/>
-              </a:rPr>
-              <a:t>student[0], student[1]</a:t>
-            </a:r>
-            <a:r>
-              <a:rPr lang="en-US" sz="2000" b="1" dirty="0">
-                <a:solidFill>
-                  <a:srgbClr val="336666"/>
-                </a:solidFill>
-                <a:latin typeface="Inconsolata" panose="020B0609030003000000" pitchFamily="49" charset="77"/>
-              </a:rPr>
-              <a:t>)</a:t>
-            </a:r>
-          </a:p>
-          <a:p>
-            <a:pPr marL="0" indent="0">
-              <a:buNone/>
-            </a:pPr>
-            <a:endParaRPr lang="en-US" sz="2000" dirty="0">
-              <a:latin typeface="Gill Sans MT" panose="020B0502020104020203" pitchFamily="34" charset="77"/>
-            </a:endParaRPr>
-          </a:p>
-          <a:p>
-            <a:pPr marL="0" indent="0">
-              <a:buNone/>
-            </a:pPr>
-            <a:r>
-              <a:rPr lang="en-US" sz="2000" b="1" dirty="0">
-                <a:latin typeface="Inconsolata" panose="020B0609030003000000" pitchFamily="49" charset="77"/>
-              </a:rPr>
-              <a:t>Mike 3.2</a:t>
-            </a:r>
-          </a:p>
-          <a:p>
-            <a:pPr marL="0" indent="0">
-              <a:buNone/>
-            </a:pPr>
-            <a:r>
-              <a:rPr lang="en-US" sz="2000" b="1" dirty="0">
-                <a:latin typeface="Inconsolata" panose="020B0609030003000000" pitchFamily="49" charset="77"/>
-              </a:rPr>
-              <a:t>Sarah 3.6</a:t>
-            </a:r>
-          </a:p>
-          <a:p>
-            <a:pPr marL="0" indent="0">
-              <a:buNone/>
-            </a:pPr>
-            <a:r>
-              <a:rPr lang="en-US" sz="2000" b="1" dirty="0">
-                <a:latin typeface="Inconsolata" panose="020B0609030003000000" pitchFamily="49" charset="77"/>
-              </a:rPr>
-              <a:t>Jack 2.8</a:t>
-            </a:r>
-          </a:p>
-          <a:p>
-            <a:pPr marL="0" indent="0">
-              <a:buNone/>
-            </a:pPr>
-            <a:endParaRPr lang="en-US" sz="2000" b="1" dirty="0">
-              <a:latin typeface="Gill Sans MT" panose="020B0502020104020203" pitchFamily="34" charset="77"/>
-            </a:endParaRPr>
-          </a:p>
-          <a:p>
-            <a:pPr marL="0" indent="0">
-              <a:buNone/>
-            </a:pPr>
-            <a:endParaRPr lang="en-US" sz="2000" b="1" dirty="0">
-              <a:latin typeface="Inconsolata" panose="020B0609030003000000" pitchFamily="49" charset="77"/>
-            </a:endParaRPr>
-          </a:p>
-          <a:p>
-            <a:pPr marL="0" indent="0">
-              <a:buNone/>
-            </a:pPr>
-            <a:r>
-              <a:rPr lang="en-US" dirty="0"/>
-              <a:t>  	                </a:t>
-            </a:r>
-          </a:p>
-          <a:p>
-            <a:pPr marL="0" indent="0">
-              <a:buNone/>
-            </a:pPr>
-            <a:endParaRPr lang="en-US" dirty="0"/>
-          </a:p>
-          <a:p>
-            <a:pPr marL="0" indent="0">
-              <a:buNone/>
-            </a:pPr>
-            <a:endParaRPr lang="en-US" dirty="0"/>
-          </a:p>
-          <a:p>
-            <a:pPr marL="0" indent="0">
-              <a:buNone/>
-            </a:pPr>
-            <a:r>
-              <a:rPr lang="en-US" dirty="0"/>
-              <a:t> </a:t>
-            </a:r>
-          </a:p>
-          <a:p>
-            <a:pPr marL="0" indent="0">
-              <a:buNone/>
-            </a:pPr>
-            <a:endParaRPr lang="en-US" dirty="0"/>
-          </a:p>
-          <a:p>
-            <a:pPr marL="0" indent="0">
-              <a:buNone/>
-            </a:pPr>
-            <a:endParaRPr lang="en-US" dirty="0"/>
-          </a:p>
-        </p:txBody>
-      </p:sp>
-    </p:spTree>
-    <p:extLst>
-      <p:ext uri="{BB962C8B-B14F-4D97-AF65-F5344CB8AC3E}">
-        <p14:creationId xmlns:p14="http://schemas.microsoft.com/office/powerpoint/2010/main" val="2834108163"/>
-      </p:ext>
-    </p:extLst>
-  </p:cSld>
-  <p:clrMapOvr>
-    <a:masterClrMapping/>
-  </p:clrMapOvr>
-  <p:timing>
-    <p:tnLst>
-      <p:par>
-        <p:cTn id="1" dur="indefinite" restart="never" nodeType="tmRoot">
-          <p:childTnLst>
-            <p:seq concurrent="1" nextAc="seek">
-              <p:cTn id="2" dur="indefinite" nodeType="mainSeq">
-                <p:childTnLst>
-                  <p:par>
-                    <p:cTn id="3" fill="hold">
-                      <p:stCondLst>
-                        <p:cond delay="indefinite"/>
-                      </p:stCondLst>
-                      <p:childTnLst>
-                        <p:par>
-                          <p:cTn id="4" fill="hold">
-                            <p:stCondLst>
-                              <p:cond delay="0"/>
-                            </p:stCondLst>
-                            <p:childTnLst>
-                              <p:par>
-                                <p:cTn id="5" presetID="1" presetClass="entr" presetSubtype="0" fill="hold" nodeType="clickEffect">
-                                  <p:stCondLst>
-                                    <p:cond delay="0"/>
-                                  </p:stCondLst>
-                                  <p:childTnLst>
-                                    <p:set>
-                                      <p:cBhvr>
-                                        <p:cTn id="6" dur="1" fill="hold">
-                                          <p:stCondLst>
-                                            <p:cond delay="0"/>
-                                          </p:stCondLst>
-                                        </p:cTn>
-                                        <p:tgtEl>
-                                          <p:spTgt spid="9">
-                                            <p:txEl>
-                                              <p:pRg st="3" end="3"/>
-                                            </p:txEl>
-                                          </p:spTgt>
-                                        </p:tgtEl>
-                                        <p:attrNameLst>
-                                          <p:attrName>style.visibility</p:attrName>
-                                        </p:attrNameLst>
-                                      </p:cBhvr>
-                                      <p:to>
-                                        <p:strVal val="visible"/>
-                                      </p:to>
-                                    </p:set>
-                                  </p:childTnLst>
-                                </p:cTn>
-                              </p:par>
-                              <p:par>
-                                <p:cTn id="7" presetID="1" presetClass="entr" presetSubtype="0" fill="hold" nodeType="withEffect">
-                                  <p:stCondLst>
-                                    <p:cond delay="0"/>
-                                  </p:stCondLst>
-                                  <p:childTnLst>
-                                    <p:set>
-                                      <p:cBhvr>
-                                        <p:cTn id="8" dur="1" fill="hold">
-                                          <p:stCondLst>
-                                            <p:cond delay="0"/>
-                                          </p:stCondLst>
-                                        </p:cTn>
-                                        <p:tgtEl>
-                                          <p:spTgt spid="9">
-                                            <p:txEl>
-                                              <p:pRg st="4" end="4"/>
-                                            </p:txEl>
-                                          </p:spTgt>
-                                        </p:tgtEl>
-                                        <p:attrNameLst>
-                                          <p:attrName>style.visibility</p:attrName>
-                                        </p:attrNameLst>
-                                      </p:cBhvr>
-                                      <p:to>
-                                        <p:strVal val="visible"/>
-                                      </p:to>
-                                    </p:set>
-                                  </p:childTnLst>
-                                </p:cTn>
-                              </p:par>
-                              <p:par>
-                                <p:cTn id="9" presetID="1" presetClass="entr" presetSubtype="0" fill="hold" nodeType="withEffect">
-                                  <p:stCondLst>
-                                    <p:cond delay="0"/>
-                                  </p:stCondLst>
-                                  <p:childTnLst>
-                                    <p:set>
-                                      <p:cBhvr>
-                                        <p:cTn id="10" dur="1" fill="hold">
-                                          <p:stCondLst>
-                                            <p:cond delay="0"/>
-                                          </p:stCondLst>
-                                        </p:cTn>
-                                        <p:tgtEl>
-                                          <p:spTgt spid="9">
-                                            <p:txEl>
-                                              <p:pRg st="5" end="5"/>
-                                            </p:txEl>
-                                          </p:spTgt>
-                                        </p:tgtEl>
-                                        <p:attrNameLst>
-                                          <p:attrName>style.visibility</p:attrName>
-                                        </p:attrNameLst>
-                                      </p:cBhvr>
-                                      <p:to>
-                                        <p:strVal val="visible"/>
-                                      </p:to>
-                                    </p:set>
-                                  </p:childTnLst>
-                                </p:cTn>
-                              </p:par>
-                            </p:childTnLst>
-                          </p:cTn>
-                        </p:par>
-                      </p:childTnLst>
-                    </p:cTn>
-                  </p:par>
-                  <p:par>
-                    <p:cTn id="11" fill="hold">
-                      <p:stCondLst>
-                        <p:cond delay="indefinite"/>
-                      </p:stCondLst>
-                      <p:childTnLst>
-                        <p:par>
-                          <p:cTn id="12" fill="hold">
-                            <p:stCondLst>
-                              <p:cond delay="0"/>
-                            </p:stCondLst>
-                            <p:childTnLst>
-                              <p:par>
-                                <p:cTn id="13" presetID="1" presetClass="entr" presetSubtype="0" fill="hold" nodeType="clickEffect">
-                                  <p:stCondLst>
-                                    <p:cond delay="0"/>
-                                  </p:stCondLst>
-                                  <p:childTnLst>
-                                    <p:set>
-                                      <p:cBhvr>
-                                        <p:cTn id="14" dur="1" fill="hold">
-                                          <p:stCondLst>
-                                            <p:cond delay="0"/>
-                                          </p:stCondLst>
-                                        </p:cTn>
-                                        <p:tgtEl>
-                                          <p:spTgt spid="9">
-                                            <p:txEl>
-                                              <p:pRg st="7" end="7"/>
-                                            </p:txEl>
-                                          </p:spTgt>
-                                        </p:tgtEl>
-                                        <p:attrNameLst>
-                                          <p:attrName>style.visibility</p:attrName>
-                                        </p:attrNameLst>
-                                      </p:cBhvr>
-                                      <p:to>
-                                        <p:strVal val="visible"/>
-                                      </p:to>
-                                    </p:set>
-                                  </p:childTnLst>
-                                </p:cTn>
-                              </p:par>
-                              <p:par>
-                                <p:cTn id="15" presetID="1" presetClass="entr" presetSubtype="0" fill="hold" nodeType="withEffect">
-                                  <p:stCondLst>
-                                    <p:cond delay="0"/>
-                                  </p:stCondLst>
-                                  <p:childTnLst>
-                                    <p:set>
-                                      <p:cBhvr>
-                                        <p:cTn id="16" dur="1" fill="hold">
-                                          <p:stCondLst>
-                                            <p:cond delay="0"/>
-                                          </p:stCondLst>
-                                        </p:cTn>
-                                        <p:tgtEl>
-                                          <p:spTgt spid="9">
-                                            <p:txEl>
-                                              <p:pRg st="8" end="8"/>
-                                            </p:txEl>
-                                          </p:spTgt>
-                                        </p:tgtEl>
-                                        <p:attrNameLst>
-                                          <p:attrName>style.visibility</p:attrName>
-                                        </p:attrNameLst>
-                                      </p:cBhvr>
-                                      <p:to>
-                                        <p:strVal val="visible"/>
-                                      </p:to>
-                                    </p:set>
-                                  </p:childTnLst>
-                                </p:cTn>
-                              </p:par>
-                              <p:par>
-                                <p:cTn id="17" presetID="1" presetClass="entr" presetSubtype="0" fill="hold" nodeType="withEffect">
-                                  <p:stCondLst>
-                                    <p:cond delay="0"/>
-                                  </p:stCondLst>
-                                  <p:childTnLst>
-                                    <p:set>
-                                      <p:cBhvr>
-                                        <p:cTn id="18" dur="1" fill="hold">
-                                          <p:stCondLst>
-                                            <p:cond delay="0"/>
-                                          </p:stCondLst>
-                                        </p:cTn>
-                                        <p:tgtEl>
-                                          <p:spTgt spid="9">
-                                            <p:txEl>
-                                              <p:pRg st="9" end="9"/>
-                                            </p:txEl>
-                                          </p:spTgt>
-                                        </p:tgtEl>
-                                        <p:attrNameLst>
-                                          <p:attrName>style.visibility</p:attrName>
-                                        </p:attrNameLst>
-                                      </p:cBhvr>
-                                      <p:to>
-                                        <p:strVal val="visible"/>
-                                      </p:to>
-                                    </p:set>
-                                  </p:childTnLst>
-                                </p:cTn>
-                              </p:par>
                             </p:childTnLst>
                           </p:cTn>
                         </p:par>
@@ -7048,37 +7343,6 @@
                                         <p:tgtEl>
                                           <p:spTgt spid="9">
                                             <p:txEl>
-                                              <p:pRg st="4" end="4"/>
-                                            </p:txEl>
-                                          </p:spTgt>
-                                        </p:tgtEl>
-                                        <p:attrNameLst>
-                                          <p:attrName>style.visibility</p:attrName>
-                                        </p:attrNameLst>
-                                      </p:cBhvr>
-                                      <p:to>
-                                        <p:strVal val="visible"/>
-                                      </p:to>
-                                    </p:set>
-                                  </p:childTnLst>
-                                </p:cTn>
-                              </p:par>
-                              <p:par>
-                                <p:cTn id="7" presetID="1" presetClass="entr" presetSubtype="0" fill="hold" nodeType="withEffect">
-                                  <p:stCondLst>
-                                    <p:cond delay="0"/>
-                                  </p:stCondLst>
-                                  <p:childTnLst>
-                                    <p:set>
-                                      <p:cBhvr>
-                                        <p:cTn id="8" dur="1" fill="hold">
-                                          <p:stCondLst>
-                                            <p:cond delay="0"/>
-                                          </p:stCondLst>
-                                        </p:cTn>
-                                        <p:tgtEl>
-                                          <p:spTgt spid="9">
-                                            <p:txEl>
                                               <p:pRg st="5" end="5"/>
                                             </p:txEl>
                                           </p:spTgt>
@@ -7094,8 +7358,26 @@
                                   </p:childTnLst>
                                 </p:cTn>
                               </p:par>
+                            </p:childTnLst>
+                          </p:cTn>
+                        </p:par>
+                      </p:childTnLst>
+                    </p:cTn>
+                  </p:par>
+                  <p:par>
+                    <p:cTn id="7" fill="hold">
+                      <p:stCondLst>
+                        <p:cond delay="indefinite"/>
+                      </p:stCondLst>
+                      <p:childTnLst>
+                        <p:par>
+                          <p:cTn id="8" fill="hold">
+                            <p:stCondLst>
+                              <p:cond delay="0"/>
+                            </p:stCondLst>
+                            <p:childTnLst>
                               <p:par>
-                                <p:cTn id="9" presetID="1" presetClass="entr" presetSubtype="0" fill="hold" nodeType="withEffect">
+                                <p:cTn id="9" presetID="1" presetClass="entr" presetSubtype="0" fill="hold" nodeType="clickEffect">
                                   <p:stCondLst>
                                     <p:cond delay="0"/>
                                   </p:stCondLst>
@@ -7711,7 +7993,7 @@
                                         <p:tgtEl>
                                           <p:spTgt spid="9">
                                             <p:txEl>
-                                              <p:pRg st="4" end="4"/>
+                                              <p:pRg st="5" end="5"/>
                                             </p:txEl>
                                           </p:spTgt>
                                         </p:tgtEl>
@@ -7760,7 +8042,7 @@
                                         <p:tgtEl>
                                           <p:spTgt spid="9">
                                             <p:txEl>
-                                              <p:pRg st="1" end="1"/>
+                                              <p:pRg st="6" end="6"/>
                                             </p:txEl>
                                           </p:spTgt>
                                         </p:tgtEl>
@@ -7809,68 +8091,6 @@
                                         <p:tgtEl>
                                           <p:spTgt spid="9">
                                             <p:txEl>
-                                              <p:pRg st="5" end="5"/>
-                                            </p:txEl>
-                                          </p:spTgt>
-                                        </p:tgtEl>
-                                        <p:attrNameLst>
-                                          <p:attrName>style.visibility</p:attrName>
-                                        </p:attrNameLst>
-                                      </p:cBhvr>
-                                      <p:to>
-                                        <p:strVal val="visible"/>
-                                      </p:to>
-                                    </p:set>
-                                  </p:childTnLst>
-                                </p:cTn>
-                              </p:par>
-                              <p:par>
-                                <p:cTn id="15" presetID="1" presetClass="entr" presetSubtype="0" fill="hold" nodeType="withEffect">
-                                  <p:stCondLst>
-                                    <p:cond delay="0"/>
-                                  </p:stCondLst>
-                                  <p:childTnLst>
-                                    <p:set>
-                                      <p:cBhvr>
-                                        <p:cTn id="16" dur="1" fill="hold">
-                                          <p:stCondLst>
-                                            <p:cond delay="0"/>
-                                          </p:stCondLst>
-                                        </p:cTn>
-                                        <p:tgtEl>
-                                          <p:spTgt spid="9">
-                                            <p:txEl>
-                                              <p:pRg st="6" end="6"/>
-                                            </p:txEl>
-                                          </p:spTgt>
-                                        </p:tgtEl>
-                                        <p:attrNameLst>
-                                          <p:attrName>style.visibility</p:attrName>
-                                        </p:attrNameLst>
-                                      </p:cBhvr>
-                                      <p:to>
-                                        <p:strVal val="visible"/>
-                                      </p:to>
-                                    </p:set>
-                                  </p:childTnLst>
-                                </p:cTn>
-                              </p:par>
-                              <p:par>
-                                <p:cTn id="17" presetID="1" presetClass="entr" presetSubtype="0" fill="hold" nodeType="withEffect">
-                                  <p:stCondLst>
-                                    <p:cond delay="0"/>
-                                  </p:stCondLst>
-                                  <p:childTnLst>
-                                    <p:set>
-                                      <p:cBhvr>
-                                        <p:cTn id="18" dur="1" fill="hold">
-                                          <p:stCondLst>
-                                            <p:cond delay="0"/>
-                                          </p:stCondLst>
-                                        </p:cTn>
-                                        <p:tgtEl>
-                                          <p:spTgt spid="9">
-                                            <p:txEl>
                                               <p:pRg st="7" end="7"/>
                                             </p:txEl>
                                           </p:spTgt>
@@ -7886,15 +8106,33 @@
                                   </p:childTnLst>
                                 </p:cTn>
                               </p:par>
+                            </p:childTnLst>
+                          </p:cTn>
+                        </p:par>
+                      </p:childTnLst>
+                    </p:cTn>
+                  </p:par>
+                  <p:par>
+                    <p:cTn id="15" fill="hold">
+                      <p:stCondLst>
+                        <p:cond delay="indefinite"/>
+                      </p:stCondLst>
+                      <p:childTnLst>
+                        <p:par>
+                          <p:cTn id="16" fill="hold">
+                            <p:stCondLst>
+                              <p:cond delay="0"/>
+                            </p:stCondLst>
+                            <p:childTnLst>
                               <p:par>
-                                <p:cTn id="19" presetID="1" presetClass="entr" presetSubtype="0" fill="hold" nodeType="withEffect">
+                                <p:cTn id="17" presetID="1" presetClass="entr" presetSubtype="0" fill="hold" nodeType="clickEffect">
                                   <p:stCondLst>
                                     <p:cond delay="0"/>
                                   </p:stCondLst>
                                   <p:childTnLst>
                                     <p:set>
                                       <p:cBhvr>
-                                        <p:cTn id="20" dur="1" fill="hold">
+                                        <p:cTn id="18" dur="1" fill="hold">
                                           <p:stCondLst>
                                             <p:cond delay="0"/>
                                           </p:stCondLst>
@@ -8309,6 +8547,89 @@
           </a:p>
         </p:txBody>
       </p:sp>
+      <p:sp>
+        <p:nvSpPr>
+          <p:cNvPr id="4" name="TextBox 3">
+            <a:extLst>
+              <a:ext uri="{FF2B5EF4-FFF2-40B4-BE49-F238E27FC236}">
+                <a16:creationId xmlns:a16="http://schemas.microsoft.com/office/drawing/2014/main" id="{95F18400-9045-2945-A4D6-189BA7B15B10}"/>
+              </a:ext>
+            </a:extLst>
+          </p:cNvPr>
+          <p:cNvSpPr txBox="1"/>
+          <p:nvPr/>
+        </p:nvSpPr>
+        <p:spPr>
+          <a:xfrm>
+            <a:off x="2048465" y="4269935"/>
+            <a:ext cx="1770036" cy="415498"/>
+          </a:xfrm>
+          <a:prstGeom prst="rect">
+            <a:avLst/>
+          </a:prstGeom>
+          <a:noFill/>
+        </p:spPr>
+        <p:txBody>
+          <a:bodyPr wrap="none" rtlCol="0">
+            <a:spAutoFit/>
+          </a:bodyPr>
+          <a:lstStyle/>
+          <a:p>
+            <a:r>
+              <a:rPr lang="en-US" sz="2100" dirty="0">
+                <a:solidFill>
+                  <a:srgbClr val="FF0000"/>
+                </a:solidFill>
+              </a:rPr>
+              <a:t>This is a tuple!</a:t>
+            </a:r>
+          </a:p>
+        </p:txBody>
+      </p:sp>
+      <p:cxnSp>
+        <p:nvCxnSpPr>
+          <p:cNvPr id="5" name="Straight Arrow Connector 4">
+            <a:extLst>
+              <a:ext uri="{FF2B5EF4-FFF2-40B4-BE49-F238E27FC236}">
+                <a16:creationId xmlns:a16="http://schemas.microsoft.com/office/drawing/2014/main" id="{211A0A9C-9AA0-7A40-8DDE-6C34F2EB5427}"/>
+              </a:ext>
+            </a:extLst>
+          </p:cNvPr>
+          <p:cNvCxnSpPr>
+            <a:cxnSpLocks/>
+          </p:cNvCxnSpPr>
+          <p:nvPr/>
+        </p:nvCxnSpPr>
+        <p:spPr>
+          <a:xfrm flipH="1" flipV="1">
+            <a:off x="1299892" y="3450288"/>
+            <a:ext cx="1305345" cy="725863"/>
+          </a:xfrm>
+          <a:prstGeom prst="straightConnector1">
+            <a:avLst/>
+          </a:prstGeom>
+          <a:ln w="25400">
+            <a:solidFill>
+              <a:schemeClr val="accent1"/>
+            </a:solidFill>
+            <a:tailEnd type="triangle"/>
+          </a:ln>
+        </p:spPr>
+        <p:style>
+          <a:lnRef idx="1">
+            <a:schemeClr val="accent1"/>
+          </a:lnRef>
+          <a:fillRef idx="0">
+            <a:schemeClr val="accent1"/>
+          </a:fillRef>
+          <a:effectRef idx="0">
+            <a:schemeClr val="accent1"/>
+          </a:effectRef>
+          <a:fontRef idx="minor">
+            <a:schemeClr val="tx1"/>
+          </a:fontRef>
+        </p:style>
+      </p:cxnSp>
     </p:spTree>
     <p:extLst>
       <p:ext uri="{BB962C8B-B14F-4D97-AF65-F5344CB8AC3E}">
@@ -8331,9 +8652,6 @@
                     <p:cTn id="3" fill="hold">
                       <p:stCondLst>
                         <p:cond delay="indefinite"/>
-                        <p:cond evt="onBegin" delay="0">
-                          <p:tn val="2"/>
-                        </p:cond>
                       </p:stCondLst>
                       <p:childTnLst>
                         <p:par>
@@ -8343,7 +8661,7 @@
                             </p:stCondLst>
                             <p:childTnLst>
                               <p:par>
-                                <p:cTn id="5" presetID="1" presetClass="entr" presetSubtype="0" fill="hold" nodeType="withEffect">
+                                <p:cTn id="5" presetID="1" presetClass="entr" presetSubtype="0" fill="hold" nodeType="clickEffect">
                                   <p:stCondLst>
                                     <p:cond delay="0"/>
                                   </p:stCondLst>
@@ -8373,15 +8691,33 @@
                                   </p:childTnLst>
                                 </p:cTn>
                               </p:par>
+                            </p:childTnLst>
+                          </p:cTn>
+                        </p:par>
+                      </p:childTnLst>
+                    </p:cTn>
+                  </p:par>
+                  <p:par>
+                    <p:cTn id="7" fill="hold">
+                      <p:stCondLst>
+                        <p:cond delay="indefinite"/>
+                      </p:stCondLst>
+                      <p:childTnLst>
+                        <p:par>
+                          <p:cTn id="8" fill="hold">
+                            <p:stCondLst>
+                              <p:cond delay="0"/>
+                            </p:stCondLst>
+                            <p:childTnLst>
                               <p:par>
-                                <p:cTn id="7" presetID="1" presetClass="entr" presetSubtype="0" fill="hold" nodeType="withEffect">
+                                <p:cTn id="9" presetID="1" presetClass="entr" presetSubtype="0" fill="hold" nodeType="clickEffect">
                                   <p:stCondLst>
                                     <p:cond delay="0"/>
                                   </p:stCondLst>
                                   <p:childTnLst>
                                     <p:set>
                                       <p:cBhvr>
-                                        <p:cTn id="8" dur="1" fill="hold">
+                                        <p:cTn id="10" dur="1" fill="hold">
                                           <p:stCondLst>
                                             <p:cond delay="0"/>
                                           </p:stCondLst>
@@ -8411,26 +8747,98 @@
                     </p:cTn>
                   </p:par>
                   <p:par>
-                    <p:cTn id="9" fill="hold">
+                    <p:cTn id="11" fill="hold">
                       <p:stCondLst>
                         <p:cond delay="indefinite"/>
                       </p:stCondLst>
                       <p:childTnLst>
                         <p:par>
-                          <p:cTn id="10" fill="hold">
+                          <p:cTn id="12" fill="hold">
                             <p:stCondLst>
                               <p:cond delay="0"/>
                             </p:stCondLst>
                             <p:childTnLst>
                               <p:par>
-                                <p:cTn id="11" presetID="1" presetClass="entr" presetSubtype="0" fill="hold" nodeType="clickEffect">
+                                <p:cTn id="13" presetID="1" presetClass="entr" presetSubtype="0" fill="hold" nodeType="clickEffect">
                                   <p:stCondLst>
                                     <p:cond delay="0"/>
                                   </p:stCondLst>
                                   <p:childTnLst>
                                     <p:set>
                                       <p:cBhvr>
-                                        <p:cTn id="12" dur="1" fill="hold">
+                                        <p:cTn id="14" dur="1" fill="hold">
+                                          <p:stCondLst>
+                                            <p:cond delay="0"/>
+                                          </p:stCondLst>
+                                        </p:cTn>
+                                        <p:tgtEl>
+                                          <p:spTgt spid="5"/>
+                                        </p:tgtEl>
+                                        <p:attrNameLst>
+                                          <p:attrName>style.visibility</p:attrName>
+                                        </p:attrNameLst>
+                                      </p:cBhvr>
+                                      <p:to>
+                                        <p:strVal val="visible"/>
+                                      </p:to>
+                                    </p:set>
+                                  </p:childTnLst>
+                                </p:cTn>
+                              </p:par>
+                              <p:par>
+                                <p:cTn id="15" presetID="1" presetClass="entr" presetSubtype="0" fill="hold" grpId="0" nodeType="withEffect">
+                                  <p:stCondLst>
+                                    <p:cond delay="0"/>
+                                  </p:stCondLst>
+                                  <p:childTnLst>
+                                    <p:set>
+                                      <p:cBhvr>
+                                        <p:cTn id="16" dur="1" fill="hold">
+                                          <p:stCondLst>
+                                            <p:cond delay="0"/>
+                                          </p:stCondLst>
+                                        </p:cTn>
+                                        <p:tgtEl>
+                                          <p:spTgt spid="4"/>
+                                        </p:tgtEl>
+                                        <p:attrNameLst>
+                                          <p:attrName>style.visibility</p:attrName>
+                                        </p:attrNameLst>
+                                      </p:cBhvr>
+                                      <p:to>
+                                        <p:strVal val="visible"/>
+                                      </p:to>
+                                    </p:set>
+                                  </p:childTnLst>
+                                </p:cTn>
+                              </p:par>
+                            </p:childTnLst>
+                          </p:cTn>
+                        </p:par>
+                      </p:childTnLst>
+                    </p:cTn>
+                  </p:par>
+                  <p:par>
+                    <p:cTn id="17" fill="hold">
+                      <p:stCondLst>
+                        <p:cond delay="indefinite"/>
+                      </p:stCondLst>
+                      <p:childTnLst>
+                        <p:par>
+                          <p:cTn id="18" fill="hold">
+                            <p:stCondLst>
+                              <p:cond delay="0"/>
+                            </p:stCondLst>
+                            <p:childTnLst>
+                              <p:par>
+                                <p:cTn id="19" presetID="1" presetClass="entr" presetSubtype="0" fill="hold" nodeType="clickEffect">
+                                  <p:stCondLst>
+                                    <p:cond delay="0"/>
+                                  </p:stCondLst>
+                                  <p:childTnLst>
+                                    <p:set>
+                                      <p:cBhvr>
+                                        <p:cTn id="20" dur="1" fill="hold">
                                           <p:stCondLst>
                                             <p:cond delay="0"/>
                                           </p:stCondLst>
@@ -8454,14 +8862,14 @@
                                 </p:cTn>
                               </p:par>
                               <p:par>
-                                <p:cTn id="13" presetID="1" presetClass="entr" presetSubtype="0" fill="hold" nodeType="withEffect">
+                                <p:cTn id="21" presetID="1" presetClass="entr" presetSubtype="0" fill="hold" nodeType="withEffect">
                                   <p:stCondLst>
                                     <p:cond delay="0"/>
                                   </p:stCondLst>
                                   <p:childTnLst>
                                     <p:set>
                                       <p:cBhvr>
-                                        <p:cTn id="14" dur="1" fill="hold">
+                                        <p:cTn id="22" dur="1" fill="hold">
                                           <p:stCondLst>
                                             <p:cond delay="0"/>
                                           </p:stCondLst>
@@ -8485,14 +8893,14 @@
                                 </p:cTn>
                               </p:par>
                               <p:par>
-                                <p:cTn id="15" presetID="1" presetClass="entr" presetSubtype="0" fill="hold" nodeType="withEffect">
+                                <p:cTn id="23" presetID="1" presetClass="entr" presetSubtype="0" fill="hold" nodeType="withEffect">
                                   <p:stCondLst>
                                     <p:cond delay="0"/>
                                   </p:stCondLst>
                                   <p:childTnLst>
                                     <p:set>
                                       <p:cBhvr>
-                                        <p:cTn id="16" dur="1" fill="hold">
+                                        <p:cTn id="24" dur="1" fill="hold">
                                           <p:stCondLst>
                                             <p:cond delay="0"/>
                                           </p:stCondLst>
@@ -8542,6 +8950,9 @@
         </p:cTn>
       </p:par>
     </p:tnLst>
+    <p:bldLst>
+      <p:bldP spid="4" grpId="0"/>
+    </p:bldLst>
   </p:timing>
 </p:sld>
 </file>
@@ -8636,35 +9047,217 @@
             <a:pPr marL="0" indent="0">
               <a:buNone/>
             </a:pPr>
-            <a:r>
-              <a:rPr lang="en-US" dirty="0"/>
+            <a:endParaRPr lang="en-US" dirty="0"/>
+          </a:p>
+          <a:p>
+            <a:pPr marL="0" indent="0">
+              <a:buNone/>
+            </a:pPr>
+            <a:r>
+              <a:rPr lang="en-US" b="1" dirty="0" err="1">
+                <a:solidFill>
+                  <a:srgbClr val="000087"/>
+                </a:solidFill>
+                <a:latin typeface="Inconsolata" panose="020B0609030003000000" pitchFamily="49" charset="77"/>
+              </a:rPr>
+              <a:t>lst</a:t>
+            </a:r>
+            <a:r>
+              <a:rPr lang="en-US" b="1" dirty="0">
+                <a:solidFill>
+                  <a:srgbClr val="000087"/>
+                </a:solidFill>
+                <a:latin typeface="Inconsolata" panose="020B0609030003000000" pitchFamily="49" charset="77"/>
+              </a:rPr>
               <a:t> </a:t>
             </a:r>
-          </a:p>
-          <a:p>
-            <a:pPr marL="0" indent="0">
-              <a:buNone/>
-            </a:pPr>
-            <a:r>
-              <a:rPr lang="en-US" sz="2000" b="1" dirty="0" err="1">
+            <a:r>
+              <a:rPr lang="en-US" b="1" dirty="0">
+                <a:solidFill>
+                  <a:srgbClr val="545454"/>
+                </a:solidFill>
+                <a:latin typeface="Inconsolata" panose="020B0609030003000000" pitchFamily="49" charset="77"/>
+              </a:rPr>
+              <a:t>= [</a:t>
+            </a:r>
+            <a:r>
+              <a:rPr lang="en-US" b="1" dirty="0">
+                <a:solidFill>
+                  <a:srgbClr val="FF6600"/>
+                </a:solidFill>
+                <a:latin typeface="Inconsolata" panose="020B0609030003000000" pitchFamily="49" charset="77"/>
+              </a:rPr>
+              <a:t>'bread'</a:t>
+            </a:r>
+            <a:r>
+              <a:rPr lang="en-US" b="1" dirty="0">
+                <a:latin typeface="Inconsolata" panose="020B0609030003000000" pitchFamily="49" charset="77"/>
+              </a:rPr>
+              <a:t>, </a:t>
+            </a:r>
+            <a:r>
+              <a:rPr lang="en-US" b="1" dirty="0">
+                <a:solidFill>
+                  <a:srgbClr val="FF6600"/>
+                </a:solidFill>
+                <a:latin typeface="Inconsolata" panose="020B0609030003000000" pitchFamily="49" charset="77"/>
+              </a:rPr>
+              <a:t>'milk</a:t>
+            </a:r>
+            <a:r>
+              <a:rPr lang="en-US" b="1" dirty="0">
+                <a:latin typeface="Inconsolata" panose="020B0609030003000000" pitchFamily="49" charset="77"/>
+              </a:rPr>
+              <a:t>, </a:t>
+            </a:r>
+            <a:r>
+              <a:rPr lang="en-US" b="1" dirty="0">
+                <a:solidFill>
+                  <a:srgbClr val="FF6600"/>
+                </a:solidFill>
+                <a:latin typeface="Inconsolata" panose="020B0609030003000000" pitchFamily="49" charset="77"/>
+              </a:rPr>
+              <a:t>'ham'</a:t>
+            </a:r>
+            <a:r>
+              <a:rPr lang="en-US" b="1" dirty="0">
+                <a:solidFill>
+                  <a:srgbClr val="545454"/>
+                </a:solidFill>
+                <a:latin typeface="Inconsolata" panose="020B0609030003000000" pitchFamily="49" charset="77"/>
+              </a:rPr>
+              <a:t>]</a:t>
+            </a:r>
+          </a:p>
+          <a:p>
+            <a:pPr marL="0" indent="0">
+              <a:buNone/>
+            </a:pPr>
+            <a:r>
+              <a:rPr lang="en-US" b="1" dirty="0">
+                <a:solidFill>
+                  <a:srgbClr val="006699"/>
+                </a:solidFill>
+                <a:latin typeface="Inconsolata" panose="020B0609030003000000" pitchFamily="49" charset="77"/>
+              </a:rPr>
+              <a:t>for t</a:t>
+            </a:r>
+            <a:r>
+              <a:rPr lang="en-US" b="1" dirty="0">
                 <a:solidFill>
                   <a:srgbClr val="000087"/>
                 </a:solidFill>
                 <a:latin typeface="Inconsolata" panose="020B0609030003000000" pitchFamily="49" charset="77"/>
               </a:rPr>
+              <a:t> </a:t>
+            </a:r>
+            <a:r>
+              <a:rPr lang="en-US" b="1" dirty="0">
+                <a:latin typeface="Inconsolata" panose="020B0609030003000000" pitchFamily="49" charset="77"/>
+              </a:rPr>
+              <a:t>in </a:t>
+            </a:r>
+            <a:r>
+              <a:rPr lang="en-US" b="1" dirty="0">
+                <a:solidFill>
+                  <a:srgbClr val="000087"/>
+                </a:solidFill>
+                <a:latin typeface="Inconsolata" panose="020B0609030003000000" pitchFamily="49" charset="77"/>
+              </a:rPr>
+              <a:t>enumerate</a:t>
+            </a:r>
+            <a:r>
+              <a:rPr lang="en-US" b="1" dirty="0">
+                <a:latin typeface="Inconsolata" panose="020B0609030003000000" pitchFamily="49" charset="77"/>
+              </a:rPr>
+              <a:t>(</a:t>
+            </a:r>
+            <a:r>
+              <a:rPr lang="en-US" b="1" dirty="0" err="1">
+                <a:solidFill>
+                  <a:srgbClr val="336666"/>
+                </a:solidFill>
+                <a:latin typeface="Inconsolata" panose="020B0609030003000000" pitchFamily="49" charset="77"/>
+              </a:rPr>
               <a:t>lst</a:t>
             </a:r>
             <a:r>
-              <a:rPr lang="en-US" sz="2000" b="1" dirty="0">
+              <a:rPr lang="en-US" b="1" dirty="0">
+                <a:solidFill>
+                  <a:srgbClr val="336666"/>
+                </a:solidFill>
+                <a:latin typeface="Inconsolata" panose="020B0609030003000000" pitchFamily="49" charset="77"/>
+              </a:rPr>
+              <a:t>):</a:t>
+            </a:r>
+          </a:p>
+          <a:p>
+            <a:pPr marL="0" indent="0">
+              <a:buNone/>
+            </a:pPr>
+            <a:r>
+              <a:rPr lang="en-US" b="1" dirty="0">
+                <a:solidFill>
+                  <a:srgbClr val="336666"/>
+                </a:solidFill>
+                <a:latin typeface="Inconsolata" panose="020B0609030003000000" pitchFamily="49" charset="77"/>
+              </a:rPr>
+              <a:t>	index, value = t		# unpacking</a:t>
+            </a:r>
+          </a:p>
+          <a:p>
+            <a:pPr marL="0" indent="0">
+              <a:buNone/>
+            </a:pPr>
+            <a:r>
+              <a:rPr lang="en-US" b="1" dirty="0">
+                <a:solidFill>
+                  <a:srgbClr val="336666"/>
+                </a:solidFill>
+                <a:latin typeface="Inconsolata" panose="020B0609030003000000" pitchFamily="49" charset="77"/>
+              </a:rPr>
+              <a:t>	print(index, value)</a:t>
+            </a:r>
+          </a:p>
+          <a:p>
+            <a:pPr marL="0" indent="0">
+              <a:buNone/>
+            </a:pPr>
+            <a:endParaRPr lang="en-US" dirty="0"/>
+          </a:p>
+          <a:p>
+            <a:pPr marL="0" indent="0">
+              <a:buNone/>
+            </a:pPr>
+            <a:r>
+              <a:rPr lang="en-US" b="1" dirty="0"/>
+              <a:t>Or more simply(more pythonic):</a:t>
+            </a:r>
+          </a:p>
+          <a:p>
+            <a:pPr marL="0" indent="0">
+              <a:buNone/>
+            </a:pPr>
+            <a:r>
+              <a:rPr lang="en-US" b="1" dirty="0" err="1">
                 <a:solidFill>
                   <a:srgbClr val="000087"/>
                 </a:solidFill>
                 <a:latin typeface="Inconsolata" panose="020B0609030003000000" pitchFamily="49" charset="77"/>
               </a:rPr>
+              <a:t>lst</a:t>
+            </a:r>
+            <a:r>
+              <a:rPr lang="en-US" b="1" dirty="0">
+                <a:solidFill>
+                  <a:srgbClr val="000087"/>
+                </a:solidFill>
+                <a:latin typeface="Inconsolata" panose="020B0609030003000000" pitchFamily="49" charset="77"/>
+              </a:rPr>
               <a:t> </a:t>
             </a:r>
             <a:r>
-              <a:rPr lang="en-US" sz="2000" b="1" dirty="0">
+              <a:rPr lang="en-US" b="1" dirty="0">
                 <a:solidFill>
                   <a:srgbClr val="545454"/>
                 </a:solidFill>
@@ -8673,7 +9266,7 @@
               <a:t>= [</a:t>
             </a:r>
             <a:r>
-              <a:rPr lang="en-US" sz="2000" b="1" dirty="0">
+              <a:rPr lang="en-US" b="1" dirty="0">
                 <a:solidFill>
                   <a:srgbClr val="FF6600"/>
                 </a:solidFill>
@@ -8682,13 +9275,13 @@
               <a:t>'bread'</a:t>
             </a:r>
             <a:r>
-              <a:rPr lang="en-US" sz="2000" b="1" dirty="0">
+              <a:rPr lang="en-US" b="1" dirty="0">
                 <a:latin typeface="Inconsolata" panose="020B0609030003000000" pitchFamily="49" charset="77"/>
               </a:rPr>
               <a:t>, </a:t>
             </a:r>
             <a:r>
-              <a:rPr lang="en-US" sz="2000" b="1" dirty="0">
+              <a:rPr lang="en-US" b="1" dirty="0">
                 <a:solidFill>
                   <a:srgbClr val="FF6600"/>
                 </a:solidFill>
@@ -8697,13 +9290,13 @@
               <a:t>'milk</a:t>
             </a:r>
             <a:r>
-              <a:rPr lang="en-US" sz="2000" b="1" dirty="0">
+              <a:rPr lang="en-US" b="1" dirty="0">
                 <a:latin typeface="Inconsolata" panose="020B0609030003000000" pitchFamily="49" charset="77"/>
               </a:rPr>
               <a:t>, </a:t>
             </a:r>
             <a:r>
-              <a:rPr lang="en-US" sz="2000" b="1" dirty="0">
+              <a:rPr lang="en-US" b="1" dirty="0">
                 <a:solidFill>
                   <a:srgbClr val="FF6600"/>
                 </a:solidFill>
@@ -8712,7 +9305,7 @@
               <a:t>'ham'</a:t>
             </a:r>
             <a:r>
-              <a:rPr lang="en-US" sz="2000" b="1" dirty="0">
+              <a:rPr lang="en-US" b="1" dirty="0">
                 <a:solidFill>
                   <a:srgbClr val="545454"/>
                 </a:solidFill>
@@ -8726,7 +9319,7 @@
               <a:buNone/>
             </a:pPr>
             <a:r>
-              <a:rPr lang="en-US" sz="2000" b="1" dirty="0">
+              <a:rPr lang="en-US" b="1" dirty="0">
                 <a:solidFill>
                   <a:srgbClr val="006699"/>
                 </a:solidFill>
@@ -8735,7 +9328,7 @@
               <a:t>for index, value</a:t>
             </a:r>
             <a:r>
-              <a:rPr lang="en-US" sz="2000" b="1" dirty="0">
+              <a:rPr lang="en-US" b="1" dirty="0">
                 <a:solidFill>
                   <a:srgbClr val="000087"/>
                 </a:solidFill>
@@ -8744,13 +9337,13 @@
               <a:t> </a:t>
             </a:r>
             <a:r>
-              <a:rPr lang="en-US" sz="2000" b="1" dirty="0">
+              <a:rPr lang="en-US" b="1" dirty="0">
                 <a:latin typeface="Inconsolata" panose="020B0609030003000000" pitchFamily="49" charset="77"/>
               </a:rPr>
               <a:t>in </a:t>
             </a:r>
             <a:r>
-              <a:rPr lang="en-US" sz="2000" b="1" dirty="0">
+              <a:rPr lang="en-US" b="1" dirty="0">
                 <a:solidFill>
                   <a:srgbClr val="000087"/>
                 </a:solidFill>
@@ -8759,13 +9352,13 @@
               <a:t>enumerate</a:t>
             </a:r>
             <a:r>
-              <a:rPr lang="en-US" sz="2000" b="1" dirty="0">
+              <a:rPr lang="en-US" b="1" dirty="0">
                 <a:latin typeface="Inconsolata" panose="020B0609030003000000" pitchFamily="49" charset="77"/>
               </a:rPr>
               <a:t>(</a:t>
             </a:r>
             <a:r>
-              <a:rPr lang="en-US" sz="2000" b="1" dirty="0" err="1">
+              <a:rPr lang="en-US" b="1" dirty="0" err="1">
                 <a:solidFill>
                   <a:srgbClr val="336666"/>
                 </a:solidFill>
@@ -8774,7 +9367,7 @@
               <a:t>lst</a:t>
             </a:r>
             <a:r>
-              <a:rPr lang="en-US" sz="2000" b="1" dirty="0">
+              <a:rPr lang="en-US" b="1" dirty="0">
                 <a:solidFill>
                   <a:srgbClr val="336666"/>
                 </a:solidFill>
@@ -8788,7 +9381,7 @@
               <a:buNone/>
             </a:pPr>
             <a:r>
-              <a:rPr lang="en-US" sz="2000" b="1" dirty="0">
+              <a:rPr lang="en-US" b="1" dirty="0">
                 <a:solidFill>
                   <a:srgbClr val="336666"/>
                 </a:solidFill>
@@ -8801,48 +9394,7 @@
             <a:pPr marL="0" indent="0">
               <a:buNone/>
             </a:pPr>
-            <a:endParaRPr lang="en-US" sz="2000" b="1" dirty="0">
-              <a:latin typeface="Inconsolata" panose="020B0609030003000000" pitchFamily="49" charset="77"/>
-            </a:endParaRPr>
-          </a:p>
-          <a:p>
-            <a:pPr marL="0" indent="0">
-              <a:buNone/>
-            </a:pPr>
-            <a:r>
-              <a:rPr lang="en-US" sz="2000" b="1" dirty="0">
-                <a:latin typeface="Inconsolata" panose="020B0609030003000000" pitchFamily="49" charset="77"/>
-              </a:rPr>
-              <a:t>0 bread</a:t>
-            </a:r>
-          </a:p>
-          <a:p>
-            <a:pPr marL="0" indent="0">
-              <a:buNone/>
-            </a:pPr>
-            <a:r>
-              <a:rPr lang="en-US" sz="2000" b="1" dirty="0">
-                <a:latin typeface="Inconsolata" panose="020B0609030003000000" pitchFamily="49" charset="77"/>
-              </a:rPr>
-              <a:t>1 milk</a:t>
-            </a:r>
-          </a:p>
-          <a:p>
-            <a:pPr marL="0" indent="0">
-              <a:buNone/>
-            </a:pPr>
-            <a:r>
-              <a:rPr lang="en-US" sz="2000" b="1" dirty="0">
-                <a:latin typeface="Inconsolata" panose="020B0609030003000000" pitchFamily="49" charset="77"/>
-              </a:rPr>
-              <a:t>2 ham </a:t>
-            </a:r>
-          </a:p>
-          <a:p>
-            <a:pPr marL="0" indent="0">
-              <a:buNone/>
-            </a:pPr>
-            <a:endParaRPr lang="en-US" sz="2000" b="1" dirty="0">
+            <a:endParaRPr lang="en-US" b="1" dirty="0">
               <a:latin typeface="Inconsolata" panose="020B0609030003000000" pitchFamily="49" charset="77"/>
             </a:endParaRPr>
           </a:p>
@@ -8892,10 +9444,10 @@
       </p:sp>
       <p:sp>
         <p:nvSpPr>
-          <p:cNvPr id="3" name="TextBox 2">
+          <p:cNvPr id="4" name="TextBox 3">
             <a:extLst>
               <a:ext uri="{FF2B5EF4-FFF2-40B4-BE49-F238E27FC236}">
-                <a16:creationId xmlns:a16="http://schemas.microsoft.com/office/drawing/2014/main" id="{61BCFD14-89EB-C849-9A89-08AB0AD92B9A}"/>
+                <a16:creationId xmlns:a16="http://schemas.microsoft.com/office/drawing/2014/main" id="{C77A9093-34C1-C644-BB89-E0AA6D988101}"/>
               </a:ext>
             </a:extLst>
           </p:cNvPr>
@@ -8904,8 +9456,8 @@
         </p:nvSpPr>
         <p:spPr>
           <a:xfrm>
-            <a:off x="2361616" y="3079962"/>
-            <a:ext cx="1770036" cy="415498"/>
+            <a:off x="6933405" y="2187089"/>
+            <a:ext cx="1116011" cy="2246769"/>
           </a:xfrm>
           <a:prstGeom prst="rect">
             <a:avLst/>
@@ -8919,64 +9471,55 @@
           <a:lstStyle/>
           <a:p>
             <a:r>
-              <a:rPr lang="en-US" sz="2100" dirty="0">
-                <a:solidFill>
-                  <a:srgbClr val="FF0000"/>
-                </a:solidFill>
-              </a:rPr>
-              <a:t>This is a tuple!</a:t>
-            </a:r>
+              <a:rPr lang="en-US" sz="2000" b="1" dirty="0">
+                <a:latin typeface="Inconsolata" panose="020B0609030003000000" pitchFamily="49" charset="77"/>
+              </a:rPr>
+              <a:t>Output:</a:t>
+            </a:r>
+          </a:p>
+          <a:p>
+            <a:endParaRPr lang="en-US" sz="2000" b="1" dirty="0">
+              <a:latin typeface="Inconsolata" panose="020B0609030003000000" pitchFamily="49" charset="77"/>
+            </a:endParaRPr>
+          </a:p>
+          <a:p>
+            <a:r>
+              <a:rPr lang="en-US" sz="2000" b="1" dirty="0">
+                <a:latin typeface="Inconsolata" panose="020B0609030003000000" pitchFamily="49" charset="77"/>
+              </a:rPr>
+              <a:t>0 bread</a:t>
+            </a:r>
+          </a:p>
+          <a:p>
+            <a:r>
+              <a:rPr lang="en-US" sz="2000" b="1" dirty="0">
+                <a:latin typeface="Inconsolata" panose="020B0609030003000000" pitchFamily="49" charset="77"/>
+              </a:rPr>
+              <a:t>1 milk</a:t>
+            </a:r>
+          </a:p>
+          <a:p>
+            <a:r>
+              <a:rPr lang="en-US" sz="2000" b="1" dirty="0">
+                <a:latin typeface="Inconsolata" panose="020B0609030003000000" pitchFamily="49" charset="77"/>
+              </a:rPr>
+              <a:t>2 ham </a:t>
+            </a:r>
+          </a:p>
+          <a:p>
+            <a:endParaRPr lang="en-US" sz="2000" b="1" dirty="0">
+              <a:latin typeface="Inconsolata" panose="020B0609030003000000" pitchFamily="49" charset="77"/>
+            </a:endParaRPr>
+          </a:p>
+          <a:p>
+            <a:endParaRPr lang="en-US" sz="2000" dirty="0"/>
           </a:p>
         </p:txBody>
       </p:sp>
-      <p:cxnSp>
-        <p:nvCxnSpPr>
-          <p:cNvPr id="5" name="Straight Arrow Connector 4">
-            <a:extLst>
-              <a:ext uri="{FF2B5EF4-FFF2-40B4-BE49-F238E27FC236}">
-                <a16:creationId xmlns:a16="http://schemas.microsoft.com/office/drawing/2014/main" id="{16CF91C8-C6D4-F242-9F06-E8AF543563B7}"/>
-              </a:ext>
-            </a:extLst>
-          </p:cNvPr>
-          <p:cNvCxnSpPr>
-            <a:cxnSpLocks/>
-          </p:cNvCxnSpPr>
-          <p:nvPr/>
-        </p:nvCxnSpPr>
-        <p:spPr>
-          <a:xfrm flipH="1" flipV="1">
-            <a:off x="1613043" y="2260315"/>
-            <a:ext cx="1305345" cy="725863"/>
-          </a:xfrm>
-          <a:prstGeom prst="straightConnector1">
-            <a:avLst/>
-          </a:prstGeom>
-          <a:ln w="25400">
-            <a:solidFill>
-              <a:schemeClr val="accent1"/>
-            </a:solidFill>
-            <a:tailEnd type="triangle"/>
-          </a:ln>
-        </p:spPr>
-        <p:style>
-          <a:lnRef idx="1">
-            <a:schemeClr val="accent1"/>
-          </a:lnRef>
-          <a:fillRef idx="0">
-            <a:schemeClr val="accent1"/>
-          </a:fillRef>
-          <a:effectRef idx="0">
-            <a:schemeClr val="accent1"/>
-          </a:effectRef>
-          <a:fontRef idx="minor">
-            <a:schemeClr val="tx1"/>
-          </a:fontRef>
-        </p:style>
-      </p:cxnSp>
     </p:spTree>
     <p:extLst>
       <p:ext uri="{BB962C8B-B14F-4D97-AF65-F5344CB8AC3E}">
-        <p14:creationId xmlns:p14="http://schemas.microsoft.com/office/powerpoint/2010/main" val="1211608734"/>
+        <p14:creationId xmlns:p14="http://schemas.microsoft.com/office/powerpoint/2010/main" val="3397544165"/>
       </p:ext>
     </p:extLst>
   </p:cSld>
@@ -9019,7 +9562,7 @@
                                         <p:tgtEl>
                                           <p:spTgt spid="9">
                                             <p:txEl>
-                                              <p:pRg st="6" end="6"/>
+                                              <p:pRg st="2" end="2"/>
                                             </p:txEl>
                                           </p:spTgt>
                                         </p:tgtEl>
@@ -9050,6 +9593,153 @@
                                         <p:tgtEl>
                                           <p:spTgt spid="9">
                                             <p:txEl>
+                                              <p:pRg st="3" end="3"/>
+                                            </p:txEl>
+                                          </p:spTgt>
+                                        </p:tgtEl>
+                                        <p:attrNameLst>
+                                          <p:attrName>style.visibility</p:attrName>
+                                        </p:attrNameLst>
+                                      </p:cBhvr>
+                                      <p:to>
+                                        <p:strVal val="visible"/>
+                                      </p:to>
+                                    </p:set>
+                                  </p:childTnLst>
+                                </p:cTn>
+                              </p:par>
+                            </p:childTnLst>
+                          </p:cTn>
+                        </p:par>
+                      </p:childTnLst>
+                    </p:cTn>
+                  </p:par>
+                  <p:par>
+                    <p:cTn id="9" fill="hold">
+                      <p:stCondLst>
+                        <p:cond delay="indefinite"/>
+                      </p:stCondLst>
+                      <p:childTnLst>
+                        <p:par>
+                          <p:cTn id="10" fill="hold">
+                            <p:stCondLst>
+                              <p:cond delay="0"/>
+                            </p:stCondLst>
+                            <p:childTnLst>
+                              <p:par>
+                                <p:cTn id="11" presetID="1" presetClass="entr" presetSubtype="0" fill="hold" nodeType="clickEffect">
+                                  <p:stCondLst>
+                                    <p:cond delay="0"/>
+                                  </p:stCondLst>
+                                  <p:childTnLst>
+                                    <p:set>
+                                      <p:cBhvr>
+                                        <p:cTn id="12" dur="1" fill="hold">
+                                          <p:stCondLst>
+                                            <p:cond delay="0"/>
+                                          </p:stCondLst>
+                                        </p:cTn>
+                                        <p:tgtEl>
+                                          <p:spTgt spid="9">
+                                            <p:txEl>
+                                              <p:pRg st="4" end="4"/>
+                                            </p:txEl>
+                                          </p:spTgt>
+                                        </p:tgtEl>
+                                        <p:attrNameLst>
+                                          <p:attrName>style.visibility</p:attrName>
+                                        </p:attrNameLst>
+                                      </p:cBhvr>
+                                      <p:to>
+                                        <p:strVal val="visible"/>
+                                      </p:to>
+                                    </p:set>
+                                  </p:childTnLst>
+                                </p:cTn>
+                              </p:par>
+                            </p:childTnLst>
+                          </p:cTn>
+                        </p:par>
+                      </p:childTnLst>
+                    </p:cTn>
+                  </p:par>
+                  <p:par>
+                    <p:cTn id="13" fill="hold">
+                      <p:stCondLst>
+                        <p:cond delay="indefinite"/>
+                      </p:stCondLst>
+                      <p:childTnLst>
+                        <p:par>
+                          <p:cTn id="14" fill="hold">
+                            <p:stCondLst>
+                              <p:cond delay="0"/>
+                            </p:stCondLst>
+                            <p:childTnLst>
+                              <p:par>
+                                <p:cTn id="15" presetID="1" presetClass="entr" presetSubtype="0" fill="hold" nodeType="clickEffect">
+                                  <p:stCondLst>
+                                    <p:cond delay="0"/>
+                                  </p:stCondLst>
+                                  <p:childTnLst>
+                                    <p:set>
+                                      <p:cBhvr>
+                                        <p:cTn id="16" dur="1" fill="hold">
+                                          <p:stCondLst>
+                                            <p:cond delay="0"/>
+                                          </p:stCondLst>
+                                        </p:cTn>
+                                        <p:tgtEl>
+                                          <p:spTgt spid="9">
+                                            <p:txEl>
+                                              <p:pRg st="5" end="5"/>
+                                            </p:txEl>
+                                          </p:spTgt>
+                                        </p:tgtEl>
+                                        <p:attrNameLst>
+                                          <p:attrName>style.visibility</p:attrName>
+                                        </p:attrNameLst>
+                                      </p:cBhvr>
+                                      <p:to>
+                                        <p:strVal val="visible"/>
+                                      </p:to>
+                                    </p:set>
+                                  </p:childTnLst>
+                                </p:cTn>
+                              </p:par>
+                            </p:childTnLst>
+                          </p:cTn>
+                        </p:par>
+                      </p:childTnLst>
+                    </p:cTn>
+                  </p:par>
+                  <p:par>
+                    <p:cTn id="17" fill="hold">
+                      <p:stCondLst>
+                        <p:cond delay="indefinite"/>
+                      </p:stCondLst>
+                      <p:childTnLst>
+                        <p:par>
+                          <p:cTn id="18" fill="hold">
+                            <p:stCondLst>
+                              <p:cond delay="0"/>
+                            </p:stCondLst>
+                            <p:childTnLst>
+                              <p:par>
+                                <p:cTn id="19" presetID="1" presetClass="entr" presetSubtype="0" fill="hold" nodeType="clickEffect">
+                                  <p:stCondLst>
+                                    <p:cond delay="0"/>
+                                  </p:stCondLst>
+                                  <p:childTnLst>
+                                    <p:set>
+                                      <p:cBhvr>
+                                        <p:cTn id="20" dur="1" fill="hold">
+                                          <p:stCondLst>
+                                            <p:cond delay="0"/>
+                                          </p:stCondLst>
+                                        </p:cTn>
+                                        <p:tgtEl>
+                                          <p:spTgt spid="9">
+                                            <p:txEl>
                                               <p:pRg st="7" end="7"/>
                                             </p:txEl>
                                           </p:spTgt>
@@ -9066,14 +9756,14 @@
                                 </p:cTn>
                               </p:par>
                               <p:par>
-                                <p:cTn id="9" presetID="1" presetClass="entr" presetSubtype="0" fill="hold" nodeType="withEffect">
+                                <p:cTn id="21" presetID="1" presetClass="entr" presetSubtype="0" fill="hold" nodeType="withEffect">
                                   <p:stCondLst>
                                     <p:cond delay="0"/>
                                   </p:stCondLst>
                                   <p:childTnLst>
                                     <p:set>
                                       <p:cBhvr>
-                                        <p:cTn id="10" dur="1" fill="hold">
+                                        <p:cTn id="22" dur="1" fill="hold">
                                           <p:stCondLst>
                                             <p:cond delay="0"/>
                                           </p:stCondLst>
@@ -9084,6 +9774,113 @@
                                               <p:pRg st="8" end="8"/>
                                             </p:txEl>
                                           </p:spTgt>
+                                        </p:tgtEl>
+                                        <p:attrNameLst>
+                                          <p:attrName>style.visibility</p:attrName>
+                                        </p:attrNameLst>
+                                      </p:cBhvr>
+                                      <p:to>
+                                        <p:strVal val="visible"/>
+                                      </p:to>
+                                    </p:set>
+                                  </p:childTnLst>
+                                </p:cTn>
+                              </p:par>
+                              <p:par>
+                                <p:cTn id="23" presetID="1" presetClass="entr" presetSubtype="0" fill="hold" nodeType="withEffect">
+                                  <p:stCondLst>
+                                    <p:cond delay="0"/>
+                                  </p:stCondLst>
+                                  <p:childTnLst>
+                                    <p:set>
+                                      <p:cBhvr>
+                                        <p:cTn id="24" dur="1" fill="hold">
+                                          <p:stCondLst>
+                                            <p:cond delay="0"/>
+                                          </p:stCondLst>
+                                        </p:cTn>
+                                        <p:tgtEl>
+                                          <p:spTgt spid="9">
+                                            <p:txEl>
+                                              <p:pRg st="9" end="9"/>
+                                            </p:txEl>
+                                          </p:spTgt>
+                                        </p:tgtEl>
+                                        <p:attrNameLst>
+                                          <p:attrName>style.visibility</p:attrName>
+                                        </p:attrNameLst>
+                                      </p:cBhvr>
+                                      <p:to>
+                                        <p:strVal val="visible"/>
+                                      </p:to>
+                                    </p:set>
+                                  </p:childTnLst>
+                                </p:cTn>
+                              </p:par>
+                              <p:par>
+                                <p:cTn id="25" presetID="1" presetClass="entr" presetSubtype="0" fill="hold" nodeType="withEffect">
+                                  <p:stCondLst>
+                                    <p:cond delay="0"/>
+                                  </p:stCondLst>
+                                  <p:childTnLst>
+                                    <p:set>
+                                      <p:cBhvr>
+                                        <p:cTn id="26" dur="1" fill="hold">
+                                          <p:stCondLst>
+                                            <p:cond delay="0"/>
+                                          </p:stCondLst>
+                                        </p:cTn>
+                                        <p:tgtEl>
+                                          <p:spTgt spid="9">
+                                            <p:txEl>
+                                              <p:pRg st="10" end="10"/>
+                                            </p:txEl>
+                                          </p:spTgt>
+                                        </p:tgtEl>
+                                        <p:attrNameLst>
+                                          <p:attrName>style.visibility</p:attrName>
+                                        </p:attrNameLst>
+                                      </p:cBhvr>
+                                      <p:to>
+                                        <p:strVal val="visible"/>
+                                      </p:to>
+                                    </p:set>
+                                  </p:childTnLst>
+                                </p:cTn>
+                              </p:par>
+                            </p:childTnLst>
+                          </p:cTn>
+                        </p:par>
+                      </p:childTnLst>
+                    </p:cTn>
+                  </p:par>
+                  <p:par>
+                    <p:cTn id="27" fill="hold">
+                      <p:stCondLst>
+                        <p:cond delay="indefinite"/>
+                      </p:stCondLst>
+                      <p:childTnLst>
+                        <p:par>
+                          <p:cTn id="28" fill="hold">
+                            <p:stCondLst>
+                              <p:cond delay="0"/>
+                            </p:stCondLst>
+                            <p:childTnLst>
+                              <p:par>
+                                <p:cTn id="29" presetID="1" presetClass="entr" presetSubtype="0" fill="hold" grpId="0" nodeType="clickEffect">
+                                  <p:stCondLst>
+                                    <p:cond delay="0"/>
+                                  </p:stCondLst>
+                                  <p:childTnLst>
+                                    <p:set>
+                                      <p:cBhvr>
+                                        <p:cTn id="30" dur="1" fill="hold">
+                                          <p:stCondLst>
+                                            <p:cond delay="0"/>
+                                          </p:stCondLst>
+                                        </p:cTn>
+                                        <p:tgtEl>
+                                          <p:spTgt spid="4"/>
                                         </p:tgtEl>
                                         <p:attrNameLst>
                                           <p:attrName>style.visibility</p:attrName>
@@ -9123,6 +9920,9 @@
         </p:cTn>
       </p:par>
     </p:tnLst>
+    <p:bldLst>
+      <p:bldP spid="4" grpId="0"/>
+    </p:bldLst>
   </p:timing>
 </p:sld>
 </file>
@@ -9563,6 +10363,233 @@
                                     <p:set>
                                       <p:cBhvr>
                                         <p:cTn id="6" dur="1" fill="hold">
+                                          <p:stCondLst>
+                                            <p:cond delay="0"/>
+                                          </p:stCondLst>
+                                        </p:cTn>
+                                        <p:tgtEl>
+                                          <p:spTgt spid="9">
+                                            <p:txEl>
+                                              <p:pRg st="3" end="3"/>
+                                            </p:txEl>
+                                          </p:spTgt>
+                                        </p:tgtEl>
+                                        <p:attrNameLst>
+                                          <p:attrName>style.visibility</p:attrName>
+                                        </p:attrNameLst>
+                                      </p:cBhvr>
+                                      <p:to>
+                                        <p:strVal val="visible"/>
+                                      </p:to>
+                                    </p:set>
+                                  </p:childTnLst>
+                                </p:cTn>
+                              </p:par>
+                            </p:childTnLst>
+                          </p:cTn>
+                        </p:par>
+                      </p:childTnLst>
+                    </p:cTn>
+                  </p:par>
+                  <p:par>
+                    <p:cTn id="7" fill="hold">
+                      <p:stCondLst>
+                        <p:cond delay="indefinite"/>
+                      </p:stCondLst>
+                      <p:childTnLst>
+                        <p:par>
+                          <p:cTn id="8" fill="hold">
+                            <p:stCondLst>
+                              <p:cond delay="0"/>
+                            </p:stCondLst>
+                            <p:childTnLst>
+                              <p:par>
+                                <p:cTn id="9" presetID="1" presetClass="entr" presetSubtype="0" fill="hold" nodeType="clickEffect">
+                                  <p:stCondLst>
+                                    <p:cond delay="0"/>
+                                  </p:stCondLst>
+                                  <p:childTnLst>
+                                    <p:set>
+                                      <p:cBhvr>
+                                        <p:cTn id="10" dur="1" fill="hold">
+                                          <p:stCondLst>
+                                            <p:cond delay="0"/>
+                                          </p:stCondLst>
+                                        </p:cTn>
+                                        <p:tgtEl>
+                                          <p:spTgt spid="9">
+                                            <p:txEl>
+                                              <p:pRg st="4" end="4"/>
+                                            </p:txEl>
+                                          </p:spTgt>
+                                        </p:tgtEl>
+                                        <p:attrNameLst>
+                                          <p:attrName>style.visibility</p:attrName>
+                                        </p:attrNameLst>
+                                      </p:cBhvr>
+                                      <p:to>
+                                        <p:strVal val="visible"/>
+                                      </p:to>
+                                    </p:set>
+                                  </p:childTnLst>
+                                </p:cTn>
+                              </p:par>
+                            </p:childTnLst>
+                          </p:cTn>
+                        </p:par>
+                      </p:childTnLst>
+                    </p:cTn>
+                  </p:par>
+                  <p:par>
+                    <p:cTn id="11" fill="hold">
+                      <p:stCondLst>
+                        <p:cond delay="indefinite"/>
+                      </p:stCondLst>
+                      <p:childTnLst>
+                        <p:par>
+                          <p:cTn id="12" fill="hold">
+                            <p:stCondLst>
+                              <p:cond delay="0"/>
+                            </p:stCondLst>
+                            <p:childTnLst>
+                              <p:par>
+                                <p:cTn id="13" presetID="1" presetClass="entr" presetSubtype="0" fill="hold" nodeType="clickEffect">
+                                  <p:stCondLst>
+                                    <p:cond delay="0"/>
+                                  </p:stCondLst>
+                                  <p:childTnLst>
+                                    <p:set>
+                                      <p:cBhvr>
+                                        <p:cTn id="14" dur="1" fill="hold">
+                                          <p:stCondLst>
+                                            <p:cond delay="0"/>
+                                          </p:stCondLst>
+                                        </p:cTn>
+                                        <p:tgtEl>
+                                          <p:spTgt spid="9">
+                                            <p:txEl>
+                                              <p:pRg st="5" end="5"/>
+                                            </p:txEl>
+                                          </p:spTgt>
+                                        </p:tgtEl>
+                                        <p:attrNameLst>
+                                          <p:attrName>style.visibility</p:attrName>
+                                        </p:attrNameLst>
+                                      </p:cBhvr>
+                                      <p:to>
+                                        <p:strVal val="visible"/>
+                                      </p:to>
+                                    </p:set>
+                                  </p:childTnLst>
+                                </p:cTn>
+                              </p:par>
+                            </p:childTnLst>
+                          </p:cTn>
+                        </p:par>
+                      </p:childTnLst>
+                    </p:cTn>
+                  </p:par>
+                  <p:par>
+                    <p:cTn id="15" fill="hold">
+                      <p:stCondLst>
+                        <p:cond delay="indefinite"/>
+                      </p:stCondLst>
+                      <p:childTnLst>
+                        <p:par>
+                          <p:cTn id="16" fill="hold">
+                            <p:stCondLst>
+                              <p:cond delay="0"/>
+                            </p:stCondLst>
+                            <p:childTnLst>
+                              <p:par>
+                                <p:cTn id="17" presetID="1" presetClass="entr" presetSubtype="0" fill="hold" nodeType="clickEffect">
+                                  <p:stCondLst>
+                                    <p:cond delay="0"/>
+                                  </p:stCondLst>
+                                  <p:childTnLst>
+                                    <p:set>
+                                      <p:cBhvr>
+                                        <p:cTn id="18" dur="1" fill="hold">
+                                          <p:stCondLst>
+                                            <p:cond delay="0"/>
+                                          </p:stCondLst>
+                                        </p:cTn>
+                                        <p:tgtEl>
+                                          <p:spTgt spid="9">
+                                            <p:txEl>
+                                              <p:pRg st="6" end="6"/>
+                                            </p:txEl>
+                                          </p:spTgt>
+                                        </p:tgtEl>
+                                        <p:attrNameLst>
+                                          <p:attrName>style.visibility</p:attrName>
+                                        </p:attrNameLst>
+                                      </p:cBhvr>
+                                      <p:to>
+                                        <p:strVal val="visible"/>
+                                      </p:to>
+                                    </p:set>
+                                  </p:childTnLst>
+                                </p:cTn>
+                              </p:par>
+                            </p:childTnLst>
+                          </p:cTn>
+                        </p:par>
+                      </p:childTnLst>
+                    </p:cTn>
+                  </p:par>
+                  <p:par>
+                    <p:cTn id="19" fill="hold">
+                      <p:stCondLst>
+                        <p:cond delay="indefinite"/>
+                      </p:stCondLst>
+                      <p:childTnLst>
+                        <p:par>
+                          <p:cTn id="20" fill="hold">
+                            <p:stCondLst>
+                              <p:cond delay="0"/>
+                            </p:stCondLst>
+                            <p:childTnLst>
+                              <p:par>
+                                <p:cTn id="21" presetID="1" presetClass="entr" presetSubtype="0" fill="hold" nodeType="clickEffect">
+                                  <p:stCondLst>
+                                    <p:cond delay="0"/>
+                                  </p:stCondLst>
+                                  <p:childTnLst>
+                                    <p:set>
+                                      <p:cBhvr>
+                                        <p:cTn id="22" dur="1" fill="hold">
+                                          <p:stCondLst>
+                                            <p:cond delay="0"/>
+                                          </p:stCondLst>
+                                        </p:cTn>
+                                        <p:tgtEl>
+                                          <p:spTgt spid="9">
+                                            <p:txEl>
+                                              <p:pRg st="8" end="8"/>
+                                            </p:txEl>
+                                          </p:spTgt>
+                                        </p:tgtEl>
+                                        <p:attrNameLst>
+                                          <p:attrName>style.visibility</p:attrName>
+                                        </p:attrNameLst>
+                                      </p:cBhvr>
+                                      <p:to>
+                                        <p:strVal val="visible"/>
+                                      </p:to>
+                                    </p:set>
+                                  </p:childTnLst>
+                                </p:cTn>
+                              </p:par>
+                              <p:par>
+                                <p:cTn id="23" presetID="1" presetClass="entr" presetSubtype="0" fill="hold" nodeType="withEffect">
+                                  <p:stCondLst>
+                                    <p:cond delay="0"/>
+                                  </p:stCondLst>
+                                  <p:childTnLst>
+                                    <p:set>
+                                      <p:cBhvr>
+                                        <p:cTn id="24" dur="1" fill="hold">
                                           <p:stCondLst>
                                             <p:cond delay="0"/>
                                           </p:stCondLst>
@@ -10334,22 +11361,31 @@
               <a:buNone/>
             </a:pPr>
             <a:r>
-              <a:rPr lang="en-US" sz="2400" b="1" dirty="0">
+              <a:rPr lang="en-US" b="1" dirty="0" err="1">
                 <a:solidFill>
                   <a:srgbClr val="000087"/>
                 </a:solidFill>
                 <a:latin typeface="Inconsolata" panose="020B0609030003000000" pitchFamily="49" charset="77"/>
               </a:rPr>
-              <a:t>print(data</a:t>
-            </a:r>
-            <a:r>
-              <a:rPr lang="en-US" sz="2400" b="1" dirty="0">
+              <a:t>gpa</a:t>
+            </a:r>
+            <a:r>
+              <a:rPr lang="en-US" b="1" dirty="0">
+                <a:solidFill>
+                  <a:srgbClr val="000087"/>
+                </a:solidFill>
+                <a:latin typeface="Inconsolata" panose="020B0609030003000000" pitchFamily="49" charset="77"/>
+              </a:rPr>
+              <a:t> = data</a:t>
+            </a:r>
+            <a:r>
+              <a:rPr lang="en-US" b="1" dirty="0">
                 <a:latin typeface="Inconsolata" panose="020B0609030003000000" pitchFamily="49" charset="77"/>
               </a:rPr>
               <a:t>[</a:t>
             </a:r>
             <a:r>
-              <a:rPr lang="en-US" sz="2400" b="1" dirty="0">
+              <a:rPr lang="en-US" b="1" dirty="0">
                 <a:solidFill>
                   <a:srgbClr val="CC3300"/>
                 </a:solidFill>
@@ -10358,13 +11394,54 @@
               <a:t>"John"</a:t>
             </a:r>
             <a:r>
-              <a:rPr lang="en-US" sz="2400" b="1" dirty="0">
-                <a:latin typeface="Inconsolata" panose="020B0609030003000000" pitchFamily="49" charset="77"/>
-              </a:rPr>
-              <a:t>]) 		</a:t>
-            </a:r>
-            <a:r>
-              <a:rPr lang="en-US" sz="2400" b="1" dirty="0">
+              <a:rPr lang="en-US" b="1" dirty="0">
+                <a:latin typeface="Inconsolata" panose="020B0609030003000000" pitchFamily="49" charset="77"/>
+              </a:rPr>
+              <a:t>]		</a:t>
+            </a:r>
+            <a:endParaRPr lang="en-US" b="1" dirty="0">
+              <a:solidFill>
+                <a:schemeClr val="accent1"/>
+              </a:solidFill>
+              <a:latin typeface="Inconsolata" panose="020B0609030003000000" pitchFamily="49" charset="77"/>
+            </a:endParaRPr>
+          </a:p>
+          <a:p>
+            <a:pPr marL="0" indent="0">
+              <a:buNone/>
+            </a:pPr>
+            <a:r>
+              <a:rPr lang="en-US" b="1" dirty="0">
+                <a:solidFill>
+                  <a:srgbClr val="000087"/>
+                </a:solidFill>
+                <a:latin typeface="Inconsolata" panose="020B0609030003000000" pitchFamily="49" charset="77"/>
+              </a:rPr>
+              <a:t>print(</a:t>
+            </a:r>
+            <a:r>
+              <a:rPr lang="en-US" b="1" dirty="0" err="1">
+                <a:latin typeface="Inconsolata" panose="020B0609030003000000" pitchFamily="49" charset="77"/>
+              </a:rPr>
+              <a:t>gpa</a:t>
+            </a:r>
+            <a:r>
+              <a:rPr lang="en-US" b="1" dirty="0">
+                <a:solidFill>
+                  <a:srgbClr val="000087"/>
+                </a:solidFill>
+                <a:latin typeface="Inconsolata" panose="020B0609030003000000" pitchFamily="49" charset="77"/>
+              </a:rPr>
+              <a:t>)</a:t>
+            </a:r>
+            <a:r>
+              <a:rPr lang="en-US" b="1" dirty="0">
+                <a:latin typeface="Inconsolata" panose="020B0609030003000000" pitchFamily="49" charset="77"/>
+              </a:rPr>
+              <a:t> 				</a:t>
+            </a:r>
+            <a:r>
+              <a:rPr lang="en-US" b="1" dirty="0">
                 <a:solidFill>
                   <a:schemeClr val="accent1"/>
                 </a:solidFill>
@@ -10372,6 +11449,12 @@
               </a:rPr>
               <a:t># 3.4</a:t>
             </a:r>
+            <a:endParaRPr lang="en-US" b="1" dirty="0">
+              <a:solidFill>
+                <a:srgbClr val="000087"/>
+              </a:solidFill>
+              <a:latin typeface="Inconsolata" panose="020B0609030003000000" pitchFamily="49" charset="77"/>
+            </a:endParaRPr>
           </a:p>
           <a:p>
             <a:pPr marL="0" indent="0">
@@ -10700,6 +11783,55 @@
                                           <p:spTgt spid="9">
                                             <p:txEl>
                                               <p:pRg st="7" end="7"/>
+                                            </p:txEl>
+                                          </p:spTgt>
+                                        </p:tgtEl>
+                                        <p:attrNameLst>
+                                          <p:attrName>style.visibility</p:attrName>
+                                        </p:attrNameLst>
+                                      </p:cBhvr>
+                                      <p:to>
+                                        <p:strVal val="visible"/>
+                                      </p:to>
+                                    </p:set>
+                                  </p:childTnLst>
+                                </p:cTn>
+                              </p:par>
+                            </p:childTnLst>
+                          </p:cTn>
+                        </p:par>
+                      </p:childTnLst>
+                    </p:cTn>
+                  </p:par>
+                  <p:par>
+                    <p:cTn id="21" fill="hold">
+                      <p:stCondLst>
+                        <p:cond delay="indefinite"/>
+                      </p:stCondLst>
+                      <p:childTnLst>
+                        <p:par>
+                          <p:cTn id="22" fill="hold">
+                            <p:stCondLst>
+                              <p:cond delay="0"/>
+                            </p:stCondLst>
+                            <p:childTnLst>
+                              <p:par>
+                                <p:cTn id="23" presetID="1" presetClass="entr" presetSubtype="0" fill="hold" nodeType="clickEffect">
+                                  <p:stCondLst>
+                                    <p:cond delay="0"/>
+                                  </p:stCondLst>
+                                  <p:childTnLst>
+                                    <p:set>
+                                      <p:cBhvr>
+                                        <p:cTn id="24" dur="1" fill="hold">
+                                          <p:stCondLst>
+                                            <p:cond delay="0"/>
+                                          </p:stCondLst>
+                                        </p:cTn>
+                                        <p:tgtEl>
+                                          <p:spTgt spid="9">
+                                            <p:txEl>
+                                              <p:pRg st="8" end="8"/>
                                             </p:txEl>
                                           </p:spTgt>
                                         </p:tgtEl>
@@ -12263,6 +13395,153 @@
                                         <p:tgtEl>
                                           <p:spTgt spid="9">
                                             <p:txEl>
+                                              <p:pRg st="3" end="3"/>
+                                            </p:txEl>
+                                          </p:spTgt>
+                                        </p:tgtEl>
+                                        <p:attrNameLst>
+                                          <p:attrName>style.visibility</p:attrName>
+                                        </p:attrNameLst>
+                                      </p:cBhvr>
+                                      <p:to>
+                                        <p:strVal val="visible"/>
+                                      </p:to>
+                                    </p:set>
+                                  </p:childTnLst>
+                                </p:cTn>
+                              </p:par>
+                            </p:childTnLst>
+                          </p:cTn>
+                        </p:par>
+                      </p:childTnLst>
+                    </p:cTn>
+                  </p:par>
+                  <p:par>
+                    <p:cTn id="7" fill="hold">
+                      <p:stCondLst>
+                        <p:cond delay="indefinite"/>
+                      </p:stCondLst>
+                      <p:childTnLst>
+                        <p:par>
+                          <p:cTn id="8" fill="hold">
+                            <p:stCondLst>
+                              <p:cond delay="0"/>
+                            </p:stCondLst>
+                            <p:childTnLst>
+                              <p:par>
+                                <p:cTn id="9" presetID="1" presetClass="entr" presetSubtype="0" fill="hold" nodeType="clickEffect">
+                                  <p:stCondLst>
+                                    <p:cond delay="0"/>
+                                  </p:stCondLst>
+                                  <p:childTnLst>
+                                    <p:set>
+                                      <p:cBhvr>
+                                        <p:cTn id="10" dur="1" fill="hold">
+                                          <p:stCondLst>
+                                            <p:cond delay="0"/>
+                                          </p:stCondLst>
+                                        </p:cTn>
+                                        <p:tgtEl>
+                                          <p:spTgt spid="9">
+                                            <p:txEl>
+                                              <p:pRg st="4" end="4"/>
+                                            </p:txEl>
+                                          </p:spTgt>
+                                        </p:tgtEl>
+                                        <p:attrNameLst>
+                                          <p:attrName>style.visibility</p:attrName>
+                                        </p:attrNameLst>
+                                      </p:cBhvr>
+                                      <p:to>
+                                        <p:strVal val="visible"/>
+                                      </p:to>
+                                    </p:set>
+                                  </p:childTnLst>
+                                </p:cTn>
+                              </p:par>
+                            </p:childTnLst>
+                          </p:cTn>
+                        </p:par>
+                      </p:childTnLst>
+                    </p:cTn>
+                  </p:par>
+                  <p:par>
+                    <p:cTn id="11" fill="hold">
+                      <p:stCondLst>
+                        <p:cond delay="indefinite"/>
+                      </p:stCondLst>
+                      <p:childTnLst>
+                        <p:par>
+                          <p:cTn id="12" fill="hold">
+                            <p:stCondLst>
+                              <p:cond delay="0"/>
+                            </p:stCondLst>
+                            <p:childTnLst>
+                              <p:par>
+                                <p:cTn id="13" presetID="1" presetClass="entr" presetSubtype="0" fill="hold" nodeType="clickEffect">
+                                  <p:stCondLst>
+                                    <p:cond delay="0"/>
+                                  </p:stCondLst>
+                                  <p:childTnLst>
+                                    <p:set>
+                                      <p:cBhvr>
+                                        <p:cTn id="14" dur="1" fill="hold">
+                                          <p:stCondLst>
+                                            <p:cond delay="0"/>
+                                          </p:stCondLst>
+                                        </p:cTn>
+                                        <p:tgtEl>
+                                          <p:spTgt spid="9">
+                                            <p:txEl>
+                                              <p:pRg st="5" end="5"/>
+                                            </p:txEl>
+                                          </p:spTgt>
+                                        </p:tgtEl>
+                                        <p:attrNameLst>
+                                          <p:attrName>style.visibility</p:attrName>
+                                        </p:attrNameLst>
+                                      </p:cBhvr>
+                                      <p:to>
+                                        <p:strVal val="visible"/>
+                                      </p:to>
+                                    </p:set>
+                                  </p:childTnLst>
+                                </p:cTn>
+                              </p:par>
+                            </p:childTnLst>
+                          </p:cTn>
+                        </p:par>
+                      </p:childTnLst>
+                    </p:cTn>
+                  </p:par>
+                  <p:par>
+                    <p:cTn id="15" fill="hold">
+                      <p:stCondLst>
+                        <p:cond delay="indefinite"/>
+                      </p:stCondLst>
+                      <p:childTnLst>
+                        <p:par>
+                          <p:cTn id="16" fill="hold">
+                            <p:stCondLst>
+                              <p:cond delay="0"/>
+                            </p:stCondLst>
+                            <p:childTnLst>
+                              <p:par>
+                                <p:cTn id="17" presetID="1" presetClass="entr" presetSubtype="0" fill="hold" nodeType="clickEffect">
+                                  <p:stCondLst>
+                                    <p:cond delay="0"/>
+                                  </p:stCondLst>
+                                  <p:childTnLst>
+                                    <p:set>
+                                      <p:cBhvr>
+                                        <p:cTn id="18" dur="1" fill="hold">
+                                          <p:stCondLst>
+                                            <p:cond delay="0"/>
+                                          </p:stCondLst>
+                                        </p:cTn>
+                                        <p:tgtEl>
+                                          <p:spTgt spid="9">
+                                            <p:txEl>
                                               <p:pRg st="6" end="6"/>
                                             </p:txEl>
                                           </p:spTgt>
@@ -12344,7 +13623,7 @@
         </p:nvSpPr>
         <p:spPr>
           <a:xfrm>
-            <a:off x="95541" y="116298"/>
+            <a:off x="170697" y="123497"/>
             <a:ext cx="7053542" cy="683886"/>
           </a:xfrm>
         </p:spPr>
@@ -12354,7 +13633,7 @@
           <a:p>
             <a:r>
               <a:rPr lang="en-US" dirty="0"/>
-              <a:t>Dictionaries</a:t>
+              <a:t>Membership Operations</a:t>
             </a:r>
           </a:p>
         </p:txBody>
@@ -12377,8 +13656,8 @@
         </p:nvSpPr>
         <p:spPr>
           <a:xfrm>
-            <a:off x="95542" y="800184"/>
-            <a:ext cx="8440032" cy="4914815"/>
+            <a:off x="170698" y="807383"/>
+            <a:ext cx="8364876" cy="4784120"/>
           </a:xfrm>
         </p:spPr>
         <p:txBody>
@@ -12391,12 +13670,26 @@
               <a:buNone/>
             </a:pPr>
             <a:r>
-              <a:rPr lang="en-US" sz="2400" dirty="0"/>
-              <a:t>The keys and values of dictionaries can be different types. However, a dictionary key must be immutable(int, float, bool, str, tuple).  A dictionary value can be any object. </a:t>
-            </a:r>
-            <a:endParaRPr lang="en-US" b="1" dirty="0">
-              <a:latin typeface="Inconsolata" panose="020B0609030003000000" pitchFamily="49" charset="77"/>
-            </a:endParaRPr>
+              <a:rPr lang="en-US" dirty="0">
+                <a:latin typeface="Gill Sans MT" panose="020B0502020104020203" pitchFamily="34" charset="77"/>
+              </a:rPr>
+              <a:t>By default, membership operations </a:t>
+            </a:r>
+            <a:r>
+              <a:rPr lang="en-US" dirty="0">
+                <a:solidFill>
+                  <a:srgbClr val="FF0000"/>
+                </a:solidFill>
+                <a:latin typeface="Gill Sans MT" panose="020B0502020104020203" pitchFamily="34" charset="77"/>
+              </a:rPr>
+              <a:t>checks keys </a:t>
+            </a:r>
+            <a:r>
+              <a:rPr lang="en-US" dirty="0">
+                <a:latin typeface="Gill Sans MT" panose="020B0502020104020203" pitchFamily="34" charset="77"/>
+              </a:rPr>
+              <a:t>of a dictionary. </a:t>
+            </a:r>
           </a:p>
           <a:p>
             <a:pPr marL="0" indent="0">
@@ -12414,22 +13707,13 @@
               <a:buNone/>
             </a:pPr>
             <a:r>
-              <a:rPr lang="en-US" b="1" dirty="0" err="1">
+              <a:rPr lang="en-US" b="1" dirty="0">
                 <a:solidFill>
                   <a:srgbClr val="000087"/>
                 </a:solidFill>
                 <a:latin typeface="Inconsolata" panose="020B0609030003000000" pitchFamily="49" charset="77"/>
               </a:rPr>
-              <a:t>misc</a:t>
-            </a:r>
-            <a:r>
-              <a:rPr lang="en-US" b="1" dirty="0">
-                <a:solidFill>
-                  <a:srgbClr val="000087"/>
-                </a:solidFill>
-                <a:latin typeface="Inconsolata" panose="020B0609030003000000" pitchFamily="49" charset="77"/>
-              </a:rPr>
-              <a:t> </a:t>
+              <a:t>scores </a:t>
             </a:r>
             <a:r>
               <a:rPr lang="en-US" b="1" dirty="0">
@@ -12453,12 +13737,72 @@
                 </a:solidFill>
                 <a:latin typeface="Inconsolata" panose="020B0609030003000000" pitchFamily="49" charset="77"/>
               </a:rPr>
+              <a:t>'Mike'</a:t>
+            </a:r>
+            <a:r>
+              <a:rPr lang="en-US" b="1" dirty="0">
+                <a:latin typeface="Inconsolata" panose="020B0609030003000000" pitchFamily="49" charset="77"/>
+              </a:rPr>
+              <a:t>:</a:t>
+            </a:r>
+            <a:r>
+              <a:rPr lang="en-US" b="1" dirty="0">
+                <a:solidFill>
+                  <a:srgbClr val="FF6600"/>
+                </a:solidFill>
+                <a:latin typeface="Inconsolata" panose="020B0609030003000000" pitchFamily="49" charset="77"/>
+              </a:rPr>
+              <a:t>5</a:t>
+            </a:r>
+            <a:r>
+              <a:rPr lang="en-US" b="1" dirty="0">
+                <a:latin typeface="Inconsolata" panose="020B0609030003000000" pitchFamily="49" charset="77"/>
+              </a:rPr>
+              <a:t>, </a:t>
+            </a:r>
+            <a:r>
+              <a:rPr lang="en-US" b="1" dirty="0">
+                <a:solidFill>
+                  <a:srgbClr val="CC3300"/>
+                </a:solidFill>
+                <a:latin typeface="Inconsolata" panose="020B0609030003000000" pitchFamily="49" charset="77"/>
+              </a:rPr>
+              <a:t>'John'</a:t>
+            </a:r>
+            <a:r>
+              <a:rPr lang="en-US" b="1" dirty="0">
+                <a:latin typeface="Inconsolata" panose="020B0609030003000000" pitchFamily="49" charset="77"/>
+              </a:rPr>
+              <a:t>:</a:t>
+            </a:r>
+            <a:r>
+              <a:rPr lang="en-US" b="1" dirty="0">
+                <a:solidFill>
+                  <a:srgbClr val="FF6600"/>
+                </a:solidFill>
+                <a:latin typeface="Inconsolata" panose="020B0609030003000000" pitchFamily="49" charset="77"/>
+              </a:rPr>
               <a:t>2</a:t>
             </a:r>
             <a:r>
               <a:rPr lang="en-US" b="1" dirty="0">
                 <a:latin typeface="Inconsolata" panose="020B0609030003000000" pitchFamily="49" charset="77"/>
               </a:rPr>
+              <a:t>, </a:t>
+            </a:r>
+            <a:r>
+              <a:rPr lang="en-US" b="1" dirty="0">
+                <a:solidFill>
+                  <a:srgbClr val="CC3300"/>
+                </a:solidFill>
+                <a:latin typeface="Inconsolata" panose="020B0609030003000000" pitchFamily="49" charset="77"/>
+              </a:rPr>
+              <a:t>'Sarah'</a:t>
+            </a:r>
+            <a:r>
+              <a:rPr lang="en-US" b="1" dirty="0">
+                <a:latin typeface="Inconsolata" panose="020B0609030003000000" pitchFamily="49" charset="77"/>
+              </a:rPr>
               <a:t>:</a:t>
             </a:r>
             <a:r>
@@ -12468,91 +13812,7 @@
                 </a:solidFill>
                 <a:latin typeface="Inconsolata" panose="020B0609030003000000" pitchFamily="49" charset="77"/>
               </a:rPr>
-              <a:t>5</a:t>
-            </a:r>
-            <a:r>
-              <a:rPr lang="en-US" b="1" dirty="0">
-                <a:latin typeface="Inconsolata" panose="020B0609030003000000" pitchFamily="49" charset="77"/>
-              </a:rPr>
-              <a:t>, </a:t>
-            </a:r>
-            <a:r>
-              <a:rPr lang="en-US" b="1" dirty="0">
-                <a:solidFill>
-                  <a:srgbClr val="CC3300"/>
-                </a:solidFill>
-                <a:latin typeface="Inconsolata" panose="020B0609030003000000" pitchFamily="49" charset="77"/>
-              </a:rPr>
-              <a:t>(3, 5)</a:t>
-            </a:r>
-            <a:r>
-              <a:rPr lang="en-US" b="1" dirty="0">
-                <a:latin typeface="Inconsolata" panose="020B0609030003000000" pitchFamily="49" charset="77"/>
-              </a:rPr>
-              <a:t>:</a:t>
-            </a:r>
-            <a:r>
-              <a:rPr lang="en-US" b="1" dirty="0">
-                <a:solidFill>
-                  <a:srgbClr val="FF6600"/>
-                </a:solidFill>
-                <a:latin typeface="Inconsolata" panose="020B0609030003000000" pitchFamily="49" charset="77"/>
-              </a:rPr>
-              <a:t>4.5</a:t>
-            </a:r>
-            <a:r>
-              <a:rPr lang="en-US" b="1" dirty="0">
-                <a:latin typeface="Inconsolata" panose="020B0609030003000000" pitchFamily="49" charset="77"/>
-              </a:rPr>
-              <a:t>, </a:t>
-            </a:r>
-            <a:r>
-              <a:rPr lang="en-US" b="1" dirty="0">
-                <a:solidFill>
-                  <a:srgbClr val="CC3300"/>
-                </a:solidFill>
-                <a:latin typeface="Inconsolata" panose="020B0609030003000000" pitchFamily="49" charset="77"/>
-              </a:rPr>
-              <a:t>True</a:t>
-            </a:r>
-            <a:r>
-              <a:rPr lang="en-US" b="1" dirty="0">
-                <a:latin typeface="Inconsolata" panose="020B0609030003000000" pitchFamily="49" charset="77"/>
-              </a:rPr>
-              <a:t>:</a:t>
-            </a:r>
-            <a:r>
-              <a:rPr lang="en-US" b="1" dirty="0">
-                <a:solidFill>
-                  <a:srgbClr val="FF6600"/>
-                </a:solidFill>
-                <a:latin typeface="Inconsolata" panose="020B0609030003000000" pitchFamily="49" charset="77"/>
-              </a:rPr>
-              <a:t>[1], </a:t>
-            </a:r>
-            <a:r>
-              <a:rPr lang="en-US" b="1" dirty="0">
-                <a:solidFill>
-                  <a:srgbClr val="CC3300"/>
-                </a:solidFill>
-                <a:latin typeface="Inconsolata" panose="020B0609030003000000" pitchFamily="49" charset="77"/>
-              </a:rPr>
-              <a:t>"a"</a:t>
-            </a:r>
-            <a:r>
-              <a:rPr lang="en-US" b="1" dirty="0">
-                <a:latin typeface="Inconsolata" panose="020B0609030003000000" pitchFamily="49" charset="77"/>
-              </a:rPr>
-              <a:t>:</a:t>
-            </a:r>
-            <a:r>
-              <a:rPr lang="en-US" b="1" dirty="0">
-                <a:solidFill>
-                  <a:srgbClr val="FF6600"/>
-                </a:solidFill>
-                <a:latin typeface="Inconsolata" panose="020B0609030003000000" pitchFamily="49" charset="77"/>
-              </a:rPr>
-              <a:t>(1, 5)</a:t>
+              <a:t>4</a:t>
             </a:r>
             <a:r>
               <a:rPr lang="en-US" b="1" dirty="0">
@@ -12565,246 +13825,10 @@
             <a:pPr marL="0" indent="0">
               <a:buNone/>
             </a:pPr>
-            <a:r>
-              <a:rPr lang="en-US" b="1" dirty="0">
-                <a:solidFill>
-                  <a:srgbClr val="000087"/>
-                </a:solidFill>
-                <a:latin typeface="Inconsolata" panose="020B0609030003000000" pitchFamily="49" charset="77"/>
-              </a:rPr>
-              <a:t>print(</a:t>
-            </a:r>
-            <a:r>
-              <a:rPr lang="en-US" b="1" dirty="0" err="1">
-                <a:solidFill>
-                  <a:srgbClr val="000087"/>
-                </a:solidFill>
-                <a:latin typeface="Inconsolata" panose="020B0609030003000000" pitchFamily="49" charset="77"/>
-              </a:rPr>
-              <a:t>misc</a:t>
-            </a:r>
-            <a:r>
-              <a:rPr lang="en-US" b="1" dirty="0">
-                <a:latin typeface="Inconsolata" panose="020B0609030003000000" pitchFamily="49" charset="77"/>
-              </a:rPr>
-              <a:t>[</a:t>
-            </a:r>
-            <a:r>
-              <a:rPr lang="en-US" b="1" dirty="0">
-                <a:solidFill>
-                  <a:srgbClr val="CC3300"/>
-                </a:solidFill>
-                <a:latin typeface="Inconsolata" panose="020B0609030003000000" pitchFamily="49" charset="77"/>
-              </a:rPr>
-              <a:t>2</a:t>
-            </a:r>
-            <a:r>
-              <a:rPr lang="en-US" b="1" dirty="0">
-                <a:latin typeface="Inconsolata" panose="020B0609030003000000" pitchFamily="49" charset="77"/>
-              </a:rPr>
-              <a:t>]) </a:t>
-            </a:r>
-            <a:r>
-              <a:rPr lang="en-US" b="1" dirty="0">
-                <a:solidFill>
-                  <a:srgbClr val="FF6600"/>
-                </a:solidFill>
-                <a:latin typeface="Inconsolata" panose="020B0609030003000000" pitchFamily="49" charset="77"/>
-              </a:rPr>
-              <a:t> 	</a:t>
-            </a:r>
-            <a:r>
-              <a:rPr lang="en-US" b="1" dirty="0">
-                <a:solidFill>
-                  <a:schemeClr val="accent1"/>
-                </a:solidFill>
-                <a:latin typeface="Inconsolata" panose="020B0609030003000000" pitchFamily="49" charset="77"/>
-              </a:rPr>
-              <a:t># 5</a:t>
-            </a:r>
-          </a:p>
-          <a:p>
-            <a:pPr marL="0" indent="0">
-              <a:buNone/>
-            </a:pPr>
-            <a:r>
-              <a:rPr lang="en-US" b="1" dirty="0">
-                <a:solidFill>
-                  <a:srgbClr val="000087"/>
-                </a:solidFill>
-                <a:latin typeface="Inconsolata" panose="020B0609030003000000" pitchFamily="49" charset="77"/>
-              </a:rPr>
-              <a:t>print(</a:t>
-            </a:r>
-            <a:r>
-              <a:rPr lang="en-US" b="1" dirty="0" err="1">
-                <a:solidFill>
-                  <a:srgbClr val="000087"/>
-                </a:solidFill>
-                <a:latin typeface="Inconsolata" panose="020B0609030003000000" pitchFamily="49" charset="77"/>
-              </a:rPr>
-              <a:t>misc</a:t>
-            </a:r>
-            <a:r>
-              <a:rPr lang="en-US" b="1" dirty="0">
-                <a:latin typeface="Inconsolata" panose="020B0609030003000000" pitchFamily="49" charset="77"/>
-              </a:rPr>
-              <a:t>[</a:t>
-            </a:r>
-            <a:r>
-              <a:rPr lang="en-US" b="1" dirty="0">
-                <a:solidFill>
-                  <a:srgbClr val="CC3300"/>
-                </a:solidFill>
-                <a:latin typeface="Inconsolata" panose="020B0609030003000000" pitchFamily="49" charset="77"/>
-              </a:rPr>
-              <a:t>True</a:t>
-            </a:r>
-            <a:r>
-              <a:rPr lang="en-US" b="1" dirty="0">
-                <a:latin typeface="Inconsolata" panose="020B0609030003000000" pitchFamily="49" charset="77"/>
-              </a:rPr>
-              <a:t>]) </a:t>
-            </a:r>
-            <a:r>
-              <a:rPr lang="en-US" b="1" dirty="0">
-                <a:solidFill>
-                  <a:srgbClr val="FF6600"/>
-                </a:solidFill>
-                <a:latin typeface="Inconsolata" panose="020B0609030003000000" pitchFamily="49" charset="77"/>
-              </a:rPr>
-              <a:t> 	</a:t>
-            </a:r>
-            <a:r>
-              <a:rPr lang="en-US" b="1" dirty="0">
-                <a:solidFill>
-                  <a:schemeClr val="accent1"/>
-                </a:solidFill>
-                <a:latin typeface="Inconsolata" panose="020B0609030003000000" pitchFamily="49" charset="77"/>
-              </a:rPr>
-              <a:t># [1]</a:t>
-            </a:r>
-          </a:p>
-          <a:p>
-            <a:pPr marL="0" indent="0">
-              <a:buNone/>
-            </a:pPr>
-            <a:r>
-              <a:rPr lang="en-US" b="1" dirty="0">
-                <a:solidFill>
-                  <a:srgbClr val="000087"/>
-                </a:solidFill>
-                <a:latin typeface="Inconsolata" panose="020B0609030003000000" pitchFamily="49" charset="77"/>
-              </a:rPr>
-              <a:t>print(</a:t>
-            </a:r>
-            <a:r>
-              <a:rPr lang="en-US" b="1" dirty="0" err="1">
-                <a:solidFill>
-                  <a:srgbClr val="000087"/>
-                </a:solidFill>
-                <a:latin typeface="Inconsolata" panose="020B0609030003000000" pitchFamily="49" charset="77"/>
-              </a:rPr>
-              <a:t>misc</a:t>
-            </a:r>
-            <a:r>
-              <a:rPr lang="en-US" b="1" dirty="0">
-                <a:latin typeface="Inconsolata" panose="020B0609030003000000" pitchFamily="49" charset="77"/>
-              </a:rPr>
-              <a:t>[</a:t>
-            </a:r>
-            <a:r>
-              <a:rPr lang="en-US" b="1" dirty="0">
-                <a:solidFill>
-                  <a:srgbClr val="CC3300"/>
-                </a:solidFill>
-                <a:latin typeface="Inconsolata" panose="020B0609030003000000" pitchFamily="49" charset="77"/>
-              </a:rPr>
-              <a:t>(3, 5)</a:t>
-            </a:r>
-            <a:r>
-              <a:rPr lang="en-US" b="1" dirty="0">
-                <a:latin typeface="Inconsolata" panose="020B0609030003000000" pitchFamily="49" charset="77"/>
-              </a:rPr>
-              <a:t>]) </a:t>
-            </a:r>
-            <a:r>
-              <a:rPr lang="en-US" b="1" dirty="0">
-                <a:solidFill>
-                  <a:schemeClr val="accent1"/>
-                </a:solidFill>
-                <a:latin typeface="Inconsolata" panose="020B0609030003000000" pitchFamily="49" charset="77"/>
-              </a:rPr>
-              <a:t># 4.5</a:t>
-            </a:r>
-          </a:p>
-          <a:p>
-            <a:pPr marL="0" indent="0">
-              <a:buNone/>
-            </a:pPr>
-            <a:r>
-              <a:rPr lang="en-US" b="1" dirty="0">
-                <a:solidFill>
-                  <a:srgbClr val="000087"/>
-                </a:solidFill>
-                <a:latin typeface="Inconsolata" panose="020B0609030003000000" pitchFamily="49" charset="77"/>
-              </a:rPr>
-              <a:t>print(</a:t>
-            </a:r>
-            <a:r>
-              <a:rPr lang="en-US" b="1" dirty="0" err="1">
-                <a:solidFill>
-                  <a:srgbClr val="000087"/>
-                </a:solidFill>
-                <a:latin typeface="Inconsolata" panose="020B0609030003000000" pitchFamily="49" charset="77"/>
-              </a:rPr>
-              <a:t>misc</a:t>
-            </a:r>
-            <a:r>
-              <a:rPr lang="en-US" b="1" dirty="0">
-                <a:latin typeface="Inconsolata" panose="020B0609030003000000" pitchFamily="49" charset="77"/>
-              </a:rPr>
-              <a:t>[</a:t>
-            </a:r>
-            <a:r>
-              <a:rPr lang="en-US" b="1" dirty="0">
-                <a:solidFill>
-                  <a:srgbClr val="CC3300"/>
-                </a:solidFill>
-                <a:latin typeface="Inconsolata" panose="020B0609030003000000" pitchFamily="49" charset="77"/>
-              </a:rPr>
-              <a:t>"a"</a:t>
-            </a:r>
-            <a:r>
-              <a:rPr lang="en-US" b="1" dirty="0">
-                <a:latin typeface="Inconsolata" panose="020B0609030003000000" pitchFamily="49" charset="77"/>
-              </a:rPr>
-              <a:t>]) </a:t>
-            </a:r>
-            <a:r>
-              <a:rPr lang="en-US" b="1" dirty="0">
-                <a:solidFill>
-                  <a:srgbClr val="FF6600"/>
-                </a:solidFill>
-                <a:latin typeface="Inconsolata" panose="020B0609030003000000" pitchFamily="49" charset="77"/>
-              </a:rPr>
-              <a:t> 	</a:t>
-            </a:r>
-            <a:r>
-              <a:rPr lang="en-US" b="1" dirty="0">
-                <a:solidFill>
-                  <a:schemeClr val="accent1"/>
-                </a:solidFill>
-                <a:latin typeface="Inconsolata" panose="020B0609030003000000" pitchFamily="49" charset="77"/>
-              </a:rPr>
-              <a:t># (1, 5)</a:t>
-            </a:r>
-          </a:p>
-          <a:p>
-            <a:pPr marL="0" indent="0">
-              <a:buNone/>
-            </a:pPr>
             <a:endParaRPr lang="en-US" b="1" dirty="0">
+              <a:solidFill>
+                <a:srgbClr val="000087"/>
+              </a:solidFill>
               <a:latin typeface="Inconsolata" panose="020B0609030003000000" pitchFamily="49" charset="77"/>
             </a:endParaRPr>
           </a:p>
@@ -12812,14 +13836,121 @@
             <a:pPr marL="0" indent="0">
               <a:buNone/>
             </a:pPr>
-            <a:endParaRPr lang="en-US" b="1" dirty="0">
-              <a:latin typeface="Inconsolata" panose="020B0609030003000000" pitchFamily="49" charset="77"/>
+            <a:r>
+              <a:rPr lang="en-US" b="1" dirty="0">
+                <a:solidFill>
+                  <a:srgbClr val="000087"/>
+                </a:solidFill>
+                <a:latin typeface="Inconsolata" panose="020B0609030003000000" pitchFamily="49" charset="77"/>
+              </a:rPr>
+              <a:t>print('Mike' </a:t>
+            </a:r>
+            <a:r>
+              <a:rPr lang="en-US" b="1" dirty="0">
+                <a:solidFill>
+                  <a:srgbClr val="FF0000"/>
+                </a:solidFill>
+                <a:latin typeface="Inconsolata" panose="020B0609030003000000" pitchFamily="49" charset="77"/>
+              </a:rPr>
+              <a:t>in</a:t>
+            </a:r>
+            <a:r>
+              <a:rPr lang="en-US" b="1" dirty="0">
+                <a:solidFill>
+                  <a:srgbClr val="000087"/>
+                </a:solidFill>
+                <a:latin typeface="Inconsolata" panose="020B0609030003000000" pitchFamily="49" charset="77"/>
+              </a:rPr>
+              <a:t> scores)  		</a:t>
+            </a:r>
+            <a:r>
+              <a:rPr lang="en-US" b="1" dirty="0">
+                <a:solidFill>
+                  <a:schemeClr val="accent1"/>
+                </a:solidFill>
+                <a:latin typeface="Inconsolata" panose="020B0609030003000000" pitchFamily="49" charset="77"/>
+              </a:rPr>
+              <a:t># True </a:t>
+            </a:r>
+          </a:p>
+          <a:p>
+            <a:pPr marL="0" indent="0">
+              <a:buNone/>
+            </a:pPr>
+            <a:r>
+              <a:rPr lang="en-US" b="1" dirty="0">
+                <a:solidFill>
+                  <a:srgbClr val="000087"/>
+                </a:solidFill>
+                <a:latin typeface="Inconsolata" panose="020B0609030003000000" pitchFamily="49" charset="77"/>
+              </a:rPr>
+              <a:t>print(5 in scores)  			</a:t>
+            </a:r>
+            <a:r>
+              <a:rPr lang="en-US" b="1" dirty="0">
+                <a:solidFill>
+                  <a:schemeClr val="accent1"/>
+                </a:solidFill>
+                <a:latin typeface="Inconsolata" panose="020B0609030003000000" pitchFamily="49" charset="77"/>
+              </a:rPr>
+              <a:t># False </a:t>
+            </a:r>
+            <a:endParaRPr lang="en-US" dirty="0">
+              <a:solidFill>
+                <a:schemeClr val="accent1"/>
+              </a:solidFill>
             </a:endParaRPr>
           </a:p>
           <a:p>
             <a:pPr marL="0" indent="0">
               <a:buNone/>
             </a:pPr>
+            <a:r>
+              <a:rPr lang="en-US" b="1" dirty="0">
+                <a:solidFill>
+                  <a:srgbClr val="000087"/>
+                </a:solidFill>
+                <a:latin typeface="Inconsolata" panose="020B0609030003000000" pitchFamily="49" charset="77"/>
+              </a:rPr>
+              <a:t>print('Michele' </a:t>
+            </a:r>
+            <a:r>
+              <a:rPr lang="en-US" b="1" dirty="0">
+                <a:solidFill>
+                  <a:srgbClr val="FF0000"/>
+                </a:solidFill>
+                <a:latin typeface="Inconsolata" panose="020B0609030003000000" pitchFamily="49" charset="77"/>
+              </a:rPr>
+              <a:t>not in</a:t>
+            </a:r>
+            <a:r>
+              <a:rPr lang="en-US" b="1" dirty="0">
+                <a:solidFill>
+                  <a:srgbClr val="000087"/>
+                </a:solidFill>
+                <a:latin typeface="Inconsolata" panose="020B0609030003000000" pitchFamily="49" charset="77"/>
+              </a:rPr>
+              <a:t> scores)  	</a:t>
+            </a:r>
+            <a:r>
+              <a:rPr lang="en-US" b="1" dirty="0">
+                <a:solidFill>
+                  <a:schemeClr val="accent1"/>
+                </a:solidFill>
+                <a:latin typeface="Inconsolata" panose="020B0609030003000000" pitchFamily="49" charset="77"/>
+              </a:rPr>
+              <a:t># True </a:t>
+            </a:r>
+            <a:endParaRPr lang="en-US" dirty="0">
+              <a:solidFill>
+                <a:schemeClr val="accent1"/>
+              </a:solidFill>
+            </a:endParaRPr>
+          </a:p>
+          <a:p>
+            <a:pPr marL="0" indent="0">
+              <a:buNone/>
+            </a:pPr>
             <a:endParaRPr lang="en-US" dirty="0"/>
           </a:p>
           <a:p>
@@ -12832,22 +13963,12 @@
             <a:pPr marL="0" indent="0">
               <a:buNone/>
             </a:pPr>
-            <a:endParaRPr lang="en-US" dirty="0"/>
-          </a:p>
-          <a:p>
-            <a:pPr marL="0" indent="0">
-              <a:buNone/>
-            </a:pPr>
-            <a:r>
-              <a:rPr lang="en-US" dirty="0"/>
-              <a:t> </a:t>
-            </a:r>
-          </a:p>
-          <a:p>
-            <a:pPr marL="0" indent="0">
-              <a:buNone/>
-            </a:pPr>
-            <a:endParaRPr lang="en-US" dirty="0"/>
+            <a:r>
+              <a:rPr lang="en-US" dirty="0">
+                <a:latin typeface="Gill Sans MT" panose="020B0502020104020203" pitchFamily="34" charset="77"/>
+              </a:rPr>
+              <a:t>This will allow use to loop through a dictionary. </a:t>
+            </a:r>
           </a:p>
           <a:p>
             <a:pPr marL="0" indent="0">
@@ -12860,7 +13981,1251 @@
     </p:spTree>
     <p:extLst>
       <p:ext uri="{BB962C8B-B14F-4D97-AF65-F5344CB8AC3E}">
-        <p14:creationId xmlns:p14="http://schemas.microsoft.com/office/powerpoint/2010/main" val="2283393882"/>
+        <p14:creationId xmlns:p14="http://schemas.microsoft.com/office/powerpoint/2010/main" val="1133323522"/>
+      </p:ext>
+    </p:extLst>
+  </p:cSld>
+  <p:clrMapOvr>
+    <a:masterClrMapping/>
+  </p:clrMapOvr>
+  <p:timing>
+    <p:tnLst>
+      <p:par>
+        <p:cTn id="1" dur="indefinite" restart="never" nodeType="tmRoot">
+          <p:childTnLst>
+            <p:seq concurrent="1" nextAc="seek">
+              <p:cTn id="2" dur="indefinite" nodeType="mainSeq">
+                <p:childTnLst>
+                  <p:par>
+                    <p:cTn id="3" fill="hold">
+                      <p:stCondLst>
+                        <p:cond delay="indefinite"/>
+                      </p:stCondLst>
+                      <p:childTnLst>
+                        <p:par>
+                          <p:cTn id="4" fill="hold">
+                            <p:stCondLst>
+                              <p:cond delay="0"/>
+                            </p:stCondLst>
+                            <p:childTnLst>
+                              <p:par>
+                                <p:cTn id="5" presetID="1" presetClass="entr" presetSubtype="0" fill="hold" nodeType="clickEffect">
+                                  <p:stCondLst>
+                                    <p:cond delay="0"/>
+                                  </p:stCondLst>
+                                  <p:childTnLst>
+                                    <p:set>
+                                      <p:cBhvr>
+                                        <p:cTn id="6" dur="1" fill="hold">
+                                          <p:stCondLst>
+                                            <p:cond delay="0"/>
+                                          </p:stCondLst>
+                                        </p:cTn>
+                                        <p:tgtEl>
+                                          <p:spTgt spid="9">
+                                            <p:txEl>
+                                              <p:pRg st="4" end="4"/>
+                                            </p:txEl>
+                                          </p:spTgt>
+                                        </p:tgtEl>
+                                        <p:attrNameLst>
+                                          <p:attrName>style.visibility</p:attrName>
+                                        </p:attrNameLst>
+                                      </p:cBhvr>
+                                      <p:to>
+                                        <p:strVal val="visible"/>
+                                      </p:to>
+                                    </p:set>
+                                  </p:childTnLst>
+                                </p:cTn>
+                              </p:par>
+                            </p:childTnLst>
+                          </p:cTn>
+                        </p:par>
+                      </p:childTnLst>
+                    </p:cTn>
+                  </p:par>
+                  <p:par>
+                    <p:cTn id="7" fill="hold">
+                      <p:stCondLst>
+                        <p:cond delay="indefinite"/>
+                      </p:stCondLst>
+                      <p:childTnLst>
+                        <p:par>
+                          <p:cTn id="8" fill="hold">
+                            <p:stCondLst>
+                              <p:cond delay="0"/>
+                            </p:stCondLst>
+                            <p:childTnLst>
+                              <p:par>
+                                <p:cTn id="9" presetID="1" presetClass="entr" presetSubtype="0" fill="hold" nodeType="clickEffect">
+                                  <p:stCondLst>
+                                    <p:cond delay="0"/>
+                                  </p:stCondLst>
+                                  <p:childTnLst>
+                                    <p:set>
+                                      <p:cBhvr>
+                                        <p:cTn id="10" dur="1" fill="hold">
+                                          <p:stCondLst>
+                                            <p:cond delay="0"/>
+                                          </p:stCondLst>
+                                        </p:cTn>
+                                        <p:tgtEl>
+                                          <p:spTgt spid="9">
+                                            <p:txEl>
+                                              <p:pRg st="5" end="5"/>
+                                            </p:txEl>
+                                          </p:spTgt>
+                                        </p:tgtEl>
+                                        <p:attrNameLst>
+                                          <p:attrName>style.visibility</p:attrName>
+                                        </p:attrNameLst>
+                                      </p:cBhvr>
+                                      <p:to>
+                                        <p:strVal val="visible"/>
+                                      </p:to>
+                                    </p:set>
+                                  </p:childTnLst>
+                                </p:cTn>
+                              </p:par>
+                            </p:childTnLst>
+                          </p:cTn>
+                        </p:par>
+                      </p:childTnLst>
+                    </p:cTn>
+                  </p:par>
+                  <p:par>
+                    <p:cTn id="11" fill="hold">
+                      <p:stCondLst>
+                        <p:cond delay="indefinite"/>
+                      </p:stCondLst>
+                      <p:childTnLst>
+                        <p:par>
+                          <p:cTn id="12" fill="hold">
+                            <p:stCondLst>
+                              <p:cond delay="0"/>
+                            </p:stCondLst>
+                            <p:childTnLst>
+                              <p:par>
+                                <p:cTn id="13" presetID="1" presetClass="entr" presetSubtype="0" fill="hold" nodeType="clickEffect">
+                                  <p:stCondLst>
+                                    <p:cond delay="0"/>
+                                  </p:stCondLst>
+                                  <p:childTnLst>
+                                    <p:set>
+                                      <p:cBhvr>
+                                        <p:cTn id="14" dur="1" fill="hold">
+                                          <p:stCondLst>
+                                            <p:cond delay="0"/>
+                                          </p:stCondLst>
+                                        </p:cTn>
+                                        <p:tgtEl>
+                                          <p:spTgt spid="9">
+                                            <p:txEl>
+                                              <p:pRg st="6" end="6"/>
+                                            </p:txEl>
+                                          </p:spTgt>
+                                        </p:tgtEl>
+                                        <p:attrNameLst>
+                                          <p:attrName>style.visibility</p:attrName>
+                                        </p:attrNameLst>
+                                      </p:cBhvr>
+                                      <p:to>
+                                        <p:strVal val="visible"/>
+                                      </p:to>
+                                    </p:set>
+                                  </p:childTnLst>
+                                </p:cTn>
+                              </p:par>
+                            </p:childTnLst>
+                          </p:cTn>
+                        </p:par>
+                      </p:childTnLst>
+                    </p:cTn>
+                  </p:par>
+                  <p:par>
+                    <p:cTn id="15" fill="hold">
+                      <p:stCondLst>
+                        <p:cond delay="indefinite"/>
+                      </p:stCondLst>
+                      <p:childTnLst>
+                        <p:par>
+                          <p:cTn id="16" fill="hold">
+                            <p:stCondLst>
+                              <p:cond delay="0"/>
+                            </p:stCondLst>
+                            <p:childTnLst>
+                              <p:par>
+                                <p:cTn id="17" presetID="1" presetClass="entr" presetSubtype="0" fill="hold" nodeType="clickEffect">
+                                  <p:stCondLst>
+                                    <p:cond delay="0"/>
+                                  </p:stCondLst>
+                                  <p:childTnLst>
+                                    <p:set>
+                                      <p:cBhvr>
+                                        <p:cTn id="18" dur="1" fill="hold">
+                                          <p:stCondLst>
+                                            <p:cond delay="0"/>
+                                          </p:stCondLst>
+                                        </p:cTn>
+                                        <p:tgtEl>
+                                          <p:spTgt spid="9">
+                                            <p:txEl>
+                                              <p:pRg st="9" end="9"/>
+                                            </p:txEl>
+                                          </p:spTgt>
+                                        </p:tgtEl>
+                                        <p:attrNameLst>
+                                          <p:attrName>style.visibility</p:attrName>
+                                        </p:attrNameLst>
+                                      </p:cBhvr>
+                                      <p:to>
+                                        <p:strVal val="visible"/>
+                                      </p:to>
+                                    </p:set>
+                                  </p:childTnLst>
+                                </p:cTn>
+                              </p:par>
+                            </p:childTnLst>
+                          </p:cTn>
+                        </p:par>
+                      </p:childTnLst>
+                    </p:cTn>
+                  </p:par>
+                </p:childTnLst>
+              </p:cTn>
+              <p:prevCondLst>
+                <p:cond evt="onPrev" delay="0">
+                  <p:tgtEl>
+                    <p:sldTgt/>
+                  </p:tgtEl>
+                </p:cond>
+              </p:prevCondLst>
+              <p:nextCondLst>
+                <p:cond evt="onNext" delay="0">
+                  <p:tgtEl>
+                    <p:sldTgt/>
+                  </p:tgtEl>
+                </p:cond>
+              </p:nextCondLst>
+            </p:seq>
+          </p:childTnLst>
+        </p:cTn>
+      </p:par>
+    </p:tnLst>
+  </p:timing>
+</p:sld>
+</file>
+
+<file path=ppt/slides/slide22.xml><?xml version="1.0" encoding="utf-8"?>
+<p:sld xmlns:a="http://schemas.openxmlformats.org/drawingml/2006/main" xmlns:r="http://schemas.openxmlformats.org/officeDocument/2006/relationships" xmlns:p="http://schemas.openxmlformats.org/presentationml/2006/main">
+  <p:cSld>
+    <p:spTree>
+      <p:nvGrpSpPr>
+        <p:cNvPr id="1" name=""/>
+        <p:cNvGrpSpPr/>
+        <p:nvPr/>
+      </p:nvGrpSpPr>
+      <p:grpSpPr>
+        <a:xfrm>
+          <a:off x="0" y="0"/>
+          <a:ext cx="0" cy="0"/>
+          <a:chOff x="0" y="0"/>
+          <a:chExt cx="0" cy="0"/>
+        </a:xfrm>
+      </p:grpSpPr>
+      <p:sp>
+        <p:nvSpPr>
+          <p:cNvPr id="2" name="Title 1">
+            <a:extLst>
+              <a:ext uri="{FF2B5EF4-FFF2-40B4-BE49-F238E27FC236}">
+                <a16:creationId xmlns:a16="http://schemas.microsoft.com/office/drawing/2014/main" id="{AA3A228F-61D0-D949-A5E7-F83756230BF8}"/>
+              </a:ext>
+            </a:extLst>
+          </p:cNvPr>
+          <p:cNvSpPr>
+            <a:spLocks noGrp="1"/>
+          </p:cNvSpPr>
+          <p:nvPr>
+            <p:ph type="title"/>
+          </p:nvPr>
+        </p:nvSpPr>
+        <p:spPr>
+          <a:xfrm>
+            <a:off x="133119" y="141350"/>
+            <a:ext cx="7053542" cy="683886"/>
+          </a:xfrm>
+        </p:spPr>
+        <p:txBody>
+          <a:bodyPr/>
+          <a:lstStyle/>
+          <a:p>
+            <a:r>
+              <a:rPr lang="en-US" dirty="0"/>
+              <a:t>Iterating over keys a dictionary</a:t>
+            </a:r>
+          </a:p>
+        </p:txBody>
+      </p:sp>
+      <p:sp>
+        <p:nvSpPr>
+          <p:cNvPr id="9" name="Content Placeholder 8">
+            <a:extLst>
+              <a:ext uri="{FF2B5EF4-FFF2-40B4-BE49-F238E27FC236}">
+                <a16:creationId xmlns:a16="http://schemas.microsoft.com/office/drawing/2014/main" id="{E3B2E017-30B2-884B-A113-B419A2ED51AD}"/>
+              </a:ext>
+            </a:extLst>
+          </p:cNvPr>
+          <p:cNvSpPr>
+            <a:spLocks noGrp="1"/>
+          </p:cNvSpPr>
+          <p:nvPr>
+            <p:ph idx="1"/>
+          </p:nvPr>
+        </p:nvSpPr>
+        <p:spPr>
+          <a:xfrm>
+            <a:off x="237996" y="825236"/>
+            <a:ext cx="8297578" cy="4889763"/>
+          </a:xfrm>
+        </p:spPr>
+        <p:txBody>
+          <a:bodyPr>
+            <a:noAutofit/>
+          </a:bodyPr>
+          <a:lstStyle/>
+          <a:p>
+            <a:pPr marL="0" indent="0">
+              <a:buNone/>
+            </a:pPr>
+            <a:r>
+              <a:rPr lang="en-US" dirty="0"/>
+              <a:t>It is easy to iterate over keys of the dictionary. The default loop iterates over the keys. </a:t>
+            </a:r>
+          </a:p>
+          <a:p>
+            <a:pPr marL="0" indent="0">
+              <a:buNone/>
+            </a:pPr>
+            <a:endParaRPr lang="en-US" b="1" dirty="0">
+              <a:solidFill>
+                <a:srgbClr val="000087"/>
+              </a:solidFill>
+              <a:latin typeface="Inconsolata" panose="020B0609030003000000" pitchFamily="49" charset="77"/>
+            </a:endParaRPr>
+          </a:p>
+          <a:p>
+            <a:pPr marL="0" indent="0">
+              <a:buNone/>
+            </a:pPr>
+            <a:r>
+              <a:rPr lang="en-US" b="1" dirty="0">
+                <a:solidFill>
+                  <a:srgbClr val="000087"/>
+                </a:solidFill>
+                <a:latin typeface="Inconsolata" panose="020B0609030003000000" pitchFamily="49" charset="77"/>
+              </a:rPr>
+              <a:t>grades </a:t>
+            </a:r>
+            <a:r>
+              <a:rPr lang="en-US" b="1" dirty="0">
+                <a:solidFill>
+                  <a:srgbClr val="545454"/>
+                </a:solidFill>
+                <a:latin typeface="Inconsolata" panose="020B0609030003000000" pitchFamily="49" charset="77"/>
+              </a:rPr>
+              <a:t>= </a:t>
+            </a:r>
+            <a:r>
+              <a:rPr lang="en-US" b="1" dirty="0">
+                <a:latin typeface="Inconsolata" panose="020B0609030003000000" pitchFamily="49" charset="77"/>
+              </a:rPr>
+              <a:t>{</a:t>
+            </a:r>
+            <a:r>
+              <a:rPr lang="en-US" b="1" dirty="0">
+                <a:solidFill>
+                  <a:srgbClr val="CC3300"/>
+                </a:solidFill>
+                <a:latin typeface="Inconsolata" panose="020B0609030003000000" pitchFamily="49" charset="77"/>
+              </a:rPr>
+              <a:t>"Mike"</a:t>
+            </a:r>
+            <a:r>
+              <a:rPr lang="en-US" b="1" dirty="0">
+                <a:latin typeface="Inconsolata" panose="020B0609030003000000" pitchFamily="49" charset="77"/>
+              </a:rPr>
+              <a:t>:</a:t>
+            </a:r>
+            <a:r>
+              <a:rPr lang="en-US" b="1" dirty="0">
+                <a:solidFill>
+                  <a:srgbClr val="FF6600"/>
+                </a:solidFill>
+                <a:latin typeface="Inconsolata" panose="020B0609030003000000" pitchFamily="49" charset="77"/>
+              </a:rPr>
+              <a:t>3.1</a:t>
+            </a:r>
+            <a:r>
+              <a:rPr lang="en-US" b="1" dirty="0">
+                <a:latin typeface="Inconsolata" panose="020B0609030003000000" pitchFamily="49" charset="77"/>
+              </a:rPr>
+              <a:t>, </a:t>
+            </a:r>
+            <a:r>
+              <a:rPr lang="en-US" b="1" dirty="0">
+                <a:solidFill>
+                  <a:srgbClr val="CC3300"/>
+                </a:solidFill>
+                <a:latin typeface="Inconsolata" panose="020B0609030003000000" pitchFamily="49" charset="77"/>
+              </a:rPr>
+              <a:t>"Sarah"</a:t>
+            </a:r>
+            <a:r>
+              <a:rPr lang="en-US" b="1" dirty="0">
+                <a:latin typeface="Inconsolata" panose="020B0609030003000000" pitchFamily="49" charset="77"/>
+              </a:rPr>
+              <a:t>:</a:t>
+            </a:r>
+            <a:r>
+              <a:rPr lang="en-US" b="1" dirty="0">
+                <a:solidFill>
+                  <a:srgbClr val="FF6600"/>
+                </a:solidFill>
+                <a:latin typeface="Inconsolata" panose="020B0609030003000000" pitchFamily="49" charset="77"/>
+              </a:rPr>
+              <a:t>3.6</a:t>
+            </a:r>
+            <a:r>
+              <a:rPr lang="en-US" b="1" dirty="0">
+                <a:latin typeface="Inconsolata" panose="020B0609030003000000" pitchFamily="49" charset="77"/>
+              </a:rPr>
+              <a:t>, </a:t>
+            </a:r>
+            <a:r>
+              <a:rPr lang="en-US" b="1" dirty="0">
+                <a:solidFill>
+                  <a:srgbClr val="CC3300"/>
+                </a:solidFill>
+                <a:latin typeface="Inconsolata" panose="020B0609030003000000" pitchFamily="49" charset="77"/>
+              </a:rPr>
+              <a:t>"John"</a:t>
+            </a:r>
+            <a:r>
+              <a:rPr lang="en-US" b="1" dirty="0">
+                <a:latin typeface="Inconsolata" panose="020B0609030003000000" pitchFamily="49" charset="77"/>
+              </a:rPr>
+              <a:t>:</a:t>
+            </a:r>
+            <a:r>
+              <a:rPr lang="en-US" b="1" dirty="0">
+                <a:solidFill>
+                  <a:srgbClr val="FF6600"/>
+                </a:solidFill>
+                <a:latin typeface="Inconsolata" panose="020B0609030003000000" pitchFamily="49" charset="77"/>
+              </a:rPr>
+              <a:t>3.4</a:t>
+            </a:r>
+            <a:r>
+              <a:rPr lang="en-US" b="1" dirty="0">
+                <a:latin typeface="Inconsolata" panose="020B0609030003000000" pitchFamily="49" charset="77"/>
+              </a:rPr>
+              <a:t>} </a:t>
+            </a:r>
+          </a:p>
+          <a:p>
+            <a:pPr marL="0" indent="0">
+              <a:buNone/>
+            </a:pPr>
+            <a:r>
+              <a:rPr lang="en-US" b="1" dirty="0">
+                <a:solidFill>
+                  <a:srgbClr val="006699"/>
+                </a:solidFill>
+                <a:latin typeface="Inconsolata" panose="020B0609030003000000" pitchFamily="49" charset="77"/>
+              </a:rPr>
+              <a:t>for </a:t>
+            </a:r>
+            <a:r>
+              <a:rPr lang="en-US" b="1" dirty="0">
+                <a:solidFill>
+                  <a:srgbClr val="000087"/>
+                </a:solidFill>
+                <a:latin typeface="Inconsolata" panose="020B0609030003000000" pitchFamily="49" charset="77"/>
+              </a:rPr>
+              <a:t>x </a:t>
+            </a:r>
+            <a:r>
+              <a:rPr lang="en-US" b="1" dirty="0">
+                <a:latin typeface="Inconsolata" panose="020B0609030003000000" pitchFamily="49" charset="77"/>
+              </a:rPr>
+              <a:t>in </a:t>
+            </a:r>
+            <a:r>
+              <a:rPr lang="en-US" b="1" dirty="0">
+                <a:solidFill>
+                  <a:srgbClr val="336666"/>
+                </a:solidFill>
+                <a:latin typeface="Inconsolata" panose="020B0609030003000000" pitchFamily="49" charset="77"/>
+              </a:rPr>
+              <a:t>data</a:t>
+            </a:r>
+            <a:r>
+              <a:rPr lang="en-US" b="1" dirty="0">
+                <a:latin typeface="Inconsolata" panose="020B0609030003000000" pitchFamily="49" charset="77"/>
+              </a:rPr>
+              <a:t>: </a:t>
+            </a:r>
+          </a:p>
+          <a:p>
+            <a:pPr marL="0" indent="0">
+              <a:buNone/>
+            </a:pPr>
+            <a:r>
+              <a:rPr lang="en-US" b="1" dirty="0">
+                <a:solidFill>
+                  <a:srgbClr val="006699"/>
+                </a:solidFill>
+                <a:latin typeface="Inconsolata" panose="020B0609030003000000" pitchFamily="49" charset="77"/>
+              </a:rPr>
+              <a:t>	print</a:t>
+            </a:r>
+            <a:r>
+              <a:rPr lang="en-US" b="1" dirty="0">
+                <a:latin typeface="Inconsolata" panose="020B0609030003000000" pitchFamily="49" charset="77"/>
+              </a:rPr>
+              <a:t>(</a:t>
+            </a:r>
+            <a:r>
+              <a:rPr lang="en-US" b="1" dirty="0">
+                <a:solidFill>
+                  <a:srgbClr val="000087"/>
+                </a:solidFill>
+                <a:latin typeface="Inconsolata" panose="020B0609030003000000" pitchFamily="49" charset="77"/>
+              </a:rPr>
+              <a:t>x</a:t>
+            </a:r>
+            <a:r>
+              <a:rPr lang="en-US" b="1" dirty="0">
+                <a:latin typeface="Inconsolata" panose="020B0609030003000000" pitchFamily="49" charset="77"/>
+              </a:rPr>
+              <a:t>, </a:t>
+            </a:r>
+            <a:r>
+              <a:rPr lang="en-US" b="1" dirty="0">
+                <a:solidFill>
+                  <a:srgbClr val="000087"/>
+                </a:solidFill>
+                <a:latin typeface="Inconsolata" panose="020B0609030003000000" pitchFamily="49" charset="77"/>
+              </a:rPr>
+              <a:t>end</a:t>
+            </a:r>
+            <a:r>
+              <a:rPr lang="en-US" b="1" dirty="0">
+                <a:solidFill>
+                  <a:srgbClr val="545454"/>
+                </a:solidFill>
+                <a:latin typeface="Inconsolata" panose="020B0609030003000000" pitchFamily="49" charset="77"/>
+              </a:rPr>
+              <a:t>=</a:t>
+            </a:r>
+            <a:r>
+              <a:rPr lang="en-US" b="1" dirty="0">
+                <a:solidFill>
+                  <a:srgbClr val="CC3300"/>
+                </a:solidFill>
+                <a:latin typeface="Inconsolata" panose="020B0609030003000000" pitchFamily="49" charset="77"/>
+              </a:rPr>
+              <a:t>" "</a:t>
+            </a:r>
+            <a:r>
+              <a:rPr lang="en-US" b="1" dirty="0">
+                <a:latin typeface="Inconsolata" panose="020B0609030003000000" pitchFamily="49" charset="77"/>
+              </a:rPr>
+              <a:t>) </a:t>
+            </a:r>
+          </a:p>
+          <a:p>
+            <a:pPr marL="0" indent="0">
+              <a:buNone/>
+            </a:pPr>
+            <a:endParaRPr lang="en-US" dirty="0"/>
+          </a:p>
+          <a:p>
+            <a:pPr marL="0" indent="0">
+              <a:buNone/>
+            </a:pPr>
+            <a:r>
+              <a:rPr lang="en-US" dirty="0"/>
+              <a:t>Output:</a:t>
+            </a:r>
+          </a:p>
+          <a:p>
+            <a:pPr marL="0" indent="0">
+              <a:buNone/>
+            </a:pPr>
+            <a:r>
+              <a:rPr lang="en-US" dirty="0"/>
+              <a:t>Mike Sarah John</a:t>
+            </a:r>
+          </a:p>
+          <a:p>
+            <a:pPr marL="0" indent="0">
+              <a:buNone/>
+            </a:pPr>
+            <a:endParaRPr lang="en-US" dirty="0"/>
+          </a:p>
+          <a:p>
+            <a:pPr marL="0" indent="0">
+              <a:buNone/>
+            </a:pPr>
+            <a:endParaRPr lang="en-US" dirty="0"/>
+          </a:p>
+        </p:txBody>
+      </p:sp>
+    </p:spTree>
+    <p:extLst>
+      <p:ext uri="{BB962C8B-B14F-4D97-AF65-F5344CB8AC3E}">
+        <p14:creationId xmlns:p14="http://schemas.microsoft.com/office/powerpoint/2010/main" val="2962743079"/>
+      </p:ext>
+    </p:extLst>
+  </p:cSld>
+  <p:clrMapOvr>
+    <a:masterClrMapping/>
+  </p:clrMapOvr>
+  <p:timing>
+    <p:tnLst>
+      <p:par>
+        <p:cTn id="1" dur="indefinite" restart="never" nodeType="tmRoot">
+          <p:childTnLst>
+            <p:seq concurrent="1" nextAc="seek">
+              <p:cTn id="2" dur="indefinite" nodeType="mainSeq">
+                <p:childTnLst>
+                  <p:par>
+                    <p:cTn id="3" fill="hold">
+                      <p:stCondLst>
+                        <p:cond delay="indefinite"/>
+                      </p:stCondLst>
+                      <p:childTnLst>
+                        <p:par>
+                          <p:cTn id="4" fill="hold">
+                            <p:stCondLst>
+                              <p:cond delay="0"/>
+                            </p:stCondLst>
+                            <p:childTnLst>
+                              <p:par>
+                                <p:cTn id="5" presetID="1" presetClass="entr" presetSubtype="0" fill="hold" nodeType="clickEffect">
+                                  <p:stCondLst>
+                                    <p:cond delay="0"/>
+                                  </p:stCondLst>
+                                  <p:childTnLst>
+                                    <p:set>
+                                      <p:cBhvr>
+                                        <p:cTn id="6" dur="1" fill="hold">
+                                          <p:stCondLst>
+                                            <p:cond delay="0"/>
+                                          </p:stCondLst>
+                                        </p:cTn>
+                                        <p:tgtEl>
+                                          <p:spTgt spid="9">
+                                            <p:txEl>
+                                              <p:pRg st="2" end="2"/>
+                                            </p:txEl>
+                                          </p:spTgt>
+                                        </p:tgtEl>
+                                        <p:attrNameLst>
+                                          <p:attrName>style.visibility</p:attrName>
+                                        </p:attrNameLst>
+                                      </p:cBhvr>
+                                      <p:to>
+                                        <p:strVal val="visible"/>
+                                      </p:to>
+                                    </p:set>
+                                  </p:childTnLst>
+                                </p:cTn>
+                              </p:par>
+                              <p:par>
+                                <p:cTn id="7" presetID="1" presetClass="entr" presetSubtype="0" fill="hold" nodeType="withEffect">
+                                  <p:stCondLst>
+                                    <p:cond delay="0"/>
+                                  </p:stCondLst>
+                                  <p:childTnLst>
+                                    <p:set>
+                                      <p:cBhvr>
+                                        <p:cTn id="8" dur="1" fill="hold">
+                                          <p:stCondLst>
+                                            <p:cond delay="0"/>
+                                          </p:stCondLst>
+                                        </p:cTn>
+                                        <p:tgtEl>
+                                          <p:spTgt spid="9">
+                                            <p:txEl>
+                                              <p:pRg st="3" end="3"/>
+                                            </p:txEl>
+                                          </p:spTgt>
+                                        </p:tgtEl>
+                                        <p:attrNameLst>
+                                          <p:attrName>style.visibility</p:attrName>
+                                        </p:attrNameLst>
+                                      </p:cBhvr>
+                                      <p:to>
+                                        <p:strVal val="visible"/>
+                                      </p:to>
+                                    </p:set>
+                                  </p:childTnLst>
+                                </p:cTn>
+                              </p:par>
+                              <p:par>
+                                <p:cTn id="9" presetID="1" presetClass="entr" presetSubtype="0" fill="hold" nodeType="withEffect">
+                                  <p:stCondLst>
+                                    <p:cond delay="0"/>
+                                  </p:stCondLst>
+                                  <p:childTnLst>
+                                    <p:set>
+                                      <p:cBhvr>
+                                        <p:cTn id="10" dur="1" fill="hold">
+                                          <p:stCondLst>
+                                            <p:cond delay="0"/>
+                                          </p:stCondLst>
+                                        </p:cTn>
+                                        <p:tgtEl>
+                                          <p:spTgt spid="9">
+                                            <p:txEl>
+                                              <p:pRg st="4" end="4"/>
+                                            </p:txEl>
+                                          </p:spTgt>
+                                        </p:tgtEl>
+                                        <p:attrNameLst>
+                                          <p:attrName>style.visibility</p:attrName>
+                                        </p:attrNameLst>
+                                      </p:cBhvr>
+                                      <p:to>
+                                        <p:strVal val="visible"/>
+                                      </p:to>
+                                    </p:set>
+                                  </p:childTnLst>
+                                </p:cTn>
+                              </p:par>
+                            </p:childTnLst>
+                          </p:cTn>
+                        </p:par>
+                      </p:childTnLst>
+                    </p:cTn>
+                  </p:par>
+                  <p:par>
+                    <p:cTn id="11" fill="hold">
+                      <p:stCondLst>
+                        <p:cond delay="indefinite"/>
+                      </p:stCondLst>
+                      <p:childTnLst>
+                        <p:par>
+                          <p:cTn id="12" fill="hold">
+                            <p:stCondLst>
+                              <p:cond delay="0"/>
+                            </p:stCondLst>
+                            <p:childTnLst>
+                              <p:par>
+                                <p:cTn id="13" presetID="1" presetClass="entr" presetSubtype="0" fill="hold" nodeType="clickEffect">
+                                  <p:stCondLst>
+                                    <p:cond delay="0"/>
+                                  </p:stCondLst>
+                                  <p:childTnLst>
+                                    <p:set>
+                                      <p:cBhvr>
+                                        <p:cTn id="14" dur="1" fill="hold">
+                                          <p:stCondLst>
+                                            <p:cond delay="0"/>
+                                          </p:stCondLst>
+                                        </p:cTn>
+                                        <p:tgtEl>
+                                          <p:spTgt spid="9">
+                                            <p:txEl>
+                                              <p:pRg st="6" end="6"/>
+                                            </p:txEl>
+                                          </p:spTgt>
+                                        </p:tgtEl>
+                                        <p:attrNameLst>
+                                          <p:attrName>style.visibility</p:attrName>
+                                        </p:attrNameLst>
+                                      </p:cBhvr>
+                                      <p:to>
+                                        <p:strVal val="visible"/>
+                                      </p:to>
+                                    </p:set>
+                                  </p:childTnLst>
+                                </p:cTn>
+                              </p:par>
+                              <p:par>
+                                <p:cTn id="15" presetID="1" presetClass="entr" presetSubtype="0" fill="hold" nodeType="withEffect">
+                                  <p:stCondLst>
+                                    <p:cond delay="0"/>
+                                  </p:stCondLst>
+                                  <p:childTnLst>
+                                    <p:set>
+                                      <p:cBhvr>
+                                        <p:cTn id="16" dur="1" fill="hold">
+                                          <p:stCondLst>
+                                            <p:cond delay="0"/>
+                                          </p:stCondLst>
+                                        </p:cTn>
+                                        <p:tgtEl>
+                                          <p:spTgt spid="9">
+                                            <p:txEl>
+                                              <p:pRg st="7" end="7"/>
+                                            </p:txEl>
+                                          </p:spTgt>
+                                        </p:tgtEl>
+                                        <p:attrNameLst>
+                                          <p:attrName>style.visibility</p:attrName>
+                                        </p:attrNameLst>
+                                      </p:cBhvr>
+                                      <p:to>
+                                        <p:strVal val="visible"/>
+                                      </p:to>
+                                    </p:set>
+                                  </p:childTnLst>
+                                </p:cTn>
+                              </p:par>
+                            </p:childTnLst>
+                          </p:cTn>
+                        </p:par>
+                      </p:childTnLst>
+                    </p:cTn>
+                  </p:par>
+                </p:childTnLst>
+              </p:cTn>
+              <p:prevCondLst>
+                <p:cond evt="onPrev" delay="0">
+                  <p:tgtEl>
+                    <p:sldTgt/>
+                  </p:tgtEl>
+                </p:cond>
+              </p:prevCondLst>
+              <p:nextCondLst>
+                <p:cond evt="onNext" delay="0">
+                  <p:tgtEl>
+                    <p:sldTgt/>
+                  </p:tgtEl>
+                </p:cond>
+              </p:nextCondLst>
+            </p:seq>
+          </p:childTnLst>
+        </p:cTn>
+      </p:par>
+    </p:tnLst>
+  </p:timing>
+</p:sld>
+</file>
+
+<file path=ppt/slides/slide23.xml><?xml version="1.0" encoding="utf-8"?>
+<p:sld xmlns:a="http://schemas.openxmlformats.org/drawingml/2006/main" xmlns:r="http://schemas.openxmlformats.org/officeDocument/2006/relationships" xmlns:p="http://schemas.openxmlformats.org/presentationml/2006/main">
+  <p:cSld>
+    <p:spTree>
+      <p:nvGrpSpPr>
+        <p:cNvPr id="1" name=""/>
+        <p:cNvGrpSpPr/>
+        <p:nvPr/>
+      </p:nvGrpSpPr>
+      <p:grpSpPr>
+        <a:xfrm>
+          <a:off x="0" y="0"/>
+          <a:ext cx="0" cy="0"/>
+          <a:chOff x="0" y="0"/>
+          <a:chExt cx="0" cy="0"/>
+        </a:xfrm>
+      </p:grpSpPr>
+      <p:sp>
+        <p:nvSpPr>
+          <p:cNvPr id="2" name="Title 1">
+            <a:extLst>
+              <a:ext uri="{FF2B5EF4-FFF2-40B4-BE49-F238E27FC236}">
+                <a16:creationId xmlns:a16="http://schemas.microsoft.com/office/drawing/2014/main" id="{AA3A228F-61D0-D949-A5E7-F83756230BF8}"/>
+              </a:ext>
+            </a:extLst>
+          </p:cNvPr>
+          <p:cNvSpPr>
+            <a:spLocks noGrp="1"/>
+          </p:cNvSpPr>
+          <p:nvPr>
+            <p:ph type="title"/>
+          </p:nvPr>
+        </p:nvSpPr>
+        <p:spPr>
+          <a:xfrm>
+            <a:off x="133119" y="141350"/>
+            <a:ext cx="7053542" cy="683886"/>
+          </a:xfrm>
+        </p:spPr>
+        <p:txBody>
+          <a:bodyPr/>
+          <a:lstStyle/>
+          <a:p>
+            <a:r>
+              <a:rPr lang="en-US" dirty="0"/>
+              <a:t>Iterating over keys a dictionary</a:t>
+            </a:r>
+          </a:p>
+        </p:txBody>
+      </p:sp>
+      <p:sp>
+        <p:nvSpPr>
+          <p:cNvPr id="9" name="Content Placeholder 8">
+            <a:extLst>
+              <a:ext uri="{FF2B5EF4-FFF2-40B4-BE49-F238E27FC236}">
+                <a16:creationId xmlns:a16="http://schemas.microsoft.com/office/drawing/2014/main" id="{E3B2E017-30B2-884B-A113-B419A2ED51AD}"/>
+              </a:ext>
+            </a:extLst>
+          </p:cNvPr>
+          <p:cNvSpPr>
+            <a:spLocks noGrp="1"/>
+          </p:cNvSpPr>
+          <p:nvPr>
+            <p:ph idx="1"/>
+          </p:nvPr>
+        </p:nvSpPr>
+        <p:spPr>
+          <a:xfrm>
+            <a:off x="237996" y="825236"/>
+            <a:ext cx="8297578" cy="4889763"/>
+          </a:xfrm>
+        </p:spPr>
+        <p:txBody>
+          <a:bodyPr>
+            <a:noAutofit/>
+          </a:bodyPr>
+          <a:lstStyle/>
+          <a:p>
+            <a:pPr marL="0" indent="0">
+              <a:buNone/>
+            </a:pPr>
+            <a:r>
+              <a:rPr lang="en-US" dirty="0"/>
+              <a:t>The following compute the average GPA.</a:t>
+            </a:r>
+          </a:p>
+          <a:p>
+            <a:pPr marL="0" indent="0">
+              <a:buNone/>
+            </a:pPr>
+            <a:endParaRPr lang="en-US" b="1" dirty="0">
+              <a:solidFill>
+                <a:srgbClr val="000087"/>
+              </a:solidFill>
+              <a:latin typeface="Inconsolata" panose="020B0609030003000000" pitchFamily="49" charset="77"/>
+            </a:endParaRPr>
+          </a:p>
+          <a:p>
+            <a:pPr marL="0" indent="0">
+              <a:buNone/>
+            </a:pPr>
+            <a:r>
+              <a:rPr lang="en-US" b="1" dirty="0">
+                <a:solidFill>
+                  <a:srgbClr val="000087"/>
+                </a:solidFill>
+                <a:latin typeface="Inconsolata" panose="020B0609030003000000" pitchFamily="49" charset="77"/>
+              </a:rPr>
+              <a:t>grades </a:t>
+            </a:r>
+            <a:r>
+              <a:rPr lang="en-US" b="1" dirty="0">
+                <a:solidFill>
+                  <a:srgbClr val="545454"/>
+                </a:solidFill>
+                <a:latin typeface="Inconsolata" panose="020B0609030003000000" pitchFamily="49" charset="77"/>
+              </a:rPr>
+              <a:t>= </a:t>
+            </a:r>
+            <a:r>
+              <a:rPr lang="en-US" b="1" dirty="0">
+                <a:latin typeface="Inconsolata" panose="020B0609030003000000" pitchFamily="49" charset="77"/>
+              </a:rPr>
+              <a:t>{</a:t>
+            </a:r>
+            <a:r>
+              <a:rPr lang="en-US" b="1" dirty="0">
+                <a:solidFill>
+                  <a:srgbClr val="CC3300"/>
+                </a:solidFill>
+                <a:latin typeface="Inconsolata" panose="020B0609030003000000" pitchFamily="49" charset="77"/>
+              </a:rPr>
+              <a:t>"Mike"</a:t>
+            </a:r>
+            <a:r>
+              <a:rPr lang="en-US" b="1" dirty="0">
+                <a:latin typeface="Inconsolata" panose="020B0609030003000000" pitchFamily="49" charset="77"/>
+              </a:rPr>
+              <a:t>:</a:t>
+            </a:r>
+            <a:r>
+              <a:rPr lang="en-US" b="1" dirty="0">
+                <a:solidFill>
+                  <a:srgbClr val="FF6600"/>
+                </a:solidFill>
+                <a:latin typeface="Inconsolata" panose="020B0609030003000000" pitchFamily="49" charset="77"/>
+              </a:rPr>
+              <a:t>3.1</a:t>
+            </a:r>
+            <a:r>
+              <a:rPr lang="en-US" b="1" dirty="0">
+                <a:latin typeface="Inconsolata" panose="020B0609030003000000" pitchFamily="49" charset="77"/>
+              </a:rPr>
+              <a:t>, </a:t>
+            </a:r>
+            <a:r>
+              <a:rPr lang="en-US" b="1" dirty="0">
+                <a:solidFill>
+                  <a:srgbClr val="CC3300"/>
+                </a:solidFill>
+                <a:latin typeface="Inconsolata" panose="020B0609030003000000" pitchFamily="49" charset="77"/>
+              </a:rPr>
+              <a:t>"Sarah"</a:t>
+            </a:r>
+            <a:r>
+              <a:rPr lang="en-US" b="1" dirty="0">
+                <a:latin typeface="Inconsolata" panose="020B0609030003000000" pitchFamily="49" charset="77"/>
+              </a:rPr>
+              <a:t>:</a:t>
+            </a:r>
+            <a:r>
+              <a:rPr lang="en-US" b="1" dirty="0">
+                <a:solidFill>
+                  <a:srgbClr val="FF6600"/>
+                </a:solidFill>
+                <a:latin typeface="Inconsolata" panose="020B0609030003000000" pitchFamily="49" charset="77"/>
+              </a:rPr>
+              <a:t>3.6</a:t>
+            </a:r>
+            <a:r>
+              <a:rPr lang="en-US" b="1" dirty="0">
+                <a:latin typeface="Inconsolata" panose="020B0609030003000000" pitchFamily="49" charset="77"/>
+              </a:rPr>
+              <a:t>, </a:t>
+            </a:r>
+            <a:r>
+              <a:rPr lang="en-US" b="1" dirty="0">
+                <a:solidFill>
+                  <a:srgbClr val="CC3300"/>
+                </a:solidFill>
+                <a:latin typeface="Inconsolata" panose="020B0609030003000000" pitchFamily="49" charset="77"/>
+              </a:rPr>
+              <a:t>"John"</a:t>
+            </a:r>
+            <a:r>
+              <a:rPr lang="en-US" b="1" dirty="0">
+                <a:latin typeface="Inconsolata" panose="020B0609030003000000" pitchFamily="49" charset="77"/>
+              </a:rPr>
+              <a:t>:</a:t>
+            </a:r>
+            <a:r>
+              <a:rPr lang="en-US" b="1" dirty="0">
+                <a:solidFill>
+                  <a:srgbClr val="FF6600"/>
+                </a:solidFill>
+                <a:latin typeface="Inconsolata" panose="020B0609030003000000" pitchFamily="49" charset="77"/>
+              </a:rPr>
+              <a:t>3.4</a:t>
+            </a:r>
+            <a:r>
+              <a:rPr lang="en-US" b="1" dirty="0">
+                <a:latin typeface="Inconsolata" panose="020B0609030003000000" pitchFamily="49" charset="77"/>
+              </a:rPr>
+              <a:t>} </a:t>
+            </a:r>
+          </a:p>
+          <a:p>
+            <a:pPr marL="0" indent="0">
+              <a:buNone/>
+            </a:pPr>
+            <a:r>
+              <a:rPr lang="en-US" b="1" dirty="0">
+                <a:latin typeface="Inconsolata" panose="020B0609030003000000" pitchFamily="49" charset="77"/>
+              </a:rPr>
+              <a:t>sum = 0</a:t>
+            </a:r>
+          </a:p>
+          <a:p>
+            <a:pPr marL="0" indent="0">
+              <a:buNone/>
+            </a:pPr>
+            <a:r>
+              <a:rPr lang="en-US" b="1" dirty="0">
+                <a:solidFill>
+                  <a:srgbClr val="006699"/>
+                </a:solidFill>
+                <a:latin typeface="Inconsolata" panose="020B0609030003000000" pitchFamily="49" charset="77"/>
+              </a:rPr>
+              <a:t>for </a:t>
+            </a:r>
+            <a:r>
+              <a:rPr lang="en-US" b="1" dirty="0">
+                <a:solidFill>
+                  <a:srgbClr val="000087"/>
+                </a:solidFill>
+                <a:latin typeface="Inconsolata" panose="020B0609030003000000" pitchFamily="49" charset="77"/>
+              </a:rPr>
+              <a:t>student </a:t>
+            </a:r>
+            <a:r>
+              <a:rPr lang="en-US" b="1" dirty="0">
+                <a:latin typeface="Inconsolata" panose="020B0609030003000000" pitchFamily="49" charset="77"/>
+              </a:rPr>
+              <a:t>in </a:t>
+            </a:r>
+            <a:r>
+              <a:rPr lang="en-US" b="1" dirty="0">
+                <a:solidFill>
+                  <a:srgbClr val="336666"/>
+                </a:solidFill>
+                <a:latin typeface="Inconsolata" panose="020B0609030003000000" pitchFamily="49" charset="77"/>
+              </a:rPr>
+              <a:t>grades</a:t>
+            </a:r>
+            <a:r>
+              <a:rPr lang="en-US" b="1" dirty="0">
+                <a:latin typeface="Inconsolata" panose="020B0609030003000000" pitchFamily="49" charset="77"/>
+              </a:rPr>
+              <a:t>: </a:t>
+            </a:r>
+          </a:p>
+          <a:p>
+            <a:pPr marL="0" indent="0">
+              <a:buNone/>
+            </a:pPr>
+            <a:r>
+              <a:rPr lang="en-US" b="1" dirty="0">
+                <a:solidFill>
+                  <a:srgbClr val="006699"/>
+                </a:solidFill>
+                <a:latin typeface="Inconsolata" panose="020B0609030003000000" pitchFamily="49" charset="77"/>
+              </a:rPr>
+              <a:t>	sum += grades[student]</a:t>
+            </a:r>
+            <a:endParaRPr lang="en-US" b="1" dirty="0">
+              <a:latin typeface="Inconsolata" panose="020B0609030003000000" pitchFamily="49" charset="77"/>
+            </a:endParaRPr>
+          </a:p>
+          <a:p>
+            <a:pPr marL="0" indent="0">
+              <a:buNone/>
+            </a:pPr>
+            <a:r>
+              <a:rPr lang="en-US" b="1" dirty="0">
+                <a:latin typeface="INCONSOLATA" panose="020B0609030003000000" pitchFamily="49" charset="77"/>
+              </a:rPr>
+              <a:t>average = sum/</a:t>
+            </a:r>
+            <a:r>
+              <a:rPr lang="en-US" b="1" dirty="0" err="1">
+                <a:latin typeface="INCONSOLATA" panose="020B0609030003000000" pitchFamily="49" charset="77"/>
+              </a:rPr>
+              <a:t>len</a:t>
+            </a:r>
+            <a:r>
+              <a:rPr lang="en-US" b="1" dirty="0">
+                <a:latin typeface="INCONSOLATA" panose="020B0609030003000000" pitchFamily="49" charset="77"/>
+              </a:rPr>
+              <a:t>(grades)</a:t>
+            </a:r>
+          </a:p>
+          <a:p>
+            <a:pPr marL="0" indent="0">
+              <a:buNone/>
+            </a:pPr>
+            <a:endParaRPr lang="en-US" dirty="0"/>
+          </a:p>
+        </p:txBody>
+      </p:sp>
+      <p:sp>
+        <p:nvSpPr>
+          <p:cNvPr id="4" name="TextBox 3">
+            <a:extLst>
+              <a:ext uri="{FF2B5EF4-FFF2-40B4-BE49-F238E27FC236}">
+                <a16:creationId xmlns:a16="http://schemas.microsoft.com/office/drawing/2014/main" id="{B120B374-FD67-424B-9A0C-7ADC1073D03D}"/>
+              </a:ext>
+            </a:extLst>
+          </p:cNvPr>
+          <p:cNvSpPr txBox="1"/>
+          <p:nvPr/>
+        </p:nvSpPr>
+        <p:spPr>
+          <a:xfrm>
+            <a:off x="4753704" y="2349668"/>
+            <a:ext cx="4204997" cy="1938992"/>
+          </a:xfrm>
+          <a:prstGeom prst="rect">
+            <a:avLst/>
+          </a:prstGeom>
+          <a:noFill/>
+        </p:spPr>
+        <p:txBody>
+          <a:bodyPr wrap="none" rtlCol="0">
+            <a:spAutoFit/>
+          </a:bodyPr>
+          <a:lstStyle/>
+          <a:p>
+            <a:r>
+              <a:rPr lang="en-US" sz="2000" dirty="0">
+                <a:solidFill>
+                  <a:srgbClr val="FF0000"/>
+                </a:solidFill>
+              </a:rPr>
+              <a:t>Note: This [] syntax is the same as the </a:t>
+            </a:r>
+          </a:p>
+          <a:p>
+            <a:r>
+              <a:rPr lang="en-US" sz="2000" dirty="0">
+                <a:solidFill>
+                  <a:srgbClr val="FF0000"/>
+                </a:solidFill>
+              </a:rPr>
+              <a:t>syntax for lists and strings!</a:t>
+            </a:r>
+          </a:p>
+          <a:p>
+            <a:endParaRPr lang="en-US" sz="2000" dirty="0">
+              <a:solidFill>
+                <a:srgbClr val="FF0000"/>
+              </a:solidFill>
+            </a:endParaRPr>
+          </a:p>
+          <a:p>
+            <a:r>
+              <a:rPr lang="en-US" sz="2000" dirty="0">
+                <a:solidFill>
+                  <a:srgbClr val="FF0000"/>
+                </a:solidFill>
+              </a:rPr>
+              <a:t>Other languages, like Java, has different</a:t>
+            </a:r>
+          </a:p>
+          <a:p>
+            <a:r>
+              <a:rPr lang="en-US" sz="2000" dirty="0">
+                <a:solidFill>
+                  <a:srgbClr val="FF0000"/>
+                </a:solidFill>
+              </a:rPr>
+              <a:t>syntax for accessing different data </a:t>
+            </a:r>
+          </a:p>
+          <a:p>
+            <a:r>
+              <a:rPr lang="en-US" sz="2000" dirty="0">
+                <a:solidFill>
+                  <a:srgbClr val="FF0000"/>
+                </a:solidFill>
+              </a:rPr>
+              <a:t>structures.</a:t>
+            </a:r>
+          </a:p>
+        </p:txBody>
+      </p:sp>
+    </p:spTree>
+    <p:extLst>
+      <p:ext uri="{BB962C8B-B14F-4D97-AF65-F5344CB8AC3E}">
+        <p14:creationId xmlns:p14="http://schemas.microsoft.com/office/powerpoint/2010/main" val="67073653"/>
       </p:ext>
     </p:extLst>
   </p:cSld>
@@ -13071,6 +15436,51 @@
                       </p:childTnLst>
                     </p:cTn>
                   </p:par>
+                  <p:par>
+                    <p:cTn id="19" fill="hold">
+                      <p:stCondLst>
+                        <p:cond delay="indefinite"/>
+                      </p:stCondLst>
+                      <p:childTnLst>
+                        <p:par>
+                          <p:cTn id="20" fill="hold">
+                            <p:stCondLst>
+                              <p:cond delay="0"/>
+                            </p:stCondLst>
+                            <p:childTnLst>
+                              <p:par>
+                                <p:cTn id="21" presetID="1" presetClass="entr" presetSubtype="0" fill="hold" grpId="0" nodeType="clickEffect">
+                                  <p:stCondLst>
+                                    <p:cond delay="0"/>
+                                  </p:stCondLst>
+                                  <p:childTnLst>
+                                    <p:set>
+                                      <p:cBhvr>
+                                        <p:cTn id="22" dur="1" fill="hold">
+                                          <p:stCondLst>
+                                            <p:cond delay="0"/>
+                                          </p:stCondLst>
+                                        </p:cTn>
+                                        <p:tgtEl>
+                                          <p:spTgt spid="4"/>
+                                        </p:tgtEl>
+                                        <p:attrNameLst>
+                                          <p:attrName>style.visibility</p:attrName>
+                                        </p:attrNameLst>
+                                      </p:cBhvr>
+                                      <p:to>
+                                        <p:strVal val="visible"/>
+                                      </p:to>
+                                    </p:set>
+                                  </p:childTnLst>
+                                </p:cTn>
+                              </p:par>
+                            </p:childTnLst>
+                          </p:cTn>
+                        </p:par>
+                      </p:childTnLst>
+                    </p:cTn>
+                  </p:par>
                 </p:childTnLst>
               </p:cTn>
               <p:prevCondLst>
@@ -13092,11 +15502,14 @@
         </p:cTn>
       </p:par>
     </p:tnLst>
+    <p:bldLst>
+      <p:bldP spid="4" grpId="0"/>
+    </p:bldLst>
   </p:timing>
 </p:sld>
 </file>
 
-<file path=ppt/slides/slide22.xml><?xml version="1.0" encoding="utf-8"?>
+<file path=ppt/slides/slide24.xml><?xml version="1.0" encoding="utf-8"?>
 <p:sld xmlns:a="http://schemas.openxmlformats.org/drawingml/2006/main" xmlns:r="http://schemas.openxmlformats.org/officeDocument/2006/relationships" xmlns:p="http://schemas.openxmlformats.org/presentationml/2006/main">
   <p:cSld>
     <p:spTree>
@@ -13131,7 +15544,7 @@
         </p:nvSpPr>
         <p:spPr>
           <a:xfrm>
-            <a:off x="170697" y="123497"/>
+            <a:off x="0" y="128824"/>
             <a:ext cx="7053542" cy="683886"/>
           </a:xfrm>
         </p:spPr>
@@ -13141,7 +15554,7 @@
           <a:p>
             <a:r>
               <a:rPr lang="en-US" dirty="0"/>
-              <a:t>Membership Operations</a:t>
+              <a:t>Example of a Use for Dictionaries</a:t>
             </a:r>
           </a:p>
         </p:txBody>
@@ -13164,8 +15577,8 @@
         </p:nvSpPr>
         <p:spPr>
           <a:xfrm>
-            <a:off x="170698" y="807383"/>
-            <a:ext cx="8364876" cy="4784120"/>
+            <a:off x="150312" y="812710"/>
+            <a:ext cx="8385261" cy="4902289"/>
           </a:xfrm>
         </p:spPr>
         <p:txBody>
@@ -13181,23 +15594,76 @@
               <a:rPr lang="en-US" dirty="0">
                 <a:latin typeface="Gill Sans MT" panose="020B0502020104020203" pitchFamily="34" charset="77"/>
               </a:rPr>
-              <a:t>By default, membership operations </a:t>
-            </a:r>
-            <a:r>
-              <a:rPr lang="en-US" dirty="0">
-                <a:solidFill>
-                  <a:srgbClr val="FF0000"/>
-                </a:solidFill>
-                <a:latin typeface="Gill Sans MT" panose="020B0502020104020203" pitchFamily="34" charset="77"/>
-              </a:rPr>
-              <a:t>checks keys </a:t>
-            </a:r>
-            <a:r>
-              <a:rPr lang="en-US" dirty="0">
-                <a:latin typeface="Gill Sans MT" panose="020B0502020104020203" pitchFamily="34" charset="77"/>
-              </a:rPr>
-              <a:t>of a dictionary. </a:t>
-            </a:r>
+              <a:t>One use of a dictionary is keep track of frequency count. </a:t>
+            </a:r>
+          </a:p>
+          <a:p>
+            <a:pPr marL="0" indent="0">
+              <a:buNone/>
+            </a:pPr>
+            <a:r>
+              <a:rPr lang="en-US" b="1" dirty="0">
+                <a:solidFill>
+                  <a:srgbClr val="000087"/>
+                </a:solidFill>
+                <a:latin typeface="Inconsolata" panose="020B0609030003000000" pitchFamily="49" charset="77"/>
+              </a:rPr>
+              <a:t>words </a:t>
+            </a:r>
+            <a:r>
+              <a:rPr lang="en-US" b="1" dirty="0">
+                <a:solidFill>
+                  <a:srgbClr val="545454"/>
+                </a:solidFill>
+                <a:latin typeface="Inconsolata" panose="020B0609030003000000" pitchFamily="49" charset="77"/>
+              </a:rPr>
+              <a:t>= </a:t>
+            </a:r>
+            <a:r>
+              <a:rPr lang="en-US" b="1" dirty="0">
+                <a:latin typeface="Inconsolata" panose="020B0609030003000000" pitchFamily="49" charset="77"/>
+              </a:rPr>
+              <a:t>[</a:t>
+            </a:r>
+            <a:r>
+              <a:rPr lang="en-US" b="1" dirty="0">
+                <a:solidFill>
+                  <a:srgbClr val="CC3300"/>
+                </a:solidFill>
+                <a:latin typeface="Inconsolata" panose="020B0609030003000000" pitchFamily="49" charset="77"/>
+              </a:rPr>
+              <a:t>'</a:t>
+            </a:r>
+            <a:r>
+              <a:rPr lang="en-US" b="1" dirty="0" err="1">
+                <a:solidFill>
+                  <a:srgbClr val="CC3300"/>
+                </a:solidFill>
+                <a:latin typeface="Inconsolata" panose="020B0609030003000000" pitchFamily="49" charset="77"/>
+              </a:rPr>
+              <a:t>baby','shark','do','do','do','do','do','do</a:t>
+            </a:r>
+            <a:r>
+              <a:rPr lang="en-US" b="1" dirty="0">
+                <a:solidFill>
+                  <a:srgbClr val="CC3300"/>
+                </a:solidFill>
+                <a:latin typeface="Inconsolata" panose="020B0609030003000000" pitchFamily="49" charset="77"/>
+              </a:rPr>
+              <a:t>'</a:t>
+            </a:r>
+            <a:r>
+              <a:rPr lang="en-US" b="1" dirty="0">
+                <a:latin typeface="Inconsolata" panose="020B0609030003000000" pitchFamily="49" charset="77"/>
+              </a:rPr>
+              <a:t>] </a:t>
+            </a:r>
+            <a:endParaRPr lang="en-US" b="1" dirty="0">
+              <a:solidFill>
+                <a:srgbClr val="336666"/>
+              </a:solidFill>
+              <a:latin typeface="Inconsolata" panose="020B0609030003000000" pitchFamily="49" charset="77"/>
+            </a:endParaRPr>
           </a:p>
           <a:p>
             <a:pPr marL="0" indent="0">
@@ -13221,121 +15687,139 @@
                 </a:solidFill>
                 <a:latin typeface="Inconsolata" panose="020B0609030003000000" pitchFamily="49" charset="77"/>
               </a:rPr>
-              <a:t>scores </a:t>
-            </a:r>
-            <a:r>
-              <a:rPr lang="en-US" b="1" dirty="0">
-                <a:solidFill>
-                  <a:srgbClr val="545454"/>
-                </a:solidFill>
-                <a:latin typeface="Inconsolata" panose="020B0609030003000000" pitchFamily="49" charset="77"/>
-              </a:rPr>
-              <a:t>= </a:t>
-            </a:r>
-            <a:r>
-              <a:rPr lang="en-US" b="1" dirty="0">
-                <a:latin typeface="Inconsolata" panose="020B0609030003000000" pitchFamily="49" charset="77"/>
-              </a:rPr>
-              <a:t>{</a:t>
-            </a:r>
-            <a:r>
-              <a:rPr lang="en-US" b="1" dirty="0">
-                <a:solidFill>
-                  <a:srgbClr val="CC3300"/>
-                </a:solidFill>
-                <a:latin typeface="Inconsolata" panose="020B0609030003000000" pitchFamily="49" charset="77"/>
-              </a:rPr>
-              <a:t>'Mike'</a:t>
-            </a:r>
-            <a:r>
-              <a:rPr lang="en-US" b="1" dirty="0">
+              <a:t>frequency </a:t>
+            </a:r>
+            <a:r>
+              <a:rPr lang="en-US" b="1" dirty="0">
+                <a:solidFill>
+                  <a:srgbClr val="336666"/>
+                </a:solidFill>
+                <a:latin typeface="Inconsolata" panose="020B0609030003000000" pitchFamily="49" charset="77"/>
+              </a:rPr>
+              <a:t>= {}</a:t>
+            </a:r>
+            <a:endParaRPr lang="en-US" b="1" dirty="0">
+              <a:latin typeface="Inconsolata" panose="020B0609030003000000" pitchFamily="49" charset="77"/>
+            </a:endParaRPr>
+          </a:p>
+          <a:p>
+            <a:pPr marL="0" indent="0">
+              <a:buNone/>
+            </a:pPr>
+            <a:r>
+              <a:rPr lang="en-US" b="1" dirty="0">
+                <a:solidFill>
+                  <a:srgbClr val="006699"/>
+                </a:solidFill>
+                <a:latin typeface="Inconsolata" panose="020B0609030003000000" pitchFamily="49" charset="77"/>
+              </a:rPr>
+              <a:t>for </a:t>
+            </a:r>
+            <a:r>
+              <a:rPr lang="en-US" b="1" dirty="0">
+                <a:solidFill>
+                  <a:srgbClr val="000087"/>
+                </a:solidFill>
+                <a:latin typeface="Inconsolata" panose="020B0609030003000000" pitchFamily="49" charset="77"/>
+              </a:rPr>
+              <a:t>word </a:t>
+            </a:r>
+            <a:r>
+              <a:rPr lang="en-US" b="1" dirty="0">
+                <a:solidFill>
+                  <a:schemeClr val="accent2"/>
+                </a:solidFill>
+                <a:latin typeface="Inconsolata" panose="020B0609030003000000" pitchFamily="49" charset="77"/>
+              </a:rPr>
+              <a:t>in</a:t>
+            </a:r>
+            <a:r>
+              <a:rPr lang="en-US" b="1" dirty="0">
+                <a:latin typeface="Inconsolata" panose="020B0609030003000000" pitchFamily="49" charset="77"/>
+              </a:rPr>
+              <a:t> </a:t>
+            </a:r>
+            <a:r>
+              <a:rPr lang="en-US" b="1" dirty="0">
+                <a:solidFill>
+                  <a:srgbClr val="000087"/>
+                </a:solidFill>
+                <a:latin typeface="Inconsolata" panose="020B0609030003000000" pitchFamily="49" charset="77"/>
+              </a:rPr>
+              <a:t>words</a:t>
+            </a:r>
+            <a:r>
+              <a:rPr lang="en-US" b="1" dirty="0">
+                <a:solidFill>
+                  <a:srgbClr val="336666"/>
+                </a:solidFill>
                 <a:latin typeface="Inconsolata" panose="020B0609030003000000" pitchFamily="49" charset="77"/>
               </a:rPr>
               <a:t>:</a:t>
             </a:r>
-            <a:r>
-              <a:rPr lang="en-US" b="1" dirty="0">
-                <a:solidFill>
-                  <a:srgbClr val="FF6600"/>
-                </a:solidFill>
-                <a:latin typeface="Inconsolata" panose="020B0609030003000000" pitchFamily="49" charset="77"/>
-              </a:rPr>
-              <a:t>5</a:t>
-            </a:r>
-            <a:r>
-              <a:rPr lang="en-US" b="1" dirty="0">
-                <a:latin typeface="Inconsolata" panose="020B0609030003000000" pitchFamily="49" charset="77"/>
-              </a:rPr>
-              <a:t>, </a:t>
-            </a:r>
-            <a:r>
-              <a:rPr lang="en-US" b="1" dirty="0">
-                <a:solidFill>
-                  <a:srgbClr val="CC3300"/>
-                </a:solidFill>
-                <a:latin typeface="Inconsolata" panose="020B0609030003000000" pitchFamily="49" charset="77"/>
-              </a:rPr>
-              <a:t>'John'</a:t>
-            </a:r>
-            <a:r>
-              <a:rPr lang="en-US" b="1" dirty="0">
-                <a:latin typeface="Inconsolata" panose="020B0609030003000000" pitchFamily="49" charset="77"/>
-              </a:rPr>
-              <a:t>:</a:t>
-            </a:r>
-            <a:r>
-              <a:rPr lang="en-US" b="1" dirty="0">
-                <a:solidFill>
-                  <a:srgbClr val="FF6600"/>
-                </a:solidFill>
-                <a:latin typeface="Inconsolata" panose="020B0609030003000000" pitchFamily="49" charset="77"/>
-              </a:rPr>
-              <a:t>2</a:t>
-            </a:r>
-            <a:r>
-              <a:rPr lang="en-US" b="1" dirty="0">
-                <a:latin typeface="Inconsolata" panose="020B0609030003000000" pitchFamily="49" charset="77"/>
-              </a:rPr>
-              <a:t>, </a:t>
-            </a:r>
-            <a:r>
-              <a:rPr lang="en-US" b="1" dirty="0">
-                <a:solidFill>
-                  <a:srgbClr val="CC3300"/>
-                </a:solidFill>
-                <a:latin typeface="Inconsolata" panose="020B0609030003000000" pitchFamily="49" charset="77"/>
-              </a:rPr>
-              <a:t>'Sarah'</a:t>
-            </a:r>
-            <a:r>
-              <a:rPr lang="en-US" b="1" dirty="0">
-                <a:latin typeface="Inconsolata" panose="020B0609030003000000" pitchFamily="49" charset="77"/>
-              </a:rPr>
-              <a:t>:</a:t>
-            </a:r>
-            <a:r>
-              <a:rPr lang="en-US" b="1" dirty="0">
-                <a:solidFill>
-                  <a:srgbClr val="FF6600"/>
-                </a:solidFill>
-                <a:latin typeface="Inconsolata" panose="020B0609030003000000" pitchFamily="49" charset="77"/>
-              </a:rPr>
-              <a:t>4</a:t>
-            </a:r>
-            <a:r>
-              <a:rPr lang="en-US" b="1" dirty="0">
-                <a:latin typeface="Inconsolata" panose="020B0609030003000000" pitchFamily="49" charset="77"/>
-              </a:rPr>
-              <a:t>} </a:t>
-            </a:r>
-          </a:p>
-          <a:p>
-            <a:pPr marL="0" indent="0">
-              <a:buNone/>
-            </a:pPr>
+          </a:p>
+          <a:p>
+            <a:pPr marL="0" indent="0">
+              <a:buNone/>
+            </a:pPr>
+            <a:r>
+              <a:rPr lang="en-US" b="1" dirty="0">
+                <a:solidFill>
+                  <a:srgbClr val="000087"/>
+                </a:solidFill>
+                <a:latin typeface="Inconsolata" panose="020B0609030003000000" pitchFamily="49" charset="77"/>
+              </a:rPr>
+              <a:t>	if word </a:t>
+            </a:r>
+            <a:r>
+              <a:rPr lang="en-US" b="1" dirty="0">
+                <a:solidFill>
+                  <a:schemeClr val="accent2"/>
+                </a:solidFill>
+                <a:latin typeface="Inconsolata" panose="020B0609030003000000" pitchFamily="49" charset="77"/>
+              </a:rPr>
+              <a:t>not in</a:t>
+            </a:r>
+            <a:r>
+              <a:rPr lang="en-US" b="1" dirty="0">
+                <a:solidFill>
+                  <a:srgbClr val="000087"/>
+                </a:solidFill>
+                <a:latin typeface="Inconsolata" panose="020B0609030003000000" pitchFamily="49" charset="77"/>
+              </a:rPr>
+              <a:t> frequency:</a:t>
+            </a:r>
+          </a:p>
+          <a:p>
+            <a:pPr marL="0" indent="0">
+              <a:buNone/>
+            </a:pPr>
+            <a:r>
+              <a:rPr lang="en-US" b="1" dirty="0">
+                <a:solidFill>
+                  <a:srgbClr val="000087"/>
+                </a:solidFill>
+                <a:latin typeface="Inconsolata" panose="020B0609030003000000" pitchFamily="49" charset="77"/>
+              </a:rPr>
+              <a:t>		frequency[word] = 0</a:t>
+            </a:r>
+          </a:p>
+          <a:p>
+            <a:pPr marL="0" indent="0">
+              <a:buNone/>
+            </a:pPr>
+            <a:r>
+              <a:rPr lang="en-US" b="1" dirty="0">
+                <a:solidFill>
+                  <a:srgbClr val="000087"/>
+                </a:solidFill>
+                <a:latin typeface="Inconsolata" panose="020B0609030003000000" pitchFamily="49" charset="77"/>
+              </a:rPr>
+              <a:t>	frequency[word] += 1</a:t>
+            </a:r>
             <a:endParaRPr lang="en-US" b="1" dirty="0">
               <a:solidFill>
-                <a:srgbClr val="000087"/>
+                <a:srgbClr val="336666"/>
               </a:solidFill>
               <a:latin typeface="Inconsolata" panose="020B0609030003000000" pitchFamily="49" charset="77"/>
             </a:endParaRPr>
@@ -13346,126 +15830,18 @@
             </a:pPr>
             <a:r>
               <a:rPr lang="en-US" b="1" dirty="0">
-                <a:solidFill>
-                  <a:srgbClr val="000087"/>
-                </a:solidFill>
-                <a:latin typeface="Inconsolata" panose="020B0609030003000000" pitchFamily="49" charset="77"/>
-              </a:rPr>
-              <a:t>print('Mike' </a:t>
-            </a:r>
-            <a:r>
-              <a:rPr lang="en-US" b="1" dirty="0">
-                <a:solidFill>
-                  <a:srgbClr val="FF0000"/>
-                </a:solidFill>
-                <a:latin typeface="Inconsolata" panose="020B0609030003000000" pitchFamily="49" charset="77"/>
-              </a:rPr>
-              <a:t>in</a:t>
-            </a:r>
-            <a:r>
-              <a:rPr lang="en-US" b="1" dirty="0">
-                <a:solidFill>
-                  <a:srgbClr val="000087"/>
-                </a:solidFill>
-                <a:latin typeface="Inconsolata" panose="020B0609030003000000" pitchFamily="49" charset="77"/>
-              </a:rPr>
-              <a:t> scores)  		</a:t>
-            </a:r>
-            <a:r>
-              <a:rPr lang="en-US" b="1" dirty="0">
-                <a:solidFill>
-                  <a:schemeClr val="accent1"/>
-                </a:solidFill>
-                <a:latin typeface="Inconsolata" panose="020B0609030003000000" pitchFamily="49" charset="77"/>
-              </a:rPr>
-              <a:t># True </a:t>
-            </a:r>
-          </a:p>
-          <a:p>
-            <a:pPr marL="0" indent="0">
-              <a:buNone/>
-            </a:pPr>
-            <a:r>
-              <a:rPr lang="en-US" b="1" dirty="0">
-                <a:solidFill>
-                  <a:srgbClr val="000087"/>
-                </a:solidFill>
-                <a:latin typeface="Inconsolata" panose="020B0609030003000000" pitchFamily="49" charset="77"/>
-              </a:rPr>
-              <a:t>print(5 in scores)  			</a:t>
-            </a:r>
-            <a:r>
-              <a:rPr lang="en-US" b="1" dirty="0">
-                <a:solidFill>
-                  <a:schemeClr val="accent1"/>
-                </a:solidFill>
-                <a:latin typeface="Inconsolata" panose="020B0609030003000000" pitchFamily="49" charset="77"/>
-              </a:rPr>
-              <a:t># False </a:t>
-            </a:r>
+                <a:latin typeface="INCONSOLATA" panose="020B0609030003000000" pitchFamily="49" charset="77"/>
+              </a:rPr>
+              <a:t>print(frequency)</a:t>
+            </a:r>
+          </a:p>
+          <a:p>
+            <a:pPr marL="0" indent="0">
+              <a:buNone/>
+            </a:pPr>
             <a:endParaRPr lang="en-US" dirty="0">
-              <a:solidFill>
-                <a:schemeClr val="accent1"/>
-              </a:solidFill>
+              <a:latin typeface="Gill Sans MT" panose="020B0502020104020203" pitchFamily="34" charset="77"/>
             </a:endParaRPr>
-          </a:p>
-          <a:p>
-            <a:pPr marL="0" indent="0">
-              <a:buNone/>
-            </a:pPr>
-            <a:r>
-              <a:rPr lang="en-US" b="1" dirty="0">
-                <a:solidFill>
-                  <a:srgbClr val="000087"/>
-                </a:solidFill>
-                <a:latin typeface="Inconsolata" panose="020B0609030003000000" pitchFamily="49" charset="77"/>
-              </a:rPr>
-              <a:t>print('Michele' </a:t>
-            </a:r>
-            <a:r>
-              <a:rPr lang="en-US" b="1" dirty="0">
-                <a:solidFill>
-                  <a:srgbClr val="FF0000"/>
-                </a:solidFill>
-                <a:latin typeface="Inconsolata" panose="020B0609030003000000" pitchFamily="49" charset="77"/>
-              </a:rPr>
-              <a:t>not in</a:t>
-            </a:r>
-            <a:r>
-              <a:rPr lang="en-US" b="1" dirty="0">
-                <a:solidFill>
-                  <a:srgbClr val="000087"/>
-                </a:solidFill>
-                <a:latin typeface="Inconsolata" panose="020B0609030003000000" pitchFamily="49" charset="77"/>
-              </a:rPr>
-              <a:t> scores)  	</a:t>
-            </a:r>
-            <a:r>
-              <a:rPr lang="en-US" b="1" dirty="0">
-                <a:solidFill>
-                  <a:schemeClr val="accent1"/>
-                </a:solidFill>
-                <a:latin typeface="Inconsolata" panose="020B0609030003000000" pitchFamily="49" charset="77"/>
-              </a:rPr>
-              <a:t># True </a:t>
-            </a:r>
-            <a:endParaRPr lang="en-US" dirty="0">
-              <a:solidFill>
-                <a:schemeClr val="accent1"/>
-              </a:solidFill>
-            </a:endParaRPr>
-          </a:p>
-          <a:p>
-            <a:pPr marL="0" indent="0">
-              <a:buNone/>
-            </a:pPr>
-            <a:endParaRPr lang="en-US"/>
-          </a:p>
-          <a:p>
-            <a:pPr marL="0" indent="0">
-              <a:buNone/>
-            </a:pPr>
-            <a:endParaRPr lang="en-US" dirty="0"/>
           </a:p>
           <a:p>
             <a:pPr marL="0" indent="0">
@@ -13475,400 +15851,85 @@
               <a:rPr lang="en-US" dirty="0">
                 <a:latin typeface="Gill Sans MT" panose="020B0502020104020203" pitchFamily="34" charset="77"/>
               </a:rPr>
-              <a:t>This will allow use to loop through a dictionary. </a:t>
-            </a:r>
-          </a:p>
-          <a:p>
-            <a:pPr marL="0" indent="0">
-              <a:buNone/>
-            </a:pPr>
-            <a:endParaRPr lang="en-US" dirty="0"/>
+              <a:t>Output:</a:t>
+            </a:r>
+          </a:p>
+          <a:p>
+            <a:pPr marL="0" indent="0">
+              <a:buNone/>
+            </a:pPr>
+            <a:r>
+              <a:rPr lang="en-US" dirty="0">
+                <a:latin typeface="Gill Sans MT" panose="020B0502020104020203" pitchFamily="34" charset="77"/>
+              </a:rPr>
+              <a:t>{'baby': 1, 'shark': 1, 'do': 6}</a:t>
+            </a:r>
+          </a:p>
+        </p:txBody>
+      </p:sp>
+      <p:sp>
+        <p:nvSpPr>
+          <p:cNvPr id="3" name="TextBox 2">
+            <a:extLst>
+              <a:ext uri="{FF2B5EF4-FFF2-40B4-BE49-F238E27FC236}">
+                <a16:creationId xmlns:a16="http://schemas.microsoft.com/office/drawing/2014/main" id="{F0C14AE6-7201-7F45-A50E-CCAE460FDEC7}"/>
+              </a:ext>
+            </a:extLst>
+          </p:cNvPr>
+          <p:cNvSpPr txBox="1"/>
+          <p:nvPr/>
+        </p:nvSpPr>
+        <p:spPr>
+          <a:xfrm>
+            <a:off x="4753704" y="2349668"/>
+            <a:ext cx="3781869" cy="1015663"/>
+          </a:xfrm>
+          <a:prstGeom prst="rect">
+            <a:avLst/>
+          </a:prstGeom>
+          <a:noFill/>
+        </p:spPr>
+        <p:txBody>
+          <a:bodyPr wrap="none" rtlCol="0">
+            <a:spAutoFit/>
+          </a:bodyPr>
+          <a:lstStyle/>
+          <a:p>
+            <a:r>
+              <a:rPr lang="en-US" sz="2000" dirty="0">
+                <a:solidFill>
+                  <a:srgbClr val="FF0000"/>
+                </a:solidFill>
+              </a:rPr>
+              <a:t>We will use this code to do word </a:t>
+            </a:r>
+          </a:p>
+          <a:p>
+            <a:r>
+              <a:rPr lang="en-US" sz="2000" dirty="0">
+                <a:solidFill>
+                  <a:srgbClr val="FF0000"/>
+                </a:solidFill>
+              </a:rPr>
+              <a:t>frequency analysis of the works of </a:t>
+            </a:r>
+          </a:p>
+          <a:p>
+            <a:r>
+              <a:rPr lang="en-US" sz="2000" dirty="0">
+                <a:solidFill>
+                  <a:srgbClr val="FF0000"/>
+                </a:solidFill>
+              </a:rPr>
+              <a:t>Shakespeare!</a:t>
+            </a:r>
           </a:p>
         </p:txBody>
       </p:sp>
     </p:spTree>
     <p:extLst>
       <p:ext uri="{BB962C8B-B14F-4D97-AF65-F5344CB8AC3E}">
-        <p14:creationId xmlns:p14="http://schemas.microsoft.com/office/powerpoint/2010/main" val="1133323522"/>
-      </p:ext>
-    </p:extLst>
-  </p:cSld>
-  <p:clrMapOvr>
-    <a:masterClrMapping/>
-  </p:clrMapOvr>
-</p:sld>
-</file>
-
-<file path=ppt/slides/slide23.xml><?xml version="1.0" encoding="utf-8"?>
-<p:sld xmlns:a="http://schemas.openxmlformats.org/drawingml/2006/main" xmlns:r="http://schemas.openxmlformats.org/officeDocument/2006/relationships" xmlns:p="http://schemas.openxmlformats.org/presentationml/2006/main">
-  <p:cSld>
-    <p:spTree>
-      <p:nvGrpSpPr>
-        <p:cNvPr id="1" name=""/>
-        <p:cNvGrpSpPr/>
-        <p:nvPr/>
-      </p:nvGrpSpPr>
-      <p:grpSpPr>
-        <a:xfrm>
-          <a:off x="0" y="0"/>
-          <a:ext cx="0" cy="0"/>
-          <a:chOff x="0" y="0"/>
-          <a:chExt cx="0" cy="0"/>
-        </a:xfrm>
-      </p:grpSpPr>
-      <p:sp>
-        <p:nvSpPr>
-          <p:cNvPr id="2" name="Title 1">
-            <a:extLst>
-              <a:ext uri="{FF2B5EF4-FFF2-40B4-BE49-F238E27FC236}">
-                <a16:creationId xmlns:a16="http://schemas.microsoft.com/office/drawing/2014/main" id="{AA3A228F-61D0-D949-A5E7-F83756230BF8}"/>
-              </a:ext>
-            </a:extLst>
-          </p:cNvPr>
-          <p:cNvSpPr>
-            <a:spLocks noGrp="1"/>
-          </p:cNvSpPr>
-          <p:nvPr>
-            <p:ph type="title"/>
-          </p:nvPr>
-        </p:nvSpPr>
-        <p:spPr>
-          <a:xfrm>
-            <a:off x="133119" y="141350"/>
-            <a:ext cx="7053542" cy="683886"/>
-          </a:xfrm>
-        </p:spPr>
-        <p:txBody>
-          <a:bodyPr/>
-          <a:lstStyle/>
-          <a:p>
-            <a:r>
-              <a:rPr lang="en-US" dirty="0"/>
-              <a:t>Iterating over keys a dictionary</a:t>
-            </a:r>
-          </a:p>
-        </p:txBody>
-      </p:sp>
-      <p:sp>
-        <p:nvSpPr>
-          <p:cNvPr id="9" name="Content Placeholder 8">
-            <a:extLst>
-              <a:ext uri="{FF2B5EF4-FFF2-40B4-BE49-F238E27FC236}">
-                <a16:creationId xmlns:a16="http://schemas.microsoft.com/office/drawing/2014/main" id="{E3B2E017-30B2-884B-A113-B419A2ED51AD}"/>
-              </a:ext>
-            </a:extLst>
-          </p:cNvPr>
-          <p:cNvSpPr>
-            <a:spLocks noGrp="1"/>
-          </p:cNvSpPr>
-          <p:nvPr>
-            <p:ph idx="1"/>
-          </p:nvPr>
-        </p:nvSpPr>
-        <p:spPr>
-          <a:xfrm>
-            <a:off x="237996" y="825236"/>
-            <a:ext cx="8297578" cy="4889763"/>
-          </a:xfrm>
-        </p:spPr>
-        <p:txBody>
-          <a:bodyPr>
-            <a:noAutofit/>
-          </a:bodyPr>
-          <a:lstStyle/>
-          <a:p>
-            <a:pPr marL="0" indent="0">
-              <a:buNone/>
-            </a:pPr>
-            <a:r>
-              <a:rPr lang="en-US" dirty="0"/>
-              <a:t>It is easy to iterate over keys of the dictionary. The default loop iterates over the keys. </a:t>
-            </a:r>
-          </a:p>
-          <a:p>
-            <a:pPr marL="0" indent="0">
-              <a:buNone/>
-            </a:pPr>
-            <a:endParaRPr lang="en-US" b="1" dirty="0">
-              <a:solidFill>
-                <a:srgbClr val="000087"/>
-              </a:solidFill>
-              <a:latin typeface="Inconsolata" panose="020B0609030003000000" pitchFamily="49" charset="77"/>
-            </a:endParaRPr>
-          </a:p>
-          <a:p>
-            <a:pPr marL="0" indent="0">
-              <a:buNone/>
-            </a:pPr>
-            <a:r>
-              <a:rPr lang="en-US" b="1" dirty="0">
-                <a:solidFill>
-                  <a:srgbClr val="000087"/>
-                </a:solidFill>
-                <a:latin typeface="Inconsolata" panose="020B0609030003000000" pitchFamily="49" charset="77"/>
-              </a:rPr>
-              <a:t>grades </a:t>
-            </a:r>
-            <a:r>
-              <a:rPr lang="en-US" b="1" dirty="0">
-                <a:solidFill>
-                  <a:srgbClr val="545454"/>
-                </a:solidFill>
-                <a:latin typeface="Inconsolata" panose="020B0609030003000000" pitchFamily="49" charset="77"/>
-              </a:rPr>
-              <a:t>= </a:t>
-            </a:r>
-            <a:r>
-              <a:rPr lang="en-US" b="1" dirty="0">
-                <a:latin typeface="Inconsolata" panose="020B0609030003000000" pitchFamily="49" charset="77"/>
-              </a:rPr>
-              <a:t>{</a:t>
-            </a:r>
-            <a:r>
-              <a:rPr lang="en-US" b="1" dirty="0">
-                <a:solidFill>
-                  <a:srgbClr val="CC3300"/>
-                </a:solidFill>
-                <a:latin typeface="Inconsolata" panose="020B0609030003000000" pitchFamily="49" charset="77"/>
-              </a:rPr>
-              <a:t>"Mike"</a:t>
-            </a:r>
-            <a:r>
-              <a:rPr lang="en-US" b="1" dirty="0">
-                <a:latin typeface="Inconsolata" panose="020B0609030003000000" pitchFamily="49" charset="77"/>
-              </a:rPr>
-              <a:t>:</a:t>
-            </a:r>
-            <a:r>
-              <a:rPr lang="en-US" b="1" dirty="0">
-                <a:solidFill>
-                  <a:srgbClr val="FF6600"/>
-                </a:solidFill>
-                <a:latin typeface="Inconsolata" panose="020B0609030003000000" pitchFamily="49" charset="77"/>
-              </a:rPr>
-              <a:t>3.1</a:t>
-            </a:r>
-            <a:r>
-              <a:rPr lang="en-US" b="1" dirty="0">
-                <a:latin typeface="Inconsolata" panose="020B0609030003000000" pitchFamily="49" charset="77"/>
-              </a:rPr>
-              <a:t>, </a:t>
-            </a:r>
-            <a:r>
-              <a:rPr lang="en-US" b="1" dirty="0">
-                <a:solidFill>
-                  <a:srgbClr val="CC3300"/>
-                </a:solidFill>
-                <a:latin typeface="Inconsolata" panose="020B0609030003000000" pitchFamily="49" charset="77"/>
-              </a:rPr>
-              <a:t>"Sarah"</a:t>
-            </a:r>
-            <a:r>
-              <a:rPr lang="en-US" b="1" dirty="0">
-                <a:latin typeface="Inconsolata" panose="020B0609030003000000" pitchFamily="49" charset="77"/>
-              </a:rPr>
-              <a:t>:</a:t>
-            </a:r>
-            <a:r>
-              <a:rPr lang="en-US" b="1" dirty="0">
-                <a:solidFill>
-                  <a:srgbClr val="FF6600"/>
-                </a:solidFill>
-                <a:latin typeface="Inconsolata" panose="020B0609030003000000" pitchFamily="49" charset="77"/>
-              </a:rPr>
-              <a:t>3.6</a:t>
-            </a:r>
-            <a:r>
-              <a:rPr lang="en-US" b="1" dirty="0">
-                <a:latin typeface="Inconsolata" panose="020B0609030003000000" pitchFamily="49" charset="77"/>
-              </a:rPr>
-              <a:t>, </a:t>
-            </a:r>
-            <a:r>
-              <a:rPr lang="en-US" b="1" dirty="0">
-                <a:solidFill>
-                  <a:srgbClr val="CC3300"/>
-                </a:solidFill>
-                <a:latin typeface="Inconsolata" panose="020B0609030003000000" pitchFamily="49" charset="77"/>
-              </a:rPr>
-              <a:t>"John"</a:t>
-            </a:r>
-            <a:r>
-              <a:rPr lang="en-US" b="1" dirty="0">
-                <a:latin typeface="Inconsolata" panose="020B0609030003000000" pitchFamily="49" charset="77"/>
-              </a:rPr>
-              <a:t>:</a:t>
-            </a:r>
-            <a:r>
-              <a:rPr lang="en-US" b="1" dirty="0">
-                <a:solidFill>
-                  <a:srgbClr val="FF6600"/>
-                </a:solidFill>
-                <a:latin typeface="Inconsolata" panose="020B0609030003000000" pitchFamily="49" charset="77"/>
-              </a:rPr>
-              <a:t>3.4</a:t>
-            </a:r>
-            <a:r>
-              <a:rPr lang="en-US" b="1" dirty="0">
-                <a:latin typeface="Inconsolata" panose="020B0609030003000000" pitchFamily="49" charset="77"/>
-              </a:rPr>
-              <a:t>} </a:t>
-            </a:r>
-          </a:p>
-          <a:p>
-            <a:pPr marL="0" indent="0">
-              <a:buNone/>
-            </a:pPr>
-            <a:r>
-              <a:rPr lang="en-US" b="1" dirty="0">
-                <a:solidFill>
-                  <a:srgbClr val="006699"/>
-                </a:solidFill>
-                <a:latin typeface="Inconsolata" panose="020B0609030003000000" pitchFamily="49" charset="77"/>
-              </a:rPr>
-              <a:t>for </a:t>
-            </a:r>
-            <a:r>
-              <a:rPr lang="en-US" b="1" dirty="0">
-                <a:solidFill>
-                  <a:srgbClr val="000087"/>
-                </a:solidFill>
-                <a:latin typeface="Inconsolata" panose="020B0609030003000000" pitchFamily="49" charset="77"/>
-              </a:rPr>
-              <a:t>x </a:t>
-            </a:r>
-            <a:r>
-              <a:rPr lang="en-US" b="1" dirty="0">
-                <a:latin typeface="Inconsolata" panose="020B0609030003000000" pitchFamily="49" charset="77"/>
-              </a:rPr>
-              <a:t>in </a:t>
-            </a:r>
-            <a:r>
-              <a:rPr lang="en-US" b="1" dirty="0">
-                <a:solidFill>
-                  <a:srgbClr val="336666"/>
-                </a:solidFill>
-                <a:latin typeface="Inconsolata" panose="020B0609030003000000" pitchFamily="49" charset="77"/>
-              </a:rPr>
-              <a:t>data</a:t>
-            </a:r>
-            <a:r>
-              <a:rPr lang="en-US" b="1" dirty="0">
-                <a:latin typeface="Inconsolata" panose="020B0609030003000000" pitchFamily="49" charset="77"/>
-              </a:rPr>
-              <a:t>: </a:t>
-            </a:r>
-          </a:p>
-          <a:p>
-            <a:pPr marL="0" indent="0">
-              <a:buNone/>
-            </a:pPr>
-            <a:r>
-              <a:rPr lang="en-US" b="1" dirty="0">
-                <a:solidFill>
-                  <a:srgbClr val="006699"/>
-                </a:solidFill>
-                <a:latin typeface="Inconsolata" panose="020B0609030003000000" pitchFamily="49" charset="77"/>
-              </a:rPr>
-              <a:t>	print</a:t>
-            </a:r>
-            <a:r>
-              <a:rPr lang="en-US" b="1" dirty="0">
-                <a:latin typeface="Inconsolata" panose="020B0609030003000000" pitchFamily="49" charset="77"/>
-              </a:rPr>
-              <a:t>(</a:t>
-            </a:r>
-            <a:r>
-              <a:rPr lang="en-US" b="1" dirty="0">
-                <a:solidFill>
-                  <a:srgbClr val="000087"/>
-                </a:solidFill>
-                <a:latin typeface="Inconsolata" panose="020B0609030003000000" pitchFamily="49" charset="77"/>
-              </a:rPr>
-              <a:t>x</a:t>
-            </a:r>
-            <a:r>
-              <a:rPr lang="en-US" b="1" dirty="0">
-                <a:latin typeface="Inconsolata" panose="020B0609030003000000" pitchFamily="49" charset="77"/>
-              </a:rPr>
-              <a:t>, </a:t>
-            </a:r>
-            <a:r>
-              <a:rPr lang="en-US" b="1" dirty="0">
-                <a:solidFill>
-                  <a:srgbClr val="000087"/>
-                </a:solidFill>
-                <a:latin typeface="Inconsolata" panose="020B0609030003000000" pitchFamily="49" charset="77"/>
-              </a:rPr>
-              <a:t>end</a:t>
-            </a:r>
-            <a:r>
-              <a:rPr lang="en-US" b="1" dirty="0">
-                <a:solidFill>
-                  <a:srgbClr val="545454"/>
-                </a:solidFill>
-                <a:latin typeface="Inconsolata" panose="020B0609030003000000" pitchFamily="49" charset="77"/>
-              </a:rPr>
-              <a:t>=</a:t>
-            </a:r>
-            <a:r>
-              <a:rPr lang="en-US" b="1" dirty="0">
-                <a:solidFill>
-                  <a:srgbClr val="CC3300"/>
-                </a:solidFill>
-                <a:latin typeface="Inconsolata" panose="020B0609030003000000" pitchFamily="49" charset="77"/>
-              </a:rPr>
-              <a:t>" "</a:t>
-            </a:r>
-            <a:r>
-              <a:rPr lang="en-US" b="1" dirty="0">
-                <a:latin typeface="Inconsolata" panose="020B0609030003000000" pitchFamily="49" charset="77"/>
-              </a:rPr>
-              <a:t>) </a:t>
-            </a:r>
-          </a:p>
-          <a:p>
-            <a:pPr marL="0" indent="0">
-              <a:buNone/>
-            </a:pPr>
-            <a:endParaRPr lang="en-US" dirty="0"/>
-          </a:p>
-          <a:p>
-            <a:pPr marL="0" indent="0">
-              <a:buNone/>
-            </a:pPr>
-            <a:r>
-              <a:rPr lang="en-US" dirty="0"/>
-              <a:t>Output:</a:t>
-            </a:r>
-          </a:p>
-          <a:p>
-            <a:pPr marL="0" indent="0">
-              <a:buNone/>
-            </a:pPr>
-            <a:r>
-              <a:rPr lang="en-US" dirty="0"/>
-              <a:t>Mike Sarah John</a:t>
-            </a:r>
-          </a:p>
-          <a:p>
-            <a:pPr marL="0" indent="0">
-              <a:buNone/>
-            </a:pPr>
-            <a:endParaRPr lang="en-US" dirty="0"/>
-          </a:p>
-          <a:p>
-            <a:pPr marL="0" indent="0">
-              <a:buNone/>
-            </a:pPr>
-            <a:endParaRPr lang="en-US" dirty="0"/>
-          </a:p>
-        </p:txBody>
-      </p:sp>
-    </p:spTree>
-    <p:extLst>
-      <p:ext uri="{BB962C8B-B14F-4D97-AF65-F5344CB8AC3E}">
-        <p14:creationId xmlns:p14="http://schemas.microsoft.com/office/powerpoint/2010/main" val="2962743079"/>
+        <p14:creationId xmlns:p14="http://schemas.microsoft.com/office/powerpoint/2010/main" val="994161803"/>
       </p:ext>
     </p:extLst>
   </p:cSld>
@@ -13911,542 +15972,7 @@
                                         <p:tgtEl>
                                           <p:spTgt spid="9">
                                             <p:txEl>
-                                              <p:pRg st="2" end="2"/>
-                                            </p:txEl>
-                                          </p:spTgt>
-                                        </p:tgtEl>
-                                        <p:attrNameLst>
-                                          <p:attrName>style.visibility</p:attrName>
-                                        </p:attrNameLst>
-                                      </p:cBhvr>
-                                      <p:to>
-                                        <p:strVal val="visible"/>
-                                      </p:to>
-                                    </p:set>
-                                  </p:childTnLst>
-                                </p:cTn>
-                              </p:par>
-                              <p:par>
-                                <p:cTn id="7" presetID="1" presetClass="entr" presetSubtype="0" fill="hold" nodeType="withEffect">
-                                  <p:stCondLst>
-                                    <p:cond delay="0"/>
-                                  </p:stCondLst>
-                                  <p:childTnLst>
-                                    <p:set>
-                                      <p:cBhvr>
-                                        <p:cTn id="8" dur="1" fill="hold">
-                                          <p:stCondLst>
-                                            <p:cond delay="0"/>
-                                          </p:stCondLst>
-                                        </p:cTn>
-                                        <p:tgtEl>
-                                          <p:spTgt spid="9">
-                                            <p:txEl>
                                               <p:pRg st="3" end="3"/>
-                                            </p:txEl>
-                                          </p:spTgt>
-                                        </p:tgtEl>
-                                        <p:attrNameLst>
-                                          <p:attrName>style.visibility</p:attrName>
-                                        </p:attrNameLst>
-                                      </p:cBhvr>
-                                      <p:to>
-                                        <p:strVal val="visible"/>
-                                      </p:to>
-                                    </p:set>
-                                  </p:childTnLst>
-                                </p:cTn>
-                              </p:par>
-                              <p:par>
-                                <p:cTn id="9" presetID="1" presetClass="entr" presetSubtype="0" fill="hold" nodeType="withEffect">
-                                  <p:stCondLst>
-                                    <p:cond delay="0"/>
-                                  </p:stCondLst>
-                                  <p:childTnLst>
-                                    <p:set>
-                                      <p:cBhvr>
-                                        <p:cTn id="10" dur="1" fill="hold">
-                                          <p:stCondLst>
-                                            <p:cond delay="0"/>
-                                          </p:stCondLst>
-                                        </p:cTn>
-                                        <p:tgtEl>
-                                          <p:spTgt spid="9">
-                                            <p:txEl>
-                                              <p:pRg st="4" end="4"/>
-                                            </p:txEl>
-                                          </p:spTgt>
-                                        </p:tgtEl>
-                                        <p:attrNameLst>
-                                          <p:attrName>style.visibility</p:attrName>
-                                        </p:attrNameLst>
-                                      </p:cBhvr>
-                                      <p:to>
-                                        <p:strVal val="visible"/>
-                                      </p:to>
-                                    </p:set>
-                                  </p:childTnLst>
-                                </p:cTn>
-                              </p:par>
-                              <p:par>
-                                <p:cTn id="11" presetID="1" presetClass="entr" presetSubtype="0" fill="hold" nodeType="withEffect">
-                                  <p:stCondLst>
-                                    <p:cond delay="0"/>
-                                  </p:stCondLst>
-                                  <p:childTnLst>
-                                    <p:set>
-                                      <p:cBhvr>
-                                        <p:cTn id="12" dur="1" fill="hold">
-                                          <p:stCondLst>
-                                            <p:cond delay="0"/>
-                                          </p:stCondLst>
-                                        </p:cTn>
-                                        <p:tgtEl>
-                                          <p:spTgt spid="9">
-                                            <p:txEl>
-                                              <p:pRg st="6" end="6"/>
-                                            </p:txEl>
-                                          </p:spTgt>
-                                        </p:tgtEl>
-                                        <p:attrNameLst>
-                                          <p:attrName>style.visibility</p:attrName>
-                                        </p:attrNameLst>
-                                      </p:cBhvr>
-                                      <p:to>
-                                        <p:strVal val="visible"/>
-                                      </p:to>
-                                    </p:set>
-                                  </p:childTnLst>
-                                </p:cTn>
-                              </p:par>
-                              <p:par>
-                                <p:cTn id="13" presetID="1" presetClass="entr" presetSubtype="0" fill="hold" nodeType="withEffect">
-                                  <p:stCondLst>
-                                    <p:cond delay="0"/>
-                                  </p:stCondLst>
-                                  <p:childTnLst>
-                                    <p:set>
-                                      <p:cBhvr>
-                                        <p:cTn id="14" dur="1" fill="hold">
-                                          <p:stCondLst>
-                                            <p:cond delay="0"/>
-                                          </p:stCondLst>
-                                        </p:cTn>
-                                        <p:tgtEl>
-                                          <p:spTgt spid="9">
-                                            <p:txEl>
-                                              <p:pRg st="7" end="7"/>
-                                            </p:txEl>
-                                          </p:spTgt>
-                                        </p:tgtEl>
-                                        <p:attrNameLst>
-                                          <p:attrName>style.visibility</p:attrName>
-                                        </p:attrNameLst>
-                                      </p:cBhvr>
-                                      <p:to>
-                                        <p:strVal val="visible"/>
-                                      </p:to>
-                                    </p:set>
-                                  </p:childTnLst>
-                                </p:cTn>
-                              </p:par>
-                            </p:childTnLst>
-                          </p:cTn>
-                        </p:par>
-                      </p:childTnLst>
-                    </p:cTn>
-                  </p:par>
-                </p:childTnLst>
-              </p:cTn>
-              <p:prevCondLst>
-                <p:cond evt="onPrev" delay="0">
-                  <p:tgtEl>
-                    <p:sldTgt/>
-                  </p:tgtEl>
-                </p:cond>
-              </p:prevCondLst>
-              <p:nextCondLst>
-                <p:cond evt="onNext" delay="0">
-                  <p:tgtEl>
-                    <p:sldTgt/>
-                  </p:tgtEl>
-                </p:cond>
-              </p:nextCondLst>
-            </p:seq>
-          </p:childTnLst>
-        </p:cTn>
-      </p:par>
-    </p:tnLst>
-  </p:timing>
-</p:sld>
-</file>
-
-<file path=ppt/slides/slide24.xml><?xml version="1.0" encoding="utf-8"?>
-<p:sld xmlns:a="http://schemas.openxmlformats.org/drawingml/2006/main" xmlns:r="http://schemas.openxmlformats.org/officeDocument/2006/relationships" xmlns:p="http://schemas.openxmlformats.org/presentationml/2006/main">
-  <p:cSld>
-    <p:spTree>
-      <p:nvGrpSpPr>
-        <p:cNvPr id="1" name=""/>
-        <p:cNvGrpSpPr/>
-        <p:nvPr/>
-      </p:nvGrpSpPr>
-      <p:grpSpPr>
-        <a:xfrm>
-          <a:off x="0" y="0"/>
-          <a:ext cx="0" cy="0"/>
-          <a:chOff x="0" y="0"/>
-          <a:chExt cx="0" cy="0"/>
-        </a:xfrm>
-      </p:grpSpPr>
-      <p:sp>
-        <p:nvSpPr>
-          <p:cNvPr id="2" name="Title 1">
-            <a:extLst>
-              <a:ext uri="{FF2B5EF4-FFF2-40B4-BE49-F238E27FC236}">
-                <a16:creationId xmlns:a16="http://schemas.microsoft.com/office/drawing/2014/main" id="{AA3A228F-61D0-D949-A5E7-F83756230BF8}"/>
-              </a:ext>
-            </a:extLst>
-          </p:cNvPr>
-          <p:cNvSpPr>
-            <a:spLocks noGrp="1"/>
-          </p:cNvSpPr>
-          <p:nvPr>
-            <p:ph type="title"/>
-          </p:nvPr>
-        </p:nvSpPr>
-        <p:spPr>
-          <a:xfrm>
-            <a:off x="133119" y="141350"/>
-            <a:ext cx="7053542" cy="683886"/>
-          </a:xfrm>
-        </p:spPr>
-        <p:txBody>
-          <a:bodyPr/>
-          <a:lstStyle/>
-          <a:p>
-            <a:r>
-              <a:rPr lang="en-US" dirty="0"/>
-              <a:t>Iterating over keys a dictionary</a:t>
-            </a:r>
-          </a:p>
-        </p:txBody>
-      </p:sp>
-      <p:sp>
-        <p:nvSpPr>
-          <p:cNvPr id="9" name="Content Placeholder 8">
-            <a:extLst>
-              <a:ext uri="{FF2B5EF4-FFF2-40B4-BE49-F238E27FC236}">
-                <a16:creationId xmlns:a16="http://schemas.microsoft.com/office/drawing/2014/main" id="{E3B2E017-30B2-884B-A113-B419A2ED51AD}"/>
-              </a:ext>
-            </a:extLst>
-          </p:cNvPr>
-          <p:cNvSpPr>
-            <a:spLocks noGrp="1"/>
-          </p:cNvSpPr>
-          <p:nvPr>
-            <p:ph idx="1"/>
-          </p:nvPr>
-        </p:nvSpPr>
-        <p:spPr>
-          <a:xfrm>
-            <a:off x="237996" y="825236"/>
-            <a:ext cx="8297578" cy="4889763"/>
-          </a:xfrm>
-        </p:spPr>
-        <p:txBody>
-          <a:bodyPr>
-            <a:noAutofit/>
-          </a:bodyPr>
-          <a:lstStyle/>
-          <a:p>
-            <a:pPr marL="0" indent="0">
-              <a:buNone/>
-            </a:pPr>
-            <a:r>
-              <a:rPr lang="en-US" dirty="0"/>
-              <a:t>The following compute the average GPA.</a:t>
-            </a:r>
-          </a:p>
-          <a:p>
-            <a:pPr marL="0" indent="0">
-              <a:buNone/>
-            </a:pPr>
-            <a:endParaRPr lang="en-US" b="1" dirty="0">
-              <a:solidFill>
-                <a:srgbClr val="000087"/>
-              </a:solidFill>
-              <a:latin typeface="Inconsolata" panose="020B0609030003000000" pitchFamily="49" charset="77"/>
-            </a:endParaRPr>
-          </a:p>
-          <a:p>
-            <a:pPr marL="0" indent="0">
-              <a:buNone/>
-            </a:pPr>
-            <a:r>
-              <a:rPr lang="en-US" b="1" dirty="0">
-                <a:solidFill>
-                  <a:srgbClr val="000087"/>
-                </a:solidFill>
-                <a:latin typeface="Inconsolata" panose="020B0609030003000000" pitchFamily="49" charset="77"/>
-              </a:rPr>
-              <a:t>grades </a:t>
-            </a:r>
-            <a:r>
-              <a:rPr lang="en-US" b="1" dirty="0">
-                <a:solidFill>
-                  <a:srgbClr val="545454"/>
-                </a:solidFill>
-                <a:latin typeface="Inconsolata" panose="020B0609030003000000" pitchFamily="49" charset="77"/>
-              </a:rPr>
-              <a:t>= </a:t>
-            </a:r>
-            <a:r>
-              <a:rPr lang="en-US" b="1" dirty="0">
-                <a:latin typeface="Inconsolata" panose="020B0609030003000000" pitchFamily="49" charset="77"/>
-              </a:rPr>
-              <a:t>{</a:t>
-            </a:r>
-            <a:r>
-              <a:rPr lang="en-US" b="1" dirty="0">
-                <a:solidFill>
-                  <a:srgbClr val="CC3300"/>
-                </a:solidFill>
-                <a:latin typeface="Inconsolata" panose="020B0609030003000000" pitchFamily="49" charset="77"/>
-              </a:rPr>
-              <a:t>"Mike"</a:t>
-            </a:r>
-            <a:r>
-              <a:rPr lang="en-US" b="1" dirty="0">
-                <a:latin typeface="Inconsolata" panose="020B0609030003000000" pitchFamily="49" charset="77"/>
-              </a:rPr>
-              <a:t>:</a:t>
-            </a:r>
-            <a:r>
-              <a:rPr lang="en-US" b="1" dirty="0">
-                <a:solidFill>
-                  <a:srgbClr val="FF6600"/>
-                </a:solidFill>
-                <a:latin typeface="Inconsolata" panose="020B0609030003000000" pitchFamily="49" charset="77"/>
-              </a:rPr>
-              <a:t>3.1</a:t>
-            </a:r>
-            <a:r>
-              <a:rPr lang="en-US" b="1" dirty="0">
-                <a:latin typeface="Inconsolata" panose="020B0609030003000000" pitchFamily="49" charset="77"/>
-              </a:rPr>
-              <a:t>, </a:t>
-            </a:r>
-            <a:r>
-              <a:rPr lang="en-US" b="1" dirty="0">
-                <a:solidFill>
-                  <a:srgbClr val="CC3300"/>
-                </a:solidFill>
-                <a:latin typeface="Inconsolata" panose="020B0609030003000000" pitchFamily="49" charset="77"/>
-              </a:rPr>
-              <a:t>"Sarah"</a:t>
-            </a:r>
-            <a:r>
-              <a:rPr lang="en-US" b="1" dirty="0">
-                <a:latin typeface="Inconsolata" panose="020B0609030003000000" pitchFamily="49" charset="77"/>
-              </a:rPr>
-              <a:t>:</a:t>
-            </a:r>
-            <a:r>
-              <a:rPr lang="en-US" b="1" dirty="0">
-                <a:solidFill>
-                  <a:srgbClr val="FF6600"/>
-                </a:solidFill>
-                <a:latin typeface="Inconsolata" panose="020B0609030003000000" pitchFamily="49" charset="77"/>
-              </a:rPr>
-              <a:t>3.6</a:t>
-            </a:r>
-            <a:r>
-              <a:rPr lang="en-US" b="1" dirty="0">
-                <a:latin typeface="Inconsolata" panose="020B0609030003000000" pitchFamily="49" charset="77"/>
-              </a:rPr>
-              <a:t>, </a:t>
-            </a:r>
-            <a:r>
-              <a:rPr lang="en-US" b="1" dirty="0">
-                <a:solidFill>
-                  <a:srgbClr val="CC3300"/>
-                </a:solidFill>
-                <a:latin typeface="Inconsolata" panose="020B0609030003000000" pitchFamily="49" charset="77"/>
-              </a:rPr>
-              <a:t>"John"</a:t>
-            </a:r>
-            <a:r>
-              <a:rPr lang="en-US" b="1" dirty="0">
-                <a:latin typeface="Inconsolata" panose="020B0609030003000000" pitchFamily="49" charset="77"/>
-              </a:rPr>
-              <a:t>:</a:t>
-            </a:r>
-            <a:r>
-              <a:rPr lang="en-US" b="1" dirty="0">
-                <a:solidFill>
-                  <a:srgbClr val="FF6600"/>
-                </a:solidFill>
-                <a:latin typeface="Inconsolata" panose="020B0609030003000000" pitchFamily="49" charset="77"/>
-              </a:rPr>
-              <a:t>3.4</a:t>
-            </a:r>
-            <a:r>
-              <a:rPr lang="en-US" b="1" dirty="0">
-                <a:latin typeface="Inconsolata" panose="020B0609030003000000" pitchFamily="49" charset="77"/>
-              </a:rPr>
-              <a:t>} </a:t>
-            </a:r>
-          </a:p>
-          <a:p>
-            <a:pPr marL="0" indent="0">
-              <a:buNone/>
-            </a:pPr>
-            <a:r>
-              <a:rPr lang="en-US" b="1" dirty="0">
-                <a:latin typeface="Inconsolata" panose="020B0609030003000000" pitchFamily="49" charset="77"/>
-              </a:rPr>
-              <a:t>sum = 0</a:t>
-            </a:r>
-          </a:p>
-          <a:p>
-            <a:pPr marL="0" indent="0">
-              <a:buNone/>
-            </a:pPr>
-            <a:r>
-              <a:rPr lang="en-US" b="1" dirty="0">
-                <a:solidFill>
-                  <a:srgbClr val="006699"/>
-                </a:solidFill>
-                <a:latin typeface="Inconsolata" panose="020B0609030003000000" pitchFamily="49" charset="77"/>
-              </a:rPr>
-              <a:t>for </a:t>
-            </a:r>
-            <a:r>
-              <a:rPr lang="en-US" b="1" dirty="0">
-                <a:solidFill>
-                  <a:srgbClr val="000087"/>
-                </a:solidFill>
-                <a:latin typeface="Inconsolata" panose="020B0609030003000000" pitchFamily="49" charset="77"/>
-              </a:rPr>
-              <a:t>student </a:t>
-            </a:r>
-            <a:r>
-              <a:rPr lang="en-US" b="1" dirty="0">
-                <a:latin typeface="Inconsolata" panose="020B0609030003000000" pitchFamily="49" charset="77"/>
-              </a:rPr>
-              <a:t>in </a:t>
-            </a:r>
-            <a:r>
-              <a:rPr lang="en-US" b="1" dirty="0">
-                <a:solidFill>
-                  <a:srgbClr val="336666"/>
-                </a:solidFill>
-                <a:latin typeface="Inconsolata" panose="020B0609030003000000" pitchFamily="49" charset="77"/>
-              </a:rPr>
-              <a:t>grades</a:t>
-            </a:r>
-            <a:r>
-              <a:rPr lang="en-US" b="1" dirty="0">
-                <a:latin typeface="Inconsolata" panose="020B0609030003000000" pitchFamily="49" charset="77"/>
-              </a:rPr>
-              <a:t>: </a:t>
-            </a:r>
-          </a:p>
-          <a:p>
-            <a:pPr marL="0" indent="0">
-              <a:buNone/>
-            </a:pPr>
-            <a:r>
-              <a:rPr lang="en-US" b="1" dirty="0">
-                <a:solidFill>
-                  <a:srgbClr val="006699"/>
-                </a:solidFill>
-                <a:latin typeface="Inconsolata" panose="020B0609030003000000" pitchFamily="49" charset="77"/>
-              </a:rPr>
-              <a:t>	sum += grades[student]</a:t>
-            </a:r>
-            <a:endParaRPr lang="en-US" b="1" dirty="0">
-              <a:latin typeface="Inconsolata" panose="020B0609030003000000" pitchFamily="49" charset="77"/>
-            </a:endParaRPr>
-          </a:p>
-          <a:p>
-            <a:pPr marL="0" indent="0">
-              <a:buNone/>
-            </a:pPr>
-            <a:r>
-              <a:rPr lang="en-US" b="1" dirty="0">
-                <a:latin typeface="INCONSOLATA" panose="020B0609030003000000" pitchFamily="49" charset="77"/>
-              </a:rPr>
-              <a:t>average = sum/</a:t>
-            </a:r>
-            <a:r>
-              <a:rPr lang="en-US" b="1" dirty="0" err="1">
-                <a:latin typeface="INCONSOLATA" panose="020B0609030003000000" pitchFamily="49" charset="77"/>
-              </a:rPr>
-              <a:t>len</a:t>
-            </a:r>
-            <a:r>
-              <a:rPr lang="en-US" b="1" dirty="0">
-                <a:latin typeface="INCONSOLATA" panose="020B0609030003000000" pitchFamily="49" charset="77"/>
-              </a:rPr>
-              <a:t>(grades)</a:t>
-            </a:r>
-          </a:p>
-          <a:p>
-            <a:pPr marL="0" indent="0">
-              <a:buNone/>
-            </a:pPr>
-            <a:endParaRPr lang="en-US" dirty="0"/>
-          </a:p>
-        </p:txBody>
-      </p:sp>
-    </p:spTree>
-    <p:extLst>
-      <p:ext uri="{BB962C8B-B14F-4D97-AF65-F5344CB8AC3E}">
-        <p14:creationId xmlns:p14="http://schemas.microsoft.com/office/powerpoint/2010/main" val="67073653"/>
-      </p:ext>
-    </p:extLst>
-  </p:cSld>
-  <p:clrMapOvr>
-    <a:masterClrMapping/>
-  </p:clrMapOvr>
-  <p:timing>
-    <p:tnLst>
-      <p:par>
-        <p:cTn id="1" dur="indefinite" restart="never" nodeType="tmRoot">
-          <p:childTnLst>
-            <p:seq concurrent="1" nextAc="seek">
-              <p:cTn id="2" dur="indefinite" nodeType="mainSeq">
-                <p:childTnLst>
-                  <p:par>
-                    <p:cTn id="3" fill="hold">
-                      <p:stCondLst>
-                        <p:cond delay="indefinite"/>
-                      </p:stCondLst>
-                      <p:childTnLst>
-                        <p:par>
-                          <p:cTn id="4" fill="hold">
-                            <p:stCondLst>
-                              <p:cond delay="0"/>
-                            </p:stCondLst>
-                            <p:childTnLst>
-                              <p:par>
-                                <p:cTn id="5" presetID="1" presetClass="entr" presetSubtype="0" fill="hold" nodeType="clickEffect">
-                                  <p:stCondLst>
-                                    <p:cond delay="0"/>
-                                  </p:stCondLst>
-                                  <p:childTnLst>
-                                    <p:set>
-                                      <p:cBhvr>
-                                        <p:cTn id="6" dur="1" fill="hold">
-                                          <p:stCondLst>
-                                            <p:cond delay="0"/>
-                                          </p:stCondLst>
-                                        </p:cTn>
-                                        <p:tgtEl>
-                                          <p:spTgt spid="9">
-                                            <p:txEl>
-                                              <p:pRg st="2" end="2"/>
                                             </p:txEl>
                                           </p:spTgt>
                                         </p:tgtEl>
@@ -14559,15 +16085,33 @@
                                   </p:childTnLst>
                                 </p:cTn>
                               </p:par>
+                            </p:childTnLst>
+                          </p:cTn>
+                        </p:par>
+                      </p:childTnLst>
+                    </p:cTn>
+                  </p:par>
+                  <p:par>
+                    <p:cTn id="15" fill="hold">
+                      <p:stCondLst>
+                        <p:cond delay="indefinite"/>
+                      </p:stCondLst>
+                      <p:childTnLst>
+                        <p:par>
+                          <p:cTn id="16" fill="hold">
+                            <p:stCondLst>
+                              <p:cond delay="0"/>
+                            </p:stCondLst>
+                            <p:childTnLst>
                               <p:par>
-                                <p:cTn id="15" presetID="1" presetClass="entr" presetSubtype="0" fill="hold" nodeType="withEffect">
+                                <p:cTn id="17" presetID="1" presetClass="entr" presetSubtype="0" fill="hold" nodeType="clickEffect">
                                   <p:stCondLst>
                                     <p:cond delay="0"/>
                                   </p:stCondLst>
                                   <p:childTnLst>
                                     <p:set>
                                       <p:cBhvr>
-                                        <p:cTn id="16" dur="1" fill="hold">
+                                        <p:cTn id="18" dur="1" fill="hold">
                                           <p:stCondLst>
                                             <p:cond delay="0"/>
                                           </p:stCondLst>
@@ -14590,15 +16134,33 @@
                                   </p:childTnLst>
                                 </p:cTn>
                               </p:par>
+                            </p:childTnLst>
+                          </p:cTn>
+                        </p:par>
+                      </p:childTnLst>
+                    </p:cTn>
+                  </p:par>
+                  <p:par>
+                    <p:cTn id="19" fill="hold">
+                      <p:stCondLst>
+                        <p:cond delay="indefinite"/>
+                      </p:stCondLst>
+                      <p:childTnLst>
+                        <p:par>
+                          <p:cTn id="20" fill="hold">
+                            <p:stCondLst>
+                              <p:cond delay="0"/>
+                            </p:stCondLst>
+                            <p:childTnLst>
                               <p:par>
-                                <p:cTn id="17" presetID="1" presetClass="entr" presetSubtype="0" fill="hold" nodeType="withEffect">
+                                <p:cTn id="21" presetID="1" presetClass="entr" presetSubtype="0" fill="hold" nodeType="clickEffect">
                                   <p:stCondLst>
                                     <p:cond delay="0"/>
                                   </p:stCondLst>
                                   <p:childTnLst>
                                     <p:set>
                                       <p:cBhvr>
-                                        <p:cTn id="18" dur="1" fill="hold">
+                                        <p:cTn id="22" dur="1" fill="hold">
                                           <p:stCondLst>
                                             <p:cond delay="0"/>
                                           </p:stCondLst>
@@ -14609,6 +16171,229 @@
                                               <p:pRg st="6" end="6"/>
                                             </p:txEl>
                                           </p:spTgt>
+                                        </p:tgtEl>
+                                        <p:attrNameLst>
+                                          <p:attrName>style.visibility</p:attrName>
+                                        </p:attrNameLst>
+                                      </p:cBhvr>
+                                      <p:to>
+                                        <p:strVal val="visible"/>
+                                      </p:to>
+                                    </p:set>
+                                  </p:childTnLst>
+                                </p:cTn>
+                              </p:par>
+                            </p:childTnLst>
+                          </p:cTn>
+                        </p:par>
+                      </p:childTnLst>
+                    </p:cTn>
+                  </p:par>
+                  <p:par>
+                    <p:cTn id="23" fill="hold">
+                      <p:stCondLst>
+                        <p:cond delay="indefinite"/>
+                      </p:stCondLst>
+                      <p:childTnLst>
+                        <p:par>
+                          <p:cTn id="24" fill="hold">
+                            <p:stCondLst>
+                              <p:cond delay="0"/>
+                            </p:stCondLst>
+                            <p:childTnLst>
+                              <p:par>
+                                <p:cTn id="25" presetID="1" presetClass="entr" presetSubtype="0" fill="hold" nodeType="clickEffect">
+                                  <p:stCondLst>
+                                    <p:cond delay="0"/>
+                                  </p:stCondLst>
+                                  <p:childTnLst>
+                                    <p:set>
+                                      <p:cBhvr>
+                                        <p:cTn id="26" dur="1" fill="hold">
+                                          <p:stCondLst>
+                                            <p:cond delay="0"/>
+                                          </p:stCondLst>
+                                        </p:cTn>
+                                        <p:tgtEl>
+                                          <p:spTgt spid="9">
+                                            <p:txEl>
+                                              <p:pRg st="7" end="7"/>
+                                            </p:txEl>
+                                          </p:spTgt>
+                                        </p:tgtEl>
+                                        <p:attrNameLst>
+                                          <p:attrName>style.visibility</p:attrName>
+                                        </p:attrNameLst>
+                                      </p:cBhvr>
+                                      <p:to>
+                                        <p:strVal val="visible"/>
+                                      </p:to>
+                                    </p:set>
+                                  </p:childTnLst>
+                                </p:cTn>
+                              </p:par>
+                            </p:childTnLst>
+                          </p:cTn>
+                        </p:par>
+                      </p:childTnLst>
+                    </p:cTn>
+                  </p:par>
+                  <p:par>
+                    <p:cTn id="27" fill="hold">
+                      <p:stCondLst>
+                        <p:cond delay="indefinite"/>
+                      </p:stCondLst>
+                      <p:childTnLst>
+                        <p:par>
+                          <p:cTn id="28" fill="hold">
+                            <p:stCondLst>
+                              <p:cond delay="0"/>
+                            </p:stCondLst>
+                            <p:childTnLst>
+                              <p:par>
+                                <p:cTn id="29" presetID="1" presetClass="entr" presetSubtype="0" fill="hold" nodeType="clickEffect">
+                                  <p:stCondLst>
+                                    <p:cond delay="0"/>
+                                  </p:stCondLst>
+                                  <p:childTnLst>
+                                    <p:set>
+                                      <p:cBhvr>
+                                        <p:cTn id="30" dur="1" fill="hold">
+                                          <p:stCondLst>
+                                            <p:cond delay="0"/>
+                                          </p:stCondLst>
+                                        </p:cTn>
+                                        <p:tgtEl>
+                                          <p:spTgt spid="9">
+                                            <p:txEl>
+                                              <p:pRg st="8" end="8"/>
+                                            </p:txEl>
+                                          </p:spTgt>
+                                        </p:tgtEl>
+                                        <p:attrNameLst>
+                                          <p:attrName>style.visibility</p:attrName>
+                                        </p:attrNameLst>
+                                      </p:cBhvr>
+                                      <p:to>
+                                        <p:strVal val="visible"/>
+                                      </p:to>
+                                    </p:set>
+                                  </p:childTnLst>
+                                </p:cTn>
+                              </p:par>
+                            </p:childTnLst>
+                          </p:cTn>
+                        </p:par>
+                      </p:childTnLst>
+                    </p:cTn>
+                  </p:par>
+                  <p:par>
+                    <p:cTn id="31" fill="hold">
+                      <p:stCondLst>
+                        <p:cond delay="indefinite"/>
+                      </p:stCondLst>
+                      <p:childTnLst>
+                        <p:par>
+                          <p:cTn id="32" fill="hold">
+                            <p:stCondLst>
+                              <p:cond delay="0"/>
+                            </p:stCondLst>
+                            <p:childTnLst>
+                              <p:par>
+                                <p:cTn id="33" presetID="1" presetClass="entr" presetSubtype="0" fill="hold" nodeType="clickEffect">
+                                  <p:stCondLst>
+                                    <p:cond delay="0"/>
+                                  </p:stCondLst>
+                                  <p:childTnLst>
+                                    <p:set>
+                                      <p:cBhvr>
+                                        <p:cTn id="34" dur="1" fill="hold">
+                                          <p:stCondLst>
+                                            <p:cond delay="0"/>
+                                          </p:stCondLst>
+                                        </p:cTn>
+                                        <p:tgtEl>
+                                          <p:spTgt spid="9">
+                                            <p:txEl>
+                                              <p:pRg st="10" end="10"/>
+                                            </p:txEl>
+                                          </p:spTgt>
+                                        </p:tgtEl>
+                                        <p:attrNameLst>
+                                          <p:attrName>style.visibility</p:attrName>
+                                        </p:attrNameLst>
+                                      </p:cBhvr>
+                                      <p:to>
+                                        <p:strVal val="visible"/>
+                                      </p:to>
+                                    </p:set>
+                                  </p:childTnLst>
+                                </p:cTn>
+                              </p:par>
+                              <p:par>
+                                <p:cTn id="35" presetID="1" presetClass="entr" presetSubtype="0" fill="hold" nodeType="withEffect">
+                                  <p:stCondLst>
+                                    <p:cond delay="0"/>
+                                  </p:stCondLst>
+                                  <p:childTnLst>
+                                    <p:set>
+                                      <p:cBhvr>
+                                        <p:cTn id="36" dur="1" fill="hold">
+                                          <p:stCondLst>
+                                            <p:cond delay="0"/>
+                                          </p:stCondLst>
+                                        </p:cTn>
+                                        <p:tgtEl>
+                                          <p:spTgt spid="9">
+                                            <p:txEl>
+                                              <p:pRg st="11" end="11"/>
+                                            </p:txEl>
+                                          </p:spTgt>
+                                        </p:tgtEl>
+                                        <p:attrNameLst>
+                                          <p:attrName>style.visibility</p:attrName>
+                                        </p:attrNameLst>
+                                      </p:cBhvr>
+                                      <p:to>
+                                        <p:strVal val="visible"/>
+                                      </p:to>
+                                    </p:set>
+                                  </p:childTnLst>
+                                </p:cTn>
+                              </p:par>
+                            </p:childTnLst>
+                          </p:cTn>
+                        </p:par>
+                      </p:childTnLst>
+                    </p:cTn>
+                  </p:par>
+                  <p:par>
+                    <p:cTn id="37" fill="hold">
+                      <p:stCondLst>
+                        <p:cond delay="indefinite"/>
+                      </p:stCondLst>
+                      <p:childTnLst>
+                        <p:par>
+                          <p:cTn id="38" fill="hold">
+                            <p:stCondLst>
+                              <p:cond delay="0"/>
+                            </p:stCondLst>
+                            <p:childTnLst>
+                              <p:par>
+                                <p:cTn id="39" presetID="1" presetClass="entr" presetSubtype="0" fill="hold" grpId="0" nodeType="clickEffect">
+                                  <p:stCondLst>
+                                    <p:cond delay="0"/>
+                                  </p:stCondLst>
+                                  <p:childTnLst>
+                                    <p:set>
+                                      <p:cBhvr>
+                                        <p:cTn id="40" dur="1" fill="hold">
+                                          <p:stCondLst>
+                                            <p:cond delay="0"/>
+                                          </p:stCondLst>
+                                        </p:cTn>
+                                        <p:tgtEl>
+                                          <p:spTgt spid="3"/>
                                         </p:tgtEl>
                                         <p:attrNameLst>
                                           <p:attrName>style.visibility</p:attrName>
@@ -14648,520 +16433,14 @@
         </p:cTn>
       </p:par>
     </p:tnLst>
+    <p:bldLst>
+      <p:bldP spid="3" grpId="0"/>
+    </p:bldLst>
   </p:timing>
 </p:sld>
 </file>
 
 <file path=ppt/slides/slide25.xml><?xml version="1.0" encoding="utf-8"?>
-<p:sld xmlns:a="http://schemas.openxmlformats.org/drawingml/2006/main" xmlns:r="http://schemas.openxmlformats.org/officeDocument/2006/relationships" xmlns:p="http://schemas.openxmlformats.org/presentationml/2006/main">
-  <p:cSld>
-    <p:spTree>
-      <p:nvGrpSpPr>
-        <p:cNvPr id="1" name=""/>
-        <p:cNvGrpSpPr/>
-        <p:nvPr/>
-      </p:nvGrpSpPr>
-      <p:grpSpPr>
-        <a:xfrm>
-          <a:off x="0" y="0"/>
-          <a:ext cx="0" cy="0"/>
-          <a:chOff x="0" y="0"/>
-          <a:chExt cx="0" cy="0"/>
-        </a:xfrm>
-      </p:grpSpPr>
-      <p:sp>
-        <p:nvSpPr>
-          <p:cNvPr id="2" name="Title 1">
-            <a:extLst>
-              <a:ext uri="{FF2B5EF4-FFF2-40B4-BE49-F238E27FC236}">
-                <a16:creationId xmlns:a16="http://schemas.microsoft.com/office/drawing/2014/main" id="{AA3A228F-61D0-D949-A5E7-F83756230BF8}"/>
-              </a:ext>
-            </a:extLst>
-          </p:cNvPr>
-          <p:cNvSpPr>
-            <a:spLocks noGrp="1"/>
-          </p:cNvSpPr>
-          <p:nvPr>
-            <p:ph type="title"/>
-          </p:nvPr>
-        </p:nvSpPr>
-        <p:spPr>
-          <a:xfrm>
-            <a:off x="0" y="128824"/>
-            <a:ext cx="7053542" cy="683886"/>
-          </a:xfrm>
-        </p:spPr>
-        <p:txBody>
-          <a:bodyPr/>
-          <a:lstStyle/>
-          <a:p>
-            <a:r>
-              <a:rPr lang="en-US" dirty="0"/>
-              <a:t>Example of a Use for Dictionaries</a:t>
-            </a:r>
-          </a:p>
-        </p:txBody>
-      </p:sp>
-      <p:sp>
-        <p:nvSpPr>
-          <p:cNvPr id="9" name="Content Placeholder 8">
-            <a:extLst>
-              <a:ext uri="{FF2B5EF4-FFF2-40B4-BE49-F238E27FC236}">
-                <a16:creationId xmlns:a16="http://schemas.microsoft.com/office/drawing/2014/main" id="{E3B2E017-30B2-884B-A113-B419A2ED51AD}"/>
-              </a:ext>
-            </a:extLst>
-          </p:cNvPr>
-          <p:cNvSpPr>
-            <a:spLocks noGrp="1"/>
-          </p:cNvSpPr>
-          <p:nvPr>
-            <p:ph idx="1"/>
-          </p:nvPr>
-        </p:nvSpPr>
-        <p:spPr>
-          <a:xfrm>
-            <a:off x="150312" y="812710"/>
-            <a:ext cx="8385261" cy="4902289"/>
-          </a:xfrm>
-        </p:spPr>
-        <p:txBody>
-          <a:bodyPr>
-            <a:noAutofit/>
-          </a:bodyPr>
-          <a:lstStyle/>
-          <a:p>
-            <a:pPr marL="0" indent="0">
-              <a:buNone/>
-            </a:pPr>
-            <a:r>
-              <a:rPr lang="en-US" dirty="0">
-                <a:latin typeface="Gill Sans MT" panose="020B0502020104020203" pitchFamily="34" charset="77"/>
-              </a:rPr>
-              <a:t>One use of a dictionary is keep track of frequency count. </a:t>
-            </a:r>
-          </a:p>
-          <a:p>
-            <a:pPr marL="0" indent="0">
-              <a:buNone/>
-            </a:pPr>
-            <a:r>
-              <a:rPr lang="en-US" b="1" dirty="0">
-                <a:solidFill>
-                  <a:srgbClr val="000087"/>
-                </a:solidFill>
-                <a:latin typeface="Inconsolata" panose="020B0609030003000000" pitchFamily="49" charset="77"/>
-              </a:rPr>
-              <a:t>words </a:t>
-            </a:r>
-            <a:r>
-              <a:rPr lang="en-US" b="1" dirty="0">
-                <a:solidFill>
-                  <a:srgbClr val="545454"/>
-                </a:solidFill>
-                <a:latin typeface="Inconsolata" panose="020B0609030003000000" pitchFamily="49" charset="77"/>
-              </a:rPr>
-              <a:t>= </a:t>
-            </a:r>
-            <a:r>
-              <a:rPr lang="en-US" b="1" dirty="0">
-                <a:latin typeface="Inconsolata" panose="020B0609030003000000" pitchFamily="49" charset="77"/>
-              </a:rPr>
-              <a:t>[</a:t>
-            </a:r>
-            <a:r>
-              <a:rPr lang="en-US" b="1" dirty="0">
-                <a:solidFill>
-                  <a:srgbClr val="CC3300"/>
-                </a:solidFill>
-                <a:latin typeface="Inconsolata" panose="020B0609030003000000" pitchFamily="49" charset="77"/>
-              </a:rPr>
-              <a:t>'</a:t>
-            </a:r>
-            <a:r>
-              <a:rPr lang="en-US" b="1" dirty="0" err="1">
-                <a:solidFill>
-                  <a:srgbClr val="CC3300"/>
-                </a:solidFill>
-                <a:latin typeface="Inconsolata" panose="020B0609030003000000" pitchFamily="49" charset="77"/>
-              </a:rPr>
-              <a:t>baby','shark','do','do','do','do','do','do</a:t>
-            </a:r>
-            <a:r>
-              <a:rPr lang="en-US" b="1" dirty="0">
-                <a:solidFill>
-                  <a:srgbClr val="CC3300"/>
-                </a:solidFill>
-                <a:latin typeface="Inconsolata" panose="020B0609030003000000" pitchFamily="49" charset="77"/>
-              </a:rPr>
-              <a:t>'</a:t>
-            </a:r>
-            <a:r>
-              <a:rPr lang="en-US" b="1" dirty="0">
-                <a:latin typeface="Inconsolata" panose="020B0609030003000000" pitchFamily="49" charset="77"/>
-              </a:rPr>
-              <a:t>] </a:t>
-            </a:r>
-            <a:endParaRPr lang="en-US" b="1" dirty="0">
-              <a:solidFill>
-                <a:srgbClr val="336666"/>
-              </a:solidFill>
-              <a:latin typeface="Inconsolata" panose="020B0609030003000000" pitchFamily="49" charset="77"/>
-            </a:endParaRPr>
-          </a:p>
-          <a:p>
-            <a:pPr marL="0" indent="0">
-              <a:buNone/>
-            </a:pPr>
-            <a:endParaRPr lang="en-US" b="1" dirty="0">
-              <a:solidFill>
-                <a:srgbClr val="000087"/>
-              </a:solidFill>
-              <a:latin typeface="Inconsolata" panose="020B0609030003000000" pitchFamily="49" charset="77"/>
-            </a:endParaRPr>
-          </a:p>
-          <a:p>
-            <a:pPr marL="0" indent="0">
-              <a:buNone/>
-            </a:pPr>
-            <a:r>
-              <a:rPr lang="en-US" b="1" dirty="0">
-                <a:solidFill>
-                  <a:srgbClr val="000087"/>
-                </a:solidFill>
-                <a:latin typeface="Inconsolata" panose="020B0609030003000000" pitchFamily="49" charset="77"/>
-              </a:rPr>
-              <a:t>frequency </a:t>
-            </a:r>
-            <a:r>
-              <a:rPr lang="en-US" b="1" dirty="0">
-                <a:solidFill>
-                  <a:srgbClr val="336666"/>
-                </a:solidFill>
-                <a:latin typeface="Inconsolata" panose="020B0609030003000000" pitchFamily="49" charset="77"/>
-              </a:rPr>
-              <a:t>= {}</a:t>
-            </a:r>
-            <a:endParaRPr lang="en-US" b="1" dirty="0">
-              <a:latin typeface="Inconsolata" panose="020B0609030003000000" pitchFamily="49" charset="77"/>
-            </a:endParaRPr>
-          </a:p>
-          <a:p>
-            <a:pPr marL="0" indent="0">
-              <a:buNone/>
-            </a:pPr>
-            <a:r>
-              <a:rPr lang="en-US" b="1" dirty="0">
-                <a:solidFill>
-                  <a:srgbClr val="006699"/>
-                </a:solidFill>
-                <a:latin typeface="Inconsolata" panose="020B0609030003000000" pitchFamily="49" charset="77"/>
-              </a:rPr>
-              <a:t>for </a:t>
-            </a:r>
-            <a:r>
-              <a:rPr lang="en-US" b="1" dirty="0">
-                <a:solidFill>
-                  <a:srgbClr val="000087"/>
-                </a:solidFill>
-                <a:latin typeface="Inconsolata" panose="020B0609030003000000" pitchFamily="49" charset="77"/>
-              </a:rPr>
-              <a:t>word </a:t>
-            </a:r>
-            <a:r>
-              <a:rPr lang="en-US" b="1" dirty="0">
-                <a:solidFill>
-                  <a:schemeClr val="accent2"/>
-                </a:solidFill>
-                <a:latin typeface="Inconsolata" panose="020B0609030003000000" pitchFamily="49" charset="77"/>
-              </a:rPr>
-              <a:t>in</a:t>
-            </a:r>
-            <a:r>
-              <a:rPr lang="en-US" b="1" dirty="0">
-                <a:latin typeface="Inconsolata" panose="020B0609030003000000" pitchFamily="49" charset="77"/>
-              </a:rPr>
-              <a:t> </a:t>
-            </a:r>
-            <a:r>
-              <a:rPr lang="en-US" b="1" dirty="0">
-                <a:solidFill>
-                  <a:srgbClr val="000087"/>
-                </a:solidFill>
-                <a:latin typeface="Inconsolata" panose="020B0609030003000000" pitchFamily="49" charset="77"/>
-              </a:rPr>
-              <a:t>words</a:t>
-            </a:r>
-            <a:r>
-              <a:rPr lang="en-US" b="1" dirty="0">
-                <a:solidFill>
-                  <a:srgbClr val="336666"/>
-                </a:solidFill>
-                <a:latin typeface="Inconsolata" panose="020B0609030003000000" pitchFamily="49" charset="77"/>
-              </a:rPr>
-              <a:t>:</a:t>
-            </a:r>
-          </a:p>
-          <a:p>
-            <a:pPr marL="0" indent="0">
-              <a:buNone/>
-            </a:pPr>
-            <a:r>
-              <a:rPr lang="en-US" b="1" dirty="0">
-                <a:solidFill>
-                  <a:srgbClr val="000087"/>
-                </a:solidFill>
-                <a:latin typeface="Inconsolata" panose="020B0609030003000000" pitchFamily="49" charset="77"/>
-              </a:rPr>
-              <a:t>	if word </a:t>
-            </a:r>
-            <a:r>
-              <a:rPr lang="en-US" b="1" dirty="0">
-                <a:solidFill>
-                  <a:schemeClr val="accent2"/>
-                </a:solidFill>
-                <a:latin typeface="Inconsolata" panose="020B0609030003000000" pitchFamily="49" charset="77"/>
-              </a:rPr>
-              <a:t>not in</a:t>
-            </a:r>
-            <a:r>
-              <a:rPr lang="en-US" b="1" dirty="0">
-                <a:solidFill>
-                  <a:srgbClr val="000087"/>
-                </a:solidFill>
-                <a:latin typeface="Inconsolata" panose="020B0609030003000000" pitchFamily="49" charset="77"/>
-              </a:rPr>
-              <a:t> frequency:</a:t>
-            </a:r>
-          </a:p>
-          <a:p>
-            <a:pPr marL="0" indent="0">
-              <a:buNone/>
-            </a:pPr>
-            <a:r>
-              <a:rPr lang="en-US" b="1" dirty="0">
-                <a:solidFill>
-                  <a:srgbClr val="000087"/>
-                </a:solidFill>
-                <a:latin typeface="Inconsolata" panose="020B0609030003000000" pitchFamily="49" charset="77"/>
-              </a:rPr>
-              <a:t>		frequency[word] = 0</a:t>
-            </a:r>
-          </a:p>
-          <a:p>
-            <a:pPr marL="0" indent="0">
-              <a:buNone/>
-            </a:pPr>
-            <a:r>
-              <a:rPr lang="en-US" b="1" dirty="0">
-                <a:solidFill>
-                  <a:srgbClr val="000087"/>
-                </a:solidFill>
-                <a:latin typeface="Inconsolata" panose="020B0609030003000000" pitchFamily="49" charset="77"/>
-              </a:rPr>
-              <a:t>	frequency[word] += 1</a:t>
-            </a:r>
-            <a:endParaRPr lang="en-US" b="1" dirty="0">
-              <a:solidFill>
-                <a:srgbClr val="336666"/>
-              </a:solidFill>
-              <a:latin typeface="Inconsolata" panose="020B0609030003000000" pitchFamily="49" charset="77"/>
-            </a:endParaRPr>
-          </a:p>
-          <a:p>
-            <a:pPr marL="0" indent="0">
-              <a:buNone/>
-            </a:pPr>
-            <a:r>
-              <a:rPr lang="en-US" b="1" dirty="0">
-                <a:latin typeface="INCONSOLATA" panose="020B0609030003000000" pitchFamily="49" charset="77"/>
-              </a:rPr>
-              <a:t>print(frequency)</a:t>
-            </a:r>
-          </a:p>
-          <a:p>
-            <a:pPr marL="0" indent="0">
-              <a:buNone/>
-            </a:pPr>
-            <a:endParaRPr lang="en-US" dirty="0">
-              <a:latin typeface="Gill Sans MT" panose="020B0502020104020203" pitchFamily="34" charset="77"/>
-            </a:endParaRPr>
-          </a:p>
-          <a:p>
-            <a:pPr marL="0" indent="0">
-              <a:buNone/>
-            </a:pPr>
-            <a:r>
-              <a:rPr lang="en-US" dirty="0">
-                <a:latin typeface="Gill Sans MT" panose="020B0502020104020203" pitchFamily="34" charset="77"/>
-              </a:rPr>
-              <a:t>Output:</a:t>
-            </a:r>
-          </a:p>
-          <a:p>
-            <a:pPr marL="0" indent="0">
-              <a:buNone/>
-            </a:pPr>
-            <a:r>
-              <a:rPr lang="en-US" dirty="0">
-                <a:latin typeface="Gill Sans MT" panose="020B0502020104020203" pitchFamily="34" charset="77"/>
-              </a:rPr>
-              <a:t>{'baby': 1, 'shark': 1, 'do': 6}</a:t>
-            </a:r>
-          </a:p>
-        </p:txBody>
-      </p:sp>
-      <p:sp>
-        <p:nvSpPr>
-          <p:cNvPr id="3" name="TextBox 2">
-            <a:extLst>
-              <a:ext uri="{FF2B5EF4-FFF2-40B4-BE49-F238E27FC236}">
-                <a16:creationId xmlns:a16="http://schemas.microsoft.com/office/drawing/2014/main" id="{F0C14AE6-7201-7F45-A50E-CCAE460FDEC7}"/>
-              </a:ext>
-            </a:extLst>
-          </p:cNvPr>
-          <p:cNvSpPr txBox="1"/>
-          <p:nvPr/>
-        </p:nvSpPr>
-        <p:spPr>
-          <a:xfrm>
-            <a:off x="4753704" y="2349668"/>
-            <a:ext cx="3781869" cy="1015663"/>
-          </a:xfrm>
-          <a:prstGeom prst="rect">
-            <a:avLst/>
-          </a:prstGeom>
-          <a:noFill/>
-        </p:spPr>
-        <p:txBody>
-          <a:bodyPr wrap="none" rtlCol="0">
-            <a:spAutoFit/>
-          </a:bodyPr>
-          <a:lstStyle/>
-          <a:p>
-            <a:r>
-              <a:rPr lang="en-US" sz="2000" dirty="0">
-                <a:solidFill>
-                  <a:srgbClr val="FF0000"/>
-                </a:solidFill>
-              </a:rPr>
-              <a:t>We will use this code to do word </a:t>
-            </a:r>
-          </a:p>
-          <a:p>
-            <a:r>
-              <a:rPr lang="en-US" sz="2000" dirty="0">
-                <a:solidFill>
-                  <a:srgbClr val="FF0000"/>
-                </a:solidFill>
-              </a:rPr>
-              <a:t>frequency analysis of the works of </a:t>
-            </a:r>
-          </a:p>
-          <a:p>
-            <a:r>
-              <a:rPr lang="en-US" sz="2000" dirty="0">
-                <a:solidFill>
-                  <a:srgbClr val="FF0000"/>
-                </a:solidFill>
-              </a:rPr>
-              <a:t>Shakespeare!</a:t>
-            </a:r>
-          </a:p>
-        </p:txBody>
-      </p:sp>
-    </p:spTree>
-    <p:extLst>
-      <p:ext uri="{BB962C8B-B14F-4D97-AF65-F5344CB8AC3E}">
-        <p14:creationId xmlns:p14="http://schemas.microsoft.com/office/powerpoint/2010/main" val="994161803"/>
-      </p:ext>
-    </p:extLst>
-  </p:cSld>
-  <p:clrMapOvr>
-    <a:masterClrMapping/>
-  </p:clrMapOvr>
-  <p:timing>
-    <p:tnLst>
-      <p:par>
-        <p:cTn id="1" dur="indefinite" restart="never" nodeType="tmRoot">
-          <p:childTnLst>
-            <p:seq concurrent="1" nextAc="seek">
-              <p:cTn id="2" dur="indefinite" nodeType="mainSeq">
-                <p:childTnLst>
-                  <p:par>
-                    <p:cTn id="3" fill="hold">
-                      <p:stCondLst>
-                        <p:cond delay="indefinite"/>
-                      </p:stCondLst>
-                      <p:childTnLst>
-                        <p:par>
-                          <p:cTn id="4" fill="hold">
-                            <p:stCondLst>
-                              <p:cond delay="0"/>
-                            </p:stCondLst>
-                            <p:childTnLst>
-                              <p:par>
-                                <p:cTn id="5" presetID="1" presetClass="entr" presetSubtype="0" fill="hold" nodeType="clickEffect">
-                                  <p:stCondLst>
-                                    <p:cond delay="0"/>
-                                  </p:stCondLst>
-                                  <p:childTnLst>
-                                    <p:set>
-                                      <p:cBhvr>
-                                        <p:cTn id="6" dur="1" fill="hold">
-                                          <p:stCondLst>
-                                            <p:cond delay="0"/>
-                                          </p:stCondLst>
-                                        </p:cTn>
-                                        <p:tgtEl>
-                                          <p:spTgt spid="9">
-                                            <p:txEl>
-                                              <p:pRg st="3" end="3"/>
-                                            </p:txEl>
-                                          </p:spTgt>
-                                        </p:tgtEl>
-                                        <p:attrNameLst>
-                                          <p:attrName>style.visibility</p:attrName>
-                                        </p:attrNameLst>
-                                      </p:cBhvr>
-                                      <p:to>
-                                        <p:strVal val="visible"/>
-                                      </p:to>
-                                    </p:set>
-                                  </p:childTnLst>
-                                </p:cTn>
-                              </p:par>
-                            </p:childTnLst>
-                          </p:cTn>
-                        </p:par>
-                      </p:childTnLst>
-                    </p:cTn>
-                  </p:par>
-                </p:childTnLst>
-              </p:cTn>
-              <p:prevCondLst>
-                <p:cond evt="onPrev" delay="0">
-                  <p:tgtEl>
-                    <p:sldTgt/>
-                  </p:tgtEl>
-                </p:cond>
-              </p:prevCondLst>
-              <p:nextCondLst>
-                <p:cond evt="onNext" delay="0">
-                  <p:tgtEl>
-                    <p:sldTgt/>
-                  </p:tgtEl>
-                </p:cond>
-              </p:nextCondLst>
-            </p:seq>
-          </p:childTnLst>
-        </p:cTn>
-      </p:par>
-    </p:tnLst>
-  </p:timing>
-</p:sld>
-</file>
-
-<file path=ppt/slides/slide26.xml><?xml version="1.0" encoding="utf-8"?>
 <p:sld xmlns:a="http://schemas.openxmlformats.org/drawingml/2006/main" xmlns:r="http://schemas.openxmlformats.org/officeDocument/2006/relationships" xmlns:p="http://schemas.openxmlformats.org/presentationml/2006/main">
   <p:cSld>
     <p:spTree>

--- a/courses/apcsp/lect9.pptx
+++ b/courses/apcsp/lect9.pptx
@@ -4,6 +4,9 @@
   <p:sldMasterIdLst>
     <p:sldMasterId id="2147483791" r:id="rId1"/>
   </p:sldMasterIdLst>
+  <p:notesMasterIdLst>
+    <p:notesMasterId r:id="rId27"/>
+  </p:notesMasterIdLst>
   <p:sldIdLst>
     <p:sldId id="256" r:id="rId2"/>
     <p:sldId id="286" r:id="rId3"/>
@@ -139,7 +142,7 @@
 <file path=ppt/revisionInfo.xml><?xml version="1.0" encoding="utf-8"?>
 <p1510:revInfo xmlns:a="http://schemas.openxmlformats.org/drawingml/2006/main" xmlns:r="http://schemas.openxmlformats.org/officeDocument/2006/relationships" xmlns:p1510="http://schemas.microsoft.com/office/powerpoint/2015/10/main">
   <p1510:revLst>
-    <p1510:client id="{0D22434F-C429-584D-952F-0619514BBCC8}" v="393" dt="2021-12-07T14:02:27.557"/>
+    <p1510:client id="{0D22434F-C429-584D-952F-0619514BBCC8}" v="404" dt="2021-12-08T13:10:57.851"/>
   </p1510:revLst>
 </p1510:revInfo>
 </file>
@@ -1876,16 +1879,99 @@
   <pc:docChgLst>
     <pc:chgData name="Long B Nguyen" userId="f59fb8f3-a021-417a-8bc1-65c8d471c621" providerId="ADAL" clId="{0D22434F-C429-584D-952F-0619514BBCC8}"/>
     <pc:docChg chg="custSel addSld delSld modSld">
-      <pc:chgData name="Long B Nguyen" userId="f59fb8f3-a021-417a-8bc1-65c8d471c621" providerId="ADAL" clId="{0D22434F-C429-584D-952F-0619514BBCC8}" dt="2021-12-07T14:02:27.557" v="596"/>
+      <pc:chgData name="Long B Nguyen" userId="f59fb8f3-a021-417a-8bc1-65c8d471c621" providerId="ADAL" clId="{0D22434F-C429-584D-952F-0619514BBCC8}" dt="2021-12-08T13:10:57.851" v="607" actId="20577"/>
       <pc:docMkLst>
         <pc:docMk/>
       </pc:docMkLst>
+      <pc:sldChg chg="addSp modSp">
+        <pc:chgData name="Long B Nguyen" userId="f59fb8f3-a021-417a-8bc1-65c8d471c621" providerId="ADAL" clId="{0D22434F-C429-584D-952F-0619514BBCC8}" dt="2021-12-07T18:26:55.494" v="597"/>
+        <pc:sldMkLst>
+          <pc:docMk/>
+          <pc:sldMk cId="4247104139" sldId="256"/>
+        </pc:sldMkLst>
+        <pc:spChg chg="add mod">
+          <ac:chgData name="Long B Nguyen" userId="f59fb8f3-a021-417a-8bc1-65c8d471c621" providerId="ADAL" clId="{0D22434F-C429-584D-952F-0619514BBCC8}" dt="2021-12-07T18:26:55.494" v="597"/>
+          <ac:spMkLst>
+            <pc:docMk/>
+            <pc:sldMk cId="4247104139" sldId="256"/>
+            <ac:spMk id="5" creationId="{3119B8E8-712E-1147-8B8C-831E3C2A3C66}"/>
+          </ac:spMkLst>
+        </pc:spChg>
+      </pc:sldChg>
+      <pc:sldChg chg="addSp modSp">
+        <pc:chgData name="Long B Nguyen" userId="f59fb8f3-a021-417a-8bc1-65c8d471c621" providerId="ADAL" clId="{0D22434F-C429-584D-952F-0619514BBCC8}" dt="2021-12-07T18:26:55.494" v="597"/>
+        <pc:sldMkLst>
+          <pc:docMk/>
+          <pc:sldMk cId="1438711869" sldId="284"/>
+        </pc:sldMkLst>
+        <pc:spChg chg="add mod">
+          <ac:chgData name="Long B Nguyen" userId="f59fb8f3-a021-417a-8bc1-65c8d471c621" providerId="ADAL" clId="{0D22434F-C429-584D-952F-0619514BBCC8}" dt="2021-12-07T18:26:55.494" v="597"/>
+          <ac:spMkLst>
+            <pc:docMk/>
+            <pc:sldMk cId="1438711869" sldId="284"/>
+            <ac:spMk id="3" creationId="{DE559031-3439-454A-8F5E-5B0AA103A3B3}"/>
+          </ac:spMkLst>
+        </pc:spChg>
+      </pc:sldChg>
+      <pc:sldChg chg="addSp modSp">
+        <pc:chgData name="Long B Nguyen" userId="f59fb8f3-a021-417a-8bc1-65c8d471c621" providerId="ADAL" clId="{0D22434F-C429-584D-952F-0619514BBCC8}" dt="2021-12-07T18:26:55.494" v="597"/>
+        <pc:sldMkLst>
+          <pc:docMk/>
+          <pc:sldMk cId="131840209" sldId="286"/>
+        </pc:sldMkLst>
+        <pc:spChg chg="add mod">
+          <ac:chgData name="Long B Nguyen" userId="f59fb8f3-a021-417a-8bc1-65c8d471c621" providerId="ADAL" clId="{0D22434F-C429-584D-952F-0619514BBCC8}" dt="2021-12-07T18:26:55.494" v="597"/>
+          <ac:spMkLst>
+            <pc:docMk/>
+            <pc:sldMk cId="131840209" sldId="286"/>
+            <ac:spMk id="3" creationId="{C71B0CC5-E21D-B449-9760-D4D2135B21FE}"/>
+          </ac:spMkLst>
+        </pc:spChg>
+      </pc:sldChg>
+      <pc:sldChg chg="addSp modSp">
+        <pc:chgData name="Long B Nguyen" userId="f59fb8f3-a021-417a-8bc1-65c8d471c621" providerId="ADAL" clId="{0D22434F-C429-584D-952F-0619514BBCC8}" dt="2021-12-07T18:26:55.494" v="597"/>
+        <pc:sldMkLst>
+          <pc:docMk/>
+          <pc:sldMk cId="114946794" sldId="313"/>
+        </pc:sldMkLst>
+        <pc:spChg chg="add mod">
+          <ac:chgData name="Long B Nguyen" userId="f59fb8f3-a021-417a-8bc1-65c8d471c621" providerId="ADAL" clId="{0D22434F-C429-584D-952F-0619514BBCC8}" dt="2021-12-07T18:26:55.494" v="597"/>
+          <ac:spMkLst>
+            <pc:docMk/>
+            <pc:sldMk cId="114946794" sldId="313"/>
+            <ac:spMk id="3" creationId="{45A0033C-91A0-0445-8D46-3CB049F7F867}"/>
+          </ac:spMkLst>
+        </pc:spChg>
+      </pc:sldChg>
+      <pc:sldChg chg="addSp modSp">
+        <pc:chgData name="Long B Nguyen" userId="f59fb8f3-a021-417a-8bc1-65c8d471c621" providerId="ADAL" clId="{0D22434F-C429-584D-952F-0619514BBCC8}" dt="2021-12-07T18:26:55.494" v="597"/>
+        <pc:sldMkLst>
+          <pc:docMk/>
+          <pc:sldMk cId="18163085" sldId="314"/>
+        </pc:sldMkLst>
+        <pc:spChg chg="add mod">
+          <ac:chgData name="Long B Nguyen" userId="f59fb8f3-a021-417a-8bc1-65c8d471c621" providerId="ADAL" clId="{0D22434F-C429-584D-952F-0619514BBCC8}" dt="2021-12-07T18:26:55.494" v="597"/>
+          <ac:spMkLst>
+            <pc:docMk/>
+            <pc:sldMk cId="18163085" sldId="314"/>
+            <ac:spMk id="3" creationId="{E834DD15-93F4-5144-82B9-2AC383404A79}"/>
+          </ac:spMkLst>
+        </pc:spChg>
+      </pc:sldChg>
       <pc:sldChg chg="addSp modSp mod modAnim">
-        <pc:chgData name="Long B Nguyen" userId="f59fb8f3-a021-417a-8bc1-65c8d471c621" providerId="ADAL" clId="{0D22434F-C429-584D-952F-0619514BBCC8}" dt="2021-12-07T14:01:51.428" v="588"/>
+        <pc:chgData name="Long B Nguyen" userId="f59fb8f3-a021-417a-8bc1-65c8d471c621" providerId="ADAL" clId="{0D22434F-C429-584D-952F-0619514BBCC8}" dt="2021-12-07T18:26:55.494" v="597"/>
         <pc:sldMkLst>
           <pc:docMk/>
           <pc:sldMk cId="67073653" sldId="318"/>
         </pc:sldMkLst>
+        <pc:spChg chg="add mod">
+          <ac:chgData name="Long B Nguyen" userId="f59fb8f3-a021-417a-8bc1-65c8d471c621" providerId="ADAL" clId="{0D22434F-C429-584D-952F-0619514BBCC8}" dt="2021-12-07T18:26:55.494" v="597"/>
+          <ac:spMkLst>
+            <pc:docMk/>
+            <pc:sldMk cId="67073653" sldId="318"/>
+            <ac:spMk id="3" creationId="{3FFD567B-109A-774C-9D56-8F97416BA3EE}"/>
+          </ac:spMkLst>
+        </pc:spChg>
         <pc:spChg chg="add mod">
           <ac:chgData name="Long B Nguyen" userId="f59fb8f3-a021-417a-8bc1-65c8d471c621" providerId="ADAL" clId="{0D22434F-C429-584D-952F-0619514BBCC8}" dt="2021-12-07T14:01:26.684" v="582" actId="20577"/>
           <ac:spMkLst>
@@ -1895,33 +1981,125 @@
           </ac:spMkLst>
         </pc:spChg>
       </pc:sldChg>
-      <pc:sldChg chg="modAnim">
-        <pc:chgData name="Long B Nguyen" userId="f59fb8f3-a021-417a-8bc1-65c8d471c621" providerId="ADAL" clId="{0D22434F-C429-584D-952F-0619514BBCC8}" dt="2021-12-06T13:51:15.184" v="1"/>
+      <pc:sldChg chg="addSp modSp modAnim">
+        <pc:chgData name="Long B Nguyen" userId="f59fb8f3-a021-417a-8bc1-65c8d471c621" providerId="ADAL" clId="{0D22434F-C429-584D-952F-0619514BBCC8}" dt="2021-12-07T18:26:55.494" v="597"/>
         <pc:sldMkLst>
           <pc:docMk/>
           <pc:sldMk cId="1997478848" sldId="319"/>
         </pc:sldMkLst>
+        <pc:spChg chg="add mod">
+          <ac:chgData name="Long B Nguyen" userId="f59fb8f3-a021-417a-8bc1-65c8d471c621" providerId="ADAL" clId="{0D22434F-C429-584D-952F-0619514BBCC8}" dt="2021-12-07T18:26:55.494" v="597"/>
+          <ac:spMkLst>
+            <pc:docMk/>
+            <pc:sldMk cId="1997478848" sldId="319"/>
+            <ac:spMk id="3" creationId="{F7257620-B857-EF4F-A7F9-738FC8B30151}"/>
+          </ac:spMkLst>
+        </pc:spChg>
       </pc:sldChg>
-      <pc:sldChg chg="modAnim">
-        <pc:chgData name="Long B Nguyen" userId="f59fb8f3-a021-417a-8bc1-65c8d471c621" providerId="ADAL" clId="{0D22434F-C429-584D-952F-0619514BBCC8}" dt="2021-12-07T12:53:46.084" v="221"/>
+      <pc:sldChg chg="addSp modSp modAnim">
+        <pc:chgData name="Long B Nguyen" userId="f59fb8f3-a021-417a-8bc1-65c8d471c621" providerId="ADAL" clId="{0D22434F-C429-584D-952F-0619514BBCC8}" dt="2021-12-07T18:26:55.494" v="597"/>
         <pc:sldMkLst>
           <pc:docMk/>
           <pc:sldMk cId="1289346350" sldId="323"/>
         </pc:sldMkLst>
+        <pc:spChg chg="add mod">
+          <ac:chgData name="Long B Nguyen" userId="f59fb8f3-a021-417a-8bc1-65c8d471c621" providerId="ADAL" clId="{0D22434F-C429-584D-952F-0619514BBCC8}" dt="2021-12-07T18:26:55.494" v="597"/>
+          <ac:spMkLst>
+            <pc:docMk/>
+            <pc:sldMk cId="1289346350" sldId="323"/>
+            <ac:spMk id="4" creationId="{D1D3E5B4-0EBA-1B43-A356-E2177BB30FF9}"/>
+          </ac:spMkLst>
+        </pc:spChg>
       </pc:sldChg>
-      <pc:sldChg chg="modAnim">
-        <pc:chgData name="Long B Nguyen" userId="f59fb8f3-a021-417a-8bc1-65c8d471c621" providerId="ADAL" clId="{0D22434F-C429-584D-952F-0619514BBCC8}" dt="2021-12-07T13:59:26.855" v="407"/>
+      <pc:sldChg chg="addSp modSp modAnim">
+        <pc:chgData name="Long B Nguyen" userId="f59fb8f3-a021-417a-8bc1-65c8d471c621" providerId="ADAL" clId="{0D22434F-C429-584D-952F-0619514BBCC8}" dt="2021-12-07T18:26:55.494" v="597"/>
         <pc:sldMkLst>
           <pc:docMk/>
           <pc:sldMk cId="1133323522" sldId="325"/>
         </pc:sldMkLst>
+        <pc:spChg chg="add mod">
+          <ac:chgData name="Long B Nguyen" userId="f59fb8f3-a021-417a-8bc1-65c8d471c621" providerId="ADAL" clId="{0D22434F-C429-584D-952F-0619514BBCC8}" dt="2021-12-07T18:26:55.494" v="597"/>
+          <ac:spMkLst>
+            <pc:docMk/>
+            <pc:sldMk cId="1133323522" sldId="325"/>
+            <ac:spMk id="3" creationId="{F10FD867-EBDB-E547-8B00-1FE33AF1E164}"/>
+          </ac:spMkLst>
+        </pc:spChg>
       </pc:sldChg>
-      <pc:sldChg chg="modSp modAnim">
-        <pc:chgData name="Long B Nguyen" userId="f59fb8f3-a021-417a-8bc1-65c8d471c621" providerId="ADAL" clId="{0D22434F-C429-584D-952F-0619514BBCC8}" dt="2021-12-07T13:49:41.949" v="239"/>
+      <pc:sldChg chg="addSp modSp">
+        <pc:chgData name="Long B Nguyen" userId="f59fb8f3-a021-417a-8bc1-65c8d471c621" providerId="ADAL" clId="{0D22434F-C429-584D-952F-0619514BBCC8}" dt="2021-12-07T18:26:55.494" v="597"/>
+        <pc:sldMkLst>
+          <pc:docMk/>
+          <pc:sldMk cId="214403129" sldId="333"/>
+        </pc:sldMkLst>
+        <pc:spChg chg="add mod">
+          <ac:chgData name="Long B Nguyen" userId="f59fb8f3-a021-417a-8bc1-65c8d471c621" providerId="ADAL" clId="{0D22434F-C429-584D-952F-0619514BBCC8}" dt="2021-12-07T18:26:55.494" v="597"/>
+          <ac:spMkLst>
+            <pc:docMk/>
+            <pc:sldMk cId="214403129" sldId="333"/>
+            <ac:spMk id="3" creationId="{55D37896-0DD4-C049-9F06-EA3D0B851D83}"/>
+          </ac:spMkLst>
+        </pc:spChg>
+      </pc:sldChg>
+      <pc:sldChg chg="addSp modSp">
+        <pc:chgData name="Long B Nguyen" userId="f59fb8f3-a021-417a-8bc1-65c8d471c621" providerId="ADAL" clId="{0D22434F-C429-584D-952F-0619514BBCC8}" dt="2021-12-07T18:26:55.494" v="597"/>
+        <pc:sldMkLst>
+          <pc:docMk/>
+          <pc:sldMk cId="2112071836" sldId="334"/>
+        </pc:sldMkLst>
+        <pc:spChg chg="add mod">
+          <ac:chgData name="Long B Nguyen" userId="f59fb8f3-a021-417a-8bc1-65c8d471c621" providerId="ADAL" clId="{0D22434F-C429-584D-952F-0619514BBCC8}" dt="2021-12-07T18:26:55.494" v="597"/>
+          <ac:spMkLst>
+            <pc:docMk/>
+            <pc:sldMk cId="2112071836" sldId="334"/>
+            <ac:spMk id="3" creationId="{BF343798-C4CD-B047-8E32-7A3902751D3D}"/>
+          </ac:spMkLst>
+        </pc:spChg>
+      </pc:sldChg>
+      <pc:sldChg chg="addSp modSp">
+        <pc:chgData name="Long B Nguyen" userId="f59fb8f3-a021-417a-8bc1-65c8d471c621" providerId="ADAL" clId="{0D22434F-C429-584D-952F-0619514BBCC8}" dt="2021-12-07T18:26:55.494" v="597"/>
+        <pc:sldMkLst>
+          <pc:docMk/>
+          <pc:sldMk cId="247153204" sldId="335"/>
+        </pc:sldMkLst>
+        <pc:spChg chg="add mod">
+          <ac:chgData name="Long B Nguyen" userId="f59fb8f3-a021-417a-8bc1-65c8d471c621" providerId="ADAL" clId="{0D22434F-C429-584D-952F-0619514BBCC8}" dt="2021-12-07T18:26:55.494" v="597"/>
+          <ac:spMkLst>
+            <pc:docMk/>
+            <pc:sldMk cId="247153204" sldId="335"/>
+            <ac:spMk id="3" creationId="{C1DD657F-5733-BF44-99EA-A434A7BE0180}"/>
+          </ac:spMkLst>
+        </pc:spChg>
+      </pc:sldChg>
+      <pc:sldChg chg="addSp modSp">
+        <pc:chgData name="Long B Nguyen" userId="f59fb8f3-a021-417a-8bc1-65c8d471c621" providerId="ADAL" clId="{0D22434F-C429-584D-952F-0619514BBCC8}" dt="2021-12-07T18:26:55.494" v="597"/>
+        <pc:sldMkLst>
+          <pc:docMk/>
+          <pc:sldMk cId="3783627139" sldId="336"/>
+        </pc:sldMkLst>
+        <pc:spChg chg="add mod">
+          <ac:chgData name="Long B Nguyen" userId="f59fb8f3-a021-417a-8bc1-65c8d471c621" providerId="ADAL" clId="{0D22434F-C429-584D-952F-0619514BBCC8}" dt="2021-12-07T18:26:55.494" v="597"/>
+          <ac:spMkLst>
+            <pc:docMk/>
+            <pc:sldMk cId="3783627139" sldId="336"/>
+            <ac:spMk id="3" creationId="{2CE30899-52CB-2C49-98D8-E07215262377}"/>
+          </ac:spMkLst>
+        </pc:spChg>
+      </pc:sldChg>
+      <pc:sldChg chg="addSp modSp modAnim">
+        <pc:chgData name="Long B Nguyen" userId="f59fb8f3-a021-417a-8bc1-65c8d471c621" providerId="ADAL" clId="{0D22434F-C429-584D-952F-0619514BBCC8}" dt="2021-12-07T18:26:55.494" v="597"/>
         <pc:sldMkLst>
           <pc:docMk/>
           <pc:sldMk cId="2765901336" sldId="337"/>
         </pc:sldMkLst>
+        <pc:spChg chg="add mod">
+          <ac:chgData name="Long B Nguyen" userId="f59fb8f3-a021-417a-8bc1-65c8d471c621" providerId="ADAL" clId="{0D22434F-C429-584D-952F-0619514BBCC8}" dt="2021-12-07T18:26:55.494" v="597"/>
+          <ac:spMkLst>
+            <pc:docMk/>
+            <pc:sldMk cId="2765901336" sldId="337"/>
+            <ac:spMk id="3" creationId="{ABA66728-C048-4940-8661-58A9B95C2925}"/>
+          </ac:spMkLst>
+        </pc:spChg>
         <pc:spChg chg="mod">
           <ac:chgData name="Long B Nguyen" userId="f59fb8f3-a021-417a-8bc1-65c8d471c621" providerId="ADAL" clId="{0D22434F-C429-584D-952F-0619514BBCC8}" dt="2021-12-06T13:53:24.599" v="38" actId="207"/>
           <ac:spMkLst>
@@ -1931,19 +2109,35 @@
           </ac:spMkLst>
         </pc:spChg>
       </pc:sldChg>
-      <pc:sldChg chg="modAnim">
-        <pc:chgData name="Long B Nguyen" userId="f59fb8f3-a021-417a-8bc1-65c8d471c621" providerId="ADAL" clId="{0D22434F-C429-584D-952F-0619514BBCC8}" dt="2021-12-07T13:56:25.748" v="358"/>
+      <pc:sldChg chg="addSp modSp modAnim">
+        <pc:chgData name="Long B Nguyen" userId="f59fb8f3-a021-417a-8bc1-65c8d471c621" providerId="ADAL" clId="{0D22434F-C429-584D-952F-0619514BBCC8}" dt="2021-12-07T18:26:55.494" v="597"/>
         <pc:sldMkLst>
           <pc:docMk/>
           <pc:sldMk cId="2368568690" sldId="338"/>
         </pc:sldMkLst>
+        <pc:spChg chg="add mod">
+          <ac:chgData name="Long B Nguyen" userId="f59fb8f3-a021-417a-8bc1-65c8d471c621" providerId="ADAL" clId="{0D22434F-C429-584D-952F-0619514BBCC8}" dt="2021-12-07T18:26:55.494" v="597"/>
+          <ac:spMkLst>
+            <pc:docMk/>
+            <pc:sldMk cId="2368568690" sldId="338"/>
+            <ac:spMk id="3" creationId="{F77E0765-ED55-8648-B2AD-66090AD95F2D}"/>
+          </ac:spMkLst>
+        </pc:spChg>
       </pc:sldChg>
-      <pc:sldChg chg="modSp modAnim">
-        <pc:chgData name="Long B Nguyen" userId="f59fb8f3-a021-417a-8bc1-65c8d471c621" providerId="ADAL" clId="{0D22434F-C429-584D-952F-0619514BBCC8}" dt="2021-12-07T13:58:54.357" v="403" actId="20577"/>
+      <pc:sldChg chg="addSp modSp modAnim">
+        <pc:chgData name="Long B Nguyen" userId="f59fb8f3-a021-417a-8bc1-65c8d471c621" providerId="ADAL" clId="{0D22434F-C429-584D-952F-0619514BBCC8}" dt="2021-12-07T18:26:55.494" v="597"/>
         <pc:sldMkLst>
           <pc:docMk/>
           <pc:sldMk cId="3131687406" sldId="339"/>
         </pc:sldMkLst>
+        <pc:spChg chg="add mod">
+          <ac:chgData name="Long B Nguyen" userId="f59fb8f3-a021-417a-8bc1-65c8d471c621" providerId="ADAL" clId="{0D22434F-C429-584D-952F-0619514BBCC8}" dt="2021-12-07T18:26:55.494" v="597"/>
+          <ac:spMkLst>
+            <pc:docMk/>
+            <pc:sldMk cId="3131687406" sldId="339"/>
+            <ac:spMk id="3" creationId="{FD6C6B7F-528D-5343-8443-3AE9A6F500FA}"/>
+          </ac:spMkLst>
+        </pc:spChg>
         <pc:spChg chg="mod">
           <ac:chgData name="Long B Nguyen" userId="f59fb8f3-a021-417a-8bc1-65c8d471c621" providerId="ADAL" clId="{0D22434F-C429-584D-952F-0619514BBCC8}" dt="2021-12-07T13:58:54.357" v="403" actId="20577"/>
           <ac:spMkLst>
@@ -1953,19 +2147,35 @@
           </ac:spMkLst>
         </pc:spChg>
       </pc:sldChg>
-      <pc:sldChg chg="modAnim">
-        <pc:chgData name="Long B Nguyen" userId="f59fb8f3-a021-417a-8bc1-65c8d471c621" providerId="ADAL" clId="{0D22434F-C429-584D-952F-0619514BBCC8}" dt="2021-12-07T14:02:27.557" v="596"/>
+      <pc:sldChg chg="addSp modSp modAnim">
+        <pc:chgData name="Long B Nguyen" userId="f59fb8f3-a021-417a-8bc1-65c8d471c621" providerId="ADAL" clId="{0D22434F-C429-584D-952F-0619514BBCC8}" dt="2021-12-07T18:26:55.494" v="597"/>
         <pc:sldMkLst>
           <pc:docMk/>
           <pc:sldMk cId="994161803" sldId="340"/>
         </pc:sldMkLst>
+        <pc:spChg chg="add mod">
+          <ac:chgData name="Long B Nguyen" userId="f59fb8f3-a021-417a-8bc1-65c8d471c621" providerId="ADAL" clId="{0D22434F-C429-584D-952F-0619514BBCC8}" dt="2021-12-07T18:26:55.494" v="597"/>
+          <ac:spMkLst>
+            <pc:docMk/>
+            <pc:sldMk cId="994161803" sldId="340"/>
+            <ac:spMk id="4" creationId="{41FD6EA9-EDF7-9A40-A2BE-D37D0D3218B0}"/>
+          </ac:spMkLst>
+        </pc:spChg>
       </pc:sldChg>
-      <pc:sldChg chg="modAnim">
-        <pc:chgData name="Long B Nguyen" userId="f59fb8f3-a021-417a-8bc1-65c8d471c621" providerId="ADAL" clId="{0D22434F-C429-584D-952F-0619514BBCC8}" dt="2021-12-07T12:54:06.216" v="226"/>
+      <pc:sldChg chg="addSp modSp modAnim">
+        <pc:chgData name="Long B Nguyen" userId="f59fb8f3-a021-417a-8bc1-65c8d471c621" providerId="ADAL" clId="{0D22434F-C429-584D-952F-0619514BBCC8}" dt="2021-12-07T18:26:55.494" v="597"/>
         <pc:sldMkLst>
           <pc:docMk/>
           <pc:sldMk cId="2834108163" sldId="341"/>
         </pc:sldMkLst>
+        <pc:spChg chg="add mod">
+          <ac:chgData name="Long B Nguyen" userId="f59fb8f3-a021-417a-8bc1-65c8d471c621" providerId="ADAL" clId="{0D22434F-C429-584D-952F-0619514BBCC8}" dt="2021-12-07T18:26:55.494" v="597"/>
+          <ac:spMkLst>
+            <pc:docMk/>
+            <pc:sldMk cId="2834108163" sldId="341"/>
+            <ac:spMk id="3" creationId="{9966634B-1687-094D-AFC1-8DCEFF4029F6}"/>
+          </ac:spMkLst>
+        </pc:spChg>
       </pc:sldChg>
       <pc:sldChg chg="del">
         <pc:chgData name="Long B Nguyen" userId="f59fb8f3-a021-417a-8bc1-65c8d471c621" providerId="ADAL" clId="{0D22434F-C429-584D-952F-0619514BBCC8}" dt="2021-12-07T13:56:49.426" v="359" actId="2696"/>
@@ -1975,11 +2185,19 @@
         </pc:sldMkLst>
       </pc:sldChg>
       <pc:sldChg chg="addSp modSp mod modAnim">
-        <pc:chgData name="Long B Nguyen" userId="f59fb8f3-a021-417a-8bc1-65c8d471c621" providerId="ADAL" clId="{0D22434F-C429-584D-952F-0619514BBCC8}" dt="2021-12-07T13:53:43.279" v="315"/>
+        <pc:chgData name="Long B Nguyen" userId="f59fb8f3-a021-417a-8bc1-65c8d471c621" providerId="ADAL" clId="{0D22434F-C429-584D-952F-0619514BBCC8}" dt="2021-12-07T18:26:55.494" v="597"/>
         <pc:sldMkLst>
           <pc:docMk/>
           <pc:sldMk cId="3596157879" sldId="344"/>
         </pc:sldMkLst>
+        <pc:spChg chg="add mod">
+          <ac:chgData name="Long B Nguyen" userId="f59fb8f3-a021-417a-8bc1-65c8d471c621" providerId="ADAL" clId="{0D22434F-C429-584D-952F-0619514BBCC8}" dt="2021-12-07T18:26:55.494" v="597"/>
+          <ac:spMkLst>
+            <pc:docMk/>
+            <pc:sldMk cId="3596157879" sldId="344"/>
+            <ac:spMk id="3" creationId="{711FF06D-3908-EC48-8988-5C3FBD40B9CA}"/>
+          </ac:spMkLst>
+        </pc:spChg>
         <pc:spChg chg="add mod">
           <ac:chgData name="Long B Nguyen" userId="f59fb8f3-a021-417a-8bc1-65c8d471c621" providerId="ADAL" clId="{0D22434F-C429-584D-952F-0619514BBCC8}" dt="2021-12-07T13:53:19.164" v="311" actId="1076"/>
           <ac:spMkLst>
@@ -2027,19 +2245,50 @@
           <pc:sldMk cId="4020528382" sldId="346"/>
         </pc:sldMkLst>
       </pc:sldChg>
-      <pc:sldChg chg="modAnim">
-        <pc:chgData name="Long B Nguyen" userId="f59fb8f3-a021-417a-8bc1-65c8d471c621" providerId="ADAL" clId="{0D22434F-C429-584D-952F-0619514BBCC8}" dt="2021-12-07T13:57:32.768" v="365"/>
+      <pc:sldChg chg="addSp modSp modAnim">
+        <pc:chgData name="Long B Nguyen" userId="f59fb8f3-a021-417a-8bc1-65c8d471c621" providerId="ADAL" clId="{0D22434F-C429-584D-952F-0619514BBCC8}" dt="2021-12-07T18:26:55.494" v="597"/>
         <pc:sldMkLst>
           <pc:docMk/>
           <pc:sldMk cId="1535116463" sldId="347"/>
         </pc:sldMkLst>
+        <pc:spChg chg="add mod">
+          <ac:chgData name="Long B Nguyen" userId="f59fb8f3-a021-417a-8bc1-65c8d471c621" providerId="ADAL" clId="{0D22434F-C429-584D-952F-0619514BBCC8}" dt="2021-12-07T18:26:55.494" v="597"/>
+          <ac:spMkLst>
+            <pc:docMk/>
+            <pc:sldMk cId="1535116463" sldId="347"/>
+            <ac:spMk id="3" creationId="{CECE60D8-BBBB-7847-8E31-0AB6B62FA505}"/>
+          </ac:spMkLst>
+        </pc:spChg>
       </pc:sldChg>
-      <pc:sldChg chg="modSp modAnim">
-        <pc:chgData name="Long B Nguyen" userId="f59fb8f3-a021-417a-8bc1-65c8d471c621" providerId="ADAL" clId="{0D22434F-C429-584D-952F-0619514BBCC8}" dt="2021-12-06T13:52:26.298" v="36"/>
+      <pc:sldChg chg="addSp modSp">
+        <pc:chgData name="Long B Nguyen" userId="f59fb8f3-a021-417a-8bc1-65c8d471c621" providerId="ADAL" clId="{0D22434F-C429-584D-952F-0619514BBCC8}" dt="2021-12-07T18:26:55.494" v="597"/>
+        <pc:sldMkLst>
+          <pc:docMk/>
+          <pc:sldMk cId="1363458133" sldId="349"/>
+        </pc:sldMkLst>
+        <pc:spChg chg="add mod">
+          <ac:chgData name="Long B Nguyen" userId="f59fb8f3-a021-417a-8bc1-65c8d471c621" providerId="ADAL" clId="{0D22434F-C429-584D-952F-0619514BBCC8}" dt="2021-12-07T18:26:55.494" v="597"/>
+          <ac:spMkLst>
+            <pc:docMk/>
+            <pc:sldMk cId="1363458133" sldId="349"/>
+            <ac:spMk id="3" creationId="{01C23572-7990-A94A-B091-5A72746836B0}"/>
+          </ac:spMkLst>
+        </pc:spChg>
+      </pc:sldChg>
+      <pc:sldChg chg="addSp modSp modAnim">
+        <pc:chgData name="Long B Nguyen" userId="f59fb8f3-a021-417a-8bc1-65c8d471c621" providerId="ADAL" clId="{0D22434F-C429-584D-952F-0619514BBCC8}" dt="2021-12-07T18:26:55.494" v="597"/>
         <pc:sldMkLst>
           <pc:docMk/>
           <pc:sldMk cId="1998372078" sldId="352"/>
         </pc:sldMkLst>
+        <pc:spChg chg="add mod">
+          <ac:chgData name="Long B Nguyen" userId="f59fb8f3-a021-417a-8bc1-65c8d471c621" providerId="ADAL" clId="{0D22434F-C429-584D-952F-0619514BBCC8}" dt="2021-12-07T18:26:55.494" v="597"/>
+          <ac:spMkLst>
+            <pc:docMk/>
+            <pc:sldMk cId="1998372078" sldId="352"/>
+            <ac:spMk id="3" creationId="{0C687DD2-3F00-A04D-9552-D665B249284A}"/>
+          </ac:spMkLst>
+        </pc:spChg>
         <pc:spChg chg="mod">
           <ac:chgData name="Long B Nguyen" userId="f59fb8f3-a021-417a-8bc1-65c8d471c621" providerId="ADAL" clId="{0D22434F-C429-584D-952F-0619514BBCC8}" dt="2021-12-06T13:51:54.596" v="31" actId="20577"/>
           <ac:spMkLst>
@@ -2049,15 +2298,31 @@
           </ac:spMkLst>
         </pc:spChg>
       </pc:sldChg>
-      <pc:sldChg chg="modAnim">
-        <pc:chgData name="Long B Nguyen" userId="f59fb8f3-a021-417a-8bc1-65c8d471c621" providerId="ADAL" clId="{0D22434F-C429-584D-952F-0619514BBCC8}" dt="2021-12-07T13:59:50.129" v="408"/>
+      <pc:sldChg chg="addSp modSp modAnim">
+        <pc:chgData name="Long B Nguyen" userId="f59fb8f3-a021-417a-8bc1-65c8d471c621" providerId="ADAL" clId="{0D22434F-C429-584D-952F-0619514BBCC8}" dt="2021-12-08T13:10:57.851" v="607" actId="20577"/>
         <pc:sldMkLst>
           <pc:docMk/>
           <pc:sldMk cId="2962743079" sldId="353"/>
         </pc:sldMkLst>
+        <pc:spChg chg="add mod">
+          <ac:chgData name="Long B Nguyen" userId="f59fb8f3-a021-417a-8bc1-65c8d471c621" providerId="ADAL" clId="{0D22434F-C429-584D-952F-0619514BBCC8}" dt="2021-12-07T18:26:55.494" v="597"/>
+          <ac:spMkLst>
+            <pc:docMk/>
+            <pc:sldMk cId="2962743079" sldId="353"/>
+            <ac:spMk id="3" creationId="{36E586AC-9566-C847-8111-F14957F56024}"/>
+          </ac:spMkLst>
+        </pc:spChg>
+        <pc:spChg chg="mod">
+          <ac:chgData name="Long B Nguyen" userId="f59fb8f3-a021-417a-8bc1-65c8d471c621" providerId="ADAL" clId="{0D22434F-C429-584D-952F-0619514BBCC8}" dt="2021-12-08T13:10:57.851" v="607" actId="20577"/>
+          <ac:spMkLst>
+            <pc:docMk/>
+            <pc:sldMk cId="2962743079" sldId="353"/>
+            <ac:spMk id="9" creationId="{E3B2E017-30B2-884B-A113-B419A2ED51AD}"/>
+          </ac:spMkLst>
+        </pc:spChg>
       </pc:sldChg>
-      <pc:sldChg chg="modSp add mod modAnim">
-        <pc:chgData name="Long B Nguyen" userId="f59fb8f3-a021-417a-8bc1-65c8d471c621" providerId="ADAL" clId="{0D22434F-C429-584D-952F-0619514BBCC8}" dt="2021-12-07T12:56:27.178" v="235"/>
+      <pc:sldChg chg="addSp modSp add mod modAnim">
+        <pc:chgData name="Long B Nguyen" userId="f59fb8f3-a021-417a-8bc1-65c8d471c621" providerId="ADAL" clId="{0D22434F-C429-584D-952F-0619514BBCC8}" dt="2021-12-07T18:26:55.494" v="597"/>
         <pc:sldMkLst>
           <pc:docMk/>
           <pc:sldMk cId="4169441446" sldId="354"/>
@@ -2070,6 +2335,14 @@
             <ac:spMk id="2" creationId="{AA3A228F-61D0-D949-A5E7-F83756230BF8}"/>
           </ac:spMkLst>
         </pc:spChg>
+        <pc:spChg chg="add mod">
+          <ac:chgData name="Long B Nguyen" userId="f59fb8f3-a021-417a-8bc1-65c8d471c621" providerId="ADAL" clId="{0D22434F-C429-584D-952F-0619514BBCC8}" dt="2021-12-07T18:26:55.494" v="597"/>
+          <ac:spMkLst>
+            <pc:docMk/>
+            <pc:sldMk cId="4169441446" sldId="354"/>
+            <ac:spMk id="3" creationId="{EBAB9D81-D1BC-9E4A-BC2A-085D9952D7C1}"/>
+          </ac:spMkLst>
+        </pc:spChg>
         <pc:spChg chg="mod">
           <ac:chgData name="Long B Nguyen" userId="f59fb8f3-a021-417a-8bc1-65c8d471c621" providerId="ADAL" clId="{0D22434F-C429-584D-952F-0619514BBCC8}" dt="2021-12-06T13:56:07.538" v="198" actId="20577"/>
           <ac:spMkLst>
@@ -2080,11 +2353,19 @@
         </pc:spChg>
       </pc:sldChg>
       <pc:sldChg chg="addSp delSp modSp add mod modAnim">
-        <pc:chgData name="Long B Nguyen" userId="f59fb8f3-a021-417a-8bc1-65c8d471c621" providerId="ADAL" clId="{0D22434F-C429-584D-952F-0619514BBCC8}" dt="2021-12-07T13:55:16.117" v="353"/>
+        <pc:chgData name="Long B Nguyen" userId="f59fb8f3-a021-417a-8bc1-65c8d471c621" providerId="ADAL" clId="{0D22434F-C429-584D-952F-0619514BBCC8}" dt="2021-12-07T18:26:55.494" v="597"/>
         <pc:sldMkLst>
           <pc:docMk/>
           <pc:sldMk cId="3397544165" sldId="355"/>
         </pc:sldMkLst>
+        <pc:spChg chg="add mod">
+          <ac:chgData name="Long B Nguyen" userId="f59fb8f3-a021-417a-8bc1-65c8d471c621" providerId="ADAL" clId="{0D22434F-C429-584D-952F-0619514BBCC8}" dt="2021-12-07T18:26:55.494" v="597"/>
+          <ac:spMkLst>
+            <pc:docMk/>
+            <pc:sldMk cId="3397544165" sldId="355"/>
+            <ac:spMk id="3" creationId="{6071BE71-8930-A546-92B5-B83D2FE0F924}"/>
+          </ac:spMkLst>
+        </pc:spChg>
         <pc:spChg chg="del">
           <ac:chgData name="Long B Nguyen" userId="f59fb8f3-a021-417a-8bc1-65c8d471c621" providerId="ADAL" clId="{0D22434F-C429-584D-952F-0619514BBCC8}" dt="2021-12-07T13:54:11.517" v="317" actId="478"/>
           <ac:spMkLst>
@@ -2130,6 +2411,355 @@
 </pc:chgInfo>
 </file>
 
+<file path=ppt/notesMasters/notesMaster1.xml><?xml version="1.0" encoding="utf-8"?>
+<p:notesMaster xmlns:a="http://schemas.openxmlformats.org/drawingml/2006/main" xmlns:r="http://schemas.openxmlformats.org/officeDocument/2006/relationships" xmlns:p="http://schemas.openxmlformats.org/presentationml/2006/main">
+  <p:cSld>
+    <p:bg>
+      <p:bgRef idx="1001">
+        <a:schemeClr val="bg1"/>
+      </p:bgRef>
+    </p:bg>
+    <p:spTree>
+      <p:nvGrpSpPr>
+        <p:cNvPr id="1" name=""/>
+        <p:cNvGrpSpPr/>
+        <p:nvPr/>
+      </p:nvGrpSpPr>
+      <p:grpSpPr>
+        <a:xfrm>
+          <a:off x="0" y="0"/>
+          <a:ext cx="0" cy="0"/>
+          <a:chOff x="0" y="0"/>
+          <a:chExt cx="0" cy="0"/>
+        </a:xfrm>
+      </p:grpSpPr>
+      <p:sp>
+        <p:nvSpPr>
+          <p:cNvPr id="2" name="Header Placeholder 1"/>
+          <p:cNvSpPr>
+            <a:spLocks noGrp="1"/>
+          </p:cNvSpPr>
+          <p:nvPr>
+            <p:ph type="hdr" sz="quarter"/>
+          </p:nvPr>
+        </p:nvSpPr>
+        <p:spPr>
+          <a:xfrm>
+            <a:off x="0" y="0"/>
+            <a:ext cx="2971800" cy="458788"/>
+          </a:xfrm>
+          <a:prstGeom prst="rect">
+            <a:avLst/>
+          </a:prstGeom>
+        </p:spPr>
+        <p:txBody>
+          <a:bodyPr vert="horz" lIns="91440" tIns="45720" rIns="91440" bIns="45720" rtlCol="0"/>
+          <a:lstStyle>
+            <a:lvl1pPr algn="l">
+              <a:defRPr sz="1200"/>
+            </a:lvl1pPr>
+          </a:lstStyle>
+          <a:p>
+            <a:endParaRPr lang="en-US"/>
+          </a:p>
+        </p:txBody>
+      </p:sp>
+      <p:sp>
+        <p:nvSpPr>
+          <p:cNvPr id="3" name="Date Placeholder 2"/>
+          <p:cNvSpPr>
+            <a:spLocks noGrp="1"/>
+          </p:cNvSpPr>
+          <p:nvPr>
+            <p:ph type="dt" idx="1"/>
+          </p:nvPr>
+        </p:nvSpPr>
+        <p:spPr>
+          <a:xfrm>
+            <a:off x="3884613" y="0"/>
+            <a:ext cx="2971800" cy="458788"/>
+          </a:xfrm>
+          <a:prstGeom prst="rect">
+            <a:avLst/>
+          </a:prstGeom>
+        </p:spPr>
+        <p:txBody>
+          <a:bodyPr vert="horz" lIns="91440" tIns="45720" rIns="91440" bIns="45720" rtlCol="0"/>
+          <a:lstStyle>
+            <a:lvl1pPr algn="r">
+              <a:defRPr sz="1200"/>
+            </a:lvl1pPr>
+          </a:lstStyle>
+          <a:p>
+            <a:fld id="{C123DB63-CF9A-FB4F-8D27-FB3704B3B341}" type="datetimeFigureOut">
+              <a:rPr lang="en-US" smtClean="0"/>
+              <a:t>12/7/21</a:t>
+            </a:fld>
+            <a:endParaRPr lang="en-US"/>
+          </a:p>
+        </p:txBody>
+      </p:sp>
+      <p:sp>
+        <p:nvSpPr>
+          <p:cNvPr id="4" name="Slide Image Placeholder 3"/>
+          <p:cNvSpPr>
+            <a:spLocks noGrp="1" noRot="1" noChangeAspect="1"/>
+          </p:cNvSpPr>
+          <p:nvPr>
+            <p:ph type="sldImg" idx="2"/>
+          </p:nvPr>
+        </p:nvSpPr>
+        <p:spPr>
+          <a:xfrm>
+            <a:off x="960438" y="1143000"/>
+            <a:ext cx="4937125" cy="3086100"/>
+          </a:xfrm>
+          <a:prstGeom prst="rect">
+            <a:avLst/>
+          </a:prstGeom>
+          <a:noFill/>
+          <a:ln w="12700">
+            <a:solidFill>
+              <a:prstClr val="black"/>
+            </a:solidFill>
+          </a:ln>
+        </p:spPr>
+        <p:txBody>
+          <a:bodyPr vert="horz" lIns="91440" tIns="45720" rIns="91440" bIns="45720" rtlCol="0" anchor="ctr"/>
+          <a:lstStyle/>
+          <a:p>
+            <a:endParaRPr lang="en-US"/>
+          </a:p>
+        </p:txBody>
+      </p:sp>
+      <p:sp>
+        <p:nvSpPr>
+          <p:cNvPr id="5" name="Notes Placeholder 4"/>
+          <p:cNvSpPr>
+            <a:spLocks noGrp="1"/>
+          </p:cNvSpPr>
+          <p:nvPr>
+            <p:ph type="body" sz="quarter" idx="3"/>
+          </p:nvPr>
+        </p:nvSpPr>
+        <p:spPr>
+          <a:xfrm>
+            <a:off x="685800" y="4400550"/>
+            <a:ext cx="5486400" cy="3600450"/>
+          </a:xfrm>
+          <a:prstGeom prst="rect">
+            <a:avLst/>
+          </a:prstGeom>
+        </p:spPr>
+        <p:txBody>
+          <a:bodyPr vert="horz" lIns="91440" tIns="45720" rIns="91440" bIns="45720" rtlCol="0"/>
+          <a:lstStyle/>
+          <a:p>
+            <a:pPr lvl="0"/>
+            <a:r>
+              <a:rPr lang="en-US"/>
+              <a:t>Click to edit Master text styles</a:t>
+            </a:r>
+          </a:p>
+          <a:p>
+            <a:pPr lvl="1"/>
+            <a:r>
+              <a:rPr lang="en-US"/>
+              <a:t>Second level</a:t>
+            </a:r>
+          </a:p>
+          <a:p>
+            <a:pPr lvl="2"/>
+            <a:r>
+              <a:rPr lang="en-US"/>
+              <a:t>Third level</a:t>
+            </a:r>
+          </a:p>
+          <a:p>
+            <a:pPr lvl="3"/>
+            <a:r>
+              <a:rPr lang="en-US"/>
+              <a:t>Fourth level</a:t>
+            </a:r>
+          </a:p>
+          <a:p>
+            <a:pPr lvl="4"/>
+            <a:r>
+              <a:rPr lang="en-US"/>
+              <a:t>Fifth level</a:t>
+            </a:r>
+          </a:p>
+        </p:txBody>
+      </p:sp>
+      <p:sp>
+        <p:nvSpPr>
+          <p:cNvPr id="6" name="Footer Placeholder 5"/>
+          <p:cNvSpPr>
+            <a:spLocks noGrp="1"/>
+          </p:cNvSpPr>
+          <p:nvPr>
+            <p:ph type="ftr" sz="quarter" idx="4"/>
+          </p:nvPr>
+        </p:nvSpPr>
+        <p:spPr>
+          <a:xfrm>
+            <a:off x="0" y="8685213"/>
+            <a:ext cx="2971800" cy="458787"/>
+          </a:xfrm>
+          <a:prstGeom prst="rect">
+            <a:avLst/>
+          </a:prstGeom>
+        </p:spPr>
+        <p:txBody>
+          <a:bodyPr vert="horz" lIns="91440" tIns="45720" rIns="91440" bIns="45720" rtlCol="0" anchor="b"/>
+          <a:lstStyle>
+            <a:lvl1pPr algn="l">
+              <a:defRPr sz="1200"/>
+            </a:lvl1pPr>
+          </a:lstStyle>
+          <a:p>
+            <a:endParaRPr lang="en-US"/>
+          </a:p>
+        </p:txBody>
+      </p:sp>
+      <p:sp>
+        <p:nvSpPr>
+          <p:cNvPr id="7" name="Slide Number Placeholder 6"/>
+          <p:cNvSpPr>
+            <a:spLocks noGrp="1"/>
+          </p:cNvSpPr>
+          <p:nvPr>
+            <p:ph type="sldNum" sz="quarter" idx="5"/>
+          </p:nvPr>
+        </p:nvSpPr>
+        <p:spPr>
+          <a:xfrm>
+            <a:off x="3884613" y="8685213"/>
+            <a:ext cx="2971800" cy="458787"/>
+          </a:xfrm>
+          <a:prstGeom prst="rect">
+            <a:avLst/>
+          </a:prstGeom>
+        </p:spPr>
+        <p:txBody>
+          <a:bodyPr vert="horz" lIns="91440" tIns="45720" rIns="91440" bIns="45720" rtlCol="0" anchor="b"/>
+          <a:lstStyle>
+            <a:lvl1pPr algn="r">
+              <a:defRPr sz="1200"/>
+            </a:lvl1pPr>
+          </a:lstStyle>
+          <a:p>
+            <a:fld id="{95E5DD92-924F-7A45-A35F-F305B213FE51}" type="slidenum">
+              <a:rPr lang="en-US" smtClean="0"/>
+              <a:t>‹#›</a:t>
+            </a:fld>
+            <a:endParaRPr lang="en-US"/>
+          </a:p>
+        </p:txBody>
+      </p:sp>
+    </p:spTree>
+    <p:extLst>
+      <p:ext uri="{BB962C8B-B14F-4D97-AF65-F5344CB8AC3E}">
+        <p14:creationId xmlns:p14="http://schemas.microsoft.com/office/powerpoint/2010/main" val="2426817943"/>
+      </p:ext>
+    </p:extLst>
+  </p:cSld>
+  <p:clrMap bg1="lt1" tx1="dk1" bg2="lt2" tx2="dk2" accent1="accent1" accent2="accent2" accent3="accent3" accent4="accent4" accent5="accent5" accent6="accent6" hlink="hlink" folHlink="folHlink"/>
+  <p:notesStyle>
+    <a:lvl1pPr marL="0" algn="l" defTabSz="914400" rtl="0" eaLnBrk="1" latinLnBrk="0" hangingPunct="1">
+      <a:defRPr sz="1200" kern="1200">
+        <a:solidFill>
+          <a:schemeClr val="tx1"/>
+        </a:solidFill>
+        <a:latin typeface="+mn-lt"/>
+        <a:ea typeface="+mn-ea"/>
+        <a:cs typeface="+mn-cs"/>
+      </a:defRPr>
+    </a:lvl1pPr>
+    <a:lvl2pPr marL="457200" algn="l" defTabSz="914400" rtl="0" eaLnBrk="1" latinLnBrk="0" hangingPunct="1">
+      <a:defRPr sz="1200" kern="1200">
+        <a:solidFill>
+          <a:schemeClr val="tx1"/>
+        </a:solidFill>
+        <a:latin typeface="+mn-lt"/>
+        <a:ea typeface="+mn-ea"/>
+        <a:cs typeface="+mn-cs"/>
+      </a:defRPr>
+    </a:lvl2pPr>
+    <a:lvl3pPr marL="914400" algn="l" defTabSz="914400" rtl="0" eaLnBrk="1" latinLnBrk="0" hangingPunct="1">
+      <a:defRPr sz="1200" kern="1200">
+        <a:solidFill>
+          <a:schemeClr val="tx1"/>
+        </a:solidFill>
+        <a:latin typeface="+mn-lt"/>
+        <a:ea typeface="+mn-ea"/>
+        <a:cs typeface="+mn-cs"/>
+      </a:defRPr>
+    </a:lvl3pPr>
+    <a:lvl4pPr marL="1371600" algn="l" defTabSz="914400" rtl="0" eaLnBrk="1" latinLnBrk="0" hangingPunct="1">
+      <a:defRPr sz="1200" kern="1200">
+        <a:solidFill>
+          <a:schemeClr val="tx1"/>
+        </a:solidFill>
+        <a:latin typeface="+mn-lt"/>
+        <a:ea typeface="+mn-ea"/>
+        <a:cs typeface="+mn-cs"/>
+      </a:defRPr>
+    </a:lvl4pPr>
+    <a:lvl5pPr marL="1828800" algn="l" defTabSz="914400" rtl="0" eaLnBrk="1" latinLnBrk="0" hangingPunct="1">
+      <a:defRPr sz="1200" kern="1200">
+        <a:solidFill>
+          <a:schemeClr val="tx1"/>
+        </a:solidFill>
+        <a:latin typeface="+mn-lt"/>
+        <a:ea typeface="+mn-ea"/>
+        <a:cs typeface="+mn-cs"/>
+      </a:defRPr>
+    </a:lvl5pPr>
+    <a:lvl6pPr marL="2286000" algn="l" defTabSz="914400" rtl="0" eaLnBrk="1" latinLnBrk="0" hangingPunct="1">
+      <a:defRPr sz="1200" kern="1200">
+        <a:solidFill>
+          <a:schemeClr val="tx1"/>
+        </a:solidFill>
+        <a:latin typeface="+mn-lt"/>
+        <a:ea typeface="+mn-ea"/>
+        <a:cs typeface="+mn-cs"/>
+      </a:defRPr>
+    </a:lvl6pPr>
+    <a:lvl7pPr marL="2743200" algn="l" defTabSz="914400" rtl="0" eaLnBrk="1" latinLnBrk="0" hangingPunct="1">
+      <a:defRPr sz="1200" kern="1200">
+        <a:solidFill>
+          <a:schemeClr val="tx1"/>
+        </a:solidFill>
+        <a:latin typeface="+mn-lt"/>
+        <a:ea typeface="+mn-ea"/>
+        <a:cs typeface="+mn-cs"/>
+      </a:defRPr>
+    </a:lvl7pPr>
+    <a:lvl8pPr marL="3200400" algn="l" defTabSz="914400" rtl="0" eaLnBrk="1" latinLnBrk="0" hangingPunct="1">
+      <a:defRPr sz="1200" kern="1200">
+        <a:solidFill>
+          <a:schemeClr val="tx1"/>
+        </a:solidFill>
+        <a:latin typeface="+mn-lt"/>
+        <a:ea typeface="+mn-ea"/>
+        <a:cs typeface="+mn-cs"/>
+      </a:defRPr>
+    </a:lvl8pPr>
+    <a:lvl9pPr marL="3657600" algn="l" defTabSz="914400" rtl="0" eaLnBrk="1" latinLnBrk="0" hangingPunct="1">
+      <a:defRPr sz="1200" kern="1200">
+        <a:solidFill>
+          <a:schemeClr val="tx1"/>
+        </a:solidFill>
+        <a:latin typeface="+mn-lt"/>
+        <a:ea typeface="+mn-ea"/>
+        <a:cs typeface="+mn-cs"/>
+      </a:defRPr>
+    </a:lvl9pPr>
+  </p:notesStyle>
+</p:notesMaster>
+</file>
+
 <file path=ppt/slideLayouts/slideLayout1.xml><?xml version="1.0" encoding="utf-8"?>
 <p:sldLayout xmlns:a="http://schemas.openxmlformats.org/drawingml/2006/main" xmlns:r="http://schemas.openxmlformats.org/officeDocument/2006/relationships" xmlns:p="http://schemas.openxmlformats.org/presentationml/2006/main" type="title" preserve="1">
   <p:cSld name="Title Slide">
@@ -2259,7 +2889,7 @@
           <a:bodyPr/>
           <a:lstStyle/>
           <a:p>
-            <a:fld id="{4AAD347D-5ACD-4C99-B74B-A9C85AD731AF}" type="datetimeFigureOut">
+            <a:fld id="{35529852-CCED-064F-BD8F-16206E5F8DD1}" type="datetime1">
               <a:rPr lang="en-US" smtClean="0"/>
               <a:t>12/7/21</a:t>
             </a:fld>
@@ -2429,7 +3059,7 @@
           <a:bodyPr/>
           <a:lstStyle/>
           <a:p>
-            <a:fld id="{4509A250-FF31-4206-8172-F9D3106AACB1}" type="datetimeFigureOut">
+            <a:fld id="{DBA146C5-84D9-DC45-80B5-B2899381CC7A}" type="datetime1">
               <a:rPr lang="en-US" smtClean="0"/>
               <a:t>12/7/21</a:t>
             </a:fld>
@@ -2609,7 +3239,7 @@
           <a:bodyPr/>
           <a:lstStyle/>
           <a:p>
-            <a:fld id="{4509A250-FF31-4206-8172-F9D3106AACB1}" type="datetimeFigureOut">
+            <a:fld id="{564A1C3E-8155-9B47-8741-CD6042FFBC8E}" type="datetime1">
               <a:rPr lang="en-US" smtClean="0"/>
               <a:t>12/7/21</a:t>
             </a:fld>
@@ -2779,7 +3409,7 @@
           <a:bodyPr/>
           <a:lstStyle/>
           <a:p>
-            <a:fld id="{4509A250-FF31-4206-8172-F9D3106AACB1}" type="datetimeFigureOut">
+            <a:fld id="{95E35E4F-A4F0-BD44-92E1-2E19A068D55B}" type="datetime1">
               <a:rPr lang="en-US" smtClean="0"/>
               <a:t>12/7/21</a:t>
             </a:fld>
@@ -3025,7 +3655,7 @@
           <a:bodyPr/>
           <a:lstStyle/>
           <a:p>
-            <a:fld id="{9796027F-7875-4030-9381-8BD8C4F21935}" type="datetimeFigureOut">
+            <a:fld id="{0A9C4C2C-EDD5-4B48-AFE5-CB49AAE7D931}" type="datetime1">
               <a:rPr lang="en-US" smtClean="0"/>
               <a:t>12/7/21</a:t>
             </a:fld>
@@ -3257,7 +3887,7 @@
           <a:bodyPr/>
           <a:lstStyle/>
           <a:p>
-            <a:fld id="{9796027F-7875-4030-9381-8BD8C4F21935}" type="datetimeFigureOut">
+            <a:fld id="{3BF4E05E-12B5-5040-99A5-EE7A3963D709}" type="datetime1">
               <a:rPr lang="en-US" smtClean="0"/>
               <a:t>12/7/21</a:t>
             </a:fld>
@@ -3624,7 +4254,7 @@
           <a:bodyPr/>
           <a:lstStyle/>
           <a:p>
-            <a:fld id="{9796027F-7875-4030-9381-8BD8C4F21935}" type="datetimeFigureOut">
+            <a:fld id="{14280797-86E7-CF40-BD92-1BA64DD52969}" type="datetime1">
               <a:rPr lang="en-US" smtClean="0"/>
               <a:t>12/7/21</a:t>
             </a:fld>
@@ -3742,7 +4372,7 @@
           <a:bodyPr/>
           <a:lstStyle/>
           <a:p>
-            <a:fld id="{4509A250-FF31-4206-8172-F9D3106AACB1}" type="datetimeFigureOut">
+            <a:fld id="{447FF268-4CF3-484A-AB91-D6AC57A41C69}" type="datetime1">
               <a:rPr lang="en-US" smtClean="0"/>
               <a:t>12/7/21</a:t>
             </a:fld>
@@ -3837,7 +4467,7 @@
           <a:bodyPr/>
           <a:lstStyle/>
           <a:p>
-            <a:fld id="{4509A250-FF31-4206-8172-F9D3106AACB1}" type="datetimeFigureOut">
+            <a:fld id="{2B1275C8-1ECC-244F-B942-B139B9F464EE}" type="datetime1">
               <a:rPr lang="en-US" smtClean="0"/>
               <a:t>12/7/21</a:t>
             </a:fld>
@@ -4114,7 +4744,7 @@
           <a:bodyPr/>
           <a:lstStyle/>
           <a:p>
-            <a:fld id="{4509A250-FF31-4206-8172-F9D3106AACB1}" type="datetimeFigureOut">
+            <a:fld id="{A744EAF7-01B7-1E4A-B4A0-B141DBFE3EEA}" type="datetime1">
               <a:rPr lang="en-US" smtClean="0"/>
               <a:t>12/7/21</a:t>
             </a:fld>
@@ -4371,7 +5001,7 @@
           <a:bodyPr/>
           <a:lstStyle/>
           <a:p>
-            <a:fld id="{4509A250-FF31-4206-8172-F9D3106AACB1}" type="datetimeFigureOut">
+            <a:fld id="{2F1399C8-E4BA-8F40-A5DB-38DAAB8B5431}" type="datetime1">
               <a:rPr lang="en-US" smtClean="0"/>
               <a:t>12/7/21</a:t>
             </a:fld>
@@ -4584,7 +5214,7 @@
             </a:lvl1pPr>
           </a:lstStyle>
           <a:p>
-            <a:fld id="{4AAD347D-5ACD-4C99-B74B-A9C85AD731AF}" type="datetimeFigureOut">
+            <a:fld id="{D2A7A823-8F3E-E641-BBF0-F84144E7EBF2}" type="datetime1">
               <a:rPr lang="en-US" smtClean="0"/>
               <a:t>12/7/21</a:t>
             </a:fld>
@@ -4691,7 +5321,7 @@
     <p:sldLayoutId id="2147483801" r:id="rId10"/>
     <p:sldLayoutId id="2147483802" r:id="rId11"/>
   </p:sldLayoutIdLst>
-  <p:hf sldNum="0" hdr="0" ftr="0" dt="0"/>
+  <p:hf hdr="0" ftr="0" dt="0"/>
   <p:txStyles>
     <p:titleStyle>
       <a:lvl1pPr algn="l" defTabSz="685800" rtl="0" eaLnBrk="1" latinLnBrk="0" hangingPunct="1">
@@ -5264,6 +5894,35 @@
           </a:p>
         </p:txBody>
       </p:sp>
+      <p:sp>
+        <p:nvSpPr>
+          <p:cNvPr id="5" name="Slide Number Placeholder 4">
+            <a:extLst>
+              <a:ext uri="{FF2B5EF4-FFF2-40B4-BE49-F238E27FC236}">
+                <a16:creationId xmlns:a16="http://schemas.microsoft.com/office/drawing/2014/main" id="{3119B8E8-712E-1147-8B8C-831E3C2A3C66}"/>
+              </a:ext>
+            </a:extLst>
+          </p:cNvPr>
+          <p:cNvSpPr>
+            <a:spLocks noGrp="1"/>
+          </p:cNvSpPr>
+          <p:nvPr>
+            <p:ph type="sldNum" sz="quarter" idx="12"/>
+          </p:nvPr>
+        </p:nvSpPr>
+        <p:spPr/>
+        <p:txBody>
+          <a:bodyPr/>
+          <a:lstStyle/>
+          <a:p>
+            <a:fld id="{D57F1E4F-1CFF-5643-939E-02111984F565}" type="slidenum">
+              <a:rPr lang="en-US" smtClean="0"/>
+              <a:t>1</a:t>
+            </a:fld>
+            <a:endParaRPr lang="en-US" dirty="0"/>
+          </a:p>
+        </p:txBody>
+      </p:sp>
     </p:spTree>
     <p:extLst>
       <p:ext uri="{BB962C8B-B14F-4D97-AF65-F5344CB8AC3E}">
@@ -5702,6 +6361,35 @@
               <a:rPr lang="en-US" sz="2000" dirty="0"/>
               <a:t>But this is a case where a list of tuples is a bit easier to use.</a:t>
             </a:r>
+          </a:p>
+        </p:txBody>
+      </p:sp>
+      <p:sp>
+        <p:nvSpPr>
+          <p:cNvPr id="4" name="Slide Number Placeholder 3">
+            <a:extLst>
+              <a:ext uri="{FF2B5EF4-FFF2-40B4-BE49-F238E27FC236}">
+                <a16:creationId xmlns:a16="http://schemas.microsoft.com/office/drawing/2014/main" id="{D1D3E5B4-0EBA-1B43-A356-E2177BB30FF9}"/>
+              </a:ext>
+            </a:extLst>
+          </p:cNvPr>
+          <p:cNvSpPr>
+            <a:spLocks noGrp="1"/>
+          </p:cNvSpPr>
+          <p:nvPr>
+            <p:ph type="sldNum" sz="quarter" idx="12"/>
+          </p:nvPr>
+        </p:nvSpPr>
+        <p:spPr/>
+        <p:txBody>
+          <a:bodyPr/>
+          <a:lstStyle/>
+          <a:p>
+            <a:fld id="{D57F1E4F-1CFF-5643-939E-02111984F565}" type="slidenum">
+              <a:rPr lang="en-US" smtClean="0"/>
+              <a:t>10</a:t>
+            </a:fld>
+            <a:endParaRPr lang="en-US" dirty="0"/>
           </a:p>
         </p:txBody>
       </p:sp>
@@ -6621,6 +7309,35 @@
           </a:p>
         </p:txBody>
       </p:sp>
+      <p:sp>
+        <p:nvSpPr>
+          <p:cNvPr id="3" name="Slide Number Placeholder 2">
+            <a:extLst>
+              <a:ext uri="{FF2B5EF4-FFF2-40B4-BE49-F238E27FC236}">
+                <a16:creationId xmlns:a16="http://schemas.microsoft.com/office/drawing/2014/main" id="{9966634B-1687-094D-AFC1-8DCEFF4029F6}"/>
+              </a:ext>
+            </a:extLst>
+          </p:cNvPr>
+          <p:cNvSpPr>
+            <a:spLocks noGrp="1"/>
+          </p:cNvSpPr>
+          <p:nvPr>
+            <p:ph type="sldNum" sz="quarter" idx="12"/>
+          </p:nvPr>
+        </p:nvSpPr>
+        <p:spPr/>
+        <p:txBody>
+          <a:bodyPr/>
+          <a:lstStyle/>
+          <a:p>
+            <a:fld id="{D57F1E4F-1CFF-5643-939E-02111984F565}" type="slidenum">
+              <a:rPr lang="en-US" smtClean="0"/>
+              <a:t>11</a:t>
+            </a:fld>
+            <a:endParaRPr lang="en-US" dirty="0"/>
+          </a:p>
+        </p:txBody>
+      </p:sp>
     </p:spTree>
     <p:extLst>
       <p:ext uri="{BB962C8B-B14F-4D97-AF65-F5344CB8AC3E}">
@@ -7297,6 +8014,35 @@
           </a:p>
         </p:txBody>
       </p:sp>
+      <p:sp>
+        <p:nvSpPr>
+          <p:cNvPr id="3" name="Slide Number Placeholder 2">
+            <a:extLst>
+              <a:ext uri="{FF2B5EF4-FFF2-40B4-BE49-F238E27FC236}">
+                <a16:creationId xmlns:a16="http://schemas.microsoft.com/office/drawing/2014/main" id="{ABA66728-C048-4940-8661-58A9B95C2925}"/>
+              </a:ext>
+            </a:extLst>
+          </p:cNvPr>
+          <p:cNvSpPr>
+            <a:spLocks noGrp="1"/>
+          </p:cNvSpPr>
+          <p:nvPr>
+            <p:ph type="sldNum" sz="quarter" idx="12"/>
+          </p:nvPr>
+        </p:nvSpPr>
+        <p:spPr/>
+        <p:txBody>
+          <a:bodyPr/>
+          <a:lstStyle/>
+          <a:p>
+            <a:fld id="{D57F1E4F-1CFF-5643-939E-02111984F565}" type="slidenum">
+              <a:rPr lang="en-US" smtClean="0"/>
+              <a:t>12</a:t>
+            </a:fld>
+            <a:endParaRPr lang="en-US" dirty="0"/>
+          </a:p>
+        </p:txBody>
+      </p:sp>
     </p:spTree>
     <p:extLst>
       <p:ext uri="{BB962C8B-B14F-4D97-AF65-F5344CB8AC3E}">
@@ -7947,6 +8693,35 @@
           </a:p>
         </p:txBody>
       </p:sp>
+      <p:sp>
+        <p:nvSpPr>
+          <p:cNvPr id="3" name="Slide Number Placeholder 2">
+            <a:extLst>
+              <a:ext uri="{FF2B5EF4-FFF2-40B4-BE49-F238E27FC236}">
+                <a16:creationId xmlns:a16="http://schemas.microsoft.com/office/drawing/2014/main" id="{EBAB9D81-D1BC-9E4A-BC2A-085D9952D7C1}"/>
+              </a:ext>
+            </a:extLst>
+          </p:cNvPr>
+          <p:cNvSpPr>
+            <a:spLocks noGrp="1"/>
+          </p:cNvSpPr>
+          <p:nvPr>
+            <p:ph type="sldNum" sz="quarter" idx="12"/>
+          </p:nvPr>
+        </p:nvSpPr>
+        <p:spPr/>
+        <p:txBody>
+          <a:bodyPr/>
+          <a:lstStyle/>
+          <a:p>
+            <a:fld id="{D57F1E4F-1CFF-5643-939E-02111984F565}" type="slidenum">
+              <a:rPr lang="en-US" smtClean="0"/>
+              <a:t>13</a:t>
+            </a:fld>
+            <a:endParaRPr lang="en-US" dirty="0"/>
+          </a:p>
+        </p:txBody>
+      </p:sp>
     </p:spTree>
     <p:extLst>
       <p:ext uri="{BB962C8B-B14F-4D97-AF65-F5344CB8AC3E}">
@@ -8630,6 +9405,35 @@
           </a:fontRef>
         </p:style>
       </p:cxnSp>
+      <p:sp>
+        <p:nvSpPr>
+          <p:cNvPr id="3" name="Slide Number Placeholder 2">
+            <a:extLst>
+              <a:ext uri="{FF2B5EF4-FFF2-40B4-BE49-F238E27FC236}">
+                <a16:creationId xmlns:a16="http://schemas.microsoft.com/office/drawing/2014/main" id="{711FF06D-3908-EC48-8988-5C3FBD40B9CA}"/>
+              </a:ext>
+            </a:extLst>
+          </p:cNvPr>
+          <p:cNvSpPr>
+            <a:spLocks noGrp="1"/>
+          </p:cNvSpPr>
+          <p:nvPr>
+            <p:ph type="sldNum" sz="quarter" idx="12"/>
+          </p:nvPr>
+        </p:nvSpPr>
+        <p:spPr/>
+        <p:txBody>
+          <a:bodyPr/>
+          <a:lstStyle/>
+          <a:p>
+            <a:fld id="{D57F1E4F-1CFF-5643-939E-02111984F565}" type="slidenum">
+              <a:rPr lang="en-US" smtClean="0"/>
+              <a:t>14</a:t>
+            </a:fld>
+            <a:endParaRPr lang="en-US" dirty="0"/>
+          </a:p>
+        </p:txBody>
+      </p:sp>
     </p:spTree>
     <p:extLst>
       <p:ext uri="{BB962C8B-B14F-4D97-AF65-F5344CB8AC3E}">
@@ -9513,6 +10317,35 @@
           </a:p>
           <a:p>
             <a:endParaRPr lang="en-US" sz="2000" dirty="0"/>
+          </a:p>
+        </p:txBody>
+      </p:sp>
+      <p:sp>
+        <p:nvSpPr>
+          <p:cNvPr id="3" name="Slide Number Placeholder 2">
+            <a:extLst>
+              <a:ext uri="{FF2B5EF4-FFF2-40B4-BE49-F238E27FC236}">
+                <a16:creationId xmlns:a16="http://schemas.microsoft.com/office/drawing/2014/main" id="{6071BE71-8930-A546-92B5-B83D2FE0F924}"/>
+              </a:ext>
+            </a:extLst>
+          </p:cNvPr>
+          <p:cNvSpPr>
+            <a:spLocks noGrp="1"/>
+          </p:cNvSpPr>
+          <p:nvPr>
+            <p:ph type="sldNum" sz="quarter" idx="12"/>
+          </p:nvPr>
+        </p:nvSpPr>
+        <p:spPr/>
+        <p:txBody>
+          <a:bodyPr/>
+          <a:lstStyle/>
+          <a:p>
+            <a:fld id="{D57F1E4F-1CFF-5643-939E-02111984F565}" type="slidenum">
+              <a:rPr lang="en-US" smtClean="0"/>
+              <a:t>15</a:t>
+            </a:fld>
+            <a:endParaRPr lang="en-US" dirty="0"/>
           </a:p>
         </p:txBody>
       </p:sp>
@@ -10324,6 +11157,35 @@
           </a:p>
         </p:txBody>
       </p:sp>
+      <p:sp>
+        <p:nvSpPr>
+          <p:cNvPr id="3" name="Slide Number Placeholder 2">
+            <a:extLst>
+              <a:ext uri="{FF2B5EF4-FFF2-40B4-BE49-F238E27FC236}">
+                <a16:creationId xmlns:a16="http://schemas.microsoft.com/office/drawing/2014/main" id="{CECE60D8-BBBB-7847-8E31-0AB6B62FA505}"/>
+              </a:ext>
+            </a:extLst>
+          </p:cNvPr>
+          <p:cNvSpPr>
+            <a:spLocks noGrp="1"/>
+          </p:cNvSpPr>
+          <p:nvPr>
+            <p:ph type="sldNum" sz="quarter" idx="12"/>
+          </p:nvPr>
+        </p:nvSpPr>
+        <p:spPr/>
+        <p:txBody>
+          <a:bodyPr/>
+          <a:lstStyle/>
+          <a:p>
+            <a:fld id="{D57F1E4F-1CFF-5643-939E-02111984F565}" type="slidenum">
+              <a:rPr lang="en-US" smtClean="0"/>
+              <a:t>16</a:t>
+            </a:fld>
+            <a:endParaRPr lang="en-US" dirty="0"/>
+          </a:p>
+        </p:txBody>
+      </p:sp>
     </p:spTree>
     <p:extLst>
       <p:ext uri="{BB962C8B-B14F-4D97-AF65-F5344CB8AC3E}">
@@ -10821,6 +11683,35 @@
           </a:p>
         </p:txBody>
       </p:sp>
+      <p:sp>
+        <p:nvSpPr>
+          <p:cNvPr id="3" name="Slide Number Placeholder 2">
+            <a:extLst>
+              <a:ext uri="{FF2B5EF4-FFF2-40B4-BE49-F238E27FC236}">
+                <a16:creationId xmlns:a16="http://schemas.microsoft.com/office/drawing/2014/main" id="{45A0033C-91A0-0445-8D46-3CB049F7F867}"/>
+              </a:ext>
+            </a:extLst>
+          </p:cNvPr>
+          <p:cNvSpPr>
+            <a:spLocks noGrp="1"/>
+          </p:cNvSpPr>
+          <p:nvPr>
+            <p:ph type="sldNum" sz="quarter" idx="12"/>
+          </p:nvPr>
+        </p:nvSpPr>
+        <p:spPr/>
+        <p:txBody>
+          <a:bodyPr/>
+          <a:lstStyle/>
+          <a:p>
+            <a:fld id="{D57F1E4F-1CFF-5643-939E-02111984F565}" type="slidenum">
+              <a:rPr lang="en-US" smtClean="0"/>
+              <a:t>17</a:t>
+            </a:fld>
+            <a:endParaRPr lang="en-US" dirty="0"/>
+          </a:p>
+        </p:txBody>
+      </p:sp>
     </p:spTree>
     <p:extLst>
       <p:ext uri="{BB962C8B-B14F-4D97-AF65-F5344CB8AC3E}">
@@ -11554,6 +12445,35 @@
             <a:pPr marL="0" indent="0">
               <a:buNone/>
             </a:pPr>
+            <a:endParaRPr lang="en-US" dirty="0"/>
+          </a:p>
+        </p:txBody>
+      </p:sp>
+      <p:sp>
+        <p:nvSpPr>
+          <p:cNvPr id="3" name="Slide Number Placeholder 2">
+            <a:extLst>
+              <a:ext uri="{FF2B5EF4-FFF2-40B4-BE49-F238E27FC236}">
+                <a16:creationId xmlns:a16="http://schemas.microsoft.com/office/drawing/2014/main" id="{FD6C6B7F-528D-5343-8443-3AE9A6F500FA}"/>
+              </a:ext>
+            </a:extLst>
+          </p:cNvPr>
+          <p:cNvSpPr>
+            <a:spLocks noGrp="1"/>
+          </p:cNvSpPr>
+          <p:nvPr>
+            <p:ph type="sldNum" sz="quarter" idx="12"/>
+          </p:nvPr>
+        </p:nvSpPr>
+        <p:spPr/>
+        <p:txBody>
+          <a:bodyPr/>
+          <a:lstStyle/>
+          <a:p>
+            <a:fld id="{D57F1E4F-1CFF-5643-939E-02111984F565}" type="slidenum">
+              <a:rPr lang="en-US" smtClean="0"/>
+              <a:t>18</a:t>
+            </a:fld>
             <a:endParaRPr lang="en-US" dirty="0"/>
           </a:p>
         </p:txBody>
@@ -12373,6 +13293,35 @@
           </a:p>
         </p:txBody>
       </p:sp>
+      <p:sp>
+        <p:nvSpPr>
+          <p:cNvPr id="3" name="Slide Number Placeholder 2">
+            <a:extLst>
+              <a:ext uri="{FF2B5EF4-FFF2-40B4-BE49-F238E27FC236}">
+                <a16:creationId xmlns:a16="http://schemas.microsoft.com/office/drawing/2014/main" id="{E834DD15-93F4-5144-82B9-2AC383404A79}"/>
+              </a:ext>
+            </a:extLst>
+          </p:cNvPr>
+          <p:cNvSpPr>
+            <a:spLocks noGrp="1"/>
+          </p:cNvSpPr>
+          <p:nvPr>
+            <p:ph type="sldNum" sz="quarter" idx="12"/>
+          </p:nvPr>
+        </p:nvSpPr>
+        <p:spPr/>
+        <p:txBody>
+          <a:bodyPr/>
+          <a:lstStyle/>
+          <a:p>
+            <a:fld id="{D57F1E4F-1CFF-5643-939E-02111984F565}" type="slidenum">
+              <a:rPr lang="en-US" smtClean="0"/>
+              <a:t>19</a:t>
+            </a:fld>
+            <a:endParaRPr lang="en-US" dirty="0"/>
+          </a:p>
+        </p:txBody>
+      </p:sp>
     </p:spTree>
     <p:extLst>
       <p:ext uri="{BB962C8B-B14F-4D97-AF65-F5344CB8AC3E}">
@@ -12860,6 +13809,35 @@
           </a:p>
         </p:txBody>
       </p:sp>
+      <p:sp>
+        <p:nvSpPr>
+          <p:cNvPr id="3" name="Slide Number Placeholder 2">
+            <a:extLst>
+              <a:ext uri="{FF2B5EF4-FFF2-40B4-BE49-F238E27FC236}">
+                <a16:creationId xmlns:a16="http://schemas.microsoft.com/office/drawing/2014/main" id="{C71B0CC5-E21D-B449-9760-D4D2135B21FE}"/>
+              </a:ext>
+            </a:extLst>
+          </p:cNvPr>
+          <p:cNvSpPr>
+            <a:spLocks noGrp="1"/>
+          </p:cNvSpPr>
+          <p:nvPr>
+            <p:ph type="sldNum" sz="quarter" idx="12"/>
+          </p:nvPr>
+        </p:nvSpPr>
+        <p:spPr/>
+        <p:txBody>
+          <a:bodyPr/>
+          <a:lstStyle/>
+          <a:p>
+            <a:fld id="{D57F1E4F-1CFF-5643-939E-02111984F565}" type="slidenum">
+              <a:rPr lang="en-US" smtClean="0"/>
+              <a:t>2</a:t>
+            </a:fld>
+            <a:endParaRPr lang="en-US" dirty="0"/>
+          </a:p>
+        </p:txBody>
+      </p:sp>
     </p:spTree>
     <p:extLst>
       <p:ext uri="{BB962C8B-B14F-4D97-AF65-F5344CB8AC3E}">
@@ -13345,6 +14323,35 @@
             <a:pPr marL="0" indent="0">
               <a:buNone/>
             </a:pPr>
+            <a:endParaRPr lang="en-US" dirty="0"/>
+          </a:p>
+        </p:txBody>
+      </p:sp>
+      <p:sp>
+        <p:nvSpPr>
+          <p:cNvPr id="3" name="Slide Number Placeholder 2">
+            <a:extLst>
+              <a:ext uri="{FF2B5EF4-FFF2-40B4-BE49-F238E27FC236}">
+                <a16:creationId xmlns:a16="http://schemas.microsoft.com/office/drawing/2014/main" id="{F77E0765-ED55-8648-B2AD-66090AD95F2D}"/>
+              </a:ext>
+            </a:extLst>
+          </p:cNvPr>
+          <p:cNvSpPr>
+            <a:spLocks noGrp="1"/>
+          </p:cNvSpPr>
+          <p:nvPr>
+            <p:ph type="sldNum" sz="quarter" idx="12"/>
+          </p:nvPr>
+        </p:nvSpPr>
+        <p:spPr/>
+        <p:txBody>
+          <a:bodyPr/>
+          <a:lstStyle/>
+          <a:p>
+            <a:fld id="{D57F1E4F-1CFF-5643-939E-02111984F565}" type="slidenum">
+              <a:rPr lang="en-US" smtClean="0"/>
+              <a:t>20</a:t>
+            </a:fld>
             <a:endParaRPr lang="en-US" dirty="0"/>
           </a:p>
         </p:txBody>
@@ -13978,6 +14985,35 @@
           </a:p>
         </p:txBody>
       </p:sp>
+      <p:sp>
+        <p:nvSpPr>
+          <p:cNvPr id="3" name="Slide Number Placeholder 2">
+            <a:extLst>
+              <a:ext uri="{FF2B5EF4-FFF2-40B4-BE49-F238E27FC236}">
+                <a16:creationId xmlns:a16="http://schemas.microsoft.com/office/drawing/2014/main" id="{F10FD867-EBDB-E547-8B00-1FE33AF1E164}"/>
+              </a:ext>
+            </a:extLst>
+          </p:cNvPr>
+          <p:cNvSpPr>
+            <a:spLocks noGrp="1"/>
+          </p:cNvSpPr>
+          <p:nvPr>
+            <p:ph type="sldNum" sz="quarter" idx="12"/>
+          </p:nvPr>
+        </p:nvSpPr>
+        <p:spPr/>
+        <p:txBody>
+          <a:bodyPr/>
+          <a:lstStyle/>
+          <a:p>
+            <a:fld id="{D57F1E4F-1CFF-5643-939E-02111984F565}" type="slidenum">
+              <a:rPr lang="en-US" smtClean="0"/>
+              <a:t>21</a:t>
+            </a:fld>
+            <a:endParaRPr lang="en-US" dirty="0"/>
+          </a:p>
+        </p:txBody>
+      </p:sp>
     </p:spTree>
     <p:extLst>
       <p:ext uri="{BB962C8B-B14F-4D97-AF65-F5344CB8AC3E}">
@@ -14468,7 +15504,7 @@
                 </a:solidFill>
                 <a:latin typeface="Inconsolata" panose="020B0609030003000000" pitchFamily="49" charset="77"/>
               </a:rPr>
-              <a:t>data</a:t>
+              <a:t>grades</a:t>
             </a:r>
             <a:r>
               <a:rPr lang="en-US" b="1" dirty="0">
@@ -14579,6 +15615,35 @@
             <a:pPr marL="0" indent="0">
               <a:buNone/>
             </a:pPr>
+            <a:endParaRPr lang="en-US" dirty="0"/>
+          </a:p>
+        </p:txBody>
+      </p:sp>
+      <p:sp>
+        <p:nvSpPr>
+          <p:cNvPr id="3" name="Slide Number Placeholder 2">
+            <a:extLst>
+              <a:ext uri="{FF2B5EF4-FFF2-40B4-BE49-F238E27FC236}">
+                <a16:creationId xmlns:a16="http://schemas.microsoft.com/office/drawing/2014/main" id="{36E586AC-9566-C847-8111-F14957F56024}"/>
+              </a:ext>
+            </a:extLst>
+          </p:cNvPr>
+          <p:cNvSpPr>
+            <a:spLocks noGrp="1"/>
+          </p:cNvSpPr>
+          <p:nvPr>
+            <p:ph type="sldNum" sz="quarter" idx="12"/>
+          </p:nvPr>
+        </p:nvSpPr>
+        <p:spPr/>
+        <p:txBody>
+          <a:bodyPr/>
+          <a:lstStyle/>
+          <a:p>
+            <a:fld id="{D57F1E4F-1CFF-5643-939E-02111984F565}" type="slidenum">
+              <a:rPr lang="en-US" smtClean="0"/>
+              <a:t>22</a:t>
+            </a:fld>
             <a:endParaRPr lang="en-US" dirty="0"/>
           </a:p>
         </p:txBody>
@@ -15219,6 +16284,35 @@
               </a:rPr>
               <a:t>structures.</a:t>
             </a:r>
+          </a:p>
+        </p:txBody>
+      </p:sp>
+      <p:sp>
+        <p:nvSpPr>
+          <p:cNvPr id="3" name="Slide Number Placeholder 2">
+            <a:extLst>
+              <a:ext uri="{FF2B5EF4-FFF2-40B4-BE49-F238E27FC236}">
+                <a16:creationId xmlns:a16="http://schemas.microsoft.com/office/drawing/2014/main" id="{3FFD567B-109A-774C-9D56-8F97416BA3EE}"/>
+              </a:ext>
+            </a:extLst>
+          </p:cNvPr>
+          <p:cNvSpPr>
+            <a:spLocks noGrp="1"/>
+          </p:cNvSpPr>
+          <p:nvPr>
+            <p:ph type="sldNum" sz="quarter" idx="12"/>
+          </p:nvPr>
+        </p:nvSpPr>
+        <p:spPr/>
+        <p:txBody>
+          <a:bodyPr/>
+          <a:lstStyle/>
+          <a:p>
+            <a:fld id="{D57F1E4F-1CFF-5643-939E-02111984F565}" type="slidenum">
+              <a:rPr lang="en-US" smtClean="0"/>
+              <a:t>23</a:t>
+            </a:fld>
+            <a:endParaRPr lang="en-US" dirty="0"/>
           </a:p>
         </p:txBody>
       </p:sp>
@@ -15923,6 +17017,35 @@
               </a:rPr>
               <a:t>Shakespeare!</a:t>
             </a:r>
+          </a:p>
+        </p:txBody>
+      </p:sp>
+      <p:sp>
+        <p:nvSpPr>
+          <p:cNvPr id="4" name="Slide Number Placeholder 3">
+            <a:extLst>
+              <a:ext uri="{FF2B5EF4-FFF2-40B4-BE49-F238E27FC236}">
+                <a16:creationId xmlns:a16="http://schemas.microsoft.com/office/drawing/2014/main" id="{41FD6EA9-EDF7-9A40-A2BE-D37D0D3218B0}"/>
+              </a:ext>
+            </a:extLst>
+          </p:cNvPr>
+          <p:cNvSpPr>
+            <a:spLocks noGrp="1"/>
+          </p:cNvSpPr>
+          <p:nvPr>
+            <p:ph type="sldNum" sz="quarter" idx="12"/>
+          </p:nvPr>
+        </p:nvSpPr>
+        <p:spPr/>
+        <p:txBody>
+          <a:bodyPr/>
+          <a:lstStyle/>
+          <a:p>
+            <a:fld id="{D57F1E4F-1CFF-5643-939E-02111984F565}" type="slidenum">
+              <a:rPr lang="en-US" smtClean="0"/>
+              <a:t>24</a:t>
+            </a:fld>
+            <a:endParaRPr lang="en-US" dirty="0"/>
           </a:p>
         </p:txBody>
       </p:sp>
@@ -16558,6 +17681,35 @@
           </a:p>
         </p:txBody>
       </p:sp>
+      <p:sp>
+        <p:nvSpPr>
+          <p:cNvPr id="3" name="Slide Number Placeholder 2">
+            <a:extLst>
+              <a:ext uri="{FF2B5EF4-FFF2-40B4-BE49-F238E27FC236}">
+                <a16:creationId xmlns:a16="http://schemas.microsoft.com/office/drawing/2014/main" id="{DE559031-3439-454A-8F5E-5B0AA103A3B3}"/>
+              </a:ext>
+            </a:extLst>
+          </p:cNvPr>
+          <p:cNvSpPr>
+            <a:spLocks noGrp="1"/>
+          </p:cNvSpPr>
+          <p:nvPr>
+            <p:ph type="sldNum" sz="quarter" idx="12"/>
+          </p:nvPr>
+        </p:nvSpPr>
+        <p:spPr/>
+        <p:txBody>
+          <a:bodyPr/>
+          <a:lstStyle/>
+          <a:p>
+            <a:fld id="{D57F1E4F-1CFF-5643-939E-02111984F565}" type="slidenum">
+              <a:rPr lang="en-US" smtClean="0"/>
+              <a:t>25</a:t>
+            </a:fld>
+            <a:endParaRPr lang="en-US" dirty="0"/>
+          </a:p>
+        </p:txBody>
+      </p:sp>
     </p:spTree>
     <p:extLst>
       <p:ext uri="{BB962C8B-B14F-4D97-AF65-F5344CB8AC3E}">
@@ -16904,6 +18056,35 @@
               </a:solidFill>
               <a:latin typeface="Inconsolata" panose="020B0609030003000000" pitchFamily="49" charset="77"/>
             </a:endParaRPr>
+          </a:p>
+        </p:txBody>
+      </p:sp>
+      <p:sp>
+        <p:nvSpPr>
+          <p:cNvPr id="3" name="Slide Number Placeholder 2">
+            <a:extLst>
+              <a:ext uri="{FF2B5EF4-FFF2-40B4-BE49-F238E27FC236}">
+                <a16:creationId xmlns:a16="http://schemas.microsoft.com/office/drawing/2014/main" id="{55D37896-0DD4-C049-9F06-EA3D0B851D83}"/>
+              </a:ext>
+            </a:extLst>
+          </p:cNvPr>
+          <p:cNvSpPr>
+            <a:spLocks noGrp="1"/>
+          </p:cNvSpPr>
+          <p:nvPr>
+            <p:ph type="sldNum" sz="quarter" idx="12"/>
+          </p:nvPr>
+        </p:nvSpPr>
+        <p:spPr/>
+        <p:txBody>
+          <a:bodyPr/>
+          <a:lstStyle/>
+          <a:p>
+            <a:fld id="{D57F1E4F-1CFF-5643-939E-02111984F565}" type="slidenum">
+              <a:rPr lang="en-US" smtClean="0"/>
+              <a:t>3</a:t>
+            </a:fld>
+            <a:endParaRPr lang="en-US" dirty="0"/>
           </a:p>
         </p:txBody>
       </p:sp>
@@ -17587,6 +18768,35 @@
           </a:p>
         </p:txBody>
       </p:sp>
+      <p:sp>
+        <p:nvSpPr>
+          <p:cNvPr id="3" name="Slide Number Placeholder 2">
+            <a:extLst>
+              <a:ext uri="{FF2B5EF4-FFF2-40B4-BE49-F238E27FC236}">
+                <a16:creationId xmlns:a16="http://schemas.microsoft.com/office/drawing/2014/main" id="{BF343798-C4CD-B047-8E32-7A3902751D3D}"/>
+              </a:ext>
+            </a:extLst>
+          </p:cNvPr>
+          <p:cNvSpPr>
+            <a:spLocks noGrp="1"/>
+          </p:cNvSpPr>
+          <p:nvPr>
+            <p:ph type="sldNum" sz="quarter" idx="12"/>
+          </p:nvPr>
+        </p:nvSpPr>
+        <p:spPr/>
+        <p:txBody>
+          <a:bodyPr/>
+          <a:lstStyle/>
+          <a:p>
+            <a:fld id="{D57F1E4F-1CFF-5643-939E-02111984F565}" type="slidenum">
+              <a:rPr lang="en-US" smtClean="0"/>
+              <a:t>4</a:t>
+            </a:fld>
+            <a:endParaRPr lang="en-US" dirty="0"/>
+          </a:p>
+        </p:txBody>
+      </p:sp>
     </p:spTree>
     <p:extLst>
       <p:ext uri="{BB962C8B-B14F-4D97-AF65-F5344CB8AC3E}">
@@ -18197,6 +19407,35 @@
               </a:solidFill>
               <a:latin typeface="Inconsolata" panose="020B0609030003000000" pitchFamily="49" charset="77"/>
             </a:endParaRPr>
+          </a:p>
+        </p:txBody>
+      </p:sp>
+      <p:sp>
+        <p:nvSpPr>
+          <p:cNvPr id="3" name="Slide Number Placeholder 2">
+            <a:extLst>
+              <a:ext uri="{FF2B5EF4-FFF2-40B4-BE49-F238E27FC236}">
+                <a16:creationId xmlns:a16="http://schemas.microsoft.com/office/drawing/2014/main" id="{01C23572-7990-A94A-B091-5A72746836B0}"/>
+              </a:ext>
+            </a:extLst>
+          </p:cNvPr>
+          <p:cNvSpPr>
+            <a:spLocks noGrp="1"/>
+          </p:cNvSpPr>
+          <p:nvPr>
+            <p:ph type="sldNum" sz="quarter" idx="12"/>
+          </p:nvPr>
+        </p:nvSpPr>
+        <p:spPr/>
+        <p:txBody>
+          <a:bodyPr/>
+          <a:lstStyle/>
+          <a:p>
+            <a:fld id="{D57F1E4F-1CFF-5643-939E-02111984F565}" type="slidenum">
+              <a:rPr lang="en-US" smtClean="0"/>
+              <a:t>5</a:t>
+            </a:fld>
+            <a:endParaRPr lang="en-US" dirty="0"/>
           </a:p>
         </p:txBody>
       </p:sp>
@@ -18645,6 +19884,35 @@
               </a:rPr>
               <a:t># Mike Smith 3.2</a:t>
             </a:r>
+          </a:p>
+        </p:txBody>
+      </p:sp>
+      <p:sp>
+        <p:nvSpPr>
+          <p:cNvPr id="3" name="Slide Number Placeholder 2">
+            <a:extLst>
+              <a:ext uri="{FF2B5EF4-FFF2-40B4-BE49-F238E27FC236}">
+                <a16:creationId xmlns:a16="http://schemas.microsoft.com/office/drawing/2014/main" id="{C1DD657F-5733-BF44-99EA-A434A7BE0180}"/>
+              </a:ext>
+            </a:extLst>
+          </p:cNvPr>
+          <p:cNvSpPr>
+            <a:spLocks noGrp="1"/>
+          </p:cNvSpPr>
+          <p:nvPr>
+            <p:ph type="sldNum" sz="quarter" idx="12"/>
+          </p:nvPr>
+        </p:nvSpPr>
+        <p:spPr/>
+        <p:txBody>
+          <a:bodyPr/>
+          <a:lstStyle/>
+          <a:p>
+            <a:fld id="{D57F1E4F-1CFF-5643-939E-02111984F565}" type="slidenum">
+              <a:rPr lang="en-US" smtClean="0"/>
+              <a:t>6</a:t>
+            </a:fld>
+            <a:endParaRPr lang="en-US" dirty="0"/>
           </a:p>
         </p:txBody>
       </p:sp>
@@ -19177,6 +20445,35 @@
               </a:rPr>
               <a:t>Note: In Java, you would need a temporary variable for this. </a:t>
             </a:r>
+          </a:p>
+        </p:txBody>
+      </p:sp>
+      <p:sp>
+        <p:nvSpPr>
+          <p:cNvPr id="3" name="Slide Number Placeholder 2">
+            <a:extLst>
+              <a:ext uri="{FF2B5EF4-FFF2-40B4-BE49-F238E27FC236}">
+                <a16:creationId xmlns:a16="http://schemas.microsoft.com/office/drawing/2014/main" id="{2CE30899-52CB-2C49-98D8-E07215262377}"/>
+              </a:ext>
+            </a:extLst>
+          </p:cNvPr>
+          <p:cNvSpPr>
+            <a:spLocks noGrp="1"/>
+          </p:cNvSpPr>
+          <p:nvPr>
+            <p:ph type="sldNum" sz="quarter" idx="12"/>
+          </p:nvPr>
+        </p:nvSpPr>
+        <p:spPr/>
+        <p:txBody>
+          <a:bodyPr/>
+          <a:lstStyle/>
+          <a:p>
+            <a:fld id="{D57F1E4F-1CFF-5643-939E-02111984F565}" type="slidenum">
+              <a:rPr lang="en-US" smtClean="0"/>
+              <a:t>7</a:t>
+            </a:fld>
+            <a:endParaRPr lang="en-US" dirty="0"/>
           </a:p>
         </p:txBody>
       </p:sp>
@@ -19851,6 +21148,35 @@
           </a:p>
         </p:txBody>
       </p:sp>
+      <p:sp>
+        <p:nvSpPr>
+          <p:cNvPr id="3" name="Slide Number Placeholder 2">
+            <a:extLst>
+              <a:ext uri="{FF2B5EF4-FFF2-40B4-BE49-F238E27FC236}">
+                <a16:creationId xmlns:a16="http://schemas.microsoft.com/office/drawing/2014/main" id="{F7257620-B857-EF4F-A7F9-738FC8B30151}"/>
+              </a:ext>
+            </a:extLst>
+          </p:cNvPr>
+          <p:cNvSpPr>
+            <a:spLocks noGrp="1"/>
+          </p:cNvSpPr>
+          <p:nvPr>
+            <p:ph type="sldNum" sz="quarter" idx="12"/>
+          </p:nvPr>
+        </p:nvSpPr>
+        <p:spPr/>
+        <p:txBody>
+          <a:bodyPr/>
+          <a:lstStyle/>
+          <a:p>
+            <a:fld id="{D57F1E4F-1CFF-5643-939E-02111984F565}" type="slidenum">
+              <a:rPr lang="en-US" smtClean="0"/>
+              <a:t>8</a:t>
+            </a:fld>
+            <a:endParaRPr lang="en-US" dirty="0"/>
+          </a:p>
+        </p:txBody>
+      </p:sp>
     </p:spTree>
     <p:extLst>
       <p:ext uri="{BB962C8B-B14F-4D97-AF65-F5344CB8AC3E}">
@@ -20420,6 +21746,35 @@
             <a:pPr marL="0" indent="0">
               <a:buNone/>
             </a:pPr>
+            <a:endParaRPr lang="en-US" dirty="0"/>
+          </a:p>
+        </p:txBody>
+      </p:sp>
+      <p:sp>
+        <p:nvSpPr>
+          <p:cNvPr id="3" name="Slide Number Placeholder 2">
+            <a:extLst>
+              <a:ext uri="{FF2B5EF4-FFF2-40B4-BE49-F238E27FC236}">
+                <a16:creationId xmlns:a16="http://schemas.microsoft.com/office/drawing/2014/main" id="{0C687DD2-3F00-A04D-9552-D665B249284A}"/>
+              </a:ext>
+            </a:extLst>
+          </p:cNvPr>
+          <p:cNvSpPr>
+            <a:spLocks noGrp="1"/>
+          </p:cNvSpPr>
+          <p:nvPr>
+            <p:ph type="sldNum" sz="quarter" idx="12"/>
+          </p:nvPr>
+        </p:nvSpPr>
+        <p:spPr/>
+        <p:txBody>
+          <a:bodyPr/>
+          <a:lstStyle/>
+          <a:p>
+            <a:fld id="{D57F1E4F-1CFF-5643-939E-02111984F565}" type="slidenum">
+              <a:rPr lang="en-US" smtClean="0"/>
+              <a:t>9</a:t>
+            </a:fld>
             <a:endParaRPr lang="en-US" dirty="0"/>
           </a:p>
         </p:txBody>
@@ -20957,4 +22312,299 @@
     </a:ext>
   </a:extLst>
 </a:theme>
+</file>
+
+<file path=ppt/theme/theme2.xml><?xml version="1.0" encoding="utf-8"?>
+<a:theme xmlns:a="http://schemas.openxmlformats.org/drawingml/2006/main" name="Office Theme">
+  <a:themeElements>
+    <a:clrScheme name="Office">
+      <a:dk1>
+        <a:sysClr val="windowText" lastClr="000000"/>
+      </a:dk1>
+      <a:lt1>
+        <a:sysClr val="window" lastClr="FFFFFF"/>
+      </a:lt1>
+      <a:dk2>
+        <a:srgbClr val="44546A"/>
+      </a:dk2>
+      <a:lt2>
+        <a:srgbClr val="E7E6E6"/>
+      </a:lt2>
+      <a:accent1>
+        <a:srgbClr val="4472C4"/>
+      </a:accent1>
+      <a:accent2>
+        <a:srgbClr val="ED7D31"/>
+      </a:accent2>
+      <a:accent3>
+        <a:srgbClr val="A5A5A5"/>
+      </a:accent3>
+      <a:accent4>
+        <a:srgbClr val="FFC000"/>
+      </a:accent4>
+      <a:accent5>
+        <a:srgbClr val="5B9BD5"/>
+      </a:accent5>
+      <a:accent6>
+        <a:srgbClr val="70AD47"/>
+      </a:accent6>
+      <a:hlink>
+        <a:srgbClr val="0563C1"/>
+      </a:hlink>
+      <a:folHlink>
+        <a:srgbClr val="954F72"/>
+      </a:folHlink>
+    </a:clrScheme>
+    <a:fontScheme name="Office">
+      <a:majorFont>
+        <a:latin typeface="Calibri Light" panose="020F0302020204030204"/>
+        <a:ea typeface=""/>
+        <a:cs typeface=""/>
+        <a:font script="Jpan" typeface="游ゴシック Light"/>
+        <a:font script="Hang" typeface="맑은 고딕"/>
+        <a:font script="Hans" typeface="等线 Light"/>
+        <a:font script="Hant" typeface="新細明體"/>
+        <a:font script="Arab" typeface="Times New Roman"/>
+        <a:font script="Hebr" typeface="Times New Roman"/>
+        <a:font script="Thai" typeface="Angsana New"/>
+        <a:font script="Ethi" typeface="Nyala"/>
+        <a:font script="Beng" typeface="Vrinda"/>
+        <a:font script="Gujr" typeface="Shruti"/>
+        <a:font script="Khmr" typeface="MoolBoran"/>
+        <a:font script="Knda" typeface="Tunga"/>
+        <a:font script="Guru" typeface="Raavi"/>
+        <a:font script="Cans" typeface="Euphemia"/>
+        <a:font script="Cher" typeface="Plantagenet Cherokee"/>
+        <a:font script="Yiii" typeface="Microsoft Yi Baiti"/>
+        <a:font script="Tibt" typeface="Microsoft Himalaya"/>
+        <a:font script="Thaa" typeface="MV Boli"/>
+        <a:font script="Deva" typeface="Mangal"/>
+        <a:font script="Telu" typeface="Gautami"/>
+        <a:font script="Taml" typeface="Latha"/>
+        <a:font script="Syrc" typeface="Estrangelo Edessa"/>
+        <a:font script="Orya" typeface="Kalinga"/>
+        <a:font script="Mlym" typeface="Kartika"/>
+        <a:font script="Laoo" typeface="DokChampa"/>
+        <a:font script="Sinh" typeface="Iskoola Pota"/>
+        <a:font script="Mong" typeface="Mongolian Baiti"/>
+        <a:font script="Viet" typeface="Times New Roman"/>
+        <a:font script="Uigh" typeface="Microsoft Uighur"/>
+        <a:font script="Geor" typeface="Sylfaen"/>
+        <a:font script="Armn" typeface="Arial"/>
+        <a:font script="Bugi" typeface="Leelawadee UI"/>
+        <a:font script="Bopo" typeface="Microsoft JhengHei"/>
+        <a:font script="Java" typeface="Javanese Text"/>
+        <a:font script="Lisu" typeface="Segoe UI"/>
+        <a:font script="Mymr" typeface="Myanmar Text"/>
+        <a:font script="Nkoo" typeface="Ebrima"/>
+        <a:font script="Olck" typeface="Nirmala UI"/>
+        <a:font script="Osma" typeface="Ebrima"/>
+        <a:font script="Phag" typeface="Phagspa"/>
+        <a:font script="Syrn" typeface="Estrangelo Edessa"/>
+        <a:font script="Syrj" typeface="Estrangelo Edessa"/>
+        <a:font script="Syre" typeface="Estrangelo Edessa"/>
+        <a:font script="Sora" typeface="Nirmala UI"/>
+        <a:font script="Tale" typeface="Microsoft Tai Le"/>
+        <a:font script="Talu" typeface="Microsoft New Tai Lue"/>
+        <a:font script="Tfng" typeface="Ebrima"/>
+      </a:majorFont>
+      <a:minorFont>
+        <a:latin typeface="Calibri" panose="020F0502020204030204"/>
+        <a:ea typeface=""/>
+        <a:cs typeface=""/>
+        <a:font script="Jpan" typeface="游ゴシック"/>
+        <a:font script="Hang" typeface="맑은 고딕"/>
+        <a:font script="Hans" typeface="等线"/>
+        <a:font script="Hant" typeface="新細明體"/>
+        <a:font script="Arab" typeface="Arial"/>
+        <a:font script="Hebr" typeface="Arial"/>
+        <a:font script="Thai" typeface="Cordia New"/>
+        <a:font script="Ethi" typeface="Nyala"/>
+        <a:font script="Beng" typeface="Vrinda"/>
+        <a:font script="Gujr" typeface="Shruti"/>
+        <a:font script="Khmr" typeface="DaunPenh"/>
+        <a:font script="Knda" typeface="Tunga"/>
+        <a:font script="Guru" typeface="Raavi"/>
+        <a:font script="Cans" typeface="Euphemia"/>
+        <a:font script="Cher" typeface="Plantagenet Cherokee"/>
+        <a:font script="Yiii" typeface="Microsoft Yi Baiti"/>
+        <a:font script="Tibt" typeface="Microsoft Himalaya"/>
+        <a:font script="Thaa" typeface="MV Boli"/>
+        <a:font script="Deva" typeface="Mangal"/>
+        <a:font script="Telu" typeface="Gautami"/>
+        <a:font script="Taml" typeface="Latha"/>
+        <a:font script="Syrc" typeface="Estrangelo Edessa"/>
+        <a:font script="Orya" typeface="Kalinga"/>
+        <a:font script="Mlym" typeface="Kartika"/>
+        <a:font script="Laoo" typeface="DokChampa"/>
+        <a:font script="Sinh" typeface="Iskoola Pota"/>
+        <a:font script="Mong" typeface="Mongolian Baiti"/>
+        <a:font script="Viet" typeface="Arial"/>
+        <a:font script="Uigh" typeface="Microsoft Uighur"/>
+        <a:font script="Geor" typeface="Sylfaen"/>
+        <a:font script="Armn" typeface="Arial"/>
+        <a:font script="Bugi" typeface="Leelawadee UI"/>
+        <a:font script="Bopo" typeface="Microsoft JhengHei"/>
+        <a:font script="Java" typeface="Javanese Text"/>
+        <a:font script="Lisu" typeface="Segoe UI"/>
+        <a:font script="Mymr" typeface="Myanmar Text"/>
+        <a:font script="Nkoo" typeface="Ebrima"/>
+        <a:font script="Olck" typeface="Nirmala UI"/>
+        <a:font script="Osma" typeface="Ebrima"/>
+        <a:font script="Phag" typeface="Phagspa"/>
+        <a:font script="Syrn" typeface="Estrangelo Edessa"/>
+        <a:font script="Syrj" typeface="Estrangelo Edessa"/>
+        <a:font script="Syre" typeface="Estrangelo Edessa"/>
+        <a:font script="Sora" typeface="Nirmala UI"/>
+        <a:font script="Tale" typeface="Microsoft Tai Le"/>
+        <a:font script="Talu" typeface="Microsoft New Tai Lue"/>
+        <a:font script="Tfng" typeface="Ebrima"/>
+      </a:minorFont>
+    </a:fontScheme>
+    <a:fmtScheme name="Office">
+      <a:fillStyleLst>
+        <a:solidFill>
+          <a:schemeClr val="phClr"/>
+        </a:solidFill>
+        <a:gradFill rotWithShape="1">
+          <a:gsLst>
+            <a:gs pos="0">
+              <a:schemeClr val="phClr">
+                <a:lumMod val="110000"/>
+                <a:satMod val="105000"/>
+                <a:tint val="67000"/>
+              </a:schemeClr>
+            </a:gs>
+            <a:gs pos="50000">
+              <a:schemeClr val="phClr">
+                <a:lumMod val="105000"/>
+                <a:satMod val="103000"/>
+                <a:tint val="73000"/>
+              </a:schemeClr>
+            </a:gs>
+            <a:gs pos="100000">
+              <a:schemeClr val="phClr">
+                <a:lumMod val="105000"/>
+                <a:satMod val="109000"/>
+                <a:tint val="81000"/>
+              </a:schemeClr>
+            </a:gs>
+          </a:gsLst>
+          <a:lin ang="5400000" scaled="0"/>
+        </a:gradFill>
+        <a:gradFill rotWithShape="1">
+          <a:gsLst>
+            <a:gs pos="0">
+              <a:schemeClr val="phClr">
+                <a:satMod val="103000"/>
+                <a:lumMod val="102000"/>
+                <a:tint val="94000"/>
+              </a:schemeClr>
+            </a:gs>
+            <a:gs pos="50000">
+              <a:schemeClr val="phClr">
+                <a:satMod val="110000"/>
+                <a:lumMod val="100000"/>
+                <a:shade val="100000"/>
+              </a:schemeClr>
+            </a:gs>
+            <a:gs pos="100000">
+              <a:schemeClr val="phClr">
+                <a:lumMod val="99000"/>
+                <a:satMod val="120000"/>
+                <a:shade val="78000"/>
+              </a:schemeClr>
+            </a:gs>
+          </a:gsLst>
+          <a:lin ang="5400000" scaled="0"/>
+        </a:gradFill>
+      </a:fillStyleLst>
+      <a:lnStyleLst>
+        <a:ln w="6350" cap="flat" cmpd="sng" algn="ctr">
+          <a:solidFill>
+            <a:schemeClr val="phClr"/>
+          </a:solidFill>
+          <a:prstDash val="solid"/>
+          <a:miter lim="800000"/>
+        </a:ln>
+        <a:ln w="12700" cap="flat" cmpd="sng" algn="ctr">
+          <a:solidFill>
+            <a:schemeClr val="phClr"/>
+          </a:solidFill>
+          <a:prstDash val="solid"/>
+          <a:miter lim="800000"/>
+        </a:ln>
+        <a:ln w="19050" cap="flat" cmpd="sng" algn="ctr">
+          <a:solidFill>
+            <a:schemeClr val="phClr"/>
+          </a:solidFill>
+          <a:prstDash val="solid"/>
+          <a:miter lim="800000"/>
+        </a:ln>
+      </a:lnStyleLst>
+      <a:effectStyleLst>
+        <a:effectStyle>
+          <a:effectLst/>
+        </a:effectStyle>
+        <a:effectStyle>
+          <a:effectLst/>
+        </a:effectStyle>
+        <a:effectStyle>
+          <a:effectLst>
+            <a:outerShdw blurRad="57150" dist="19050" dir="5400000" algn="ctr" rotWithShape="0">
+              <a:srgbClr val="000000">
+                <a:alpha val="63000"/>
+              </a:srgbClr>
+            </a:outerShdw>
+          </a:effectLst>
+        </a:effectStyle>
+      </a:effectStyleLst>
+      <a:bgFillStyleLst>
+        <a:solidFill>
+          <a:schemeClr val="phClr"/>
+        </a:solidFill>
+        <a:solidFill>
+          <a:schemeClr val="phClr">
+            <a:tint val="95000"/>
+            <a:satMod val="170000"/>
+          </a:schemeClr>
+        </a:solidFill>
+        <a:gradFill rotWithShape="1">
+          <a:gsLst>
+            <a:gs pos="0">
+              <a:schemeClr val="phClr">
+                <a:tint val="93000"/>
+                <a:satMod val="150000"/>
+                <a:shade val="98000"/>
+                <a:lumMod val="102000"/>
+              </a:schemeClr>
+            </a:gs>
+            <a:gs pos="50000">
+              <a:schemeClr val="phClr">
+                <a:tint val="98000"/>
+                <a:satMod val="130000"/>
+                <a:shade val="90000"/>
+                <a:lumMod val="103000"/>
+              </a:schemeClr>
+            </a:gs>
+            <a:gs pos="100000">
+              <a:schemeClr val="phClr">
+                <a:shade val="63000"/>
+                <a:satMod val="120000"/>
+              </a:schemeClr>
+            </a:gs>
+          </a:gsLst>
+          <a:lin ang="5400000" scaled="0"/>
+        </a:gradFill>
+      </a:bgFillStyleLst>
+    </a:fmtScheme>
+  </a:themeElements>
+  <a:objectDefaults/>
+  <a:extraClrSchemeLst/>
+  <a:extLst>
+    <a:ext uri="{05A4C25C-085E-4340-85A3-A5531E510DB2}">
+      <thm15:themeFamily xmlns:thm15="http://schemas.microsoft.com/office/thememl/2012/main" name="Office Theme" id="{62F939B6-93AF-4DB8-9C6B-D6C7DFDC589F}" vid="{4A3C46E8-61CC-4603-A589-7422A47A8E4A}"/>
+    </a:ext>
+  </a:extLst>
+</a:theme>
 </file>
--- a/courses/apcsp/lect9.pptx
+++ b/courses/apcsp/lect9.pptx
@@ -142,7 +142,7 @@
 <file path=ppt/revisionInfo.xml><?xml version="1.0" encoding="utf-8"?>
 <p1510:revInfo xmlns:a="http://schemas.openxmlformats.org/drawingml/2006/main" xmlns:r="http://schemas.openxmlformats.org/officeDocument/2006/relationships" xmlns:p1510="http://schemas.microsoft.com/office/powerpoint/2015/10/main">
   <p1510:revLst>
-    <p1510:client id="{0D22434F-C429-584D-952F-0619514BBCC8}" v="404" dt="2021-12-08T13:10:57.851"/>
+    <p1510:client id="{0D22434F-C429-584D-952F-0619514BBCC8}" v="415" dt="2021-12-14T13:04:42.158"/>
   </p1510:revLst>
 </p1510:revInfo>
 </file>
@@ -1879,7 +1879,7 @@
   <pc:docChgLst>
     <pc:chgData name="Long B Nguyen" userId="f59fb8f3-a021-417a-8bc1-65c8d471c621" providerId="ADAL" clId="{0D22434F-C429-584D-952F-0619514BBCC8}"/>
     <pc:docChg chg="custSel addSld delSld modSld">
-      <pc:chgData name="Long B Nguyen" userId="f59fb8f3-a021-417a-8bc1-65c8d471c621" providerId="ADAL" clId="{0D22434F-C429-584D-952F-0619514BBCC8}" dt="2021-12-08T13:10:57.851" v="607" actId="20577"/>
+      <pc:chgData name="Long B Nguyen" userId="f59fb8f3-a021-417a-8bc1-65c8d471c621" providerId="ADAL" clId="{0D22434F-C429-584D-952F-0619514BBCC8}" dt="2021-12-14T13:04:42.157" v="618" actId="20577"/>
       <pc:docMkLst>
         <pc:docMk/>
       </pc:docMkLst>
@@ -2148,7 +2148,7 @@
         </pc:spChg>
       </pc:sldChg>
       <pc:sldChg chg="addSp modSp modAnim">
-        <pc:chgData name="Long B Nguyen" userId="f59fb8f3-a021-417a-8bc1-65c8d471c621" providerId="ADAL" clId="{0D22434F-C429-584D-952F-0619514BBCC8}" dt="2021-12-07T18:26:55.494" v="597"/>
+        <pc:chgData name="Long B Nguyen" userId="f59fb8f3-a021-417a-8bc1-65c8d471c621" providerId="ADAL" clId="{0D22434F-C429-584D-952F-0619514BBCC8}" dt="2021-12-14T13:04:42.157" v="618" actId="20577"/>
         <pc:sldMkLst>
           <pc:docMk/>
           <pc:sldMk cId="994161803" sldId="340"/>
@@ -2159,6 +2159,14 @@
             <pc:docMk/>
             <pc:sldMk cId="994161803" sldId="340"/>
             <ac:spMk id="4" creationId="{41FD6EA9-EDF7-9A40-A2BE-D37D0D3218B0}"/>
+          </ac:spMkLst>
+        </pc:spChg>
+        <pc:spChg chg="mod">
+          <ac:chgData name="Long B Nguyen" userId="f59fb8f3-a021-417a-8bc1-65c8d471c621" providerId="ADAL" clId="{0D22434F-C429-584D-952F-0619514BBCC8}" dt="2021-12-14T13:04:42.157" v="618" actId="20577"/>
+          <ac:spMkLst>
+            <pc:docMk/>
+            <pc:sldMk cId="994161803" sldId="340"/>
+            <ac:spMk id="9" creationId="{E3B2E017-30B2-884B-A113-B419A2ED51AD}"/>
           </ac:spMkLst>
         </pc:spChg>
       </pc:sldChg>
@@ -2493,7 +2501,7 @@
           <a:p>
             <a:fld id="{C123DB63-CF9A-FB4F-8D27-FB3704B3B341}" type="datetimeFigureOut">
               <a:rPr lang="en-US" smtClean="0"/>
-              <a:t>12/7/21</a:t>
+              <a:t>12/14/21</a:t>
             </a:fld>
             <a:endParaRPr lang="en-US"/>
           </a:p>
@@ -2891,7 +2899,7 @@
           <a:p>
             <a:fld id="{35529852-CCED-064F-BD8F-16206E5F8DD1}" type="datetime1">
               <a:rPr lang="en-US" smtClean="0"/>
-              <a:t>12/7/21</a:t>
+              <a:t>12/14/21</a:t>
             </a:fld>
             <a:endParaRPr lang="en-US" dirty="0"/>
           </a:p>
@@ -3061,7 +3069,7 @@
           <a:p>
             <a:fld id="{DBA146C5-84D9-DC45-80B5-B2899381CC7A}" type="datetime1">
               <a:rPr lang="en-US" smtClean="0"/>
-              <a:t>12/7/21</a:t>
+              <a:t>12/14/21</a:t>
             </a:fld>
             <a:endParaRPr lang="en-US" dirty="0"/>
           </a:p>
@@ -3241,7 +3249,7 @@
           <a:p>
             <a:fld id="{564A1C3E-8155-9B47-8741-CD6042FFBC8E}" type="datetime1">
               <a:rPr lang="en-US" smtClean="0"/>
-              <a:t>12/7/21</a:t>
+              <a:t>12/14/21</a:t>
             </a:fld>
             <a:endParaRPr lang="en-US" dirty="0"/>
           </a:p>
@@ -3411,7 +3419,7 @@
           <a:p>
             <a:fld id="{95E35E4F-A4F0-BD44-92E1-2E19A068D55B}" type="datetime1">
               <a:rPr lang="en-US" smtClean="0"/>
-              <a:t>12/7/21</a:t>
+              <a:t>12/14/21</a:t>
             </a:fld>
             <a:endParaRPr lang="en-US" dirty="0"/>
           </a:p>
@@ -3657,7 +3665,7 @@
           <a:p>
             <a:fld id="{0A9C4C2C-EDD5-4B48-AFE5-CB49AAE7D931}" type="datetime1">
               <a:rPr lang="en-US" smtClean="0"/>
-              <a:t>12/7/21</a:t>
+              <a:t>12/14/21</a:t>
             </a:fld>
             <a:endParaRPr lang="en-US" dirty="0"/>
           </a:p>
@@ -3889,7 +3897,7 @@
           <a:p>
             <a:fld id="{3BF4E05E-12B5-5040-99A5-EE7A3963D709}" type="datetime1">
               <a:rPr lang="en-US" smtClean="0"/>
-              <a:t>12/7/21</a:t>
+              <a:t>12/14/21</a:t>
             </a:fld>
             <a:endParaRPr lang="en-US" dirty="0"/>
           </a:p>
@@ -4256,7 +4264,7 @@
           <a:p>
             <a:fld id="{14280797-86E7-CF40-BD92-1BA64DD52969}" type="datetime1">
               <a:rPr lang="en-US" smtClean="0"/>
-              <a:t>12/7/21</a:t>
+              <a:t>12/14/21</a:t>
             </a:fld>
             <a:endParaRPr lang="en-US" dirty="0"/>
           </a:p>
@@ -4374,7 +4382,7 @@
           <a:p>
             <a:fld id="{447FF268-4CF3-484A-AB91-D6AC57A41C69}" type="datetime1">
               <a:rPr lang="en-US" smtClean="0"/>
-              <a:t>12/7/21</a:t>
+              <a:t>12/14/21</a:t>
             </a:fld>
             <a:endParaRPr lang="en-US" dirty="0"/>
           </a:p>
@@ -4469,7 +4477,7 @@
           <a:p>
             <a:fld id="{2B1275C8-1ECC-244F-B942-B139B9F464EE}" type="datetime1">
               <a:rPr lang="en-US" smtClean="0"/>
-              <a:t>12/7/21</a:t>
+              <a:t>12/14/21</a:t>
             </a:fld>
             <a:endParaRPr lang="en-US" dirty="0"/>
           </a:p>
@@ -4746,7 +4754,7 @@
           <a:p>
             <a:fld id="{A744EAF7-01B7-1E4A-B4A0-B141DBFE3EEA}" type="datetime1">
               <a:rPr lang="en-US" smtClean="0"/>
-              <a:t>12/7/21</a:t>
+              <a:t>12/14/21</a:t>
             </a:fld>
             <a:endParaRPr lang="en-US" dirty="0"/>
           </a:p>
@@ -5003,7 +5011,7 @@
           <a:p>
             <a:fld id="{2F1399C8-E4BA-8F40-A5DB-38DAAB8B5431}" type="datetime1">
               <a:rPr lang="en-US" smtClean="0"/>
-              <a:t>12/7/21</a:t>
+              <a:t>12/14/21</a:t>
             </a:fld>
             <a:endParaRPr lang="en-US" dirty="0"/>
           </a:p>
@@ -5216,7 +5224,7 @@
           <a:p>
             <a:fld id="{D2A7A823-8F3E-E641-BBF0-F84144E7EBF2}" type="datetime1">
               <a:rPr lang="en-US" smtClean="0"/>
-              <a:t>12/7/21</a:t>
+              <a:t>12/14/21</a:t>
             </a:fld>
             <a:endParaRPr lang="en-US" dirty="0"/>
           </a:p>
@@ -16895,7 +16903,7 @@
                 </a:solidFill>
                 <a:latin typeface="Inconsolata" panose="020B0609030003000000" pitchFamily="49" charset="77"/>
               </a:rPr>
-              <a:t>		frequency[word] = 0</a:t>
+              <a:t>		frequency[word] = 1</a:t>
             </a:r>
           </a:p>
           <a:p>
@@ -16909,7 +16917,21 @@
                 </a:solidFill>
                 <a:latin typeface="Inconsolata" panose="020B0609030003000000" pitchFamily="49" charset="77"/>
               </a:rPr>
-              <a:t>	frequency[word] += 1</a:t>
+              <a:t>	else:</a:t>
+            </a:r>
+          </a:p>
+          <a:p>
+            <a:pPr marL="0" indent="0">
+              <a:buNone/>
+            </a:pPr>
+            <a:r>
+              <a:rPr lang="en-US" b="1" dirty="0">
+                <a:solidFill>
+                  <a:srgbClr val="000087"/>
+                </a:solidFill>
+                <a:latin typeface="Inconsolata" panose="020B0609030003000000" pitchFamily="49" charset="77"/>
+              </a:rPr>
+              <a:t>		frequency[word] += 1</a:t>
             </a:r>
             <a:endParaRPr lang="en-US" b="1" dirty="0">
               <a:solidFill>
@@ -16928,11 +16950,6 @@
               </a:rPr>
               <a:t>print(frequency)</a:t>
             </a:r>
-          </a:p>
-          <a:p>
-            <a:pPr marL="0" indent="0">
-              <a:buNone/>
-            </a:pPr>
             <a:endParaRPr lang="en-US" dirty="0">
               <a:latin typeface="Gill Sans MT" panose="020B0502020104020203" pitchFamily="34" charset="77"/>
             </a:endParaRPr>
@@ -17438,6 +17455,55 @@
                                         <p:tgtEl>
                                           <p:spTgt spid="9">
                                             <p:txEl>
+                                              <p:pRg st="9" end="9"/>
+                                            </p:txEl>
+                                          </p:spTgt>
+                                        </p:tgtEl>
+                                        <p:attrNameLst>
+                                          <p:attrName>style.visibility</p:attrName>
+                                        </p:attrNameLst>
+                                      </p:cBhvr>
+                                      <p:to>
+                                        <p:strVal val="visible"/>
+                                      </p:to>
+                                    </p:set>
+                                  </p:childTnLst>
+                                </p:cTn>
+                              </p:par>
+                            </p:childTnLst>
+                          </p:cTn>
+                        </p:par>
+                      </p:childTnLst>
+                    </p:cTn>
+                  </p:par>
+                  <p:par>
+                    <p:cTn id="35" fill="hold">
+                      <p:stCondLst>
+                        <p:cond delay="indefinite"/>
+                      </p:stCondLst>
+                      <p:childTnLst>
+                        <p:par>
+                          <p:cTn id="36" fill="hold">
+                            <p:stCondLst>
+                              <p:cond delay="0"/>
+                            </p:stCondLst>
+                            <p:childTnLst>
+                              <p:par>
+                                <p:cTn id="37" presetID="1" presetClass="entr" presetSubtype="0" fill="hold" nodeType="clickEffect">
+                                  <p:stCondLst>
+                                    <p:cond delay="0"/>
+                                  </p:stCondLst>
+                                  <p:childTnLst>
+                                    <p:set>
+                                      <p:cBhvr>
+                                        <p:cTn id="38" dur="1" fill="hold">
+                                          <p:stCondLst>
+                                            <p:cond delay="0"/>
+                                          </p:stCondLst>
+                                        </p:cTn>
+                                        <p:tgtEl>
+                                          <p:spTgt spid="9">
+                                            <p:txEl>
                                               <p:pRg st="10" end="10"/>
                                             </p:txEl>
                                           </p:spTgt>
@@ -17454,14 +17520,14 @@
                                 </p:cTn>
                               </p:par>
                               <p:par>
-                                <p:cTn id="35" presetID="1" presetClass="entr" presetSubtype="0" fill="hold" nodeType="withEffect">
+                                <p:cTn id="39" presetID="1" presetClass="entr" presetSubtype="0" fill="hold" nodeType="withEffect">
                                   <p:stCondLst>
                                     <p:cond delay="0"/>
                                   </p:stCondLst>
                                   <p:childTnLst>
                                     <p:set>
                                       <p:cBhvr>
-                                        <p:cTn id="36" dur="1" fill="hold">
+                                        <p:cTn id="40" dur="1" fill="hold">
                                           <p:stCondLst>
                                             <p:cond delay="0"/>
                                           </p:stCondLst>
@@ -17491,26 +17557,26 @@
                     </p:cTn>
                   </p:par>
                   <p:par>
-                    <p:cTn id="37" fill="hold">
+                    <p:cTn id="41" fill="hold">
                       <p:stCondLst>
                         <p:cond delay="indefinite"/>
                       </p:stCondLst>
                       <p:childTnLst>
                         <p:par>
-                          <p:cTn id="38" fill="hold">
+                          <p:cTn id="42" fill="hold">
                             <p:stCondLst>
                               <p:cond delay="0"/>
                             </p:stCondLst>
                             <p:childTnLst>
                               <p:par>
-                                <p:cTn id="39" presetID="1" presetClass="entr" presetSubtype="0" fill="hold" grpId="0" nodeType="clickEffect">
+                                <p:cTn id="43" presetID="1" presetClass="entr" presetSubtype="0" fill="hold" grpId="0" nodeType="clickEffect">
                                   <p:stCondLst>
                                     <p:cond delay="0"/>
                                   </p:stCondLst>
                                   <p:childTnLst>
                                     <p:set>
                                       <p:cBhvr>
-                                        <p:cTn id="40" dur="1" fill="hold">
+                                        <p:cTn id="44" dur="1" fill="hold">
                                           <p:stCondLst>
                                             <p:cond delay="0"/>
                                           </p:stCondLst>
